--- a/assets/docs/lec9-consistency-linearizability+notes.pptx
+++ b/assets/docs/lec9-consistency-linearizability+notes.pptx
@@ -5,7 +5,7 @@
     <p:sldMasterId id="2147483660" r:id="rId1"/>
   </p:sldMasterIdLst>
   <p:notesMasterIdLst>
-    <p:notesMasterId r:id="rId51"/>
+    <p:notesMasterId r:id="rId46"/>
   </p:notesMasterIdLst>
   <p:sldIdLst>
     <p:sldId id="256" r:id="rId2"/>
@@ -52,11 +52,6 @@
     <p:sldId id="399" r:id="rId43"/>
     <p:sldId id="486" r:id="rId44"/>
     <p:sldId id="489" r:id="rId45"/>
-    <p:sldId id="462" r:id="rId46"/>
-    <p:sldId id="490" r:id="rId47"/>
-    <p:sldId id="491" r:id="rId48"/>
-    <p:sldId id="384" r:id="rId49"/>
-    <p:sldId id="402" r:id="rId50"/>
   </p:sldIdLst>
   <p:sldSz cx="9144000" cy="6858000" type="screen4x3"/>
   <p:notesSz cx="6858000" cy="9144000"/>
@@ -255,6 +250,7 @@
           <inkml:channelProperty channel="F" name="resolution" value="0" units="1/dev"/>
         </inkml:channelProperties>
       </inkml:inkSource>
+      <inkml:timestamp xml:id="ts0" timeString="2024-10-15T13:44:13.685"/>
     </inkml:context>
     <inkml:brush xml:id="br0">
       <inkml:brushProperty name="width" value="0.09071" units="cm"/>
@@ -268,10 +264,10 @@
     </inkml:brush>
   </inkml:definitions>
   <inkml:trace contextRef="#ctx0" brushRef="#br0">4060 8808 8186,'-22'3'-329,"0"0"0,-1 1 0,2-2 1152,-4 2-564,-2 3 1,-2-2 0,-2 4 85,-3 1 1,-7-2-133,-2-2 1,-8 1-590,23-5 1,0-1 0,-24-2 407,24-1 0,0-2 0,1-2 0,0-1 56,-1-2 0,0-1 1,0-3-1,0-2-114,0-3 0,0-1 0,2 0 0,1-1-5,-1-3 1,2-1 0,3 0 0,2-1 5,-1-2 1,2-1-1,3 0 1,0 0 36,1 0 1,0 0 0,4 0 0,2 0 9,2 0 1,3 0 0,-1 0-1,2 0 22,2 0 0,0 0 0,2-1 0,2-1 30,-1 1 1,3-1-48,2 3 0,1 0 1,3-2-1,0 0 1,2 0-1,1 1 99,0-2 1,1 0 0,1 0-1,0 0-103,3 0 1,1 1 0,-2 3 0,1 1 2,1 4 0,1 2 1,1 3-1,1 2 10,0 1 0,2 1-32,2 1 0,2 1 0,19 0 0,-21 7 0,0 2-151,0 2 1,-1 2 0,0 2 0,1 2 41,0 5 1,0 1-1,1 1 1,0 2-86,-1 3 1,-1 3-1,2 0 1,-1 3-36,-2 2 1,-2 2 185,3 0 0,0 2 0,-3 3 0,-1 2 0,2 1 0,-1 0 48,-1 1 0,-1 0 0,-3 2 0,-1 1-260,-2-2 1,-1 0 0,-3-1-1,0 0 308,-2-2 1,-2 0 0,-2-2 0,-1 0-37,-3-3 0,-1 0 188,-2-3 1,-1 0 0,-3-1-1,-1 0 1,-12 21 109,-6-2 1,9-23-1,-2-2 104,-21 16 0,18-17 0,-1-2-241,-2-4 0,0 0 0,-2-1 0,-1-1 35,0-2 0,-1-1-343,-2 1 1,-1-1 0,2-3 0,-1-2 0,0 0 0,-1-2-284,2 0 0,-1-2 0,2-3 1,0-2 408,0 0 0,1-2 0,0-2 0,0-2 0,2 0 0,0-2 0,1 0 0,0-1 0,1-1 0,-1 0 0</inkml:trace>
-  <inkml:trace contextRef="#ctx0" brushRef="#br0">4525 8743 8358,'-9'-5'0,"-1"-4"169,1 8 1,5-3 369,4 4 1,4 0-609,5 0 0,5 4 22,1 3 0,3 1-179,1 1 164,3 1 1,-1-1-1,3-1-35,-1-2 0,4 2 79,0-5 0,4 0-19,4-3 0,2 0-106,0 0 192,0-4 0,9-2 0,-3-3-20,3 0 0,-4 0 28,-1-1 0,-7 1 107,-3 0 1,0 3-87,-3 3 46,-2 2 0,-7 2 0,2 3 45,1 6 0,-1 0-17,-2 6 0,1 2-116,1 4 1,-1-1-167,2-6 13,2 3 1,-4-5-1,5 3-178,1-4 0,-2-2 136,1 0 0,2-4 202,0 0 1,4-4-108,-3 1 0,0-2 34,3-1 1,1 0 110,-1 0 1,1 0-186,-5 0 230,-3 0 0,5 0 0,-4 0 30,-2 0 1,2-3-127,-1 0-16,3-4 0,1 5 1,0-4-11,0-2 1,0 3 5,0-1-5,4 4 0,-2-6 0,3 2-31,-1-3 0,-1 0 40,-3 0-37,0-1 0,4 1 0,1 0 50,0-1 1,3 1-27,-5 0 37,4-1 0,-2 1 0,3 0 52,-2 0 0,1 3-16,-3 3 1,0 2-24,-1 1 0,-2 0 7,2 0 1,-2 4 20,-1 3 0,-1 5 8,1 3 1,0-1-96,0-2 0,0 2-4,0-2 1,1 1-82,2-4 1,-2 0 60,2 1 0,2-5-137,1-2 0,-1-2 140,2-1 0,-2 0-17,1 0 1,1-1 9,-4-2 1,1-2-5,-1-5 0,-2 2 86,2 2 1,-2-3-75,-1 3 0,0 1 131,0-1 0,-1 4-38,-2-1 0,1 2 159,-5 1 0,5 0-122,-1 0 1,-2 1 159,-2 2 1,-1 2-227,-1 4 0,2 1 3,1-1 1,0 0-180,-3 1 1,2-1 81,1 0 0,4-1-22,-1-1 0,2 0 54,0-4 0,2 3-29,2-3 0,2 0 112,1-3 0,-2 0 1,-4 0 0,4 0 47,2 0 0,5-4 224,2-2 0,0-2-210,-1-2 0,0 1 126,3 0 1,-1 0-199,2-1 1,0 1-116,-3 0 0,2 2-268,-2 1 1,3 4-222,-1-1 0,-1 2-1388,-2 1 1945,3 0 0,-2 3 0,2 0 0,-2-1 0,-3-1 0,-1-1 0</inkml:trace>
-  <inkml:trace contextRef="#ctx0" brushRef="#br0">12989 8883 8298,'-14'0'-503,"-1"0"590,1 0 0,7-1 314,10-3 0,4-1-387,12-4 1,-1-5 116,6-1-131,1-3 1,4 0 0,2-1-25,3 1 0,-2 0 3,-1 2 1,2 3 42,-2 4 1,4 2-12,-1 1-11,-2 4 1,0-1 0,-4 6-10,0 3 1,-2 6 114,2 0 1,-6 2-95,6-2 1,-5-2 244,2 3-229,0-3 1,6-2-1,1-1 37,1-4 0,1-2 48,3-1 0,4 0-3,-1 0 1,1-3-1141,0 0 1066,-3-5 1,8 6 0,-4-3-103,0 1 0,0 1-7,-5 3 0,0 0 1,1 0 0,-1 0 118,0 0-11,-4 4 0,3-3 1,0 2-100,3-2 1,3-1-17,5 0 0,-4 0 76,1 0 0,-1 0-10,4 0 0,-1-3 14,1 0 1,-1-4-256,1 0 1,-1 2 349,1-1 1,0 3-95,-1-3 1,-3 4 4,-3-1 20,-2 2 0,4-3 1,0 1 47,0 1 1,0 1-105,-5 1 0,0 0 132,0 0 0,4 0 51,-1 0 0,4 0-99,-4 0 1,3 0 49,-2 0 0,2 0 2,-2 0 0,2 1 16,-3 2 1,1-1 64,-4 5 1,6-4-17,1 3 1,2-3-24,-5 3 0,2-1 118,-2 2 1,3 1-176,0-2 0,-3-1 56,-1 2 1,3-2-323,0 1 1,-2 1 0,0-4 1,-3 0 6,-1-3 0,2 0-253,1 0 1,-4 0-1163,5 0 979,-1-4 603,6-1 0,-1-3 0,1 0 0,5-2 0,-24 4 0,0-1 0,1-2 0,0 1 0</inkml:trace>
-  <inkml:trace contextRef="#ctx0" brushRef="#br0">18165 8929 8217,'-5'-13'-315,"1"-1"1,4-2 447,0 0 1,8 5 507,5-2 0,8 4-532,3 3 1,4-1 106,3 3-190,7 1 0,0 3 1,3 1-103,1 3 0,-1 1-282,2 4 1,2 1 283,-5 3 1,1-3-201,-4 3 259,0-7 1,3 1 0,2-4 68,0-1 1,-1-2 79,2-3 1,1-2-139,2-4 1,1-5 145,-1-1 1,-2 0-272,-1 0 1,1 6 389,2 0 0,0 6-126,-3 0 1,-5 2 48,-4 1 1,-4 4 11,2 2-190,1 2 1,-4 5-1,2 0 6,-2 2 0,0-1 107,2 2 1,1 0-230,2-3 0,-1-1 82,-2-3-67,-2 1 0,8-5 0,-2-2 42,2-2 1,2-1-79,-5 0 0,5-4 114,2-2 0,1-2 4,-5 2 0,3-2 12,-6 2 0,-1 1-19,1-2 0,-4 5 62,1-1 1,1 1-50,-1-1 0,4 2 66,-1-2 0,0 2 211,0 1 0,-1 0-156,1 0 1,3 0-45,0 0 0,-2 0 19,2 0 0,1 0 4,2 0 1,5-3-14,-2 0 0,2-4 20,-2 4 0,3-3-40,-3 3 0,4-3-6,2 3 1,-1-3-22,2 2 0,-6 1-4,0 3 0,-1-3 33,4 0 1,-4 0-7,1 3 0,-4 1-16,3 2 0,1-2 9,2 2 1,-2 1-117,-1 0 1,-3-1 59,0-3 0,2 0-9,2 0 1,1 0 36,2 0 0,-1 0-7,1 0 1,4 0-29,1 0 0,-1 0-6,-1 0 0,2 1 92,-26 0 0,0 1 0,2-2 1,0 1-64,2 0 0,-1 1 0,-2 0 0,0 0-57,1-1 0,0 1 1,-1 1-1,1 0-36,1-1 0,1-1 0,-2 3 0,0 0-129,2-1 0,-1 0 1,-2 1-1,-1 0-191,24 5 1,-3 1-9,0-1 1,-21-4 0,1-1 411,-1 1 0,1 0 0,2-2 0,-1 1 0,24 3 0,-1 0 0,0 0 0</inkml:trace>
-  <inkml:trace contextRef="#ctx0" brushRef="#br1">903 16452 9429,'-4'5'677,"-2"-1"0,2-4-1614,1-4 0,8-1 226,7-4 0,8 0 1003,11-1 0,10 1-217,9 0 0,-21 6 0,1 1-158,2 0 1,1 0-1,3 2 1,1 0 240,3 2 0,1 0 0,2 0 1,0 1-254,0 1 1,1 1 0,-1 0 0,1-1 181,-2 1 1,0 0 0,1-1-1,0 0-31,-1-1 0,-1 0 0,-2 0 1,-1-2-37,-5 0 1,-1-2-1,-2 0 1,0-2 95,-3 0 0,-1 0 0,16-5 91,-8-2 1,-9 1-43,-6 0 1,-6 3 635,-7-1-712,-1 5 1,-11-2 619,-3 4 1,-5-3-660,-8 0 1,-2-1-173,-4 1 0,-4-3-219,-2-3 1,-3-4 149,-4-3 0,3-6-25,-2-2 0,3-2 47,2 1 0,4-2 619,7 2 1,3 2 236,8 2-254,5 5 0,10 4-220,4 6 1,6 2-82,10 8 0,1-1 81,5 6 0,5-1 7,5 8 0,0-1-589,5 4 1,1 1 383,2 1 1,2 2-131,-23-11 0,0 1 0,18 13 11,0-4 1,-8-4 285,-7-2 0,-3-5 108,-6 1 1,-3-1-111,-10-2 1,-2-3 42,-4 1 1,-2-1-138,-4 3 0,-3 1-191,-9 3 0,-1 2 162,-9 7 0,1 3-750,-7 6 1,1-1 163,-1 4 1,-1 0-89,4 3 1,0 2 616,3 1 0,2 1 0,0 3 0,0-4 0,1-1 0</inkml:trace>
+  <inkml:trace contextRef="#ctx0" brushRef="#br0" timeOffset="1">4525 8743 8358,'-9'-5'0,"-1"-4"169,1 8 1,5-3 369,4 4 1,4 0-609,5 0 0,5 4 22,1 3 0,3 1-179,1 1 164,3 1 1,-1-1-1,3-1-35,-1-2 0,4 2 79,0-5 0,4 0-19,4-3 0,2 0-106,0 0 192,0-4 0,9-2 0,-3-3-20,3 0 0,-4 0 28,-1-1 0,-7 1 107,-3 0 1,0 3-87,-3 3 46,-2 2 0,-7 2 0,2 3 45,1 6 0,-1 0-17,-2 6 0,1 2-116,1 4 1,-1-1-167,2-6 13,2 3 1,-4-5-1,5 3-178,1-4 0,-2-2 136,1 0 0,2-4 202,0 0 1,4-4-108,-3 1 0,0-2 34,3-1 1,1 0 110,-1 0 1,1 0-186,-5 0 230,-3 0 0,5 0 0,-4 0 30,-2 0 1,2-3-127,-1 0-16,3-4 0,1 5 1,0-4-11,0-2 1,0 3 5,0-1-5,4 4 0,-2-6 0,3 2-31,-1-3 0,-1 0 40,-3 0-37,0-1 0,4 1 0,1 0 50,0-1 1,3 1-27,-5 0 37,4-1 0,-2 1 0,3 0 52,-2 0 0,1 3-16,-3 3 1,0 2-24,-1 1 0,-2 0 7,2 0 1,-2 4 20,-1 3 0,-1 5 8,1 3 1,0-1-96,0-2 0,0 2-4,0-2 1,1 1-82,2-4 1,-2 0 60,2 1 0,2-5-137,1-2 0,-1-2 140,2-1 0,-2 0-17,1 0 1,1-1 9,-4-2 1,1-2-5,-1-5 0,-2 2 86,2 2 1,-2-3-75,-1 3 0,0 1 131,0-1 0,-1 4-38,-2-1 0,1 2 159,-5 1 0,5 0-122,-1 0 1,-2 1 159,-2 2 1,-1 2-227,-1 4 0,2 1 3,1-1 1,0 0-180,-3 1 1,2-1 81,1 0 0,4-1-22,-1-1 0,2 0 54,0-4 0,2 3-29,2-3 0,2 0 112,1-3 0,-2 0 1,-4 0 0,4 0 47,2 0 0,5-4 224,2-2 0,0-2-210,-1-2 0,0 1 126,3 0 1,-1 0-199,2-1 1,0 1-116,-3 0 0,2 2-268,-2 1 1,3 4-222,-1-1 0,-1 2-1388,-2 1 1945,3 0 0,-2 3 0,2 0 0,-2-1 0,-3-1 0,-1-1 0</inkml:trace>
+  <inkml:trace contextRef="#ctx0" brushRef="#br0" timeOffset="2">12989 8883 8298,'-14'0'-503,"-1"0"590,1 0 0,7-1 314,10-3 0,4-1-387,12-4 1,-1-5 116,6-1-131,1-3 1,4 0 0,2-1-25,3 1 0,-2 0 3,-1 2 1,2 3 42,-2 4 1,4 2-12,-1 1-11,-2 4 1,0-1 0,-4 6-10,0 3 1,-2 6 114,2 0 1,-6 2-95,6-2 1,-5-2 244,2 3-229,0-3 1,6-2-1,1-1 37,1-4 0,1-2 48,3-1 0,4 0-3,-1 0 1,1-3-1141,0 0 1066,-3-5 1,8 6 0,-4-3-103,0 1 0,0 1-7,-5 3 0,0 0 1,1 0 0,-1 0 118,0 0-11,-4 4 0,3-3 1,0 2-100,3-2 1,3-1-17,5 0 0,-4 0 76,1 0 0,-1 0-10,4 0 0,-1-3 14,1 0 1,-1-4-256,1 0 1,-1 2 349,1-1 1,0 3-95,-1-3 1,-3 4 4,-3-1 20,-2 2 0,4-3 1,0 1 47,0 1 1,0 1-105,-5 1 0,0 0 132,0 0 0,4 0 51,-1 0 0,4 0-99,-4 0 1,3 0 49,-2 0 0,2 0 2,-2 0 0,2 1 16,-3 2 1,1-1 64,-4 5 1,6-4-17,1 3 1,2-3-24,-5 3 0,2-1 118,-2 2 1,3 1-176,0-2 0,-3-1 56,-1 2 1,3-2-323,0 1 1,-2 1 0,0-4 1,-3 0 6,-1-3 0,2 0-253,1 0 1,-4 0-1163,5 0 979,-1-4 603,6-1 0,-1-3 0,1 0 0,5-2 0,-24 4 0,0-1 0,1-2 0,0 1 0</inkml:trace>
+  <inkml:trace contextRef="#ctx0" brushRef="#br0" timeOffset="3">18165 8929 8217,'-5'-13'-315,"1"-1"1,4-2 447,0 0 1,8 5 507,5-2 0,8 4-532,3 3 1,4-1 106,3 3-190,7 1 0,0 3 1,3 1-103,1 3 0,-1 1-282,2 4 1,2 1 283,-5 3 1,1-3-201,-4 3 259,0-7 1,3 1 0,2-4 68,0-1 1,-1-2 79,2-3 1,1-2-139,2-4 1,1-5 145,-1-1 1,-2 0-272,-1 0 1,1 6 389,2 0 0,0 6-126,-3 0 1,-5 2 48,-4 1 1,-4 4 11,2 2-190,1 2 1,-4 5-1,2 0 6,-2 2 0,0-1 107,2 2 1,1 0-230,2-3 0,-1-1 82,-2-3-67,-2 1 0,8-5 0,-2-2 42,2-2 1,2-1-79,-5 0 0,5-4 114,2-2 0,1-2 4,-5 2 0,3-2 12,-6 2 0,-1 1-19,1-2 0,-4 5 62,1-1 1,1 1-50,-1-1 0,4 2 66,-1-2 0,0 2 211,0 1 0,-1 0-156,1 0 1,3 0-45,0 0 0,-2 0 19,2 0 0,1 0 4,2 0 1,5-3-14,-2 0 0,2-4 20,-2 4 0,3-3-40,-3 3 0,4-3-6,2 3 1,-1-3-22,2 2 0,-6 1-4,0 3 0,-1-3 33,4 0 1,-4 0-7,1 3 0,-4 1-16,3 2 0,1-2 9,2 2 1,-2 1-117,-1 0 1,-3-1 59,0-3 0,2 0-9,2 0 1,1 0 36,2 0 0,-1 0-7,1 0 1,4 0-29,1 0 0,-1 0-6,-1 0 0,2 1 92,-26 0 0,0 1 0,2-2 1,0 1-64,2 0 0,-1 1 0,-2 0 0,0 0-57,1-1 0,0 1 1,-1 1-1,1 0-36,1-1 0,1-1 0,-2 3 0,0 0-129,2-1 0,-1 0 1,-2 1-1,-1 0-191,24 5 1,-3 1-9,0-1 1,-21-4 0,1-1 411,-1 1 0,1 0 0,2-2 0,-1 1 0,24 3 0,-1 0 0,0 0 0</inkml:trace>
+  <inkml:trace contextRef="#ctx0" brushRef="#br1" timeOffset="4">903 16452 9429,'-4'5'677,"-2"-1"0,2-4-1614,1-4 0,8-1 226,7-4 0,8 0 1003,11-1 0,10 1-217,9 0 0,-21 6 0,1 1-158,2 0 1,1 0-1,3 2 1,1 0 240,3 2 0,1 0 0,2 0 1,0 1-254,0 1 1,1 1 0,-1 0 0,1-1 181,-2 1 1,0 0 0,1-1-1,0 0-31,-1-1 0,-1 0 0,-2 0 1,-1-2-37,-5 0 1,-1-2-1,-2 0 1,0-2 95,-3 0 0,-1 0 0,16-5 91,-8-2 1,-9 1-43,-6 0 1,-6 3 635,-7-1-712,-1 5 1,-11-2 619,-3 4 1,-5-3-660,-8 0 1,-2-1-173,-4 1 0,-4-3-219,-2-3 1,-3-4 149,-4-3 0,3-6-25,-2-2 0,3-2 47,2 1 0,4-2 619,7 2 1,3 2 236,8 2-254,5 5 0,10 4-220,4 6 1,6 2-82,10 8 0,1-1 81,5 6 0,5-1 7,5 8 0,0-1-589,5 4 1,1 1 383,2 1 1,2 2-131,-23-11 0,0 1 0,18 13 11,0-4 1,-8-4 285,-7-2 0,-3-5 108,-6 1 1,-3-1-111,-10-2 1,-2-3 42,-4 1 1,-2-1-138,-4 3 0,-3 1-191,-9 3 0,-1 2 162,-9 7 0,1 3-750,-7 6 1,1-1 163,-1 4 1,-1 0-89,4 3 1,0 2 616,3 1 0,2 1 0,0 3 0,0-4 0,1-1 0</inkml:trace>
 </inkml:ink>
 </file>
 
@@ -521,6 +517,7 @@
           <inkml:channelProperty channel="F" name="resolution" value="0" units="1/dev"/>
         </inkml:channelProperties>
       </inkml:inkSource>
+      <inkml:timestamp xml:id="ts0" timeString="2024-10-15T13:44:13.701"/>
     </inkml:context>
     <inkml:brush xml:id="br0">
       <inkml:brushProperty name="width" value="0.09071" units="cm"/>
@@ -615,6 +612,7 @@
           <inkml:channelProperty channel="F" name="resolution" value="0" units="1/dev"/>
         </inkml:channelProperties>
       </inkml:inkSource>
+      <inkml:timestamp xml:id="ts0" timeString="2024-10-15T13:44:13.707"/>
     </inkml:context>
     <inkml:brush xml:id="br0">
       <inkml:brushProperty name="width" value="0.09071" units="cm"/>
@@ -623,9 +621,9 @@
     </inkml:brush>
   </inkml:definitions>
   <inkml:trace contextRef="#ctx0" brushRef="#br0">10242 7765 8324,'-9'-3'504,"-1"0"-203,5 0-433,-3 3 0,11 0-4,0 0 1,5 0 159,5 0 1,1 0-97,5 0 1,4 0 78,1 0 1,4-4 37,3-2 1,3-4 4,3-2 0,4 0-258,3-3 0,5-1 225,-22 7 1,-1 0 0,0 0 0,0 0 31,0 1 0,1 1 1,21-3-48,2 7 0,-3 2 44,0 1 0,-4 4 54,1 3 1,-5 1-50,1 1 0,0 4 126,0-1 0,-1-3-124,5-2 0,-1-5 100,4 1 0,2-2-82,3-1 1,-3 0 9,4 0 0,-1 0-54,1 0 0,-25-2 1,0 1 17,2-1 1,-1 1-1,0-3 1,-1 1-228,1 2 1,1-1 0,-1 1 0,0-1 217,0 2 0,1 0 1,-1 0-1,0 0-24,2 0 1,0 0 0,-2 0 0,0 0-5,0 0 0,1 0 1,-2 0-1,1 0 1,-1 0 0,-1 0 0,2-1 0,0-1-8,2 1 1,1-1 0,-4 0 0,1 0-6,2 0 1,1 1 0,-1 0 0,0 0 114,0-2 1,0-1 0,1 0 0,1-1-57,1-1 0,0 0 1,-1-1-1,-1 1-63,1 1 0,-1 1 1,1-1-1,0 0 40,-2-2 0,0 1 1,0 2-1,0 1-65,1-2 0,1 1 0,-3 0 0,0 1 48,2 0 0,1 0 1,-2 1-1,0 0-3,0 2 1,0 0 0,0 0 0,-1 1-8,0 1 1,-1-1-1,0 0 1,-1 0-9,2 2 0,-1 1 0,1-3 0,0 1-22,0 1 1,-1 0 0,0-1-1,0 1 27,-2 0 1,-1 0 0,1 1 0,0-1-282,22 1 1,-22-1 0,-1 0 229,24 0 1,-23 0 0,1 0 18,21 0 0,3 0 12,-9-3 1,3 1-10,0 2 0,3-2 22,-2 3 1,1 0 16,-4-1 1,-2 3 78,2-3 0,-5 3-97,1-3 1,2 4 43,-2-4 1,3 3-23,-2-3 0,3 3-12,0-3 0,-3 4 7,-1-4 1,-4 1-67,-2-1 0,3 1 53,3 2 0,1-1-3,-4-1 1,0-3-2,0 2 1,0 1 6,-3-1 1,1 1 74,-4-1 0,3-2-67,-3 2 0,4-2 13,-1-1 1,2 0-21,-2 0 0,1-1 4,-4-2 0,3-2-7,-3-4 0,3-1-1,-3 1 0,3 0 92,-3-1 1,7 1-77,-4 0 1,1 0-31,-4-1 0,-2 2 31,2 2 0,-2-6 209,-1 3 1,-1-3-231,-2-1 0,2-1-1,-3-5 1,3-3 2,1 1 1,0-5-6,0 1 0,-2-6 344,2-3 0,-6 1-275,2-1 0,-3 2 151,-2-2 1,-4-1-103,1-5 0,-5 2 27,2-3 1,-6 3-20,-1 1 1,-4 2 242,1-3 1,-2 8-186,-1-1 0,0 3 79,0 7 1,-3-4-35,0 3 1,-4 1-98,1 6 1,-3 0 33,0 3 0,-3 1 182,-1-5 1,-3 6-316,0 0 1,-1 1 57,-2 3 0,-1-2-193,-1-2 1,-3 4 66,-4 0 1,0 3-125,0-3 1,-1 2 11,-2-2 0,-1 1 103,-2-1 0,-3-2-179,-1 1 1,-1-1 177,-8-1 0,6-1-95,-6 1 0,6-3 234,-2-1 0,2-3-25,-2 0 1,4 0-103,-2 0 0,2 0 4,-1 3 1,-7 1 15,21 7 0,-1 0 0,0 1 0,-1 0 23,0 1 1,0 0 0,1 0 0,-1 1 44,0 0 1,0 1 0,-1 0 0,0 1-50,-2-2 0,0 1 0,2 0 0,0 1-144,-2-1 1,0 2 0,1-1 0,1 0 150,-1 0 0,1 0 0,-2 0 0,-1 0 7,-4 0 0,0 0 0,2 0 0,0 0 26,-3 0 1,0 0-1,2 0 1,0 0 64,0 0 1,-1 0-1,1-2 1,0 0-7,-1 1 1,0-1-1,1-1 1,1 0-67,1 2 1,1-1-1,-1-1 1,0-1-12,1 1 0,-1 0 1,0-1-1,-1 0 17,1 1 0,1 0 0,-1-1 1,0 1 55,3 1 1,1 1 0,-2-2 0,0 0-74,1 1 1,1 0 0,-3-1 0,1-1-73,0 1 0,-1 0 1,1 0-1,-1 1 48,1-1 1,0 0 0,-1 1 0,0 2-96,1-2 1,0 0 0,-2 0-1,-1-1 44,0 0 1,0 0 0,-1 1 0,1 0 49,2 0 1,-1 1-1,0 0 1,0 0-88,-1-1 0,0 1 0,-1 0 0,-1 1 61,-1-2 1,0 1 0,0 0 0,0 2-287,2 0 1,-1 1 0,-1-2-1,0 2 288,2 1 0,-1 0 0,-3 0 0,-1 0 3,2 2 0,-1-1 1,-1 1-1,1 1-27,5 0 1,0 0 0,-3-1 0,1 1-57,-2 0 1,1 0 0,-1 1 0,-1 0-1,1 1 1,-1 0 0,1-1 0,1 0 59,3 1 1,0 0-1,1-2 1,-1 0 7,-2 2 1,1 0 0,-1-2 0,1 0-147,-1 2 0,1 0 0,2-2 0,1-1 206,2 1 0,1 1 0,0-2 1,1 0-56,0 0 1,0-1 0,-2 1 0,1 0 30,-1-1 1,1 1 0,1 0-1,1 0-24,-23 8 0,3-3 109,0 2 0,-1 2-44,1-2 0,-2 2-48,6-2 0,2-2-51,0 3 1,3 0 252,1 0 0,3-1-366,0-2 1,2-1 60,-2 0 1,1-3 40,-1 1 1,-1-4 59,4 3 1,0-3 477,3 3 1,3 0-491,0 4 1,4-1 406,-4 0 0,3 4-375,-3-1 1,1 6-35,0 0 0,0 2 71,2 5 0,1 1-19,-4 5 1,6-2 11,0 2 0,2 2-28,4 1 0,1-1 3,2 1 1,5-4-36,2 1 1,2-3 350,1-3 0,1 1-479,2-4 1,2-1 272,5-2 0,0-5-391,3-1 1,-1 0 60,7 0 0,-3-2-579,6-5 0,3 2 789,3-5 0,4 4 0,5-2 0</inkml:trace>
-  <inkml:trace contextRef="#ctx0" brushRef="#br0">4516 7579 8373,'-18'15'-309,"3"-3"1,1-2 302,5 0 0,0-4-527,-1 0 1,4-4 532,0 1 0,0 2 0,-4 1 0</inkml:trace>
-  <inkml:trace contextRef="#ctx0" brushRef="#br0">4376 7663 8373,'0'5'-747,"0"3"1236,0-3 1,0 5-16,0-1 0,4 3-137,2 1 0,8 3-27,5 0 0,4 3-39,8 2 1,8-1-311,7 2 1,-20-12 0,1-1 87,4 1 0,0-1 0,0-1 0,0-2-253,3 1 1,0-1 0,0-1 0,-1-1 118,-1 0 0,1-2 0,1 1 0,1-1 83,1-2 0,-1 0 1,-1-2-1,-1-1-57,-1 1 0,1-2 1,-2 0-1,1 0 39,0-1 1,1 1 0,0-2 0,0-1-11,2 1 1,-1 0-1,-2-2 1,1-1 54,-1 2 1,1-1-1,0-1 1,-1-1 93,-1-1 1,0 0-1,0 1 1,-1 0 7,1-3 0,0 1 0,-2 1 0,-1 0-54,0-1 1,0-1-1,0 2 1,-1 1-2,-2-3 1,0 1 0,-1-1 0,0 0 123,-2-2 0,0-1 0,18-16 90,-6-2 0,-3-3-94,-6 3 0,-2-2-31,-5-1 1,-4 0-24,-5-1 0,-4 1-52,-5 0 0,-4-4-170,-2 1 1,-6-4 72,-4 0 1,-6-1-98,-3-2 1,12 24 0,-1 0 62,-2-1 0,1 1 0,0 0 1,0 1-31,-2 0 1,-1 0 0,1-1 0,0 1 17,-1 0 1,-1 0 0,-1 0 0,1 1 22,0 0 1,0 1 0,-2 0 0,-1 1 24,-18-12 1,18 15 0,-1 1-18,0 0 1,0 2 0,-3 1 0,-1 0 41,1 1 0,-1 0 0,-1 2 0,-1 0-26,3 1 0,-1 0 0,-1 0 0,-2 1-95,1 2 1,0 0 0,-4 0 0,-1 0 61,2 3 1,-1 1 0,0 0-1,0 0-44,2 2 0,0 1 0,-1 1 0,0 1 9,1 3 0,0 2 0,-3 0 0,0 1-97,0 4 1,0 0 0,1 2 0,1 2-104,1 0 1,0 1-1,1 1 1,1 2 204,-2 3 1,0 0 0,1 0-1,0 1 110,0 0 0,1 0 0,1 0 0,1 0-39,3-1 0,1 0 0,3-2 0,1 1-35,0 1 1,1 0 0,2-1-1,2 0 63,-1-1 1,2 0-1,-7 21-41,8-1 1,5 1-64,0 6 0,5 2 2,0-24 1,1 0 0,3 0 0,0 0-13,2 0 0,2-1 0,2 2 0,1-2-64,3 1 1,1 0 0,2 0 0,2-1-273,1 0 0,1-1 1,3-1-1,2-1 32,2-1 1,1-2 391,2 0 0,1-1 0,0-1 0,2-1 0,2 1 0,0 0 0,1-1 0,0 1 0</inkml:trace>
-  <inkml:trace contextRef="#ctx0" brushRef="#br0">13398 9097 8121,'-18'-14'0,"-1"3"40,0-5 1,4 4 198,-1-4 0,1 4-124,-4-4 0,-2 1-22,-1-4 1,-4 1-135,1-1 1,-2 0 114,-1 1 1,-4-2-71,-2-2 0,-2 4-276,-1-1 1,-3 2 381,-3 4 1,-2-2-36,19 8 0,0 1 0,-23-6-15,-1 3 0,2 0 169,-2 3 0,1 2-105,-3 4 1,4 4 16,2 2 1,3 4-50,6 2 0,-5 3-95,-1 3 1,2 5-88,0 2 0,2 3 111,-1 3 0,19-15 0,0 1-88,-1 1 0,1 1 0,-16 18 50,6 1 0,2 0-18,1 2 0,1-2 37,2 3 0,3-6 55,7-1 1,-2 0-9,5 3 1,0 1-111,6-1 1,2 0 131,4 0 0,0 4-30,0-1 1,4 7-101,2-4 1,4 4-135,2-7 0,-1 3 135,5-2 1,3 1 71,2-4 0,5-4-13,-1-10 1,6-2-63,3-6 1,7 0 124,2-3 0,7-5 42,-24-6 1,0-1 0,2-1 0,0 0-110,1-1 0,1-1 1,2-1-1,0 0 39,2-3 1,1-1 0,1 2 0,0-1-211,0-2 0,-1 0 1,2 1-1,0 0 186,0-1 0,0 0 1,0 0-1,-1-1 22,-2 1 0,0 0 1,0 0-1,-1-1-82,-3 0 0,-1-1 1,1 1-1,-1 0 107,-1-1 0,0 1 1,0-2-1,-1 0-11,0 1 0,-1-2 0,-1 0 0,-1 0 180,20-10 1,-3-4-127,-4 1 0,0 1 276,-3 0 0,-6 2-259,-7-3 0,-5-1 196,-4-5 1,-1 1-104,-2-4 0,-4 0-34,-2-3 0,-2-1-70,-1 1 0,0 1-165,0 2 1,-5-1-245,-4 4 0,-1 3 714,-6 3 1,0 5-1143,-2 1 0,2 5 749,1 5 0,-1-1-782,-2 1 0,3 4 762,3 2 0,1 2 0,2 1 0</inkml:trace>
+  <inkml:trace contextRef="#ctx0" brushRef="#br0" timeOffset="1">4516 7579 8373,'-18'15'-309,"3"-3"1,1-2 302,5 0 0,0-4-527,-1 0 1,4-4 532,0 1 0,0 2 0,-4 1 0</inkml:trace>
+  <inkml:trace contextRef="#ctx0" brushRef="#br0" timeOffset="2">4376 7663 8373,'0'5'-747,"0"3"1236,0-3 1,0 5-16,0-1 0,4 3-137,2 1 0,8 3-27,5 0 0,4 3-39,8 2 1,8-1-311,7 2 1,-20-12 0,1-1 87,4 1 0,0-1 0,0-1 0,0-2-253,3 1 1,0-1 0,0-1 0,-1-1 118,-1 0 0,1-2 0,1 1 0,1-1 83,1-2 0,-1 0 1,-1-2-1,-1-1-57,-1 1 0,1-2 1,-2 0-1,1 0 39,0-1 1,1 1 0,0-2 0,0-1-11,2 1 1,-1 0-1,-2-2 1,1-1 54,-1 2 1,1-1-1,0-1 1,-1-1 93,-1-1 1,0 0-1,0 1 1,-1 0 7,1-3 0,0 1 0,-2 1 0,-1 0-54,0-1 1,0-1-1,0 2 1,-1 1-2,-2-3 1,0 1 0,-1-1 0,0 0 123,-2-2 0,0-1 0,18-16 90,-6-2 0,-3-3-94,-6 3 0,-2-2-31,-5-1 1,-4 0-24,-5-1 0,-4 1-52,-5 0 0,-4-4-170,-2 1 1,-6-4 72,-4 0 1,-6-1-98,-3-2 1,12 24 0,-1 0 62,-2-1 0,1 1 0,0 0 1,0 1-31,-2 0 1,-1 0 0,1-1 0,0 1 17,-1 0 1,-1 0 0,-1 0 0,1 1 22,0 0 1,0 1 0,-2 0 0,-1 1 24,-18-12 1,18 15 0,-1 1-18,0 0 1,0 2 0,-3 1 0,-1 0 41,1 1 0,-1 0 0,-1 2 0,-1 0-26,3 1 0,-1 0 0,-1 0 0,-2 1-95,1 2 1,0 0 0,-4 0 0,-1 0 61,2 3 1,-1 1 0,0 0-1,0 0-44,2 2 0,0 1 0,-1 1 0,0 1 9,1 3 0,0 2 0,-3 0 0,0 1-97,0 4 1,0 0 0,1 2 0,1 2-104,1 0 1,0 1-1,1 1 1,1 2 204,-2 3 1,0 0 0,1 0-1,0 1 110,0 0 0,1 0 0,1 0 0,1 0-39,3-1 0,1 0 0,3-2 0,1 1-35,0 1 1,1 0 0,2-1-1,2 0 63,-1-1 1,2 0-1,-7 21-41,8-1 1,5 1-64,0 6 0,5 2 2,0-24 1,1 0 0,3 0 0,0 0-13,2 0 0,2-1 0,2 2 0,1-2-64,3 1 1,1 0 0,2 0 0,2-1-273,1 0 0,1-1 1,3-1-1,2-1 32,2-1 1,1-2 391,2 0 0,1-1 0,0-1 0,2-1 0,2 1 0,0 0 0,1-1 0,0 1 0</inkml:trace>
+  <inkml:trace contextRef="#ctx0" brushRef="#br0" timeOffset="3">13398 9097 8121,'-18'-14'0,"-1"3"40,0-5 1,4 4 198,-1-4 0,1 4-124,-4-4 0,-2 1-22,-1-4 1,-4 1-135,1-1 1,-2 0 114,-1 1 1,-4-2-71,-2-2 0,-2 4-276,-1-1 1,-3 2 381,-3 4 1,-2-2-36,19 8 0,0 1 0,-23-6-15,-1 3 0,2 0 169,-2 3 0,1 2-105,-3 4 1,4 4 16,2 2 1,3 4-50,6 2 0,-5 3-95,-1 3 1,2 5-88,0 2 0,2 3 111,-1 3 0,19-15 0,0 1-88,-1 1 0,1 1 0,-16 18 50,6 1 0,2 0-18,1 2 0,1-2 37,2 3 0,3-6 55,7-1 1,-2 0-9,5 3 1,0 1-111,6-1 1,2 0 131,4 0 0,0 4-30,0-1 1,4 7-101,2-4 1,4 4-135,2-7 0,-1 3 135,5-2 1,3 1 71,2-4 0,5-4-13,-1-10 1,6-2-63,3-6 1,7 0 124,2-3 0,7-5 42,-24-6 1,0-1 0,2-1 0,0 0-110,1-1 0,1-1 1,2-1-1,0 0 39,2-3 1,1-1 0,1 2 0,0-1-211,0-2 0,-1 0 1,2 1-1,0 0 186,0-1 0,0 0 1,0 0-1,-1-1 22,-2 1 0,0 0 1,0 0-1,-1-1-82,-3 0 0,-1-1 1,1 1-1,-1 0 107,-1-1 0,0 1 1,0-2-1,-1 0-11,0 1 0,-1-2 0,-1 0 0,-1 0 180,20-10 1,-3-4-127,-4 1 0,0 1 276,-3 0 0,-6 2-259,-7-3 0,-5-1 196,-4-5 1,-1 1-104,-2-4 0,-4 0-34,-2-3 0,-2-1-70,-1 1 0,0 1-165,0 2 1,-5-1-245,-4 4 0,-1 3 714,-6 3 1,0 5-1143,-2 1 0,2 5 749,1 5 0,-1-1-782,-2 1 0,3 4 762,3 2 0,1 2 0,2 1 0</inkml:trace>
 </inkml:ink>
 </file>
 
@@ -645,6 +643,7 @@
           <inkml:channelProperty channel="F" name="resolution" value="0" units="1/dev"/>
         </inkml:channelProperties>
       </inkml:inkSource>
+      <inkml:timestamp xml:id="ts0" timeString="2024-10-15T13:44:13.711"/>
     </inkml:context>
     <inkml:brush xml:id="br0">
       <inkml:brushProperty name="width" value="0.09071" units="cm"/>
@@ -668,139 +667,139 @@
     </inkml:brush>
   </inkml:definitions>
   <inkml:trace contextRef="#ctx0" brushRef="#br0">372 15409 8359,'0'-10'105,"0"-2"0,0 1 120,0-1 1,5 2-154,1 0 87,6 1 1,4 1-1,6 0 19,6 2 0,4 4-158,6-1 1,3 6-57,3 3 1,2 3 51,4 0 1,-3 1-311,3 3 0,2-3 308,-26-4 1,0 0 0,1 0-1,-1-1 3,2 0 1,0-1-1,-2 0 1,1 0 12,1 0 0,0-1 0,-1 0 0,1 1 98,21-1-122,-22-1 1,0-1-1,24 2 1,-24-1-1,0-1-17,-1 0 0,0 0 0,23 0-148,1-1 0,0 0 281,0 0 0,0 0-47,-4 0 1,1 3 19,-1 1 0,1 3 56,-1-1 1,-3-1 21,-3 1 1,1 1-94,0 2 1,6-3-107,0 0 1,-1-4-82,-3 2 1,-1-4 130,2-4 0,3-2-121,-3-6 0,0-6 64,-3-4 0,0-6 19,3 0 0,-22 11 0,0-1 29,-2 2 0,0-2 0,1 0 0,-1 0 163,17-19 1,0 0-112,0-1 0,-18 18 0,-1 0 108,-1 0 1,0 0-1,19-18 278,-2 4 1,-1 1-135,1-1 1,-1-1-78,2 4 1,-6 0-133,-5 3 1,1-3 49,3 0 0,0-6-88,0 2 1,0-3-179,0 4 0,-1-2 69,-2-1 0,-3-3-127,-3 3 0,-6-2-36,-3 5 1,-2 0 12,-5 0 0,-1 0-12,-5-3 0,-6 1 56,-7 2 0,-5-3 33,-4 3 1,-8-2 46,-2-1 1,16 18-1,0-1 4,2 0 0,0 0 0,-1 1 0,-1-1-10,-1-2 1,-1 0 0,-14-12-34,-2 3 1,1 6 157,-4 7 0,-1 4-90,-5 5 1,4 4-93,-4 5 0,0 0 56,-4 0 0,24 2 0,0 0 4,-4 1 1,1 0 0,0 1 0,0 1-7,-2 2 0,0-1 0,-1-1 0,1 1-73,-3 2 0,-1 0 0,0-1 0,0 1 53,-2 1 1,0 1 0,0 0 0,0 0-176,1 0 0,1 1 0,0-1 0,0 0 198,3 1 1,-1 0-1,-1 0 1,-1 0-19,-1 0 1,1 0 0,0 0 0,0 0 92,1-1 0,0-1 1,1-2-1,1 0-31,1 0 0,0-2 0,0-1 1,2 0-113,0-1 0,2 0 1,-25-1 128,2 1 1,4-2 175,2-1 0,6 3 10,4 0 1,3 1-55,-3 0 0,3 1-170,-3 4 1,-2-3 68,-4 0 0,5 1-19,-2 2 0,2-1 11,-3-2 0,1 3-7,0-3 0,4-1 72,2 1 0,1-1 4,-1 2 1,2 0 320,-2-4 0,5 1-324,1-1 1,4-2 491,0 2 0,1-2-516,1-1 1,2 0 313,1 0 0,2 1-368,1 3 0,3 1 61,-3 4 0,2 4 6,-1 3-107,1 2 1,-2 5 0,3 4 22,-3 3 0,3 5-23,-3 0 1,0 1-370,0 1 0,-3 3 211,0 1 0,2-1-134,-2-3 1,5-5 328,-1-4 0,2 2 0,4-5 0,3-2 0,2-2 0</inkml:trace>
-  <inkml:trace contextRef="#ctx0" brushRef="#br0">736 8026 8291,'-10'-5'-232,"1"1"244,4 4 1,1 7-44,4 2 1,4 7-19,2-1 1,2 3-12,2 0 1,2-2 10,0-1 0,6-3-9,1 0 1,3-6 11,6-2 0,0-3-5,0-1 1,4 0 35,2 0 0,2-7-7,-2 1 1,1-7 185,-4 3 1,3 2-111,-3 2 0,-1 1 188,-5-1 0,-1 1 21,-3 5 1,-1 0 56,2 0 1,-3 5-149,0 1 1,-1 2 33,-3 1 0,4 1-107,-1-1 1,1 3 52,3 1 1,2-1-226,0-2 1,3-1 36,1 0 1,1-3-137,2 1 0,-2-5 194,2 1 0,2-2-134,1-1 0,0 0 126,0 0 1,-3 0-14,3 0 0,-1 0 118,1 0 0,1-3-111,-4 0 1,3-1 153,-2 4 0,6-1-210,-1-2 1,3 2-194,1-2 1,-2 2 28,5 1 1,2 0-367,4 0 1,-1 0 577,-2 0 0,1 0 0,-1 0 0,2 0 0,-1 0 0,2 0 0</inkml:trace>
-  <inkml:trace contextRef="#ctx0" brushRef="#br0">5056 6210 8185,'0'-6'0,"0"0"-50,0-1 0,0 2-59,0-2 302,0 1 0,0 0 178,0 0 0,0 3 149,0-4-144,0 5-170,0-2 1,0 11 0,1 4-110,2 2 1,-2 7 36,2 5 0,1 2-154,-1 1 0,0 4-341,-3 2 314,5 6 1,-4-1-1,3 5-245,0 0 1,-3 1-22,2-2 1,1 2 181,-1-5 0,1-4 0,-1-5 89,-1-6 0,2-3 0,-4-6-151,0 0 78,0-9 34,0 1 0,-4-8 273,-3 0 1,2-1-20,-1-2 0,-1-2-85,-6-4 0,3 0 116,-2-1 0,-2-2-114,2-1 0,-1-3 75,4 0-98,-5-1 0,4-5 1,-3 0 73,-1 2 1,5 3 194,0 2 0,-1 3-39,4 0 1,2 4-18,1 2-193,2 4 0,1-1 1,0 6-8,0 3 0,4 8 16,2 4 0,3 6-160,4 7 1,-2-1 236,5 4-360,-1 1 1,4-2-1,-1-2-114,-3-2 1,5-1 144,-5 0 0,5-9 142,-5-3 0,0-6 34,0-4 0,-3-3 152,0-6 0,-3-3-59,-2-6 1,0-3 246,-4-3 0,3-5-506,-3-2 0,1 1 99,0-1 0,-2 1-1173,4-4 1,-1 0 1219,1 0 0,7 0 0,-3 0 0</inkml:trace>
-  <inkml:trace contextRef="#ctx0" brushRef="#br0">9674 6415 8001,'-5'0'-76,"-3"0"0,6 4 696,-1 3-406,2 5 1,1 2 0,0 7-11,0 4 0,3 4-249,1 8 1,3 3 58,-1 1 0,1 2-117,-1-2 1,3-2 3,-3-5 1,-2-4 140,-1-8-426,2 0 434,-4-12 6,4-1 0,-7-6-32,-1-6 1,-1 1 18,-2-4 1,-2 0-82,2-4 0,-6 0 7,0-2 1,-1 1 48,4-1 0,0-2 13,-1 2 0,-1-3 310,2 2-105,-3 1 0,7 3 413,-4 3-430,4-2-38,1 7-10,8 9-75,1 4 1,7 11 0,1-1-48,-2 3 1,-1-1-19,0 1 0,-1-2-213,0 2 1,1-2 36,-1-4 1,-3-6-10,0-4 0,1 0 104,2-6 1,-3-1-21,0-5 0,1-4-58,2-5 0,0-6-142,0-3 1,1-4-1066,-1 3 1335,0 0 0,5 4 0,0-1 0</inkml:trace>
-  <inkml:trace contextRef="#ctx0" brushRef="#br0">9599 8259 7922,'6'-4'436,"-2"3"-379,0-4-23,-3 5 0,3 1 0,-3 3-462,2 2 321,-2 2 0,3 2 1,-4 3-263,0 2 0,0 6 214,0 1 0,-3 0-202,0 0 357,0 2 0,-1 4 0,-1 0 0</inkml:trace>
-  <inkml:trace contextRef="#ctx0" brushRef="#br0">9683 8771 8095,'0'14'0,"0"4"0,0-7 1,0 5 1,0-4 69,0 4 0,3-1-10,0 4 1,2-1-29,-2 1 0,-2-3-149,2-1 0,1 1-235,-1 2 0,1 1 158,-1 0 0,-2-4-394,2 1 587,-1-1 0,2 8 0,1 1 0</inkml:trace>
-  <inkml:trace contextRef="#ctx0" brushRef="#br0">9739 9953 8045,'0'10'0,"0"-1"0,0 0-106,0 1 0,-3-1 155,0 0-77,0 0 1,3 1 0,0-1-301,0 0 1,-3 1-102,0-1 1,0 0 428,3 1 0,-9 3 0,-1 2 0</inkml:trace>
-  <inkml:trace contextRef="#ctx0" brushRef="#br0">9748 10484 8027,'0'9'-545,"0"1"1,0-1 541,0 0 0,0 2 18,0 1 1,0-2 6,0 3 1,0 0-13,0 0-10,0 3 0,0-1 0,0 3 0</inkml:trace>
-  <inkml:trace contextRef="#ctx0" brushRef="#br0">9767 11052 7966,'0'13'-97,"-4"2"0,3 0-137,-2 1 0,2-4 269,1 4 1,0-2 183,0 2 0,0 1-288,0-1 1,0-2 71,0 2-59,0 0 0,0 1 0,0 0-135,0-2 0,0 0 58,0 0 1,-3 2-17,0-5 0,-1 4 149,4-4 0,-4 5 0,-1-3 0</inkml:trace>
-  <inkml:trace contextRef="#ctx0" brushRef="#br0">9748 11704 7966,'0'9'102,"0"3"135,0 1 0,0 2-222,0-2 0,0 2-80,0-2 1,0 2-128,0-2 0,0 2-81,0-2 1,0 3 272,0 0 0,-4 1 0,-1 2 0</inkml:trace>
-  <inkml:trace contextRef="#ctx0" brushRef="#br0">9730 12160 7966,'0'18'-244,"0"-3"1,-3 3 101,0-3 0,0 0 169,3 0 0,0 1 21,0 2 0,0 1 11,0 0 1,0-2-121,0-1 0,0 1-149,0-1 0,-2-2 43,-1 2 0,2-2-153,-2 2 1,2-2 319,1-1 0,0-3 0,0 3 0</inkml:trace>
-  <inkml:trace contextRef="#ctx0" brushRef="#br0">9730 12737 7966,'0'10'-240,"0"3"0,-3-2 293,0 5 1,-2-1 479,2 4 1,2 0-250,-2-1 1,2 0-92,1-3 0,0 6-252,0-2 1,0-2-367,0-1 0,0-1-36,0 4 0,0-1 133,0-3 328,0 3 0,4-4 0,2 5 0</inkml:trace>
-  <inkml:trace contextRef="#ctx0" brushRef="#br0">9786 13352 7966,'-7'18'-93,"1"1"1,3-3 29,-3-1 0,4 1-35,-1 2 0,1 1-6,-1-1 0,2 1-138,-3 0 0,3-1-56,1 1 1,0 0-91,0-1 388,0 1 0,0 4 0,0 0 0</inkml:trace>
-  <inkml:trace contextRef="#ctx0" brushRef="#br0">9804 13901 7966,'0'19'46,"0"-1"0,0 1 213,0 0 1,0-2 369,0-1 0,0 0-380,0-3 1,0-1-420,0-3-231,0 1 1,1-5 400,2-2 0,-2-2 0,4-1 0</inkml:trace>
-  <inkml:trace contextRef="#ctx0" brushRef="#br0">9758 7393 7879,'-10'6'-152,"1"0"1,-1-4 271,-3 1 0,6-2 54,-2-1 0,2 0 148,-3 0-210,1-4 0,1-4 1,0-4-63,2 0 1,1-2-12,-1-2-35,-2-1 1,6-3 0,-4-1 114,2 0 0,1-1-66,3 3 1,1 1 45,2-1 1,-1 0 3,5 1 0,2 3 36,3 3 0,4 1 121,-4 2-241,5 4 1,-4 1 0,4 4 75,-2 0 1,0 5-108,0 4 1,-1 2 60,-5 4 1,0 1-150,1 2 124,-1 5 0,-4-2 0,-2 3-23,-2-2 1,-1 0-32,0-3 1,-4-1-5,-2 1 1,-2-4 137,-2 1-93,1-5 0,-1 3 1,-2-6-13,0-2 0,-1 2 6,4-5 1,-3-1 3,-1-5 1,1 0-27,3-7 0,-1 2-88,1-8 0,0-2 58,-1-4 0,4-4-20,0 1 1,4 3 187,-1 0 0,2 1-21,1-1 1,0 4 92,0-1 0,4 2-79,2 4 1,2 2-10,2 5 1,-1 1-57,0 5 0,4 2-77,-1 1 0,1 2-114,-4 4 1,0 5 61,0 1 1,-2 6-6,-1 0 1,-4 4 85,1-3 1,1 3 5,-1-3-7,0-1 1,-3-2 0,0-1 100,0-3 1,-1 2 27,-2-5 1,1-3 226,-4-2 0,0-5-61,-4 1 0,1-2-123,0-1 1,0-4-246,-1-3 0,1-1-30,0-1 1,-1-5-111,1-1 1,3-3 170,0 0-3,3-1 1,-1 0 0,4 2-4,0 1 0,0 0 7,0 3 0,4 1-38,3 3 240,1-1-108,1 5 1,1 1 0,-1 4 59,0 0 0,-3 5 196,1 4 0,-5 1-12,1 2 1,-2 2-42,-1-2-208,0 5 0,0-7 0,-1 3-68,-2 1 0,2-4-416,-2 3-304,-3-3 1,2-1-2406,-2 1 3145,-2-5 0,3-1 0,-5-4 0</inkml:trace>
-  <inkml:trace contextRef="#ctx0" brushRef="#br0">24702 14525 8052,'-3'-9'-110,"-1"-1"0,1 4-145,3 0 0,0 0 326,0-4 1,0 1 220,0 0 1,0-1-122,0 1 1,5 0 13,1 0 1,2 0-79,1 3 1,1-1 33,-1 4 0,1 0-86,3 3 0,-3 0 9,2 0 0,2 4 4,-2 2 1,2 5-27,-2 2 1,0 3-133,3 0 0,-4 1 59,2 2 1,-2 1-70,2 1 1,-3-1-10,2 2 0,-2-2 112,-4 2 0,2-1-123,-2 4 1,-1-2 88,-2 2 0,-2 2-4,-1-2 1,-1 2 43,-2 1 0,-3 0 2,-3 0 1,-3 0 28,-1 0 0,-3 0 151,0-1 1,2-3-7,-2-2 0,1-3-80,-4-4 1,1-1-18,3-5 1,-2-4-69,5-2 1,-4-3-11,4-3 0,-3-3-26,2-7 1,-2-1-164,2-5 0,-2 1 88,2-1 1,-3-4 22,0-1 0,3-3 56,0-1 1,0 3-25,0 0 0,1 0 35,3-3 0,0 0 3,3 0 1,2 0 8,4 1 1,0-1 67,0 0 0,1 4-5,2 2 1,2-1-2,5 2 0,0-3 115,2 5 0,-1 0-180,1 6 0,3 1 50,0 2 1,2 2-58,-2 2 0,2 2 0,-5 4 0,5 0-108,-2 0 1,3 4 95,1 2 0,-1 3-109,1 4 0,-4 1 71,1 5 1,-1 0 22,4-1 1,-5 5 21,-1 2 1,-3 0-23,0 3 0,-5-3 33,-2 6 1,1-2 6,-1-1 0,-1 3 13,-5 0 0,-3 0 29,-7-3 1,2-1 10,-5-2 1,4-1-6,-3-2 0,-1-6 10,-3 3 1,4-7 12,-1 1 0,1-3-45,-4-1 0,4-3-33,-1-3 0,5-3-29,-2-3 0,0-7-142,1-5 1,-4-4 107,4-3 1,-4-1-172,4-5 0,-1-4 136,4-3 1,1-1 33,1-1 1,3 1 56,4 2 0,1-3-79,2 3 0,3 3 259,3 3 1,1 6-2,3 6 1,-2-1-108,5 5 1,-5 4-93,1 5 0,0 2 7,0 1 1,0 1 15,3 2 0,-2 3-17,2 6 0,-3 4-3,4 6 0,-4 1 2,4 5 1,-5 3-41,2 0 1,-4 4 73,-3-4 1,1 3 7,-3-3 1,-1 3 48,-3-3 1,-4-3 142,-3-3 1,-1-1-91,-1 0 0,-4-5 91,1-7 1,-4-2-120,4-4 1,0-3-1,2-6 1,1-3-181,0-7 0,-1-2-6,1-7 0,0-5-161,-1-4 1,2-7 127,2 1 1,-1-7-263,4 1 0,-1-2 399,4 2 0,5 3-88,1 9 1,2 4 59,1 9 0,1 4 4,-1 5 1,-1 8 138,-2 7 1,2 7-66,-5 2 0,3 4 176,-3 3 1,0 1-149,-3 5 1,0 0 119,0 0 1,0-1-370,0-2 0,-1 1 73,-2-5 0,2 0-412,-2-5 139,2 1 352,-3-6 0,3-6 0,-3-6 0</inkml:trace>
-  <inkml:trace contextRef="#ctx0" brushRef="#br0">9069 15884 8079,'0'-5'202,"0"-3"0,7 4 1,4-4-10,6 2-101,-1 4 1,12-2 0,0 4 111,5 0-95,8 0 1,1 0 0,-4 0 47</inkml:trace>
-  <inkml:trace contextRef="#ctx0" brushRef="#br0">10074 15810 8387,'38'-9'-13,"-1"-5"0,-4 1 0,-2-4 32,-2 2 1,-5 0-96,-3 0 88,-1-3 1,-5 7 629,-3-5 0,-5 4-629,-1-4 0,0 4 572,0-4 1,1 5-574,-4-2 0,3 0 1,-3 0 326,0-2 0,1-1-306,-1-2 23,0 3 1,-3-2-39,0 1 1,-4-1 37,-2-2 1,-3 0-41,0 1 0,0 0 0,-1 2 40,1 0-22,-4 1 0,2 0 0,-2 2 25,-1-1-19,4 4 1,-4-4-1,2 5-23,0 0 0,-4 3-12,4-1 1,-5 1-47,2-3 1,-3 0 64,0-1 0,-4 1-59,0 0 1,-4-1-17,1 1 1,0-3-155,0-1 1,-3-2 159,0 2 0,0-2-13,-3 2 1,2 1 76,1 3 1,0-1 118,0 1 0,0 4-41,0 2-104,0 2 1,4 1-1,2 0 25,-1 0 0,2 0-70,-4 0 0,1 3 2,-4 0 0,0 4 75,0-1-68,0-1 0,-2 3 0,1-3 76,2 0 1,2 0 85,0-2 0,-2-1-146,3 5 0,1-5 30,1 1 0,1 2-53,0 1 1,0 3 20,-4 0 1,1 0-5,0 0 0,0 4 74,2-1 1,2 5 187,-1-2-222,1-1 1,6 2 0,1-2 36,3 0 0,-1 2-15,-1 2 0,5 4-4,-3 0 1,4 1 87,0-2-54,2 3 0,1 7 0,1 1 75,3 1 0,1 1-60,7 4-58,-2 3 1,12-3-1,-1 2 71,2-5-514,6-3 1,-1-4 153,6 0 0,-1-7 1,3-5-92,-1-5 0,6 0 364,0-8 0,4-3 0,1-3 0,2 1 0,-33 2 0</inkml:trace>
-  <inkml:trace contextRef="#ctx0" brushRef="#br1">652 12840 12963,'-10'0'-1702,"4"-4"454,0-3 1665,4-1-465,-2-1 1,8 4 159,2 1 1,2 3-14,2 1 0,0 0 106,3 0-67,-3 0 0,6 0 0,-1 1 74,2 3 0,-2-3 44,7 2 0,-5-2 33,5-1 0,2 1-91,1 2 1,2-2-350,0 2 0,2-1 13,2 1 1,-1-2 137,5 2 0,-1-2-156,3-1 1,-3 0 120,0 0 1,-3 0 2,3 0 0,-4 0 156,1 0 0,-2-3-121,-1 0 0,-3 0-10,0 3 0,-1 0 35,1 0 1,-2 0 7,-1 0 1,-2 3-103,2 0 0,-3 6-28,0 0 0,1 0 7,1 4 0,0-3 24,4-1 1,-4 1-71,4-1 1,0 0 59,3 0 1,4 1 4,2-1 1,-1-4-18,2-2 0,-1 1 30,3 0 1,3-1 44,1-3 1,-1 0-138,-3 0 1,0-1 95,1-2 1,2 2 52,0-3 0,1 0-78,-4 1 1,-3 0 17,0 3 0,-1 0-29,1 0 0,-1 0-48,-6 0 0,1 3-249,0 0 0,3 8-8,0-2 1,1 6-703,0 1 1094,-8 6 0,9 3 0,-8 6 0,-2 3 0,-2 2 0</inkml:trace>
-  <inkml:trace contextRef="#ctx0" brushRef="#br0">857 5521 8374,'-1'-6'550,"-3"0"3,3 4-579,-7-2-1,7 4 0,1 1-8,6 2 0,4 2 78,2 4 0,3 1-118,3-1 1,5 0 104,2 1 1,2-2-309,1-2 292,4 2 0,-2-4 0,4 4-22,1-2 0,1-3-40,1 3 1,-3-3 134,-3 4 0,-2-4 3,-2 3 1,0-3 5,-2 3 1,1-4 146,-4 1 0,1-1-106,-2 2 0,3-3 147,4 2 0,-2-2-117,2-1-70,-6 0 0,12-1 0,-5-2-34,3-4 1,-2 2 15,1-1 0,-2 0-92,-1-4 1,3 2 166,0 2-130,4 2 0,-6 1 0,2 0 79,-2 1 1,2 1-30,0 1 0,0 3-29,-3 0 0,1 4 74,2-1-149,-2 2 0,6-1 1,-4-1-114,-1 1 0,2 1-77,-1 2 1,0-1-73,-3 0 1,3 0-324,0-3 1,1 1 70,-1-4 544,2 4 0,5-6 0,-1 4 0</inkml:trace>
-  <inkml:trace contextRef="#ctx0" brushRef="#br0">6266 15838 7770,'-4'-5'-996,"3"0"1208,-7 1 86,7 3 0,1-3-35,6 4 0,2 1-152,2 2 0,3-1-74,2 5 1,0-4 10,0 3 0,4-3-22,3 3 0,1-4 19,-2 1 1,3-2 5,4-1 1,0 0-116,0 0 1,3-4 59,0-2 1,0-5-9,-3-2 1,3 1 19,0 3 1,-3-1 3,-3 1 1,-5 1 59,2 1 1,1 3 6,-1 4 0,-4 1-38,-2 2 0,-1 3 11,4 3 1,-1 4 142,-3 3 0,3-2-80,-3 2 0,0-2 87,0 2 1,1 0-170,2-3 0,2-2 0,2-5 0,-3 2 19,3-5 1,2 0-123,1-3 1,-2-5 92,2-5 1,0 0-11,3-5 1,0-1-113,0-3 1,-3 1 107,0-1 0,-5 2-63,2 1 0,1-2 44,-1 3 0,-1 1-190,-2 2 0,-4-1 44,1 0 1,-2-2 48,2 2 0,-3 0 15,-3 0-34,-1-1 1,-1-2-1,-1 1 48,0-2 1,-5 0 20,1-2 30,-2 0 0,-1-3 0,-1-3-50,-2-2 0,-2-2-34,-5-2 83,-3 2 1,1-9 0,-2 4 15,1 2 1,-3 2-55,4 2 144,-5 4 1,4-2 0,-4 5 2,2 4 1,2-1-105,-2 6 43,-1-1 1,-3 4-1,1 1 51,-1 1 0,1 0 185,-1 4-243,0-4 0,0 6 1,-2-2 6,-1 2 0,2 1 16,4 0-52,-2-4 1,1 3 0,-5-4-79,1 1 1,2 3 67,0-2 1,-2 2-83,-3 1 1,1 0 88,-8 0 0,3 0-5,-6 0 0,2 1 4,-6 2 1,4 1 4,-3 3 1,1 1 34,5-2 0,-1 5 117,1 2 1,2 2-112,-2-2 1,2 3-7,1 0 1,0 1 36,0 2 1,3-1 12,0-3 1,6 3 6,0-3 1,0 3-62,4 0 1,0-2-2,0 0 1,4-1-48,-2 4 1,4-2-118,3-1 0,1-3-19,5-3-1,1 0 169,3 2 0,1 3 0,4 3 0</inkml:trace>
-  <inkml:trace contextRef="#ctx0" brushRef="#br1">6853 12849 10169,'-5'0'-253,"-4"0"803,8 0 1,-3 4-320,4 2 1,0 8-26,0 4 1,0 2-207,0 5 1,0 1 0,0 4-200,0 1 128,0 0 1,0-4-5,0-2 0,0-3-255,0-3 0,0 1 0,0-1-808,0 0 1118,-4 2 0,-1-7 1,-4 5-1</inkml:trace>
-  <inkml:trace contextRef="#ctx0" brushRef="#br1">6843 13482 9910,'0'9'503,"-4"1"-225,-2-1 0,2 1-67,1 3 0,-1-2-162,1 5 1,0-1-135,3 4 1,0 3-360,0-1 0,0 4-28,0-3 0,0 0 283,0-4 0,0 1 1,1-2-444,2-1 398,-2 2 0,6-8 180,-4 2 1,4-1 0,-2-2 0</inkml:trace>
-  <inkml:trace contextRef="#ctx0" brushRef="#br1">6862 13892 9078,'0'14'-6,"-3"0"-140,0-5 0,-3 3 0,3 2 285,1 0-59,-4-2 1,4 4 50,-4-3 0,3 3 1,-2 0 4,1 1 0,-3-1-266,4-1 0,0 1-31,3 3-380,0-5 1,0-1 298,0-3 1,0 2 0,0 1-341,0-2 1,1 2 581,2 0 0,3-1 0,3-2 0</inkml:trace>
-  <inkml:trace contextRef="#ctx0" brushRef="#br0">6853 14274 8558,'-1'6'48,"-2"0"352,-3 0-224,1 3 1,-2 1 0,4-1-62,1 0 0,0 1-115,-1-1 0,2 9 0,-3 1 0</inkml:trace>
-  <inkml:trace contextRef="#ctx0" brushRef="#br0">6378 15819 8250,'0'-9'-1081,"-3"-2"1073,0-1 0,0 5 0,3-2 574,0 0-476,0 5 0,1-1 64,2 2 1,-1 2 103,4-2-156,-4 2 1,6 1 0,0 1 65,3 2 0,0-2 39,5 2-97,-1 2 1,8-4 0,2 3 90,2 0 0,4-3 10,0 3-173,4 1 0,1-3 0,5 3-49,-2-1 0,-1-1-228,0-3 317,-1 0 1,-1 0-112,-2 0 0,-3 0 0,-7 0 40,-5 0 1,-2 0-15,-4 0-248,-5 0 263,-4 0 0,-11 0 76,-3 0 1,-6 0-141,-3 0 1,-5 4-7,-7 3 0,-2 1 6,-4 1 0,-1 0-307,-3 1 326,-1-1 0,-1-3 0,-1-1-68,0 0 0,-1-2-134,2-3 1,5-4 151,7-3 1,4 1 232,2-3 1,6 5 41,7-6 0,5 3 49,4-2 1,3 0-99,3-1 1,7 1-14,5 0 0,7-1 7,3 1 0,6-3 17,3-1 1,3 1-5,4 2 1,2 1-184,7 0 1,1 1 54,-23 4 1,0 1-1,0 1 1,0 0-678,0 2 0,0 0 592,0 0 1,0 0 0,0 0 0,0 0 0,-1 0 0,0 0 5,22 0 1,-4 3-64,-11 0 1,-3 0 136,-6-3 1,-7 4-23,-5-1 120,-7 0 300,-2-3-309,-12 0 1,1 1 597,-9 2 0,-1-1-916,-4 4 1,-6-3 120,-4 4 0,-5-1-174,-2 3 1,-3-3-109,-6 0 1,-3-2 255,24-1 1,-1 0-1,0-2 1,-1 0-90,0 1 1,0-1-1,0-1 1,0 0 119,0-1 0,1-1 0,-1 0 0,2-1 203,-24-7 0,6 4 73,9 0 0,9 1 372,7-1-348,4 1-36,10 5 0,6 0 1,9 0 289,4 0 0,5 0-301,2 0 0,7 0 86,7 0 1,5-3 96,3 0-252,7 0 0,-1 0 1,-23 1-1,0 1-46,1 0 0,0 0 1,1-1-1,0 0-237,1 0 0,1 1 1,1-3-1,1 1 200,1 2 1,-1-1 0,-2-1 0,-1 0-29,21 0 49,-7-4 1,-3 6 0,-10-2-76,-9 2-162,-5 1 216,-11 0 0,-5 1 1,-7 2 63,-4 3 1,-5-1-70,-6 1-250,-6 5 0,-4 0 0,-4 3 27,-1 0 1,-3-2-209,-6-2 342,-1-1 0,-1-1 0,0-2-130,3-2 0,5-4 346,3-4 11,8-1 0,8-4 245,9 0 0,6 0-131,12 3-85,4-2 0,10 6 0,2-3 102,3 1 0,6 0-58,3 4 1,2 0-20,1 0 1,1-3-966,3 0 707,-3 0 0,5 3 0,-3 0-439,3 0 1,-2-3 60,-4 0 1,-1 0-278,-5 3 0,-4 1 715,-5 2 0,-3 4 0,0 5 0,0-1 0,-1 1 0</inkml:trace>
-  <inkml:trace contextRef="#ctx0" brushRef="#br0">6732 11229 8004,'-10'-9'281,"5"-1"-361,1 5 0,4 2 256,0 6 0,1 4 108,2 9 1,-1 1-139,5 11 1,2 2 14,3 8 1,4 4-1850,-4 5 1669,-4-22 1,1 0 0,-2 2 0,0-1 37,2 1 0,1-1 1,8 22-1,-8-23 1,-1 0-194,10 23 0,-2-11-45,-1-6 0,-3-7 219,-3-9 38,-5-5 85,-1-6 1,-8-5 229,-2-2 0,-6-3 526,0-3 0,-2-1-824,2-3 1,1 2 81,-5-5 1,4 4-28,-4-3 0,5 3-12,-2 0 0,6 1 24,1 2 1,4 3 65,-1 0-111,2 4 1,2-3 151,2 5 0,-1 1-73,4 3 1,3 1-40,4 4 1,-1 0 12,-3 1-41,1-1 0,-1 0 0,0 1 29,1-1 1,-4-3-138,0 0 1,-1-3-449,2 4 77,1-5 0,-3 1-395,4-6 0,1-2 785,-1-5 0,4-7 0,2-3 0</inkml:trace>
-  <inkml:trace contextRef="#ctx0" brushRef="#br0">5829 11061 8134,'-10'0'207,"1"0"411,0 0-438,3 0 0,-1 2-105,4 5 1,0 3 0,4 10 97,2 1 0,2 8-123,5 9 0,3 7-251,-5-19 1,0 1 0,-1 2-1,0 0 255,1 0 0,0 1 0,-1 1 0,1 1-93,2-1 0,-1 0 0,-2-1 0,0 0-12,0 0 0,-1-1 1,6 22-193,-3-8 0,2-6 229,-8-9 0,3-5-48,-3-4 43,0-5 1,-4-6-48,-2-1 0,-2-3-66,-4-4 0,-1-2 549,1-5 0,-4-3-511,-3-9 82,3-3 0,-5-1 0,4-3 139,-1 1 1,2 4-49,3 0 0,4 5 444,0 4-385,4 1 1,-1 6 110,6 2 1,2 9 46,4 4 1,2 6-36,1 3 1,3 1 14,3 4 1,1 1-3,-1 3-185,1-4 0,0-4 0,-1-7 68,1-3 1,1-2-167,1-8 0,-4-2 53,1-5 0,-4-3-239,1-9-228,-3-3 1,2-2 0,-2-4-937,0 0 1359,0 0 0,2-4 0,0-1 0</inkml:trace>
-  <inkml:trace contextRef="#ctx0" brushRef="#br0">12802 10977 8350,'-6'-6'-188,"0"0"1,4 5 0,-1 2 283,2 7 1,1 10 225,0 7 1,5 7 665,4 5-881,1 13 0,-2-21 0,1 1 0,-1 5 0,0 1-409,0 3 1,1 0 0,1 2-1,-1 1 320,0 1 0,1-2 0,-2 0 0,1-2-66,-1-4 0,0-2 1,-1-1-1,0-1 119,-1-4 1,1-1-11,3 21 0,2-15 0,-4-11 33,-2-6-21,-4-9 16,2-2 0,-5-5-70,-2-2-85,-7-2 1,-1-8-1,-4-3 631,-2-2 0,-4-3-598,0-1 1,-2-3 47,1 3 1,2-1-11,-1 4 83,1-2 1,7 11 0,2-1 353,4 3-186,5 4 0,-2 5-147,4 2 0,4 7 279,2 5-292,7 7 1,-2 2-1,5 4 98,0 0 0,2-2-130,0-1 0,1-2-24,0-4 0,-1-5-23,1-1 12,-1-7 0,1-2 1,0-5-178,-1-2 0,-2-7-89,-1-5 1,1-6-426,2 0 1,1-5 294,0 1 129,-1-6 1,1-2 0,0-5 0</inkml:trace>
-  <inkml:trace contextRef="#ctx0" brushRef="#br0">5987 11331 8081,'-6'3'-387,"-1"1"0,4 0 1,-2-1 717,1 3 0,-2-1-161,3 1 1,-3 1 28,2 2 0,0 1-98,1 3 1,2-3 21,-2 2 1,1-4 5,-1-2 0,2-3 71,-2 3-213,2-4 1,1 1 0,1-6 63,2-3 1,2-7-151,4-6 0,1-5 168,-1-7 1,0-1 19,1-2-16,3-2 0,-2-1 0,4-2 237,-2 3 0,0 0-58,-4 5 1,0 4-99,1 5 0,-1 7 119,0 2-198,1 7 1,-2 3 0,0 7-112,1 5 0,-1 2 55,4 4 1,-2 4-206,0 2 1,2 4-272,1-3 342,3 0 0,-5-5 0,2 0-45,0-2 1,-1 0 147,3 0 1,-2-5-6,2-7 0,-3-2 24,0-1 1,1-2 172,0-4 0,0-3-158,0-9 1,-3 0 128,3-7 0,-1-3-63,-3-3 1,3 0-34,-6 3-3,2 0 1,-3 4-1,-1 0 6,1 1 0,-4 1-26,2 4 1,-2 3-39,-1 3-44,0 6 46,0 1 0,1 5-25,2 0 1,-1 5-5,4 1 1,-3 3 38,3 4 0,-2-2-235,2 4 206,0-3 0,3 5 0,1-2-37,-1-1 1,0 3 54,1-5 0,-1 4 0,0-4 1,4 1-34,-1-4 96,5 0 1,-4 1 0,4-1 123,-2 0 0,0 1-107,0-1 1,3-2 107,-3 2 0,2-1-112,-2 4 105,3 3 0,-8-1 0,4 6-66,-1 1 0,-4-1-54,1 2 1,-1 1-187,-3-2 1,-2 5-328,-1-1 1,-2 2 157,-1 1 299,0-4 0,-4 7 0,-1-2 0</inkml:trace>
-  <inkml:trace contextRef="#ctx0" brushRef="#br0">6546 13771 7965,'-10'-15'-133,"1"3"-148,0 2 0,0 0 1100,3 1 149,2 4-620,4 1 0,1 5-100,2 2 1,2 3 1,5 6 1,2 3 133,0 3-304,9 5 1,-4 4 0,7 5 3,2 1 1,-2 5 27,1 2 0,-11-17 1,0 1-460,1 0 0,1-1 0,-1 1 0,0 1 98,10 21 38,-2 1 1,-5-5 0,0-3 119,-3-3 0,-5-9 297,-7-9 1,-2-3-171,-1-6 1,-4-4 182,-3-2 1,-4-2-156,-1-1 1,-5-4 6,2-2 1,-3-3-26,-1-4 0,1-1 400,-1-5 0,0 0-426,1 1 57,-1-5 0,5 4 0,1 0 529,3 2-497,5 6-48,1-3 1,9 13 85,4 4 76,5 9 1,4 5 0,1 6-33,-1 1 1,4 1-121,0 3 1,3-3-156,-4-1 0,4-7 81,-3-1 0,0-6-111,-4-4 1,-2-2 120,-1-4 1,-3-8-21,0-4 1,-5-9-181,0-4 0,-5-3-220,1-3 1,-2-1 412,-1-2 0,0-2 0,0 2 0</inkml:trace>
-  <inkml:trace contextRef="#ctx0" brushRef="#br0">7868 3743 8105,'-15'-3'134,"3"0"1,1-3 730,2 2-509,4 1-310,1 3 0,4 2 1,0 5 55,0 5 0,5 6 30,4 3 1,1 7 52,2 6 1,2 7 98,2 2-424,2 3 0,1 0 1,2 1 175,1-1 0,0-2-318,0-1 189,-2-8 0,-2 1 0,-5-12 62,-3-2 100,0-6 128,-5-3 1,-5-8 220,-7-2 0,-5-2-190,-3-1 0,0-1 147,0-2-272,-5-2 0,0-7 1,-1-2 272,1 0 0,1 1-272,1-2 0,2 2 208,1-2-265,3-1 0,2 5-241,4 2 162,4 2 1,-2 1 190,8 3 1,5 7 145,6 6 1,3 3-55,1 6-188,3-1 1,-1 4 0,3 0-43,-1-1 1,-1-3 134,0-2 0,-2 0-232,1-3 1,-1-5 93,-1-5 0,-4-6 107,1-3 0,-5-8-146,2-4 0,-3-8-165,-1-5 1,0-4 34,-3 0 0,1 0-114,-4 1 1,0 2-258,-3 4 0,0 4 522,0 3 0,4-3 0,1 0 0</inkml:trace>
-  <inkml:trace contextRef="#ctx0" brushRef="#br0">7337 4134 8008,'-24'19'-235,"-3"-5"0,7 4 1,-5-3 461,-1 3 1,3 0-48,1 1 0,0 0 212,0-1 0,0 1-152,4 0-23,3-5 1,2-1 0,4-3-132,3-1 1,2 0 31,4 1 0,0-1-133,0 0 1,7 1 160,3-1-145,5 4 0,1 1 76,5 1 1,0 3 0,4-3-145,1 3 0,1 1-76,1-1 1,-1-2-351,1-1 223,-4 1 0,0-1 0,-3 0-196,0-2 0,0 0-15,-5-4 1,-3-1-91,-4-1 571,1 1 0,-5-3 0,-1 4 0</inkml:trace>
-  <inkml:trace contextRef="#ctx0" brushRef="#br0">7262 4479 7932,'-5'0'0,"2"0"218,6 0 1,2 0-106,5 0 1,0 0-106,3 0 1,-2 3-18,4 0 0,0 0-13,0-3 1,3 3 71,-2 0 1,2 3-4,4-3 1,-2 4 5,1-4-67,-1 0 1,2 0-1,-1 0-8,0-1 1,2-1 38,-1-1 0,-1 0 80,-2 0 0,1 0-3,1 0 0,-1 0 143,2 0 0,0 0-114,0 0 0,1-3 155,-1 0 0,0 0-217,3 3 0,-1 0 27,-2 0-77,-3 0 1,10 0-1,-3 0-3,0 0 0,-3 4-35,2 2 0,0-1 28,2 1 1,1 1-176,0 2 1,0-4 172,0-2 1,3 1-18,0 0 0,0-1 49,-3-3 1,0 0 92,0 0 1,3 0-14,0 0 1,1-3-81,-1-1 0,-2 0 160,2 1 1,1 2-100,-1-2 0,0 1-34,-3-1 1,1 2 34,2-2 1,-2 2-10,2 1 1,-2 0-101,-1 0 0,3 0-161,0 0 0,3 0 112,-3 0 0,1 0 64,-5 0 0,4 0 35,1 0 0,2 3-39,-3 0 0,0 0 4,-3-3 0,3 0 14,0 0 0,3 0 0,-3 0 1,0 0 58,-3 0 0,1 0 9,2 0 1,-2 0 50,2 0 1,-2 0-99,-1 0 0,0-3 116,0 0 1,0 0-118,0 3 1,-1 0 7,1 0 0,0 0-18,0 0 1,3 0-19,0 0 0,0 0 23,-3 0 1,1 0-6,2 0 1,-1-3-44,4-1 1,-3-2 38,4 3 1,-3-1-89,5 1 1,-6 1 60,3-4 0,0 3-3,0-4 1,-1 5 15,2-1 0,-4 2-7,3 1 0,-3 0 6,3 0 1,-3 0 2,3 0 0,-4 1-6,1 2 1,-1-1 3,1 5 0,-2-4 39,2 3 1,-1-3-1,1 3 0,-2-4 5,2 1 0,1-1-51,-1 2 0,4-3 0,-4 2 1,0-2-5,-3-1 1,3-1-3,0-2 0,0 2 37,-3-3 0,0 3-19,-1 1 0,1-1-8,0-2 0,-1 2 27,-2-2 1,1 2 1,-4 1 0,3 3 12,0 0 0,-2 1 10,-1 0 1,1-3-46,-2 2 1,2 1 1,-1-1 1,-3 0-112,3-3 0,1 3 37,-1 0 64,3 0 1,-2-3 0,2 0 37,-3 0 1,-1 0-2,0 0 1,0 0 14,4 0 0,-5 0 11,2 0 1,-1 0-8,1 0 0,-2-1 15,5-2 0,-3 1-2,3-4 1,-4 3-11,4-3 1,0 2 69,3-2 1,-1 3-55,-2-3 0,2 4 10,-3-1 1,3-1-62,1 1 1,0-2 0,0 2 0,-3 2 29,0-2 0,0 2-16,3 1 0,-4 0-120,1 0 0,-3 0 116,3 0 1,-5 0-100,2 0 0,-1 0 38,1 0 0,-3 0-6,3 0 0,-2 0 34,-2 0 1,0 0 49,-3 0 1,3 0 36,-3 0 0,2 0-54,-1 0 0,0-1-197,-4-2 0,4 2 115,-4-2 1,4 2-435,-4 1 0,0-1-485,-6-2 290,2 2 1,-4-5 119,3 3 0,-3 1-210,-4-4 0,0 3 190,0-3 0,-1-4 577,-2-2 0,-3 0 0,-3 2 0</inkml:trace>
-  <inkml:trace contextRef="#ctx0" brushRef="#br0">12765 4283 8079,'-12'-8'0,"-1"2"0,1 0 0,3 3 525,-1 2 168,1-3 0,4 5-220,2 2 0,2-1-10,1 4 0,4 2-239,2 4 1,2 0 107,2 3-287,3-4 0,1 6 0,2-4-27,0 2 1,0-3-362,6 4 1,-2-5 61,1 2 0,-1-3-64,-1-1 1,-1 0 283,1-3 1,-4 1 165,1-4 0,-8 0-13,1-3 435,-6 0 300,2 0 0,-17 0 0,-3 1-611,-4 2 0,-5 4-351,-1 5 0,-2 3-522,-4 7 1,1 2-735,-5 4 374,5 4 0,-4 0 0,6 2 1017,5-3 0,-1-1 0,4-1 0,6-1 0,4-2 0</inkml:trace>
-  <inkml:trace contextRef="#ctx0" brushRef="#br0">12970 4143 8040,'-9'-5'-136,"-1"2"1686,5-2-966,-3 4 1,7 2-42,-2 8 1,3 6-193,3 6 0,-1 11-92,4 9 0,-3 10-187,0-22 1,0 0-1,-1 4 1,-1 0-277,0 4 0,1 0 0,-2 0 0,1 0-1039,-2-1 1,2-1 1009,1-2 0,0-1 0,-2-2 0,1 0 0,1-2 0,0 0 0</inkml:trace>
-  <inkml:trace contextRef="#ctx0" brushRef="#br0">8119 5624 8137,'-6'0'493,"0"0"301,4 0-510,-3 0 1,5 1-93,0 2 1,0 5-175,0 5 103,0 3 1,4-1 0,-1 4-38,-1 3 0,0 2-49,1 4 1,-2-3-253,2-1 0,-2 1-892,-1 3 839,0 0 0,0-3 0,0-1-547,0-2 1,0 3-1,0-3 817,0 4 0,-4-2 0,-1 4 0</inkml:trace>
-  <inkml:trace contextRef="#ctx0" brushRef="#br0">8147 6695 8137,'-5'14'-28,"-2"4"1,3-3-1,2 3 0,0-3 135,-1 1 0,2-1-100,-2 4 1,2-1-251,1 1 1,0 0 115,0-1 0,0 1-241,0 0 1,0-1 116,0 1 0,-1-4 251,-2 1 0,-2-1 0,-5 4 0</inkml:trace>
-  <inkml:trace contextRef="#ctx0" brushRef="#br0">8119 7523 8137,'0'15'-126,"1"2"1,1-1-297,1 1 0,0 2 322,-3 0 0,0-1-133,0 1 233,0-1 0,0 5 0,0 1 0</inkml:trace>
-  <inkml:trace contextRef="#ctx0" brushRef="#br0">8147 8464 8122,'3'17'-204,"0"-1"0,0 1-173,-3-1 0,3 0 226,1 0 1,2 1-106,-3-1 256,0-3 0,1 9 0,1-2 0</inkml:trace>
-  <inkml:trace contextRef="#ctx0" brushRef="#br0">8194 9311 8068,'-7'15'107,"1"1"1,3-1 203,-3 4 1,4 0-416,-1-1 1,2 1-5,1 0 78,0-1 1,0 1 0,0-1-12,0 1 1,0 0-240,0-1 0,0-1 72,0 1 1,0-2-200,0 3 1,0-1 135,0-2 1,0 2 270,0 4 0,0-2 0,0 2 0</inkml:trace>
-  <inkml:trace contextRef="#ctx0" brushRef="#br0">8184 10121 8068,'-4'24'-313,"3"-1"-39,-2-1 0,-1-1 429,1 4 1,0-5 456,3 2 1,0-1-292,0 1 0,0-3-139,0 3 1,0-2-282,0-2 1,0 2 104,0 2 1,0-4-261,0 1 1,0-1 83,0-2 1,0-2-52,0 2 0,0 0 299,0 2 0,-5 1 0,0-1 0</inkml:trace>
-  <inkml:trace contextRef="#ctx0" brushRef="#br0">8166 11126 8068,'-1'29'-290,"-3"2"1,2 2 147,-4 1 1,4-2 226,-1-4 1,-1 3-59,1 0 0,-3 3-126,2-3 1,0 0 35,1-3 0,2 0-178,-2 0 1,-1 0 100,1 0 0,0-4-97,3 1 1,-3-4 236,0 1 0,-1 0 0,4 0 0,0 0 0,0-3 0,0-4 0,0 1 0,0-1 0,0 4 0,0-4 61,0 1 0,1-1 149,3 4 1,-3 0-60,2-1 0,1 1 105,-1-1 0,1 1 4,-1 0 1,-1 2-147,4 1 1,-3 0-51,0-4 0,1 2 86,-1 2 0,1-3-97,-1 3 1,-2-2-299,2-2 1,-2 0-127,-1-2 1,0 4 72,0-1 0,0 2 298,0-3 0,-4 1 0,-1-1 0</inkml:trace>
-  <inkml:trace contextRef="#ctx0" brushRef="#br0">8119 12607 8068,'0'10'-66,"0"2"29,0 0 1,0 5 5,0-2 1,3 0 114,0 0 1,0 1-26,-3 2 0,1 4-50,3 0 0,-3 4-184,2-2 1,-2 0 80,-1 1 1,1 1-185,2 5 1,-2-2 162,2 2 0,-2-2-132,-1-1 1,0 1 61,0 2 0,0-2 185,0 2 0,0-5 0,0-1 0,0-4 0,0 4 0,0-4 0,0 0 0,0-4 0,0-1 0,0-1 0,0 4 0,0-5 0,0-1 0,0 0 0,0-1 0,0 2 34,0-2 0,0 0 43,0 3 1,0-2 152,0 2 1,0 1-3,0 2 1,0 1 29,0 0 1,0-1-82,0 1 0,0 0 23,0 3 1,0-5-97,0 1 1,3-2 8,0-1 0,0 3-40,-3-3 0,0 0 49,0 0 1,0-3-113,0 0 1,3 3 71,1 0 0,-1-1-9,-3-2 1,0 2 50,0-2 0,0 5-11,0-2 1,0 2 24,0-2 1,0 2 25,0-5 1,0 5-47,0-2 1,0 0 57,0 0-231,0-3 1,0 5-1,0-1-329,0 1 1,-3-1-34,-1-1 0,1-2-17,3 2 1,0 0-710,0 0 1143,-4-1 0,3-1 0,-3 2 0</inkml:trace>
-  <inkml:trace contextRef="#ctx0" brushRef="#br0">8436 15735 7970,'-23'10'-658,"-2"-1"460,-6 0 1,1 1 835,-4-1 1,0 0-440,-4 1 1,-4-2 216,-4-2 0,-1-2-436,-3-4 1,3-1 298,0-2 1,0-6-122,-3-7 1,2-5-142,23 11 1,1-1 0,-20-15 16,4 1 0,9-2 134,3-1 0,10 0-58,3 0 0,8-1-126,3-2 0,3-2-5,1-4 0,8 3 26,1 0 1,6 1-98,1-2 1,3 2 120,2 2 0,3 5-274,4-1 0,4 4 164,2-2 1,4 4 36,2 0 0,-2 2-238,2 3 1,2 0 23,-2 3 1,2 0 30,-2 1 1,-2 4 70,3-1 0,-3 6-33,-1 0 1,0 3 77,1 3 1,-5 3 111,-2 7 1,-3 1 167,-4 5 0,2 2-154,-4 1 0,2 3 77,-6-3 0,2 2 189,-7-2 1,2 4-265,-2-1 1,-2-1 99,-5 1 0,1-1 106,-4 4 1,4 0 17,-4 0 0,0 1 181,-3 2 1,0-1 142,0 4 0,-4-1-244,-2 2 0,-3-2-137,0-2 0,-6-2-8,-3 2 0,-2-2-209,-5-1 1,0-6-300,-2-3 0,-1-1-670,0-6 1,-3-1 1001,0-4 0,-1-3 0,1-4 0,-2 0 0,3 0 0,4 0 0</inkml:trace>
-  <inkml:trace contextRef="#ctx0" brushRef="#br0">8100 14311 8194,'-8'18'11,"2"2"200,3 2 0,-1 2 114,1 4 0,0 4-24,3 2 0,0 3-205,0 3 0,3 4 169,0 5 0,3-5-15,-3-1 0,1-4-106,-1-5 1,-1-6-97,5-7 205,-5-5-473,2-7 1,-1-10 64,0-8 0,0-6 0,-3-6-87,0-4 1,0-6 67,0-3 0,0-3 56,0 0 269,0 0 1,0 0 0,0 1-88,0 1 1,-3 0 199,0 4 1,0 3-33,3 3 0,0 9-149,0 0 24,0 9 1,0 4 0,1 8 107,2 8 1,-1 5 110,4 10 1,-4 5-246,1 4 1,-2 2-224,-1 4 227,0 1 1,0-1-1,0 1 63,0 0 0,-4-4 45,-2-2 0,1-6 60,-1-7-233,-1-3 1,-1-12-81,2-7 1,-1-12-209,4-9 1,-4-6 47,4-7 1,0-3-121,3-7 0,-3-1-37,0-4 0,-3 0 222,3 3 0,0 5 455,3 7 1,0 7-198,0 6 1,4 4 33,2 8 1,2 8-22,2 11 0,-1 9 156,0 13 1,4 8-362,-1 4 0,-7-21 0,-1 0-338,0 1 1,-2-1-1,1 1 1,0 1 426,0 0 0,0 0 0,1-2 0,-1 1 0,-1-1 0,-1 0 0,0 1 0,0 0 0,0 1 0,-1-1 0</inkml:trace>
-  <inkml:trace contextRef="#ctx0" brushRef="#br0">6974 14450 8031,'-19'9'-60,"1"-3"1,0 4-128,2-4 312,3 5-523,8-10 264,-3 3-75,7-4 21,-4 0 124,5-4 1,0 2 60,0-4 1,0 2-16,0-2 1,-1 1 51,-2-1 1,2-2 60,-2 1-38,-2 3 0,3-3 1,-3 3 49,1-1 0,-1 3 36,2-1 0,1 0 201,-4 0 403,4 2-59,-6-3-247,7 8 1,-7 2-122,5 3 0,0 3-72,3 1 1,0 3-88,0 0 0,3 5-127,0 4 0,5 3 26,-2 3 0,2-1 61,1 4 0,4-1-290,-1 2 1,1-3-28,-4-4 1,-3-5-239,0-1 272,-3-6 17,1-7 0,-4-9 114,0-6 0,-1-11-14,-2-5 57,-3-3 0,-2-6 0,1-1 48,1-2 0,0 3 94,0-3 0,-1 4-48,4-1 0,-1 6 327,1 4-41,2 5-145,-4 3 1,5 10-207,0 6 1,2 9 89,1 10 1,-1 5-192,4 1 0,-3 0 93,3 3 1,-3 1-142,4-1 1,-5-3 3,1-4 1,1-1-4,-1-1 0,0-4 49,-3-9 0,1-1-124,2-2 1,-2-3 167,2-6 0,-2-7-28,-1-9 1,-1-3 5,-2-6 0,2-3 49,-2 0 0,2 0 97,1 3 1,0 2 46,0 4 357,0 0-394,0 12 1,0 6-22,0 10 0,3 12-226,0 10 0,4 5 142,0 7 0,1 1-1214,1 3 0,2-3 1199,1-4 0,-4 1 0,5-1 0,-1 0 0</inkml:trace>
-  <inkml:trace contextRef="#ctx0" brushRef="#br0">6434 15372 8273,'-13'-9'-211,"1"0"1,1-1 123,0 1 1,2 0 50,0-1 1,-1 1-105,1 0 0,1-1 94,2 1 0,-2 0 851,5-1 69,-4 1 173,6 0-571,-3 4-430,4 1 0,0 5 1,1 3 213,2 5 1,1 4 18,2 6 1,3 4-70,-3 2 1,2 3-195,1 3 1,1-1-176,-1 4 0,3 3 75,1 3 1,-2 2-358,-5-2 1,3-3 245,-3 1 0,-2-2 58,-1-5 0,-2-8 142,-1-8 18,0-3 0,-1-12 210,-2-7 0,-1-6-92,-2-9 1,-6-3 43,3-6-129,-2 2 0,-2-7 1,0 1 97,-2-4 0,0-1-271,-4-3 1,4 4 199,-1-2 0,6 8 31,0 5 378,5 4-172,1 10 1,7 10-204,0 10 1,8 10 135,1 9 1,4 3-134,-4 3 0,3 2-175,-2 5 1,2 0-318,-2 2 1,2-5-333,-2 3 1,2-7 242,-2 0 0,3-2-842,0-1 1303,1-5 0,2 0 0,0-4 0,-1-1 0,1 1 0,-1 0 0</inkml:trace>
-  <inkml:trace contextRef="#ctx0" brushRef="#br0">885 7951 8385,'-16'-3'0,"0"0"323,5-4 0,-1 7-159,5 0 0,7 5-307,7 8 1,2 1 227,3 5 1,4-3-102,6 3 13,-3-7 0,8 10 0,-2-6-2,2 1 1,2 1-98,2-3 1,-1-1 91,4-5 1,-1-1-91,1-2 117,-2-1 1,-4-5-1,0-1 29,0-3 1,-1 2-43,-2-4 1,-2 0-5,-5-3 0,1-1 86,0 1-69,-1 0 1,-3 3 0,-3 0 137,-2 2 1,0 1-69,-1 3 1,0 0 89,1 0 1,-1 1-90,0 2-11,1 2 0,0 5 0,1-1 49,2 0 0,2 4-22,-2-1 1,3 1-131,0-4 0,1 3 114,2 1 0,0-5-91,-1-5 0,1 1 32,-1-1 0,1 0-17,0-3 0,0-4 29,3-2 0,-2-2 4,1-1 0,3-1 7,1 1 1,-1 3 17,1 0 0,0 0-116,2 0 0,1-2 91,0 2 1,0 2-106,0 0 0,-2-1 33,2-1 1,-3 2-123,3 1 1,0-2 87,-3-2 1,-1 0-142,4 1 0,-6-2-32,3 1 1,-1 0-255,-3 1 0,5-1-988,-1 4 1476,2-5 0,5 3 0,1-4 0</inkml:trace>
-  <inkml:trace contextRef="#ctx0" brushRef="#br0">9618 6033 6248,'0'-5'733,"0"1"-835,0 4-299,-4 0 148,3 0 76,-7 0 147,7 0 0,-5 1-15,3 2-53,2-2 98,-3 3 0,0 1 0,-1 0 0</inkml:trace>
-  <inkml:trace contextRef="#ctx0" brushRef="#br0">9572 5978 7518,'-7'0'738,"1"0"-443,4 0-33,-2 4 0,4 1 1,0 5-62,0 3 1,3 1-74,0 5 1,4 4-28,0 1 0,1 7 131,1 4-151,5 1 0,-4 5 0,2 3 63,-1 1 0,-2 2-422,0-1 0,1 0 331,-1-3 0,0 4-117,1-7 0,-5-2-25,-2-10 0,1-4 93,-1-2 1,0-4-190,-3-2 192,0-7-42,0-5 8,0-4 1,-4-4 232,-2-2 1,-2-2-398,-2-2 0,1-2 158,0 0 1,-1-4-5,1 4 0,-3-4 197,-1 4 0,1-4-75,2 4 1,1-1 32,0 4 0,0-3-25,-1-1 0,2 1 171,2 3 0,-1 2 124,3 1 225,1 4-400,3-2-69,4 12 0,2 3-77,3 7 0,0 2 15,1 2 0,3 1-124,3 5 0,-2 0 82,2 0 0,-4-1-22,3-2 6,-3 2 1,4-8 0,-2 3-3,0-2 1,-2-9-111,0-2 0,-5-5 131,0-1 1,-2-3-64,1-3 0,1-3 86,-4-3 1,0-4-5,-3-3 1,0-1 8,0-2 1,1 0 99,3 1 1,-3-2-85,2-2 0,-1 3 18,1-3 1,1 2-227,2 2 1,2-1 125,-1 0 1,1 5-227,1 1 0,1 3-57,-1 1-359,0 0 0,1 3 0,-1 3-163,0 2 800,0 1 0,1 0 0,-1 0 0</inkml:trace>
-  <inkml:trace contextRef="#ctx0" brushRef="#br0">11275 7793 8003,'-9'4'0,"-4"-3"-190,2 8 127,-2-8 0,0 6 0,0-4 897,-1-1-516,-2 3 0,-4-4 0,-1 2 253,-4-2 0,-2-1-334,-1 0 0,-1-1-48,-2-2 0,2-2-7,-2-4 1,-2-2-75,-1-1 1,0-7-366,-4-5 1,7-8 339,-3-6 1,17 16-1,1-2-508,0-4 0,1 0 0,1-3 0,1 0 258,1-5 0,2 0 70,2 3 1,1-1 0,1-2 0,3 0 0,1 5-1,3 1 113,0 1 0,3 2 0,0 1 0,3 0 181,15-20 0,6 6 86,6 3 1,3 5 44,-17 15 1,0 0-233,23-13 1,-17 14 0,2 1-1,-1 2 1,2 1 40,-1 0 0,0 2 0,2 2 0,0 1-158,0 0 0,-1 1 1,2 3-1,1 0-52,-3 1 1,0 1-1,-1 2 1,-1 2-212,23 6 1,-3 10 138,-4 9 1,-5 5 5,-20-13 0,-2 0 0,13 24-62,-14-20 0,-2 2 0,-2-1 1,-1 1 187,-2 2 1,-1 0 0,-1 0 0,0 1 128,0 1 0,0-1 1,-2-1-1,-2 0-33,1 0 0,-2 0 1,-4-2-1,-2 0 264,-7 24 1,4-25 0,-2 1-170,0 0 1,-1 1 0,-1-3 0,0-1 163,-16 21 0,-3-5 108,0 1-668,13-18 1,1-1-1,-15 10 1,-3-2-85,4-8 1,2-2-533,2-10 834,-1 3 0,2-8 0,0 0 0,0-7 0,1-6 0</inkml:trace>
-  <inkml:trace contextRef="#ctx0" brushRef="#br0">9739 14264 8201,'-6'0'-189,"1"-1"-613,1-2 1075,-4 2 0,6-3 231,-4 4-193,4-4-153,-2 3 0,4 1-44,0 6 1,0 6 93,0 4 1,0 6 155,0 2-266,0 3 1,0 10-1,0 3 20,0 4 1,0-17 0,0 0-130,0 1 1,0 0 0,0 1 0,0 1-150,0 0 0,0-1 1,3 23 95,0-3 92,4-5 1,-5-12-1,5-4-436,0-5 213,-3-12 150,0-3 1,-4-15 165,0-2-123,0-7 0,0-2 0,0-8 152,0-4 1,0-1-154,0-7 1,0 2 3,0-7 0,-1-1-1404,-2-2 1407,2-1 1,-7-2-1,3 0 75,-1 3 0,-1 1 90,4 5 0,-3 3 134,3 6 1,0 7 37,3 6-137,0 7 1,0 8-60,0 6 1,0 7-65,0 5 1,0 4 680,0 3 1,0 3-711,0 6 0,0 2-11,0 4 1,0 0-172,0 0 0,0 4 58,0-1 1,0 4-128,0-4 0,0 4 104,0 0 96,0-3 1,0 0 0,0-8-19,0-5 0,0-9-10,0-6 20,0-3 1,0-7 0,0-6 6,0-2 0,0-14 0,0 2 67,0-4 1,0-9-135,0-1 0,0-5-69,0-5 0,0-1-1297,0-5 1319,0 1 1,-4-5-1,3 25 1,-1-1 73,1 0 0,0 0 1,1-1-1,-1 1-34,1-26 1,0 7 124,0 9 1,3 6 368,0 9-198,5 5 0,-6 13 0,3 5 131,-1 7 1,2 11-110,-3 9 0,1 4-165,-4 5 1,3 4 18,0 3-20,0 1 1,-3 3-1,0 0-161,0 2 0,0 0 507,0-4 1,-3 0-484,0-3 0,-2 0-93,2-9-40,2-4 256,-3-12-99,4-7 1,0-7-3,0-10 1,0-8 10,0-4-368,0-1 1,0-8 0,0 2-216,0-2 0,0-2 102,0-2 0,3 3 507,0 1 0,1-6 0,-4 4 0</inkml:trace>
-  <inkml:trace contextRef="#ctx0" brushRef="#br0">9655 14171 7403,'0'10'214,"0"3"1,0 2-1,1 8 428,2 5-587,-1 4 0,2 7 0,-4 4 33,0 3 1,0 6-2681,0-2 2676,0-5 0,0 0 1,0-6 108,0-3 1,0-4 265,0-7 0,0-6-512,0-7 0,1-2 653,2-4-711,-2-2 1,3-5 0,-4-2-486,0-3 0,0-4 145,0-2 815,0-3 1,0-7 0,0-2-1</inkml:trace>
-  <inkml:trace contextRef="#ctx0" brushRef="#br0">8259 14367 8229,'-6'0'-124,"-1"0"228,5-4 1,-2 1 340,4-3-238,0 4 1,0-3 30,0 2 1,5 2-66,5-2 0,0 1-159,5-1 1,1 2 84,3-3 0,2 2 109,1-1 0,4 2-171,-1-2 1,3 2 24,3 1 1,5 0 112,4 0-110,1 0 1,-4 4-1,0 1 56,0 1 0,4 1-28,-1-4 0,-3 3 0,-3-3 0,-3 0 80,4-3-99,-1 0 1,-2 0-1,-3 0 88,-3 0 1,-3 0-53,2 0 1,-2-3-13,-4 0 1,-1 0 63,1 3-173,-5 0 1,4 0 0,-4 0 149,1 0-78,-2-4-225,-3 3 148,-1-3-149,-4 4 192,-1 0 27,-4 0 1,-4-3-74,-2 0 1,-2-2 9,-2 2 1,-2 1 4,0-4 0,-5 0 3,1-4 1,-2 1-104,-4 0 1,2-4 109,-1 1 0,2-5 98,4 2-73,-3 1 0,7-2 0,-3 4 424,4 0-333,-2 2-79,11 0 0,-2 5 48,6 2-22,7 2 1,2 8 0,6 3-3,1 0 1,2 5 7,-2 0 0,2 0-165,1 0 1,1-3 129,-1 4 0,-3-2-11,3 2 1,-2-3 54,-2-3 1,-2 0 138,-1 3 1,-6-6-98,0 2-56,-6-2 1,1 3-108,-4-1 1,-5-3 111,-4 0 0,-2 1-593,-4 2 1,-1 1-271,-2 3 0,-2 1-1625,-2 5 2413,-2 4 0,-3 4 0,-1 7 0</inkml:trace>
-  <inkml:trace contextRef="#ctx0" brushRef="#br0">11210 15894 8115,'-37'13'0,"0"-4"880,0 1-560,-1-1 1,1-8 0,1 1 57,2-4 0,-3-3 9,3-4-281,-2-5 0,-1-1 0,0-8 8,-1-5 0,18 11 0,-1-1-1436,-1-5 1,1-1 1339,-1 1 1,2-2 0,1-7 0,1-2-185,2 2 0,1-1 0,2-3 0,3-1 114,1-3 0,3-1 0,3 1 0,4-1 0,4 3 0,5 0 34,2 3 0,3 2 0,3 3 0,3 2 123,2 2 0,1 2 0,2 2 0,3 0-3,1 1 1,2 2 0,0 3 0,1 2-699,1 1 0,0 1 673,3 3 0,1 2 0,1 1 0,0 2 0,3 2 0,-1 1 22,1 0 0,0 1 1,-3 6-1,1 2 32,2 1 1,-1 3-192,-3 2 1,-2 2-1,0 6 1,-1 2 0,-4 1-1,-2 1-251,0 2 1,-2 1 226,-5-1 0,-3 0 0,1 2 1,-3-1-37,-6-2 1,-1-1 0,0 1 0,-2 0 0,4 24 121,-5 0 1,-7-6 164,-7-2 1,-4-7-177,-11-5 393,-6 2 0,-9-4 1,15-14-1,0 1-171,-2-2 0,-1 1 1,-2-1-1,-2 0-116,-1 0 1,-2 0-1,-2-2 1,-1 0-342,-2 1 0,-1-1 1,3-2-1,-1 0-22,-1-1 0,-1 0-105,2 0 1,0-3 0,-1-3-1,0-1 371,2 0 0,-1-1 0,1-1 0,0-2 0,1 1 0,2-1 0,-1 1 0,0 0 0,2 0 0</inkml:trace>
-  <inkml:trace contextRef="#ctx0" brushRef="#br0">10987 10410 8286,'-5'0'298,"-4"4"-162,8 1 1,-6 4 0,4 1 423,1 3-498,1-3 0,1 9 0,0-2 50,0 4 0,1 5-197,2-1 1,-2 0-259,2 3 1,-2-4 126,-1 4-455,0 0 0,0-4 671,0 4 0,-4 4 0,-1 1 0</inkml:trace>
-  <inkml:trace contextRef="#ctx0" brushRef="#br0">10977 11220 8286,'-4'13'-264,"3"0"300,-2 3 0,-1 2 0,1-3 433,1 3 0,1 0-441,1 1 0,1 0 43,2-1 0,-2 4-305,2 0 68,2 3 1,-4-4 0,2 4-463,-2 1 0,-1 0 273,0-1 1,0 1 354,0-1 0,0 2 0,0 1 0</inkml:trace>
-  <inkml:trace contextRef="#ctx0" brushRef="#br0">10977 11937 8225,'0'22'0,"-3"-2"63,0 2 1,-3 0 186,3 0 1,-3 4 34,3-1 0,-1-1-5,0 0 1,3 3-229,-2 1 0,-1 2-118,1-5 1,0-1-269,3 1 0,0 0 13,0 2 1,0-2-263,0 0 1,0-4 582,0 1 0,-4 1 0,-1 1 0</inkml:trace>
-  <inkml:trace contextRef="#ctx0" brushRef="#br0">10959 12719 8225,'-1'18'-3,"-2"1"1,2 3 119,-2-1 1,2 1 141,1-3 1,-1 3-70,-3 3 0,3-1-209,-2 1 1,2 0-104,1 3 0,-3 0-255,0 0 1,0-1 99,3 1 1,-3 0-419,0 0 531,-5-4 0,7 5 1,-3-3-164,0 0 0,3-5 327,-2 1 0,2-1 0,1 1 0,1-6 0,2 3 0,-2-3 0,6 2 0,-2-1 0,0 2 0,-2-5 106,3 4 1,-4-2 194,1-1 1,1 3 3,-1-3 58,1 3 0,-1-3 0,0 1 147,-1 0 0,2 3-138,-1 3 0,0 1 92,-3 1 0,0 3-52,0-2 1,3 6-148,0 3 1,0-1-130,-3 2 0,0-4-154,0 3 1,0-3-48,0 3 1,0-8-687,0-1 358,0-5 0,0-5-332,0-3 725,0-6 0,0-6 0,0-5 0</inkml:trace>
-  <inkml:trace contextRef="#ctx0" brushRef="#br0">754 10465 8433,'-9'-6'-568,"0"0"489,3 4 0,1-2 0,3 3-199,-1-2 408,0 2 0,3-5 276,0 3-193,0 2 0,4-6-53,2 4 0,3 0 13,0 3 0,1-1-22,3-2 0,1 1-7,5-5 1,2 5-170,1-1 29,0-2 1,1 4 0,0-2-4,1 2 0,2 1 33,-4 0 1,3 1-15,-4 2 0,1-1 52,-3 4-33,-1 1 0,-2 5 1,-1 0-25,2 0 1,-4-2 0,0-1 0,-3 0-61,-1-3 0,4 2 114,-1-2-54,5-1 1,-6-1 0,4-4 42,-2 0 0,4 0-7,-2 0 1,6-1 3,1-2 1,0-3 14,0-3 1,-1-3 20,4-1 1,-2 0-42,2 0 1,1 3 71,-4-2 0,3 1-10,-4 2 1,1 4 0,-3 2 1,-1 2-43,1 1 0,-3 4 5,-1 2 1,0 2-22,0 2 1,3 2 2,-3 0 1,3 1-117,0-4 1,1-1 71,0-1 0,2-3-114,1-4 1,4 0 93,-1 0 0,-1-2-5,0-5 1,1 0 55,3-8 1,3-1-3,0-2 0,-1 3 66,-5 3 0,2 1 193,-2 2 0,2 1 126,1 1 1,-4 3-125,1 4 1,-3 1-40,3 2 0,-1 3-252,0 3 0,3 0-249,-2 1 1,3 0 59,3 2 1,2-1-222,4 1 1,5-2-1259,1 0 1655,7-5 0,-1 2 0,-22-5 0,0-1 0,3 0 0,0 0 0,3 0 0,0-1 0</inkml:trace>
-  <inkml:trace contextRef="#ctx0" brushRef="#br2">689 10484 8548,'-19'-9'-448,"2"-1"-57,1 1 1,4 0 1063,6-1 0,2 1 419,4 0-925,0 0 1,5 2-1,4 1 36,5-1 0,5 2 131,3-2 0,2 5-79,4-1 1,1 2-10,2 1 1,2 0-96,4 0 0,8 4-215,5 3 1,-21-5-1,0 1 192,2 0 1,0 0-1,3-2 1,1 0-206,2 1 0,1-1 1,1-2-1,1-1 224,1-1 0,1 0 0,0-2 0,0-2-273,0 2 0,0-2 1,0-1-1,1 0 259,0 0 0,1 0 1,-6 1-1,0 1 16,0-1 0,-1 1 0,-3 2 0,-1 1 10,-2-1 0,0 2 1,-2 1-1,-1 1 69,25 0 0,-5 4 60,2 5 0,-3 0-53,-4 1 0,2-2-45,-1-2 1,-2 1-7,2-3 1,-4-1 128,4-3-284,-5-4 0,5-6 0,-3-5 80,-2-3 1,-4-5-114,-1-1 0,0-8 149,4-2 1,-5 1 67,-2-1 14,-2 4 1,-2-3 0,-2 3 81,-4-1 0,-3 0 332,-6 3 0,0 0-331,-9 0 0,0-3 129,-3 0 1,-5 0-245,-5 3 1,-4-1-64,-8-2 0,-3-2 56,-6-4 1,-2-2-92,15 19 1,-1 0 0,0 1 0,1-1-100,-1-2 0,0 0 67,3 1 0,-1-1 1,0-1-1,0 0 0,-12-20-21,2 3 1,6-1 23,-1 4 0,-2-1 425,-1 7 1,2 1-437,-2 5 43,0 6 0,-4 4 1,-3 4-35,-5 3 0,-1 5 32,-2 0 0,-2 3-154,-2 3 0,-6 2 98,24 0 1,0-1 0,-25 6 1,24-6 0,0 1-1,-23 4-57,-2 1 1,0-2 16,26-5 0,-1 0 0,0 1 1,1 0 73,-24 3 0,23-5 0,1 0-50,-24 1 70,23 0 0,1-1 0,-22 0 0,-3 3-49,1-1 1,1 0 79,-4-4 1,3 3-16,0 0 0,0 0 123,7-3 0,0 0-157,0 0 0,2 0 106,0 0 0,1 0-104,6 0 0,-2 0 2,-2 0 0,-1 0-26,2 0 0,-3 3-139,6 0 1,-2 4 92,-1 0 0,-4 4 35,1 1 1,0 5-22,3-2 1,0 7-34,3 3 464,-2-2 1,11 4 0,0-4-248,5 1 0,4 3-46,1-2 1,2 2-31,-2 1 0,2 1 5,-2 2 85,-1-2 1,2 4 0,1-4-31,3-1 0,2 2 355,1-5 0,3 1-356,4 2 1,1 1 110,2 2 1,6-1-83,3 5 0,5 2 117,-2 3 1,2 7-263,-2-4 1,2 2 136,-5-5 1,4-2-97,-4 3 32,1-3 0,-7-5 1,0-3-170,1-4 0,-2-3-52,2-5 0,-1-6-355,3-3 1,1-6 95,-1 0-1613,0-2 2145,5-1 0,0 0 0,5 0 0</inkml:trace>
-  <inkml:trace contextRef="#ctx0" brushRef="#br2">8957 10233 8220,'-5'0'144,"-3"0"457,1 0-541,3 0 1,0-1 50,4-3 0,4 3 81,2-2 1,4-1-24,2 1 0,3-4-170,3 1 1,1-4 103,0-2 1,-1 1-156,1-5 1,-1 5 49,1-2 0,0 4 163,-1 3 0,1-2 5,-1 5 1,0 0-8,-2 3 53,1 4 1,-1 5 0,4 4-50,2 2 0,0 0-60,-4 4 0,4-4-16,0 1 0,3-5-189,-4 2 1,4-7 69,-3-3 1,3-2 130,-3-1 0,2-1-205,-2-2 1,3-2 50,-3-5 1,-1 1 35,-2 0 0,3 2 34,-1 1 1,-2 1 6,-3-1 0,-1 2 58,4 4 1,-1 0 133,1 0 0,-1 0-102,-3 0 1,3 0-44,-3 0 0,3 0-100,0 0 1,-2 3 52,-1 0 0,0 0-89,0-3 0,3 0 55,-2 0 1,0 0-22,0 0 1,1 0 21,-1 0 0,0 0-1,0 0 1,1 0 143,-1 0 0,-2 0-15,2 0 1,-2 0-27,2 0 0,2 0-98,-3 0 0,0 0 5,0 0 0,-3 0 0,4 0 1,-2 0-6,2 0 1,-2-1 90,-1-2 0,-2 2-11,5-2 0,-5 2-306,2 1 0,-2 0-305,1 0 1,-1 0-1054,1 0 1591,-2 0 0,4 0 0,0 0 0</inkml:trace>
-  <inkml:trace contextRef="#ctx0" brushRef="#br2">12635 10233 8305,'-9'9'0,"-1"-3"294,1 0 654,0-4-129,-1 7-280,5-8-270,5 7 0,8-7 117,5 2-326,3-2 0,-1-2 0,4-2 152,3-3 0,1-2-195,2-2 1,3-2-165,0-1 1,0 1 89,3 3 0,-2 0 98,-1 3 0,2-1 26,-3 4 0,3 1 176,-5 5 0,1 2-15,-1 4 1,-2 4 114,-5-1 1,1 5-97,0-2 0,-1-1 148,1-2 0,-1-3-172,1-2 1,4 0-3,2-4 1,2 0-127,1-3 1,4-4 6,2-2 0,2-3-146,1 0 0,-3 0-62,0 0 1,1 0-19,2 3 1,0-1 151,0 4-96,1 0 1,-2 3 0,-2 1-74,-3 2 0,1 2 152,-1 4 0,-3 1-113,-3-1 1,-4 1-85,0 3 1,2-3-264,-1 2 1,0-4-210,0-2 1,-1-4-1366,4 1 2023,4-2 0,1-1 0,4 0 0,1 0 0,1 0 0</inkml:trace>
-  <inkml:trace contextRef="#ctx0" brushRef="#br3">438 15158 12055,'-19'0'-676,"0"0"0,4-1 0,0-1-643,2-1 1800,1 0 0,5 3 380,1 0-586,4 0 0,-1 0-167,6 0 1,3 0 84,7 0 1,-2 3-201,5 0 4,-1 0 1,7-3 192,0 0 0,8 0 88,1 0 0,1-1-235,2-2 1,3-2-1,4-6 458,2-1-350,0 2 0,1-7-113,-1 5 1,-4 0 283,2 6 0,-1-1-13,-3 4 0,-1 1-242,-8 5 1,-1 5-215,1 4 0,-1 5 58,-2-1 1,-1-2-253,-2 2 1,-2-5 193,5 1 1,-1 1-1,3-4-153,1-4 0,-1-3-115,7-2 514,-4-4 0,8-5 0,-3-7 93,0-1 58,1-6 1,1 3-74,0-1 0,-1 1 0,-2 3 77,-3 5-13,-2 0 1,-1 11-125,0-3 1,3 4-84,0 4 1,-3 4 0,-4 5-478,-1 2 298,3-4 1,-6 6-53,5-5 0,-4 4 0,1-4-96,-3-1 129,4 0 0,0-2 1,3-1-110,-1-1 196,-1 1 0,4-7 55,0 2 0,3-2 90,0-1 0,1-4 52,-1-2 0,-2-3 1,3 0 75,1 0 0,-5-1 330,4 1-419,1 0 1,-4 0 79,2-1 1,2 2-95,1 2 0,-2-2 0,-1 5 64,-2 1-78,3 1 0,-3 1-131,2 0 1,-2 3 25,-1 0 1,1 4 0,2-3-73,3 1-257,-2 1 0,1 0 0,-3 1-148,1 0-955,9 1 0,-9-2 1439,6 1 0,2-1 0,4 3 1</inkml:trace>
-  <inkml:trace contextRef="#ctx0" brushRef="#br2">9208 8771 8191,'-4'-9'-337,"-1"-1"-176,-4 1 0,-1 0 559,1-1 0,3-1 1429,0 2-858,4 1-384,-2 8 9,12 9 0,-2 5-79,6 11 1,3 3 85,0 3 0,3 3-172,1 6 1,2 0-433,1 3 1,4-3 392,-1 4 0,-12-21 0,1-1-186,0 2 1,0-1 0,10 21 103,1-6 0,-7-5 63,1-2 1,-8-6 333,-2-4-266,-4-9 73,-5-4 0,-4-8 1,-2 0 165,-2 0 0,-3-1-255,-1-2 1,-1-1 327,-3-2 1,-2-3-457,3 3 1,-3 1 114,0-1 0,3 1-21,3-2 0,1 2 92,2 2-51,4 2 31,1-3 0,12 14 0,5 4 156,3 1 1,3-1-175,-1 1 0,4 1 5,0 2 1,0-3 40,-4-3 1,1-1-10,-1-2 0,0-4 54,-3-2 1,2-4 14,-5-5 0,1-1-155,-4-9 0,0-2 124,1-4-714,-5-4 1,3 2-1,-3-4 51,1 0 1,1 1-110,-4 3 1,4 1-148,-1 4 1,4 1 752,2-1 0,3 0 0,3 1 0</inkml:trace>
-  <inkml:trace contextRef="#ctx0" brushRef="#br2">13091 8696 8098,'-14'-13'0,"0"3"-42,5-3 0,0 3 74,-1 0 1,1 2 385,0 2 433,3 2-671,2 4 1,4 7-142,0 2 1,4 10 158,3 0 0,4 9-55,1 0 0,6 6-2,1 0 1,0 2-234,6 1 0,-1 4-4,1-1 0,2 0-1044,-3-2 982,-1-5 0,1-1 0,-4-6 114,-2-5 0,-2-3 78,-10-9 264,-2-4-154,-4-1 0,-7-5 262,-2-2 1,-7 1-357,1-4 1,-4 0 482,-3-3 0,3 0-501,-3 3 0,2-2-255,2 2 257,-5-3 1,7 3 0,1 1-12,3 1 0,6 1-41,0 3 70,4 0 1,2 4 136,6 2 1,5 5-53,2 2 1,4 2 201,2-2 0,0 2-60,2-2 1,2-4 164,-1-3 0,3-4-247,-4 1 1,4-4-26,-3-5 0,0-1-126,-4-9 1,1-2 104,0-4 0,-2-4-1000,-1 1 1,1 2 151,-1-2 697,-3 4 0,5-6 0,-4 3 0</inkml:trace>
-  <inkml:trace contextRef="#ctx0" brushRef="#br2">9721 10316 8345,'0'-6'-272,"0"0"1,0 3 1136,0-3-38,0 4-221,0-3-336,0 14 0,0-3-99,0 6 0,0 3-165,0 0 0,1 3-46,2 1 1,-2 0-263,2 3 0,-2-1-64,-1 3 0,0 1 200,0 3 0,0 3-701,0 0 1,0 1 30,0-1 836,0-2 0,0 8 0,0-4 0</inkml:trace>
-  <inkml:trace contextRef="#ctx0" brushRef="#br2">9823 11238 8345,'-8'19'-13,"1"-1"1,-1 1 130,2 0 0,2 0 194,1 3 1,2 1-20,1 2-285,-4 2 0,3-5 0,-3 5-299,3 1 0,1-3-182,0 3 0,0 0 146,0-3 0,-3-2-404,0 2 592,0-4 0,0 2 1,-1-5 138,-1 1 0,3-5 0,-7 8 0,4-2 0</inkml:trace>
-  <inkml:trace contextRef="#ctx0" brushRef="#br2">9748 11955 8345,'0'16'0,"0"-1"-40,0 2 0,0-3 222,0 2 1,0-1-11,0 4 0,0 3-5,0-1 0,0 4-153,0-3 1,0 5 62,0 1 0,-3 3-219,0 3 0,0-2 155,3-4 0,0 3-107,0 0 0,0 2-23,0-5 1,0 1-358,0-7 1,3-1-606,0-2 1079,0 0 0,2-1 0,0 1 0</inkml:trace>
-  <inkml:trace contextRef="#ctx0" brushRef="#br2">9795 12914 8345,'-4'19'-5,"3"-1"1,-4-2 0,3-1 168,-2 2 0,1-3 9,3 2 0,-3 0-279,0 2 0,0 1 109,3-1-46,0 1 1,0 1-1,-1 0-215,-2 2 0,2 0 17,-2-4 0,2 5 53,1 2 1,-3-2-190,0-2 1,-1-1 155,4-1 1,0 2 220,0 1 0,0 0 0,0-3 0,0-1 0,0 1 0,0-1 0,0 1 0,1-1 0,3-3 0,-3 0-129,2-3 1,-2-2 141,-1 3 1,0 0 100,0 0 1,0 0 18,0 0 0,0-2 102,0 4 0,0 0 16,0 0 0,0 4 38,0 0 0,-1 0-20,-2 6 1,2-3-116,-3 3 0,0 0 6,1 2 0,-3-2-55,3 0 0,0-1-7,3 1 1,0-2 9,0-5 0,0-1-118,0 1 0,0-4 50,0 4 1,0-4 50,0 1 1,0 1 247,0 2 0,0 4 25,0 0 0,0 4 83,0-1 0,-1 3-211,-2 3 1,1-2-40,-5 2 0,5-2-46,-1-1 0,-1-1-226,1 1 1,0-4-676,3-2 615,0-2 0,0-9 0,0-2-990,0 0 0,1-5 1125,2-1 0,2-6 0,5-3 0</inkml:trace>
-  <inkml:trace contextRef="#ctx0" brushRef="#br2">15149 10624 8360,'0'5'0,"-3"3"331,0-2 1,-4 3-151,4 0 0,0 4 0,3 3-77,0 1 0,0 3-91,0 2 0,0-1-292,0 3 0,0 1-475,0 3 0,0-2 180,0 2 574,0-2 0,-4 10 0,-1-3 0</inkml:trace>
-  <inkml:trace contextRef="#ctx0" brushRef="#br2">15177 11452 8360,'-4'19'-64,"-3"0"0,0 2 0,0 1 46,1-1 0,4-2 318,-2 0 1,0 1-239,1 1 1,0-1-212,3 2 0,0-6 161,0 0 0,0-1-185,0 4 0,0-3 67,0-1 1,0-3-270,0 4 0,0-1-354,0 4 503,0 4 1,0-3 225,0 1 0,-4 7 0,-1 1 0</inkml:trace>
-  <inkml:trace contextRef="#ctx0" brushRef="#br2">15112 12244 8360,'-4'16'-757,"1"1"283,1-1 1,-2 4 836,1-4 1,0 2 26,3 4 1,0-2-187,0 1 0,0 2-65,0-1 0,0 1-80,0-2 1,0-1-235,0 2 0,0 0 106,0 0 1,0 0-402,0-3 0,0-1 175,0 1 0,0-1 28,0 1 0,0 1 93,0 1 0,0-1 174,0 2 0,0-3 0,0 0 0</inkml:trace>
-  <inkml:trace contextRef="#ctx0" brushRef="#br2">15093 13100 8309,'0'19'-296,"0"0"40,0-1 1,0 1 210,0-1 1,0-2 170,0 0 0,0-1 79,0 4 1,0-1-16,0 1 0,1-4 103,2 1-161,-2-1 1,4 3 0,-3-1 86,1-2 0,2-2-77,-2 2 0,-2 1-108,2 2 1,-1-2-154,1-1 115,-2-3 0,3 1 0,-4-3-454,0 3 1,0-3 86,0 3 1,-3 0-391,0-1 761,0 1 0,-1 0 0,-1 2 0</inkml:trace>
-  <inkml:trace contextRef="#ctx0" brushRef="#br2">15130 13827 8287,'4'14'0,"-3"5"234,2-1 0,-1-2 404,2 2 1,-3 2-129,2 2 1,1 1 39,-1-2 0,1-1-463,-1 2 1,-2-3 49,2 0 0,-1-3-381,2-1-145,-3 1 1,3-2 388,-4-2 0,0-1 0,0-2 0</inkml:trace>
-  <inkml:trace contextRef="#ctx0" brushRef="#br2">15214 15959 8259,'-9'4'105,"-1"0"-25,1 2 0,1 4-26,2-1 275,-3 4 1,1 7-1,-5 2-1,-2 3 1,0 6-176,-4 3 1,-1 2-165,-1 1 1,1-1 231,-2-1-135,7-3 1,1-5 0,5-4 327,0-4-93,-1 0-167,5-9-75,1-1-47,4-5 0,0-5 179,0-2 1,4-1 15,2-2 1,3-2-154,0 1 0,0 2 16,0-1-32,5 4 1,-4-5 0,4 4 2,-1 1 1,-1 0-15,3 2 1,-3 0-136,4 0 0,-5 0 186,2 0-171,-3 5 0,3-3 0,0 4 3,1 1 1,-1-2 66,2 2 1,-3-1 7,0 3 1,2-3 0,-2 0 68,5-3 1,-7 4 0,2-4-31,-1-1 558,-2-1-129,0-1 0,0-1 72,-3-2-374,-2 2 0,-4-7 1,0 0 126,0-3 1,-1 0-148,-2-5 0,1 0 33,-4-2 1,-4-4-24,-2 0 1,-5-3-48,2 0 1,-3-6-145,0-3 0,-1-2-1171,0 2 1172,1 2 0,0 2 1,2 0-860,0 0 749,5 7 0,-3-2 1,5 9-608,0 4-258,-1-3-913,5 9 1917,-3-2 0,7 16 0,-3 2 0</inkml:trace>
-  <inkml:trace contextRef="#ctx0" brushRef="#br2">8557 8836 8460,'-15'0'0,"-1"0"-44,3 0 0,1 0-47,2 0 0,5 4 659,2 2 0,2 8-201,1 4 1,4 6 5,3 7 1,1 8-133,1 7 1,0 1-247,1 2 0,-1-1 214,0-2 0,1-3-142,-1-3 1,-1-6-200,-2-3 1,3-6-329,-3-3 0,2-6-517,2 0 97,-1-9 0,0 2-730,0-9 1610,-3 0 0,2-9 0,-3-1 0</inkml:trace>
-  <inkml:trace contextRef="#ctx0" brushRef="#br2">8715 9171 7902,'0'9'2743,"0"1"-2918,0-1 1,4-3-384,2 1 1,2 2 557,-2 3 0,6 1 0,-1-4 0</inkml:trace>
-  <inkml:trace contextRef="#ctx0" brushRef="#br2">12346 8957 8429,'-9'-1'136,"0"-2"-185,3 2 0,2-4 478,4 2 1,4 2-158,3-3 0,2 0-88,3 1 0,0 0 1,2 3-311,0 0 0,1 4 66,-2 2-3,3 3 1,-6 1-1,2 1 63,-5 2 1,1 3-5,-1 0 0,-3 2 92,-1 0 1,-2 4 317,-1 0-335,-4-1 1,2 1 0,-5 0 104,0-2 0,2-4 195,-1-4 1,4-1 40,-1-2-401,2 0 62,1-3 1,1-2 0,2-4-158,3 0 1,2 0-22,2 0 0,0-1-322,2-2 0,0 0-40,3-3 1,1 0 187,2-3 0,-2 3-1253,-1-1 1532,1 5 0,3-6 0,-1 3 0</inkml:trace>
-  <inkml:trace contextRef="#ctx0" brushRef="#br2">12812 9255 8318,'0'9'419,"0"1"0,0-4 0,1-1-513,2-1 1,3-1 93,6-3 0,3-8 0,4-2 0</inkml:trace>
-  <inkml:trace contextRef="#ctx0" brushRef="#br2">10112 10167 8403,'-18'-5'223,"2"2"961,3 2-875,8 1 0,15 1 0,10 1-110,4 1 1,3 5 83,4-2 1,1-1-206,2 1 1,2-4 262,-2 1-531,6-2 0,0-1 1,2 0 142,0 0 0,-5 0-726,-3 0 755,-4 0 0,-2 0 0,-7 0 133,-5 0-173,-2-4 0,-5 3 35,0-2 1,-3 2 27,1 1 1,-4 0-32,3 0 0,-3 3-59,3 0 135,0 5 1,1-7 0,-1 3-739,1 0 0,1-3 688,2 2 0,-1 2 0,0 0 0</inkml:trace>
-  <inkml:trace contextRef="#ctx0" brushRef="#br2">11043 9413 8170,'-7'-6'-868,"1"0"912,0 0 0,0 0 339,0 3-45,4-2-172,-7 4 0,8 2 102,-2 9-154,2 3 1,0 7-1,-1 2 255,-1 6 1,0 5-19,3 8-333,0 1 0,0 9 1,0-24-1,0 0 25,0 1 0,0 2 16,0 0 1,0 1-1,0-1 1,0 1-1,0-3 1,0 1-77,0 21 1,0-4-240,0-9-160,0-12 299,0-8-67,0-12 1,1-10 91,2-1 1,-2-7-1,2-6 85,-2-5 0,-1-7-15,0-3 1,0-7-38,0-6-33,0-3 1,-1 21 0,-1 0 0,0-1 0,1 0 96,0-1 1,0 0 0,0-1 0,1 1 64,0 3 1,0 1 0,0 0 0,0 0 45,0-23 1,0 3 214,0 9 1,0 8 155,0 12-230,0 3 17,0 10 0,0 2-84,0 6 0,0 2-16,0 5 1,0 3-42,0 3 0,0 2 186,0 4 0,-1 6-212,-2 6 1,2 6-134,-2 4 1,-2 2-324,2 4 1,0 2 399,3-25 0,0 2 0,0 1 0,0 2-122,0-1 0,0 0 0,0 1 0,0 0-62,0-4 1,0 0-1,0 24-160,0-8 0,0-6-129,0-10 25,0-6 1,1-18 102,2-4 1,-2-4-36,2-5 0,-2-5 338,-1-1 0,0-8-155,0-5 49,0-8 1,0-7-1,0-4-16,0-3 0,0-2 125,1 25 0,-2-2 0,0 0 0,-1-1 14,1 1 1,-1-1 0,1 3 0,-1 1 248,2-21 0,-3 6 44,0 7 0,0 4 177,3 8-175,0 8 1,0 11-14,0 6 1,1 7 122,2 5-340,-2 7 0,3 3 0,-4 6 17,0 3 1,0 6-41,0 4 0,0 1-98,0 2 1,0 5 59,0-25-1,0 1-17,0 24 1,-1-22-1,-1-1 1,-2 23-105,-1 0 0,3-6 49,-1-6 1,2-6-1128,1-6 1,0-9 98,0-6-778,0-7 1849</inkml:trace>
-  <inkml:trace contextRef="#ctx0" brushRef="#br2">11033 10456 8142,'-9'9'0,"3"1"333,0-1 127,-1 0-230,2 1 0,1-4 131,4 0-288,0 0 0,0 4 0,0-1 187,0 0 0,3 1-172,0-1 0,1 3-220,0 1 1,-3 3-15,2 0-18,-2 1 1,-1 2 0,0 0-379,0-1 0,0 1 51,0-1 0,0 1 184,0 0 0,0-2-388,0-1 695,-4 1 0,-2-2 0,-3 3 0</inkml:trace>
-  <inkml:trace contextRef="#ctx0" brushRef="#br2">10996 10959 8142,'-4'9'-243,"3"0"1,-4 2-1,3 0 905,-1 2 0,-1 0-135,4-1 0,0 0-335,0 3 1,0-2-53,0 2 1,0 1-245,0 2 0,0 1 130,0 0 1,0-1-98,0 1 1,0 0-83,0-1 1,0 1-308,0-1 1,0 0-264,0-2 0,-1 1 298,-2-1 1,2-2 120,-2 2 1,2-5 284,1 1 1,0-1-84,0-2 102,0 0 71,0 1 1,0-4 0,0 0 202,0 1 1,0-1 363,0 0 1,0 0 77,0 3 0,0 1-236,0-1 0,0 3-105,0 1 0,0 4-153,0 2 1,0 0-180,0 2 1,3 2 153,0-1 1,0 4-150,-3-2 1,0 3-46,0 1 1,0-1-198,0-2 0,0 2-132,0-2 0,0-2 154,0-2 1,0-2-121,0-4 0,0 2 84,0-5 0,0 2 127,0-2 0,0-4 8,0 5 0,0-7 120,0 7 0,2-8-78,1 4 1,-2-2 119,2 3 1,1-1-7,-1 0 0,1 0-88,-1 1 0,-2 0 215,2 3 1,2 1-50,-2 5 0,0 0-62,-3 3 0,0-1 29,0 4 0,0 0 19,0 6 0,0 2-42,0 1 0,0 1 4,0-4 1,-1 1-148,-2-1 0,2-2 127,-3 2 0,0-5-128,1-1 1,0-4 14,3 4 1,-3-7 23,0 0 0,0-2 35,3-1 1,0 2 0,0-5 0,1 1-61,2-4 1,-2 4-25,2-1 40,2 5 0,-3-7 1,3 3 13,0 1 0,-1-3-43,-1 5 0,-2-1 36,2 4 0,-1-4-3,1 1 1,-2-1 39,2 4 0,-2 3 11,-1-1 0,0 1 21,0-3 0,0 3 13,0-1 0,-1 5 16,-2-1 0,2-1-56,-2 1 0,2-2-130,1 2 0,0 4 31,0-4 0,0 3-75,0-6 0,0-1-1,0-2 1,0 2-239,0-3 0,0 2 130,0-8 0,0 2 28,0-2 1,-3 2 270,0 1 0,0-1-89,3-5 1,-3 3 26,0 1 1,-2 2 24,2-2 0,2 3 176,-2 0 0,1-2-41,-1 2 1,2 2-53,-2 4 0,2 0-51,1-3 1,-3-1 29,0 1 1,-1 2-23,4 1 1,0 1-18,0-1 1,0-2 19,0 5 1,0-4 16,0 1 0,-1 0 11,-2 0 1,2 1 9,-2-1 1,1-3 5,-1 3 0,2-2 5,-2-2 0,1 1 113,-1-1 1,2 0-157,-2-2 1,2 0 35,1-3 0,0-1-83,0-3 0,0 1 14,0-1 1,3 0-122,0 1 0,0-1 83,-3 0-55,0-4 116,0 4-20,0-4 89,0 4 0,0-3-52,0 1 1,0-4 12,0 3 1,0-3 94,0 3 18,0 0 1,0 4-81,0-1 1,0 0 88,0 1 1,0-1-63,0 0 1,3 2 10,0 1 1,0-1-91,-3 5 0,1-4 58,2 4 0,-2-1-137,2 4 1,-2 0-24,-1-1 1,0 1-235,0-1 0,4 1 73,-1 0 0,0-1-207,-3 1 1,0-4-41,0 1 0,0-4-225,0 4 1,0-2-173,0 2 1,0-3 837,0-3 0,4 3 0,1 2 0</inkml:trace>
-  <inkml:trace contextRef="#ctx0" brushRef="#br2">11192 15763 8335,'-9'-6'1160,"3"0"-1144,-2 4 91,3 2 0,-1 6 0,-1 7 52,0 6 1,-4 5 75,-2 7 0,-4 3 104,-2 6 0,-1 7-962,8-21 0,0 1 670,-1 2 1,1 1-1,-2 0 1,0 0-1,0 1 1,-1 0-53,-1-1 0,1-1 0,2-3 0,1 0 5,-1 0 1,1-2 0,-8 18-46,5-8 1,2-7 253,3-12-365,5-1 1,1-8-159,4 0 282,0-4 1639,0 2-1651,0-12 0,4 2 127,2-7 0,-1 3 0,2 1-37,0-1 1,4 1-2,2 0 0,2 2 13,-2 1 1,3 3 50,0-3 0,0 4-73,0-1 1,1 2-8,-1 1 0,5 0 25,0 0 0,2 4 41,-1 2-58,-3 2 0,8-1 0,-2-1 24,2 1 0,1 1-26,0 2 1,0-1-2,0 0 1,-1 1 32,-3-1-29,-1 0 1,-4-3 52,-1 1 0,0-5 0,-2 1 63,-4-2 1,-5-1 82,-1 0-126,-3-4-19,5-2 0,-7-4 0,2-1-60,-2-2 0,-5-3-25,-2 0 1,0 2 34,0-2 1,-1 1 63,-5-4-90,1-4 0,-6 1 0,1-4-57,-1 1 0,-3-1-139,-2-5 1,3 1 77,-3-4 1,2 1-139,2-1 0,2 2 235,0 4 0,5 0-13,-1 0 1,4 1 63,2 2 0,4 2-131,-1 5 64,2-1 1,1 3 147,0 1 1,0 4-18,0-2 39,0 3 84,0 5-175,0 1-355,0 4 127,0 8 0,0-5 155,0 6-154,0-2 0,3 3 74,0-1 1,1-1 0,-2 0-123,2-2 179,-1 0 0,-2 3 1,1 1 32,1-1-22,0-4 1,-3 3 0,0-1-3,0 1 57,0 1 1,0 4 0,0-1-28,0-1 0,-1 5 80,-2 3 1,-5 3-71,-5 6 0,-7 1 2,2 2 0,-7 6-159,0 7 1,11-22 0,-2 0 170,1 0 0,-1 0 0,-14 15 59,5-6 1,4-7-50,5-5-12,-2-1 57,12-12-28,-2 3 0,9-10-7,2-2-42,-2 1 1,11-6-1,-1 2 321,5-2 1,2-1-269,7 3 0,0-2-70,3 2 0,1 1 56,2-2-56,2 5 1,1-5 0,0 4 15,1 1 0,-3 1-191,-1 1 142,-2 0 0,-5 0 0,-3 0 166,-5 0-90,-2 0 0,-6-1 99,-2-2 1,-2 1 210,-4-5-205,-4 5 0,0-7 1,-3 1-140,1-4 1,-1-4 23,-2 0 1,-3-2-150,-1-4 0,0-2 30,0-4 0,0-4-283,-2-2 0,-3-6-102,2-4 1,-1 0 191,-2 0 0,4 0 107,-1 3 1,8 2-88,-1 5 422,1 10 152,3 7-224,1 11 0,4 11 0,0 7-79,0 5 88,0 5 0,0 6 0,-1 6-41,-2 3 0,1 1 8,-4 2 1,4-1-170,-2 1 0,0-1 125,1 2 1,0-6-40,3 2 0,-3-7 23,0-2 1,0-4 6,3-6-45,0-7 285,0-3 1,0-9-275,0-2 1,0-7-5,0-5 1,0-4-217,0-2 0,0-4 68,0-6 0,0-2-12,0-5 1,0 4 159,0 0 0,3 3 118,0-3 1,0 8-224,-3 1 262,4 9-26,-3 2 0,7 14 179,-5 6-179,0 11 0,-3 8 101,0 6 0,0-1-87,0 4 1,0 0 0,0 2-34,0-2 1,0 3-55,0-3 1,3-5-23,0-1 0,4-7-254,-1 1 240,-1-2 0,3-10-235,-2-4 1,1-6 359,-1-6 0,0-4-140,-3-9 0,-2-4-137,2-1 149,-2-3 1,-1-5-1,-1-2-8,-2-3 1,-2 1 34,-5 2 1,1-1 14,0 4 0,-4-2-8,1 5 48,-5 2 1,7 9 0,-2 4 121,1 4 0,-1 6-104,-1 3 1,-2 9-57,2 6 1,-2 7 77,2 3-163,-7 6 0,7-1 87,-5 4 0,-2 0 0,-2 3-6,2 1 1,0-5 29,1-2 0,5-4 41,1-6-258,7 1 89,2-12-341,4 0 276,0-6 0,4-8 90,2-2 3,3-3 1,0-1 0,1-1-91,3-2 1,1-3 58,5 0 0,3 2 12,-1-2 0,6 4 207,1-4 1,-2 6-113,5 0 0,-4 5 133,4 5 0,-2 1-33,-1 2 1,-1 7-52,-2 5 1,-4 6 8,-5 1 61,-3-1 0,-4-2 0,-2-1 53,-1-3 1,-4-1 103,1-5 0,-3-3 101,-3 0 0,1-4-113,-4 2 0,3-4-269,-3-4 0,-1-1 71,-2-4 0,0-5-68,-1-1 1,1-3 212,0 0-408,0-5 1,-4 0 82,1-2 1,-1-2-53,4 3 0,0-2 1,-1 0-267,1 1 389,4 9 0,-2-2-488,4 9 114,-1 3 0,4 4-929,0 9 1319,5 3 0,0 17 0,4 2 0</inkml:trace>
-  <inkml:trace contextRef="#ctx0" brushRef="#br2">9283 15763 8117,'-9'-5'0,"2"-2"357,1 4 26,0-4-288,1 1 0,2 1 109,6 2 1,5-1-45,5 1 0,6-3 62,0 3 1,9-1 0,2 3 13,5-2 0,1 2-70,8-2 0,2 1-1480,4-1 1280,-23 2 1,0 1 0,-1-2 0,1 0 0,1 2 0,0 0 32,24 0 0,-8-3-1026,-3 0 1020,-7-1 1,-1 1 0,-8 0 151,-8 1-319,-4 1 254,-8 1-192,-1 0 867,-12 4 0,-2-2-855,-9 5 1,-4-1 404,-2 3 1,-3-3 0,-3 1-581,-3 0 212,-6 1 1,-3-2 0,-3-1-25,-1 0 0,1-2-1478,-1-3 1516,-3-4 0,2-3 277,-2-5 0,11 2-96,5-3 1,9 3 305,6 0-207,5 1 1,10 4-119,4 2 0,5 2 1,7 1-86,4 0-42,6 0 0,1 3 863,5 0 0,5 1-763,5-1 1,0-2-214,5 2 0,1-2-143,2-1 0,3 0 87,4 0 0,-6 0 99,3 0 0,-4-1 60,-9-2 0,-3 2 65,-9-2 161,-7 2-109,-8 1 0,-7 0-99,-6 0 0,-7 4-28,-5 3 1,-3-2 61,0 1 1,-5 0 21,-2 3 1,-5-2 0,-2-1-282,-1 1 130,-5 1 1,-3 2-260,-5-1 0,4-4 230,-4-2 0,-2-3 203,-1-3 1,2-2-104,4-4 1,9-4 222,7 1 0,5-1-68,12 4 1,3 3-158,7 0 1,2 4 54,5-1 1,3 1-1,10 2 32,1 0 70,3 0 0,8 0 0,2 0 318,2 0-372,2 5 1,4-4 53,5 2 0,-4-2 0,4-1-312,-2 0 234,1 0 0,0 3-124,1 0 1,-10 1 113,-6-1 1,-10-2 97,-9 2-65,-1 3 1,-10-2 0,-6 3 190,-5-1-314,-4 0 1,-9 1 89,-2-1 1,-2-1-93,-1 1 0,-4 2 81,-2-1 1,-6 0 0,-4 0-243,-1-1-20,-2-4 1,1 3 7,-1-5 1,-3-5 161,1-1 0,3-5 14,6-2 0,10 0 335,5 1-251,8 1 0,9 1-227,8 4 1,5 4 110,8-2 1,5 4 108,7 4 1,3-2 51,3 4 0,2-3 138,5 3 0,5-3-25,0 3 0,5-3 0,-4 0-71,5-2-181,-1-1 0,4 0 94,-5 0 0,-4 0 145,-8 0 1,-8 0-50,-9 0-98,-3 0 0,-11 0 71,-4 0 0,-10 0 12,-8 0 0,-2 4-212,-5 2 0,-4-1-234,-5 1 0,-2 0 56,-1 0 1,-5 2 27,-1-2 1,-2-2 80,2-1 1,-3-1 59,3-2 0,-1-6 132,0-3 1,8 0 34,8-4 0,8 2 173,8-1 1,7 4-147,5-1 0,5 5-12,7-2 1,7 4 145,6-2 0,6 3-51,3 1 1,3 0-31,4 0 1,2 0-129,7 0 0,-3 0-25,3 0 1,-4 0-135,-2 0 1,0 0-410,-3 0 0,-3-1-26,-7-2 1,-4 2-1192,-8-2 1774,-5 2 0,2 1 0,-7 0 0,-2 0 0</inkml:trace>
-  <inkml:trace contextRef="#ctx0" brushRef="#br2">11257 10354 7978,'-19'8'0,"1"-1"104,-1-1 0,0 0 183,1 0 1,-4 2-67,0-2 1,-7 3 172,1 0 1,-6 0-284,0 0 1,-5 0 28,-2-3 0,-3 1-310,0-4 1,2 0 349,-1-3 0,-4 0-15,-3 0 0,0 0 32,0 0-24,2 0 1,22-1-1,0-1 1,-25-1-35,25 2 1,-1 0 0,0 0 0,0 1 222,-22 0-320,-3 0 0,24 2 1,0 0-1,1 1 0,-1 0 88,2 2 0,0-1 1,-25 2-183,4 0 1,2-4 37,1 1 0,-1 1-125,1 0 153,3 3 1,-1-6 0,2 3-212,0 0 1,-3-2 87,2 4 0,1-3 62,3 4 1,-2-5 35,-1 1 18,-2-2 0,-1-1 1,3 0 20,1 0 0,2-3-14,0 0 0,-2-5-92,1 2 0,0 1 91,7-1 63,0 0 0,2-4 0,0 1-86,1 0 0,2-4-14,8 1 1,-1-8-182,1 2 0,0-7-71,2 0 192,3-6 1,1-2-1,-1-5-77,2-3 0,4 3 112,0-2 0,5 1-6,-1 2 1,2 0-33,1 0 221,0 3 0,0 3 0,0 6 14,0 0 0,3 3 147,0-3 1,5 4-153,-2 0 0,-1 1-82,1 1 0,3 1-15,4-1 1,-1 2 5,-2 1 0,2 0-21,0 3 0,5-3 0,-2 0 0,3 0-64,1 0 1,-1-2 36,1 3 1,4-3-41,2 0 0,1 0 80,2 3 0,0-2-1,0 5 1,0-4-27,0 4 67,0-1 0,0 5 1,0 1 15,0 1 1,3-1 12,0-2 0,0 0 76,-3-1 0,3 4-96,0 0-42,0 0 0,0-4 1,1 1 14,1 0 0,-3 1-8,1 1 0,-1 0-23,1 4 0,-1-3-198,4 3 166,-4 0 1,2 3 0,-3 0-43,2 0 0,-2 0 68,2 0 1,-2 0-11,-1 0 1,0 0 182,0 0-189,0 0 0,-3 0 0,0 1 96,1 2 1,1-2-85,1 2 0,-1-2 9,1-1 1,-3 0 50,0 0-100,4 0 0,-3 0 1,2 0 62,-1 0 1,-4 0-11,2 0 1,2 3-31,1 0 1,2 1 37,-5-1-60,2-2 1,1 7 0,0-5 6,0-1 0,-1 2-10,-3-1 1,3 1 7,-2-1 0,2-2-32,1 2 32,0-2 0,0-1 1,0 0-3,0 0 1,3 0 3,0 0 1,1 0 56,-1 0 0,-2 0 125,2 0 1,1-3-119,-1 0 0,-1 0 13,-5 3 1,1 0-62,-5 0 1,5 0 2,-1 0 0,-2 1-127,-1 2 80,1-2 1,-2 7-1,3-4-64,-1 1 1,-2-2 12,-2 3 1,3-4-89,-1 1 1,4 2 107,-3-2 104,0 4 1,-3-6-1,3 2-42,3-2 1,-1-1 159,1 0 0,-2 3-119,2 0 1,2 0 28,-2-3 0,-1 3-38,1 1 1,-5 0 21,2-1 0,1-1-35,-2 4 0,1-3-23,-3 3 1,-1-3-11,1 4 0,1-4-16,1 3 1,-1-3-119,2 3 1,-6-1 153,0 2 1,-2 1-21,2-2 0,0 2 233,-3 2-200,-1 3 1,-2-1 0,-1 2 176,0 0 0,0 2-151,1 0 0,-1 1 22,0 2 1,1-1-82,-1 1 1,0-1-132,1-3 1,-1 3 76,0-3 0,-3 3 80,1 0 0,-1 1-139,3 0 0,-1-1 31,-1 1 1,1 1-18,-2 1 1,-1-1 23,2 2 1,-4-3-7,3 0 1,-4 1 103,1 1 1,-1-1 50,1 2-31,-2-3 0,3 0 0,-4 1-38,0 1 0,-3-4 128,0 2 1,-4-2-158,1 5 0,-3-2 9,0 1 1,0-1-8,-1-1 1,1-1-6,0 1 0,-1 1-10,-3-1 0,2 1-20,-5-8 0,4 4 53,-4-4 0,2 1-28,-2-4 0,-1-1 101,1-2 1,2 3-47,-2-3 1,-2-1 99,-4 1 1,0-4-120,3 1 103,-3 3 1,1-4 0,-3 3-33,1-1 0,-1 2-26,2-3 1,-1 4-75,1 0 1,-1 1 75,-5 1 1,3 1-160,0-1 0,0 0 68,-3 1 1,-3-1 41,0 0 0,0 0 3,3 1 0,0-4-2,0 0 0,0-4-21,1 1 0,-1-2 1,0-1 0,-3-1 135,0-2 0,-4 1-69,4-4 1,0 0 196,3-4 1,2 1 22,1 0 0,-4-4 25,4 1 0,-4 0-161,4 2 0,1 4 34,-1 0 1,-2 0-56,-4-4 0,-2 5 19,2 2 0,1-1-125,-4 1 0,1 0 97,-1 3 1,2 1-169,4 2 1,0-2-124,0 2 0,1 1-248,2-1 1,0 1-446,3-1 0,3-1 899,4 1 0,-1-2 0,-2-1 0</inkml:trace>
-  <inkml:trace contextRef="#ctx0" brushRef="#br3">7560 16033 8687,'-9'-9'48,"4"4"305,1-3 1,8 6 103,2-1 1,3 2-72,4 1-181,-3 4 0,8-2 1,-3 1-57,3-2 0,2 0-27,1 2-1,3-2 0,4 3 3,0-4 0,4 0-5,2 0 1,3 0-1,3 0-379,0 0 314,5 0 1,-3-4-357,5-2 0,-2 0 245,-2 0 1,1 4 93,-7-1 0,5 2-17,-8 1 1,-1 0 1,-8 0 1,0 0 0,-2 0 26,1 0-100,-3 4 1,1-3 11,-3 2 1,0-2-8,-1-1 0,4 0 0,0 0-41,-1 0 1,-5-4 39,0-2 1,-1-2 47,4-2-10,-1 1 1,-2-1-1,-2-3 473,0-2-442,2-3 0,-5 1 0,1 0 119,-2 2 1,0-2-104,-1-5 34,0 3 1,-2-4 104,-1 4 1,-4 0-1,1-2 145,-2-1-287,-1-4 1,0 3 0,-1-5 23,-2 0 1,1-3-54,-4 0 0,0-7-202,0 4 0,-2-4-1038,2 4 1165,2-2 0,-4 1 1,4 3-261,-1 3 344,3-1 0,-3 10 0,3-4 52,-1 1 0,-4 1-27,4 4 1,-4 3 24,1 3 0,-2-2 42,-2 2 300,1 0 0,0 2 1,-1 1-437,1 0 0,-1-1 364,-3 1 0,-1-2-610,-5 1 296,1-1 0,-2 6-122,-2-4 1,0 0 83,-6 3 1,3-2 0,-6 3-142,2-1 116,-3 2 1,2 4-1,-4 0-171,2 0 216,1 0 1,3 1 0,-1 2-58,-2 4 53,-2 1 0,0 1 1,1 1 12,0-1 1,3-1 17,-2-2-35,2 3 1,2-8 0,2 2 17,4-2 0,-3-2-54,-1-2 0,2-4-5,2-5 0,1-2-179,1-5 137,1 0 0,-3 1 0,1-1 128,3 0-21,0 5 1,3-3 0,1 5 418,3 1-345,1 4 0,0 2 82,3 2 0,-2 3-1,2 0-147,1 4 0,-3 7 0,3 1 146,0 4 0,-3 2-15,1 4-83,3 2 1,-3 5 0,3 1 84,-1 1-60,3 8 0,-3 0 0,5 10 5,0 1 0,0-22 1,0 2-123,0-1 1,0 0-1,2 3 1,1 1 115,0 1 0,0 0 0,-1-1 0,1-1 47,0 1 0,0-1 0,0 1 0,0-2-148,2-1 1,0-1 0,0 0 0,0-2 78,1 0 0,0-1 1,2 21-205,1-4 66,-2-2 0,2-15 0,-2 2-185,-1-1 245,-4-8 1,5-2-1,-4-7-346,-1-1 250,0-4 1,-1 2-1025,2-4 93,-2 1 1079,3-9 0,-4 0-719,0-4 1,0-1-1,0-2 731,0 0 1,0-5 0,0 3 0</inkml:trace>
-  <inkml:trace contextRef="#ctx0" brushRef="#br2">8203 14208 8051,'-9'0'672,"-1"0"-355,1 0 1,0-1-522,-1-2 243,5-2-134,1-8 1,4 1 0,0-3 13,0-2 1,1-1-115,2-4 0,-1-2-174,4-4 0,0-4-61,0-2 303,2 2 0,-6-8 0,3 3 127,-1-1 0,0-4 0,-4-1 0</inkml:trace>
-  <inkml:trace contextRef="#ctx0" brushRef="#br2">8194 13370 8051,'0'-9'-112,"0"0"1,-1-1 111,-3 1 331,3 4 0,-3-3-23,4 1-131,-4-1 0,3-4 0,-2-1-211,2 2 1,1-3 84,0-2 0,0-5-107,0 0 0,1-5 175,2 1-376,-2-2 1,6-5-1,-4-2 17,0-2 0,1-2-39,-1 1 0,1-1 146,-1-3 1,-2 1 22,2 0 1,-2 0 189,-1 9 0,-1 0-120,-2 3 1,-1 2 70,-2 1 0,-2 2-39,5 4 0,-4 2 233,1 1-184,-2-1 1,-2 6 0,1-1 197,0 2 0,-1 0-95,1 1 0,-2 0 111,1-1 0,-1 0-159,5-2 6,-2 1 1,2-6 0,2 1-2,0-2 1,3-1-18,-2-3 0,2-1 7,1-1 0,0-5 57,0 4-65,0-4 1,0 5 0,0-4 47,0 0 0,0 0-32,0 0 0,0 0 44,0 0 1,0-1-35,0-2 1,0 3 144,0 1 0,0-1-115,0 3 0,0 0-41,0-3 0,0 6-43,0-3 1,0 1-305,0-1 297,0-2 1,-3-1 0,0 1-150,1 2 0,1-2 123,1 2 1,0-5-3,0-1 0,0-3 29,0 3 1,-4-3 44,1 3 1,0-4 15,3 1 1,0 1-16,0-1 0,0 4 123,0-1 1,0 0-92,0 0 1,0 2 12,0-2 1,0 2-148,0 2 86,0-1 1,1 0 0,1 0-144,1 0 0,1 0 24,-4 0 1,0-3-86,0 0 1,0-3 112,0 3 1,0-1-111,0 1 0,0 1 99,0-5 0,0 5-17,0-1 27,0-2 0,0 7 0,0-3-5,0-1 0,0 6 37,0-4 1,-1 5-17,-3-2 0,3 3 5,-2-2 0,-1 3-5,1-1 1,0-1 0,3 2 0,-1-5-16,-2 1 0,2-1 0,-2 1 0,2-5-47,1 2 56,0-6 1,0 5-1,0-3-10,0 0 0,0 0 69,0-2 1,0-1 9,0 4 1,0 0-37,0 3 0,1 0 14,2 0 0,-2 0-63,2 0 0,-2 0-1,-1 0 0,3-3-91,0 0 0,3-3 42,-3 3 59,1 0 1,-1 0 0,1 0-10,1 1 0,-2-2 11,3 1 0,-3 0-9,4 3 0,-5 0 15,1 0 0,1-2 13,-1 2 0,0-1 15,-3 7 0,0-4 108,0 2 1,0-2-78,0 1 0,-3 1 46,0 2 0,0 0-93,3-3 1,0-5-8,0 2 1,0-2-28,0 2 1,0 0-9,0 0 1,0-3 36,0 0 1,0 0-14,0 3 1,0-1-22,0-2 1,0-1 20,0-2 0,0 2 119,0 4 0,-1 0-106,-2 0 53,2-4 1,-3 3 0,4-2-4,0 2 1,0 1 2,0 0 0,0 1-37,0 2 1,-4-1 4,1 5-57,0-5 1,3-1 0,0-3-21,0 3 0,0-2-98,0 1 1,0 0 39,0-3 1,0 2-15,0 1 111,0 0 1,0 0-1,0 0-1,0 0 1,0 1-24,0-1 0,0 0 5,0 0 0,0 0-39,0 0 0,3-1 44,0-2 0,2 2-12,-2-2 0,-2 1 62,2-1 1,-1 2 3,1-2 0,-2 2-69,2 1 111,-2 0 1,-1 1 0,0 2-18,0 4 1,0 1 79,0 1 1,0-2-116,0-1 1,-1 0 48,-2 3-74,2-3 0,-3 2 0,4-3-9,0 1 0,0-1-3,0-2 1,0-2 15,0 2 1,0-3-29,0-3 31,0 2 1,0-3 0,0 4 3,0 0 0,0 0 125,0 0 0,0 2-116,0 1 0,0-2 32,0 2 0,0 1-41,0-1 1,3 5-4,0-2 0,0 2-16,-3 2 1,0-1-10,0 0 0,1 1 47,2-1-140,-2 1 1,3-1 0,-4 0 34,0 1 1,1-1 44,3 0 1,-3 0 92,2-3 1,1 1-105,-1-3-22,4-1 1,-5 0 0,4 1 59,2 1 0,-3-1 20,1 2 1,-3 3-13,3 4 0,-4 0-8,2 0 28,-3-3 1,2 7-1,0-4-13,-1 2 0,-1-1 36,-1 2-17,4 2 0,-3-7 0,2 5 148,-2 0-164,-1 2 0,0 1 157,0-1 0,0 4 75,0 0 8,0 0 0,0-1 128,0 1-243,0 4-71,0-2-504,0 4 378,0 8-19,0-1 0,-4 7 0,-2-2 66,-2 4 0,-5 3 5,1 2 0,-4 3 27,4 4 1,-4-3 215,4 0-218,-5-5 0,7 3 0,-2-4 41,1-1 0,2-3 52,0-3-130,3-1-15,2-6 98,4-1-20,0-4 1,4-1 56,3-2 1,4 2 143,1-2 0,5 2-84,-1 1-146,1 0 1,2 0 0,0 0-10,3 0 0,-2 0 66,2 0 1,-2 0-139,2 0 1,-3 0 138,-1 0-40,1 4 0,-6-3 3,3 2 0,-3 1 0,-3-1 132,-1-1 50,-4-1 260,-1-1 870,-4 0-1221,-4-4 0,-1-1-3,-4-4 1,-1-4 57,1 1-84,0-5 0,-1 3 1,0-4-196,-2 3 1,0-3-72,-3 3 1,-1-3 88,-3-1 0,2 2-145,1 1 168,-1 3 0,5 2 0,-2 1-241,0 1 1,5-3 162,3 6-1441,4 2 759,-6 0-776,7 4 1,-3 0 1596,8 0 0,1 0 0,4 0 0</inkml:trace>
-  <inkml:trace contextRef="#ctx0" brushRef="#br3">9106 15959 11231,'-7'6'747,"-3"0"0,0-3-600,4 4 1,6-5 3,6 1-725,7 2 0,4-3 0,6 3 139,1-1 490,0-1 0,8-3 0,0 0 49,1 0 0,4 0 240,3 0 0,5-4-576,-2-2 0,3 1 271,0-1 14,5-1 0,-3 2 1,2 2 265,1 2 0,-1-2-222,-22 1 1,-1 1 0,24-2-32,-23 2 1,0 2 0,22 2-75,-1 0 35,3 4 1,-1-3-1,-24 0 1,0 0-67,-1-1 0,0 0 0,22 2-46,-2 1 0,1 1-5,-4-3 0,3-1 271,1-3 0,-1 0-99,1 0 1,0 0 74,3 0 1,-6 0-16,3 0 0,-6 0 31,3 0 1,2 0-27,4 0 1,0-1 15,-4-2 1,-2 0-42,-1-3 1,1 3-50,2-3 0,1 4-131,-1-1 1,-2-1 110,-1 1 0,-3-4-132,4 4 1,-6 0 117,-1 3 1,0-1 4,-6-2 1,4 1 32,-1-4 0,-2 1 4,-1-2 1,-2-2 25,-1 0 0,0-1 31,0-2 0,-4-3 67,-3 0 1,-1-3 32,-1 0 1,-1-2 440,1-2 0,-1-1-289,-3-5 1,2-1-41,-5-2 0,5-2-100,-2-5 1,-1-2-169,-2 0 1,-2-5-6,0 2 0,-2-3-100,-2 0 0,-2 3-160,-4 3 0,0 6 94,0 3 0,-4 3 56,-2 3 0,-2 5-330,-2 5 230,-3 3 0,1-2 0,-2 2-104,1 0 0,-4 0 35,1 2 1,2 0-8,-2-2 0,2 1 14,-2-1 1,0 1 113,3 2 1,-3 0-61,0 0 0,-2-1-136,-4 1 0,1 0 69,-3-1 0,-2 4 223,-5 0 32,-2 4 1,-5-2 0,0 4-21,-2 0 1,1 0 99,-1 0 0,-2 0-190,-2 0 1,3 0 554,0 0-406,3 0 1,-3 0-1,-2 0 97,1 0 1,1 0-65,3 0 0,1 0-18,0 0 0,-4 0-47,1 0 0,-3 0 7,2 0 1,-3-3-81,0-1 1,0 0-16,0 1 1,3 1-14,4-4 0,-1 1 5,-3-1 72,3-3 0,-3 4 0,4-3-57,3 2 0,-1-2 12,4 5 0,0-3-60,3 3 0,-3 0 57,0 3 0,-5 0 11,-1 0 1,-1 3-158,-2 0 1,-1 3 81,0-3 0,0 4 84,0-4 1,3 3 84,-2-3-59,2 4 0,0-6 1,0 2-7,-2-2 1,5-1-4,-3 0 1,7 0-1,0 0 1,2-1-88,1-2 1,3 1 157,1-4 0,2 0-346,-3-4 0,3 2 92,-2 2 0,0-2 16,-1 2 1,-2 1 199,2 2 1,0 1-168,-3-1 1,7 2-35,-4-2 0,1 2 36,2 1 1,-2 3 153,2 0 0,-3 1 68,3-1 0,1-1 82,2 5 1,2-4-107,-1 3 1,5-3-24,-2 3 0,0-1-24,3 2 1,-2 1 156,2-2-148,2 2 0,-7 5 0,5 0-31,0 2 0,-2 0 35,-2 4 0,3 0 106,0-1-9,3 1 1,-2-1-61,-1 1 1,2-1 0,4-2-54,0 0 0,5-1-87,-1 4 0,1-1 160,-1 1 1,2 3-196,-2 0 0,3 3-14,3 0 0,1 2-85,2 1 1,6 0-48,-3 0 1,4 1-94,-1 2 1,2 1-113,5 2 289,0-2 1,-1-4 0,1 0-143,0 0 0,2-1-166,1-2 0,1-3-20,-2-3 1,0 0-915,4-1 980,-4 1 1,5 3 359,-5-1 1,5 9 0,-2-1 0</inkml:trace>
-  <inkml:trace contextRef="#ctx0" brushRef="#br2">11881 16313 8122,'0'5'1711,"-4"3"-1259,7-3-366,-2 0 0,11 1 0,2-4-260,0 1 172,-3 0 0,7-3 1,-4 0-12,1 0 0,3-3 152,-3 0-708,-2 0 0,4-1 125,-5 1 444,1 0 0,-4-1 0,0-1 0</inkml:trace>
-  <inkml:trace contextRef="#ctx0" brushRef="#br2">11871 16536 8169,'-6'1'1094,"0"2"-727,4-2 0,2 3 243,6-4 0,3 3-177,4 1 0,-2-1-325,5-3 1,-1 0-1,4 0-577,-1 0 363,-3 0 0,3 0 0,-3 0-1031,3 0 1,-3 0 249,1 0 887,-5 0 0,7 0 0,-4 0 0</inkml:trace>
-  <inkml:trace contextRef="#ctx0" brushRef="#br2">12700 16043 8299,'-9'-1'138,"-1"-3"0,1 3 273,0-2 1,3 3-270,-1 3 0,1 3-47,-3 3-12,0 0 0,-2 5 0,0 0 59,-2 1 0,1 2 83,3-1-114,-5-3 0,7 1-126,-2-5 186,6 0-283,-2-4 1,6-5 88,3-6 1,4-3-188,4-4 0,5 2 147,-2-4-57,-1-1 1,3-2 0,-2 2 70,-1 0 1,3 5 35,-5-1 0,1 1 110,-4 2 0,0 3-56,1 0 63,-5 3 0,0-1 0,-3 5 267,1 2 1,0 3-31,-3 3 0,-4 4-129,-2 3 1,1 6 70,-1 2-147,-1 3 1,-2 2-1,0 1 123,-1 1 0,4 8-5,0-2 1,3 6-1225,-3 1 1023,4-3 1,-3 1 107,5-5 0,-3 0-191,0 0 1,-1-4-1,2-3 35,-1-4 1,-1-4-133,1-6 0,-1-2 268,-3-2-207,-1-5 0,3 4 0,-4-8-129,-1-1 0,1-1 736,0-1 0,-1 0-579,1 0 1,0-1-2,-1-2 367,5 2 1,-3-7-135,2 2 0,2 0 73,1 0 0,1 3-143,2-3 0,5 4 95,1-1-38,2-2 1,6 2 167,1-3 0,6 3 0,2-2-2,0 1 0,3 0-220,5 1 0,-2 1-178,2-5 1,-2 4 219,-1-3-728,0 4 0,-1-2 0,-2 4 23,-4 0 0,-5 0-654,-4 0 1190,-5 0 0,1 0 0,-3 0 0</inkml:trace>
-  <inkml:trace contextRef="#ctx0" brushRef="#br2">15624 15773 8194,'-11'0'0,"-1"1"40,-4 2 1,2-2 108,-2 2 1,1-2-18,-4-1 0,1 1 237,-1 2-234,-4-2 0,0 3 1,-3-4 199,-2 0 0,1-1 27,-7-2-260,4-2 1,-6-4-1,4-2 321,-1-1-327,3 1 1,1-3-122,4 2 1,1-3-27,-4-4 0,1 1 1,2-1 163,3 1-248,-2-5 1,5-1 68,-3-4 0,-1-3 0,2-1-161,0-1 0,5 2 96,4-3 1,2 4 101,0-1 0,5 3 143,2 3-135,2-2 1,1 7 92,0-1 1,1-1-89,2 3 0,2-1 171,5 4 0,-1-1-80,0-2 1,0 0 147,1 1 1,0 0-48,3 3 0,0-3-20,3 2 1,1 3-27,-1 1 1,1-2-1,3 2 163,2 0-297,-3 6 1,8-2 0,-3 3 237,0-1-267,3 2 1,-4 1 0,5 0 163,0 1-227,0 1 0,0 2 74,0 2 0,1-1 0,2 3 19,3 0-21,-2 2 1,0-2 0,-3 4-35,2 1-2,-2-1 0,3 3 61,-4 1 0,0 2-83,0-2 1,-1 3 0,-1 1 43,-1 3 32,-4 0 1,1 3 0,-3-4-41,0-1 29,3 5 1,-6-2 0,0 2 146,-1 0-49,-5 3 1,4-5 0,-5 2 20,0 0 1,-4-1-67,-1-3 68,-3 3 0,-1-1-68,0 4 0,0-3 1,-1 1 76,-3 0-77,-1-1 0,-7 1 0,-2 0 51,0 1-47,-2-1 1,-5-1-1,-2 0 72,-1 2 1,-5 0 236,-5 1-326,2-2 0,-4-5 1,2 0 27,-3-3-24,0 3 1,4-12 0,2 0-88,2-4 0,5-2-576,2 0 465,-1-4 1,3-1 0,-1-5-1487,5-3 867,-2 3 790,8-8 0,-8 4 0,4-5 0</inkml:trace>
-  <inkml:trace contextRef="#ctx0" brushRef="#br2">15754 16117 8513,'12'0'329,"1"0"1,2 3-135,-2 0 0,0 0-200,0-3 1,-3 3 0,2 1-285,-1-2 137,2-1 1,-3-2-468,3-2 1,-3 2 10,0-3 608,-5-1 0,3 0 0,-3-4 0</inkml:trace>
-  <inkml:trace contextRef="#ctx0" brushRef="#br2">15754 16322 8386,'-13'9'361,"3"1"-301,1-1 1,4-3 577,5 0-440,0-4 0,4 6 460,2-5 1,5 0-240,2-3 0,2 0 0,-1 0 236,0 0-750,2 0 0,2 0 189,1 0 0,0 0-656,-1 0 1,0 3-1,-2 0 139,0-1-1769,-1-1 2192,0-1 0,3 4 0,-4 1 0</inkml:trace>
-  <inkml:trace contextRef="#ctx0" brushRef="#br2">16182 16071 8367,'-6'-4'-133,"0"1"0,4-1 895,-1 1 1,2 1-185,1-4 1,1 3-104,2-4 0,2 5-144,4-1 1,4 2 88,-1 1 1,5-3-213,-2 0 0,3 0-94,0 3 1,1 4 13,0 2 1,-5 4-245,-1 2 0,-1 3-315,-3 3 1,2 6 309,-8 4 1,0 1-282,-3 5 0,-4 0 208,-3 3 1,-1 1 0,-2-2-171,-3-2 378,3-6 0,-3-5 94,3-5 0,4 0 312,0-3-142,4-1-23,-2-5 0,8-3 0,2 0 40,2-2 1,3-1 44,1-3-226,-2 0 1,9 0 137,0 0 0,0 0-197,6 0 0,-1-1 0,2-2 53,-1-4-222,4-1 0,-5 2-359,1 0 1,-4 3 0,-3-3-808,-3 2 1,2-2 1279,-5 3 0,0 0 0,-2 3 0</inkml:trace>
-  <inkml:trace contextRef="#ctx0" brushRef="#br2">11871 7793 8176,'-5'0'0,"-3"-4"338,3 3 0,-1-3-77,-1 4 98,5 0-290,-2 0 0,4 0-83,8 4 1,0-2 161,7 4 0,-2-3-31,2 4 0,-3-5-89,4 1 32,0 2 0,2-4 0,2 2-118,2-2 1,-3-1 37,3 0 1,1-1-63,-2-2 1,4 1 165,-3-4-160,0-1 0,-5-2 0,0 0 61,-2 0 0,-3-1 5,0 1 0,-2 0 143,0-1 1,-4 2-130,0 2 100,-4-2 0,5 5 99,-3-3 0,0 4 327,-1-1-395,2 2 1,4 1 303,1 0-365,-1 4 1,0-3 0,1 3 69,-1 1 1,0-3-186,0 4 0,4-4 119,-1 1 1,2-2-213,-2-1 1,-1 0-161,1 0 1,-2 0-179,0 0 1,0-1 75,2-2 0,-1 1-442,1-4 838,-2 4 0,0-11 0,-1 3 0</inkml:trace>
-  <inkml:trace contextRef="#ctx0" brushRef="#br2">11015 6192 8136,'-14'4'-395,"4"-2"260,-2 4 1,1 1 32,2 6 0,1 1 320,1 5 1,2 4-118,2 1 1,2 3 37,-2 1 1,2 2-93,1-2 1,4 2-131,2-5 0,6-2 81,0-1 1,5-4-453,-2-2 0,3-3 67,0-4 387,1-3 0,4 2 0,1-3 0</inkml:trace>
-  <inkml:trace contextRef="#ctx0" brushRef="#br2">11164 6266 8136,'-6'0'220,"-1"0"1,2 1-34,-1 2 1,1 3-168,2 3 0,2 3 64,-2 1 1,1 3-87,2 0 0,4 1-7,-1 2 1,4 0-126,-1-1 0,2-3-81,2-3 0,2-3 190,1-2 0,-1 0-178,-3-4 0,1 0 87,-1-3 1,-3-5 37,0-4 1,-3-2-10,4-4 0,-5-1 230,1-2 1,-2-1-51,-1 0 0,0 1 101,0-1 0,-3 4 29,0-1 1,0 4-99,3-4 0,-4 5 159,1-2 0,0 3-91,3 1 0,0 2-6,0 1 1,4 1-43,3-1 1,-2-1-210,1 4 1,0-1 47,3 4-86,1 0 0,-1 1 106,0 3 0,1 2 40,-1 6 0,-3 0-22,0 3 1,0 1-6,0 2 0,1 1 85,-4-1 1,3-2-74,-3-1 0,2-2-33,-2 2 1,-1-3 13,4 0 0,-3-6-6,3-2 1,-3-3-74,4-1 0,-4-1 90,3-3 1,0-5-79,3-6 0,0 0 54,-3 0 1,2-1-67,-2-3 0,3 2 52,0 1 0,-1 3-45,-2 4 1,3 0 101,-3 3-15,-2 2 1,3 5 211,-4 2 1,4 2-78,-4 5 0,0 2 13,-3 0 0,1 4-99,2-4 0,-2 1-209,2-4 1,-1-1 142,1-1 0,-1-3-147,5-4 88,-5 0 0,5-5-72,-4-5 1,3 0-101,-3-6 0,3 4 87,-2-4 0,2 4 99,-3-4 0,4 5-43,-1-1 0,0 1 131,0 2-108,0 0 0,2 3 200,-2-1-145,3 5 1,-5-1 18,2 6 0,1 2-122,-4 5 0,4-1 95,-4 0 0,3 1-422,-3-1 0,3 1 162,-3 3 1,5-3-538,-2 2 0,-1-1 807,1-2 0,-4 5 0,2 0 0</inkml:trace>
-  <inkml:trace contextRef="#ctx0" brushRef="#br2">11815 6145 8136,'-5'0'-118,"0"0"118,2 0 1168,2 0-720,-3 4 0,4 6-37,0 5 1,4 4-112,2 2 0,4 8-23,2 9 1,-1 0-123,5 5 1,-4 4-358,4 3 0,-4-1-355,4-2 1,-5-8 360,1-2 1,-4-9-798,-2 0 1,-3-9-101,3 0 1093,-4-7 0,2-3 0,-4-5 0</inkml:trace>
-  <inkml:trace contextRef="#ctx0" brushRef="#br2">11769 6266 8136,'-5'-14'39,"-4"-4"1,8 7 239,-2-5 1,3 4 469,3-4 1,6 4-298,3-4 0,4 6-212,-4 1 0,5-1-124,-2 4 1,3 2 92,0 1 0,-2 2-474,-1 1 1,-3 1 220,0 2 0,-3 5-43,-2 5 1,0 0-53,-4 0 1,0 0-164,-3 3 1,-3 0-194,0-3 0,-4 2 179,0-3 0,2 1-288,-1-4 0,1 1 232,-1-1 1,-2 0-294,5 0 665,0-3 0,-1 2 0,-1-3 0</inkml:trace>
-  <inkml:trace contextRef="#ctx0" brushRef="#br2">12169 6015 8136,'-5'-5'0,"-3"-4"0,3 8 349,-5-2 1,4 2-78,0 1 0,3 0 142,-3 0-25,-1 0-155,-2 4 0,1 1 19,2 5 1,-2 2-34,5 1 1,0 0-203,3 0 1,0 1 127,0 5 1,4-1-234,3 1 0,1-1-145,1 1 0,0-3-161,1-1 0,-1-3-84,0 0 0,1-3 197,-1-3 0,0-1-284,1-5 393,-1 0 1,-1-8-23,-2-1 1,2-3 104,-5-1 0,0-1 163,-3-5 0,0 4 251,0-1 1,0 2-187,0-2 1,0 0 197,0 3 0,0 1-113,0 2 1,0 1 270,0 0-114,0 4 262,0 0-256,0 5-396,4 5 1,-2 0-124,4 4 0,-3 0 85,4 1 0,-4-1-300,3 0 0,-1 1 161,1-1 1,1-3-394,-3 0 337,3-4 0,-2 3-117,4-5 0,-2-5 80,-1-1 0,-3-2 252,3-1 1,-3-1 66,3 1 1,-3 0 258,4-1 0,-4 2 185,3 2 0,-3-1-262,3 4 1,-3-1 68,4 4 0,-1 0-1,3 0 1,-3 5-182,1 1 0,-1 2 83,3 1 1,0 1-291,1-1 0,-1-1 4,0-2 1,4 2-139,-1-5 137,1 0 1,-4-3 92,0 0 1,-1-4-4,-1-2 0,0-4 0,-4-2 0,3 2 124,-3-3 1,0-1-59,-3-2 0,0 2 96,0-2 0,-3 5 3,0-2 1,-4 3 469,1 1-314,-3 3 0,0 2-97,0 4 1,0 5 147,-1 5 0,4 0-46,0 6 0,4-1-194,-1 4 0,2 3-79,1-1 1,1 1-263,2-3 1,2-4-676,4 1 1,2-2 494,1 2 0,2-4-374,5-6 1,1-1 766,1-1 0,3-3 0,4 3 0</inkml:trace>
-  <inkml:trace contextRef="#ctx0" brushRef="#br2">13305 5959 8283,'-9'0'-759,"0"0"303,-1 0 626,1 0 0,0 4-65,-1 2 0,5 3 208,2 0 1,2 4-53,1 3 1,0 2 65,0 4 0,4-5-440,2 1 0,3-1 102,0 2 1,3-5-298,1-2 1,-1-5 176,-2-4 0,2-2-88,0-1 1,1-2 54,-4-4 0,-3-2-21,0-7 0,0-1 84,0-2 0,-1-1 46,-2 0 1,-2 1 244,2-1 1,-2 4-72,-1-1 1,0 5 534,0-2-239,0 7 16,0-2 0,1 8-124,2 0 0,-2 4-118,3 5 1,0 4-197,-1-1 0,3 2-234,-3-2 0,4-2-677,0 3 0,1-3 172,1-1 746,-4 1 0,8-1 0,-3 0 0</inkml:trace>
-  <inkml:trace contextRef="#ctx0" brushRef="#br2">13519 5968 8238,'0'-5'629,"-1"-2"-337,-2 4 1,2-1 667,-2 0-221,2 3 931,1-3-1265,0 13 0,3-3-398,0 6 0,1-1-33,-1-2 1,0-1-385,3-2 0,-4 3 350,1-3 1,1-1-840,-1 1 667,4-4 0,-5 2 4,5-4 0,-4 0-336,3 0 268,0 0 0,4-3 126,-1 0 1,-3-3-143,0 3-58,0-4 1,4 5 147,-1-5 0,-3 5-407,0-1 0,1 2 629,2 1 0,0 0 0,1 0 0</inkml:trace>
-  <inkml:trace contextRef="#ctx0" brushRef="#br2">13855 5931 8185,'-6'-5'0,"-1"0"538,4 2 888,-4-3-688,2-3 0,-2 3 208,1 0-286,4 4-400,-6-3 0,7 6-107,-2 3 0,2 1 92,1 4 0,0 3-302,0 1 0,0 3-205,0 0 1,1-2-300,2 2 1,1-5-165,2 2 1,2-3 343,-1-1 1,-2-3 57,1-3 0,0-2 118,4-1 0,-4-5 96,0-5 1,-1-4-128,1-8 0,2 1 489,-5-3 1,0-5-37,-3-6 1,0-1 121,0-1 0,-4 0-95,-3-1 1,2-2-131,-1 0 1,0 4 427,-3 5 1,2 7-188,1 5 0,4 8 48,-1 5 0,2 6-87,1 3 0,0 7-42,0 12 1,4 6-133,2 6 1,-1 3-131,2 3 0,-1-1-1097,3 1 0,4 0 601,-1-2 1,0 0-2794,-2-7 3277,3-4 0,2 2 0,1-4 0,-3-3 0,-5-1 0</inkml:trace>
-  <inkml:trace contextRef="#ctx0" brushRef="#br2">14804 5754 8213,'0'-5'200,"0"-3"0,1 4 213,2-3 1,-2-1 215,3 2 508,-3 2-681,-1-5 0,-1 7-124,-3-4 1,2 4-159,-4-1 1,0 2-134,-3 1 1,-4 3 84,1 0 0,-1 4 76,4 0 0,0 2-544,-1 3 0,2-1 194,2 1 0,-1 2-421,4-2 0,0 4 268,3 0 1,4-2-152,2 2 0,2-2 203,1 2 0,2 2 115,1-3 1,-1 0 141,1 0 1,-2-4-114,0 2 0,-2 0 418,-2 0 1,-2-1-138,-4-3 1,0 1-141,0-1 0,-1 0 1,-2 1 1,-2-4-585,-4 0 1,-1-4-16,1 1 0,3-2-1126,0-1 1081,4 0 607,-3 0 0,5 0 0,0 0 0</inkml:trace>
-  <inkml:trace contextRef="#ctx0" brushRef="#br2">14907 5987 8213,'9'-9'156,"-4"3"0,3-2 357,-1 2 1,4-2-11,1-2 1,1 4-187,-4 0 1,0 0 72,1-4 0,-2 1-142,-2 0 0,3-1-57,-3 1 0,-1-3 88,1-1 0,-4-2-325,1 2 0,1-2 57,0 2 1,-1-2 42,-3 3 1,-3-1-222,-1 4 1,-3 1 80,1 1 0,-2 0 21,-2 4 1,0 0 79,-2 3 0,1 4-72,-1 2 0,2 7 80,0 2 0,4 3 7,0 0 0,4 1-42,-1 0 0,2 0-101,1 3 0,0-2-188,0 1 1,1-2 84,2-4 0,3 0-310,6-3 1,0-2 164,3-1 0,1-4-502,2-5 1,2-1-57,2-2 919,-3-2 0,4-13 0,-4-1 0</inkml:trace>
-  <inkml:trace contextRef="#ctx0" brushRef="#br2">15260 5559 8211,'-4'-6'446,"2"-1"-297,-4 4 740,4 0 1,-3 0 325,2 0-668,2 0 0,-3 4-63,4 2 1,0 2-16,0 4 1,1 5-349,2 1 0,1 6 86,2 1 1,2 4-526,-1-2 0,1 3 275,1 1 0,0 0-999,1 0 1,-1-3 248,0 0 0,-2-5-118,-1 2 1,-1-3 39,1-4 871,-2-1 0,0-5 0,2 0 0</inkml:trace>
-  <inkml:trace contextRef="#ctx0" brushRef="#br2">15158 5773 8211,'-4'-5'0,"2"-3"1157,-4 5-805,4-4 1,-3 2 739,5-5 1,5 2-417,1 2 0,6-2-158,4 2 0,2 0-266,4 0 1,1 1-207,2-1 1,2 1-1152,-3 1 0,0 3 741,1-2 0,0-1-2647,3 1 3011,-4 0 0,2-5 0,-2-3 0</inkml:trace>
-  <inkml:trace contextRef="#ctx0" brushRef="#br2">15652 5810 8137,'-6'4'3276,"-2"-3"-2046,7 7-689,-3-7-75,4 4-466,0-5 0,0 0 0</inkml:trace>
-  <inkml:trace contextRef="#ctx0" brushRef="#br3">754 15177 8872,'-9'3'105,"-1"0"-77,-3-1-631,3-1 0,-5-1 367,3 0 1,0 0 75,-3 0 0,3-3 217,-4 0 1,1-5-3,-4-2 1,-3 1 286,0-4 1,1 2-177,2-1 0,2 1 322,1-1 0,3 3 250,3 2-498,5-1 1,3 7-4,8-2 0,6 2-141,9 1 1,4 1 103,6 2 1,7 2-129,9 5 1,5-1-287,-23-4 1,1-1 0,2 1 0,1 0 175,2-1 0,1 1 1,4 0-1,0 0-420,3 1 0,1 1 0,3-2 0,1 1 419,-12-1 1,0 1 0,1-2 0,1 0 0,2 0 0,0-1-207,1 0 1,0 0 0,1 0 0,-2-1 0,1 0 0,-1-1 257,-4 0 1,0-1-1,0-1 1,17 1-1,0-2 74,-3 0 1,-1-2-1,-3 0 1,-1-1-192,-4-2 1,-1-2 0,-5 1-1,-1 0 288,-5 1 1,-2 1 0,20-5 435,-10 5 0,-6-2-352,-9 5 1,-5 3 516,-7 3 0,-5 5-660,-2-2 0,-2 2 0,-2 1 806,-2 1 1,-7 0-713,-5 3-303,-7 1 0,-9 5-87,-6-1 0,-8 1-79,-1-1 0,19-8 0,-2-1 0,-4 1 1,0 0-253,-4 1 0,0-1 0,0-1 0,-1-2 304,-2 1 1,-1 0-1,-1-2 1,-1-1-1417,-1 0 1,-2-1 1436,1 0 1,-2-3 0,-2-1-1,0-2 218,0-3 0,2-2 1,1 0-1,3-3 0,6-2 1,1-3-51,4 1 0,1-1 0,3 1 0,2 0 10,-14-11 1,13 3 802,15 6-561,6 3 0,11 7 0,4 1 408,6 0 1,6 1-612,4 1 1,7 2-18,5-2 1,6-1 1227,6 1-1174,-21 1 1,0 1 0,5 1-1,1 0-52,2 0 0,2 0 0,2 0 1,2 0-1,3 0 0,1 0-2,1 0 0,2 0 0,-14 1 1,0 0-1,1 1-44,15 1 1,0 0 34,-15 0 0,1-1 0,-1 1 0,14 2 0,0 0-9,2 0 0,-2-1 1,-8-1-1,-2-1 9,-3 0 1,-3-1 0,-4 0 0,-3-2 148,14-2 1,-6-1-1,-10-2-41,-4 3-109,-5 2 1,-3-2 49,-3-1 0,-4 1-173,0 3 0,-1 1 1,3 3 81,-2 2-789,-4-2 979,2 4 1,-4 1 0,0 6 0</inkml:trace>
-  <inkml:trace contextRef="#ctx0" brushRef="#br2">16601 15940 8346,'-5'-4'-1038,"1"2"1232,4-4 1,4 4-136,2-1 1,4 2 10,2 1 0,-1-4-15,5 1 1,-1 0-2,4 3 1,0 0 31,-1 0 0,2-3-3,2 0 0,-2 0-44,5 3 1,1-3 25,5 0 1,1-3-5,2 2 1,-1-2-2,-2 3 0,-2 0 22,2 3 1,2-1-31,-2-2 0,-4 2-1,-2-2 1,-3 6-43,3 3 0,-4 2-6,0 2 0,-4 2 156,-2 0 0,1 5-107,2-1 1,1-3 82,0-1 0,3 2-114,3-2 0,2 1-1,1-4 0,1 0 30,2 1 0,-1-5 6,4-2 0,1 1-29,6-1 1,-3 0-119,2-3 1,-1 0 95,-2 0 1,3 0 27,1 0 0,-1 3 104,-3 0 1,-2 1-98,3-4 0,-3 3 4,5 0 0,-2 3-16,0-3 1,2 0-1,0-3 1,1 3-81,-4 0 1,0 1 88,0 0 1,4-3-60,-1 2 0,2-2 42,-2-1 0,1 0-41,3 0 1,-2 0 14,-1 0 0,-1 0 2,6 0 0,-4 0 13,4 0 1,-4 0 2,1 0 0,-2 0 68,2 0 0,-7 0 8,1 0 0,-5 4 95,3 2 0,-1-1-87,3 1 1,-3 0 93,0 0 1,0 2-83,4-2 0,0 0-35,2 0 1,-1-4-24,1 1 0,2-2-134,2-1 1,4 0 87,2 0 0,-3 0-405,-4 0 1,1-3 397,2 0 0,3-1-1,-3 0 1,3 3 79,-6-2 0,0-1-74,0 1 1,1-3 9,2 3 1,-2-3-41,-1 2 1,-3-3-114,4 1 0,-2 1 57,2-1 0,-3 3 71,-4-4 0,-2 5 5,-1-1 1,-1-1-29,1 1 0,-2 0 168,-4 3 1,3 1-62,0 2 1,3-1-30,-3 4 0,0-1 10,-3 2 0,-1 0 5,-2-4 1,5 3-83,-2-3 0,2 1 59,-2 0 0,1-3-155,2 2 1,1-1 134,2 1 0,2-2-75,-2 2 0,-1-2 48,2-1 1,-2 0-4,1 0 1,-1 0 7,-2 0 1,-1 0 7,4 0 0,0-3-8,3 0 1,0 0 5,-3 3 0,2-3-60,-2-1 1,1 1 54,-1 3 0,0 0 0,-3 0 1,-2 0-10,2 0 1,1 0 30,-1 0 1,0-3 4,-3 0 1,4-3 9,2 3 0,-2-4-13,-1 0 0,-2 2-12,-1-1 1,1 3-13,2-3 0,-2 3 15,2-4 1,-5 4 171,-1-3 1,-4 3-175,4-3 0,-4 3 255,1-4 1,-4 2-291,-2-1 0,1-2-4,-1 2 1,-2-3 14,2 0 0,-5 3 15,2 0 0,0-2 122,-1-4 1,1 5-120,-4-3 0,3 2 110,-3-4 1,5 1-37,-4-1 1,-2 1 15,-2-2 1,0 2-86,4-5 1,0 4 18,2-4 1,-1 1-80,1-4 1,0 1 93,0-1 0,1-3-83,3 1 1,1-1 58,-5 3 1,3-3-36,-2 1 1,-1-1 42,-2 3 1,-2 4 2,-2-1 1,-2 2-23,-4-2 1,0 0 4,0 3 1,0-2-20,0 2 0,-4 0 21,-2 1 1,-2 0-84,-2-3 1,-2 2 75,-1-2 0,0 3-78,1 0 0,-2-2 52,-1 2 0,-3-3-13,3 2 1,-3 1 48,-1 2 1,1-2 14,-1 0 0,-1-1 55,-1 4 0,1 0-89,-2-1 0,-1 1-129,-2 0 1,-2 2 134,-1 1 1,-3 1-67,0-1 0,-4-2 7,0 1 0,2 2-19,-1-1 1,0 3 47,-3-3 0,-4-1-9,1-2 1,0 3-55,3 0 1,-4 0 51,1-4 0,-7 1 153,4 0 1,-4-1-118,7 1 1,-5 0 25,2-1 1,-6 1-12,0 0 0,-2-1-330,1 1 0,3-1 328,-3-3 1,-1 3-6,2-2 1,-1 1-23,4 2 1,-4 1 20,0 1 0,22 2 0,-1 0-7,1 2 1,0 0-1,1-2 1,0 0 2,0 1 1,1 1 0,-1-1 0,0 0 4,-2-1 1,-1 1 0,0 0 0,0 2-5,-1-2 0,0 1 0,-1 2 0,0 0 0,1 0 0,0-1 0,-2 0 0,1 0-203,-2 0 1,-1 1 0,0-1 0,0 1 201,-2 1 1,0 0 0,1 0 0,1 0 38,1 0 1,0 0 0,1 0 0,0 0-35,0 0 0,1 0 0,-4-2 0,1 1 3,1-1 0,0 1 0,-1-1 0,0 0-1,3 2 1,1 0 0,-1 0 0,-1-1-5,-1 0 0,0-1 1,1 2-1,0-1 21,-1 0 0,0-1 0,-1 2 0,0-1 2,1 1 1,0 0 0,-2 0 0,0-1-27,0 0 1,0-1-1,0 2 1,0-1-239,0-1 1,0 1-1,0 0 1,-1 1 161,1 0 0,1 0 1,-3 0-1,1 0 49,-2 0 1,0 0-1,4 0 1,-1 0 4,0 0 1,1 0 0,-1 1 0,1 1 11,1 0 1,0-1 0,-2 1 0,0-1-47,0-1 0,0 0 0,1 1 0,1-1 40,0 2 0,0-1 0,0 0 0,1-1-5,1 2 1,-1-1 0,1 0 0,-1-1-66,0 1 0,1-2 0,1 0 0,1-1 96,0 1 1,1-1 0,0-1-1,1 0 15,0 1 0,0 1 0,-2-1 0,0 1-32,-1 1 0,0 0 0,1-1 0,-1-1 14,0 0 1,0 1 0,1-1-1,1 1-7,-2 0 0,0 2 0,0 0 1,0 1 66,-2-1 1,1 1 0,1 0 0,1 0-26,0 0 0,1-1 0,0 0 0,1 0 7,0 2 1,0 0 0,0 0 0,-1 0-42,-1 2 1,1 0-1,2-1 1,0 1 4,-1 0 1,0-1 0,-22 7-2,23-5 1,1 0 0,-21 5 24,-2 1 0,7 1-46,-1 0 0,4 3 32,1 0 0,1 1 177,0 2 0,4-3-193,2-1 0,6-2 493,3 2 1,-1 1-548,2 2 0,2-3 382,4-3 0,3 2-338,0-2 1,-1 0 253,4-2 1,2 2-62,7 1 1,0-1 16,0-3 1,1 2-94,2 1 1,3-2-99,7 3 0,1 0 14,5 0 1,2 3-82,1 0 1,3-2-157,-3 2 0,5-2 8,0 2 1,4 0 108,4-3 1,0 2-374,-4-2 0,4-1 126,-1-3 1,5 4 337,2-1 0,3 9 0,-1-2 0</inkml:trace>
-  <inkml:trace contextRef="#ctx0" brushRef="#br3">17886 15223 9729,'-5'33'1353,"-2"7"-1132,4-3 0,-2 2 295,2-2 1,2 2-261,-2 1 1,-1 1 188,1 3 0,0-7-249,3-6 0,1-2-2,2-1 0,5-2 87,5-4 0,0-5-323,0-7 0,1-1-89,5 0 0,0-3 88,3 1 1,2-5-113,4 1 0,1-2 5,2-1 0,2 0-152,4 0 1,0 0 188,1 0 1,0 0 45,2 0 1,-5 0 48,3 0 0,-3 1 77,2 2 0,1-1-55,3 4 0,-6-4 23,2 1 0,-6-2-95,0-1 1,1 0 41,-1 0 0,0 0-3,-3 0 0,-3 0 9,0 0 0,0-4 2,3-2 0,-4-2-30,-3-1 1,-2-1 31,-4 1 1,3-5 51,-3-1 0,-4-1-95,-2-2 1,-3 1-3,1-4 0,-3-2 18,-4 1 1,-1-4 7,-2 1 0,-4-2-21,-5-1 0,1 0 2,-5-4 0,1 4-158,-4-4 1,-1 2 10,-1-1 0,0 0 16,-4-6 1,1 6 88,-1-3 0,2 1 119,1 2 1,1-1-38,-4 1 1,4 6 124,-4 0 0,0 5-111,-3 5 1,-1 3 21,-2 5 0,-2 3 341,-4 4 1,-1 4-85,1 3 0,-4 5-2,-3 3 1,3 4-313,1 3 0,1-3 11,2 3 0,-3-2 14,-1-2 0,5-3-119,5-3 1,7-2-241,6-4 0,3-2-1314,6-4 1683,4 4 0,10 1 0</inkml:trace>
-  <inkml:trace contextRef="#ctx0" brushRef="#br2">18333 14218 8386,'-9'0'-729,"-1"0"1115,1 0-310,4 0 0,0 0 279,2 0 1,2-4-7,-2-3 0,2-2-165,1-3 1,0-3-161,0-4 0,0 0-129,0-3 1,1-2-80,2-4 1,-1-3 129,4 0 0,0-4-526,3 1 1,2-4 240,1 0 0,-5 0 146,3 7 0,-3 0 1,2 3-1</inkml:trace>
-  <inkml:trace contextRef="#ctx0" brushRef="#br2">18370 13398 8388,'-4'-8'-95,"-2"2"0,-2-2-143,-2 1 1,2-1 523,2-1 0,2-4-95,4 1 0,0-8-309,0 2 1,0-4 4,0 0 1,1-1-301,2-1 0,-1-2 212,4 4 0,-4-1 201,1 2 0,3 1 0,-1-3 0</inkml:trace>
-  <inkml:trace contextRef="#ctx0" brushRef="#br2">18361 12728 8424,'-13'-15'-462,"3"2"666,1 4 1,1-1 205,5 1 1,-1-4-442,4-3 1,1 2-364,3-2 0,-2-3 156,4-2 1,-1-2-50,1 1 1,-1 3-101,-1-3 0,-3 2 120,2 2 0,-2-1 267,-1 0 0,0 1 0,0-1 0,-4-4 0,-2 0 0</inkml:trace>
-  <inkml:trace contextRef="#ctx0" brushRef="#br2">18342 12160 8424,'0'-19'-1173,"-3"4"879,0-1 1,-3 4 925,3-4 1,-1 5-153,1-1 0,2-2-178,-3 2 1,0-5-178,1 2 1,0-3-206,3-1 1,0 1-43,0-1 1,0-3 191,0 1 1,0-2-612,0 1 0,0 3 297,0-3 1,3-1-400,0 1 1,4 1 642,-4 2 0,4 0 0,-2 1 0</inkml:trace>
-  <inkml:trace contextRef="#ctx0" brushRef="#br2">18342 11490 8424,'0'-19'0,"0"0"0,0-2 342,0-1 1,-3 1-95,0 6 0,0-3 33,3 3 1,0-3-63,0-1 1,-1 1-99,-2-1 1,2 4-158,-2-1 1,1 1 85,-1-4 1,2 1-348,-3 3 0,3-3 237,1 3 1,0-3-359,0 0 1,0-1 64,0 0 1,1 0-103,3-3 0,0 2 172,2-1 0,-1 1 49,-2 1 1,-2 0 164,2-3 0,-2 5-109,-1-1 0,0 4 314,0-1 1,0 3-94,0 0 0,-1 2 395,-2 0 1,-1 1-77,-2 0 1,-1-1 72,4 1 0,-4-3-91,4-1 1,-3 0 94,3 0-300,0-1 0,3-5 0,0 1 116,0-1 1,0-1-128,0-1 11,0 1 1,3-3 0,1 5-87,1-1 1,-3 0 156,1 1-113,-2 3 0,3-2 0,-1 2 52,-1 1 0,-1 0 49,-1 5-83,0 0 1,0 2 84,0 1-280,0 4 62,0-2-1088,-4 4 611,3 0 193,-4 0 0,10-4 1,0-1-1</inkml:trace>
-  <inkml:trace contextRef="#ctx0" brushRef="#br3">21294 10233 9314,'-9'-1'-525,"-1"-1"-261,1-2 675,0-3 0,5 6 308,4-2 1,2-1 13,7 1 1,-2 0-4,6 3 0,0-3-112,-1-1 1,5 1 103,-1 3 0,1 0-167,2 0 0,0 0 23,3 0 0,-1 0-23,4 0 1,-4 0-6,4 0 0,-3-3-104,3 0 1,0 0 30,2 3 1,0-1-28,-2-2 1,1 2 38,-4-2 1,3 2-15,-4 1 1,0 0 49,-5 0 0,0-3 20,-3 0 1,-1-1 171,-3 4 0,1 5-154,-1 1 1,-1 2 180,-2 1 0,3 1-8,-3-1 1,-1 0-5,1 1 1,0-1-134,4 0 1,-1-3-43,0 1 0,4-5-174,-1 1 0,6-5 163,0-1 0,2-6-79,5 0 0,0-1 38,3-6 0,-1 4-4,-3-4 0,5 5 65,-4-2 1,3 3 149,-6 1 0,0 4-77,-4 2 1,0 2 201,-3 1 1,-1 0-93,-5 0 0,3 3-154,1 0 1,0 1-339,0-1 0,0-2 126,3 2 0,4-2-267,-1-1 1,5 0 378,-2 0 1,8 0 0,-1 0 0</inkml:trace>
-  <inkml:trace contextRef="#ctx0" brushRef="#br3">19134 15717 10024,'-5'0'-741,"0"0"0,5 1 2379,0 2 0,0-1 0,0 4 0,8-3-1707,1 3 0,11 1-113,1 2 0,9-1-166,5-2 0,9 2 230,6-5 1,-24-1 0,2-1-99,-1-1 1,1 0-1,3 0 1,0 0 173,0 0 0,1 0 0,-1-2 0,0-1-330,-3-2 0,-1 0 1,1 1-1,-1-2 32,0-2 0,-1 1 1,1 0-1,-1 1 175,20-9 0,-4 2-13,-8-2 1,-3 0 237,3 0 1,-1-3-118,1 3 1,-5-4 152,-4-3 0,-5-2-130,-2-4 1,0 1 40,-6-1 0,-2-3 2,-4 0 0,-4 0 48,1 3 1,-6-3-48,-3 0 0,-4-1 6,-2 5 0,-2 2-105,-5 0 1,-3 0 98,0-3 1,-3 1-127,0 2 0,-2 0 6,-1 3 1,3 0 28,0 3 0,1 2 7,0 1 0,-3 2 62,2 1 1,1 6 33,-1-2 0,-1 6 265,-5 0 0,1 2-284,-4 1 1,1 1-73,-1 2 0,-2 2 104,2 4 1,1 1-110,-2-1 0,4-3 54,-3 0 1,3 0-8,-3 0 1,0 1 31,-3-4 0,3 4 8,-1 0 1,5-2 132,-1 1 0,2 0 17,1 3 0,6 1 44,3-1 0,0 0-131,4 1 0,0 2-5,0 0 1,4 5-18,-2-1 0,3-2 4,1 2 0,2-1 9,1 4 1,4-1-8,-1 1 1,2 0-9,1-1 1,1 2-5,2 2 0,-1 1 36,4 5 0,2-3-61,4 0 1,-1 1-176,5 5 0,-1-3-95,4 0 1,1-1-237,1-6 1,0 5 451,4-1 1,4-2 0,4 0 0</inkml:trace>
-  <inkml:trace contextRef="#ctx0" brushRef="#br3">19171 3585 12056,'-4'-10'2361,"2"2"-2434,-4 2 1380,-1-2 1,1 8-1238,0 0 1,3 4 1028,-3 5 0,1 6-45,-2 3 1,0 2-434,4 5 1,-1 1 182,1 5 0,2 2-443,-2 4 0,2 1-267,1 3 0,4-2 281,2 4 1,-1-3 54,1 0 0,0-3-1021,4-3 1,-4-2 132,0-4 0,-4-4 140,1-2 1,-2-7 106,-1-2 0,-1-3 342,-2-1 0,1-3-61,-4-3 1,0-3-681,-4-3 1,3 1-120,-2-5 0,4-2 314,-8-3 1,5-6-40,-4-1 1,-2 0 50,2-6 1,-4 1-97,4-1 1,-4 3-33,4 3 0,-2 1-66,2 3 1,3 1 1091,-1 5 1,1 4-219,3 2 0,-1 3 9,0 3 1,0 4 271,4 9 0,0 0-192,3 9 0,0 1-37,0 5 1,4-2-210,2 2 1,3-5-9,0-1 1,1-5-7,3 2 0,-2-6 53,5-4 1,-5-3-484,1-3 0,2-1-407,-2-5 1,-2 0 288,-4 0 0,0-6 508,3-3 1,1-1-31,-1-6 0,-1 1-91,-2-4 0,3 2-68,-3 1 1,1-1 970,-1 5-465,3 0 1,-4-2 0,4 0 0</inkml:trace>
-  <inkml:trace contextRef="#ctx0" brushRef="#br3">18817 3948 13280,'-4'-10'-711,"3"1"3312,-3 4-2256,4 1 1,1 5-117,2 2 1,2 6 99,5 7 0,-1 2 355,0 4 1,4 2-247,-1 4 0,5 1-157,-2 2 1,3-1-313,0 4 0,1-4-36,0 1 0,-1-3 0,1-3 0,-2-3 379,-1-7-643,1-1 50,-6-9 1,1-5 481,-6-6 0,2-6 243,-5 0 0,3-5-30,-3 2 0,4-6 109,0-1 1,2-3-40,3 4 0,0-2 35,3 1 1,1 3 35,2-3 0,2-1-114,2 1 1,-2 1-168,5 2 1,-3-1-666,3-1 1,-5 4 25,2-2 1,-3 4 1,-4-1 1,0 0 72,-3 3 0,-5 1-97,3 3 1,-7-1-1189,0 1 1051,-2 0 0,2 3-874,0-1 1315,0 5 1,-3 2 0,0 5-1</inkml:trace>
-  <inkml:trace contextRef="#ctx0" brushRef="#br3">20279 7868 9737,'-9'0'-780,"3"-3"432,-1-1 455,5 1 652,-2 3-523,4 0-89,8 4 1,-1-2-123,5 1 0,1 1-8,0-1 0,3 3-14,0-3 0,2 1 0,0-1 1,4-2-75,0 3 1,3-3 47,0-1 0,2 3 23,1 0 1,-1 1 30,-2-1 1,2 1-88,-2 2 1,-2 2 99,2-5 0,-4 4-9,1-1 1,-6-1-13,0 2 0,-1-5-22,4 1 0,-2-2 24,-1-1 1,2 0 36,-3 0 1,3 0-36,0 0 1,1-1 76,-1-2 0,4-3 25,0-3 1,1 3 4,-2 0 1,0 0 0,4-4 0,-4 4 0,0 0 1,-2 4-62,-4-1 0,2 2 32,-5 1 1,4 0-77,-4 0 0,1 1 16,-4 2 0,4 1-109,-1 2 0,0 1 169,-2-4 0,3 4-155,3-4 1,-2 1 11,2-1 1,-2-2-1,2 2 1,4-2 43,-1-1 0,2-3-60,-3 0 1,1-4 240,0 0 1,2-1-96,1-1 0,0 1 26,-4 1 1,4-1-60,0 2 1,3 1 58,-4-1 0,2 2-36,-1-2 0,-3 4 38,3-1 1,-2 2-58,-2 1 1,1 0-9,0 0 1,-1 0-108,1 0 0,0 0 109,-1 0 0,-2 3-114,-1 0 1,1 0 47,2-3 1,3 0 8,-2 0 0,1 1-12,-4 2 1,1-1-10,2 1 0,3 1-30,0-1 1,-2 3-32,-4-3 0,1 1 64,-1-1 0,0-2-33,0 3 0,-2-3 79,-1-1 1,-2 0-142,5 0 1,-5 0 45,2 0 0,0 0-206,-1 0 0,1 0-306,-4 0-100,0 0 1,1-4 733,-1 1 0,0 0 0,1 3 0</inkml:trace>
-  <inkml:trace contextRef="#ctx0" brushRef="#br3">21638 7905 13155,'13'-5'426,"-1"2"1,4-2-479,-4 2 0,5 0-76,-2 3 1,6 0-65,1 0 0,-1 0 54,-2 0 1,1 3-79,1 0 1,-1 5 96,2-2 0,-3-1 22,0 1 0,0-1-236,-1 2 1,0 1 88,-3-2 0,3-1 101,-2 2 1,-2-2 109,2 1 1,-1-1-56,4-2 0,-2-2 178,-1 2 0,1-2 159,-1-1 1,0 0-14,0 0 0,0 0-137,-3 0 1,2 0 42,-2 0 0,-1-1 157,-2-2 312,-1 2-435,-4-3 724,-1 4-1035,-4 0-168,-8 0 1,5 1 261,-7 2-598,3-2 559,2 3 0,-3-8 1,3-1-1</inkml:trace>
-  <inkml:trace contextRef="#ctx0" brushRef="#br3">20428 7961 10886,'9'-1'834,"1"-2"1,-1 2-544,0-2 1,5 1-378,1 2 0,0 4-102,0-1 1,0 3-57,0-3 0,3 3 135,-3-3 1,3 1-121,1 0 0,-1-3 75,1 2 0,-1-2-129,1-1 0,-1 0 94,-3 0 0,2-4 281,-5-3 1,5-1 216,-2-1 1,-1 3 2,-2-1 1,1 1 4,0-3 1,2 4-89,-2 2 0,2 2-139,-2 1 0,-1 0-12,-3 0 1,4 1-87,-1 2 1,1-1-198,-4 4 0,0-3-18,1 3 0,2-3-21,0 4 1,2-5-87,-2 1 0,0-2 332,3-1 1,1 0 27,2 0 1,-1-1 93,2-2 0,-3-4 151,6-5 0,1 2-19,-2-3 1,4 0-7,-3 0 0,3 1 14,-4 3 0,1-1-42,-3 1 0,-2 1-22,-1 2 0,0 0-98,-3 3 1,3 2-125,0-2 0,0 2-147,0 1 0,1 0-75,-5 0 0,5 0 25,-2 0 1,0 3-84,0 0 1,-3 4 14,4-4 0,-1 3 105,4-3 0,0 4-17,-1-1 1,1 0 113,0 0 1,-1-3-23,1 3 0,3-4 145,-1 1 1,1-2-34,-3-1 1,-1 0 106,1 0 1,-1 0 48,1 0 0,0 0 27,-1 0 0,1-1-85,0-2 0,-1 2 82,1-2 1,-1 1-168,1-1 1,0 2 36,-1-2 1,1 2-568,0 1 0,0 1-51,3 2 512,-7-2 1,11 7-1,-6-3 1</inkml:trace>
-  <inkml:trace contextRef="#ctx0" brushRef="#br1">22700 8017 13438,'-19'0'-433,"2"0"-256,1 0 0,-2 0 309,-1 0 1,-2 4 642,-7 2 1,0 2-221,-9 2 0,-3 2-346,-10 0 1,24-3-1,-2 0 284,-2 0 1,-2 1-1,1-2 1,-1 1-291,-3 1 0,-1-1 0,0 0 0,-1 0 320,-1 0 0,-1-2 0,2 0 0,0-1-45,-2 1 1,1-1 0,1-2 0,0-1 131,-2 1 0,1-2 1,0-1-1,1 0-88,1 1 1,1-1-1,-1-2 1,1-2-298,1-1 0,0-1 0,1 1 0,0-1 243,-1-2 1,0 1 0,0 2 0,1 1-82,1 0 0,-1 0 0,0 0 0,-1 1 25,-2-1 1,1-1 0,1 1 0,-1-1 64,-2 3 0,0-1 0,3-1 1,0 0-1,-1 1 1,1 1 0,0-3-1,0 0-8,-2-1 1,1 0 0,2 1 0,1-1 87,-2-1 0,0-1 1,4 0-1,0 0-71,1 0 0,-1-2 0,2 1 0,-1-2-85,1-1 0,0 0 0,2 0 1,1-2 131,0 0 1,0-2 0,2 0 0,0-1 24,0 1 1,2-1 0,-17-20 15,4-1 1,9 0 28,3-4 1,3 3 109,7 1 0,1-2-110,4-1 0,3 1-69,4-5 1,1 1 373,2-4 1,4 0-310,5-3 1,4 7 35,5-1 1,1 4-19,6 0 0,-1 1-13,-11 19 1,2 0 0,17-15 24,-15 17 1,1 2-1,20-15-22,-20 13 0,1 1 1,3 2-1,-1 0-55,-1 0 0,1-1 0,0 2 0,0 0 112,23-10 0,-22 10 1,1 2-109,2 1 1,0 0-1,2 0 1,-1 0-13,2 2 0,0 0 0,1 0 1,0 0-35,-3 1 1,0 1 0,3-2 0,0 1-1,-2 2 1,2 0 0,1-1 0,1 1-4,0 1 1,0 1 0,1-1 0,-1 1-72,1-1 0,-1 0 1,1 1-1,0-1 64,2 0 0,1 1 0,0-1 0,0 0 4,-1 0 1,1 1-1,0 1 1,-1 1 10,-3 0 0,0 1 0,2 0 0,0 1-22,-2 0 1,0 0-1,3 0 1,0 1-4,-3 0 1,0 1-1,1-1 1,0 0 0,-3 2 0,-2 0 1,1 0-1,-1 0-104,1 2 0,0 0 0,2-1 0,0 1 109,1 0 1,0-1 0,-1 0 0,-1-2 6,-1 2 1,0-1 0,0-2 0,0 1 59,1 1 1,1 0-1,2-2 1,1 0-49,-2 1 0,0-1 0,1 0 1,0-1 61,-3 0 1,-2 0 0,1 0 0,-1 0-39,1 0 1,0 0 0,0 0 0,0 0 99,0 0 0,0 0 0,-3 2 0,-1-1-3,23 2 0,-2 2 124,-2-2 1,4 1-145,0 2 0,-4 2-10,-2-2 1,-4 3-7,3 0 0,-3 3-20,0 1 1,-1-1 29,2-2 1,-3 0-56,2 2 1,2-1-7,-2 1 0,-1 2 38,-4-2 1,-2 1 260,-2 0 0,-2-3-260,2 3 1,-2 0 0,-1-1 0,-1 5-149,1-1 1,-1 1 60,-2 2 0,-2-4 279,-4 1 1,-1 2-421,1 4 0,-8 0 365,-2-4 1,-5 1-181,-1 0 0,-2-1 253,-1 1 0,0 0-59,0-1 0,-3 4-23,-1 0 1,-2 0-12,3 0 1,0-1-48,3 4 0,0-4-243,0 4 0,-3-3 91,0 3 1,0-5-112,3 2 0,-1-2 89,-2-2 1,1-2-5,-5 0 1,4-2 191,-3 2 0,0-3-167,-3-4 0,-4 4 330,1-1 1,-4 1-70,4-4 0,-4 3 140,4 1 0,-5 0-101,2 0 0,-2-3-108,2 2 0,-3 2-15,3-2 0,-1 1-16,-3-4 0,6 0-139,-6 0 1,3 1-62,-3-1 1,-4 0 39,-1 1 1,0-1 7,-1 0 1,-3 1 131,-3-1 0,-5 0-41,-1 1 0,2-1-114,-2 0 1,2-3 46,-2 1 0,-3-1 10,3 3 1,-2-4-234,5-2 1,-2 2 178,-2-2 1,-2 0-261,0-3 1,-1 0 82,4 0 0,0 3 21,0 0 1,-4 0-12,1-3 1,3 1-133,2 2 1,2-2 42,-1 2 0,-1 2-71,4-2 1,3 0-598,3-3 0,5 0 312,-2 0 0,-1 0 630,1 0 0,1 0 0,2 0 0,0 0 0</inkml:trace>
-  <inkml:trace contextRef="#ctx0" brushRef="#br1">23128 6676 13531,'-4'-5'-133,"-1"1"0,0 9 1543,2 4 0,6 7-1092,3 8 0,7 6-174,6 11 1,6 5-134,-9-20 1,2 1 0,1 5 0,1 0-398,4 4 1,2 0 0,1 1 0,1 1 358,1 1 1,1 0-1,-1-2 1,1-2 76,-2-3 1,0-2-1,-3-1 1,0-2-108,-1-2 1,-1 0-1,-1-2 1,0-1-354,-3-1 1,-1-1 0,17 17 14,-11-6 0,-2-2 110,-6 2 0,-3-2 6,-4-1 0,-3-4 224,-3-3 1,-2-2-268,-1-4-1473,4-1 2287,1-9-482,4-5 0,1-13 0,-1-7 1</inkml:trace>
-  <inkml:trace contextRef="#ctx0" brushRef="#br1">23938 6592 14551,'-13'-5'-656,"-3"2"1,0 2 703,0 1 0,0 9 1556,3 7 1,-3 9-380,0 10 0,-6 11-823,10-19 1,0 2 0,-5 5-1,-2 2-758,0 7 0,-2 1 0,5-13 1,0 1-1,-1-1 468,0 4 1,-1 0 0,1 1 0,-1 0 0,1-1 0,0 2-36,-1 0 1,1 0-1,-1 0 1,2 0-1,-1 0 1,1 0 114,-2 0 1,0-1 0,1 0 0,-4 11-1,0 0-429,1-5 1,0 0 0,2-3 0,1-1 67,0 0 1,0-1 0,0-2 0,2 0-616,0-1 1,2 0 0,2-5-1,2-1-179,-6 22 0,7-11-2017,5-8 2980,10-10 0,-2-2 0,7-9 0,0-3 0</inkml:trace>
-  <inkml:trace contextRef="#ctx0" brushRef="#br1">24143 5819 9849,'0'-14'1406,"-1"0"-1725,-2 5-69,2 0 1512,-3-1-313,4 5-349,0 1 0,0 5-53,0 2 0,0 3 279,0 7 1,3 1-386,0 5 0,0 4 30,-3 2 0,0 6-261,0 3 0,0 5 85,0 1 1,0 6-414,0 0 1,0 4 154,0 3 1,0-3 59,0-7 0,1-3 106,2-6 0,2-7-105,5-8 0,0-6-257,2-6 0,3-4 73,4-6 0,2-7 440,1-5 1,3-3-46,-3 0 0,0-1-36,0 0 0,1-2-96,2-1 0,-2 0 2,-1 4 1,-2 0 289,2 2 1,-3-1-333,0 1 1,-5 3-344,-1 1 0,-1 1-162,-3 2-1255,3 4 524,-7 1-373,0 4 1624,-1 0 1,-8 4 0,-1 1 0</inkml:trace>
-  <inkml:trace contextRef="#ctx0" brushRef="#br1">24469 5857 8918,'-15'9'-58,"3"0"0,2 1 648,0 3 0,5 6-76,2 5 0,2 8 48,1 6 0,1 5-245,1-17 0,-1 1 0,0 1 1,0 2-225,2 4 0,0 0 1,-1 1-1,0 0 79,0 3 0,2-1 0,-1-2 0,0-1-31,1-1 1,1-1-1,0-2 1,0-2-360,-1-1 1,1-1-1,4 22 210,1-2 1,-1-8-771,0-11 1,-3-5 486,1-9 0,-1-2-681,3-8 0,0 0 972,1-3 0,-1 0 0</inkml:trace>
-  <inkml:trace contextRef="#ctx0" brushRef="#br0">19804 5344 7932,'-6'0'-250,"0"0"1,3 0 1040,-4 0 0,1 0-266,-3 0 0,0 0-199,-1 0 1,0 0-39,-2 0 1,-3 4-34,-4-1 1,-3 1-2,-3-1 1,-6-1 21,-3 4 0,-4-3-32,-2 3 0,-2-2-397,-5 2 0,-4 0 197,25-2 0,0 1 0,-2 1 1,1 1-134,-1-1 1,0 0 0,1 1 0,1 0 78,0-1 0,-1 0 0,-21 7-119,-2 3 0,25-8 0,-1 1 17,-23 3 0,-2 0-53,1-2 0,3-2-17,-3-2 1,-2 1 101,26-5 0,0-1 1,-2 1-1,1 0 22,-1-2 0,0 0 0,0 0 0,-1 0-2,0 0 1,-1 0 0,0-2 0,0-1 114,-1 0 1,0 0 0,1 1 0,0-1-55,2 0 1,0 0-1,0 0 1,0 1 28,0-1 0,0-1 1,1 2-1,0 0-50,-26 2 1,3-3-56,7 0 1,-2 0 136,5 3 1,-6 0 31,6 0 0,-2-4 42,8-2 1,1-2 1,2 2 0,2-5-76,2 2 1,-1-4 11,0 1 0,-1 0-60,-2-3 1,-2-1 61,-5-2 0,2-1-237,2 0 0,-2 1 41,2-1 1,2 0-73,1-3 0,1 2 80,-2-2 0,4 2-12,-4-2 1,5 2 125,2-1 1,3 1 247,6 1 0,-1 1-355,1-1 1,6 0 216,1 1 0,1-1-234,-1 1 1,3-5 18,0-2 1,3 1-3,-4-1 0,5 1 179,-1-4 0,2 3-166,1 0 1,0 0 34,0-3 0,4 0-41,3 0 0,2 2-14,3-1 0,2 4 38,1-5 0,3 6-3,-3 0 1,3 2 52,1-2 0,0 2-3,3-1 1,-2-2 112,1 1 1,3-1-150,1 2 0,-2 4 127,-2-2 1,2 7-95,-1 0 0,4 1 49,-1 2 0,2 3 36,0 0 0,6 4 9,1-2 0,2 3 29,1 1 0,0 0-129,1 0 1,-1 0 114,0 0 0,1 0 17,3 0 1,-2 0-79,4 0 1,-2 0 40,2 0 1,3 0-32,0 0 1,2-3 70,-8 0 0,2 0 2,-2 3 1,1 0-143,3 0 0,-3 3-18,-4 0 1,1 5 78,-1-2 1,3-1-21,1 1 0,-1-3 78,-3 3 1,5-4-69,1 2 0,2 0 158,-2-1 0,-2 1-146,-3-1 1,-1-1 26,0 4 0,-1 0 7,-2 0 0,2 2-14,-5-2 1,3 2-110,-3 2 1,3 2 93,-3 1 1,0-2-155,-3-5 0,0 2 83,0-1 1,2 1-13,-2 1 1,2 0-23,-5-3 0,0 2-7,0-2 1,4 3 26,-4 0 0,4 0 11,-4 0 1,-1 1 238,1-1 1,-5 0-221,2 1 0,-2-1 140,-2 0 1,-2 0-120,-1-3 1,-2 2 22,2-2 1,-3-1-10,0 2 0,1-2-38,0 1 0,-1 5 17,-2-1 1,1 1-4,-2-2 0,3 5 75,-6 1 1,1 4 24,-1 3 0,-2 3 141,-4 6 0,0 0-152,0 6 0,-4-2 108,-2 5 1,-3-2 83,-4-4 1,0 2 236,-3-2 1,-1-2-216,1-1 0,-1-5 62,-2-1 1,-3-3-367,1 2 1,-1-3 105,3 1 1,-2-6-331,-1 0 0,0-4 107,4 4 1,-1-5-301,0 2 0,5-4 13,1-3 408,3 2 1,-3 2 0,-2 4-1</inkml:trace>
+  <inkml:trace contextRef="#ctx0" brushRef="#br0" timeOffset="1">736 8026 8291,'-10'-5'-232,"1"1"244,4 4 1,1 7-44,4 2 1,4 7-19,2-1 1,2 3-12,2 0 1,2-2 10,0-1 0,6-3-9,1 0 1,3-6 11,6-2 0,0-3-5,0-1 1,4 0 35,2 0 0,2-7-7,-2 1 1,1-7 185,-4 3 1,3 2-111,-3 2 0,-1 1 188,-5-1 0,-1 1 21,-3 5 1,-1 0 56,2 0 1,-3 5-149,0 1 1,-1 2 33,-3 1 0,4 1-107,-1-1 1,1 3 52,3 1 1,2-1-226,0-2 1,3-1 36,1 0 1,1-3-137,2 1 0,-2-5 194,2 1 0,2-2-134,1-1 0,0 0 126,0 0 1,-3 0-14,3 0 0,-1 0 118,1 0 0,1-3-111,-4 0 1,3-1 153,-2 4 0,6-1-210,-1-2 1,3 2-194,1-2 1,-2 2 28,5 1 1,2 0-367,4 0 1,-1 0 577,-2 0 0,1 0 0,-1 0 0,2 0 0,-1 0 0,2 0 0</inkml:trace>
+  <inkml:trace contextRef="#ctx0" brushRef="#br0" timeOffset="2">5056 6210 8185,'0'-6'0,"0"0"-50,0-1 0,0 2-59,0-2 302,0 1 0,0 0 178,0 0 0,0 3 149,0-4-144,0 5-170,0-2 1,0 11 0,1 4-110,2 2 1,-2 7 36,2 5 0,1 2-154,-1 1 0,0 4-341,-3 2 314,5 6 1,-4-1-1,3 5-245,0 0 1,-3 1-22,2-2 1,1 2 181,-1-5 0,1-4 0,-1-5 89,-1-6 0,2-3 0,-4-6-151,0 0 78,0-9 34,0 1 0,-4-8 273,-3 0 1,2-1-20,-1-2 0,-1-2-85,-6-4 0,3 0 116,-2-1 0,-2-2-114,2-1 0,-1-3 75,4 0-98,-5-1 0,4-5 1,-3 0 73,-1 2 1,5 3 194,0 2 0,-1 3-39,4 0 1,2 4-18,1 2-193,2 4 0,1-1 1,0 6-8,0 3 0,4 8 16,2 4 0,3 6-160,4 7 1,-2-1 236,5 4-360,-1 1 1,4-2-1,-1-2-114,-3-2 1,5-1 144,-5 0 0,5-9 142,-5-3 0,0-6 34,0-4 0,-3-3 152,0-6 0,-3-3-59,-2-6 1,0-3 246,-4-3 0,3-5-506,-3-2 0,1 1 99,0-1 0,-2 1-1173,4-4 1,-1 0 1219,1 0 0,7 0 0,-3 0 0</inkml:trace>
+  <inkml:trace contextRef="#ctx0" brushRef="#br0" timeOffset="3">9674 6415 8001,'-5'0'-76,"-3"0"0,6 4 696,-1 3-406,2 5 1,1 2 0,0 7-11,0 4 0,3 4-249,1 8 1,3 3 58,-1 1 0,1 2-117,-1-2 1,3-2 3,-3-5 1,-2-4 140,-1-8-426,2 0 434,-4-12 6,4-1 0,-7-6-32,-1-6 1,-1 1 18,-2-4 1,-2 0-82,2-4 0,-6 0 7,0-2 1,-1 1 48,4-1 0,0-2 13,-1 2 0,-1-3 310,2 2-105,-3 1 0,7 3 413,-4 3-430,4-2-38,1 7-10,8 9-75,1 4 1,7 11 0,1-1-48,-2 3 1,-1-1-19,0 1 0,-1-2-213,0 2 1,1-2 36,-1-4 1,-3-6-10,0-4 0,1 0 104,2-6 1,-3-1-21,0-5 0,1-4-58,2-5 0,0-6-142,0-3 1,1-4-1066,-1 3 1335,0 0 0,5 4 0,0-1 0</inkml:trace>
+  <inkml:trace contextRef="#ctx0" brushRef="#br0" timeOffset="4">9599 8259 7922,'6'-4'436,"-2"3"-379,0-4-23,-3 5 0,3 1 0,-3 3-462,2 2 321,-2 2 0,3 2 1,-4 3-263,0 2 0,0 6 214,0 1 0,-3 0-202,0 0 357,0 2 0,-1 4 0,-1 0 0</inkml:trace>
+  <inkml:trace contextRef="#ctx0" brushRef="#br0" timeOffset="5">9683 8771 8095,'0'14'0,"0"4"0,0-7 1,0 5 1,0-4 69,0 4 0,3-1-10,0 4 1,2-1-29,-2 1 0,-2-3-149,2-1 0,1 1-235,-1 2 0,1 1 158,-1 0 0,-2-4-394,2 1 587,-1-1 0,2 8 0,1 1 0</inkml:trace>
+  <inkml:trace contextRef="#ctx0" brushRef="#br0" timeOffset="6">9739 9953 8045,'0'10'0,"0"-1"0,0 0-106,0 1 0,-3-1 155,0 0-77,0 0 1,3 1 0,0-1-301,0 0 1,-3 1-102,0-1 1,0 0 428,3 1 0,-9 3 0,-1 2 0</inkml:trace>
+  <inkml:trace contextRef="#ctx0" brushRef="#br0" timeOffset="7">9748 10484 8027,'0'9'-545,"0"1"1,0-1 541,0 0 0,0 2 18,0 1 1,0-2 6,0 3 1,0 0-13,0 0-10,0 3 0,0-1 0,0 3 0</inkml:trace>
+  <inkml:trace contextRef="#ctx0" brushRef="#br0" timeOffset="8">9767 11052 7966,'0'13'-97,"-4"2"0,3 0-137,-2 1 0,2-4 269,1 4 1,0-2 183,0 2 0,0 1-288,0-1 1,0-2 71,0 2-59,0 0 0,0 1 0,0 0-135,0-2 0,0 0 58,0 0 1,-3 2-17,0-5 0,-1 4 149,4-4 0,-4 5 0,-1-3 0</inkml:trace>
+  <inkml:trace contextRef="#ctx0" brushRef="#br0" timeOffset="9">9748 11704 7966,'0'9'102,"0"3"135,0 1 0,0 2-222,0-2 0,0 2-80,0-2 1,0 2-128,0-2 0,0 2-81,0-2 1,0 3 272,0 0 0,-4 1 0,-1 2 0</inkml:trace>
+  <inkml:trace contextRef="#ctx0" brushRef="#br0" timeOffset="10">9730 12160 7966,'0'18'-244,"0"-3"1,-3 3 101,0-3 0,0 0 169,3 0 0,0 1 21,0 2 0,0 1 11,0 0 1,0-2-121,0-1 0,0 1-149,0-1 0,-2-2 43,-1 2 0,2-2-153,-2 2 1,2-2 319,1-1 0,0-3 0,0 3 0</inkml:trace>
+  <inkml:trace contextRef="#ctx0" brushRef="#br0" timeOffset="11">9730 12737 7966,'0'10'-240,"0"3"0,-3-2 293,0 5 1,-2-1 479,2 4 1,2 0-250,-2-1 1,2 0-92,1-3 0,0 6-252,0-2 1,0-2-367,0-1 0,0-1-36,0 4 0,0-1 133,0-3 328,0 3 0,4-4 0,2 5 0</inkml:trace>
+  <inkml:trace contextRef="#ctx0" brushRef="#br0" timeOffset="12">9786 13352 7966,'-7'18'-93,"1"1"1,3-3 29,-3-1 0,4 1-35,-1 2 0,1 1-6,-1-1 0,2 1-138,-3 0 0,3-1-56,1 1 1,0 0-91,0-1 388,0 1 0,0 4 0,0 0 0</inkml:trace>
+  <inkml:trace contextRef="#ctx0" brushRef="#br0" timeOffset="13">9804 13901 7966,'0'19'46,"0"-1"0,0 1 213,0 0 1,0-2 369,0-1 0,0 0-380,0-3 1,0-1-420,0-3-231,0 1 1,1-5 400,2-2 0,-2-2 0,4-1 0</inkml:trace>
+  <inkml:trace contextRef="#ctx0" brushRef="#br0" timeOffset="14">9758 7393 7879,'-10'6'-152,"1"0"1,-1-4 271,-3 1 0,6-2 54,-2-1 0,2 0 148,-3 0-210,1-4 0,1-4 1,0-4-63,2 0 1,1-2-12,-1-2-35,-2-1 1,6-3 0,-4-1 114,2 0 0,1-1-66,3 3 1,1 1 45,2-1 1,-1 0 3,5 1 0,2 3 36,3 3 0,4 1 121,-4 2-241,5 4 1,-4 1 0,4 4 75,-2 0 1,0 5-108,0 4 1,-1 2 60,-5 4 1,0 1-150,1 2 124,-1 5 0,-4-2 0,-2 3-23,-2-2 1,-1 0-32,0-3 1,-4-1-5,-2 1 1,-2-4 137,-2 1-93,1-5 0,-1 3 1,-2-6-13,0-2 0,-1 2 6,4-5 1,-3-1 3,-1-5 1,1 0-27,3-7 0,-1 2-88,1-8 0,0-2 58,-1-4 0,4-4-20,0 1 1,4 3 187,-1 0 0,2 1-21,1-1 1,0 4 92,0-1 0,4 2-79,2 4 1,2 2-10,2 5 1,-1 1-57,0 5 0,4 2-77,-1 1 0,1 2-114,-4 4 1,0 5 61,0 1 1,-2 6-6,-1 0 1,-4 4 85,1-3 1,1 3 5,-1-3-7,0-1 1,-3-2 0,0-1 100,0-3 1,-1 2 27,-2-5 1,1-3 226,-4-2 0,0-5-61,-4 1 0,1-2-123,0-1 1,0-4-246,-1-3 0,1-1-30,0-1 1,-1-5-111,1-1 1,3-3 170,0 0-3,3-1 1,-1 0 0,4 2-4,0 1 0,0 0 7,0 3 0,4 1-38,3 3 240,1-1-108,1 5 1,1 1 0,-1 4 59,0 0 0,-3 5 196,1 4 0,-5 1-12,1 2 1,-2 2-42,-1-2-208,0 5 0,0-7 0,-1 3-68,-2 1 0,2-4-416,-2 3-304,-3-3 1,2-1-2406,-2 1 3145,-2-5 0,3-1 0,-5-4 0</inkml:trace>
+  <inkml:trace contextRef="#ctx0" brushRef="#br0" timeOffset="15">24702 14525 8052,'-3'-9'-110,"-1"-1"0,1 4-145,3 0 0,0 0 326,0-4 1,0 1 220,0 0 1,0-1-122,0 1 1,5 0 13,1 0 1,2 0-79,1 3 1,1-1 33,-1 4 0,1 0-86,3 3 0,-3 0 9,2 0 0,2 4 4,-2 2 1,2 5-27,-2 2 1,0 3-133,3 0 0,-4 1 59,2 2 1,-2 1-70,2 1 1,-3-1-10,2 2 0,-2-2 112,-4 2 0,2-1-123,-2 4 1,-1-2 88,-2 2 0,-2 2-4,-1-2 1,-1 2 43,-2 1 0,-3 0 2,-3 0 1,-3 0 28,-1 0 0,-3 0 151,0-1 1,2-3-7,-2-2 0,1-3-80,-4-4 1,1-1-18,3-5 1,-2-4-69,5-2 1,-4-3-11,4-3 0,-3-3-26,2-7 1,-2-1-164,2-5 0,-2 1 88,2-1 1,-3-4 22,0-1 0,3-3 56,0-1 1,0 3-25,0 0 0,1 0 35,3-3 0,0 0 3,3 0 1,2 0 8,4 1 1,0-1 67,0 0 0,1 4-5,2 2 1,2-1-2,5 2 0,0-3 115,2 5 0,-1 0-180,1 6 0,3 1 50,0 2 1,2 2-58,-2 2 0,2 2 0,-5 4 0,5 0-108,-2 0 1,3 4 95,1 2 0,-1 3-109,1 4 0,-4 1 71,1 5 1,-1 0 22,4-1 1,-5 5 21,-1 2 1,-3 0-23,0 3 0,-5-3 33,-2 6 1,1-2 6,-1-1 0,-1 3 13,-5 0 0,-3 0 29,-7-3 1,2-1 10,-5-2 1,4-1-6,-3-2 0,-1-6 10,-3 3 1,4-7 12,-1 1 0,1-3-45,-4-1 0,4-3-33,-1-3 0,5-3-29,-2-3 0,0-7-142,1-5 1,-4-4 107,4-3 1,-4-1-172,4-5 0,-1-4 136,4-3 1,1-1 33,1-1 1,3 1 56,4 2 0,1-3-79,2 3 0,3 3 259,3 3 1,1 6-2,3 6 1,-2-1-108,5 5 1,-5 4-93,1 5 0,0 2 7,0 1 1,0 1 15,3 2 0,-2 3-17,2 6 0,-3 4-3,4 6 0,-4 1 2,4 5 1,-5 3-41,2 0 1,-4 4 73,-3-4 1,1 3 7,-3-3 1,-1 3 48,-3-3 1,-4-3 142,-3-3 1,-1-1-91,-1 0 0,-4-5 91,1-7 1,-4-2-120,4-4 1,0-3-1,2-6 1,1-3-181,0-7 0,-1-2-6,1-7 0,0-5-161,-1-4 1,2-7 127,2 1 1,-1-7-263,4 1 0,-1-2 399,4 2 0,5 3-88,1 9 1,2 4 59,1 9 0,1 4 4,-1 5 1,-1 8 138,-2 7 1,2 7-66,-5 2 0,3 4 176,-3 3 1,0 1-149,-3 5 1,0 0 119,0 0 1,0-1-370,0-2 0,-1 1 73,-2-5 0,2 0-412,-2-5 139,2 1 352,-3-6 0,3-6 0,-3-6 0</inkml:trace>
+  <inkml:trace contextRef="#ctx0" brushRef="#br0" timeOffset="16">9069 15884 8079,'0'-5'202,"0"-3"0,7 4 1,4-4-10,6 2-101,-1 4 1,12-2 0,0 4 111,5 0-95,8 0 1,1 0 0,-4 0 47</inkml:trace>
+  <inkml:trace contextRef="#ctx0" brushRef="#br0" timeOffset="17">10074 15810 8387,'38'-9'-13,"-1"-5"0,-4 1 0,-2-4 32,-2 2 1,-5 0-96,-3 0 88,-1-3 1,-5 7 629,-3-5 0,-5 4-629,-1-4 0,0 4 572,0-4 1,1 5-574,-4-2 0,3 0 1,-3 0 326,0-2 0,1-1-306,-1-2 23,0 3 1,-3-2-39,0 1 1,-4-1 37,-2-2 1,-3 0-41,0 1 0,0 0 0,-1 2 40,1 0-22,-4 1 0,2 0 0,-2 2 25,-1-1-19,4 4 1,-4-4-1,2 5-23,0 0 0,-4 3-12,4-1 1,-5 1-47,2-3 1,-3 0 64,0-1 0,-4 1-59,0 0 1,-4-1-17,1 1 1,0-3-155,0-1 1,-3-2 159,0 2 0,0-2-13,-3 2 1,2 1 76,1 3 1,0-1 118,0 1 0,0 4-41,0 2-104,0 2 1,4 1-1,2 0 25,-1 0 0,2 0-70,-4 0 0,1 3 2,-4 0 0,0 4 75,0-1-68,0-1 0,-2 3 0,1-3 76,2 0 1,2 0 85,0-2 0,-2-1-146,3 5 0,1-5 30,1 1 0,1 2-53,0 1 1,0 3 20,-4 0 1,1 0-5,0 0 0,0 4 74,2-1 1,2 5 187,-1-2-222,1-1 1,6 2 0,1-2 36,3 0 0,-1 2-15,-1 2 0,5 4-4,-3 0 1,4 1 87,0-2-54,2 3 0,1 7 0,1 1 75,3 1 0,1 1-60,7 4-58,-2 3 1,12-3-1,-1 2 71,2-5-514,6-3 1,-1-4 153,6 0 0,-1-7 1,3-5-92,-1-5 0,6 0 364,0-8 0,4-3 0,1-3 0,2 1 0,-33 2 0</inkml:trace>
+  <inkml:trace contextRef="#ctx0" brushRef="#br1" timeOffset="18">652 12840 12963,'-10'0'-1702,"4"-4"454,0-3 1665,4-1-465,-2-1 1,8 4 159,2 1 1,2 3-14,2 1 0,0 0 106,3 0-67,-3 0 0,6 0 0,-1 1 74,2 3 0,-2-3 44,7 2 0,-5-2 33,5-1 0,2 1-91,1 2 1,2-2-350,0 2 0,2-1 13,2 1 1,-1-2 137,5 2 0,-1-2-156,3-1 1,-3 0 120,0 0 1,-3 0 2,3 0 0,-4 0 156,1 0 0,-2-3-121,-1 0 0,-3 0-10,0 3 0,-1 0 35,1 0 1,-2 0 7,-1 0 1,-2 3-103,2 0 0,-3 6-28,0 0 0,1 0 7,1 4 0,0-3 24,4-1 1,-4 1-71,4-1 1,0 0 59,3 0 1,4 1 4,2-1 1,-1-4-18,2-2 0,-1 1 30,3 0 1,3-1 44,1-3 1,-1 0-138,-3 0 1,0-1 95,1-2 1,2 2 52,0-3 0,1 0-78,-4 1 1,-3 0 17,0 3 0,-1 0-29,1 0 0,-1 0-48,-6 0 0,1 3-249,0 0 0,3 8-8,0-2 1,1 6-703,0 1 1094,-8 6 0,9 3 0,-8 6 0,-2 3 0,-2 2 0</inkml:trace>
+  <inkml:trace contextRef="#ctx0" brushRef="#br0" timeOffset="19">857 5521 8374,'-1'-6'550,"-3"0"3,3 4-579,-7-2-1,7 4 0,1 1-8,6 2 0,4 2 78,2 4 0,3 1-118,3-1 1,5 0 104,2 1 1,2-2-309,1-2 292,4 2 0,-2-4 0,4 4-22,1-2 0,1-3-40,1 3 1,-3-3 134,-3 4 0,-2-4 3,-2 3 1,0-3 5,-2 3 1,1-4 146,-4 1 0,1-1-106,-2 2 0,3-3 147,4 2 0,-2-2-117,2-1-70,-6 0 0,12-1 0,-5-2-34,3-4 1,-2 2 15,1-1 0,-2 0-92,-1-4 1,3 2 166,0 2-130,4 2 0,-6 1 0,2 0 79,-2 1 1,2 1-30,0 1 0,0 3-29,-3 0 0,1 4 74,2-1-149,-2 2 0,6-1 1,-4-1-114,-1 1 0,2 1-77,-1 2 1,0-1-73,-3 0 1,3 0-324,0-3 1,1 1 70,-1-4 544,2 4 0,5-6 0,-1 4 0</inkml:trace>
+  <inkml:trace contextRef="#ctx0" brushRef="#br0" timeOffset="20">6266 15838 7770,'-4'-5'-996,"3"0"1208,-7 1 86,7 3 0,1-3-35,6 4 0,2 1-152,2 2 0,3-1-74,2 5 1,0-4 10,0 3 0,4-3-22,3 3 0,1-4 19,-2 1 1,3-2 5,4-1 1,0 0-116,0 0 1,3-4 59,0-2 1,0-5-9,-3-2 1,3 1 19,0 3 1,-3-1 3,-3 1 1,-5 1 59,2 1 1,1 3 6,-1 4 0,-4 1-38,-2 2 0,-1 3 11,4 3 1,-1 4 142,-3 3 0,3-2-80,-3 2 0,0-2 87,0 2 1,1 0-170,2-3 0,2-2 0,2-5 0,-3 2 19,3-5 1,2 0-123,1-3 1,-2-5 92,2-5 1,0 0-11,3-5 1,0-1-113,0-3 1,-3 1 107,0-1 0,-5 2-63,2 1 0,1-2 44,-1 3 0,-1 1-190,-2 2 0,-4-1 44,1 0 1,-2-2 48,2 2 0,-3 0 15,-3 0-34,-1-1 1,-1-2-1,-1 1 48,0-2 1,-5 0 20,1-2 30,-2 0 0,-1-3 0,-1-3-50,-2-2 0,-2-2-34,-5-2 83,-3 2 1,1-9 0,-2 4 15,1 2 1,-3 2-55,4 2 144,-5 4 1,4-2 0,-4 5 2,2 4 1,2-1-105,-2 6 43,-1-1 1,-3 4-1,1 1 51,-1 1 0,1 0 185,-1 4-243,0-4 0,0 6 1,-2-2 6,-1 2 0,2 1 16,4 0-52,-2-4 1,1 3 0,-5-4-79,1 1 1,2 3 67,0-2 1,-2 2-83,-3 1 1,1 0 88,-8 0 0,3 0-5,-6 0 0,2 1 4,-6 2 1,4 1 4,-3 3 1,1 1 34,5-2 0,-1 5 117,1 2 1,2 2-112,-2-2 1,2 3-7,1 0 1,0 1 36,0 2 1,3-1 12,0-3 1,6 3 6,0-3 1,0 3-62,4 0 1,0-2-2,0 0 1,4-1-48,-2 4 1,4-2-118,3-1 0,1-3-19,5-3-1,1 0 169,3 2 0,1 3 0,4 3 0</inkml:trace>
+  <inkml:trace contextRef="#ctx0" brushRef="#br1" timeOffset="21">6853 12849 10169,'-5'0'-253,"-4"0"803,8 0 1,-3 4-320,4 2 1,0 8-26,0 4 1,0 2-207,0 5 1,0 1 0,0 4-200,0 1 128,0 0 1,0-4-5,0-2 0,0-3-255,0-3 0,0 1 0,0-1-808,0 0 1118,-4 2 0,-1-7 1,-4 5-1</inkml:trace>
+  <inkml:trace contextRef="#ctx0" brushRef="#br1" timeOffset="22">6843 13482 9910,'0'9'503,"-4"1"-225,-2-1 0,2 1-67,1 3 0,-1-2-162,1 5 1,0-1-135,3 4 1,0 3-360,0-1 0,0 4-28,0-3 0,0 0 283,0-4 0,0 1 1,1-2-444,2-1 398,-2 2 0,6-8 180,-4 2 1,4-1 0,-2-2 0</inkml:trace>
+  <inkml:trace contextRef="#ctx0" brushRef="#br1" timeOffset="23">6862 13892 9078,'0'14'-6,"-3"0"-140,0-5 0,-3 3 0,3 2 285,1 0-59,-4-2 1,4 4 50,-4-3 0,3 3 1,-2 0 4,1 1 0,-3-1-266,4-1 0,0 1-31,3 3-380,0-5 1,0-1 298,0-3 1,0 2 0,0 1-341,0-2 1,1 2 581,2 0 0,3-1 0,3-2 0</inkml:trace>
+  <inkml:trace contextRef="#ctx0" brushRef="#br0" timeOffset="24">6853 14274 8558,'-1'6'48,"-2"0"352,-3 0-224,1 3 1,-2 1 0,4-1-62,1 0 0,0 1-115,-1-1 0,2 9 0,-3 1 0</inkml:trace>
+  <inkml:trace contextRef="#ctx0" brushRef="#br0" timeOffset="25">6378 15819 8250,'0'-9'-1081,"-3"-2"1073,0-1 0,0 5 0,3-2 574,0 0-476,0 5 0,1-1 64,2 2 1,-1 2 103,4-2-156,-4 2 1,6 1 0,0 1 65,3 2 0,0-2 39,5 2-97,-1 2 1,8-4 0,2 3 90,2 0 0,4-3 10,0 3-173,4 1 0,1-3 0,5 3-49,-2-1 0,-1-1-228,0-3 317,-1 0 1,-1 0-112,-2 0 0,-3 0 0,-7 0 40,-5 0 1,-2 0-15,-4 0-248,-5 0 263,-4 0 0,-11 0 76,-3 0 1,-6 0-141,-3 0 1,-5 4-7,-7 3 0,-2 1 6,-4 1 0,-1 0-307,-3 1 326,-1-1 0,-1-3 0,-1-1-68,0 0 0,-1-2-134,2-3 1,5-4 151,7-3 1,4 1 232,2-3 1,6 5 41,7-6 0,5 3 49,4-2 1,3 0-99,3-1 1,7 1-14,5 0 0,7-1 7,3 1 0,6-3 17,3-1 1,3 1-5,4 2 1,2 1-184,7 0 1,1 1 54,-23 4 1,0 1-1,0 1 1,0 0-678,0 2 0,0 0 592,0 0 1,0 0 0,0 0 0,0 0 0,-1 0 0,0 0 5,22 0 1,-4 3-64,-11 0 1,-3 0 136,-6-3 1,-7 4-23,-5-1 120,-7 0 300,-2-3-309,-12 0 1,1 1 597,-9 2 0,-1-1-916,-4 4 1,-6-3 120,-4 4 0,-5-1-174,-2 3 1,-3-3-109,-6 0 1,-3-2 255,24-1 1,-1 0-1,0-2 1,-1 0-90,0 1 1,0-1-1,0-1 1,0 0 119,0-1 0,1-1 0,-1 0 0,2-1 203,-24-7 0,6 4 73,9 0 0,9 1 372,7-1-348,4 1-36,10 5 0,6 0 1,9 0 289,4 0 0,5 0-301,2 0 0,7 0 86,7 0 1,5-3 96,3 0-252,7 0 0,-1 0 1,-23 1-1,0 1-46,1 0 0,0 0 1,1-1-1,0 0-237,1 0 0,1 1 1,1-3-1,1 1 200,1 2 1,-1-1 0,-2-1 0,-1 0-29,21 0 49,-7-4 1,-3 6 0,-10-2-76,-9 2-162,-5 1 216,-11 0 0,-5 1 1,-7 2 63,-4 3 1,-5-1-70,-6 1-250,-6 5 0,-4 0 0,-4 3 27,-1 0 1,-3-2-209,-6-2 342,-1-1 0,-1-1 0,0-2-130,3-2 0,5-4 346,3-4 11,8-1 0,8-4 245,9 0 0,6 0-131,12 3-85,4-2 0,10 6 0,2-3 102,3 1 0,6 0-58,3 4 1,2 0-20,1 0 1,1-3-966,3 0 707,-3 0 0,5 3 0,-3 0-439,3 0 1,-2-3 60,-4 0 1,-1 0-278,-5 3 0,-4 1 715,-5 2 0,-3 4 0,0 5 0,0-1 0,-1 1 0</inkml:trace>
+  <inkml:trace contextRef="#ctx0" brushRef="#br0" timeOffset="26">6732 11229 8004,'-10'-9'281,"5"-1"-361,1 5 0,4 2 256,0 6 0,1 4 108,2 9 1,-1 1-139,5 11 1,2 2 14,3 8 1,4 4-1850,-4 5 1669,-4-22 1,1 0 0,-2 2 0,0-1 37,2 1 0,1-1 1,8 22-1,-8-23 1,-1 0-194,10 23 0,-2-11-45,-1-6 0,-3-7 219,-3-9 38,-5-5 85,-1-6 1,-8-5 229,-2-2 0,-6-3 526,0-3 0,-2-1-824,2-3 1,1 2 81,-5-5 1,4 4-28,-4-3 0,5 3-12,-2 0 0,6 1 24,1 2 1,4 3 65,-1 0-111,2 4 1,2-3 151,2 5 0,-1 1-73,4 3 1,3 1-40,4 4 1,-1 0 12,-3 1-41,1-1 0,-1 0 0,0 1 29,1-1 1,-4-3-138,0 0 1,-1-3-449,2 4 77,1-5 0,-3 1-395,4-6 0,1-2 785,-1-5 0,4-7 0,2-3 0</inkml:trace>
+  <inkml:trace contextRef="#ctx0" brushRef="#br0" timeOffset="27">5829 11061 8134,'-10'0'207,"1"0"411,0 0-438,3 0 0,-1 2-105,4 5 1,0 3 0,4 10 97,2 1 0,2 8-123,5 9 0,3 7-251,-5-19 1,0 1 0,-1 2-1,0 0 255,1 0 0,0 1 0,-1 1 0,1 1-93,2-1 0,-1 0 0,-2-1 0,0 0-12,0 0 0,-1-1 1,6 22-193,-3-8 0,2-6 229,-8-9 0,3-5-48,-3-4 43,0-5 1,-4-6-48,-2-1 0,-2-3-66,-4-4 0,-1-2 549,1-5 0,-4-3-511,-3-9 82,3-3 0,-5-1 0,4-3 139,-1 1 1,2 4-49,3 0 0,4 5 444,0 4-385,4 1 1,-1 6 110,6 2 1,2 9 46,4 4 1,2 6-36,1 3 1,3 1 14,3 4 1,1 1-3,-1 3-185,1-4 0,0-4 0,-1-7 68,1-3 1,1-2-167,1-8 0,-4-2 53,1-5 0,-4-3-239,1-9-228,-3-3 1,2-2 0,-2-4-937,0 0 1359,0 0 0,2-4 0,0-1 0</inkml:trace>
+  <inkml:trace contextRef="#ctx0" brushRef="#br0" timeOffset="28">12802 10977 8350,'-6'-6'-188,"0"0"1,4 5 0,-1 2 283,2 7 1,1 10 225,0 7 1,5 7 665,4 5-881,1 13 0,-2-21 0,1 1 0,-1 5 0,0 1-409,0 3 1,1 0 0,1 2-1,-1 1 320,0 1 0,1-2 0,-2 0 0,1-2-66,-1-4 0,0-2 1,-1-1-1,0-1 119,-1-4 1,1-1-11,3 21 0,2-15 0,-4-11 33,-2-6-21,-4-9 16,2-2 0,-5-5-70,-2-2-85,-7-2 1,-1-8-1,-4-3 631,-2-2 0,-4-3-598,0-1 1,-2-3 47,1 3 1,2-1-11,-1 4 83,1-2 1,7 11 0,2-1 353,4 3-186,5 4 0,-2 5-147,4 2 0,4 7 279,2 5-292,7 7 1,-2 2-1,5 4 98,0 0 0,2-2-130,0-1 0,1-2-24,0-4 0,-1-5-23,1-1 12,-1-7 0,1-2 1,0-5-178,-1-2 0,-2-7-89,-1-5 1,1-6-426,2 0 1,1-5 294,0 1 129,-1-6 1,1-2 0,0-5 0</inkml:trace>
+  <inkml:trace contextRef="#ctx0" brushRef="#br0" timeOffset="29">5987 11331 8081,'-6'3'-387,"-1"1"0,4 0 1,-2-1 717,1 3 0,-2-1-161,3 1 1,-3 1 28,2 2 0,0 1-98,1 3 1,2-3 21,-2 2 1,1-4 5,-1-2 0,2-3 71,-2 3-213,2-4 1,1 1 0,1-6 63,2-3 1,2-7-151,4-6 0,1-5 168,-1-7 1,0-1 19,1-2-16,3-2 0,-2-1 0,4-2 237,-2 3 0,0 0-58,-4 5 1,0 4-99,1 5 0,-1 7 119,0 2-198,1 7 1,-2 3 0,0 7-112,1 5 0,-1 2 55,4 4 1,-2 4-206,0 2 1,2 4-272,1-3 342,3 0 0,-5-5 0,2 0-45,0-2 1,-1 0 147,3 0 1,-2-5-6,2-7 0,-3-2 24,0-1 1,1-2 172,0-4 0,0-3-158,0-9 1,-3 0 128,3-7 0,-1-3-63,-3-3 1,3 0-34,-6 3-3,2 0 1,-3 4-1,-1 0 6,1 1 0,-4 1-26,2 4 1,-2 3-39,-1 3-44,0 6 46,0 1 0,1 5-25,2 0 1,-1 5-5,4 1 1,-3 3 38,3 4 0,-2-2-235,2 4 206,0-3 0,3 5 0,1-2-37,-1-1 1,0 3 54,1-5 0,-1 4 0,0-4 1,4 1-34,-1-4 96,5 0 1,-4 1 0,4-1 123,-2 0 0,0 1-107,0-1 1,3-2 107,-3 2 0,2-1-112,-2 4 105,3 3 0,-8-1 0,4 6-66,-1 1 0,-4-1-54,1 2 1,-1 1-187,-3-2 1,-2 5-328,-1-1 1,-2 2 157,-1 1 299,0-4 0,-4 7 0,-1-2 0</inkml:trace>
+  <inkml:trace contextRef="#ctx0" brushRef="#br0" timeOffset="30">6546 13771 7965,'-10'-15'-133,"1"3"-148,0 2 0,0 0 1100,3 1 149,2 4-620,4 1 0,1 5-100,2 2 1,2 3 1,5 6 1,2 3 133,0 3-304,9 5 1,-4 4 0,7 5 3,2 1 1,-2 5 27,1 2 0,-11-17 1,0 1-460,1 0 0,1-1 0,-1 1 0,0 1 98,10 21 38,-2 1 1,-5-5 0,0-3 119,-3-3 0,-5-9 297,-7-9 1,-2-3-171,-1-6 1,-4-4 182,-3-2 1,-4-2-156,-1-1 1,-5-4 6,2-2 1,-3-3-26,-1-4 0,1-1 400,-1-5 0,0 0-426,1 1 57,-1-5 0,5 4 0,1 0 529,3 2-497,5 6-48,1-3 1,9 13 85,4 4 76,5 9 1,4 5 0,1 6-33,-1 1 1,4 1-121,0 3 1,3-3-156,-4-1 0,4-7 81,-3-1 0,0-6-111,-4-4 1,-2-2 120,-1-4 1,-3-8-21,0-4 1,-5-9-181,0-4 0,-5-3-220,1-3 1,-2-1 412,-1-2 0,0-2 0,0 2 0</inkml:trace>
+  <inkml:trace contextRef="#ctx0" brushRef="#br0" timeOffset="31">7868 3743 8105,'-15'-3'134,"3"0"1,1-3 730,2 2-509,4 1-310,1 3 0,4 2 1,0 5 55,0 5 0,5 6 30,4 3 1,1 7 52,2 6 1,2 7 98,2 2-424,2 3 0,1 0 1,2 1 175,1-1 0,0-2-318,0-1 189,-2-8 0,-2 1 0,-5-12 62,-3-2 100,0-6 128,-5-3 1,-5-8 220,-7-2 0,-5-2-190,-3-1 0,0-1 147,0-2-272,-5-2 0,0-7 1,-1-2 272,1 0 0,1 1-272,1-2 0,2 2 208,1-2-265,3-1 0,2 5-241,4 2 162,4 2 1,-2 1 190,8 3 1,5 7 145,6 6 1,3 3-55,1 6-188,3-1 1,-1 4 0,3 0-43,-1-1 1,-1-3 134,0-2 0,-2 0-232,1-3 1,-1-5 93,-1-5 0,-4-6 107,1-3 0,-5-8-146,2-4 0,-3-8-165,-1-5 1,0-4 34,-3 0 0,1 0-114,-4 1 1,0 2-258,-3 4 0,0 4 522,0 3 0,4-3 0,1 0 0</inkml:trace>
+  <inkml:trace contextRef="#ctx0" brushRef="#br0" timeOffset="32">7337 4134 8008,'-24'19'-235,"-3"-5"0,7 4 1,-5-3 461,-1 3 1,3 0-48,1 1 0,0 0 212,0-1 0,0 1-152,4 0-23,3-5 1,2-1 0,4-3-132,3-1 1,2 0 31,4 1 0,0-1-133,0 0 1,7 1 160,3-1-145,5 4 0,1 1 76,5 1 1,0 3 0,4-3-145,1 3 0,1 1-76,1-1 1,-1-2-351,1-1 223,-4 1 0,0-1 0,-3 0-196,0-2 0,0 0-15,-5-4 1,-3-1-91,-4-1 571,1 1 0,-5-3 0,-1 4 0</inkml:trace>
+  <inkml:trace contextRef="#ctx0" brushRef="#br0" timeOffset="33">7262 4479 7932,'-5'0'0,"2"0"218,6 0 1,2 0-106,5 0 1,0 0-106,3 0 1,-2 3-18,4 0 0,0 0-13,0-3 1,3 3 71,-2 0 1,2 3-4,4-3 1,-2 4 5,1-4-67,-1 0 1,2 0-1,-1 0-8,0-1 1,2-1 38,-1-1 0,-1 0 80,-2 0 0,1 0-3,1 0 0,-1 0 143,2 0 0,0 0-114,0 0 0,1-3 155,-1 0 0,0 0-217,3 3 0,-1 0 27,-2 0-77,-3 0 1,10 0-1,-3 0-3,0 0 0,-3 4-35,2 2 0,0-1 28,2 1 1,1 1-176,0 2 1,0-4 172,0-2 1,3 1-18,0 0 0,0-1 49,-3-3 1,0 0 92,0 0 1,3 0-14,0 0 1,1-3-81,-1-1 0,-2 0 160,2 1 1,1 2-100,-1-2 0,0 1-34,-3-1 1,1 2 34,2-2 1,-2 2-10,2 1 1,-2 0-101,-1 0 0,3 0-161,0 0 0,3 0 112,-3 0 0,1 0 64,-5 0 0,4 0 35,1 0 0,2 3-39,-3 0 0,0 0 4,-3-3 0,3 0 14,0 0 0,3 0 0,-3 0 1,0 0 58,-3 0 0,1 0 9,2 0 1,-2 0 50,2 0 1,-2 0-99,-1 0 0,0-3 116,0 0 1,0 0-118,0 3 1,-1 0 7,1 0 0,0 0-18,0 0 1,3 0-19,0 0 0,0 0 23,-3 0 1,1 0-6,2 0 1,-1-3-44,4-1 1,-3-2 38,4 3 1,-3-1-89,5 1 1,-6 1 60,3-4 0,0 3-3,0-4 1,-1 5 15,2-1 0,-4 2-7,3 1 0,-3 0 6,3 0 1,-3 0 2,3 0 0,-4 1-6,1 2 1,-1-1 3,1 5 0,-2-4 39,2 3 1,-1-3-1,1 3 0,-2-4 5,2 1 0,1-1-51,-1 2 0,4-3 0,-4 2 1,0-2-5,-3-1 1,3-1-3,0-2 0,0 2 37,-3-3 0,0 3-19,-1 1 0,1-1-8,0-2 0,-1 2 27,-2-2 1,1 2 1,-4 1 0,3 3 12,0 0 0,-2 1 10,-1 0 1,1-3-46,-2 2 1,2 1 1,-1-1 1,-3 0-112,3-3 0,1 3 37,-1 0 64,3 0 1,-2-3 0,2 0 37,-3 0 1,-1 0-2,0 0 1,0 0 14,4 0 0,-5 0 11,2 0 1,-1 0-8,1 0 0,-2-1 15,5-2 0,-3 1-2,3-4 1,-4 3-11,4-3 1,0 2 69,3-2 1,-1 3-55,-2-3 0,2 4 10,-3-1 1,3-1-62,1 1 1,0-2 0,0 2 0,-3 2 29,0-2 0,0 2-16,3 1 0,-4 0-120,1 0 0,-3 0 116,3 0 1,-5 0-100,2 0 0,-1 0 38,1 0 0,-3 0-6,3 0 0,-2 0 34,-2 0 1,0 0 49,-3 0 1,3 0 36,-3 0 0,2 0-54,-1 0 0,0-1-197,-4-2 0,4 2 115,-4-2 1,4 2-435,-4 1 0,0-1-485,-6-2 290,2 2 1,-4-5 119,3 3 0,-3 1-210,-4-4 0,0 3 190,0-3 0,-1-4 577,-2-2 0,-3 0 0,-3 2 0</inkml:trace>
+  <inkml:trace contextRef="#ctx0" brushRef="#br0" timeOffset="34">12765 4283 8079,'-12'-8'0,"-1"2"0,1 0 0,3 3 525,-1 2 168,1-3 0,4 5-220,2 2 0,2-1-10,1 4 0,4 2-239,2 4 1,2 0 107,2 3-287,3-4 0,1 6 0,2-4-27,0 2 1,0-3-362,6 4 1,-2-5 61,1 2 0,-1-3-64,-1-1 1,-1 0 283,1-3 1,-4 1 165,1-4 0,-8 0-13,1-3 435,-6 0 300,2 0 0,-17 0 0,-3 1-611,-4 2 0,-5 4-351,-1 5 0,-2 3-522,-4 7 1,1 2-735,-5 4 374,5 4 0,-4 0 0,6 2 1017,5-3 0,-1-1 0,4-1 0,6-1 0,4-2 0</inkml:trace>
+  <inkml:trace contextRef="#ctx0" brushRef="#br0" timeOffset="35">12970 4143 8040,'-9'-5'-136,"-1"2"1686,5-2-966,-3 4 1,7 2-42,-2 8 1,3 6-193,3 6 0,-1 11-92,4 9 0,-3 10-187,0-22 1,0 0-1,-1 4 1,-1 0-277,0 4 0,1 0 0,-2 0 0,1 0-1039,-2-1 1,2-1 1009,1-2 0,0-1 0,-2-2 0,1 0 0,1-2 0,0 0 0</inkml:trace>
+  <inkml:trace contextRef="#ctx0" brushRef="#br0" timeOffset="36">8119 5624 8137,'-6'0'493,"0"0"301,4 0-510,-3 0 1,5 1-93,0 2 1,0 5-175,0 5 103,0 3 1,4-1 0,-1 4-38,-1 3 0,0 2-49,1 4 1,-2-3-253,2-1 0,-2 1-892,-1 3 839,0 0 0,0-3 0,0-1-547,0-2 1,0 3-1,0-3 817,0 4 0,-4-2 0,-1 4 0</inkml:trace>
+  <inkml:trace contextRef="#ctx0" brushRef="#br0" timeOffset="37">8147 6695 8137,'-5'14'-28,"-2"4"1,3-3-1,2 3 0,0-3 135,-1 1 0,2-1-100,-2 4 1,2-1-251,1 1 1,0 0 115,0-1 0,0 1-241,0 0 1,0-1 116,0 1 0,-1-4 251,-2 1 0,-2-1 0,-5 4 0</inkml:trace>
+  <inkml:trace contextRef="#ctx0" brushRef="#br0" timeOffset="38">8119 7523 8137,'0'15'-126,"1"2"1,1-1-297,1 1 0,0 2 322,-3 0 0,0-1-133,0 1 233,0-1 0,0 5 0,0 1 0</inkml:trace>
+  <inkml:trace contextRef="#ctx0" brushRef="#br0" timeOffset="39">8147 8464 8122,'3'17'-204,"0"-1"0,0 1-173,-3-1 0,3 0 226,1 0 1,2 1-106,-3-1 256,0-3 0,1 9 0,1-2 0</inkml:trace>
+  <inkml:trace contextRef="#ctx0" brushRef="#br0" timeOffset="40">8194 9311 8068,'-7'15'107,"1"1"1,3-1 203,-3 4 1,4 0-416,-1-1 1,2 1-5,1 0 78,0-1 1,0 1 0,0-1-12,0 1 1,0 0-240,0-1 0,0-1 72,0 1 1,0-2-200,0 3 1,0-1 135,0-2 1,0 2 270,0 4 0,0-2 0,0 2 0</inkml:trace>
+  <inkml:trace contextRef="#ctx0" brushRef="#br0" timeOffset="41">8184 10121 8068,'-4'24'-313,"3"-1"-39,-2-1 0,-1-1 429,1 4 1,0-5 456,3 2 1,0-1-292,0 1 0,0-3-139,0 3 1,0-2-282,0-2 1,0 2 104,0 2 1,0-4-261,0 1 1,0-1 83,0-2 1,0-2-52,0 2 0,0 0 299,0 2 0,-5 1 0,0-1 0</inkml:trace>
+  <inkml:trace contextRef="#ctx0" brushRef="#br0" timeOffset="42">8166 11126 8068,'-1'29'-290,"-3"2"1,2 2 147,-4 1 1,4-2 226,-1-4 1,-1 3-59,1 0 0,-3 3-126,2-3 1,0 0 35,1-3 0,2 0-178,-2 0 1,-1 0 100,1 0 0,0-4-97,3 1 1,-3-4 236,0 1 0,-1 0 0,4 0 0,0 0 0,0-3 0,0-4 0,0 1 0,0-1 0,0 4 0,0-4 61,0 1 0,1-1 149,3 4 1,-3 0-60,2-1 0,1 1 105,-1-1 0,1 1 4,-1 0 1,-1 2-147,4 1 1,-3 0-51,0-4 0,1 2 86,-1 2 0,1-3-97,-1 3 1,-2-2-299,2-2 1,-2 0-127,-1-2 1,0 4 72,0-1 0,0 2 298,0-3 0,-4 1 0,-1-1 0</inkml:trace>
+  <inkml:trace contextRef="#ctx0" brushRef="#br0" timeOffset="43">8119 12607 8068,'0'10'-66,"0"2"29,0 0 1,0 5 5,0-2 1,3 0 114,0 0 1,0 1-26,-3 2 0,1 4-50,3 0 0,-3 4-184,2-2 1,-2 0 80,-1 1 1,1 1-185,2 5 1,-2-2 162,2 2 0,-2-2-132,-1-1 1,0 1 61,0 2 0,0-2 185,0 2 0,0-5 0,0-1 0,0-4 0,0 4 0,0-4 0,0 0 0,0-4 0,0-1 0,0-1 0,0 4 0,0-5 0,0-1 0,0 0 0,0-1 0,0 2 34,0-2 0,0 0 43,0 3 1,0-2 152,0 2 1,0 1-3,0 2 1,0 1 29,0 0 1,0-1-82,0 1 0,0 0 23,0 3 1,0-5-97,0 1 1,3-2 8,0-1 0,0 3-40,-3-3 0,0 0 49,0 0 1,0-3-113,0 0 1,3 3 71,1 0 0,-1-1-9,-3-2 1,0 2 50,0-2 0,0 5-11,0-2 1,0 2 24,0-2 1,0 2 25,0-5 1,0 5-47,0-2 1,0 0 57,0 0-231,0-3 1,0 5-1,0-1-329,0 1 1,-3-1-34,-1-1 0,1-2-17,3 2 1,0 0-710,0 0 1143,-4-1 0,3-1 0,-3 2 0</inkml:trace>
+  <inkml:trace contextRef="#ctx0" brushRef="#br0" timeOffset="44">8436 15735 7970,'-23'10'-658,"-2"-1"460,-6 0 1,1 1 835,-4-1 1,0 0-440,-4 1 1,-4-2 216,-4-2 0,-1-2-436,-3-4 1,3-1 298,0-2 1,0-6-122,-3-7 1,2-5-142,23 11 1,1-1 0,-20-15 16,4 1 0,9-2 134,3-1 0,10 0-58,3 0 0,8-1-126,3-2 0,3-2-5,1-4 0,8 3 26,1 0 1,6 1-98,1-2 1,3 2 120,2 2 0,3 5-274,4-1 0,4 4 164,2-2 1,4 4 36,2 0 0,-2 2-238,2 3 1,2 0 23,-2 3 1,2 0 30,-2 1 1,-2 4 70,3-1 0,-3 6-33,-1 0 1,0 3 77,1 3 1,-5 3 111,-2 7 1,-3 1 167,-4 5 0,2 2-154,-4 1 0,2 3 77,-6-3 0,2 2 189,-7-2 1,2 4-265,-2-1 1,-2-1 99,-5 1 0,1-1 106,-4 4 1,4 0 17,-4 0 0,0 1 181,-3 2 1,0-1 142,0 4 0,-4-1-244,-2 2 0,-3-2-137,0-2 0,-6-2-8,-3 2 0,-2-2-209,-5-1 1,0-6-300,-2-3 0,-1-1-670,0-6 1,-3-1 1001,0-4 0,-1-3 0,1-4 0,-2 0 0,3 0 0,4 0 0</inkml:trace>
+  <inkml:trace contextRef="#ctx0" brushRef="#br0" timeOffset="45">8100 14311 8194,'-8'18'11,"2"2"200,3 2 0,-1 2 114,1 4 0,0 4-24,3 2 0,0 3-205,0 3 0,3 4 169,0 5 0,3-5-15,-3-1 0,1-4-106,-1-5 1,-1-6-97,5-7 205,-5-5-473,2-7 1,-1-10 64,0-8 0,0-6 0,-3-6-87,0-4 1,0-6 67,0-3 0,0-3 56,0 0 269,0 0 1,0 0 0,0 1-88,0 1 1,-3 0 199,0 4 1,0 3-33,3 3 0,0 9-149,0 0 24,0 9 1,0 4 0,1 8 107,2 8 1,-1 5 110,4 10 1,-4 5-246,1 4 1,-2 2-224,-1 4 227,0 1 1,0-1-1,0 1 63,0 0 0,-4-4 45,-2-2 0,1-6 60,-1-7-233,-1-3 1,-1-12-81,2-7 1,-1-12-209,4-9 1,-4-6 47,4-7 1,0-3-121,3-7 0,-3-1-37,0-4 0,-3 0 222,3 3 0,0 5 455,3 7 1,0 7-198,0 6 1,4 4 33,2 8 1,2 8-22,2 11 0,-1 9 156,0 13 1,4 8-362,-1 4 0,-7-21 0,-1 0-338,0 1 1,-2-1-1,1 1 1,0 1 426,0 0 0,0 0 0,1-2 0,-1 1 0,-1-1 0,-1 0 0,0 1 0,0 0 0,0 1 0,-1-1 0</inkml:trace>
+  <inkml:trace contextRef="#ctx0" brushRef="#br0" timeOffset="46">6974 14450 8031,'-19'9'-60,"1"-3"1,0 4-128,2-4 312,3 5-523,8-10 264,-3 3-75,7-4 21,-4 0 124,5-4 1,0 2 60,0-4 1,0 2-16,0-2 1,-1 1 51,-2-1 1,2-2 60,-2 1-38,-2 3 0,3-3 1,-3 3 49,1-1 0,-1 3 36,2-1 0,1 0 201,-4 0 403,4 2-59,-6-3-247,7 8 1,-7 2-122,5 3 0,0 3-72,3 1 1,0 3-88,0 0 0,3 5-127,0 4 0,5 3 26,-2 3 0,2-1 61,1 4 0,4-1-290,-1 2 1,1-3-28,-4-4 1,-3-5-239,0-1 272,-3-6 17,1-7 0,-4-9 114,0-6 0,-1-11-14,-2-5 57,-3-3 0,-2-6 0,1-1 48,1-2 0,0 3 94,0-3 0,-1 4-48,4-1 0,-1 6 327,1 4-41,2 5-145,-4 3 1,5 10-207,0 6 1,2 9 89,1 10 1,-1 5-192,4 1 0,-3 0 93,3 3 1,-3 1-142,4-1 1,-5-3 3,1-4 1,1-1-4,-1-1 0,0-4 49,-3-9 0,1-1-124,2-2 1,-2-3 167,2-6 0,-2-7-28,-1-9 1,-1-3 5,-2-6 0,2-3 49,-2 0 0,2 0 97,1 3 1,0 2 46,0 4 357,0 0-394,0 12 1,0 6-22,0 10 0,3 12-226,0 10 0,4 5 142,0 7 0,1 1-1214,1 3 0,2-3 1199,1-4 0,-4 1 0,5-1 0,-1 0 0</inkml:trace>
+  <inkml:trace contextRef="#ctx0" brushRef="#br0" timeOffset="47">6434 15372 8273,'-13'-9'-211,"1"0"1,1-1 123,0 1 1,2 0 50,0-1 1,-1 1-105,1 0 0,1-1 94,2 1 0,-2 0 851,5-1 69,-4 1 173,6 0-571,-3 4-430,4 1 0,0 5 1,1 3 213,2 5 1,1 4 18,2 6 1,3 4-70,-3 2 1,2 3-195,1 3 1,1-1-176,-1 4 0,3 3 75,1 3 1,-2 2-358,-5-2 1,3-3 245,-3 1 0,-2-2 58,-1-5 0,-2-8 142,-1-8 18,0-3 0,-1-12 210,-2-7 0,-1-6-92,-2-9 1,-6-3 43,3-6-129,-2 2 0,-2-7 1,0 1 97,-2-4 0,0-1-271,-4-3 1,4 4 199,-1-2 0,6 8 31,0 5 378,5 4-172,1 10 1,7 10-204,0 10 1,8 10 135,1 9 1,4 3-134,-4 3 0,3 2-175,-2 5 1,2 0-318,-2 2 1,2-5-333,-2 3 1,2-7 242,-2 0 0,3-2-842,0-1 1303,1-5 0,2 0 0,0-4 0,-1-1 0,1 1 0,-1 0 0</inkml:trace>
+  <inkml:trace contextRef="#ctx0" brushRef="#br0" timeOffset="48">885 7951 8385,'-16'-3'0,"0"0"323,5-4 0,-1 7-159,5 0 0,7 5-307,7 8 1,2 1 227,3 5 1,4-3-102,6 3 13,-3-7 0,8 10 0,-2-6-2,2 1 1,2 1-98,2-3 1,-1-1 91,4-5 1,-1-1-91,1-2 117,-2-1 1,-4-5-1,0-1 29,0-3 1,-1 2-43,-2-4 1,-2 0-5,-5-3 0,1-1 86,0 1-69,-1 0 1,-3 3 0,-3 0 137,-2 2 1,0 1-69,-1 3 1,0 0 89,1 0 1,-1 1-90,0 2-11,1 2 0,0 5 0,1-1 49,2 0 0,2 4-22,-2-1 1,3 1-131,0-4 0,1 3 114,2 1 0,0-5-91,-1-5 0,1 1 32,-1-1 0,1 0-17,0-3 0,0-4 29,3-2 0,-2-2 4,1-1 0,3-1 7,1 1 1,-1 3 17,1 0 0,0 0-116,2 0 0,1-2 91,0 2 1,0 2-106,0 0 0,-2-1 33,2-1 1,-3 2-123,3 1 1,0-2 87,-3-2 1,-1 0-142,4 1 0,-6-2-32,3 1 1,-1 0-255,-3 1 0,5-1-988,-1 4 1476,2-5 0,5 3 0,1-4 0</inkml:trace>
+  <inkml:trace contextRef="#ctx0" brushRef="#br0" timeOffset="49">9618 6033 6248,'0'-5'733,"0"1"-835,0 4-299,-4 0 148,3 0 76,-7 0 147,7 0 0,-5 1-15,3 2-53,2-2 98,-3 3 0,0 1 0,-1 0 0</inkml:trace>
+  <inkml:trace contextRef="#ctx0" brushRef="#br0" timeOffset="50">9572 5978 7518,'-7'0'738,"1"0"-443,4 0-33,-2 4 0,4 1 1,0 5-62,0 3 1,3 1-74,0 5 1,4 4-28,0 1 0,1 7 131,1 4-151,5 1 0,-4 5 0,2 3 63,-1 1 0,-2 2-422,0-1 0,1 0 331,-1-3 0,0 4-117,1-7 0,-5-2-25,-2-10 0,1-4 93,-1-2 1,0-4-190,-3-2 192,0-7-42,0-5 8,0-4 1,-4-4 232,-2-2 1,-2-2-398,-2-2 0,1-2 158,0 0 1,-1-4-5,1 4 0,-3-4 197,-1 4 0,1-4-75,2 4 1,1-1 32,0 4 0,0-3-25,-1-1 0,2 1 171,2 3 0,-1 2 124,3 1 225,1 4-400,3-2-69,4 12 0,2 3-77,3 7 0,0 2 15,1 2 0,3 1-124,3 5 0,-2 0 82,2 0 0,-4-1-22,3-2 6,-3 2 1,4-8 0,-2 3-3,0-2 1,-2-9-111,0-2 0,-5-5 131,0-1 1,-2-3-64,1-3 0,1-3 86,-4-3 1,0-4-5,-3-3 1,0-1 8,0-2 1,1 0 99,3 1 1,-3-2-85,2-2 0,-1 3 18,1-3 1,1 2-227,2 2 1,2-1 125,-1 0 1,1 5-227,1 1 0,1 3-57,-1 1-359,0 0 0,1 3 0,-1 3-163,0 2 800,0 1 0,1 0 0,-1 0 0</inkml:trace>
+  <inkml:trace contextRef="#ctx0" brushRef="#br0" timeOffset="51">11275 7793 8003,'-9'4'0,"-4"-3"-190,2 8 127,-2-8 0,0 6 0,0-4 897,-1-1-516,-2 3 0,-4-4 0,-1 2 253,-4-2 0,-2-1-334,-1 0 0,-1-1-48,-2-2 0,2-2-7,-2-4 1,-2-2-75,-1-1 1,0-7-366,-4-5 1,7-8 339,-3-6 1,17 16-1,1-2-508,0-4 0,1 0 0,1-3 0,1 0 258,1-5 0,2 0 70,2 3 1,1-1 0,1-2 0,3 0 0,1 5-1,3 1 113,0 1 0,3 2 0,0 1 0,3 0 181,15-20 0,6 6 86,6 3 1,3 5 44,-17 15 1,0 0-233,23-13 1,-17 14 0,2 1-1,-1 2 1,2 1 40,-1 0 0,0 2 0,2 2 0,0 1-158,0 0 0,-1 1 1,2 3-1,1 0-52,-3 1 1,0 1-1,-1 2 1,-1 2-212,23 6 1,-3 10 138,-4 9 1,-5 5 5,-20-13 0,-2 0 0,13 24-62,-14-20 0,-2 2 0,-2-1 1,-1 1 187,-2 2 1,-1 0 0,-1 0 0,0 1 128,0 1 0,0-1 1,-2-1-1,-2 0-33,1 0 0,-2 0 1,-4-2-1,-2 0 264,-7 24 1,4-25 0,-2 1-170,0 0 1,-1 1 0,-1-3 0,0-1 163,-16 21 0,-3-5 108,0 1-668,13-18 1,1-1-1,-15 10 1,-3-2-85,4-8 1,2-2-533,2-10 834,-1 3 0,2-8 0,0 0 0,0-7 0,1-6 0</inkml:trace>
+  <inkml:trace contextRef="#ctx0" brushRef="#br0" timeOffset="52">9739 14264 8201,'-6'0'-189,"1"-1"-613,1-2 1075,-4 2 0,6-3 231,-4 4-193,4-4-153,-2 3 0,4 1-44,0 6 1,0 6 93,0 4 1,0 6 155,0 2-266,0 3 1,0 10-1,0 3 20,0 4 1,0-17 0,0 0-130,0 1 1,0 0 0,0 1 0,0 1-150,0 0 0,0-1 1,3 23 95,0-3 92,4-5 1,-5-12-1,5-4-436,0-5 213,-3-12 150,0-3 1,-4-15 165,0-2-123,0-7 0,0-2 0,0-8 152,0-4 1,0-1-154,0-7 1,0 2 3,0-7 0,-1-1-1404,-2-2 1407,2-1 1,-7-2-1,3 0 75,-1 3 0,-1 1 90,4 5 0,-3 3 134,3 6 1,0 7 37,3 6-137,0 7 1,0 8-60,0 6 1,0 7-65,0 5 1,0 4 680,0 3 1,0 3-711,0 6 0,0 2-11,0 4 1,0 0-172,0 0 0,0 4 58,0-1 1,0 4-128,0-4 0,0 4 104,0 0 96,0-3 1,0 0 0,0-8-19,0-5 0,0-9-10,0-6 20,0-3 1,0-7 0,0-6 6,0-2 0,0-14 0,0 2 67,0-4 1,0-9-135,0-1 0,0-5-69,0-5 0,0-1-1297,0-5 1319,0 1 1,-4-5-1,3 25 1,-1-1 73,1 0 0,0 0 1,1-1-1,-1 1-34,1-26 1,0 7 124,0 9 1,3 6 368,0 9-198,5 5 0,-6 13 0,3 5 131,-1 7 1,2 11-110,-3 9 0,1 4-165,-4 5 1,3 4 18,0 3-20,0 1 1,-3 3-1,0 0-161,0 2 0,0 0 507,0-4 1,-3 0-484,0-3 0,-2 0-93,2-9-40,2-4 256,-3-12-99,4-7 1,0-7-3,0-10 1,0-8 10,0-4-368,0-1 1,0-8 0,0 2-216,0-2 0,0-2 102,0-2 0,3 3 507,0 1 0,1-6 0,-4 4 0</inkml:trace>
+  <inkml:trace contextRef="#ctx0" brushRef="#br0" timeOffset="53">9655 14171 7403,'0'10'214,"0"3"1,0 2-1,1 8 428,2 5-587,-1 4 0,2 7 0,-4 4 33,0 3 1,0 6-2681,0-2 2676,0-5 0,0 0 1,0-6 108,0-3 1,0-4 265,0-7 0,0-6-512,0-7 0,1-2 653,2-4-711,-2-2 1,3-5 0,-4-2-486,0-3 0,0-4 145,0-2 815,0-3 1,0-7 0,0-2-1</inkml:trace>
+  <inkml:trace contextRef="#ctx0" brushRef="#br0" timeOffset="54">8259 14367 8229,'-6'0'-124,"-1"0"228,5-4 1,-2 1 340,4-3-238,0 4 1,0-3 30,0 2 1,5 2-66,5-2 0,0 1-159,5-1 1,1 2 84,3-3 0,2 2 109,1-1 0,4 2-171,-1-2 1,3 2 24,3 1 1,5 0 112,4 0-110,1 0 1,-4 4-1,0 1 56,0 1 0,4 1-28,-1-4 0,-3 3 0,-3-3 0,-3 0 80,4-3-99,-1 0 1,-2 0-1,-3 0 88,-3 0 1,-3 0-53,2 0 1,-2-3-13,-4 0 1,-1 0 63,1 3-173,-5 0 1,4 0 0,-4 0 149,1 0-78,-2-4-225,-3 3 148,-1-3-149,-4 4 192,-1 0 27,-4 0 1,-4-3-74,-2 0 1,-2-2 9,-2 2 1,-2 1 4,0-4 0,-5 0 3,1-4 1,-2 1-104,-4 0 1,2-4 109,-1 1 0,2-5 98,4 2-73,-3 1 0,7-2 0,-3 4 424,4 0-333,-2 2-79,11 0 0,-2 5 48,6 2-22,7 2 1,2 8 0,6 3-3,1 0 1,2 5 7,-2 0 0,2 0-165,1 0 1,1-3 129,-1 4 0,-3-2-11,3 2 1,-2-3 54,-2-3 1,-2 0 138,-1 3 1,-6-6-98,0 2-56,-6-2 1,1 3-108,-4-1 1,-5-3 111,-4 0 0,-2 1-593,-4 2 1,-1 1-271,-2 3 0,-2 1-1625,-2 5 2413,-2 4 0,-3 4 0,-1 7 0</inkml:trace>
+  <inkml:trace contextRef="#ctx0" brushRef="#br0" timeOffset="55">11210 15894 8115,'-37'13'0,"0"-4"880,0 1-560,-1-1 1,1-8 0,1 1 57,2-4 0,-3-3 9,3-4-281,-2-5 0,-1-1 0,0-8 8,-1-5 0,18 11 0,-1-1-1436,-1-5 1,1-1 1339,-1 1 1,2-2 0,1-7 0,1-2-185,2 2 0,1-1 0,2-3 0,3-1 114,1-3 0,3-1 0,3 1 0,4-1 0,4 3 0,5 0 34,2 3 0,3 2 0,3 3 0,3 2 123,2 2 0,1 2 0,2 2 0,3 0-3,1 1 1,2 2 0,0 3 0,1 2-699,1 1 0,0 1 673,3 3 0,1 2 0,1 1 0,0 2 0,3 2 0,-1 1 22,1 0 0,0 1 1,-3 6-1,1 2 32,2 1 1,-1 3-192,-3 2 1,-2 2-1,0 6 1,-1 2 0,-4 1-1,-2 1-251,0 2 1,-2 1 226,-5-1 0,-3 0 0,1 2 1,-3-1-37,-6-2 1,-1-1 0,0 1 0,-2 0 0,4 24 121,-5 0 1,-7-6 164,-7-2 1,-4-7-177,-11-5 393,-6 2 0,-9-4 1,15-14-1,0 1-171,-2-2 0,-1 1 1,-2-1-1,-2 0-116,-1 0 1,-2 0-1,-2-2 1,-1 0-342,-2 1 0,-1-1 1,3-2-1,-1 0-22,-1-1 0,-1 0-105,2 0 1,0-3 0,-1-3-1,0-1 371,2 0 0,-1-1 0,1-1 0,0-2 0,1 1 0,2-1 0,-1 1 0,0 0 0,2 0 0</inkml:trace>
+  <inkml:trace contextRef="#ctx0" brushRef="#br0" timeOffset="56">10987 10410 8286,'-5'0'298,"-4"4"-162,8 1 1,-6 4 0,4 1 423,1 3-498,1-3 0,1 9 0,0-2 50,0 4 0,1 5-197,2-1 1,-2 0-259,2 3 1,-2-4 126,-1 4-455,0 0 0,0-4 671,0 4 0,-4 4 0,-1 1 0</inkml:trace>
+  <inkml:trace contextRef="#ctx0" brushRef="#br0" timeOffset="57">10977 11220 8286,'-4'13'-264,"3"0"300,-2 3 0,-1 2 0,1-3 433,1 3 0,1 0-441,1 1 0,1 0 43,2-1 0,-2 4-305,2 0 68,2 3 1,-4-4 0,2 4-463,-2 1 0,-1 0 273,0-1 1,0 1 354,0-1 0,0 2 0,0 1 0</inkml:trace>
+  <inkml:trace contextRef="#ctx0" brushRef="#br0" timeOffset="58">10977 11937 8225,'0'22'0,"-3"-2"63,0 2 1,-3 0 186,3 0 1,-3 4 34,3-1 0,-1-1-5,0 0 1,3 3-229,-2 1 0,-1 2-118,1-5 1,0-1-269,3 1 0,0 0 13,0 2 1,0-2-263,0 0 1,0-4 582,0 1 0,-4 1 0,-1 1 0</inkml:trace>
+  <inkml:trace contextRef="#ctx0" brushRef="#br0" timeOffset="59">10959 12719 8225,'-1'18'-3,"-2"1"1,2 3 119,-2-1 1,2 1 141,1-3 1,-1 3-70,-3 3 0,3-1-209,-2 1 1,2 0-104,1 3 0,-3 0-255,0 0 1,0-1 99,3 1 1,-3 0-419,0 0 531,-5-4 0,7 5 1,-3-3-164,0 0 0,3-5 327,-2 1 0,2-1 0,1 1 0,1-6 0,2 3 0,-2-3 0,6 2 0,-2-1 0,0 2 0,-2-5 106,3 4 1,-4-2 194,1-1 1,1 3 3,-1-3 58,1 3 0,-1-3 0,0 1 147,-1 0 0,2 3-138,-1 3 0,0 1 92,-3 1 0,0 3-52,0-2 1,3 6-148,0 3 1,0-1-130,-3 2 0,0-4-154,0 3 1,0-3-48,0 3 1,0-8-687,0-1 358,0-5 0,0-5-332,0-3 725,0-6 0,0-6 0,0-5 0</inkml:trace>
+  <inkml:trace contextRef="#ctx0" brushRef="#br0" timeOffset="60">754 10465 8433,'-9'-6'-568,"0"0"489,3 4 0,1-2 0,3 3-199,-1-2 408,0 2 0,3-5 276,0 3-193,0 2 0,4-6-53,2 4 0,3 0 13,0 3 0,1-1-22,3-2 0,1 1-7,5-5 1,2 5-170,1-1 29,0-2 1,1 4 0,0-2-4,1 2 0,2 1 33,-4 0 1,3 1-15,-4 2 0,1-1 52,-3 4-33,-1 1 0,-2 5 1,-1 0-25,2 0 1,-4-2 0,0-1 0,-3 0-61,-1-3 0,4 2 114,-1-2-54,5-1 1,-6-1 0,4-4 42,-2 0 0,4 0-7,-2 0 1,6-1 3,1-2 1,0-3 14,0-3 1,-1-3 20,4-1 1,-2 0-42,2 0 1,1 3 71,-4-2 0,3 1-10,-4 2 1,1 4 0,-3 2 1,-1 2-43,1 1 0,-3 4 5,-1 2 1,0 2-22,0 2 1,3 2 2,-3 0 1,3 1-117,0-4 1,1-1 71,0-1 0,2-3-114,1-4 1,4 0 93,-1 0 0,-1-2-5,0-5 1,1 0 55,3-8 1,3-1-3,0-2 0,-1 3 66,-5 3 0,2 1 193,-2 2 0,2 1 126,1 1 1,-4 3-125,1 4 1,-3 1-40,3 2 0,-1 3-252,0 3 0,3 0-249,-2 1 1,3 0 59,3 2 1,2-1-222,4 1 1,5-2-1259,1 0 1655,7-5 0,-1 2 0,-22-5 0,0-1 0,3 0 0,0 0 0,3 0 0,0-1 0</inkml:trace>
+  <inkml:trace contextRef="#ctx0" brushRef="#br2" timeOffset="61">689 10484 8548,'-19'-9'-448,"2"-1"-57,1 1 1,4 0 1063,6-1 0,2 1 419,4 0-925,0 0 1,5 2-1,4 1 36,5-1 0,5 2 131,3-2 0,2 5-79,4-1 1,1 2-10,2 1 1,2 0-96,4 0 0,8 4-215,5 3 1,-21-5-1,0 1 192,2 0 1,0 0-1,3-2 1,1 0-206,2 1 0,1-1 1,1-2-1,1-1 224,1-1 0,1 0 0,0-2 0,0-2-273,0 2 0,0-2 1,0-1-1,1 0 259,0 0 0,1 0 1,-6 1-1,0 1 16,0-1 0,-1 1 0,-3 2 0,-1 1 10,-2-1 0,0 2 1,-2 1-1,-1 1 69,25 0 0,-5 4 60,2 5 0,-3 0-53,-4 1 0,2-2-45,-1-2 1,-2 1-7,2-3 1,-4-1 128,4-3-284,-5-4 0,5-6 0,-3-5 80,-2-3 1,-4-5-114,-1-1 0,0-8 149,4-2 1,-5 1 67,-2-1 14,-2 4 1,-2-3 0,-2 3 81,-4-1 0,-3 0 332,-6 3 0,0 0-331,-9 0 0,0-3 129,-3 0 1,-5 0-245,-5 3 1,-4-1-64,-8-2 0,-3-2 56,-6-4 1,-2-2-92,15 19 1,-1 0 0,0 1 0,1-1-100,-1-2 0,0 0 67,3 1 0,-1-1 1,0-1-1,0 0 0,-12-20-21,2 3 1,6-1 23,-1 4 0,-2-1 425,-1 7 1,2 1-437,-2 5 43,0 6 0,-4 4 1,-3 4-35,-5 3 0,-1 5 32,-2 0 0,-2 3-154,-2 3 0,-6 2 98,24 0 1,0-1 0,-25 6 1,24-6 0,0 1-1,-23 4-57,-2 1 1,0-2 16,26-5 0,-1 0 0,0 1 1,1 0 73,-24 3 0,23-5 0,1 0-50,-24 1 70,23 0 0,1-1 0,-22 0 0,-3 3-49,1-1 1,1 0 79,-4-4 1,3 3-16,0 0 0,0 0 123,7-3 0,0 0-157,0 0 0,2 0 106,0 0 0,1 0-104,6 0 0,-2 0 2,-2 0 0,-1 0-26,2 0 0,-3 3-139,6 0 1,-2 4 92,-1 0 0,-4 4 35,1 1 1,0 5-22,3-2 1,0 7-34,3 3 464,-2-2 1,11 4 0,0-4-248,5 1 0,4 3-46,1-2 1,2 2-31,-2 1 0,2 1 5,-2 2 85,-1-2 1,2 4 0,1-4-31,3-1 0,2 2 355,1-5 0,3 1-356,4 2 1,1 1 110,2 2 1,6-1-83,3 5 0,5 2 117,-2 3 1,2 7-263,-2-4 1,2 2 136,-5-5 1,4-2-97,-4 3 32,1-3 0,-7-5 1,0-3-170,1-4 0,-2-3-52,2-5 0,-1-6-355,3-3 1,1-6 95,-1 0-1613,0-2 2145,5-1 0,0 0 0,5 0 0</inkml:trace>
+  <inkml:trace contextRef="#ctx0" brushRef="#br2" timeOffset="62">8957 10233 8220,'-5'0'144,"-3"0"457,1 0-541,3 0 1,0-1 50,4-3 0,4 3 81,2-2 1,4-1-24,2 1 0,3-4-170,3 1 1,1-4 103,0-2 1,-1 1-156,1-5 1,-1 5 49,1-2 0,0 4 163,-1 3 0,1-2 5,-1 5 1,0 0-8,-2 3 53,1 4 1,-1 5 0,4 4-50,2 2 0,0 0-60,-4 4 0,4-4-16,0 1 0,3-5-189,-4 2 1,4-7 69,-3-3 1,3-2 130,-3-1 0,2-1-205,-2-2 1,3-2 50,-3-5 1,-1 1 35,-2 0 0,3 2 34,-1 1 1,-2 1 6,-3-1 0,-1 2 58,4 4 1,-1 0 133,1 0 0,-1 0-102,-3 0 1,3 0-44,-3 0 0,3 0-100,0 0 1,-2 3 52,-1 0 0,0 0-89,0-3 0,3 0 55,-2 0 1,0 0-22,0 0 1,1 0 21,-1 0 0,0 0-1,0 0 1,1 0 143,-1 0 0,-2 0-15,2 0 1,-2 0-27,2 0 0,2 0-98,-3 0 0,0 0 5,0 0 0,-3 0 0,4 0 1,-2 0-6,2 0 1,-2-1 90,-1-2 0,-2 2-11,5-2 0,-5 2-306,2 1 0,-2 0-305,1 0 1,-1 0-1054,1 0 1591,-2 0 0,4 0 0,0 0 0</inkml:trace>
+  <inkml:trace contextRef="#ctx0" brushRef="#br2" timeOffset="63">12635 10233 8305,'-9'9'0,"-1"-3"294,1 0 654,0-4-129,-1 7-280,5-8-270,5 7 0,8-7 117,5 2-326,3-2 0,-1-2 0,4-2 152,3-3 0,1-2-195,2-2 1,3-2-165,0-1 1,0 1 89,3 3 0,-2 0 98,-1 3 0,2-1 26,-3 4 0,3 1 176,-5 5 0,1 2-15,-1 4 1,-2 4 114,-5-1 1,1 5-97,0-2 0,-1-1 148,1-2 0,-1-3-172,1-2 1,4 0-3,2-4 1,2 0-127,1-3 1,4-4 6,2-2 0,2-3-146,1 0 0,-3 0-62,0 0 1,1 0-19,2 3 1,0-1 151,0 4-96,1 0 1,-2 3 0,-2 1-74,-3 2 0,1 2 152,-1 4 0,-3 1-113,-3-1 1,-4 1-85,0 3 1,2-3-264,-1 2 1,0-4-210,0-2 1,-1-4-1366,4 1 2023,4-2 0,1-1 0,4 0 0,1 0 0,1 0 0</inkml:trace>
+  <inkml:trace contextRef="#ctx0" brushRef="#br3" timeOffset="64">438 15158 12055,'-19'0'-676,"0"0"0,4-1 0,0-1-643,2-1 1800,1 0 0,5 3 380,1 0-586,4 0 0,-1 0-167,6 0 1,3 0 84,7 0 1,-2 3-201,5 0 4,-1 0 1,7-3 192,0 0 0,8 0 88,1 0 0,1-1-235,2-2 1,3-2-1,4-6 458,2-1-350,0 2 0,1-7-113,-1 5 1,-4 0 283,2 6 0,-1-1-13,-3 4 0,-1 1-242,-8 5 1,-1 5-215,1 4 0,-1 5 58,-2-1 1,-1-2-253,-2 2 1,-2-5 193,5 1 1,-1 1-1,3-4-153,1-4 0,-1-3-115,7-2 514,-4-4 0,8-5 0,-3-7 93,0-1 58,1-6 1,1 3-74,0-1 0,-1 1 0,-2 3 77,-3 5-13,-2 0 1,-1 11-125,0-3 1,3 4-84,0 4 1,-3 4 0,-4 5-478,-1 2 298,3-4 1,-6 6-53,5-5 0,-4 4 0,1-4-96,-3-1 129,4 0 0,0-2 1,3-1-110,-1-1 196,-1 1 0,4-7 55,0 2 0,3-2 90,0-1 0,1-4 52,-1-2 0,-2-3 1,3 0 75,1 0 0,-5-1 330,4 1-419,1 0 1,-4 0 79,2-1 1,2 2-95,1 2 0,-2-2 0,-1 5 64,-2 1-78,3 1 0,-3 1-131,2 0 1,-2 3 25,-1 0 1,1 4 0,2-3-73,3 1-257,-2 1 0,1 0 0,-3 1-148,1 0-955,9 1 0,-9-2 1439,6 1 0,2-1 0,4 3 1</inkml:trace>
+  <inkml:trace contextRef="#ctx0" brushRef="#br2" timeOffset="65">9208 8771 8191,'-4'-9'-337,"-1"-1"-176,-4 1 0,-1 0 559,1-1 0,3-1 1429,0 2-858,4 1-384,-2 8 9,12 9 0,-2 5-79,6 11 1,3 3 85,0 3 0,3 3-172,1 6 1,2 0-433,1 3 1,4-3 392,-1 4 0,-12-21 0,1-1-186,0 2 1,0-1 0,10 21 103,1-6 0,-7-5 63,1-2 1,-8-6 333,-2-4-266,-4-9 73,-5-4 0,-4-8 1,-2 0 165,-2 0 0,-3-1-255,-1-2 1,-1-1 327,-3-2 1,-2-3-457,3 3 1,-3 1 114,0-1 0,3 1-21,3-2 0,1 2 92,2 2-51,4 2 31,1-3 0,12 14 0,5 4 156,3 1 1,3-1-175,-1 1 0,4 1 5,0 2 1,0-3 40,-4-3 1,1-1-10,-1-2 0,0-4 54,-3-2 1,2-4 14,-5-5 0,1-1-155,-4-9 0,0-2 124,1-4-714,-5-4 1,3 2-1,-3-4 51,1 0 1,1 1-110,-4 3 1,4 1-148,-1 4 1,4 1 752,2-1 0,3 0 0,3 1 0</inkml:trace>
+  <inkml:trace contextRef="#ctx0" brushRef="#br2" timeOffset="66">13091 8696 8098,'-14'-13'0,"0"3"-42,5-3 0,0 3 74,-1 0 1,1 2 385,0 2 433,3 2-671,2 4 1,4 7-142,0 2 1,4 10 158,3 0 0,4 9-55,1 0 0,6 6-2,1 0 1,0 2-234,6 1 0,-1 4-4,1-1 0,2 0-1044,-3-2 982,-1-5 0,1-1 0,-4-6 114,-2-5 0,-2-3 78,-10-9 264,-2-4-154,-4-1 0,-7-5 262,-2-2 1,-7 1-357,1-4 1,-4 0 482,-3-3 0,3 0-501,-3 3 0,2-2-255,2 2 257,-5-3 1,7 3 0,1 1-12,3 1 0,6 1-41,0 3 70,4 0 1,2 4 136,6 2 1,5 5-53,2 2 1,4 2 201,2-2 0,0 2-60,2-2 1,2-4 164,-1-3 0,3-4-247,-4 1 1,4-4-26,-3-5 0,0-1-126,-4-9 1,1-2 104,0-4 0,-2-4-1000,-1 1 1,1 2 151,-1-2 697,-3 4 0,5-6 0,-4 3 0</inkml:trace>
+  <inkml:trace contextRef="#ctx0" brushRef="#br2" timeOffset="67">9721 10316 8345,'0'-6'-272,"0"0"1,0 3 1136,0-3-38,0 4-221,0-3-336,0 14 0,0-3-99,0 6 0,0 3-165,0 0 0,1 3-46,2 1 1,-2 0-263,2 3 0,-2-1-64,-1 3 0,0 1 200,0 3 0,0 3-701,0 0 1,0 1 30,0-1 836,0-2 0,0 8 0,0-4 0</inkml:trace>
+  <inkml:trace contextRef="#ctx0" brushRef="#br2" timeOffset="68">9823 11238 8345,'-8'19'-13,"1"-1"1,-1 1 130,2 0 0,2 0 194,1 3 1,2 1-20,1 2-285,-4 2 0,3-5 0,-3 5-299,3 1 0,1-3-182,0 3 0,0 0 146,0-3 0,-3-2-404,0 2 592,0-4 0,0 2 1,-1-5 138,-1 1 0,3-5 0,-7 8 0,4-2 0</inkml:trace>
+  <inkml:trace contextRef="#ctx0" brushRef="#br2" timeOffset="69">9748 11955 8345,'0'16'0,"0"-1"-40,0 2 0,0-3 222,0 2 1,0-1-11,0 4 0,0 3-5,0-1 0,0 4-153,0-3 1,0 5 62,0 1 0,-3 3-219,0 3 0,0-2 155,3-4 0,0 3-107,0 0 0,0 2-23,0-5 1,0 1-358,0-7 1,3-1-606,0-2 1079,0 0 0,2-1 0,0 1 0</inkml:trace>
+  <inkml:trace contextRef="#ctx0" brushRef="#br2" timeOffset="70">9795 12914 8345,'-4'19'-5,"3"-1"1,-4-2 0,3-1 168,-2 2 0,1-3 9,3 2 0,-3 0-279,0 2 0,0 1 109,3-1-46,0 1 1,0 1-1,-1 0-215,-2 2 0,2 0 17,-2-4 0,2 5 53,1 2 1,-3-2-190,0-2 1,-1-1 155,4-1 1,0 2 220,0 1 0,0 0 0,0-3 0,0-1 0,0 1 0,0-1 0,0 1 0,1-1 0,3-3 0,-3 0-129,2-3 1,-2-2 141,-1 3 1,0 0 100,0 0 1,0 0 18,0 0 0,0-2 102,0 4 0,0 0 16,0 0 0,0 4 38,0 0 0,-1 0-20,-2 6 1,2-3-116,-3 3 0,0 0 6,1 2 0,-3-2-55,3 0 0,0-1-7,3 1 1,0-2 9,0-5 0,0-1-118,0 1 0,0-4 50,0 4 1,0-4 50,0 1 1,0 1 247,0 2 0,0 4 25,0 0 0,0 4 83,0-1 0,-1 3-211,-2 3 1,1-2-40,-5 2 0,5-2-46,-1-1 0,-1-1-226,1 1 1,0-4-676,3-2 615,0-2 0,0-9 0,0-2-990,0 0 0,1-5 1125,2-1 0,2-6 0,5-3 0</inkml:trace>
+  <inkml:trace contextRef="#ctx0" brushRef="#br2" timeOffset="71">15149 10624 8360,'0'5'0,"-3"3"331,0-2 1,-4 3-151,4 0 0,0 4 0,3 3-77,0 1 0,0 3-91,0 2 0,0-1-292,0 3 0,0 1-475,0 3 0,0-2 180,0 2 574,0-2 0,-4 10 0,-1-3 0</inkml:trace>
+  <inkml:trace contextRef="#ctx0" brushRef="#br2" timeOffset="72">15177 11452 8360,'-4'19'-64,"-3"0"0,0 2 0,0 1 46,1-1 0,4-2 318,-2 0 1,0 1-239,1 1 1,0-1-212,3 2 0,0-6 161,0 0 0,0-1-185,0 4 0,0-3 67,0-1 1,0-3-270,0 4 0,0-1-354,0 4 503,0 4 1,0-3 225,0 1 0,-4 7 0,-1 1 0</inkml:trace>
+  <inkml:trace contextRef="#ctx0" brushRef="#br2" timeOffset="73">15112 12244 8360,'-4'16'-757,"1"1"283,1-1 1,-2 4 836,1-4 1,0 2 26,3 4 1,0-2-187,0 1 0,0 2-65,0-1 0,0 1-80,0-2 1,0-1-235,0 2 0,0 0 106,0 0 1,0 0-402,0-3 0,0-1 175,0 1 0,0-1 28,0 1 0,0 1 93,0 1 0,0-1 174,0 2 0,0-3 0,0 0 0</inkml:trace>
+  <inkml:trace contextRef="#ctx0" brushRef="#br2" timeOffset="74">15093 13100 8309,'0'19'-296,"0"0"40,0-1 1,0 1 210,0-1 1,0-2 170,0 0 0,0-1 79,0 4 1,0-1-16,0 1 0,1-4 103,2 1-161,-2-1 1,4 3 0,-3-1 86,1-2 0,2-2-77,-2 2 0,-2 1-108,2 2 1,-1-2-154,1-1 115,-2-3 0,3 1 0,-4-3-454,0 3 1,0-3 86,0 3 1,-3 0-391,0-1 761,0 1 0,-1 0 0,-1 2 0</inkml:trace>
+  <inkml:trace contextRef="#ctx0" brushRef="#br2" timeOffset="75">15130 13827 8287,'4'14'0,"-3"5"234,2-1 0,-1-2 404,2 2 1,-3 2-129,2 2 1,1 1 39,-1-2 0,1-1-463,-1 2 1,-2-3 49,2 0 0,-1-3-381,2-1-145,-3 1 1,3-2 388,-4-2 0,0-1 0,0-2 0</inkml:trace>
+  <inkml:trace contextRef="#ctx0" brushRef="#br2" timeOffset="76">15214 15959 8259,'-9'4'105,"-1"0"-25,1 2 0,1 4-26,2-1 275,-3 4 1,1 7-1,-5 2-1,-2 3 1,0 6-176,-4 3 1,-1 2-165,-1 1 1,1-1 231,-2-1-135,7-3 1,1-5 0,5-4 327,0-4-93,-1 0-167,5-9-75,1-1-47,4-5 0,0-5 179,0-2 1,4-1 15,2-2 1,3-2-154,0 1 0,0 2 16,0-1-32,5 4 1,-4-5 0,4 4 2,-1 1 1,-1 0-15,3 2 1,-3 0-136,4 0 0,-5 0 186,2 0-171,-3 5 0,3-3 0,0 4 3,1 1 1,-1-2 66,2 2 1,-3-1 7,0 3 1,2-3 0,-2 0 68,5-3 1,-7 4 0,2-4-31,-1-1 558,-2-1-129,0-1 0,0-1 72,-3-2-374,-2 2 0,-4-7 1,0 0 126,0-3 1,-1 0-148,-2-5 0,1 0 33,-4-2 1,-4-4-24,-2 0 1,-5-3-48,2 0 1,-3-6-145,0-3 0,-1-2-1171,0 2 1172,1 2 0,0 2 1,2 0-860,0 0 749,5 7 0,-3-2 1,5 9-608,0 4-258,-1-3-913,5 9 1917,-3-2 0,7 16 0,-3 2 0</inkml:trace>
+  <inkml:trace contextRef="#ctx0" brushRef="#br2" timeOffset="77">8557 8836 8460,'-15'0'0,"-1"0"-44,3 0 0,1 0-47,2 0 0,5 4 659,2 2 0,2 8-201,1 4 1,4 6 5,3 7 1,1 8-133,1 7 1,0 1-247,1 2 0,-1-1 214,0-2 0,1-3-142,-1-3 1,-1-6-200,-2-3 1,3-6-329,-3-3 0,2-6-517,2 0 97,-1-9 0,0 2-730,0-9 1610,-3 0 0,2-9 0,-3-1 0</inkml:trace>
+  <inkml:trace contextRef="#ctx0" brushRef="#br2" timeOffset="78">8715 9171 7902,'0'9'2743,"0"1"-2918,0-1 1,4-3-384,2 1 1,2 2 557,-2 3 0,6 1 0,-1-4 0</inkml:trace>
+  <inkml:trace contextRef="#ctx0" brushRef="#br2" timeOffset="79">12346 8957 8429,'-9'-1'136,"0"-2"-185,3 2 0,2-4 478,4 2 1,4 2-158,3-3 0,2 0-88,3 1 0,0 0 1,2 3-311,0 0 0,1 4 66,-2 2-3,3 3 1,-6 1-1,2 1 63,-5 2 1,1 3-5,-1 0 0,-3 2 92,-1 0 1,-2 4 317,-1 0-335,-4-1 1,2 1 0,-5 0 104,0-2 0,2-4 195,-1-4 1,4-1 40,-1-2-401,2 0 62,1-3 1,1-2 0,2-4-158,3 0 1,2 0-22,2 0 0,0-1-322,2-2 0,0 0-40,3-3 1,1 0 187,2-3 0,-2 3-1253,-1-1 1532,1 5 0,3-6 0,-1 3 0</inkml:trace>
+  <inkml:trace contextRef="#ctx0" brushRef="#br2" timeOffset="80">12812 9255 8318,'0'9'419,"0"1"0,0-4 0,1-1-513,2-1 1,3-1 93,6-3 0,3-8 0,4-2 0</inkml:trace>
+  <inkml:trace contextRef="#ctx0" brushRef="#br2" timeOffset="81">10112 10167 8403,'-18'-5'223,"2"2"961,3 2-875,8 1 0,15 1 0,10 1-110,4 1 1,3 5 83,4-2 1,1-1-206,2 1 1,2-4 262,-2 1-531,6-2 0,0-1 1,2 0 142,0 0 0,-5 0-726,-3 0 755,-4 0 0,-2 0 0,-7 0 133,-5 0-173,-2-4 0,-5 3 35,0-2 1,-3 2 27,1 1 1,-4 0-32,3 0 0,-3 3-59,3 0 135,0 5 1,1-7 0,-1 3-739,1 0 0,1-3 688,2 2 0,-1 2 0,0 0 0</inkml:trace>
+  <inkml:trace contextRef="#ctx0" brushRef="#br2" timeOffset="82">11043 9413 8170,'-7'-6'-868,"1"0"912,0 0 0,0 0 339,0 3-45,4-2-172,-7 4 0,8 2 102,-2 9-154,2 3 1,0 7-1,-1 2 255,-1 6 1,0 5-19,3 8-333,0 1 0,0 9 1,0-24-1,0 0 25,0 1 0,0 2 16,0 0 1,0 1-1,0-1 1,0 1-1,0-3 1,0 1-77,0 21 1,0-4-240,0-9-160,0-12 299,0-8-67,0-12 1,1-10 91,2-1 1,-2-7-1,2-6 85,-2-5 0,-1-7-15,0-3 1,0-7-38,0-6-33,0-3 1,-1 21 0,-1 0 0,0-1 0,1 0 96,0-1 1,0 0 0,0-1 0,1 1 64,0 3 1,0 1 0,0 0 0,0 0 45,0-23 1,0 3 214,0 9 1,0 8 155,0 12-230,0 3 17,0 10 0,0 2-84,0 6 0,0 2-16,0 5 1,0 3-42,0 3 0,0 2 186,0 4 0,-1 6-212,-2 6 1,2 6-134,-2 4 1,-2 2-324,2 4 1,0 2 399,3-25 0,0 2 0,0 1 0,0 2-122,0-1 0,0 0 0,0 1 0,0 0-62,0-4 1,0 0-1,0 24-160,0-8 0,0-6-129,0-10 25,0-6 1,1-18 102,2-4 1,-2-4-36,2-5 0,-2-5 338,-1-1 0,0-8-155,0-5 49,0-8 1,0-7-1,0-4-16,0-3 0,0-2 125,1 25 0,-2-2 0,0 0 0,-1-1 14,1 1 1,-1-1 0,1 3 0,-1 1 248,2-21 0,-3 6 44,0 7 0,0 4 177,3 8-175,0 8 1,0 11-14,0 6 1,1 7 122,2 5-340,-2 7 0,3 3 0,-4 6 17,0 3 1,0 6-41,0 4 0,0 1-98,0 2 1,0 5 59,0-25-1,0 1-17,0 24 1,-1-22-1,-1-1 1,-2 23-105,-1 0 0,3-6 49,-1-6 1,2-6-1128,1-6 1,0-9 98,0-6-778,0-7 1849</inkml:trace>
+  <inkml:trace contextRef="#ctx0" brushRef="#br2" timeOffset="83">11033 10456 8142,'-9'9'0,"3"1"333,0-1 127,-1 0-230,2 1 0,1-4 131,4 0-288,0 0 0,0 4 0,0-1 187,0 0 0,3 1-172,0-1 0,1 3-220,0 1 1,-3 3-15,2 0-18,-2 1 1,-1 2 0,0 0-379,0-1 0,0 1 51,0-1 0,0 1 184,0 0 0,0-2-388,0-1 695,-4 1 0,-2-2 0,-3 3 0</inkml:trace>
+  <inkml:trace contextRef="#ctx0" brushRef="#br2" timeOffset="84">10996 10959 8142,'-4'9'-243,"3"0"1,-4 2-1,3 0 905,-1 2 0,-1 0-135,4-1 0,0 0-335,0 3 1,0-2-53,0 2 1,0 1-245,0 2 0,0 1 130,0 0 1,0-1-98,0 1 1,0 0-83,0-1 1,0 1-308,0-1 1,0 0-264,0-2 0,-1 1 298,-2-1 1,2-2 120,-2 2 1,2-5 284,1 1 1,0-1-84,0-2 102,0 0 71,0 1 1,0-4 0,0 0 202,0 1 1,0-1 363,0 0 1,0 0 77,0 3 0,0 1-236,0-1 0,0 3-105,0 1 0,0 4-153,0 2 1,0 0-180,0 2 1,3 2 153,0-1 1,0 4-150,-3-2 1,0 3-46,0 1 1,0-1-198,0-2 0,0 2-132,0-2 0,0-2 154,0-2 1,0-2-121,0-4 0,0 2 84,0-5 0,0 2 127,0-2 0,0-4 8,0 5 0,0-7 120,0 7 0,2-8-78,1 4 1,-2-2 119,2 3 1,1-1-7,-1 0 0,1 0-88,-1 1 0,-2 0 215,2 3 1,2 1-50,-2 5 0,0 0-62,-3 3 0,0-1 29,0 4 0,0 0 19,0 6 0,0 2-42,0 1 0,0 1 4,0-4 1,-1 1-148,-2-1 0,2-2 127,-3 2 0,0-5-128,1-1 1,0-4 14,3 4 1,-3-7 23,0 0 0,0-2 35,3-1 1,0 2 0,0-5 0,1 1-61,2-4 1,-2 4-25,2-1 40,2 5 0,-3-7 1,3 3 13,0 1 0,-1-3-43,-1 5 0,-2-1 36,2 4 0,-1-4-3,1 1 1,-2-1 39,2 4 0,-2 3 11,-1-1 0,0 1 21,0-3 0,0 3 13,0-1 0,-1 5 16,-2-1 0,2-1-56,-2 1 0,2-2-130,1 2 0,0 4 31,0-4 0,0 3-75,0-6 0,0-1-1,0-2 1,0 2-239,0-3 0,0 2 130,0-8 0,0 2 28,0-2 1,-3 2 270,0 1 0,0-1-89,3-5 1,-3 3 26,0 1 1,-2 2 24,2-2 0,2 3 176,-2 0 0,1-2-41,-1 2 1,2 2-53,-2 4 0,2 0-51,1-3 1,-3-1 29,0 1 1,-1 2-23,4 1 1,0 1-18,0-1 1,0-2 19,0 5 1,0-4 16,0 1 0,-1 0 11,-2 0 1,2 1 9,-2-1 1,1-3 5,-1 3 0,2-2 5,-2-2 0,1 1 113,-1-1 1,2 0-157,-2-2 1,2 0 35,1-3 0,0-1-83,0-3 0,0 1 14,0-1 1,3 0-122,0 1 0,0-1 83,-3 0-55,0-4 116,0 4-20,0-4 89,0 4 0,0-3-52,0 1 1,0-4 12,0 3 1,0-3 94,0 3 18,0 0 1,0 4-81,0-1 1,0 0 88,0 1 1,0-1-63,0 0 1,3 2 10,0 1 1,0-1-91,-3 5 0,1-4 58,2 4 0,-2-1-137,2 4 1,-2 0-24,-1-1 1,0 1-235,0-1 0,4 1 73,-1 0 0,0-1-207,-3 1 1,0-4-41,0 1 0,0-4-225,0 4 1,0-2-173,0 2 1,0-3 837,0-3 0,4 3 0,1 2 0</inkml:trace>
+  <inkml:trace contextRef="#ctx0" brushRef="#br2" timeOffset="85">11192 15763 8335,'-9'-6'1160,"3"0"-1144,-2 4 91,3 2 0,-1 6 0,-1 7 52,0 6 1,-4 5 75,-2 7 0,-4 3 104,-2 6 0,-1 7-962,8-21 0,0 1 670,-1 2 1,1 1-1,-2 0 1,0 0-1,0 1 1,-1 0-53,-1-1 0,1-1 0,2-3 0,1 0 5,-1 0 1,1-2 0,-8 18-46,5-8 1,2-7 253,3-12-365,5-1 1,1-8-159,4 0 282,0-4 1639,0 2-1651,0-12 0,4 2 127,2-7 0,-1 3 0,2 1-37,0-1 1,4 1-2,2 0 0,2 2 13,-2 1 1,3 3 50,0-3 0,0 4-73,0-1 1,1 2-8,-1 1 0,5 0 25,0 0 0,2 4 41,-1 2-58,-3 2 0,8-1 0,-2-1 24,2 1 0,1 1-26,0 2 1,0-1-2,0 0 1,-1 1 32,-3-1-29,-1 0 1,-4-3 52,-1 1 0,0-5 0,-2 1 63,-4-2 1,-5-1 82,-1 0-126,-3-4-19,5-2 0,-7-4 0,2-1-60,-2-2 0,-5-3-25,-2 0 1,0 2 34,0-2 1,-1 1 63,-5-4-90,1-4 0,-6 1 0,1-4-57,-1 1 0,-3-1-139,-2-5 1,3 1 77,-3-4 1,2 1-139,2-1 0,2 2 235,0 4 0,5 0-13,-1 0 1,4 1 63,2 2 0,4 2-131,-1 5 64,2-1 1,1 3 147,0 1 1,0 4-18,0-2 39,0 3 84,0 5-175,0 1-355,0 4 127,0 8 0,0-5 155,0 6-154,0-2 0,3 3 74,0-1 1,1-1 0,-2 0-123,2-2 179,-1 0 0,-2 3 1,1 1 32,1-1-22,0-4 1,-3 3 0,0-1-3,0 1 57,0 1 1,0 4 0,0-1-28,0-1 0,-1 5 80,-2 3 1,-5 3-71,-5 6 0,-7 1 2,2 2 0,-7 6-159,0 7 1,11-22 0,-2 0 170,1 0 0,-1 0 0,-14 15 59,5-6 1,4-7-50,5-5-12,-2-1 57,12-12-28,-2 3 0,9-10-7,2-2-42,-2 1 1,11-6-1,-1 2 321,5-2 1,2-1-269,7 3 0,0-2-70,3 2 0,1 1 56,2-2-56,2 5 1,1-5 0,0 4 15,1 1 0,-3 1-191,-1 1 142,-2 0 0,-5 0 0,-3 0 166,-5 0-90,-2 0 0,-6-1 99,-2-2 1,-2 1 210,-4-5-205,-4 5 0,0-7 1,-3 1-140,1-4 1,-1-4 23,-2 0 1,-3-2-150,-1-4 0,0-2 30,0-4 0,0-4-283,-2-2 0,-3-6-102,2-4 1,-1 0 191,-2 0 0,4 0 107,-1 3 1,8 2-88,-1 5 422,1 10 152,3 7-224,1 11 0,4 11 0,0 7-79,0 5 88,0 5 0,0 6 0,-1 6-41,-2 3 0,1 1 8,-4 2 1,4-1-170,-2 1 0,0-1 125,1 2 1,0-6-40,3 2 0,-3-7 23,0-2 1,0-4 6,3-6-45,0-7 285,0-3 1,0-9-275,0-2 1,0-7-5,0-5 1,0-4-217,0-2 0,0-4 68,0-6 0,0-2-12,0-5 1,0 4 159,0 0 0,3 3 118,0-3 1,0 8-224,-3 1 262,4 9-26,-3 2 0,7 14 179,-5 6-179,0 11 0,-3 8 101,0 6 0,0-1-87,0 4 1,0 0 0,0 2-34,0-2 1,0 3-55,0-3 1,3-5-23,0-1 0,4-7-254,-1 1 240,-1-2 0,3-10-235,-2-4 1,1-6 359,-1-6 0,0-4-140,-3-9 0,-2-4-137,2-1 149,-2-3 1,-1-5-1,-1-2-8,-2-3 1,-2 1 34,-5 2 1,1-1 14,0 4 0,-4-2-8,1 5 48,-5 2 1,7 9 0,-2 4 121,1 4 0,-1 6-104,-1 3 1,-2 9-57,2 6 1,-2 7 77,2 3-163,-7 6 0,7-1 87,-5 4 0,-2 0 0,-2 3-6,2 1 1,0-5 29,1-2 0,5-4 41,1-6-258,7 1 89,2-12-341,4 0 276,0-6 0,4-8 90,2-2 3,3-3 1,0-1 0,1-1-91,3-2 1,1-3 58,5 0 0,3 2 12,-1-2 0,6 4 207,1-4 1,-2 6-113,5 0 0,-4 5 133,4 5 0,-2 1-33,-1 2 1,-1 7-52,-2 5 1,-4 6 8,-5 1 61,-3-1 0,-4-2 0,-2-1 53,-1-3 1,-4-1 103,1-5 0,-3-3 101,-3 0 0,1-4-113,-4 2 0,3-4-269,-3-4 0,-1-1 71,-2-4 0,0-5-68,-1-1 1,1-3 212,0 0-408,0-5 1,-4 0 82,1-2 1,-1-2-53,4 3 0,0-2 1,-1 0-267,1 1 389,4 9 0,-2-2-488,4 9 114,-1 3 0,4 4-929,0 9 1319,5 3 0,0 17 0,4 2 0</inkml:trace>
+  <inkml:trace contextRef="#ctx0" brushRef="#br2" timeOffset="86">9283 15763 8117,'-9'-5'0,"2"-2"357,1 4 26,0-4-288,1 1 0,2 1 109,6 2 1,5-1-45,5 1 0,6-3 62,0 3 1,9-1 0,2 3 13,5-2 0,1 2-70,8-2 0,2 1-1480,4-1 1280,-23 2 1,0 1 0,-1-2 0,1 0 0,1 2 0,0 0 32,24 0 0,-8-3-1026,-3 0 1020,-7-1 1,-1 1 0,-8 0 151,-8 1-319,-4 1 254,-8 1-192,-1 0 867,-12 4 0,-2-2-855,-9 5 1,-4-1 404,-2 3 1,-3-3 0,-3 1-581,-3 0 212,-6 1 1,-3-2 0,-3-1-25,-1 0 0,1-2-1478,-1-3 1516,-3-4 0,2-3 277,-2-5 0,11 2-96,5-3 1,9 3 305,6 0-207,5 1 1,10 4-119,4 2 0,5 2 1,7 1-86,4 0-42,6 0 0,1 3 863,5 0 0,5 1-763,5-1 1,0-2-214,5 2 0,1-2-143,2-1 0,3 0 87,4 0 0,-6 0 99,3 0 0,-4-1 60,-9-2 0,-3 2 65,-9-2 161,-7 2-109,-8 1 0,-7 0-99,-6 0 0,-7 4-28,-5 3 1,-3-2 61,0 1 1,-5 0 21,-2 3 1,-5-2 0,-2-1-282,-1 1 130,-5 1 1,-3 2-260,-5-1 0,4-4 230,-4-2 0,-2-3 203,-1-3 1,2-2-104,4-4 1,9-4 222,7 1 0,5-1-68,12 4 1,3 3-158,7 0 1,2 4 54,5-1 1,3 1-1,10 2 32,1 0 70,3 0 0,8 0 0,2 0 318,2 0-372,2 5 1,4-4 53,5 2 0,-4-2 0,4-1-312,-2 0 234,1 0 0,0 3-124,1 0 1,-10 1 113,-6-1 1,-10-2 97,-9 2-65,-1 3 1,-10-2 0,-6 3 190,-5-1-314,-4 0 1,-9 1 89,-2-1 1,-2-1-93,-1 1 0,-4 2 81,-2-1 1,-6 0 0,-4 0-243,-1-1-20,-2-4 1,1 3 7,-1-5 1,-3-5 161,1-1 0,3-5 14,6-2 0,10 0 335,5 1-251,8 1 0,9 1-227,8 4 1,5 4 110,8-2 1,5 4 108,7 4 1,3-2 51,3 4 0,2-3 138,5 3 0,5-3-25,0 3 0,5-3 0,-4 0-71,5-2-181,-1-1 0,4 0 94,-5 0 0,-4 0 145,-8 0 1,-8 0-50,-9 0-98,-3 0 0,-11 0 71,-4 0 0,-10 0 12,-8 0 0,-2 4-212,-5 2 0,-4-1-234,-5 1 0,-2 0 56,-1 0 1,-5 2 27,-1-2 1,-2-2 80,2-1 1,-3-1 59,3-2 0,-1-6 132,0-3 1,8 0 34,8-4 0,8 2 173,8-1 1,7 4-147,5-1 0,5 5-12,7-2 1,7 4 145,6-2 0,6 3-51,3 1 1,3 0-31,4 0 1,2 0-129,7 0 0,-3 0-25,3 0 1,-4 0-135,-2 0 1,0 0-410,-3 0 0,-3-1-26,-7-2 1,-4 2-1192,-8-2 1774,-5 2 0,2 1 0,-7 0 0,-2 0 0</inkml:trace>
+  <inkml:trace contextRef="#ctx0" brushRef="#br2" timeOffset="87">11257 10354 7978,'-19'8'0,"1"-1"104,-1-1 0,0 0 183,1 0 1,-4 2-67,0-2 1,-7 3 172,1 0 1,-6 0-284,0 0 1,-5 0 28,-2-3 0,-3 1-310,0-4 1,2 0 349,-1-3 0,-4 0-15,-3 0 0,0 0 32,0 0-24,2 0 1,22-1-1,0-1 1,-25-1-35,25 2 1,-1 0 0,0 0 0,0 1 222,-22 0-320,-3 0 0,24 2 1,0 0-1,1 1 0,-1 0 88,2 2 0,0-1 1,-25 2-183,4 0 1,2-4 37,1 1 0,-1 1-125,1 0 153,3 3 1,-1-6 0,2 3-212,0 0 1,-3-2 87,2 4 0,1-3 62,3 4 1,-2-5 35,-1 1 18,-2-2 0,-1-1 1,3 0 20,1 0 0,2-3-14,0 0 0,-2-5-92,1 2 0,0 1 91,7-1 63,0 0 0,2-4 0,0 1-86,1 0 0,2-4-14,8 1 1,-1-8-182,1 2 0,0-7-71,2 0 192,3-6 1,1-2-1,-1-5-77,2-3 0,4 3 112,0-2 0,5 1-6,-1 2 1,2 0-33,1 0 221,0 3 0,0 3 0,0 6 14,0 0 0,3 3 147,0-3 1,5 4-153,-2 0 0,-1 1-82,1 1 0,3 1-15,4-1 1,-1 2 5,-2 1 0,2 0-21,0 3 0,5-3 0,-2 0 0,3 0-64,1 0 1,-1-2 36,1 3 1,4-3-41,2 0 0,1 0 80,2 3 0,0-2-1,0 5 1,0-4-27,0 4 67,0-1 0,0 5 1,0 1 15,0 1 1,3-1 12,0-2 0,0 0 76,-3-1 0,3 4-96,0 0-42,0 0 0,0-4 1,1 1 14,1 0 0,-3 1-8,1 1 0,-1 0-23,1 4 0,-1-3-198,4 3 166,-4 0 1,2 3 0,-3 0-43,2 0 0,-2 0 68,2 0 1,-2 0-11,-1 0 1,0 0 182,0 0-189,0 0 0,-3 0 0,0 1 96,1 2 1,1-2-85,1 2 0,-1-2 9,1-1 1,-3 0 50,0 0-100,4 0 0,-3 0 1,2 0 62,-1 0 1,-4 0-11,2 0 1,2 3-31,1 0 1,2 1 37,-5-1-60,2-2 1,1 7 0,0-5 6,0-1 0,-1 2-10,-3-1 1,3 1 7,-2-1 0,2-2-32,1 2 32,0-2 0,0-1 1,0 0-3,0 0 1,3 0 3,0 0 1,1 0 56,-1 0 0,-2 0 125,2 0 1,1-3-119,-1 0 0,-1 0 13,-5 3 1,1 0-62,-5 0 1,5 0 2,-1 0 0,-2 1-127,-1 2 80,1-2 1,-2 7-1,3-4-64,-1 1 1,-2-2 12,-2 3 1,3-4-89,-1 1 1,4 2 107,-3-2 104,0 4 1,-3-6-1,3 2-42,3-2 1,-1-1 159,1 0 0,-2 3-119,2 0 1,2 0 28,-2-3 0,-1 3-38,1 1 1,-5 0 21,2-1 0,1-1-35,-2 4 0,1-3-23,-3 3 1,-1-3-11,1 4 0,1-4-16,1 3 1,-1-3-119,2 3 1,-6-1 153,0 2 1,-2 1-21,2-2 0,0 2 233,-3 2-200,-1 3 1,-2-1 0,-1 2 176,0 0 0,0 2-151,1 0 0,-1 1 22,0 2 1,1-1-82,-1 1 1,0-1-132,1-3 1,-1 3 76,0-3 0,-3 3 80,1 0 0,-1 1-139,3 0 0,-1-1 31,-1 1 1,1 1-18,-2 1 1,-1-1 23,2 2 1,-4-3-7,3 0 1,-4 1 103,1 1 1,-1-1 50,1 2-31,-2-3 0,3 0 0,-4 1-38,0 1 0,-3-4 128,0 2 1,-4-2-158,1 5 0,-3-2 9,0 1 1,0-1-8,-1-1 1,1-1-6,0 1 0,-1 1-10,-3-1 0,2 1-20,-5-8 0,4 4 53,-4-4 0,2 1-28,-2-4 0,-1-1 101,1-2 1,2 3-47,-2-3 1,-2-1 99,-4 1 1,0-4-120,3 1 103,-3 3 1,1-4 0,-3 3-33,1-1 0,-1 2-26,2-3 1,-1 4-75,1 0 1,-1 1 75,-5 1 1,3 1-160,0-1 0,0 0 68,-3 1 1,-3-1 41,0 0 0,0 0 3,3 1 0,0-4-2,0 0 0,0-4-21,1 1 0,-1-2 1,0-1 0,-3-1 135,0-2 0,-4 1-69,4-4 1,0 0 196,3-4 1,2 1 22,1 0 0,-4-4 25,4 1 0,-4 0-161,4 2 0,1 4 34,-1 0 1,-2 0-56,-4-4 0,-2 5 19,2 2 0,1-1-125,-4 1 0,1 0 97,-1 3 1,2 1-169,4 2 1,0-2-124,0 2 0,1 1-248,2-1 1,0 1-446,3-1 0,3-1 899,4 1 0,-1-2 0,-2-1 0</inkml:trace>
+  <inkml:trace contextRef="#ctx0" brushRef="#br3" timeOffset="88">7560 16033 8687,'-9'-9'48,"4"4"305,1-3 1,8 6 103,2-1 1,3 2-72,4 1-181,-3 4 0,8-2 1,-3 1-57,3-2 0,2 0-27,1 2-1,3-2 0,4 3 3,0-4 0,4 0-5,2 0 1,3 0-1,3 0-379,0 0 314,5 0 1,-3-4-357,5-2 0,-2 0 245,-2 0 1,1 4 93,-7-1 0,5 2-17,-8 1 1,-1 0 1,-8 0 1,0 0 0,-2 0 26,1 0-100,-3 4 1,1-3 11,-3 2 1,0-2-8,-1-1 0,4 0 0,0 0-41,-1 0 1,-5-4 39,0-2 1,-1-2 47,4-2-10,-1 1 1,-2-1-1,-2-3 473,0-2-442,2-3 0,-5 1 0,1 0 119,-2 2 1,0-2-104,-1-5 34,0 3 1,-2-4 104,-1 4 1,-4 0-1,1-2 145,-2-1-287,-1-4 1,0 3 0,-1-5 23,-2 0 1,1-3-54,-4 0 0,0-7-202,0 4 0,-2-4-1038,2 4 1165,2-2 0,-4 1 1,4 3-261,-1 3 344,3-1 0,-3 10 0,3-4 52,-1 1 0,-4 1-27,4 4 1,-4 3 24,1 3 0,-2-2 42,-2 2 300,1 0 0,0 2 1,-1 1-437,1 0 0,-1-1 364,-3 1 0,-1-2-610,-5 1 296,1-1 0,-2 6-122,-2-4 1,0 0 83,-6 3 1,3-2 0,-6 3-142,2-1 116,-3 2 1,2 4-1,-4 0-171,2 0 216,1 0 1,3 1 0,-1 2-58,-2 4 53,-2 1 0,0 1 1,1 1 12,0-1 1,3-1 17,-2-2-35,2 3 1,2-8 0,2 2 17,4-2 0,-3-2-54,-1-2 0,2-4-5,2-5 0,1-2-179,1-5 137,1 0 0,-3 1 0,1-1 128,3 0-21,0 5 1,3-3 0,1 5 418,3 1-345,1 4 0,0 2 82,3 2 0,-2 3-1,2 0-147,1 4 0,-3 7 0,3 1 146,0 4 0,-3 2-15,1 4-83,3 2 1,-3 5 0,3 1 84,-1 1-60,3 8 0,-3 0 0,5 10 5,0 1 0,0-22 1,0 2-123,0-1 1,0 0-1,2 3 1,1 1 115,0 1 0,0 0 0,-1-1 0,1-1 47,0 1 0,0-1 0,0 1 0,0-2-148,2-1 1,0-1 0,0 0 0,0-2 78,1 0 0,0-1 1,2 21-205,1-4 66,-2-2 0,2-15 0,-2 2-185,-1-1 245,-4-8 1,5-2-1,-4-7-346,-1-1 250,0-4 1,-1 2-1025,2-4 93,-2 1 1079,3-9 0,-4 0-719,0-4 1,0-1-1,0-2 731,0 0 1,0-5 0,0 3 0</inkml:trace>
+  <inkml:trace contextRef="#ctx0" brushRef="#br2" timeOffset="89">8203 14208 8051,'-9'0'672,"-1"0"-355,1 0 1,0-1-522,-1-2 243,5-2-134,1-8 1,4 1 0,0-3 13,0-2 1,1-1-115,2-4 0,-1-2-174,4-4 0,0-4-61,0-2 303,2 2 0,-6-8 0,3 3 127,-1-1 0,0-4 0,-4-1 0</inkml:trace>
+  <inkml:trace contextRef="#ctx0" brushRef="#br2" timeOffset="90">8194 13370 8051,'0'-9'-112,"0"0"1,-1-1 111,-3 1 331,3 4 0,-3-3-23,4 1-131,-4-1 0,3-4 0,-2-1-211,2 2 1,1-3 84,0-2 0,0-5-107,0 0 0,1-5 175,2 1-376,-2-2 1,6-5-1,-4-2 17,0-2 0,1-2-39,-1 1 0,1-1 146,-1-3 1,-2 1 22,2 0 1,-2 0 189,-1 9 0,-1 0-120,-2 3 1,-1 2 70,-2 1 0,-2 2-39,5 4 0,-4 2 233,1 1-184,-2-1 1,-2 6 0,1-1 197,0 2 0,-1 0-95,1 1 0,-2 0 111,1-1 0,-1 0-159,5-2 6,-2 1 1,2-6 0,2 1-2,0-2 1,3-1-18,-2-3 0,2-1 7,1-1 0,0-5 57,0 4-65,0-4 1,0 5 0,0-4 47,0 0 0,0 0-32,0 0 0,0 0 44,0 0 1,0-1-35,0-2 1,0 3 144,0 1 0,0-1-115,0 3 0,0 0-41,0-3 0,0 6-43,0-3 1,0 1-305,0-1 297,0-2 1,-3-1 0,0 1-150,1 2 0,1-2 123,1 2 1,0-5-3,0-1 0,0-3 29,0 3 1,-4-3 44,1 3 1,0-4 15,3 1 1,0 1-16,0-1 0,0 4 123,0-1 1,0 0-92,0 0 1,0 2 12,0-2 1,0 2-148,0 2 86,0-1 1,1 0 0,1 0-144,1 0 0,1 0 24,-4 0 1,0-3-86,0 0 1,0-3 112,0 3 1,0-1-111,0 1 0,0 1 99,0-5 0,0 5-17,0-1 27,0-2 0,0 7 0,0-3-5,0-1 0,0 6 37,0-4 1,-1 5-17,-3-2 0,3 3 5,-2-2 0,-1 3-5,1-1 1,0-1 0,3 2 0,-1-5-16,-2 1 0,2-1 0,-2 1 0,2-5-47,1 2 56,0-6 1,0 5-1,0-3-10,0 0 0,0 0 69,0-2 1,0-1 9,0 4 1,0 0-37,0 3 0,1 0 14,2 0 0,-2 0-63,2 0 0,-2 0-1,-1 0 0,3-3-91,0 0 0,3-3 42,-3 3 59,1 0 1,-1 0 0,1 0-10,1 1 0,-2-2 11,3 1 0,-3 0-9,4 3 0,-5 0 15,1 0 0,1-2 13,-1 2 0,0-1 15,-3 7 0,0-4 108,0 2 1,0-2-78,0 1 0,-3 1 46,0 2 0,0 0-93,3-3 1,0-5-8,0 2 1,0-2-28,0 2 1,0 0-9,0 0 1,0-3 36,0 0 1,0 0-14,0 3 1,0-1-22,0-2 1,0-1 20,0-2 0,0 2 119,0 4 0,-1 0-106,-2 0 53,2-4 1,-3 3 0,4-2-4,0 2 1,0 1 2,0 0 0,0 1-37,0 2 1,-4-1 4,1 5-57,0-5 1,3-1 0,0-3-21,0 3 0,0-2-98,0 1 1,0 0 39,0-3 1,0 2-15,0 1 111,0 0 1,0 0-1,0 0-1,0 0 1,0 1-24,0-1 0,0 0 5,0 0 0,0 0-39,0 0 0,3-1 44,0-2 0,2 2-12,-2-2 0,-2 1 62,2-1 1,-1 2 3,1-2 0,-2 2-69,2 1 111,-2 0 1,-1 1 0,0 2-18,0 4 1,0 1 79,0 1 1,0-2-116,0-1 1,-1 0 48,-2 3-74,2-3 0,-3 2 0,4-3-9,0 1 0,0-1-3,0-2 1,0-2 15,0 2 1,0-3-29,0-3 31,0 2 1,0-3 0,0 4 3,0 0 0,0 0 125,0 0 0,0 2-116,0 1 0,0-2 32,0 2 0,0 1-41,0-1 1,3 5-4,0-2 0,0 2-16,-3 2 1,0-1-10,0 0 0,1 1 47,2-1-140,-2 1 1,3-1 0,-4 0 34,0 1 1,1-1 44,3 0 1,-3 0 92,2-3 1,1 1-105,-1-3-22,4-1 1,-5 0 0,4 1 59,2 1 0,-3-1 20,1 2 1,-3 3-13,3 4 0,-4 0-8,2 0 28,-3-3 1,2 7-1,0-4-13,-1 2 0,-1-1 36,-1 2-17,4 2 0,-3-7 0,2 5 148,-2 0-164,-1 2 0,0 1 157,0-1 0,0 4 75,0 0 8,0 0 0,0-1 128,0 1-243,0 4-71,0-2-504,0 4 378,0 8-19,0-1 0,-4 7 0,-2-2 66,-2 4 0,-5 3 5,1 2 0,-4 3 27,4 4 1,-4-3 215,4 0-218,-5-5 0,7 3 0,-2-4 41,1-1 0,2-3 52,0-3-130,3-1-15,2-6 98,4-1-20,0-4 1,4-1 56,3-2 1,4 2 143,1-2 0,5 2-84,-1 1-146,1 0 1,2 0 0,0 0-10,3 0 0,-2 0 66,2 0 1,-2 0-139,2 0 1,-3 0 138,-1 0-40,1 4 0,-6-3 3,3 2 0,-3 1 0,-3-1 132,-1-1 50,-4-1 260,-1-1 870,-4 0-1221,-4-4 0,-1-1-3,-4-4 1,-1-4 57,1 1-84,0-5 0,-1 3 1,0-4-196,-2 3 1,0-3-72,-3 3 1,-1-3 88,-3-1 0,2 2-145,1 1 168,-1 3 0,5 2 0,-2 1-241,0 1 1,5-3 162,3 6-1441,4 2 759,-6 0-776,7 4 1,-3 0 1596,8 0 0,1 0 0,4 0 0</inkml:trace>
+  <inkml:trace contextRef="#ctx0" brushRef="#br3" timeOffset="91">9106 15959 11231,'-7'6'747,"-3"0"0,0-3-600,4 4 1,6-5 3,6 1-725,7 2 0,4-3 0,6 3 139,1-1 490,0-1 0,8-3 0,0 0 49,1 0 0,4 0 240,3 0 0,5-4-576,-2-2 0,3 1 271,0-1 14,5-1 0,-3 2 1,2 2 265,1 2 0,-1-2-222,-22 1 1,-1 1 0,24-2-32,-23 2 1,0 2 0,22 2-75,-1 0 35,3 4 1,-1-3-1,-24 0 1,0 0-67,-1-1 0,0 0 0,22 2-46,-2 1 0,1 1-5,-4-3 0,3-1 271,1-3 0,-1 0-99,1 0 1,0 0 74,3 0 1,-6 0-16,3 0 0,-6 0 31,3 0 1,2 0-27,4 0 1,0-1 15,-4-2 1,-2 0-42,-1-3 1,1 3-50,2-3 0,1 4-131,-1-1 1,-2-1 110,-1 1 0,-3-4-132,4 4 1,-6 0 117,-1 3 1,0-1 4,-6-2 1,4 1 32,-1-4 0,-2 1 4,-1-2 1,-2-2 25,-1 0 0,0-1 31,0-2 0,-4-3 67,-3 0 1,-1-3 32,-1 0 1,-1-2 440,1-2 0,-1-1-289,-3-5 1,2-1-41,-5-2 0,5-2-100,-2-5 1,-1-2-169,-2 0 1,-2-5-6,0 2 0,-2-3-100,-2 0 0,-2 3-160,-4 3 0,0 6 94,0 3 0,-4 3 56,-2 3 0,-2 5-330,-2 5 230,-3 3 0,1-2 0,-2 2-104,1 0 0,-4 0 35,1 2 1,2 0-8,-2-2 0,2 1 14,-2-1 1,0 1 113,3 2 1,-3 0-61,0 0 0,-2-1-136,-4 1 0,1 0 69,-3-1 0,-2 4 223,-5 0 32,-2 4 1,-5-2 0,0 4-21,-2 0 1,1 0 99,-1 0 0,-2 0-190,-2 0 1,3 0 554,0 0-406,3 0 1,-3 0-1,-2 0 97,1 0 1,1 0-65,3 0 0,1 0-18,0 0 0,-4 0-47,1 0 0,-3 0 7,2 0 1,-3-3-81,0-1 1,0 0-16,0 1 1,3 1-14,4-4 0,-1 1 5,-3-1 72,3-3 0,-3 4 0,4-3-57,3 2 0,-1-2 12,4 5 0,0-3-60,3 3 0,-3 0 57,0 3 0,-5 0 11,-1 0 1,-1 3-158,-2 0 1,-1 3 81,0-3 0,0 4 84,0-4 1,3 3 84,-2-3-59,2 4 0,0-6 1,0 2-7,-2-2 1,5-1-4,-3 0 1,7 0-1,0 0 1,2-1-88,1-2 1,3 1 157,1-4 0,2 0-346,-3-4 0,3 2 92,-2 2 0,0-2 16,-1 2 1,-2 1 199,2 2 1,0 1-168,-3-1 1,7 2-35,-4-2 0,1 2 36,2 1 1,-2 3 153,2 0 0,-3 1 68,3-1 0,1-1 82,2 5 1,2-4-107,-1 3 1,5-3-24,-2 3 0,0-1-24,3 2 1,-2 1 156,2-2-148,2 2 0,-7 5 0,5 0-31,0 2 0,-2 0 35,-2 4 0,3 0 106,0-1-9,3 1 1,-2-1-61,-1 1 1,2-1 0,4-2-54,0 0 0,5-1-87,-1 4 0,1-1 160,-1 1 1,2 3-196,-2 0 0,3 3-14,3 0 0,1 2-85,2 1 1,6 0-48,-3 0 1,4 1-94,-1 2 1,2 1-113,5 2 289,0-2 1,-1-4 0,1 0-143,0 0 0,2-1-166,1-2 0,1-3-20,-2-3 1,0 0-915,4-1 980,-4 1 1,5 3 359,-5-1 1,5 9 0,-2-1 0</inkml:trace>
+  <inkml:trace contextRef="#ctx0" brushRef="#br2" timeOffset="92">11881 16313 8122,'0'5'1711,"-4"3"-1259,7-3-366,-2 0 0,11 1 0,2-4-260,0 1 172,-3 0 0,7-3 1,-4 0-12,1 0 0,3-3 152,-3 0-708,-2 0 0,4-1 125,-5 1 444,1 0 0,-4-1 0,0-1 0</inkml:trace>
+  <inkml:trace contextRef="#ctx0" brushRef="#br2" timeOffset="93">11871 16536 8169,'-6'1'1094,"0"2"-727,4-2 0,2 3 243,6-4 0,3 3-177,4 1 0,-2-1-325,5-3 1,-1 0-1,4 0-577,-1 0 363,-3 0 0,3 0 0,-3 0-1031,3 0 1,-3 0 249,1 0 887,-5 0 0,7 0 0,-4 0 0</inkml:trace>
+  <inkml:trace contextRef="#ctx0" brushRef="#br2" timeOffset="94">12700 16043 8299,'-9'-1'138,"-1"-3"0,1 3 273,0-2 1,3 3-270,-1 3 0,1 3-47,-3 3-12,0 0 0,-2 5 0,0 0 59,-2 1 0,1 2 83,3-1-114,-5-3 0,7 1-126,-2-5 186,6 0-283,-2-4 1,6-5 88,3-6 1,4-3-188,4-4 0,5 2 147,-2-4-57,-1-1 1,3-2 0,-2 2 70,-1 0 1,3 5 35,-5-1 0,1 1 110,-4 2 0,0 3-56,1 0 63,-5 3 0,0-1 0,-3 5 267,1 2 1,0 3-31,-3 3 0,-4 4-129,-2 3 1,1 6 70,-1 2-147,-1 3 1,-2 2-1,0 1 123,-1 1 0,4 8-5,0-2 1,3 6-1225,-3 1 1023,4-3 1,-3 1 107,5-5 0,-3 0-191,0 0 1,-1-4-1,2-3 35,-1-4 1,-1-4-133,1-6 0,-1-2 268,-3-2-207,-1-5 0,3 4 0,-4-8-129,-1-1 0,1-1 736,0-1 0,-1 0-579,1 0 1,0-1-2,-1-2 367,5 2 1,-3-7-135,2 2 0,2 0 73,1 0 0,1 3-143,2-3 0,5 4 95,1-1-38,2-2 1,6 2 167,1-3 0,6 3 0,2-2-2,0 1 0,3 0-220,5 1 0,-2 1-178,2-5 1,-2 4 219,-1-3-728,0 4 0,-1-2 0,-2 4 23,-4 0 0,-5 0-654,-4 0 1190,-5 0 0,1 0 0,-3 0 0</inkml:trace>
+  <inkml:trace contextRef="#ctx0" brushRef="#br2" timeOffset="95">15624 15773 8194,'-11'0'0,"-1"1"40,-4 2 1,2-2 108,-2 2 1,1-2-18,-4-1 0,1 1 237,-1 2-234,-4-2 0,0 3 1,-3-4 199,-2 0 0,1-1 27,-7-2-260,4-2 1,-6-4-1,4-2 321,-1-1-327,3 1 1,1-3-122,4 2 1,1-3-27,-4-4 0,1 1 1,2-1 163,3 1-248,-2-5 1,5-1 68,-3-4 0,-1-3 0,2-1-161,0-1 0,5 2 96,4-3 1,2 4 101,0-1 0,5 3 143,2 3-135,2-2 1,1 7 92,0-1 1,1-1-89,2 3 0,2-1 171,5 4 0,-1-1-80,0-2 1,0 0 147,1 1 1,0 0-48,3 3 0,0-3-20,3 2 1,1 3-27,-1 1 1,1-2-1,3 2 163,2 0-297,-3 6 1,8-2 0,-3 3 237,0-1-267,3 2 1,-4 1 0,5 0 163,0 1-227,0 1 0,0 2 74,0 2 0,1-1 0,2 3 19,3 0-21,-2 2 1,0-2 0,-3 4-35,2 1-2,-2-1 0,3 3 61,-4 1 0,0 2-83,0-2 1,-1 3 0,-1 1 43,-1 3 32,-4 0 1,1 3 0,-3-4-41,0-1 29,3 5 1,-6-2 0,0 2 146,-1 0-49,-5 3 1,4-5 0,-5 2 20,0 0 1,-4-1-67,-1-3 68,-3 3 0,-1-1-68,0 4 0,0-3 1,-1 1 76,-3 0-77,-1-1 0,-7 1 0,-2 0 51,0 1-47,-2-1 1,-5-1-1,-2 0 72,-1 2 1,-5 0 236,-5 1-326,2-2 0,-4-5 1,2 0 27,-3-3-24,0 3 1,4-12 0,2 0-88,2-4 0,5-2-576,2 0 465,-1-4 1,3-1 0,-1-5-1487,5-3 867,-2 3 790,8-8 0,-8 4 0,4-5 0</inkml:trace>
+  <inkml:trace contextRef="#ctx0" brushRef="#br2" timeOffset="96">15754 16117 8513,'12'0'329,"1"0"1,2 3-135,-2 0 0,0 0-200,0-3 1,-3 3 0,2 1-285,-1-2 137,2-1 1,-3-2-468,3-2 1,-3 2 10,0-3 608,-5-1 0,3 0 0,-3-4 0</inkml:trace>
+  <inkml:trace contextRef="#ctx0" brushRef="#br2" timeOffset="97">15754 16322 8386,'-13'9'361,"3"1"-301,1-1 1,4-3 577,5 0-440,0-4 0,4 6 460,2-5 1,5 0-240,2-3 0,2 0 0,-1 0 236,0 0-750,2 0 0,2 0 189,1 0 0,0 0-656,-1 0 1,0 3-1,-2 0 139,0-1-1769,-1-1 2192,0-1 0,3 4 0,-4 1 0</inkml:trace>
+  <inkml:trace contextRef="#ctx0" brushRef="#br2" timeOffset="98">16182 16071 8367,'-6'-4'-133,"0"1"0,4-1 895,-1 1 1,2 1-185,1-4 1,1 3-104,2-4 0,2 5-144,4-1 1,4 2 88,-1 1 1,5-3-213,-2 0 0,3 0-94,0 3 1,1 4 13,0 2 1,-5 4-245,-1 2 0,-1 3-315,-3 3 1,2 6 309,-8 4 1,0 1-282,-3 5 0,-4 0 208,-3 3 1,-1 1 0,-2-2-171,-3-2 378,3-6 0,-3-5 94,3-5 0,4 0 312,0-3-142,4-1-23,-2-5 0,8-3 0,2 0 40,2-2 1,3-1 44,1-3-226,-2 0 1,9 0 137,0 0 0,0 0-197,6 0 0,-1-1 0,2-2 53,-1-4-222,4-1 0,-5 2-359,1 0 1,-4 3 0,-3-3-808,-3 2 1,2-2 1279,-5 3 0,0 0 0,-2 3 0</inkml:trace>
+  <inkml:trace contextRef="#ctx0" brushRef="#br2" timeOffset="99">11871 7793 8176,'-5'0'0,"-3"-4"338,3 3 0,-1-3-77,-1 4 98,5 0-290,-2 0 0,4 0-83,8 4 1,0-2 161,7 4 0,-2-3-31,2 4 0,-3-5-89,4 1 32,0 2 0,2-4 0,2 2-118,2-2 1,-3-1 37,3 0 1,1-1-63,-2-2 1,4 1 165,-3-4-160,0-1 0,-5-2 0,0 0 61,-2 0 0,-3-1 5,0 1 0,-2 0 143,0-1 1,-4 2-130,0 2 100,-4-2 0,5 5 99,-3-3 0,0 4 327,-1-1-395,2 2 1,4 1 303,1 0-365,-1 4 1,0-3 0,1 3 69,-1 1 1,0-3-186,0 4 0,4-4 119,-1 1 1,2-2-213,-2-1 1,-1 0-161,1 0 1,-2 0-179,0 0 1,0-1 75,2-2 0,-1 1-442,1-4 838,-2 4 0,0-11 0,-1 3 0</inkml:trace>
+  <inkml:trace contextRef="#ctx0" brushRef="#br2" timeOffset="100">11015 6192 8136,'-14'4'-395,"4"-2"260,-2 4 1,1 1 32,2 6 0,1 1 320,1 5 1,2 4-118,2 1 1,2 3 37,-2 1 1,2 2-93,1-2 1,4 2-131,2-5 0,6-2 81,0-1 1,5-4-453,-2-2 0,3-3 67,0-4 387,1-3 0,4 2 0,1-3 0</inkml:trace>
+  <inkml:trace contextRef="#ctx0" brushRef="#br2" timeOffset="101">11164 6266 8136,'-6'0'220,"-1"0"1,2 1-34,-1 2 1,1 3-168,2 3 0,2 3 64,-2 1 1,1 3-87,2 0 0,4 1-7,-1 2 1,4 0-126,-1-1 0,2-3-81,2-3 0,2-3 190,1-2 0,-1 0-178,-3-4 0,1 0 87,-1-3 1,-3-5 37,0-4 1,-3-2-10,4-4 0,-5-1 230,1-2 1,-2-1-51,-1 0 0,0 1 101,0-1 0,-3 4 29,0-1 1,0 4-99,3-4 0,-4 5 159,1-2 0,0 3-91,3 1 0,0 2-6,0 1 1,4 1-43,3-1 1,-2-1-210,1 4 1,0-1 47,3 4-86,1 0 0,-1 1 106,0 3 0,1 2 40,-1 6 0,-3 0-22,0 3 1,0 1-6,0 2 0,1 1 85,-4-1 1,3-2-74,-3-1 0,2-2-33,-2 2 1,-1-3 13,4 0 0,-3-6-6,3-2 1,-3-3-74,4-1 0,-4-1 90,3-3 1,0-5-79,3-6 0,0 0 54,-3 0 1,2-1-67,-2-3 0,3 2 52,0 1 0,-1 3-45,-2 4 1,3 0 101,-3 3-15,-2 2 1,3 5 211,-4 2 1,4 2-78,-4 5 0,0 2 13,-3 0 0,1 4-99,2-4 0,-2 1-209,2-4 1,-1-1 142,1-1 0,-1-3-147,5-4 88,-5 0 0,5-5-72,-4-5 1,3 0-101,-3-6 0,3 4 87,-2-4 0,2 4 99,-3-4 0,4 5-43,-1-1 0,0 1 131,0 2-108,0 0 0,2 3 200,-2-1-145,3 5 1,-5-1 18,2 6 0,1 2-122,-4 5 0,4-1 95,-4 0 0,3 1-422,-3-1 0,3 1 162,-3 3 1,5-3-538,-2 2 0,-1-1 807,1-2 0,-4 5 0,2 0 0</inkml:trace>
+  <inkml:trace contextRef="#ctx0" brushRef="#br2" timeOffset="102">11815 6145 8136,'-5'0'-118,"0"0"118,2 0 1168,2 0-720,-3 4 0,4 6-37,0 5 1,4 4-112,2 2 0,4 8-23,2 9 1,-1 0-123,5 5 1,-4 4-358,4 3 0,-4-1-355,4-2 1,-5-8 360,1-2 1,-4-9-798,-2 0 1,-3-9-101,3 0 1093,-4-7 0,2-3 0,-4-5 0</inkml:trace>
+  <inkml:trace contextRef="#ctx0" brushRef="#br2" timeOffset="103">11769 6266 8136,'-5'-14'39,"-4"-4"1,8 7 239,-2-5 1,3 4 469,3-4 1,6 4-298,3-4 0,4 6-212,-4 1 0,5-1-124,-2 4 1,3 2 92,0 1 0,-2 2-474,-1 1 1,-3 1 220,0 2 0,-3 5-43,-2 5 1,0 0-53,-4 0 1,0 0-164,-3 3 1,-3 0-194,0-3 0,-4 2 179,0-3 0,2 1-288,-1-4 0,1 1 232,-1-1 1,-2 0-294,5 0 665,0-3 0,-1 2 0,-1-3 0</inkml:trace>
+  <inkml:trace contextRef="#ctx0" brushRef="#br2" timeOffset="104">12169 6015 8136,'-5'-5'0,"-3"-4"0,3 8 349,-5-2 1,4 2-78,0 1 0,3 0 142,-3 0-25,-1 0-155,-2 4 0,1 1 19,2 5 1,-2 2-34,5 1 1,0 0-203,3 0 1,0 1 127,0 5 1,4-1-234,3 1 0,1-1-145,1 1 0,0-3-161,1-1 0,-1-3-84,0 0 0,1-3 197,-1-3 0,0-1-284,1-5 393,-1 0 1,-1-8-23,-2-1 1,2-3 104,-5-1 0,0-1 163,-3-5 0,0 4 251,0-1 1,0 2-187,0-2 1,0 0 197,0 3 0,0 1-113,0 2 1,0 1 270,0 0-114,0 4 262,0 0-256,0 5-396,4 5 1,-2 0-124,4 4 0,-3 0 85,4 1 0,-4-1-300,3 0 0,-1 1 161,1-1 1,1-3-394,-3 0 337,3-4 0,-2 3-117,4-5 0,-2-5 80,-1-1 0,-3-2 252,3-1 1,-3-1 66,3 1 1,-3 0 258,4-1 0,-4 2 185,3 2 0,-3-1-262,3 4 1,-3-1 68,4 4 0,-1 0-1,3 0 1,-3 5-182,1 1 0,-1 2 83,3 1 1,0 1-291,1-1 0,-1-1 4,0-2 1,4 2-139,-1-5 137,1 0 1,-4-3 92,0 0 1,-1-4-4,-1-2 0,0-4 0,-4-2 0,3 2 124,-3-3 1,0-1-59,-3-2 0,0 2 96,0-2 0,-3 5 3,0-2 1,-4 3 469,1 1-314,-3 3 0,0 2-97,0 4 1,0 5 147,-1 5 0,4 0-46,0 6 0,4-1-194,-1 4 0,2 3-79,1-1 1,1 1-263,2-3 1,2-4-676,4 1 1,2-2 494,1 2 0,2-4-374,5-6 1,1-1 766,1-1 0,3-3 0,4 3 0</inkml:trace>
+  <inkml:trace contextRef="#ctx0" brushRef="#br2" timeOffset="105">13305 5959 8283,'-9'0'-759,"0"0"303,-1 0 626,1 0 0,0 4-65,-1 2 0,5 3 208,2 0 1,2 4-53,1 3 1,0 2 65,0 4 0,4-5-440,2 1 0,3-1 102,0 2 1,3-5-298,1-2 1,-1-5 176,-2-4 0,2-2-88,0-1 1,1-2 54,-4-4 0,-3-2-21,0-7 0,0-1 84,0-2 0,-1-1 46,-2 0 1,-2 1 244,2-1 1,-2 4-72,-1-1 1,0 5 534,0-2-239,0 7 16,0-2 0,1 8-124,2 0 0,-2 4-118,3 5 1,0 4-197,-1-1 0,3 2-234,-3-2 0,4-2-677,0 3 0,1-3 172,1-1 746,-4 1 0,8-1 0,-3 0 0</inkml:trace>
+  <inkml:trace contextRef="#ctx0" brushRef="#br2" timeOffset="106">13519 5968 8238,'0'-5'629,"-1"-2"-337,-2 4 1,2-1 667,-2 0-221,2 3 931,1-3-1265,0 13 0,3-3-398,0 6 0,1-1-33,-1-2 1,0-1-385,3-2 0,-4 3 350,1-3 1,1-1-840,-1 1 667,4-4 0,-5 2 4,5-4 0,-4 0-336,3 0 268,0 0 0,4-3 126,-1 0 1,-3-3-143,0 3-58,0-4 1,4 5 147,-1-5 0,-3 5-407,0-1 0,1 2 629,2 1 0,0 0 0,1 0 0</inkml:trace>
+  <inkml:trace contextRef="#ctx0" brushRef="#br2" timeOffset="107">13855 5931 8185,'-6'-5'0,"-1"0"538,4 2 888,-4-3-688,2-3 0,-2 3 208,1 0-286,4 4-400,-6-3 0,7 6-107,-2 3 0,2 1 92,1 4 0,0 3-302,0 1 0,0 3-205,0 0 1,1-2-300,2 2 1,1-5-165,2 2 1,2-3 343,-1-1 1,-2-3 57,1-3 0,0-2 118,4-1 0,-4-5 96,0-5 1,-1-4-128,1-8 0,2 1 489,-5-3 1,0-5-37,-3-6 1,0-1 121,0-1 0,-4 0-95,-3-1 1,2-2-131,-1 0 1,0 4 427,-3 5 1,2 7-188,1 5 0,4 8 48,-1 5 0,2 6-87,1 3 0,0 7-42,0 12 1,4 6-133,2 6 1,-1 3-131,2 3 0,-1-1-1097,3 1 0,4 0 601,-1-2 1,0 0-2794,-2-7 3277,3-4 0,2 2 0,1-4 0,-3-3 0,-5-1 0</inkml:trace>
+  <inkml:trace contextRef="#ctx0" brushRef="#br2" timeOffset="108">14804 5754 8213,'0'-5'200,"0"-3"0,1 4 213,2-3 1,-2-1 215,3 2 508,-3 2-681,-1-5 0,-1 7-124,-3-4 1,2 4-159,-4-1 1,0 2-134,-3 1 1,-4 3 84,1 0 0,-1 4 76,4 0 0,0 2-544,-1 3 0,2-1 194,2 1 0,-1 2-421,4-2 0,0 4 268,3 0 1,4-2-152,2 2 0,2-2 203,1 2 0,2 2 115,1-3 1,-1 0 141,1 0 1,-2-4-114,0 2 0,-2 0 418,-2 0 1,-2-1-138,-4-3 1,0 1-141,0-1 0,-1 0 1,-2 1 1,-2-4-585,-4 0 1,-1-4-16,1 1 0,3-2-1126,0-1 1081,4 0 607,-3 0 0,5 0 0,0 0 0</inkml:trace>
+  <inkml:trace contextRef="#ctx0" brushRef="#br2" timeOffset="109">14907 5987 8213,'9'-9'156,"-4"3"0,3-2 357,-1 2 1,4-2-11,1-2 1,1 4-187,-4 0 1,0 0 72,1-4 0,-2 1-142,-2 0 0,3-1-57,-3 1 0,-1-3 88,1-1 0,-4-2-325,1 2 0,1-2 57,0 2 1,-1-2 42,-3 3 1,-3-1-222,-1 4 1,-3 1 80,1 1 0,-2 0 21,-2 4 1,0 0 79,-2 3 0,1 4-72,-1 2 0,2 7 80,0 2 0,4 3 7,0 0 0,4 1-42,-1 0 0,2 0-101,1 3 0,0-2-188,0 1 1,1-2 84,2-4 0,3 0-310,6-3 1,0-2 164,3-1 0,1-4-502,2-5 1,2-1-57,2-2 919,-3-2 0,4-13 0,-4-1 0</inkml:trace>
+  <inkml:trace contextRef="#ctx0" brushRef="#br2" timeOffset="110">15260 5559 8211,'-4'-6'446,"2"-1"-297,-4 4 740,4 0 1,-3 0 325,2 0-668,2 0 0,-3 4-63,4 2 1,0 2-16,0 4 1,1 5-349,2 1 0,1 6 86,2 1 1,2 4-526,-1-2 0,1 3 275,1 1 0,0 0-999,1 0 1,-1-3 248,0 0 0,-2-5-118,-1 2 1,-1-3 39,1-4 871,-2-1 0,0-5 0,2 0 0</inkml:trace>
+  <inkml:trace contextRef="#ctx0" brushRef="#br2" timeOffset="111">15158 5773 8211,'-4'-5'0,"2"-3"1157,-4 5-805,4-4 1,-3 2 739,5-5 1,5 2-417,1 2 0,6-2-158,4 2 0,2 0-266,4 0 1,1 1-207,2-1 1,2 1-1152,-3 1 0,0 3 741,1-2 0,0-1-2647,3 1 3011,-4 0 0,2-5 0,-2-3 0</inkml:trace>
+  <inkml:trace contextRef="#ctx0" brushRef="#br2" timeOffset="112">15652 5810 8137,'-6'4'3276,"-2"-3"-2046,7 7-689,-3-7-75,4 4-466,0-5 0,0 0 0</inkml:trace>
+  <inkml:trace contextRef="#ctx0" brushRef="#br3" timeOffset="113">754 15177 8872,'-9'3'105,"-1"0"-77,-3-1-631,3-1 0,-5-1 367,3 0 1,0 0 75,-3 0 0,3-3 217,-4 0 1,1-5-3,-4-2 1,-3 1 286,0-4 1,1 2-177,2-1 0,2 1 322,1-1 0,3 3 250,3 2-498,5-1 1,3 7-4,8-2 0,6 2-141,9 1 1,4 1 103,6 2 1,7 2-129,9 5 1,5-1-287,-23-4 1,1-1 0,2 1 0,1 0 175,2-1 0,1 1 1,4 0-1,0 0-420,3 1 0,1 1 0,3-2 0,1 1 419,-12-1 1,0 1 0,1-2 0,1 0 0,2 0 0,0-1-207,1 0 1,0 0 0,1 0 0,-2-1 0,1 0 0,-1-1 257,-4 0 1,0-1-1,0-1 1,17 1-1,0-2 74,-3 0 1,-1-2-1,-3 0 1,-1-1-192,-4-2 1,-1-2 0,-5 1-1,-1 0 288,-5 1 1,-2 1 0,20-5 435,-10 5 0,-6-2-352,-9 5 1,-5 3 516,-7 3 0,-5 5-660,-2-2 0,-2 2 0,-2 1 806,-2 1 1,-7 0-713,-5 3-303,-7 1 0,-9 5-87,-6-1 0,-8 1-79,-1-1 0,19-8 0,-2-1 0,-4 1 1,0 0-253,-4 1 0,0-1 0,0-1 0,-1-2 304,-2 1 1,-1 0-1,-1-2 1,-1-1-1417,-1 0 1,-2-1 1436,1 0 1,-2-3 0,-2-1-1,0-2 218,0-3 0,2-2 1,1 0-1,3-3 0,6-2 1,1-3-51,4 1 0,1-1 0,3 1 0,2 0 10,-14-11 1,13 3 802,15 6-561,6 3 0,11 7 0,4 1 408,6 0 1,6 1-612,4 1 1,7 2-18,5-2 1,6-1 1227,6 1-1174,-21 1 1,0 1 0,5 1-1,1 0-52,2 0 0,2 0 0,2 0 1,2 0-1,3 0 0,1 0-2,1 0 0,2 0 0,-14 1 1,0 0-1,1 1-44,15 1 1,0 0 34,-15 0 0,1-1 0,-1 1 0,14 2 0,0 0-9,2 0 0,-2-1 1,-8-1-1,-2-1 9,-3 0 1,-3-1 0,-4 0 0,-3-2 148,14-2 1,-6-1-1,-10-2-41,-4 3-109,-5 2 1,-3-2 49,-3-1 0,-4 1-173,0 3 0,-1 1 1,3 3 81,-2 2-789,-4-2 979,2 4 1,-4 1 0,0 6 0</inkml:trace>
+  <inkml:trace contextRef="#ctx0" brushRef="#br2" timeOffset="114">16601 15940 8346,'-5'-4'-1038,"1"2"1232,4-4 1,4 4-136,2-1 1,4 2 10,2 1 0,-1-4-15,5 1 1,-1 0-2,4 3 1,0 0 31,-1 0 0,2-3-3,2 0 0,-2 0-44,5 3 1,1-3 25,5 0 1,1-3-5,2 2 1,-1-2-2,-2 3 0,-2 0 22,2 3 1,2-1-31,-2-2 0,-4 2-1,-2-2 1,-3 6-43,3 3 0,-4 2-6,0 2 0,-4 2 156,-2 0 0,1 5-107,2-1 1,1-3 82,0-1 0,3 2-114,3-2 0,2 1-1,1-4 0,1 0 30,2 1 0,-1-5 6,4-2 0,1 1-29,6-1 1,-3 0-119,2-3 1,-1 0 95,-2 0 1,3 0 27,1 0 0,-1 3 104,-3 0 1,-2 1-98,3-4 0,-3 3 4,5 0 0,-2 3-16,0-3 1,2 0-1,0-3 1,1 3-81,-4 0 1,0 1 88,0 0 1,4-3-60,-1 2 0,2-2 42,-2-1 0,1 0-41,3 0 1,-2 0 14,-1 0 0,-1 0 2,6 0 0,-4 0 13,4 0 1,-4 0 2,1 0 0,-2 0 68,2 0 0,-7 0 8,1 0 0,-5 4 95,3 2 0,-1-1-87,3 1 1,-3 0 93,0 0 1,0 2-83,4-2 0,0 0-35,2 0 1,-1-4-24,1 1 0,2-2-134,2-1 1,4 0 87,2 0 0,-3 0-405,-4 0 1,1-3 397,2 0 0,3-1-1,-3 0 1,3 3 79,-6-2 0,0-1-74,0 1 1,1-3 9,2 3 1,-2-3-41,-1 2 1,-3-3-114,4 1 0,-2 1 57,2-1 0,-3 3 71,-4-4 0,-2 5 5,-1-1 1,-1-1-29,1 1 0,-2 0 168,-4 3 1,3 1-62,0 2 1,3-1-30,-3 4 0,0-1 10,-3 2 0,-1 0 5,-2-4 1,5 3-83,-2-3 0,2 1 59,-2 0 0,1-3-155,2 2 1,1-1 134,2 1 0,2-2-75,-2 2 0,-1-2 48,2-1 1,-2 0-4,1 0 1,-1 0 7,-2 0 1,-1 0 7,4 0 0,0-3-8,3 0 1,0 0 5,-3 3 0,2-3-60,-2-1 1,1 1 54,-1 3 0,0 0 0,-3 0 1,-2 0-10,2 0 1,1 0 30,-1 0 1,0-3 4,-3 0 1,4-3 9,2 3 0,-2-4-13,-1 0 0,-2 2-12,-1-1 1,1 3-13,2-3 0,-2 3 15,2-4 1,-5 4 171,-1-3 1,-4 3-175,4-3 0,-4 3 255,1-4 1,-4 2-291,-2-1 0,1-2-4,-1 2 1,-2-3 14,2 0 0,-5 3 15,2 0 0,0-2 122,-1-4 1,1 5-120,-4-3 0,3 2 110,-3-4 1,5 1-37,-4-1 1,-2 1 15,-2-2 1,0 2-86,4-5 1,0 4 18,2-4 1,-1 1-80,1-4 1,0 1 93,0-1 0,1-3-83,3 1 1,1-1 58,-5 3 1,3-3-36,-2 1 1,-1-1 42,-2 3 1,-2 4 2,-2-1 1,-2 2-23,-4-2 1,0 0 4,0 3 1,0-2-20,0 2 0,-4 0 21,-2 1 1,-2 0-84,-2-3 1,-2 2 75,-1-2 0,0 3-78,1 0 0,-2-2 52,-1 2 0,-3-3-13,3 2 1,-3 1 48,-1 2 1,1-2 14,-1 0 0,-1-1 55,-1 4 0,1 0-89,-2-1 0,-1 1-129,-2 0 1,-2 2 134,-1 1 1,-3 1-67,0-1 0,-4-2 7,0 1 0,2 2-19,-1-1 1,0 3 47,-3-3 0,-4-1-9,1-2 1,0 3-55,3 0 1,-4 0 51,1-4 0,-7 1 153,4 0 1,-4-1-118,7 1 1,-5 0 25,2-1 1,-6 1-12,0 0 0,-2-1-330,1 1 0,3-1 328,-3-3 1,-1 3-6,2-2 1,-1 1-23,4 2 1,-4 1 20,0 1 0,22 2 0,-1 0-7,1 2 1,0 0-1,1-2 1,0 0 2,0 1 1,1 1 0,-1-1 0,0 0 4,-2-1 1,-1 1 0,0 0 0,0 2-5,-1-2 0,0 1 0,-1 2 0,0 0 0,1 0 0,0-1 0,-2 0 0,1 0-203,-2 0 1,-1 1 0,0-1 0,0 1 201,-2 1 1,0 0 0,1 0 0,1 0 38,1 0 1,0 0 0,1 0 0,0 0-35,0 0 0,1 0 0,-4-2 0,1 1 3,1-1 0,0 1 0,-1-1 0,0 0-1,3 2 1,1 0 0,-1 0 0,-1-1-5,-1 0 0,0-1 1,1 2-1,0-1 21,-1 0 0,0-1 0,-1 2 0,0-1 2,1 1 1,0 0 0,-2 0 0,0-1-27,0 0 1,0-1-1,0 2 1,0-1-239,0-1 1,0 1-1,0 0 1,-1 1 161,1 0 0,1 0 1,-3 0-1,1 0 49,-2 0 1,0 0-1,4 0 1,-1 0 4,0 0 1,1 0 0,-1 1 0,1 1 11,1 0 1,0-1 0,-2 1 0,0-1-47,0-1 0,0 0 0,1 1 0,1-1 40,0 2 0,0-1 0,0 0 0,1-1-5,1 2 1,-1-1 0,1 0 0,-1-1-66,0 1 0,1-2 0,1 0 0,1-1 96,0 1 1,1-1 0,0-1-1,1 0 15,0 1 0,0 1 0,-2-1 0,0 1-32,-1 1 0,0 0 0,1-1 0,-1-1 14,0 0 1,0 1 0,1-1-1,1 1-7,-2 0 0,0 2 0,0 0 1,0 1 66,-2-1 1,1 1 0,1 0 0,1 0-26,0 0 0,1-1 0,0 0 0,1 0 7,0 2 1,0 0 0,0 0 0,-1 0-42,-1 2 1,1 0-1,2-1 1,0 1 4,-1 0 1,0-1 0,-22 7-2,23-5 1,1 0 0,-21 5 24,-2 1 0,7 1-46,-1 0 0,4 3 32,1 0 0,1 1 177,0 2 0,4-3-193,2-1 0,6-2 493,3 2 1,-1 1-548,2 2 0,2-3 382,4-3 0,3 2-338,0-2 1,-1 0 253,4-2 1,2 2-62,7 1 1,0-1 16,0-3 1,1 2-94,2 1 1,3-2-99,7 3 0,1 0 14,5 0 1,2 3-82,1 0 1,3-2-157,-3 2 0,5-2 8,0 2 1,4 0 108,4-3 1,0 2-374,-4-2 0,4-1 126,-1-3 1,5 4 337,2-1 0,3 9 0,-1-2 0</inkml:trace>
+  <inkml:trace contextRef="#ctx0" brushRef="#br3" timeOffset="115">17886 15223 9729,'-5'33'1353,"-2"7"-1132,4-3 0,-2 2 295,2-2 1,2 2-261,-2 1 1,-1 1 188,1 3 0,0-7-249,3-6 0,1-2-2,2-1 0,5-2 87,5-4 0,0-5-323,0-7 0,1-1-89,5 0 0,0-3 88,3 1 1,2-5-113,4 1 0,1-2 5,2-1 0,2 0-152,4 0 1,0 0 188,1 0 1,0 0 45,2 0 1,-5 0 48,3 0 0,-3 1 77,2 2 0,1-1-55,3 4 0,-6-4 23,2 1 0,-6-2-95,0-1 1,1 0 41,-1 0 0,0 0-3,-3 0 0,-3 0 9,0 0 0,0-4 2,3-2 0,-4-2-30,-3-1 1,-2-1 31,-4 1 1,3-5 51,-3-1 0,-4-1-95,-2-2 1,-3 1-3,1-4 0,-3-2 18,-4 1 1,-1-4 7,-2 1 0,-4-2-21,-5-1 0,1 0 2,-5-4 0,1 4-158,-4-4 1,-1 2 10,-1-1 0,0 0 16,-4-6 1,1 6 88,-1-3 0,2 1 119,1 2 1,1-1-38,-4 1 1,4 6 124,-4 0 0,0 5-111,-3 5 1,-1 3 21,-2 5 0,-2 3 341,-4 4 1,-1 4-85,1 3 0,-4 5-2,-3 3 1,3 4-313,1 3 0,1-3 11,2 3 0,-3-2 14,-1-2 0,5-3-119,5-3 1,7-2-241,6-4 0,3-2-1314,6-4 1683,4 4 0,10 1 0</inkml:trace>
+  <inkml:trace contextRef="#ctx0" brushRef="#br2" timeOffset="116">18333 14218 8386,'-9'0'-729,"-1"0"1115,1 0-310,4 0 0,0 0 279,2 0 1,2-4-7,-2-3 0,2-2-165,1-3 1,0-3-161,0-4 0,0 0-129,0-3 1,1-2-80,2-4 1,-1-3 129,4 0 0,0-4-526,3 1 1,2-4 240,1 0 0,-5 0 146,3 7 0,-3 0 1,2 3-1</inkml:trace>
+  <inkml:trace contextRef="#ctx0" brushRef="#br2" timeOffset="117">18370 13398 8388,'-4'-8'-95,"-2"2"0,-2-2-143,-2 1 1,2-1 523,2-1 0,2-4-95,4 1 0,0-8-309,0 2 1,0-4 4,0 0 1,1-1-301,2-1 0,-1-2 212,4 4 0,-4-1 201,1 2 0,3 1 0,-1-3 0</inkml:trace>
+  <inkml:trace contextRef="#ctx0" brushRef="#br2" timeOffset="118">18361 12728 8424,'-13'-15'-462,"3"2"666,1 4 1,1-1 205,5 1 1,-1-4-442,4-3 1,1 2-364,3-2 0,-2-3 156,4-2 1,-1-2-50,1 1 1,-1 3-101,-1-3 0,-3 2 120,2 2 0,-2-1 267,-1 0 0,0 1 0,0-1 0,-4-4 0,-2 0 0</inkml:trace>
+  <inkml:trace contextRef="#ctx0" brushRef="#br2" timeOffset="119">18342 12160 8424,'0'-19'-1173,"-3"4"879,0-1 1,-3 4 925,3-4 1,-1 5-153,1-1 0,2-2-178,-3 2 1,0-5-178,1 2 1,0-3-206,3-1 1,0 1-43,0-1 1,0-3 191,0 1 1,0-2-612,0 1 0,0 3 297,0-3 1,3-1-400,0 1 1,4 1 642,-4 2 0,4 0 0,-2 1 0</inkml:trace>
+  <inkml:trace contextRef="#ctx0" brushRef="#br2" timeOffset="120">18342 11490 8424,'0'-19'0,"0"0"0,0-2 342,0-1 1,-3 1-95,0 6 0,0-3 33,3 3 1,0-3-63,0-1 1,-1 1-99,-2-1 1,2 4-158,-2-1 1,1 1 85,-1-4 1,2 1-348,-3 3 0,3-3 237,1 3 1,0-3-359,0 0 1,0-1 64,0 0 1,1 0-103,3-3 0,0 2 172,2-1 0,-1 1 49,-2 1 1,-2 0 164,2-3 0,-2 5-109,-1-1 0,0 4 314,0-1 1,0 3-94,0 0 0,-1 2 395,-2 0 1,-1 1-77,-2 0 1,-1-1 72,4 1 0,-4-3-91,4-1 1,-3 0 94,3 0-300,0-1 0,3-5 0,0 1 116,0-1 1,0-1-128,0-1 11,0 1 1,3-3 0,1 5-87,1-1 1,-3 0 156,1 1-113,-2 3 0,3-2 0,-1 2 52,-1 1 0,-1 0 49,-1 5-83,0 0 1,0 2 84,0 1-280,0 4 62,0-2-1088,-4 4 611,3 0 193,-4 0 0,10-4 1,0-1-1</inkml:trace>
+  <inkml:trace contextRef="#ctx0" brushRef="#br3" timeOffset="121">21294 10233 9314,'-9'-1'-525,"-1"-1"-261,1-2 675,0-3 0,5 6 308,4-2 1,2-1 13,7 1 1,-2 0-4,6 3 0,0-3-112,-1-1 1,5 1 103,-1 3 0,1 0-167,2 0 0,0 0 23,3 0 0,-1 0-23,4 0 1,-4 0-6,4 0 0,-3-3-104,3 0 1,0 0 30,2 3 1,0-1-28,-2-2 1,1 2 38,-4-2 1,3 2-15,-4 1 1,0 0 49,-5 0 0,0-3 20,-3 0 1,-1-1 171,-3 4 0,1 5-154,-1 1 1,-1 2 180,-2 1 0,3 1-8,-3-1 1,-1 0-5,1 1 1,0-1-134,4 0 1,-1-3-43,0 1 0,4-5-174,-1 1 0,6-5 163,0-1 0,2-6-79,5 0 0,0-1 38,3-6 0,-1 4-4,-3-4 0,5 5 65,-4-2 1,3 3 149,-6 1 0,0 4-77,-4 2 1,0 2 201,-3 1 1,-1 0-93,-5 0 0,3 3-154,1 0 1,0 1-339,0-1 0,0-2 126,3 2 0,4-2-267,-1-1 1,5 0 378,-2 0 1,8 0 0,-1 0 0</inkml:trace>
+  <inkml:trace contextRef="#ctx0" brushRef="#br3" timeOffset="122">19134 15717 10024,'-5'0'-741,"0"0"0,5 1 2379,0 2 0,0-1 0,0 4 0,8-3-1707,1 3 0,11 1-113,1 2 0,9-1-166,5-2 0,9 2 230,6-5 1,-24-1 0,2-1-99,-1-1 1,1 0-1,3 0 1,0 0 173,0 0 0,1 0 0,-1-2 0,0-1-330,-3-2 0,-1 0 1,1 1-1,-1-2 32,0-2 0,-1 1 1,1 0-1,-1 1 175,20-9 0,-4 2-13,-8-2 1,-3 0 237,3 0 1,-1-3-118,1 3 1,-5-4 152,-4-3 0,-5-2-130,-2-4 1,0 1 40,-6-1 0,-2-3 2,-4 0 0,-4 0 48,1 3 1,-6-3-48,-3 0 0,-4-1 6,-2 5 0,-2 2-105,-5 0 1,-3 0 98,0-3 1,-3 1-127,0 2 0,-2 0 6,-1 3 1,3 0 28,0 3 0,1 2 7,0 1 0,-3 2 62,2 1 1,1 6 33,-1-2 0,-1 6 265,-5 0 0,1 2-284,-4 1 1,1 1-73,-1 2 0,-2 2 104,2 4 1,1 1-110,-2-1 0,4-3 54,-3 0 1,3 0-8,-3 0 1,0 1 31,-3-4 0,3 4 8,-1 0 1,5-2 132,-1 1 0,2 0 17,1 3 0,6 1 44,3-1 0,0 0-131,4 1 0,0 2-5,0 0 1,4 5-18,-2-1 0,3-2 4,1 2 0,2-1 9,1 4 1,4-1-8,-1 1 1,2 0-9,1-1 1,1 2-5,2 2 0,-1 1 36,4 5 0,2-3-61,4 0 1,-1 1-176,5 5 0,-1-3-95,4 0 1,1-1-237,1-6 1,0 5 451,4-1 1,4-2 0,4 0 0</inkml:trace>
+  <inkml:trace contextRef="#ctx0" brushRef="#br3" timeOffset="123">19171 3585 12056,'-4'-10'2361,"2"2"-2434,-4 2 1380,-1-2 1,1 8-1238,0 0 1,3 4 1028,-3 5 0,1 6-45,-2 3 1,0 2-434,4 5 1,-1 1 182,1 5 0,2 2-443,-2 4 0,2 1-267,1 3 0,4-2 281,2 4 1,-1-3 54,1 0 0,0-3-1021,4-3 1,-4-2 132,0-4 0,-4-4 140,1-2 1,-2-7 106,-1-2 0,-1-3 342,-2-1 0,1-3-61,-4-3 1,0-3-681,-4-3 1,3 1-120,-2-5 0,4-2 314,-8-3 1,5-6-40,-4-1 1,-2 0 50,2-6 1,-4 1-97,4-1 1,-4 3-33,4 3 0,-2 1-66,2 3 1,3 1 1091,-1 5 1,1 4-219,3 2 0,-1 3 9,0 3 1,0 4 271,4 9 0,0 0-192,3 9 0,0 1-37,0 5 1,4-2-210,2 2 1,3-5-9,0-1 1,1-5-7,3 2 0,-2-6 53,5-4 1,-5-3-484,1-3 0,2-1-407,-2-5 1,-2 0 288,-4 0 0,0-6 508,3-3 1,1-1-31,-1-6 0,-1 1-91,-2-4 0,3 2-68,-3 1 1,1-1 970,-1 5-465,3 0 1,-4-2 0,4 0 0</inkml:trace>
+  <inkml:trace contextRef="#ctx0" brushRef="#br3" timeOffset="124">18817 3948 13280,'-4'-10'-711,"3"1"3312,-3 4-2256,4 1 1,1 5-117,2 2 1,2 6 99,5 7 0,-1 2 355,0 4 1,4 2-247,-1 4 0,5 1-157,-2 2 1,3-1-313,0 4 0,1-4-36,0 1 0,-1-3 0,1-3 0,-2-3 379,-1-7-643,1-1 50,-6-9 1,1-5 481,-6-6 0,2-6 243,-5 0 0,3-5-30,-3 2 0,4-6 109,0-1 1,2-3-40,3 4 0,0-2 35,3 1 1,1 3 35,2-3 0,2-1-114,2 1 1,-2 1-168,5 2 1,-3-1-666,3-1 1,-5 4 25,2-2 1,-3 4 1,-4-1 1,0 0 72,-3 3 0,-5 1-97,3 3 1,-7-1-1189,0 1 1051,-2 0 0,2 3-874,0-1 1315,0 5 1,-3 2 0,0 5-1</inkml:trace>
+  <inkml:trace contextRef="#ctx0" brushRef="#br3" timeOffset="125">20279 7868 9737,'-9'0'-780,"3"-3"432,-1-1 455,5 1 652,-2 3-523,4 0-89,8 4 1,-1-2-123,5 1 0,1 1-8,0-1 0,3 3-14,0-3 0,2 1 0,0-1 1,4-2-75,0 3 1,3-3 47,0-1 0,2 3 23,1 0 1,-1 1 30,-2-1 1,2 1-88,-2 2 1,-2 2 99,2-5 0,-4 4-9,1-1 1,-6-1-13,0 2 0,-1-5-22,4 1 0,-2-2 24,-1-1 1,2 0 36,-3 0 1,3 0-36,0 0 1,1-1 76,-1-2 0,4-3 25,0-3 1,1 3 4,-2 0 1,0 0 0,4-4 0,-4 4 0,0 0 1,-2 4-62,-4-1 0,2 2 32,-5 1 1,4 0-77,-4 0 0,1 1 16,-4 2 0,4 1-109,-1 2 0,0 1 169,-2-4 0,3 4-155,3-4 1,-2 1 11,2-1 1,-2-2-1,2 2 1,4-2 43,-1-1 0,2-3-60,-3 0 1,1-4 240,0 0 1,2-1-96,1-1 0,0 1 26,-4 1 1,4-1-60,0 2 1,3 1 58,-4-1 0,2 2-36,-1-2 0,-3 4 38,3-1 1,-2 2-58,-2 1 1,1 0-9,0 0 1,-1 0-108,1 0 0,0 0 109,-1 0 0,-2 3-114,-1 0 1,1 0 47,2-3 1,3 0 8,-2 0 0,1 1-12,-4 2 1,1-1-10,2 1 0,3 1-30,0-1 1,-2 3-32,-4-3 0,1 1 64,-1-1 0,0-2-33,0 3 0,-2-3 79,-1-1 1,-2 0-142,5 0 1,-5 0 45,2 0 0,0 0-206,-1 0 0,1 0-306,-4 0-100,0 0 1,1-4 733,-1 1 0,0 0 0,1 3 0</inkml:trace>
+  <inkml:trace contextRef="#ctx0" brushRef="#br3" timeOffset="126">21638 7905 13155,'13'-5'426,"-1"2"1,4-2-479,-4 2 0,5 0-76,-2 3 1,6 0-65,1 0 0,-1 0 54,-2 0 1,1 3-79,1 0 1,-1 5 96,2-2 0,-3-1 22,0 1 0,0-1-236,-1 2 1,0 1 88,-3-2 0,3-1 101,-2 2 1,-2-2 109,2 1 1,-1-1-56,4-2 0,-2-2 178,-1 2 0,1-2 159,-1-1 1,0 0-14,0 0 0,0 0-137,-3 0 1,2 0 42,-2 0 0,-1-1 157,-2-2 312,-1 2-435,-4-3 724,-1 4-1035,-4 0-168,-8 0 1,5 1 261,-7 2-598,3-2 559,2 3 0,-3-8 1,3-1-1</inkml:trace>
+  <inkml:trace contextRef="#ctx0" brushRef="#br3" timeOffset="127">20428 7961 10886,'9'-1'834,"1"-2"1,-1 2-544,0-2 1,5 1-378,1 2 0,0 4-102,0-1 1,0 3-57,0-3 0,3 3 135,-3-3 1,3 1-121,1 0 0,-1-3 75,1 2 0,-1-2-129,1-1 0,-1 0 94,-3 0 0,2-4 281,-5-3 1,5-1 216,-2-1 1,-1 3 2,-2-1 1,1 1 4,0-3 1,2 4-89,-2 2 0,2 2-139,-2 1 0,-1 0-12,-3 0 1,4 1-87,-1 2 1,1-1-198,-4 4 0,0-3-18,1 3 0,2-3-21,0 4 1,2-5-87,-2 1 0,0-2 332,3-1 1,1 0 27,2 0 1,-1-1 93,2-2 0,-3-4 151,6-5 0,1 2-19,-2-3 1,4 0-7,-3 0 0,3 1 14,-4 3 0,1-1-42,-3 1 0,-2 1-22,-1 2 0,0 0-98,-3 3 1,3 2-125,0-2 0,0 2-147,0 1 0,1 0-75,-5 0 0,5 0 25,-2 0 1,0 3-84,0 0 1,-3 4 14,4-4 0,-1 3 105,4-3 0,0 4-17,-1-1 1,1 0 113,0 0 1,-1-3-23,1 3 0,3-4 145,-1 1 1,1-2-34,-3-1 1,-1 0 106,1 0 1,-1 0 48,1 0 0,0 0 27,-1 0 0,1-1-85,0-2 0,-1 2 82,1-2 1,-1 1-168,1-1 1,0 2 36,-1-2 1,1 2-568,0 1 0,0 1-51,3 2 512,-7-2 1,11 7-1,-6-3 1</inkml:trace>
+  <inkml:trace contextRef="#ctx0" brushRef="#br1" timeOffset="128">22700 8017 13438,'-19'0'-433,"2"0"-256,1 0 0,-2 0 309,-1 0 1,-2 4 642,-7 2 1,0 2-221,-9 2 0,-3 2-346,-10 0 1,24-3-1,-2 0 284,-2 0 1,-2 1-1,1-2 1,-1 1-291,-3 1 0,-1-1 0,0 0 0,-1 0 320,-1 0 0,-1-2 0,2 0 0,0-1-45,-2 1 1,1-1 0,1-2 0,0-1 131,-2 1 0,1-2 1,0-1-1,1 0-88,1 1 1,1-1-1,-1-2 1,1-2-298,1-1 0,0-1 0,1 1 0,0-1 243,-1-2 1,0 1 0,0 2 0,1 1-82,1 0 0,-1 0 0,0 0 0,-1 1 25,-2-1 1,1-1 0,1 1 0,-1-1 64,-2 3 0,0-1 0,3-1 1,0 0-1,-1 1 1,1 1 0,0-3-1,0 0-8,-2-1 1,1 0 0,2 1 0,1-1 87,-2-1 0,0-1 1,4 0-1,0 0-71,1 0 0,-1-2 0,2 1 0,-1-2-85,1-1 0,0 0 0,2 0 1,1-2 131,0 0 1,0-2 0,2 0 0,0-1 24,0 1 1,2-1 0,-17-20 15,4-1 1,9 0 28,3-4 1,3 3 109,7 1 0,1-2-110,4-1 0,3 1-69,4-5 1,1 1 373,2-4 1,4 0-310,5-3 1,4 7 35,5-1 1,1 4-19,6 0 0,-1 1-13,-11 19 1,2 0 0,17-15 24,-15 17 1,1 2-1,20-15-22,-20 13 0,1 1 1,3 2-1,-1 0-55,-1 0 0,1-1 0,0 2 0,0 0 112,23-10 0,-22 10 1,1 2-109,2 1 1,0 0-1,2 0 1,-1 0-13,2 2 0,0 0 0,1 0 1,0 0-35,-3 1 1,0 1 0,3-2 0,0 1-1,-2 2 1,2 0 0,1-1 0,1 1-4,0 1 1,0 1 0,1-1 0,-1 1-72,1-1 0,-1 0 1,1 1-1,0-1 64,2 0 0,1 1 0,0-1 0,0 0 4,-1 0 1,1 1-1,0 1 1,-1 1 10,-3 0 0,0 1 0,2 0 0,0 1-22,-2 0 1,0 0-1,3 0 1,0 1-4,-3 0 1,0 1-1,1-1 1,0 0 0,-3 2 0,-2 0 1,1 0-1,-1 0-104,1 2 0,0 0 0,2-1 0,0 1 109,1 0 1,0-1 0,-1 0 0,-1-2 6,-1 2 1,0-1 0,0-2 0,0 1 59,1 1 1,1 0-1,2-2 1,1 0-49,-2 1 0,0-1 0,1 0 1,0-1 61,-3 0 1,-2 0 0,1 0 0,-1 0-39,1 0 1,0 0 0,0 0 0,0 0 99,0 0 0,0 0 0,-3 2 0,-1-1-3,23 2 0,-2 2 124,-2-2 1,4 1-145,0 2 0,-4 2-10,-2-2 1,-4 3-7,3 0 0,-3 3-20,0 1 1,-1-1 29,2-2 1,-3 0-56,2 2 1,2-1-7,-2 1 0,-1 2 38,-4-2 1,-2 1 260,-2 0 0,-2-3-260,2 3 1,-2 0 0,-1-1 0,-1 5-149,1-1 1,-1 1 60,-2 2 0,-2-4 279,-4 1 1,-1 2-421,1 4 0,-8 0 365,-2-4 1,-5 1-181,-1 0 0,-2-1 253,-1 1 0,0 0-59,0-1 0,-3 4-23,-1 0 1,-2 0-12,3 0 1,0-1-48,3 4 0,0-4-243,0 4 0,-3-3 91,0 3 1,0-5-112,3 2 0,-1-2 89,-2-2 1,1-2-5,-5 0 1,4-2 191,-3 2 0,0-3-167,-3-4 0,-4 4 330,1-1 1,-4 1-70,4-4 0,-4 3 140,4 1 0,-5 0-101,2 0 0,-2-3-108,2 2 0,-3 2-15,3-2 0,-1 1-16,-3-4 0,6 0-139,-6 0 1,3 1-62,-3-1 1,-4 0 39,-1 1 1,0-1 7,-1 0 1,-3 1 131,-3-1 0,-5 0-41,-1 1 0,2-1-114,-2 0 1,2-3 46,-2 1 0,-3-1 10,3 3 1,-2-4-234,5-2 1,-2 2 178,-2-2 1,-2 0-261,0-3 1,-1 0 82,4 0 0,0 3 21,0 0 1,-4 0-12,1-3 1,3 1-133,2 2 1,2-2 42,-1 2 0,-1 2-71,4-2 1,3 0-598,3-3 0,5 0 312,-2 0 0,-1 0 630,1 0 0,1 0 0,2 0 0,0 0 0</inkml:trace>
+  <inkml:trace contextRef="#ctx0" brushRef="#br1" timeOffset="129">23128 6676 13531,'-4'-5'-133,"-1"1"0,0 9 1543,2 4 0,6 7-1092,3 8 0,7 6-174,6 11 1,6 5-134,-9-20 1,2 1 0,1 5 0,1 0-398,4 4 1,2 0 0,1 1 0,1 1 358,1 1 1,1 0-1,-1-2 1,1-2 76,-2-3 1,0-2-1,-3-1 1,0-2-108,-1-2 1,-1 0-1,-1-2 1,0-1-354,-3-1 1,-1-1 0,17 17 14,-11-6 0,-2-2 110,-6 2 0,-3-2 6,-4-1 0,-3-4 224,-3-3 1,-2-2-268,-1-4-1473,4-1 2287,1-9-482,4-5 0,1-13 0,-1-7 1</inkml:trace>
+  <inkml:trace contextRef="#ctx0" brushRef="#br1" timeOffset="130">23938 6592 14551,'-13'-5'-656,"-3"2"1,0 2 703,0 1 0,0 9 1556,3 7 1,-3 9-380,0 10 0,-6 11-823,10-19 1,0 2 0,-5 5-1,-2 2-758,0 7 0,-2 1 0,5-13 1,0 1-1,-1-1 468,0 4 1,-1 0 0,1 1 0,-1 0 0,1-1 0,0 2-36,-1 0 1,1 0-1,-1 0 1,2 0-1,-1 0 1,1 0 114,-2 0 1,0-1 0,1 0 0,-4 11-1,0 0-429,1-5 1,0 0 0,2-3 0,1-1 67,0 0 1,0-1 0,0-2 0,2 0-616,0-1 1,2 0 0,2-5-1,2-1-179,-6 22 0,7-11-2017,5-8 2980,10-10 0,-2-2 0,7-9 0,0-3 0</inkml:trace>
+  <inkml:trace contextRef="#ctx0" brushRef="#br1" timeOffset="131">24143 5819 9849,'0'-14'1406,"-1"0"-1725,-2 5-69,2 0 1512,-3-1-313,4 5-349,0 1 0,0 5-53,0 2 0,0 3 279,0 7 1,3 1-386,0 5 0,0 4 30,-3 2 0,0 6-261,0 3 0,0 5 85,0 1 1,0 6-414,0 0 1,0 4 154,0 3 1,0-3 59,0-7 0,1-3 106,2-6 0,2-7-105,5-8 0,0-6-257,2-6 0,3-4 73,4-6 0,2-7 440,1-5 1,3-3-46,-3 0 0,0-1-36,0 0 0,1-2-96,2-1 0,-2 0 2,-1 4 1,-2 0 289,2 2 1,-3-1-333,0 1 1,-5 3-344,-1 1 0,-1 1-162,-3 2-1255,3 4 524,-7 1-373,0 4 1624,-1 0 1,-8 4 0,-1 1 0</inkml:trace>
+  <inkml:trace contextRef="#ctx0" brushRef="#br1" timeOffset="132">24469 5857 8918,'-15'9'-58,"3"0"0,2 1 648,0 3 0,5 6-76,2 5 0,2 8 48,1 6 0,1 5-245,1-17 0,-1 1 0,0 1 1,0 2-225,2 4 0,0 0 1,-1 1-1,0 0 79,0 3 0,2-1 0,-1-2 0,0-1-31,1-1 1,1-1-1,0-2 1,0-2-360,-1-1 1,1-1-1,4 22 210,1-2 1,-1-8-771,0-11 1,-3-5 486,1-9 0,-1-2-681,3-8 0,0 0 972,1-3 0,-1 0 0</inkml:trace>
+  <inkml:trace contextRef="#ctx0" brushRef="#br0" timeOffset="133">19804 5344 7932,'-6'0'-250,"0"0"1,3 0 1040,-4 0 0,1 0-266,-3 0 0,0 0-199,-1 0 1,0 0-39,-2 0 1,-3 4-34,-4-1 1,-3 1-2,-3-1 1,-6-1 21,-3 4 0,-4-3-32,-2 3 0,-2-2-397,-5 2 0,-4 0 197,25-2 0,0 1 0,-2 1 1,1 1-134,-1-1 1,0 0 0,1 1 0,1 0 78,0-1 0,-1 0 0,-21 7-119,-2 3 0,25-8 0,-1 1 17,-23 3 0,-2 0-53,1-2 0,3-2-17,-3-2 1,-2 1 101,26-5 0,0-1 1,-2 1-1,1 0 22,-1-2 0,0 0 0,0 0 0,-1 0-2,0 0 1,-1 0 0,0-2 0,0-1 114,-1 0 1,0 0 0,1 1 0,0-1-55,2 0 1,0 0-1,0 0 1,0 1 28,0-1 0,0-1 1,1 2-1,0 0-50,-26 2 1,3-3-56,7 0 1,-2 0 136,5 3 1,-6 0 31,6 0 0,-2-4 42,8-2 1,1-2 1,2 2 0,2-5-76,2 2 1,-1-4 11,0 1 0,-1 0-60,-2-3 1,-2-1 61,-5-2 0,2-1-237,2 0 0,-2 1 41,2-1 1,2 0-73,1-3 0,1 2 80,-2-2 0,4 2-12,-4-2 1,5 2 125,2-1 1,3 1 247,6 1 0,-1 1-355,1-1 1,6 0 216,1 1 0,1-1-234,-1 1 1,3-5 18,0-2 1,3 1-3,-4-1 0,5 1 179,-1-4 0,2 3-166,1 0 1,0 0 34,0-3 0,4 0-41,3 0 0,2 2-14,3-1 0,2 4 38,1-5 0,3 6-3,-3 0 1,3 2 52,1-2 0,0 2-3,3-1 1,-2-2 112,1 1 1,3-1-150,1 2 0,-2 4 127,-2-2 1,2 7-95,-1 0 0,4 1 49,-1 2 0,2 3 36,0 0 0,6 4 9,1-2 0,2 3 29,1 1 0,0 0-129,1 0 1,-1 0 114,0 0 0,1 0 17,3 0 1,-2 0-79,4 0 1,-2 0 40,2 0 1,3 0-32,0 0 1,2-3 70,-8 0 0,2 0 2,-2 3 1,1 0-143,3 0 0,-3 3-18,-4 0 1,1 5 78,-1-2 1,3-1-21,1 1 0,-1-3 78,-3 3 1,5-4-69,1 2 0,2 0 158,-2-1 0,-2 1-146,-3-1 1,-1-1 26,0 4 0,-1 0 7,-2 0 0,2 2-14,-5-2 1,3 2-110,-3 2 1,3 2 93,-3 1 1,0-2-155,-3-5 0,0 2 83,0-1 1,2 1-13,-2 1 1,2 0-23,-5-3 0,0 2-7,0-2 1,4 3 26,-4 0 0,4 0 11,-4 0 1,-1 1 238,1-1 1,-5 0-221,2 1 0,-2-1 140,-2 0 1,-2 0-120,-1-3 1,-2 2 22,2-2 1,-3-1-10,0 2 0,1-2-38,0 1 0,-1 5 17,-2-1 1,1 1-4,-2-2 0,3 5 75,-6 1 1,1 4 24,-1 3 0,-2 3 141,-4 6 0,0 0-152,0 6 0,-4-2 108,-2 5 1,-3-2 83,-4-4 1,0 2 236,-3-2 1,-1-2-216,1-1 0,-1-5 62,-2-1 1,-3-3-367,1 2 1,-1-3 105,3 1 1,-2-6-331,-1 0 0,0-4 107,4 4 1,-1-5-301,0 2 0,5-4 13,1-3 408,3 2 1,-3 2 0,-2 4-1</inkml:trace>
 </inkml:ink>
 </file>
 
@@ -820,6 +819,7 @@
           <inkml:channelProperty channel="F" name="resolution" value="0" units="1/dev"/>
         </inkml:channelProperties>
       </inkml:inkSource>
+      <inkml:timestamp xml:id="ts0" timeString="2024-10-15T13:44:13.845"/>
     </inkml:context>
     <inkml:brush xml:id="br0">
       <inkml:brushProperty name="width" value="0.09071" units="cm"/>
@@ -884,6 +884,7 @@
           <inkml:channelProperty channel="F" name="resolution" value="0" units="1/dev"/>
         </inkml:channelProperties>
       </inkml:inkSource>
+      <inkml:timestamp xml:id="ts0" timeString="2024-10-15T13:44:13.846"/>
     </inkml:context>
     <inkml:brush xml:id="br0">
       <inkml:brushProperty name="width" value="0.09071" units="cm"/>
@@ -902,35 +903,35 @@
     </inkml:brush>
   </inkml:definitions>
   <inkml:trace contextRef="#ctx0" brushRef="#br0">2346 4609 8556,'-9'-14'-19,"0"-1"0,-1 0 494,1 0 0,4 7-90,2-2 1,6 4-190,3 0 0,2-1 15,2 4 1,3-4-27,3 4 1,4-1 32,2 1 1,8 1 25,1-4 1,5 0-165,5-4 1,2 1-174,7 0 1,-22 2 0,1 0 14,3-1 0,1 1 0,-1 0 1,1 0-271,1 1 0,0 0 0,0 0 0,0 0 240,0 0 1,0 0 0,-2 1-1,-1 0 148,2-2 0,-1 1 1,-3 1-1,0 0-16,-1 0 0,0 1 0,23-9 196,-8 1 1,-2-1-168,-3 4 0,-6 1 229,-4 2 0,-6-2 307,-6 5 1,-4-1-548,-5 1 1073,1 2-1117,-7-3 1,-2 4 331,-8 0 0,-2 0-433,-4 0 1,-5-3 85,-5 0 0,-3-2 46,-3 2 1,1-1-153,-4-2 0,0-2 144,-3 1 1,1-1 73,1-1 1,4 0 18,7-1 1,2 4 145,6 0 0,3 3-63,4-3-121,3 3 0,6-1-254,7 4 1,1 0 111,1 0 1,5 0-110,1 0 1,4 4 106,2 3 1,6 1-11,4 1 0,5 1 54,-2-1 1,2 3-14,1 1 1,0 2 46,1-2 0,-5-1 144,-2-3 1,-3 4 346,-3-1 1,-4 1-158,-5-4 0,-6 0 83,-4 1 0,-5 0-122,-1 2 1,-1 0-497,-5 3 0,-3 1-313,-4 2 1,0 5-419,1 2 0,-3 6 291,-4 3 0,1 3 283,-1 4 1,1 1 0,-1 5 0</inkml:trace>
-  <inkml:trace contextRef="#ctx0" brushRef="#br0">10782 7384 8381,'9'-4'-238,"1"1"0,-1-1 726,0 1 0,4 2-53,-1-2 1,8 2-356,-2 1 1,4 0 30,0 0 1,3-1 2,6-2 0,2 2-116,4-2 0,3 2 102,1 1 1,0-4-353,-1 1 0,2 0 305,1 3 0,0 0 50,-3 0 0,-2 0-31,3 0 0,-4 0-15,-3 0 1,-2-1 0,-4-2 1,1 2-3,2-2 0,-2 1-78,2-1 0,-2 1 82,-1-4 1,0 2-83,0-2 0,-1 1 70,-2-1 0,0-2 0,-3 1 0,4 2 255,-1-1 0,-1 4-198,0-1 1,1-1 8,3 1 1,1-1 17,2 4 0,-5 0-19,2 0 0,-2 0-21,2 0 1,0 0 24,0 0 1,-5-3-15,-1 0 1,-2-4-172,-2 1 0,0-2-30,-2-2 1,-3 1-668,-4 0 0,3-1 193,-3 1 572,7 0 0,-10-5 0,7 0 0</inkml:trace>
-  <inkml:trace contextRef="#ctx0" brushRef="#br0">14078 8482 8378,'-10'-9'0,"-2"0"0,0-1 399,0 1 1,2 4-152,1 2 0,3 3-40,-1 3 1,1 4-44,-3 9 1,0 3-195,-1 9 0,1 4-32,0 2 1,3 7 123,3 2 1,2 2-392,1-2 0,4-3 280,3-5 1,5-3-142,4-4 0,4-10-5,2-5 0,4-7 20,-1-6 1,2-5 237,1-5 0,-5-4 201,-1-8 1,-2-2 201,-2-4 1,-3-3-173,-3 0 0,-6-3 139,-2 3 1,-3-1-90,-1 1 1,-8 4-197,-1-4 1,-6 8-9,-1-2 0,-3 6 11,-2 3 0,1 3-336,-2 4 1,7 3-484,2 3 0,3 2-494,1 1 0,4 4 521,1 3 0,3 4 640,1 1 0,5 5 0,0-3 0</inkml:trace>
-  <inkml:trace contextRef="#ctx0" brushRef="#br0">14544 8436 8396,'-7'-3'314,"1"-1"0,3 1 63,-3 3-69,4 0 1,-3 1-72,1 2 1,2 7-329,-4 5 0,3 7 109,-3 3 1,4 6-8,-1 3 0,2-1-13,1 1 1,1-1-118,2 2 0,2-4 33,4-7 0,4-2-216,-1-6 0,5-4 296,-2-6 0,0-3-48,0-6 0,-2-3 442,2-6 0,-3-7-192,0-6 1,-3-2 119,-3-1 1,2 0 21,-5 0 1,0 1 74,-3-1 0,0 1-238,0 2 1,-4 3-260,-2 7 0,-3-2-568,0 5 1,-3-1 393,-1 4 0,1 1-759,2 1 0,4 3 80,0 4 937,4 0 0,-6-4 0,2-1 0</inkml:trace>
-  <inkml:trace contextRef="#ctx0" brushRef="#br0">14860 8305 8361,'-1'-5'-644,"-2"2"1800,2 2-184,-3 1-758,4 4 1,1 2 40,2 7 0,2 5-320,4 7 0,1 6-60,-1 3 1,1 4-101,3 2 0,-3 1-250,3 3 0,-2-3-152,1-4 0,-1-3-105,1-3 0,-3-7 16,-2-2 716,-3-6 0,0-3 0,1-4 0</inkml:trace>
-  <inkml:trace contextRef="#ctx0" brushRef="#br0">14897 8287 8267,'-14'-10'149,"1"1"0,4 0 319,3-1-1,2 1-268,4 0 1,1-1 85,2 1 0,3 0-150,7 0 0,-2-1 109,4 1 0,2 3-43,5 0 0,-2 3 32,5 0 0,-4 2-304,1 1 1,-3 1-13,0 2 1,-1 3-66,-3 3 0,-1 4-16,-5 3 0,-4 1 160,-2 2 0,-2 3 33,-1 0 0,-4 2-29,-2-2 1,-7 3-42,-2-3 0,0 2 47,0-2 1,-1-1-69,-2-6 0,-1 2 7,0-5 0,5 0-12,2-6 1,1-2-393,2-4 350,4 0 0,1-1-29,4-2 0,2-1 61,4-2 0,1-3 107,9 3 1,-1 1-73,4-1 0,3 3 76,-1-4 1,4 5-97,-3-1 1,4 3 17,-2 3 0,-1-1 64,-1 5 0,-2 0-2,-2 5 0,0-1 177,-3 1 1,-5 2-79,-7-2 0,-2 4 566,-1 0 1,-5-1-291,-5 0 1,-3 1 237,-6 2 1,0-1-278,-3 1 1,2-4-268,-2 4 0,0-5-685,0-1 0,-1 2 414,2-2 1,4-1-430,-2-4 0,6-3 77,-3-4 536,9 0 0,-9 0 0,5 0 0</inkml:trace>
-  <inkml:trace contextRef="#ctx0" brushRef="#br0">11043 14236 8480,'-6'-12'-428,"3"-1"0,4 1 742,6 3 0,8 0 19,13 3 1,12-1-424,10 4 1,-21 1-1,1 1-333,2 1 1,1 0 0,3 0 0,2 1 401,2 0 1,0 1-1,2 0 1,0 1 56,-1 2 0,-1-1 0,1 1 0,-1 0-4,-4 0 1,-1-1 0,0-1-1,-1-1 116,1 0 1,-1-1-1,-2 0 1,1-1-87,-2 0 0,0 0 0,-3 0 0,-1 0 242,19 0 1,-8 0 90,-7 0 217,-6-4-259,-10 3-30,-7-3 1,-16 4 423,-5 0 0,-4 0-565,-5 0 1,-6-1 47,-6-2 0,-5 1-197,-2-4 0,0 1-322,1-4 1,0 2 160,-3-5 1,8-2 137,1 2 0,7-4 21,2 4 0,8-4 118,2 4 1,7-1-158,5 4 0,6 0 33,4-1 0,5 5 48,4 2 0,2 2 10,4 1 1,2 1-14,4 2 0,3 2-4,0 5 0,3-1-30,-3 0 1,3 5-4,-3 1 1,3 2 88,-3-2 0,-1 2-22,-5-5 1,-2 4 289,-4-4 1,-8 4-68,-2-4 0,-7 1-67,-2-4 0,-9 1-543,-10 3 0,-4 2 158,-8 7 0,-4 2-448,-5 4 1,1 1-550,17-14 1,0 1 1125,1 0 0,-1 1 0,-2 2 0,-1 1 0,1 1 0,0 0 0,-1 0 0,1 1 0,-1 0 0,0-1 0</inkml:trace>
-  <inkml:trace contextRef="#ctx0" brushRef="#br0">20493 11499 8336,'-5'-5'386,"1"6"203,4 8 0,0 5 379,0 4 1,1 10-384,2 6 0,2 9-236,0-17 1,-1 0 0,1 2-1,0 1-408,-1 4 0,1-1 0,0 1 0,-1-1 70,1-1 0,0 0 0,-2-2 0,0 1 84,0-4 1,0 0-1,3 23 38,4-9 0,-4-8-156,0-10 0,-1-9-735,1-4-712,3-6 1,-7-3 675,4-6 1,-3-6 793,3 0 0,-4-9 0,3 2 0</inkml:trace>
-  <inkml:trace contextRef="#ctx0" brushRef="#br0">20260 11564 8407,'-9'-3'-552,"0"0"765,-1 0 1,4 3 382,0 0 0,5 0 181,1 0 1,5 5-270,8 4 1,2 5 64,7 4 0,3 2-160,6 2 0,6 1-407,6 5 1,-19-12 0,0 0 89,2 1 1,1 1 0,-1 0 0,1 0-295,2 1 1,0-1-1,0 0 1,-2 0 200,0 0 1,-1-2 0,-1-1 0,0-2-302,18 9 1,-7-6-547,-8-4 0,-5-5 460,-7-1 0,-3-3-783,-4 0 319,-3-2 32,-2-1 0,-4-2 816,0-5 0,0-3 0,0-9 0</inkml:trace>
-  <inkml:trace contextRef="#ctx0" brushRef="#br0">20903 11434 8182,'-19'-4'0,"4"3"770,-1-3 1,4 5-202,-4 6 0,0 7-2,-6 11 0,-2 12-366,11-14 1,-2 1-1,-3 5 1,-1 2-385,-2 5 1,-1 2-1,-3 4 1,0 1 300,7-13 0,-1 0 1,0 0-1,0 1 0,1 0 1,-1 0-114,-9 13 1,0-1 0,3-1 0,0-1-160,1-2 0,1-1 0,3-3 0,1-1-328,4-4 0,2-1 1,1-4-1,3-2-2308,3 8 2790,2-4 0,4-8 0,0 0 0</inkml:trace>
-  <inkml:trace contextRef="#ctx0" brushRef="#br0">11424 7458 8059,'-37'8'-288,"0"-2"0,-2 3 457,1-3 0,-1-2-419,5-1 1,-5-3 353,-2-3 0,-9 1-63,0-4 0,21 1 0,-1-1-247,2-1 0,0-1 0,-2-1 0,-1 0 238,2 0 0,-1 0 0,-1-1 1,0 1-5,1 0 0,1 0 1,1-1-1,1 1 61,2 0 0,1-1 0,-23-8 272,4-1 1,3 3-251,9 1 0,1-1-9,8-2 1,1-2-109,2-2 1,5-2 68,1-7 0,3 1-130,1-5 1,3-2 71,3-3 0,3-8 30,3 2 1,8-1 81,7 1 0,3 0-29,-7 20 0,0-1 1,-1 1-1,1 1 8,2-2 1,2 1 0,-1 0-1,1 1-64,2 1 0,1 2 1,0 0-1,1 0 89,3 0 0,0 1 0,-1 1 0,0 0-67,3 0 1,-1 0 0,-2 3-1,1 1-47,-1 2 0,1 0 0,0 0 0,-1 1 25,0 2 1,2 0 0,1 1 0,0 0-93,3 1 0,-1 2 0,1 0 0,0 1 73,0 1 0,-1 0 0,2 1 0,-1-1 9,3 0 1,0 1-1,1-1 1,1 2-53,1-1 1,-1 1-1,0-1 1,1 1-170,-1 1 1,1 1 0,0-2 0,-1 0 166,2 1 0,1 1 1,1-1-1,-1 1 38,1 1 0,0 0 1,0-2-1,-1 0 132,-3 1 0,1-1 0,0 1 0,0-1-14,-1 2 0,-1 0 1,1 2-1,-1 0-172,-3 1 0,0 1 0,0 0 0,-1 1 202,20 7 1,0 3-55,-24-6 0,-2 0 1,21 13 229,1 0 0,-2 4-29,-1-1 0,-1 2-416,-1 5 1,-8-4 153,-2 4 0,-2-4-150,-4 0 1,-1 4 180,0 3 1,-3-3-207,1-1 0,-7 1 77,-2-1 0,-3 1 425,-1-1 0,-3-3-435,-3 0 1,-6 0 371,-4-3 1,-5-2-184,-4 2 0,-2 0-87,-4 3 0,-2-2 100,-4 2 1,-5-1-185,-4 7 1,-1-4-164,16-15 1,0 1 0,0 0 0,0 0 187,-3 0 0,0-1 0,-1 1 0,-1 0-8,-2 0 0,-1-1 0,3-1 1,0 0-84,-3 0 0,1 0 0,1 0 0,0-1 18,-3-2 1,0 0-1,-1 0 1,0-1 64,-4 0 0,0-1 0,2 0 1,0-1-289,-3 1 0,-1-2 0,2 0 0,0-1 373,-1 0 1,-1-2 0,-1-1 0,-1 0 15,-2 0 1,0 0-1,2-2 1,0 0 37,0 1 0,0-1 0,2 0 0,0-1 34,2 0 0,1 0 0,0 0 0,1-1-12,3 0 0,0-1 0,-20 1 6,7-2 0,8 2 129,2 1 1,7 0-489,-1 0 0,7 0 100,3 0 0,3 0-1536,6 0 1662,-5 0 0</inkml:trace>
-  <inkml:trace contextRef="#ctx0" brushRef="#br0">1425 7598 8091,'-5'10'572,"-1"2"1,1 0-1178,-1 3 1,4 2 147,-1 5 0,6 2 579,3 7 1,5 4 45,2 5 0,2 2-247,-2 5 1,-1-5 45,-3-1 1,1-4-153,-1-3 1,-3-1 167,0-8-166,-3-4 208,1-16 1,-4-3-64,0-8 0,0-6 7,0-9 1,-4-3-56,-3-4 1,0-5 70,1-4 0,-2-2-25,1-4 0,-4-1-6,-1-2 0,4 21 1,0-1 133,2 0 1,0-1 0,-2 2 0,0 0-42,-4-25 0,-1 2 151,4 2 0,4 8-58,2 3 0,6 11 319,3 5 0,7 8-126,6 4 0,1 5 12,5-1 1,-2 6-230,2 4 0,2 1 6,-2 1 1,-2 5-166,-2 1 1,-5 3 333,-4 0 1,-4 1-307,-2 0 1,-5-1 30,-1 1 0,-5 0-139,-8 3 1,-1-2 63,-5 2 0,-1-3 30,-1 0 1,0-4 111,-4 1 1,0-4 8,-3 4 1,6-8 161,3 1 0,5-6 4,4 1-234,5-3 0,2 2 63,6 0 1,3 5 149,7 1 0,5 2-241,7 4 1,1 1-182,-1 2 1,2 2-124,-2 2 1,2-3-422,0 3 0,0-2-272,-2-2 1,-2-2 87,-4 0 913,-1-5 0,1 6 0,-1-2 0</inkml:trace>
-  <inkml:trace contextRef="#ctx0" brushRef="#br0">1899 7812 6647,'-5'0'2579,"1"5"-2152,4 4 0,1 5-225,2 4 0,2 5-311,5 2 0,-1 5 164,0 1 1,1 4-56,-1-1 0,0-2 0,1 0 0</inkml:trace>
-  <inkml:trace contextRef="#ctx0" brushRef="#br0">1546 9218 8127,'0'13'-772,"-4"2"579,1 3 0,0 5 674,3 2 0,4 6-45,3 3 1,4 6-674,1 4 1,5 4 262,-1 2 0,-8-23 1,1-1-66,0-1 1,1 0 0,5 24-518,1-2 1,-2-2 293,2-1 0,-3-7-244,-3-6 0,-4-7 506,0-6 0,-1-2 0,1-4 0,-2 3 0</inkml:trace>
-  <inkml:trace contextRef="#ctx0" brushRef="#br0">1555 9246 8127,'-1'-19'0,"-2"0"0,-1-1 150,-3 1 0,3-1 781,4 8-561,0 0 0,8 2-131,1 1 1,6 3-179,1 0 0,3 4 148,2-2 1,-1 3-158,2 1 0,-3 1-59,0 3 0,-2 2-171,-1 6 1,-4 3 33,-5 3 1,-3 1-75,-4-1 1,-2 5 59,-5 2 1,0 4 137,-8-1 0,-1 2 133,-2-5 1,2 1-120,1-1 0,-1-1 139,-3-5 1,2 1-50,1-8 1,3 0-12,4-2 0,3-4 4,3 0-45,2-4 1,6 7 256,5-3 0,3 2-83,6 1 1,0 2-177,3 1 1,3-1 71,6 5 1,-2-4-213,2 4 1,-2-4-180,-1 4 1,0-4-256,0 4 0,-5-5 24,-5 2 1,0-3-884,-6-1 1403,1 1 0,-4 3 0,0 1 0</inkml:trace>
-  <inkml:trace contextRef="#ctx0" brushRef="#br0">1993 9599 8318,'-9'-9'757,"3"0"0,2 3-328,4-1 1,2 4-209,4-3 0,1 4-94,9-1 1,-1 2 81,4 1 1,-3 1-472,-1 2 0,0 5 230,0 5 1,-1 3-198,-5 0 1,-4 5 57,-2 0 0,-2 5-85,-1-1 0,0 1 128,0-1 0,-4 0 344,-2-3 1,2 2 49,1-5 0,2-3-107,1-6 0,0-1-141,0 0 1,5-4 74,4-2 1,4-3-258,6-3 0,4-2-138,2-4 1,3 0-378,3-1 1,-2 4 678,2 0 0,2 4 0,0-2 0</inkml:trace>
-  <inkml:trace contextRef="#ctx0" brushRef="#br0">1713 11266 7776,'-9'-5'-820,"3"0"854,-1 2 1,4 2 442,-3-2 1,4 3-156,-1 3 1,3 3-128,3 6 1,2 5-5,5 8 0,-1 4-6,0 8 0,4 5-391,-1 5 1,-4-22 0,1 2 235,-2 2 0,1 1 0,-1-4 0,1 0-179,-1 1 0,1-1 0,7 23-495,0-3 0,2-4 319,-5-5 1,0-8-322,-2-7 16,-1-7 514,-4-1 0,-1-18-23,-4-5 0,0-11 139,0-4 0,-4-7 0,-1 2 0,-4-3 0</inkml:trace>
-  <inkml:trace contextRef="#ctx0" brushRef="#br0">1778 11415 8141,'-9'-33'0,"-3"-2"-134,-1 4 0,4 1 186,3 5 0,4 6 235,-1 7 0,3-2-79,3 2 1,-1 3 0,4 3 0,3 0-59,4 0 0,3-1 45,0 4 1,1-3-94,2 3 1,3-1 102,-1 4 1,1 5-348,-3 1 1,-5 3 108,-1 3 1,-7 3-174,-3 4 1,-2 2 22,-1 1 0,-4 4 9,-2-1 1,-7 2 135,-2 1 0,0-4 7,0 1 1,0-4 96,0 1 1,1-6-94,5 0 0,0-5 289,-1 1-251,5-1 1,1-5 92,4 0 0,2-3-88,4 4 1,2-5 1,7 1 1,2 1-21,4-1 1,0 4-95,4-1 1,-3 3-391,2 0 0,-2 1 194,3 3 0,-4-3 292,0 3 0,-1 1 0,-1 0 0</inkml:trace>
-  <inkml:trace contextRef="#ctx0" brushRef="#br0">2160 11499 8175,'0'-9'147,"0"-1"125,0 1 0,0 0 267,0-1-295,0 5 0,4 1-147,2 4 0,3 0 108,0 0 0,0 1-328,1 2 0,-2 2 133,-2 5 1,1 0-48,-3 2 1,2 0 66,-3 3 0,0 1-58,-3 2 0,0 1 154,0 0 1,-3-4-75,0 1 0,0-2-114,3 2 0,0-2 216,0-1-511,0-3 262,0 3 0,5-6-29,4-1 1,0-4 100,4 1 0,1-2-14,2-1 0,0 0 145,0 0 0,0 0-141,-3 0 1,2 0 174,-2 0 0,-4 4-78,-3 2 1,-4 4 163,1 2 1,-6 0-34,-3 3 1,-3 4-461,-4 2 0,-1 2-65,-5-1 1,1-1 329,-1 3 0,-4 1 0,0 3 0</inkml:trace>
-  <inkml:trace contextRef="#ctx0" brushRef="#br0">7346 7942 7423,'-5'5'-89,"1"1"176,4-3 0,0-1 164,0 4 1,0-3-42,0 3 1,0 0-57,0 4 0,3-1-31,0 0 1,1 1 4,-1-1 1,-1 3 11,5 1 0,-2 3-13,1 0 1,1-2-32,-4 2 0,5-1 22,-2 4 1,1 0-128,-1-1 1,2 1 148,-5-1 1,4 4-19,-1 0 0,-1 0-5,1-4 0,0 1-7,0 0 0,1 3-22,-4 3 0,3-2 13,-2-1 0,2 0-147,-3 0 0,4 3 28,-1-3 1,-1 2-74,2-2 1,-4 0 108,3-3 1,-3 2-104,3 1 0,-1 0 59,2-4 1,1 1 19,-2 0 0,-1-1 118,2 1 0,-1-1-63,3 1 0,0 0 121,1-1 0,-1 0-85,0-3 1,-3 3 20,1-2 1,-1 1-101,3 2 0,-1-5-10,-1-1 1,0 0-1,-4-1 1,3 4 54,-3-4 0,4 2-132,-4-2 0,1-1 85,-1 1 1,-2 3-10,2 0 1,1 0 29,-1 0 1,1 0 7,0 0 0,-3 3-17,2-3 1,1 0 3,-1 0 0,3-2 19,-3 2 0,1-2-15,-1 2 0,-2-4 65,3 2 1,0-3-59,-1-1 0,1 1 153,-1-1 1,-2 0-90,2 1 1,1-1 119,-1 0 1,5 1-19,-2-1 0,-1 0 131,1 1-1051,-4-1 578,7 0 0,-8-3-1605,2 1 833,2-5-1212,-4 2 2129,3-4 0,-4 0 0,0 0 0</inkml:trace>
-  <inkml:trace contextRef="#ctx0" brushRef="#br0">8259 9478 8146,'0'6'-952,"0"-2"1,0-3 987,0 2 423,0-2 624,0 3-793,4-4 20,-3 0 453,3 0-453,-4 4-183,0-3 1,1 3 185,2-4-286,-2 0 291,3 0-232,0-4 0,-2 2-17,1-4 1,1-1-2,-1-6 0,4 2 21,-1-5 0,2 0 16,-2-6 1,2 1-7,-2-3 0,3-1 1,0-3 1,0 0-17,0 0 1,1 3 4,-1 0 1,0 0-67,1-2 1,-1 0 65,0 2 0,1-2-94,-1 2 0,1 1 86,3-1 0,-2 2-123,5-2 0,-4-2 97,4 2 1,-2-2-138,2-1 0,0 3 78,-3 1 0,-1 3-1,-3-1 1,3-1 35,-3 2 1,2-1 0,-4 3 0,1 1-18,1-1 0,0-3 1,1 1 1,-1-1 8,0 3 0,1 1-3,-1-1 0,-1 2-43,-2 1 0,3-2 30,-3 3 0,-1 0-3,1 0 1,-1 2-12,2-2 1,1 3 10,-2-4 1,-1 4-129,2-4 0,-1 1 116,3-4 1,-3 0-34,0 1 0,1-1 20,2 0 1,1 1 31,3-1 0,-3 1 20,3-1 1,-3 0 5,-1 1 1,0-3-1,1 2 1,-1 0-37,0 6 1,0-3 8,-3 0 0,2 3 6,-2 0 1,0 0-64,0 1 0,-4-1 56,1 4 1,1 3 115,-1-1 0,0 4-34,-3-3 12,0 4-9,0-2 84,0 4 0,-1-3-215,-2 0 140,2 0-97,-3 3 0,3 0 11,-2 0 1,2-1 0,-2-3 1,1 3-218,-1-2 170,-3 2 0,-4 5-97,-2 3 1,0 1 65,-3 1 0,0 2 73,0 1 0,-4 2-43,0 5 0,1 0 141,-4-1 1,2 1-45,2 0 1,2 0-27,1 3 1,3-5-36,0 1 0,2-5 11,0-1 0,5-5-338,2-1 220,2-4 6,1 3 1,3-6 60,0-3 0,4 0 144,0-2 0,1-1-44,1 4 1,1-3-33,-1 2 0,0-2 96,1 3 0,-1 0-56,0 3 0,4 0 16,-1 0 1,1 0-27,0 0 1,0 0-55,3 0 0,2 0 38,1 0 1,0 0 8,2 0 1,-2 0 23,-3 0 0,1 0 83,-1 0 0,-3 0 198,-1 0 0,-1 0-82,-2 0 0,-1-1 198,-1-2-275,1-2 1,-7-5-140,2 1 0,-2 0 127,-1 0 0,-3-1-140,0 1 0,-4-4 109,0 1-273,-1 0 1,-1 2-436,0 1 0,-1 3 269,1 0 0,1 3-1967,1-4 1628,-1 5 0,6-2-2170,-4 4 1554,4 0 1233,-2 0 0,4-4 0,0-1 0</inkml:trace>
-  <inkml:trace contextRef="#ctx0" brushRef="#br0">7588 7914 8313,'0'-9'-70,"0"3"304,0-1-227,0 5 356,0-2-178,0 4 0,3 4-169,1 3 0,2 1 134,-3 1 1,4 1-139,-1-1 0,-1 1 121,2 3 1,-1 1-86,3 5 1,-3-1 51,1 1 1,-1 3-12,3-1 0,0 8-11,1-1 1,-1 5 13,0-2 0,1 8-12,-1-2 1,3 1 16,1-4 0,-2 2-61,-5-5 1,5 3 51,-5-3 0,4-3 26,-3-3 0,1-5-69,1 2 1,4 1-111,-1-2 1,0-2 43,-2-3 1,2-2 71,0 2 1,4 0-158,-4-3 0,4 2 127,-4-3 1,4 4-54,-4-4 0,4 4 86,-4-4 1,2 4 6,-2-4 1,-2 4-23,3-4 1,0 5 16,0-2 0,-1 0 50,-3 0 1,4-2-61,-1 2 0,2 0-107,-2 0 0,-2 2 106,3-5 0,-2 2-142,2-2 1,-3-2 72,2 3 0,-1-3-35,-2-1 0,4 1 97,-1-1 1,1-3-1,0 0 0,-2 1 209,5 2 0,-4-3-77,4 0 0,-4 0-170,4 0 1,-4 1 71,3-4 1,-2 3-64,2-3 1,1 4 22,3-4 1,-1 1-95,1-1 1,-1-1 76,1 4 0,0-3-29,-1 4 0,0-4 27,-3 3 0,4-3-12,0 3 1,-4-4 4,4 1 0,-3 2 5,3-2 1,0 1 14,-1-1 0,1-2-12,-1 2 0,1-2 33,0-1 1,0 0-11,3 0 0,-2 0-2,1 0 1,2 0 46,-1 0 0,4 0-50,-1 0 1,0-1-1,0-2 1,2 2 5,-2-2 1,-1 2-80,1 1 1,-2-3 51,2 0 1,1-1-3,-4 4 1,6 0-7,-3 0 1,4-3-7,-5 0 0,3-1-5,1 1 1,3 1 11,0-4 0,0 3 39,-3-4 1,1 4-32,2-3 1,1 1 22,3-1 0,-2-2-26,-2 5 0,1-3 2,2 3 0,4-3-14,-4 3 1,4-1-5,-7 0 1,3 3 77,-3-2 1,6 1-62,-3-1 1,4 2-169,-3-2 0,1 1 171,1-1 0,0 1-74,0-4 0,0 4 53,-3-2 0,2 0-3,-2 1 1,4-1 0,0 1 0,1 2-5,-5-2 0,2 2-51,2 1 1,-2 0 42,-2 0 1,-1 0 9,-2 0 1,-2 0-6,2 0 0,1 1-81,-1 2 0,3-2 76,-3 2 0,1 1-17,-1-1 1,2 0 35,1-3 1,1 0 5,-4 0 1,1 0 31,-1 0 0,2 0-56,4 0 1,1-1 52,-1-2 0,-3 2-39,0-2 0,2-1 47,2 1 1,-2 0-44,-5 3 1,-1 0 6,4 0 0,-1 0 4,1 0 0,1 0-1,-4 0 0,5 0-3,-2 0 0,-1 0 9,1 0 1,-3-1 107,3-2 1,-2 2-108,5-3 1,-4 0 25,4 1 0,-2-1-36,2 1 0,1-1 10,3-2 0,-4-2-140,0 5 0,1-3 115,-4 3 0,2-3-16,1 3 1,0-1 36,1 0 0,-1 3-118,0-2 1,-3 2 99,0 1 1,-4 0-78,1 0 1,-2 1-1,-1 2 1,1-2-14,2 3 1,-2-3 92,2-1 0,-2 0 112,-1 0 1,1 3-56,2 0 1,-3 0-89,0-3 1,0 0 85,-3 0 0,0 0 54,3 0 0,-6 0-70,6 0 1,-2 0-33,2 0 1,0 0 2,0 0 0,-3 0-3,0 0 1,-4 1-4,4 2 0,-3-2 2,3 2 1,-5-2-3,2-1 1,1 0 2,-1 0 0,2 0-3,-2 0 0,3 0-11,-3 0 0,3 0-10,-4 0 1,4 0 0,-3 0 0,3 3-31,-4 0 1,1 1-11,-3-4 1,3 0 54,-1 0 0,1 0-15,-3 0 1,-1 0 42,1 0 1,3 0-43,-1 0 0,1 0 27,-3 0 0,2 0-15,1 0 1,3 0 9,-3 0 0,2 0 6,-2 0 1,3-2 1,-3-1 0,3 2 21,-4-2 0,2 1-4,-1-1 1,-3 2-22,3-2 0,1 2-1,-1 1 1,2 0-40,-2 0 1,3 0 18,-3 0 0,4 1-5,-2 2 1,0-2 76,1 2 0,0-1 116,3 1 1,0-2-150,0 2 1,-3-1-1,-1-2 0,1 0-15,3 0 1,0 3 29,0 0 1,0 0-100,0-3 0,0 0 28,0 0 0,0 3-23,0 0 1,-4 0 28,1-3 0,-3 3-12,3 0 1,0 4 48,3-4 1,-4 1-26,1-1 0,0-2 16,3 2 0,0 1-14,0-1 1,0 1 53,0 0 0,1-3-10,2 2 0,-5-1 6,1 1 0,-1-2-39,2 2 1,0-1 0,0 1 1,0-2-7,0 2 0,0 1 15,0 0 0,0 0-9,0-1 1,-1-1 5,-3 4 0,2-3 20,-4 3 1,4 1-18,-1 2 1,-2-3-2,-2 0 0,3-1-25,1 2 0,0 1 1,3-2 1,-6-1 15,6 2 0,-2-4 3,2 3 1,0-1-17,0 1 1,-1 1 8,-2-3 0,2 3-18,-3-1 1,3-1 9,1 1 1,-3 1-1,0 2 1,-3-3 35,2 0 0,-2 1 3,3 2 1,-1 0-10,1 0 0,-2 1-16,-1-1 0,-1-2 12,4 3 1,-5-6-5,2 5 1,-2-2 5,-2 3 0,2-1 3,2 0 0,-2 0 0,5-3 1,-4 2-8,1-2 1,-2 3-2,2 0 0,-2 0-9,2 0 1,-3 1 10,0-1 0,3 3-18,-1 1 1,0-1 14,-6-2 0,3-1 33,-2 0 0,1 1-37,2-1 1,-1 0 0,1 0 0,1 1-15,1-1 0,-1 4 19,2-1 0,-3 0-15,0-2 1,0-1 12,-1 0 1,1 1-30,0-1 1,-1 3 21,1 1 0,-2-1-30,-1-3 0,1 4 73,-1-1 1,-2 2 2,2-2 1,-4 2-15,4 1 1,-2 2 3,2-5 1,0 5-13,-3-2 1,3 0 2,0 0 0,1 0-44,-2 0 1,3 2 40,-3-5 1,0 4-78,0-4 0,1 2 66,2-2 0,-2-2-64,-1 3 0,-2-3 45,2-1 0,-3 4-3,0-1 1,1 1 4,0-4 1,-1 3-6,-2 1 0,2 0 71,0 0 1,1-2-64,-4 4 0,0-2 59,1 2 0,-1-2-53,0 2 0,1 0-2,-1 0 1,0 3 5,1-3 1,2 2-3,1-1 1,-1-2-150,-3-2 1,1 0 140,-1 3 0,-3-3-73,0 0 0,0-2 46,4 0 1,-2 2 69,-2 1 0,3-1-30,-3-3 1,1 1 6,-1-1 1,2 0-14,-1 1 1,-2-1 10,1 0 1,-1 1 4,1-1 0,2 1-7,-5 3 0,3-3-21,-3 2 1,3-1 14,-3-2 1,2 0-30,-2 1 1,-2-1-7,2 0 1,-1-3-2,1 1 0,-2-1 17,2 3 3,2 0 0,-3 1 10,5-1 1,-5 0-13,1 1 1,1-4 23,-1 0 0,0 0-22,-3 4 1,0-1 39,0 0 1,1 1-32,2-1 1,-2 0 2,2 1 1,-2-1-1,-1 0 1,1 0-5,3 1 0,-3-1-6,2 0 0,-1 2 8,1 1 1,-2-5 19,2 3 1,1-3-21,-1 2 0,0 1 23,-3-1 0,3-3-23,1 0 0,-1-3 9,-3 4-5,4-1 0,-2 2 5,4-2 46,-4 3-49,2-4 1,-3 3 107,2-2 0,-2-1-79,3-2 205,-3-1-198,-1 6 1,0-6 71,0 4-89,4-4-27,-3 6 1,3-7 34,-4 8 1,0-7-46,0 4 0,1-3 33,2 3 0,-2-3-253,2 4 186,-2-1-8,-1 3-19,0 0-12,0 1 55,0-1 0,0-3-1,0 1 1,0-4 290,0 3-223,0-4 1,0 3 121,0-2-97,0-2 7,0 3-26,0 0-17,0-2-99,0 6 108,0-7-34,0 7-110,0-7 96,0 7 116,0-7 210,-4 4-136,3-1 1,-4-3-110,2 2 1,1-2 81,-5-1 0,4 0-86,-3 0 0,0-3-107,-3 0 0,-1-5 125,1 2 0,-3-2-151,-1-1 1,-3-4 79,0 1 1,0-5-37,0 2 1,-1 1 113,5 2 0,-3-2 115,2 2 0,1 0-33,2 2 0,2 4 33,2 0-106,2 4 94,4-2-438,0 4 1,4 8 147,2 4 0,2 1-48,2-1 0,2 2 70,1-2 1,0 2-119,-1-2 0,-1-2 132,1 3 1,0-3 156,0-1 0,-2 0-93,3-3 0,0 1 139,0-4 0,-1 0 28,-3-3 1,1-1 154,-1-2 0,0-5-263,1-5 1,-1-3-109,0 0 1,0-2-1080,1-4 0,-1 1 572,0-4 0,1 4 551,-1-4 0,4 0 0,2-3 0</inkml:trace>
-  <inkml:trace contextRef="#ctx0" brushRef="#br0">17234 8827 8452,'-4'-10'-65,"-2"1"0,-1 0-325,1-1 1450,1 1-236,5 0 267,0 4-627,0 1 0,4 5 70,-1 2 0,3 6-78,-3 6 0,4 4-131,-1 3 0,2 3-109,-2 6 1,1 1-86,-4 2 0,3 3-436,-2 0 1,2 2 336,-3 4 1,1-8-876,-1-1 1,-2-4 460,2-2 0,-2-5-2470,-1-4 2852,0-5 0,0-9 0,0 0 0</inkml:trace>
-  <inkml:trace contextRef="#ctx0" brushRef="#br0">16015 13817 8346,'-9'-6'-233,"3"0"1,2 3 496,4-3-123,0 4 0,1-3 105,2 5 0,3 0-23,7 0 0,2 0 13,7 0 1,0 0-118,6 0 0,-1 1 8,7 3 1,1-2-3,5 4 0,4-4-320,5 1 1,3-2 208,-24-1 0,0 0 1,4 0-1,0 0 60,2 0 0,0 0 0,1 0 0,-1 0-252,0 0 0,0 0 0,-1-1 1,0-1 238,0 1 0,-1-1 0,1-1 0,1 0-40,0 1 1,0 0 0,-5 0 0,0 0-56,-1 1 0,0-1 0,18 1 192,-2-2 1,-7 3-101,3 3 0,-7-1 95,5 4 1,-7 0-88,0 0 1,-6 2 370,0-2 0,-4 2-530,1-2 1,-7 1 529,-2-4 1,-2 1-520,1-1 0,-4-2 320,1 3 1,-2-3-374,3-1 1,-1 0 141,0 0 1,-3-4-128,1 1-446,-5-4 159,2 2-536,-4-4 1,-1 0 942,-2 3 0,-7-2 0,-4 3 0</inkml:trace>
-  <inkml:trace contextRef="#ctx0" brushRef="#br1">5689 3017 8208,'-5'1'372,"2"2"1,1 0 135,-2 6 0,3 4-256,-2 8 0,2 8 3,1 9 1,3 8-130,-1-18 0,0 0 1,1 4-1,1 1-323,-1 4 0,0 1 0,1 0 0,-1 1 208,0 2 1,0-1-1,1-2 1,0 0-84,-3-2 0,1-1 1,1-3-1,0-1-94,-1 0 0,-1 0 1,1-3-1,0 0-112,1 22 1,-2-10-465,2-12 1,-2-2-1059,-1-8 1800,0 3 0,0-6 0,0 3 0</inkml:trace>
-  <inkml:trace contextRef="#ctx0" brushRef="#br1">5708 3613 8363,'-5'-10'0,"0"4"398,-4 0 860,4 4-759,-4-6-476,8 7 0,1-7-45,7 5 1,4 0 81,1 3 0,4 0-28,-4 0 1,5 0 113,-2 0 1,6 0-173,1 0 0,1 0 72,-2 0 0,3 0 8,4 0 1,3-1 129,0-2 1,4 1-25,-1-4 1,4-1 61,2-2 0,1 0-299,3 0 1,-2 0 88,-1 3 1,-5 2 87,4 4 0,-7 0-187,5 0 1,-6 4 137,2 2 0,1 3-17,5 0 0,-1 0-13,1 0 1,1 0-10,0-3 0,4 1-33,2-4 1,-3 0-238,6-3 0,-4 0 234,7 0 1,-2 0 50,-23 1 0,0-2 0,21-2-54,-22 2 0,-1-1 1,26-2 25,-2 1 1,-23 2-1,0 1-3,1-1 0,0-1 0,24-2 14,-26 2 0,1 1 1,-1-2-1,0 1-2,1 1 1,-1-1-1,2 2 1,0-1 23,2 0 0,-1-1 0,-1 1 0,0 1-23,0 0 1,0 0-1,0 0 1,0 0 90,24 0 1,-24 0-1,0 0-83,2 0 1,-1 0-1,-2 0 1,0 0 22,1 0 1,0 0 0,25 0-31,-1 0 0,-24 1 1,-1 1-4,0 0 0,-1-1 0,1 1 0,1 0-55,0 0 1,0 0-1,25-1 66,-27 0 0,0 1 0,2-2 0,-1 1-28,1-1 1,0 0 0,-1 1 0,0 1 15,19 1 1,5 0-90,2-3 1,-26 0 0,1 0 72,0 0 0,-1 0 0,25 0-31,-2 0 0,1 0 15,-2 0 1,4 0-2,-3 0 0,2 0 25,-2 0 0,0 0-21,-4 0 1,4 0 69,0 0 1,-1 1-60,-2 2 1,-1-2 102,1 2 1,2-2-90,-3-1 1,0 3 7,-6 1 0,2 2-31,5-3 0,-2 3-203,-1-3 0,0 3 223,-3-2 0,2 2 5,-3-3 1,4 3-46,-4-3 0,1 0 28,-4-3 1,3 0 8,1 0 0,5 0-9,-2 0 1,-1 0 184,-6 0 0,1-3-27,-1 0 1,0 0 102,0 3 1,0 0-158,1 0 1,-4 0 182,0 0 1,-1 0-352,1 0 0,-2 0 162,-4 0 1,1 0-9,2 0 0,1 3-12,2 0 1,-1 1-146,-6-1 1,5-2 24,-1 3 0,3 0 100,-3-1 0,-3 3-150,-4-3 1,1 3 422,3-3 0,0 5-445,0-2 1,-1-1 285,-2 1 1,2-4-413,-2 1 0,-2 2-8,2-2 1,-4 0-180,1-3 1,-3 0-67,0 0 0,-2 0-89,-1 0 1,-3 0-43,-3 0 0,0-3-239,3 0 876,-7-5 0,10 3 0,-5-4 0</inkml:trace>
-  <inkml:trace contextRef="#ctx0" brushRef="#br1">12207 3091 8331,'-7'0'576,"1"0"1,4 1-336,-1 2 1,2 8-262,1 7 1,0 10 537,0 9 0,0-10 0,0 1-281,0 6 1,0 1 0,0 5-1,-1 2-613,0 6 0,-1 1 0,0-1 0,-1 1 515,-2 2 1,0 0 0,1-2 0,-1-2-520,0-3 0,1-1 0,1-3 1,0-2 199,2-5 0,-1-1 1,2-3-1,0 0-1112,2-2 1,-1-1 1291,2 0 0,0 1 0,0-1 0,1 0 0,0 1 0,1-1 0,1 0 0,0 1 0</inkml:trace>
-  <inkml:trace contextRef="#ctx0" brushRef="#br2">14432 14711 8803,'-11'10'510,"-1"3"1,5 1-38,-2 5 0,5 5-134,1 4 1,3 10-148,3 12 0,0-24 1,0 0-422,1 5 0,1 1 0,-1-2 0,0 2 239,0 0 0,-2 1 0,1 0 0,-1 0-109,-2 1 0,0 0 1,0-3-1,0-1 16,0 0 1,0-1 0,0 23-122,0-9 1,0-2-912,0-7 0,4-8 1115,2-11 0,1 1 0,-1-10 0,-2 0 0</inkml:trace>
-  <inkml:trace contextRef="#ctx0" brushRef="#br2">14413 15186 8743,'-9'0'178,"0"-3"-246,-1 0 813,5 0 1,2 0-291,6-1 0,6 0-204,7 1 1,6 1-261,2-4 0,8 4 53,2-1 0,2-1 125,1 1 1,4-2-133,3 2 1,1 2-101,2-2 0,1 2-402,1 1 0,0 0 280,4 0 0,-26 0 1,2-1 208,0 0 1,0-1 0,3 1 0,0 0-6,-2-2 1,2 0 0,2 0-1,1 0-172,2-2 1,0 0 0,3 1 0,1-1 179,1 0 0,0 1 1,2-1-1,1 0-211,-3 1 1,0-1 0,2 1 0,1 0 291,-2 0 0,1 1 0,2 1 0,2-1-25,-2 1 0,1 1 0,-1 1 0,0-1 1,-1 0 1,0-1 0,0 1-1,0 1-1,1 0 1,1 0-1,2 0 1,0 0-51,-1 0 1,1 0-1,-1 0 1,1 0 39,-6 0 0,1 0 1,1 0-1,1 1-83,-1 1 1,0-1 0,2 0 0,0-1 36,-1 2 1,1-1 0,1 0-1,-1-1-56,-2 0 1,0 0-1,1 0 1,0 0 60,1 0 0,-1 0 0,3 0 0,1-1-12,-2 0 1,0-1 0,1 2-1,-1-1 36,-4 0 0,-1-1 0,2 1 0,1 1 10,-1 0 1,0 0 0,-1 0 0,-1 0 49,-1 0 1,0 0-1,0 0 1,0 0-45,-2 0 1,0 0-1,0 2 1,1 0-195,1 1 1,0 0 0,-5 1 0,-1 0 181,1-2 1,1 2 0,-2 1 0,-1 1-83,-1-1 0,0 0 0,1-1 1,0 0-25,-1-1 1,0 0 0,-2 0 0,-1 0 63,2 2 1,-1 0 0,0-3-1,-1 1-1,2-1 0,-1-1 1,1 0-1,1-1-10,0 0 1,0 0 0,-1 0 0,-1 0-37,1 0 0,-1 0 0,1 0 0,-2 0 41,-1 0 0,-1 0 0,1 0 1,0 0 40,0 0 1,-1 0-1,23 0-79,-2 0 0,-8 0-151,-8 0 1,-2 0 686,-4 0 0,-4 1-1151,-2 2 1,-7-2 460,-2 2 0,-3 1-814,-1-1 0,1 0 306,-1-3 1,-3 0-350,0 0 1179,1 0 1,6 0 0,2 0-1</inkml:trace>
-  <inkml:trace contextRef="#ctx0" brushRef="#br1">20316 14702 8451,'-5'-5'2336,"1"6"-1988,4 8 0,4 10 8,2 9 0,2 9-7,-2 9 0,-2-18 0,-1 0-510,-1 4 0,-1 1 0,1 5 0,-1 1 312,-1 3 1,0 0 0,0 1 0,-1 0-422,0-1 1,-1-1 0,0 0 0,0 0 315,-1-2 1,0 0 0,0-3 0,2-2-335,0-5 0,2-2 0,0 18 172,2-13 0,-1-8-250,4-2 0,-1-6-912,1-4 1278,3-2 0,5-10 0</inkml:trace>
+  <inkml:trace contextRef="#ctx0" brushRef="#br0" timeOffset="1">10782 7384 8381,'9'-4'-238,"1"1"0,-1-1 726,0 1 0,4 2-53,-1-2 1,8 2-356,-2 1 1,4 0 30,0 0 1,3-1 2,6-2 0,2 2-116,4-2 0,3 2 102,1 1 1,0-4-353,-1 1 0,2 0 305,1 3 0,0 0 50,-3 0 0,-2 0-31,3 0 0,-4 0-15,-3 0 1,-2-1 0,-4-2 1,1 2-3,2-2 0,-2 1-78,2-1 0,-2 1 82,-1-4 1,0 2-83,0-2 0,-1 1 70,-2-1 0,0-2 0,-3 1 0,4 2 255,-1-1 0,-1 4-198,0-1 1,1-1 8,3 1 1,1-1 17,2 4 0,-5 0-19,2 0 0,-2 0-21,2 0 1,0 0 24,0 0 1,-5-3-15,-1 0 1,-2-4-172,-2 1 0,0-2-30,-2-2 1,-3 1-668,-4 0 0,3-1 193,-3 1 572,7 0 0,-10-5 0,7 0 0</inkml:trace>
+  <inkml:trace contextRef="#ctx0" brushRef="#br0" timeOffset="2">14078 8482 8378,'-10'-9'0,"-2"0"0,0-1 399,0 1 1,2 4-152,1 2 0,3 3-40,-1 3 1,1 4-44,-3 9 1,0 3-195,-1 9 0,1 4-32,0 2 1,3 7 123,3 2 1,2 2-392,1-2 0,4-3 280,3-5 1,5-3-142,4-4 0,4-10-5,2-5 0,4-7 20,-1-6 1,2-5 237,1-5 0,-5-4 201,-1-8 1,-2-2 201,-2-4 1,-3-3-173,-3 0 0,-6-3 139,-2 3 1,-3-1-90,-1 1 1,-8 4-197,-1-4 1,-6 8-9,-1-2 0,-3 6 11,-2 3 0,1 3-336,-2 4 1,7 3-484,2 3 0,3 2-494,1 1 0,4 4 521,1 3 0,3 4 640,1 1 0,5 5 0,0-3 0</inkml:trace>
+  <inkml:trace contextRef="#ctx0" brushRef="#br0" timeOffset="3">14544 8436 8396,'-7'-3'314,"1"-1"0,3 1 63,-3 3-69,4 0 1,-3 1-72,1 2 1,2 7-329,-4 5 0,3 7 109,-3 3 1,4 6-8,-1 3 0,2-1-13,1 1 1,1-1-118,2 2 0,2-4 33,4-7 0,4-2-216,-1-6 0,5-4 296,-2-6 0,0-3-48,0-6 0,-2-3 442,2-6 0,-3-7-192,0-6 1,-3-2 119,-3-1 1,2 0 21,-5 0 1,0 1 74,-3-1 0,0 1-238,0 2 1,-4 3-260,-2 7 0,-3-2-568,0 5 1,-3-1 393,-1 4 0,1 1-759,2 1 0,4 3 80,0 4 937,4 0 0,-6-4 0,2-1 0</inkml:trace>
+  <inkml:trace contextRef="#ctx0" brushRef="#br0" timeOffset="4">14860 8305 8361,'-1'-5'-644,"-2"2"1800,2 2-184,-3 1-758,4 4 1,1 2 40,2 7 0,2 5-320,4 7 0,1 6-60,-1 3 1,1 4-101,3 2 0,-3 1-250,3 3 0,-2-3-152,1-4 0,-1-3-105,1-3 0,-3-7 16,-2-2 716,-3-6 0,0-3 0,1-4 0</inkml:trace>
+  <inkml:trace contextRef="#ctx0" brushRef="#br0" timeOffset="5">14897 8287 8267,'-14'-10'149,"1"1"0,4 0 319,3-1-1,2 1-268,4 0 1,1-1 85,2 1 0,3 0-150,7 0 0,-2-1 109,4 1 0,2 3-43,5 0 0,-2 3 32,5 0 0,-4 2-304,1 1 1,-3 1-13,0 2 1,-1 3-66,-3 3 0,-1 4-16,-5 3 0,-4 1 160,-2 2 0,-2 3 33,-1 0 0,-4 2-29,-2-2 1,-7 3-42,-2-3 0,0 2 47,0-2 1,-1-1-69,-2-6 0,-1 2 7,0-5 0,5 0-12,2-6 1,1-2-393,2-4 350,4 0 0,1-1-29,4-2 0,2-1 61,4-2 0,1-3 107,9 3 1,-1 1-73,4-1 0,3 3 76,-1-4 1,4 5-97,-3-1 1,4 3 17,-2 3 0,-1-1 64,-1 5 0,-2 0-2,-2 5 0,0-1 177,-3 1 1,-5 2-79,-7-2 0,-2 4 566,-1 0 1,-5-1-291,-5 0 1,-3 1 237,-6 2 1,0-1-278,-3 1 1,2-4-268,-2 4 0,0-5-685,0-1 0,-1 2 414,2-2 1,4-1-430,-2-4 0,6-3 77,-3-4 536,9 0 0,-9 0 0,5 0 0</inkml:trace>
+  <inkml:trace contextRef="#ctx0" brushRef="#br0" timeOffset="6">11043 14236 8480,'-6'-12'-428,"3"-1"0,4 1 742,6 3 0,8 0 19,13 3 1,12-1-424,10 4 1,-21 1-1,1 1-333,2 1 1,1 0 0,3 0 0,2 1 401,2 0 1,0 1-1,2 0 1,0 1 56,-1 2 0,-1-1 0,1 1 0,-1 0-4,-4 0 1,-1-1 0,0-1-1,-1-1 116,1 0 1,-1-1-1,-2 0 1,1-1-87,-2 0 0,0 0 0,-3 0 0,-1 0 242,19 0 1,-8 0 90,-7 0 217,-6-4-259,-10 3-30,-7-3 1,-16 4 423,-5 0 0,-4 0-565,-5 0 1,-6-1 47,-6-2 0,-5 1-197,-2-4 0,0 1-322,1-4 1,0 2 160,-3-5 1,8-2 137,1 2 0,7-4 21,2 4 0,8-4 118,2 4 1,7-1-158,5 4 0,6 0 33,4-1 0,5 5 48,4 2 0,2 2 10,4 1 1,2 1-14,4 2 0,3 2-4,0 5 0,3-1-30,-3 0 1,3 5-4,-3 1 1,3 2 88,-3-2 0,-1 2-22,-5-5 1,-2 4 289,-4-4 1,-8 4-68,-2-4 0,-7 1-67,-2-4 0,-9 1-543,-10 3 0,-4 2 158,-8 7 0,-4 2-448,-5 4 1,1 1-550,17-14 1,0 1 1125,1 0 0,-1 1 0,-2 2 0,-1 1 0,1 1 0,0 0 0,-1 0 0,1 1 0,-1 0 0,0-1 0</inkml:trace>
+  <inkml:trace contextRef="#ctx0" brushRef="#br0" timeOffset="7">20493 11499 8336,'-5'-5'386,"1"6"203,4 8 0,0 5 379,0 4 1,1 10-384,2 6 0,2 9-236,0-17 1,-1 0 0,1 2-1,0 1-408,-1 4 0,1-1 0,0 1 0,-1-1 70,1-1 0,0 0 0,-2-2 0,0 1 84,0-4 1,0 0-1,3 23 38,4-9 0,-4-8-156,0-10 0,-1-9-735,1-4-712,3-6 1,-7-3 675,4-6 1,-3-6 793,3 0 0,-4-9 0,3 2 0</inkml:trace>
+  <inkml:trace contextRef="#ctx0" brushRef="#br0" timeOffset="8">20260 11564 8407,'-9'-3'-552,"0"0"765,-1 0 1,4 3 382,0 0 0,5 0 181,1 0 1,5 5-270,8 4 1,2 5 64,7 4 0,3 2-160,6 2 0,6 1-407,6 5 1,-19-12 0,0 0 89,2 1 1,1 1 0,-1 0 0,1 0-295,2 1 1,0-1-1,0 0 1,-2 0 200,0 0 1,-1-2 0,-1-1 0,0-2-302,18 9 1,-7-6-547,-8-4 0,-5-5 460,-7-1 0,-3-3-783,-4 0 319,-3-2 32,-2-1 0,-4-2 816,0-5 0,0-3 0,0-9 0</inkml:trace>
+  <inkml:trace contextRef="#ctx0" brushRef="#br0" timeOffset="9">20903 11434 8182,'-19'-4'0,"4"3"770,-1-3 1,4 5-202,-4 6 0,0 7-2,-6 11 0,-2 12-366,11-14 1,-2 1-1,-3 5 1,-1 2-385,-2 5 1,-1 2-1,-3 4 1,0 1 300,7-13 0,-1 0 1,0 0-1,0 1 0,1 0 1,-1 0-114,-9 13 1,0-1 0,3-1 0,0-1-160,1-2 0,1-1 0,3-3 0,1-1-328,4-4 0,2-1 1,1-4-1,3-2-2308,3 8 2790,2-4 0,4-8 0,0 0 0</inkml:trace>
+  <inkml:trace contextRef="#ctx0" brushRef="#br0" timeOffset="10">11424 7458 8059,'-37'8'-288,"0"-2"0,-2 3 457,1-3 0,-1-2-419,5-1 1,-5-3 353,-2-3 0,-9 1-63,0-4 0,21 1 0,-1-1-247,2-1 0,0-1 0,-2-1 0,-1 0 238,2 0 0,-1 0 0,-1-1 1,0 1-5,1 0 0,1 0 1,1-1-1,1 1 61,2 0 0,1-1 0,-23-8 272,4-1 1,3 3-251,9 1 0,1-1-9,8-2 1,1-2-109,2-2 1,5-2 68,1-7 0,3 1-130,1-5 1,3-2 71,3-3 0,3-8 30,3 2 1,8-1 81,7 1 0,3 0-29,-7 20 0,0-1 1,-1 1-1,1 1 8,2-2 1,2 1 0,-1 0-1,1 1-64,2 1 0,1 2 1,0 0-1,1 0 89,3 0 0,0 1 0,-1 1 0,0 0-67,3 0 1,-1 0 0,-2 3-1,1 1-47,-1 2 0,1 0 0,0 0 0,-1 1 25,0 2 1,2 0 0,1 1 0,0 0-93,3 1 0,-1 2 0,1 0 0,0 1 73,0 1 0,-1 0 0,2 1 0,-1-1 9,3 0 1,0 1-1,1-1 1,1 2-53,1-1 1,-1 1-1,0-1 1,1 1-170,-1 1 1,1 1 0,0-2 0,-1 0 166,2 1 0,1 1 1,1-1-1,-1 1 38,1 1 0,0 0 1,0-2-1,-1 0 132,-3 1 0,1-1 0,0 1 0,0-1-14,-1 2 0,-1 0 1,1 2-1,-1 0-172,-3 1 0,0 1 0,0 0 0,-1 1 202,20 7 1,0 3-55,-24-6 0,-2 0 1,21 13 229,1 0 0,-2 4-29,-1-1 0,-1 2-416,-1 5 1,-8-4 153,-2 4 0,-2-4-150,-4 0 1,-1 4 180,0 3 1,-3-3-207,1-1 0,-7 1 77,-2-1 0,-3 1 425,-1-1 0,-3-3-435,-3 0 1,-6 0 371,-4-3 1,-5-2-184,-4 2 0,-2 0-87,-4 3 0,-2-2 100,-4 2 1,-5-1-185,-4 7 1,-1-4-164,16-15 1,0 1 0,0 0 0,0 0 187,-3 0 0,0-1 0,-1 1 0,-1 0-8,-2 0 0,-1-1 0,3-1 1,0 0-84,-3 0 0,1 0 0,1 0 0,0-1 18,-3-2 1,0 0-1,-1 0 1,0-1 64,-4 0 0,0-1 0,2 0 1,0-1-289,-3 1 0,-1-2 0,2 0 0,0-1 373,-1 0 1,-1-2 0,-1-1 0,-1 0 15,-2 0 1,0 0-1,2-2 1,0 0 37,0 1 0,0-1 0,2 0 0,0-1 34,2 0 0,1 0 0,0 0 0,1-1-12,3 0 0,0-1 0,-20 1 6,7-2 0,8 2 129,2 1 1,7 0-489,-1 0 0,7 0 100,3 0 0,3 0-1536,6 0 1662,-5 0 0</inkml:trace>
+  <inkml:trace contextRef="#ctx0" brushRef="#br0" timeOffset="11">1425 7598 8091,'-5'10'572,"-1"2"1,1 0-1178,-1 3 1,4 2 147,-1 5 0,6 2 579,3 7 1,5 4 45,2 5 0,2 2-247,-2 5 1,-1-5 45,-3-1 1,1-4-153,-1-3 1,-3-1 167,0-8-166,-3-4 208,1-16 1,-4-3-64,0-8 0,0-6 7,0-9 1,-4-3-56,-3-4 1,0-5 70,1-4 0,-2-2-25,1-4 0,-4-1-6,-1-2 0,4 21 1,0-1 133,2 0 1,0-1 0,-2 2 0,0 0-42,-4-25 0,-1 2 151,4 2 0,4 8-58,2 3 0,6 11 319,3 5 0,7 8-126,6 4 0,1 5 12,5-1 1,-2 6-230,2 4 0,2 1 6,-2 1 1,-2 5-166,-2 1 1,-5 3 333,-4 0 1,-4 1-307,-2 0 1,-5-1 30,-1 1 0,-5 0-139,-8 3 1,-1-2 63,-5 2 0,-1-3 30,-1 0 1,0-4 111,-4 1 1,0-4 8,-3 4 1,6-8 161,3 1 0,5-6 4,4 1-234,5-3 0,2 2 63,6 0 1,3 5 149,7 1 0,5 2-241,7 4 1,1 1-182,-1 2 1,2 2-124,-2 2 1,2-3-422,0 3 0,0-2-272,-2-2 1,-2-2 87,-4 0 913,-1-5 0,1 6 0,-1-2 0</inkml:trace>
+  <inkml:trace contextRef="#ctx0" brushRef="#br0" timeOffset="12">1899 7812 6647,'-5'0'2579,"1"5"-2152,4 4 0,1 5-225,2 4 0,2 5-311,5 2 0,-1 5 164,0 1 1,1 4-56,-1-1 0,0-2 0,1 0 0</inkml:trace>
+  <inkml:trace contextRef="#ctx0" brushRef="#br0" timeOffset="13">1546 9218 8127,'0'13'-772,"-4"2"579,1 3 0,0 5 674,3 2 0,4 6-45,3 3 1,4 6-674,1 4 1,5 4 262,-1 2 0,-8-23 1,1-1-66,0-1 1,1 0 0,5 24-518,1-2 1,-2-2 293,2-1 0,-3-7-244,-3-6 0,-4-7 506,0-6 0,-1-2 0,1-4 0,-2 3 0</inkml:trace>
+  <inkml:trace contextRef="#ctx0" brushRef="#br0" timeOffset="14">1555 9246 8127,'-1'-19'0,"-2"0"0,-1-1 150,-3 1 0,3-1 781,4 8-561,0 0 0,8 2-131,1 1 1,6 3-179,1 0 0,3 4 148,2-2 1,-1 3-158,2 1 0,-3 1-59,0 3 0,-2 2-171,-1 6 1,-4 3 33,-5 3 1,-3 1-75,-4-1 1,-2 5 59,-5 2 1,0 4 137,-8-1 0,-1 2 133,-2-5 1,2 1-120,1-1 0,-1-1 139,-3-5 1,2 1-50,1-8 1,3 0-12,4-2 0,3-4 4,3 0-45,2-4 1,6 7 256,5-3 0,3 2-83,6 1 1,0 2-177,3 1 1,3-1 71,6 5 1,-2-4-213,2 4 1,-2-4-180,-1 4 1,0-4-256,0 4 0,-5-5 24,-5 2 1,0-3-884,-6-1 1403,1 1 0,-4 3 0,0 1 0</inkml:trace>
+  <inkml:trace contextRef="#ctx0" brushRef="#br0" timeOffset="15">1993 9599 8318,'-9'-9'757,"3"0"0,2 3-328,4-1 1,2 4-209,4-3 0,1 4-94,9-1 1,-1 2 81,4 1 1,-3 1-472,-1 2 0,0 5 230,0 5 1,-1 3-198,-5 0 1,-4 5 57,-2 0 0,-2 5-85,-1-1 0,0 1 128,0-1 0,-4 0 344,-2-3 1,2 2 49,1-5 0,2-3-107,1-6 0,0-1-141,0 0 1,5-4 74,4-2 1,4-3-258,6-3 0,4-2-138,2-4 1,3 0-378,3-1 1,-2 4 678,2 0 0,2 4 0,0-2 0</inkml:trace>
+  <inkml:trace contextRef="#ctx0" brushRef="#br0" timeOffset="16">1713 11266 7776,'-9'-5'-820,"3"0"854,-1 2 1,4 2 442,-3-2 1,4 3-156,-1 3 1,3 3-128,3 6 1,2 5-5,5 8 0,-1 4-6,0 8 0,4 5-391,-1 5 1,-4-22 0,1 2 235,-2 2 0,1 1 0,-1-4 0,1 0-179,-1 1 0,1-1 0,7 23-495,0-3 0,2-4 319,-5-5 1,0-8-322,-2-7 16,-1-7 514,-4-1 0,-1-18-23,-4-5 0,0-11 139,0-4 0,-4-7 0,-1 2 0,-4-3 0</inkml:trace>
+  <inkml:trace contextRef="#ctx0" brushRef="#br0" timeOffset="17">1778 11415 8141,'-9'-33'0,"-3"-2"-134,-1 4 0,4 1 186,3 5 0,4 6 235,-1 7 0,3-2-79,3 2 1,-1 3 0,4 3 0,3 0-59,4 0 0,3-1 45,0 4 1,1-3-94,2 3 1,3-1 102,-1 4 1,1 5-348,-3 1 1,-5 3 108,-1 3 1,-7 3-174,-3 4 1,-2 2 22,-1 1 0,-4 4 9,-2-1 1,-7 2 135,-2 1 0,0-4 7,0 1 1,0-4 96,0 1 1,1-6-94,5 0 0,0-5 289,-1 1-251,5-1 1,1-5 92,4 0 0,2-3-88,4 4 1,2-5 1,7 1 1,2 1-21,4-1 1,0 4-95,4-1 1,-3 3-391,2 0 0,-2 1 194,3 3 0,-4-3 292,0 3 0,-1 1 0,-1 0 0</inkml:trace>
+  <inkml:trace contextRef="#ctx0" brushRef="#br0" timeOffset="18">2160 11499 8175,'0'-9'147,"0"-1"125,0 1 0,0 0 267,0-1-295,0 5 0,4 1-147,2 4 0,3 0 108,0 0 0,0 1-328,1 2 0,-2 2 133,-2 5 1,1 0-48,-3 2 1,2 0 66,-3 3 0,0 1-58,-3 2 0,0 1 154,0 0 1,-3-4-75,0 1 0,0-2-114,3 2 0,0-2 216,0-1-511,0-3 262,0 3 0,5-6-29,4-1 1,0-4 100,4 1 0,1-2-14,2-1 0,0 0 145,0 0 0,0 0-141,-3 0 1,2 0 174,-2 0 0,-4 4-78,-3 2 1,-4 4 163,1 2 1,-6 0-34,-3 3 1,-3 4-461,-4 2 0,-1 2-65,-5-1 1,1-1 329,-1 3 0,-4 1 0,0 3 0</inkml:trace>
+  <inkml:trace contextRef="#ctx0" brushRef="#br0" timeOffset="19">7346 7942 7423,'-5'5'-89,"1"1"176,4-3 0,0-1 164,0 4 1,0-3-42,0 3 1,0 0-57,0 4 0,3-1-31,0 0 1,1 1 4,-1-1 1,-1 3 11,5 1 0,-2 3-13,1 0 1,1-2-32,-4 2 0,5-1 22,-2 4 1,1 0-128,-1-1 1,2 1 148,-5-1 1,4 4-19,-1 0 0,-1 0-5,1-4 0,0 1-7,0 0 0,1 3-22,-4 3 0,3-2 13,-2-1 0,2 0-147,-3 0 0,4 3 28,-1-3 1,-1 2-74,2-2 1,-4 0 108,3-3 1,-3 2-104,3 1 0,-1 0 59,2-4 1,1 1 19,-2 0 0,-1-1 118,2 1 0,-1-1-63,3 1 0,0 0 121,1-1 0,-1 0-85,0-3 1,-3 3 20,1-2 1,-1 1-101,3 2 0,-1-5-10,-1-1 1,0 0-1,-4-1 1,3 4 54,-3-4 0,4 2-132,-4-2 0,1-1 85,-1 1 1,-2 3-10,2 0 1,1 0 29,-1 0 1,1 0 7,0 0 0,-3 3-17,2-3 1,1 0 3,-1 0 0,3-2 19,-3 2 0,1-2-15,-1 2 0,-2-4 65,3 2 1,0-3-59,-1-1 0,1 1 153,-1-1 1,-2 0-90,2 1 1,1-1 119,-1 0 1,5 1-19,-2-1 0,-1 0 131,1 1-1051,-4-1 578,7 0 0,-8-3-1605,2 1 833,2-5-1212,-4 2 2129,3-4 0,-4 0 0,0 0 0</inkml:trace>
+  <inkml:trace contextRef="#ctx0" brushRef="#br0" timeOffset="20">8259 9478 8146,'0'6'-952,"0"-2"1,0-3 987,0 2 423,0-2 624,0 3-793,4-4 20,-3 0 453,3 0-453,-4 4-183,0-3 1,1 3 185,2-4-286,-2 0 291,3 0-232,0-4 0,-2 2-17,1-4 1,1-1-2,-1-6 0,4 2 21,-1-5 0,2 0 16,-2-6 1,2 1-7,-2-3 0,3-1 1,0-3 1,0 0-17,0 0 1,1 3 4,-1 0 1,0 0-67,1-2 1,-1 0 65,0 2 0,1-2-94,-1 2 0,1 1 86,3-1 0,-2 2-123,5-2 0,-4-2 97,4 2 1,-2-2-138,2-1 0,0 3 78,-3 1 0,-1 3-1,-3-1 1,3-1 35,-3 2 1,2-1 0,-4 3 0,1 1-18,1-1 0,0-3 1,1 1 1,-1-1 8,0 3 0,1 1-3,-1-1 0,-1 2-43,-2 1 0,3-2 30,-3 3 0,-1 0-3,1 0 1,-1 2-12,2-2 1,1 3 10,-2-4 1,-1 4-129,2-4 0,-1 1 116,3-4 1,-3 0-34,0 1 0,1-1 20,2 0 1,1 1 31,3-1 0,-3 1 20,3-1 1,-3 0 5,-1 1 1,0-3-1,1 2 1,-1 0-37,0 6 1,0-3 8,-3 0 0,2 3 6,-2 0 1,0 0-64,0 1 0,-4-1 56,1 4 1,1 3 115,-1-1 0,0 4-34,-3-3 12,0 4-9,0-2 84,0 4 0,-1-3-215,-2 0 140,2 0-97,-3 3 0,3 0 11,-2 0 1,2-1 0,-2-3 1,1 3-218,-1-2 170,-3 2 0,-4 5-97,-2 3 1,0 1 65,-3 1 0,0 2 73,0 1 0,-4 2-43,0 5 0,1 0 141,-4-1 1,2 1-45,2 0 1,2 0-27,1 3 1,3-5-36,0 1 0,2-5 11,0-1 0,5-5-338,2-1 220,2-4 6,1 3 1,3-6 60,0-3 0,4 0 144,0-2 0,1-1-44,1 4 1,1-3-33,-1 2 0,0-2 96,1 3 0,-1 0-56,0 3 0,4 0 16,-1 0 1,1 0-27,0 0 1,0 0-55,3 0 0,2 0 38,1 0 1,0 0 8,2 0 1,-2 0 23,-3 0 0,1 0 83,-1 0 0,-3 0 198,-1 0 0,-1 0-82,-2 0 0,-1-1 198,-1-2-275,1-2 1,-7-5-140,2 1 0,-2 0 127,-1 0 0,-3-1-140,0 1 0,-4-4 109,0 1-273,-1 0 1,-1 2-436,0 1 0,-1 3 269,1 0 0,1 3-1967,1-4 1628,-1 5 0,6-2-2170,-4 4 1554,4 0 1233,-2 0 0,4-4 0,0-1 0</inkml:trace>
+  <inkml:trace contextRef="#ctx0" brushRef="#br0" timeOffset="21">7588 7914 8313,'0'-9'-70,"0"3"304,0-1-227,0 5 356,0-2-178,0 4 0,3 4-169,1 3 0,2 1 134,-3 1 1,4 1-139,-1-1 0,-1 1 121,2 3 1,-1 1-86,3 5 1,-3-1 51,1 1 1,-1 3-12,3-1 0,0 8-11,1-1 1,-1 5 13,0-2 0,1 8-12,-1-2 1,3 1 16,1-4 0,-2 2-61,-5-5 1,5 3 51,-5-3 0,4-3 26,-3-3 0,1-5-69,1 2 1,4 1-111,-1-2 1,0-2 43,-2-3 1,2-2 71,0 2 1,4 0-158,-4-3 0,4 2 127,-4-3 1,4 4-54,-4-4 0,4 4 86,-4-4 1,2 4 6,-2-4 1,-2 4-23,3-4 1,0 5 16,0-2 0,-1 0 50,-3 0 1,4-2-61,-1 2 0,2 0-107,-2 0 0,-2 2 106,3-5 0,-2 2-142,2-2 1,-3-2 72,2 3 0,-1-3-35,-2-1 0,4 1 97,-1-1 1,1-3-1,0 0 0,-2 1 209,5 2 0,-4-3-77,4 0 0,-4 0-170,4 0 1,-4 1 71,3-4 1,-2 3-64,2-3 1,1 4 22,3-4 1,-1 1-95,1-1 1,-1-1 76,1 4 0,0-3-29,-1 4 0,0-4 27,-3 3 0,4-3-12,0 3 1,-4-4 4,4 1 0,-3 2 5,3-2 1,0 1 14,-1-1 0,1-2-12,-1 2 0,1-2 33,0-1 1,0 0-11,3 0 0,-2 0-2,1 0 1,2 0 46,-1 0 0,4 0-50,-1 0 1,0-1-1,0-2 1,2 2 5,-2-2 1,-1 2-80,1 1 1,-2-3 51,2 0 1,1-1-3,-4 4 1,6 0-7,-3 0 1,4-3-7,-5 0 0,3-1-5,1 1 1,3 1 11,0-4 0,0 3 39,-3-4 1,1 4-32,2-3 1,1 1 22,3-1 0,-2-2-26,-2 5 0,1-3 2,2 3 0,4-3-14,-4 3 1,4-1-5,-7 0 1,3 3 77,-3-2 1,6 1-62,-3-1 1,4 2-169,-3-2 0,1 1 171,1-1 0,0 1-74,0-4 0,0 4 53,-3-2 0,2 0-3,-2 1 1,4-1 0,0 1 0,1 2-5,-5-2 0,2 2-51,2 1 1,-2 0 42,-2 0 1,-1 0 9,-2 0 1,-2 0-6,2 0 0,1 1-81,-1 2 0,3-2 76,-3 2 0,1 1-17,-1-1 1,2 0 35,1-3 1,1 0 5,-4 0 1,1 0 31,-1 0 0,2 0-56,4 0 1,1-1 52,-1-2 0,-3 2-39,0-2 0,2-1 47,2 1 1,-2 0-44,-5 3 1,-1 0 6,4 0 0,-1 0 4,1 0 0,1 0-1,-4 0 0,5 0-3,-2 0 0,-1 0 9,1 0 1,-3-1 107,3-2 1,-2 2-108,5-3 1,-4 0 25,4 1 0,-2-1-36,2 1 0,1-1 10,3-2 0,-4-2-140,0 5 0,1-3 115,-4 3 0,2-3-16,1 3 1,0-1 36,1 0 0,-1 3-118,0-2 1,-3 2 99,0 1 1,-4 0-78,1 0 1,-2 1-1,-1 2 1,1-2-14,2 3 1,-2-3 92,2-1 0,-2 0 112,-1 0 1,1 3-56,2 0 1,-3 0-89,0-3 1,0 0 85,-3 0 0,0 0 54,3 0 0,-6 0-70,6 0 1,-2 0-33,2 0 1,0 0 2,0 0 0,-3 0-3,0 0 1,-4 1-4,4 2 0,-3-2 2,3 2 1,-5-2-3,2-1 1,1 0 2,-1 0 0,2 0-3,-2 0 0,3 0-11,-3 0 0,3 0-10,-4 0 1,4 0 0,-3 0 0,3 3-31,-4 0 1,1 1-11,-3-4 1,3 0 54,-1 0 0,1 0-15,-3 0 1,-1 0 42,1 0 1,3 0-43,-1 0 0,1 0 27,-3 0 0,2 0-15,1 0 1,3 0 9,-3 0 0,2 0 6,-2 0 1,3-2 1,-3-1 0,3 2 21,-4-2 0,2 1-4,-1-1 1,-3 2-22,3-2 0,1 2-1,-1 1 1,2 0-40,-2 0 1,3 0 18,-3 0 0,4 1-5,-2 2 1,0-2 76,1 2 0,0-1 116,3 1 1,0-2-150,0 2 1,-3-1-1,-1-2 0,1 0-15,3 0 1,0 3 29,0 0 1,0 0-100,0-3 0,0 0 28,0 0 0,0 3-23,0 0 1,-4 0 28,1-3 0,-3 3-12,3 0 1,0 4 48,3-4 1,-4 1-26,1-1 0,0-2 16,3 2 0,0 1-14,0-1 1,0 1 53,0 0 0,1-3-10,2 2 0,-5-1 6,1 1 0,-1-2-39,2 2 1,0-1 0,0 1 1,0-2-7,0 2 0,0 1 15,0 0 0,0 0-9,0-1 1,-1-1 5,-3 4 0,2-3 20,-4 3 1,4 1-18,-1 2 1,-2-3-2,-2 0 0,3-1-25,1 2 0,0 1 1,3-2 1,-6-1 15,6 2 0,-2-4 3,2 3 1,0-1-17,0 1 1,-1 1 8,-2-3 0,2 3-18,-3-1 1,3-1 9,1 1 1,-3 1-1,0 2 1,-3-3 35,2 0 0,-2 1 3,3 2 1,-1 0-10,1 0 0,-2 1-16,-1-1 0,-1-2 12,4 3 1,-5-6-5,2 5 1,-2-2 5,-2 3 0,2-1 3,2 0 0,-2 0 0,5-3 1,-4 2-8,1-2 1,-2 3-2,2 0 0,-2 0-9,2 0 1,-3 1 10,0-1 0,3 3-18,-1 1 1,0-1 14,-6-2 0,3-1 33,-2 0 0,1 1-37,2-1 1,-1 0 0,1 0 0,1 1-15,1-1 0,-1 4 19,2-1 0,-3 0-15,0-2 1,0-1 12,-1 0 1,1 1-30,0-1 1,-1 3 21,1 1 0,-2-1-30,-1-3 0,1 4 73,-1-1 1,-2 2 2,2-2 1,-4 2-15,4 1 1,-2 2 3,2-5 1,0 5-13,-3-2 1,3 0 2,0 0 0,1 0-44,-2 0 1,3 2 40,-3-5 1,0 4-78,0-4 0,1 2 66,2-2 0,-2-2-64,-1 3 0,-2-3 45,2-1 0,-3 4-3,0-1 1,1 1 4,0-4 1,-1 3-6,-2 1 0,2 0 71,0 0 1,1-2-64,-4 4 0,0-2 59,1 2 0,-1-2-53,0 2 0,1 0-2,-1 0 1,0 3 5,1-3 1,2 2-3,1-1 1,-1-2-150,-3-2 1,1 0 140,-1 3 0,-3-3-73,0 0 0,0-2 46,4 0 1,-2 2 69,-2 1 0,3-1-30,-3-3 1,1 1 6,-1-1 1,2 0-14,-1 1 1,-2-1 10,1 0 1,-1 1 4,1-1 0,2 1-7,-5 3 0,3-3-21,-3 2 1,3-1 14,-3-2 1,2 0-30,-2 1 1,-2-1-7,2 0 1,-1-3-2,1 1 0,-2-1 17,2 3 3,2 0 0,-3 1 10,5-1 1,-5 0-13,1 1 1,1-4 23,-1 0 0,0 0-22,-3 4 1,0-1 39,0 0 1,1 1-32,2-1 1,-2 0 2,2 1 1,-2-1-1,-1 0 1,1 0-5,3 1 0,-3-1-6,2 0 0,-1 2 8,1 1 1,-2-5 19,2 3 1,1-3-21,-1 2 0,0 1 23,-3-1 0,3-3-23,1 0 0,-1-3 9,-3 4-5,4-1 0,-2 2 5,4-2 46,-4 3-49,2-4 1,-3 3 107,2-2 0,-2-1-79,3-2 205,-3-1-198,-1 6 1,0-6 71,0 4-89,4-4-27,-3 6 1,3-7 34,-4 8 1,0-7-46,0 4 0,1-3 33,2 3 0,-2-3-253,2 4 186,-2-1-8,-1 3-19,0 0-12,0 1 55,0-1 0,0-3-1,0 1 1,0-4 290,0 3-223,0-4 1,0 3 121,0-2-97,0-2 7,0 3-26,0 0-17,0-2-99,0 6 108,0-7-34,0 7-110,0-7 96,0 7 116,0-7 210,-4 4-136,3-1 1,-4-3-110,2 2 1,1-2 81,-5-1 0,4 0-86,-3 0 0,0-3-107,-3 0 0,-1-5 125,1 2 0,-3-2-151,-1-1 1,-3-4 79,0 1 1,0-5-37,0 2 1,-1 1 113,5 2 0,-3-2 115,2 2 0,1 0-33,2 2 0,2 4 33,2 0-106,2 4 94,4-2-438,0 4 1,4 8 147,2 4 0,2 1-48,2-1 0,2 2 70,1-2 1,0 2-119,-1-2 0,-1-2 132,1 3 1,0-3 156,0-1 0,-2 0-93,3-3 0,0 1 139,0-4 0,-1 0 28,-3-3 1,1-1 154,-1-2 0,0-5-263,1-5 1,-1-3-109,0 0 1,0-2-1080,1-4 0,-1 1 572,0-4 0,1 4 551,-1-4 0,4 0 0,2-3 0</inkml:trace>
+  <inkml:trace contextRef="#ctx0" brushRef="#br0" timeOffset="22">17234 8827 8452,'-4'-10'-65,"-2"1"0,-1 0-325,1-1 1450,1 1-236,5 0 267,0 4-627,0 1 0,4 5 70,-1 2 0,3 6-78,-3 6 0,4 4-131,-1 3 0,2 3-109,-2 6 1,1 1-86,-4 2 0,3 3-436,-2 0 1,2 2 336,-3 4 1,1-8-876,-1-1 1,-2-4 460,2-2 0,-2-5-2470,-1-4 2852,0-5 0,0-9 0,0 0 0</inkml:trace>
+  <inkml:trace contextRef="#ctx0" brushRef="#br0" timeOffset="23">16015 13817 8346,'-9'-6'-233,"3"0"1,2 3 496,4-3-123,0 4 0,1-3 105,2 5 0,3 0-23,7 0 0,2 0 13,7 0 1,0 0-118,6 0 0,-1 1 8,7 3 1,1-2-3,5 4 0,4-4-320,5 1 1,3-2 208,-24-1 0,0 0 1,4 0-1,0 0 60,2 0 0,0 0 0,1 0 0,-1 0-252,0 0 0,0 0 0,-1-1 1,0-1 238,0 1 0,-1-1 0,1-1 0,1 0-40,0 1 1,0 0 0,-5 0 0,0 0-56,-1 1 0,0-1 0,18 1 192,-2-2 1,-7 3-101,3 3 0,-7-1 95,5 4 1,-7 0-88,0 0 1,-6 2 370,0-2 0,-4 2-530,1-2 1,-7 1 529,-2-4 1,-2 1-520,1-1 0,-4-2 320,1 3 1,-2-3-374,3-1 1,-1 0 141,0 0 1,-3-4-128,1 1-446,-5-4 159,2 2-536,-4-4 1,-1 0 942,-2 3 0,-7-2 0,-4 3 0</inkml:trace>
+  <inkml:trace contextRef="#ctx0" brushRef="#br1" timeOffset="24">5689 3017 8208,'-5'1'372,"2"2"1,1 0 135,-2 6 0,3 4-256,-2 8 0,2 8 3,1 9 1,3 8-130,-1-18 0,0 0 1,1 4-1,1 1-323,-1 4 0,0 1 0,1 0 0,-1 1 208,0 2 1,0-1-1,1-2 1,0 0-84,-3-2 0,1-1 1,1-3-1,0-1-94,-1 0 0,-1 0 1,1-3-1,0 0-112,1 22 1,-2-10-465,2-12 1,-2-2-1059,-1-8 1800,0 3 0,0-6 0,0 3 0</inkml:trace>
+  <inkml:trace contextRef="#ctx0" brushRef="#br1" timeOffset="25">5708 3613 8363,'-5'-10'0,"0"4"398,-4 0 860,4 4-759,-4-6-476,8 7 0,1-7-45,7 5 1,4 0 81,1 3 0,4 0-28,-4 0 1,5 0 113,-2 0 1,6 0-173,1 0 0,1 0 72,-2 0 0,3 0 8,4 0 1,3-1 129,0-2 1,4 1-25,-1-4 1,4-1 61,2-2 0,1 0-299,3 0 1,-2 0 88,-1 3 1,-5 2 87,4 4 0,-7 0-187,5 0 1,-6 4 137,2 2 0,1 3-17,5 0 0,-1 0-13,1 0 1,1 0-10,0-3 0,4 1-33,2-4 1,-3 0-238,6-3 0,-4 0 234,7 0 1,-2 0 50,-23 1 0,0-2 0,21-2-54,-22 2 0,-1-1 1,26-2 25,-2 1 1,-23 2-1,0 1-3,1-1 0,0-1 0,24-2 14,-26 2 0,1 1 1,-1-2-1,0 1-2,1 1 1,-1-1-1,2 2 1,0-1 23,2 0 0,-1-1 0,-1 1 0,0 1-23,0 0 1,0 0-1,0 0 1,0 0 90,24 0 1,-24 0-1,0 0-83,2 0 1,-1 0-1,-2 0 1,0 0 22,1 0 1,0 0 0,25 0-31,-1 0 0,-24 1 1,-1 1-4,0 0 0,-1-1 0,1 1 0,1 0-55,0 0 1,0 0-1,25-1 66,-27 0 0,0 1 0,2-2 0,-1 1-28,1-1 1,0 0 0,-1 1 0,0 1 15,19 1 1,5 0-90,2-3 1,-26 0 0,1 0 72,0 0 0,-1 0 0,25 0-31,-2 0 0,1 0 15,-2 0 1,4 0-2,-3 0 0,2 0 25,-2 0 0,0 0-21,-4 0 1,4 0 69,0 0 1,-1 1-60,-2 2 1,-1-2 102,1 2 1,2-2-90,-3-1 1,0 3 7,-6 1 0,2 2-31,5-3 0,-2 3-203,-1-3 0,0 3 223,-3-2 0,2 2 5,-3-3 1,4 3-46,-4-3 0,1 0 28,-4-3 1,3 0 8,1 0 0,5 0-9,-2 0 1,-1 0 184,-6 0 0,1-3-27,-1 0 1,0 0 102,0 3 1,0 0-158,1 0 1,-4 0 182,0 0 1,-1 0-352,1 0 0,-2 0 162,-4 0 1,1 0-9,2 0 0,1 3-12,2 0 1,-1 1-146,-6-1 1,5-2 24,-1 3 0,3 0 100,-3-1 0,-3 3-150,-4-3 1,1 3 422,3-3 0,0 5-445,0-2 1,-1-1 285,-2 1 1,2-4-413,-2 1 0,-2 2-8,2-2 1,-4 0-180,1-3 1,-3 0-67,0 0 0,-2 0-89,-1 0 1,-3 0-43,-3 0 0,0-3-239,3 0 876,-7-5 0,10 3 0,-5-4 0</inkml:trace>
+  <inkml:trace contextRef="#ctx0" brushRef="#br1" timeOffset="26">12207 3091 8331,'-7'0'576,"1"0"1,4 1-336,-1 2 1,2 8-262,1 7 1,0 10 537,0 9 0,0-10 0,0 1-281,0 6 1,0 1 0,0 5-1,-1 2-613,0 6 0,-1 1 0,0-1 0,-1 1 515,-2 2 1,0 0 0,1-2 0,-1-2-520,0-3 0,1-1 0,1-3 1,0-2 199,2-5 0,-1-1 1,2-3-1,0 0-1112,2-2 1,-1-1 1291,2 0 0,0 1 0,0-1 0,1 0 0,0 1 0,1-1 0,1 0 0,0 1 0</inkml:trace>
+  <inkml:trace contextRef="#ctx0" brushRef="#br2" timeOffset="27">14432 14711 8803,'-11'10'510,"-1"3"1,5 1-38,-2 5 0,5 5-134,1 4 1,3 10-148,3 12 0,0-24 1,0 0-422,1 5 0,1 1 0,-1-2 0,0 2 239,0 0 0,-2 1 0,1 0 0,-1 0-109,-2 1 0,0 0 1,0-3-1,0-1 16,0 0 1,0-1 0,0 23-122,0-9 1,0-2-912,0-7 0,4-8 1115,2-11 0,1 1 0,-1-10 0,-2 0 0</inkml:trace>
+  <inkml:trace contextRef="#ctx0" brushRef="#br2" timeOffset="28">14413 15186 8743,'-9'0'178,"0"-3"-246,-1 0 813,5 0 1,2 0-291,6-1 0,6 0-204,7 1 1,6 1-261,2-4 0,8 4 53,2-1 0,2-1 125,1 1 1,4-2-133,3 2 1,1 2-101,2-2 0,1 2-402,1 1 0,0 0 280,4 0 0,-26 0 1,2-1 208,0 0 1,0-1 0,3 1 0,0 0-6,-2-2 1,2 0 0,2 0-1,1 0-172,2-2 1,0 0 0,3 1 0,1-1 179,1 0 0,0 1 1,2-1-1,1 0-211,-3 1 1,0-1 0,2 1 0,1 0 291,-2 0 0,1 1 0,2 1 0,2-1-25,-2 1 0,1 1 0,-1 1 0,0-1 1,-1 0 1,0-1 0,0 1-1,0 1-1,1 0 1,1 0-1,2 0 1,0 0-51,-1 0 1,1 0-1,-1 0 1,1 0 39,-6 0 0,1 0 1,1 0-1,1 1-83,-1 1 1,0-1 0,2 0 0,0-1 36,-1 2 1,1-1 0,1 0-1,-1-1-56,-2 0 1,0 0-1,1 0 1,0 0 60,1 0 0,-1 0 0,3 0 0,1-1-12,-2 0 1,0-1 0,1 2-1,-1-1 36,-4 0 0,-1-1 0,2 1 0,1 1 10,-1 0 1,0 0 0,-1 0 0,-1 0 49,-1 0 1,0 0-1,0 0 1,0 0-45,-2 0 1,0 0-1,0 2 1,1 0-195,1 1 1,0 0 0,-5 1 0,-1 0 181,1-2 1,1 2 0,-2 1 0,-1 1-83,-1-1 0,0 0 0,1-1 1,0 0-25,-1-1 1,0 0 0,-2 0 0,-1 0 63,2 2 1,-1 0 0,0-3-1,-1 1-1,2-1 0,-1-1 1,1 0-1,1-1-10,0 0 1,0 0 0,-1 0 0,-1 0-37,1 0 0,-1 0 0,1 0 0,-2 0 41,-1 0 0,-1 0 0,1 0 1,0 0 40,0 0 1,-1 0-1,23 0-79,-2 0 0,-8 0-151,-8 0 1,-2 0 686,-4 0 0,-4 1-1151,-2 2 1,-7-2 460,-2 2 0,-3 1-814,-1-1 0,1 0 306,-1-3 1,-3 0-350,0 0 1179,1 0 1,6 0 0,2 0-1</inkml:trace>
+  <inkml:trace contextRef="#ctx0" brushRef="#br1" timeOffset="29">20316 14702 8451,'-5'-5'2336,"1"6"-1988,4 8 0,4 10 8,2 9 0,2 9-7,-2 9 0,-2-18 0,-1 0-510,-1 4 0,-1 1 0,1 5 0,-1 1 312,-1 3 1,0 0 0,0 1 0,-1 0-422,0-1 1,-1-1 0,0 0 0,0 0 315,-1-2 1,0 0 0,0-3 0,2-2-335,0-5 0,2-2 0,0 18 172,2-13 0,-1-8-250,4-2 0,-1-6-912,1-4 1278,3-2 0,5-10 0</inkml:trace>
 </inkml:ink>
 </file>
 
@@ -950,6 +951,7 @@
           <inkml:channelProperty channel="F" name="resolution" value="0" units="1/dev"/>
         </inkml:channelProperties>
       </inkml:inkSource>
+      <inkml:timestamp xml:id="ts0" timeString="2024-10-15T13:44:13.876"/>
     </inkml:context>
     <inkml:brush xml:id="br0">
       <inkml:brushProperty name="width" value="0.09071" units="cm"/>
@@ -968,97 +970,97 @@
     </inkml:brush>
   </inkml:definitions>
   <inkml:trace contextRef="#ctx0" brushRef="#br0">5745 10400 8769,'-10'-5'1076,"4"0"-933,0 2 0,5 2 81,1-2 1,5 2-134,8 1 1,5 0 109,7 0 1,2 0-177,1 0 1,4 0 25,2 0 0,6 0-61,4 0 0,2 0-339,4 0 0,2-1 454,-24-1 0,0 0 0,1 2 0,0-2-113,-1-1 1,0 0-1,0 1 1,0-1 123,22-3 1,-1-1 83,-6 3 1,4-2 8,-7 3 1,1 0 60,-10 3 1,-1 0-154,-5 0 0,-2 1-23,-4 2 0,-5 1-100,-1 3 0,-3 0 260,-1-4-548,1 4 0,-4-3-316,0 2-1707,-4 3 2317,6-4 0,-7 4 0,3 1 0</inkml:trace>
-  <inkml:trace contextRef="#ctx0" brushRef="#br0">2030 4385 7827,'-6'0'763,"-1"0"0,5 1-466,-1 3 0,2 5-55,1 6 1,0 8-66,0 5 1,3 13-72,-1-15 1,-1 1 0,2 5 0,1 0-373,-3 5 1,1 1 0,1 4 0,0 2 343,-2 2 1,1 1 0,1 2 0,0 1-386,-1 0 0,-1-1 0,3 2 0,0 0 379,-2 0 1,2 0 0,1 1 0,1 0-99,0-2 1,1-1 0,-1-3 0,0-1-208,-2-6 1,1 0 0,2-2 0,0 0 298,0-1 1,1 0-1,0-2 1,1 0-207,-2-3 1,1 0-1,1-2 1,-1-1 179,-2-1 0,0-1 0,10 19 284,-4 2 0,1-5-221,-4-2 1,0-3 7,1-9 1,-4-1 646,0 1 1,-3 0-758,3 0 1,-4-4 549,1-2 0,2-3-481,-2 0 1,3 2 218,-3-3 1,4 2-255,-1-8 0,0 4 36,0-4 0,-1 1-53,1-4 1,2-1 0,-1-1 1,1-2 44,1-2 0,1-2 15,-1 2 0,0-2 6,1-1 1,3 0-40,2 0 0,2-4 95,-1-2 0,2 0-86,1 0 0,0 1-10,6-1 0,0-2-35,3 1 1,0 2-6,0-1 0,1 3-12,2-3 0,1 4-13,2-1 0,2 2-2,-2 1 1,4-4 35,2 1 0,-2-1-203,3 1 1,-2 2 183,1-2 1,3 2 49,3 1 0,-2 0 27,-1 0 0,2 0 12,4 0 1,0 0-20,4 0 1,-5 0-309,2 0 0,-1 0 250,0 0 1,3 0 16,-24 0 1,0 0 0,-1 0 0,1 0-96,24 0 0,-25 0 0,0 0 111,23 0 0,2-1-131,-26-1 0,0 1 0,23 0 8,-23-1 0,1 1 0,21 0-3,-1 1 1,1 3 1,1 0 1,-4 1-11,1-1 1,-4 1-119,1 2 1,1 3-119,2-3 0,-3-1 194,-3 1 1,-1-1 36,2 2 1,-2 0 136,4-4 1,-3 0-85,0-3 0,-3 3-50,-3 0 0,4 0 66,-1-3 0,-4-3 23,1 0 0,-4-1 134,-2 1 1,1 2-89,2-2 1,-1 2 65,4 1 0,-4 0-105,1 0 1,-2 0 149,-1 0 1,-3 0-161,0 0 0,-5 0 308,2 0 0,1-1-308,-1-2 1,-1 1 209,-2-5 0,0 1-183,-1-3 1,0-5 26,-3-1 1,2-1 153,-5-2 1,4 0-119,-4-7 1,4 2-54,-4-2 0,1-2 175,-4 2 0,0-2 245,1-1 1,-2 0-252,-2 0 1,1-3-56,-4 0 1,4-4-98,-4 1 0,0-5 88,-3-2 1,0 1-268,0 3 0,-4-4 255,-3 1 1,-2-8-137,-3 2 1,1-4-223,-1 0 0,6 25 0,1-1 254,-2-2 1,1 0-1,1-1 1,0 0-11,-1 1 0,-1 0 1,2 1-1,0 0-297,-4-19 1,3-1 305,-1 1 1,4-1 7,-3 1 1,4 3-71,-1 3 0,2-2 60,1 2 1,0-3-78,0 2 0,0 2 42,0 5 0,-1 1-2,-2 2 1,2 2-3,-2-2 1,-2 2 142,2 1 0,-4 1-164,1 2 0,-2-1 403,-2 4 0,1 2-250,0 4 0,-4-1 103,1 1 0,-4 3 69,4 0 1,-5 3-70,2 1 0,-1-1-139,-2 1 0,1 1-45,-5 1 0,3-1-3,0 2 0,-4 1-102,-1-1 1,0 3 140,-1-4 0,3 5-139,-3-1 1,-1-1 94,-5 1 0,2-1 48,-2 1 0,2 2-44,2-2 0,-5 0 14,1 0 1,-3 2 20,3-2 1,-1-1-23,1 1 0,-2-1 24,-4 1 0,4 1-20,2-5 1,1 2-87,-1-1 1,1-1 79,-5 4 0,5-3-156,-1 2 1,1-2 78,-1 3 1,0 0-154,-6 3 1,5-1-61,-5-2 1,2 2 136,-3-2 1,1 2-11,0 1 1,0 1-102,-1 2 1,1-2 266,0 2 1,0-2-86,-1-1 0,4 0 82,0 0 0,3 0-49,-3 0 0,4 0 119,-1 0 0,2 0-70,1 0 0,0-1 124,0-2 1,-1 1-199,-2-4 1,2 4 57,-2-2 0,2 2-210,1-1 1,-1 2 118,-2-2 1,2 2-162,-2 1 0,-1 1 104,1 2 1,-4-2 76,1 2 0,2 1 17,1 0 0,-1 2-14,1-3 1,0 3 117,3-3 1,-1 4-78,-2 0 0,5 0 317,-2-1 1,-1 2-247,-2-1 1,0-2-18,3 1 1,0-3-52,0 3 0,-3-1-119,0 2 1,-3 1 74,3-2 0,-4 2-133,0 2 0,-4 3 207,-1 3 1,-1 0-272,4 0 1,0 4 275,0-1 0,0 2-73,-1-3 1,4 4 62,0 0 0,3 0-24,-3-4 0,1 0-55,-1-3 1,1 0 5,6-3 1,0-3 13,2 1 0,-1-2 33,4-5 0,1 3-17,2-3 1,3 1-457,1-4 1,3 0 376,0 0 1,2 0-1774,0 0 1093,1 0 785,0 0 0,-1 4 0,1 1 0</inkml:trace>
-  <inkml:trace contextRef="#ctx0" brushRef="#br0">3175 3426 8150,'0'-9'-546,"-3"0"249,0-1 841,0 1 0,2 1-129,-2 2 1,0-2-165,-3 5 1,3 0-104,-3 3 1,-1 0-111,-6 0 1,2 8-93,-5 5 1,4 4 74,-4 5 1,4 3-47,-3 6 0,3 2 73,0 4 1,2-2-87,4-1 0,2 0-93,4 3 0,1 0-152,2 1 1,3-5 118,7-2 0,4-5-121,5-2 1,3-4-389,-3-1 1,4-6 672,-2-7 0,3-2 0,1-4 0</inkml:trace>
-  <inkml:trace contextRef="#ctx0" brushRef="#br0">3426 3557 8150,'-12'0'-93,"0"0"0,-1 0 104,4 0 0,0 4 148,-1 2 1,2 2-100,2 2 1,-2 3 15,5 3 0,-3 1 87,3 2 1,0 4-113,3 1 1,1 0-151,2 1 1,2-3 140,5 3 1,-1-8-318,0 2 1,2-8 58,1-1 0,1-2 50,3-5 1,-3-4 194,-3-5 0,-1-4-113,0-2 1,1-6 390,-1-3 1,-4-1-142,-2 3 0,-1-2 231,1-1 0,-2 0-129,3 3 1,-4 2-158,-4 1 1,2 0 16,-4 3 1,3 1-72,-3 3-12,0 4 1,-3-1-416,3 3-468,2 2 383,4-3 233,0 4 129,4 0 1,1 0 114,5 0 1,2-3-120,0 0 0,4-3 233,-4 3 0,2-4 29,-2 4 0,-1-3 24,1 3 1,-2-1-116,0 1 0,-1 2-9,0-2 0,-2 3-121,-1 3 1,-3 2 91,3 4 0,-4 1-86,1 3 1,-2 0 49,-1 3 0,3 1-12,0-1 1,1 2-7,-4 0 1,3 1 11,0-1 0,1 0-160,-1-2 1,-2-3 94,2-4 1,1-3-122,-1 1 156,5-5 1,-4-3 57,2-9 0,2 0-21,-2-5 1,0-2 128,0-5 1,0 3-82,3-3 1,-2 0 146,-1 4 1,-1-3-13,1 5 0,1 0-63,-4 0 1,4 3-121,-4 4 138,4 3-33,-2 2 1,3 9-106,-1 5 1,0 3-12,-4 6 1,4-1-258,-1 1 0,2 3 91,-2-1 0,1 0-348,-4-5 1,3 0 184,-2-3 1,3 1-758,-1-5 1096,-2 3 0,4-11 0,-2 3 0</inkml:trace>
-  <inkml:trace contextRef="#ctx0" brushRef="#br0">4134 3454 8164,'-14'0'0,"-3"0"327,5 0 0,-5 0-69,1 0 0,3 1-134,1 2 0,1 3 94,2 3 1,-1 5-418,-3 5 1,6 4 176,-2 5 0,6 1-175,-1 2 0,3-2-16,1 2 1,5-6-84,1-4 1,3-2-157,3-4 0,2 1 168,1-7 1,3-1-38,-2-8 1,4-2 320,2-1 0,0-6 0,0-10 0,2-4 0</inkml:trace>
-  <inkml:trace contextRef="#ctx0" brushRef="#br0">4246 3482 8164,'-10'-9'-1432,"4"3"1264,0 0 0,3 3 549,-3 0 0,3 2 308,-4 1-489,5 0 0,-2 1 81,4 2 1,-3 4-75,0 5 1,0 2 53,3 1 1,3 4-17,0-1 1,4 1-290,0 3 0,0-3-114,-1 0 0,3-1-130,1-3 1,-1 1 49,3-7 0,0 1-142,0-7 1,-2 0 131,3-3 0,-3-8 5,0-4 0,-1-6 213,0-4 0,-3-1-137,1-5 1,-4 3 241,3 0 0,-4 4 68,1 0 0,-2 5 106,-1 4 0,0 1-17,0 2-21,0 4 0,3 5-4,0 6 1,1 5-127,0 2 1,-3 4-90,2 2 0,2 0 102,1 2 1,-1-1-521,1-1 1,0-5 8,0-1 0,2 0-161,-2-1 0,3-3 578,0-6 0,0-2 0,1-1 0</inkml:trace>
-  <inkml:trace contextRef="#ctx0" brushRef="#br0">4516 3417 7918,'-5'0'458,"0"0"1,5 4-187,0 2 0,1 7-342,3 2 0,-2 1 104,4 3 0,0-3-359,3 6 1,-2-4 174,-1-2 0,0 0-143,3-3 0,-2-4 49,-1-3 239,0-4 1,2 2-45,-2-8 1,3-5 84,-3-6 1,-1-3 229,1-1 1,0 1-90,4-1 1,-4 2 174,0 1 1,-1 0-83,2 3 0,1 2-139,-2 5 0,2 1-19,2 5 1,-1 0-137,0 0 1,1 6-54,-1 3 0,0 1 97,1 6 1,2-2-421,0 2 1,1-2 167,-4-1 1,4-4-62,-1 0 0,0 0 118,-2-6 1,-1 0 29,0-3 0,0-1 232,-3-2 1,1-3 504,-4-3 1,3-1-346,-3-3 0,1 2-77,-4-5 0,0 4 1,0-3 0,0 3 8,0 0 0,0 1-262,0 2 1,-2 1 125,-1 2 0,1 1-311,-4 5 188,4 0 0,-2 1-49,4 3 0,-3 2 46,0 6 0,0 0 50,3 3 1,0 1-173,0 2 0,3-3 93,0-3 0,3 2-48,-3-2 0,4 0 90,0-2 0,1-2 160,1-2 1,0-1-44,1-1 0,0-3 89,3 2 0,-3-5-36,2-2 1,-1-3 248,-2 1 1,0 1 15,1-1 0,-2-1-85,-2-2 0,2 0-211,-1 0 0,1 0-27,1 3 0,-3-2-198,1 2 1,-1 0 130,3 0 0,-3 4-101,0-1 0,-2-1-87,2 1 1,-3 0 52,3 3 0,-3 0 246,3 0 0,-4 1-158,2 2 0,0-1 239,-1 4 0,3-3-115,-3 3 0,1-3-103,-1 4 1,-1-4-13,5 3-88,-5-4 1,5 3-305,-4-2 113,4-2-144,-2 4 0,5-5 134,-1 0 0,-3 0 352,0 0 0,1-5 0,2 0 0</inkml:trace>
-  <inkml:trace contextRef="#ctx0" brushRef="#br0">5344 3324 8088,'0'-5'442,"0"-3"1028,0 6-511,0-2-671,0 17 0,0-5-238,0 11 0,1 1 153,3 5 0,-2-1-557,4 1 1,-4 0 245,1 3 1,1 0-382,-1-1 0,3 0 39,-2-2 450,3-2 0,-6-4 0,3-1 0</inkml:trace>
-  <inkml:trace contextRef="#ctx0" brushRef="#br0">5195 3454 9025,'10'0'292,"3"0"-437,3 0 1,4 0-569,2 0 0,7 0 69,-1 0 1,6-1 643,0-2 0,7-2 0,1-4 0</inkml:trace>
-  <inkml:trace contextRef="#ctx0" brushRef="#br0">6033 3268 8016,'-6'0'184,"0"0"44,4 0 0,-2 1-179,4 2 0,0 7 128,0 5 1,4 8-110,2 5 1,3 5 2,4 7 1,1 3-402,5 3 1,0 0 201,-1-3 0,0-7-288,-3-8 0,2-8 123,-5-8 0,1-6 68,-4-6 0,0-10 286,1-8 1,-2-9-110,-2-7 1,1-3 351,-4 0 0,1-3-157,-4-1 0,3 1 419,0 3 1,0 5-160,-3 4 0,0 4 439,0 5-624,0 1 1,0 8 305,0 7-442,4 15 1,-3 7 69,2 9 1,1 4-405,-1 3 0,4 1 162,-4 1 0,1 0-272,-1 1 0,-1-6 75,4-4 0,-1-6-72,2-6 0,1-4 453,-2-6 1,2-4-43,2-8 0,-1-2 77,0-11 0,0 2-60,-3-8 1,2 0-14,-2-3 0,3 3-218,0 1 0,0 0-231,0-1 1,1 2-98,-1 5 1,-1 2 485,-1 0 0,5 1 0,-2-4 0</inkml:trace>
-  <inkml:trace contextRef="#ctx0" brushRef="#br0">6695 3371 8016,'-10'0'1414,"1"0"1,0 0-1222,-1 0 1,4 0-221,0 0 1,0 0 132,-4 0 1,1 3-344,0 0 1,-1 4 112,1-1 1,3-1 1,0 2 0,3 0 16,-4 5 1,5-1-134,-1 1 1,2-2 187,1 0 1,1 0 46,2 2 0,2-1 102,5 1 0,-1-5-126,0 0 1,2-1 236,1 3 0,-5-3-57,3 1 1,-3-4 67,2 3 1,-3-1-122,1 1 1,-5 3-224,1-3 0,-2-1-178,-1 1 0,0 0-446,0 4 1,-4-4 48,-2 0 0,-3 0 699,0 4 0,0 3 0,-1 1 0</inkml:trace>
-  <inkml:trace contextRef="#ctx0" brushRef="#br0">6890 3557 8051,'6'0'3212,"0"0"-2303,-3 0-463,5 0-446,-3 0 0,4 4 0,1 1 0</inkml:trace>
-  <inkml:trace contextRef="#ctx0" brushRef="#br0">6294 8836 8370,'-5'9'0,"-2"-1"86,4 1 0,0-2 142,3 6 0,4 1-94,2 2 0,3 1-140,4 2 0,1-1-128,5 1 1,-2-4 153,-1 1 0,1-2-61,-1 2 1,1-3 116,2-3 1,0-2-140,-1-2 1,1-2 81,0-4 0,-1 0-31,1 0 0,-1-4 111,1-2 0,1-2 14,1-2 0,-1 0 85,2-2 0,-2 0-80,-2-3 1,4 3-9,0 0 0,0-1-14,0 0 0,-1 4 129,4 3 0,-1 3-149,4-4 0,0 5-3,0-1 0,1 7-37,2 6 1,-1 0-175,4 5 1,-3 2-89,4 5 1,-5-2 216,1 5 1,-1-3-216,1 3 1,-6-5 39,3 2 0,-2 1 127,2-1 0,0-1 42,0-2 0,-1 0 98,-2-1 1,1 1-86,-5 0 0,4-1 22,-3 1 0,0-1-47,-4 1 0,1-3 41,0-1 0,0 1-2,3 2 1,-6 0-13,3-3 0,-3-1 81,-1-5 1,2-4-167,-5-2 0,0-2-157,-2-1 0,-1-4 205,0-2 1,1-3-5,-1-4 1,0 2 35,1-5 1,-1 0-63,0-6 0,1 2 253,-1-1 1,3 2-73,1 4 0,0-2 166,0 5 1,0-4-24,3 4 0,0 2-125,-3 4 1,3 4-78,0-1 1,1 2-15,2 1 0,-1 0-52,1 0 0,0 1 97,-1 2 0,4 2-186,0 5 1,-1-2 89,-2-2 0,1 2-57,1-1 1,-1 1 56,2 1 1,-2-4 1,-2-2 0,1 2 2,-1-2 1,4 0 0,0-3 1,1 0 1,-2 0 1,0 0 7,4 0 0,0 0 184,3 0 0,-4 0-111,1 0 0,1 0 15,5 0 1,-2 0-27,2 0 1,-1 1 10,1 2 0,-1-1-33,4 4 0,0-3-15,4 4 1,-1-4-117,0 3 0,0 0 148,1 3 1,-1-2-38,0-1 0,1-1 15,3 1 0,-2 1-76,5-4 1,-5 1 110,1-4 1,2 0 3,-2 0 1,3 0 72,-2 0 1,-1-1-104,-3-3 0,2 3-84,1-2 1,-1-2 88,5-1 1,-5 1 7,1-1 1,-4-1 0,-2-2 0,1 0 49,5-1 1,-4 1-86,5 0 0,-5-1-6,4 1 0,0-3 32,0-1 1,-5-2-1,2 2 0,-1-2 137,1 2 1,1 0-75,2 1 1,2 0-36,1-3 0,-1-1-8,-5-2 1,0-1-203,0 0 0,-3-2-261,-3-1 1,-6-1-487,0 1 0,0 3-235,3-3 0,-4 1 1111,-2 0 0,-1 1 0,2-2 0,2 3 0,-2 0 0,-3 0 0</inkml:trace>
-  <inkml:trace contextRef="#ctx0" brushRef="#br0">1276 11387 8009,'-5'-14'0,"0"0"184,-4 5 79,0 4 1,3 3 5,3 8 1,2 2-28,1 11 1,0-1 113,0 10 1,0 3-56,0 10 0,4 2-388,3 7 0,-5-23 0,1 1 201,0 1 1,0 1 0,0 1 0,0 1-106,2-1 0,0 0 0,-2 2 0,0 0-134,0 0 0,0-1 1,-2-2-1,1-2-446,4 19 0,-4-6 232,1-7 1,-1-4-1007,-2-8 387,0-4 548,0-13 0,0-9 190,0-9 0,0-4 16,0-5 1,0-2 597,0-4 0,-4-1-394,1-2 0,-8-2 0,1-4 0</inkml:trace>
-  <inkml:trace contextRef="#ctx0" brushRef="#br0">1173 11527 8030,'0'-21'125,"0"3"0,0 2 187,0 0 0,1-1 50,2 1 0,4 2-94,5-2 1,3 4-199,7-4 1,2 5 115,4-1 0,1 2-79,2 4 0,-2 2 96,2 4 0,1 5-233,-1 4 0,-4 6-30,-5 7 1,-4 3-43,-2 6 1,-3 3 84,-3 6 1,-5 2-392,-2 5 0,-4 0 584,-5-1 1,-5 6-130,3-24 1,-2 0 0,0-2 0,0-1 4,-1 2 0,0-1 0,-8 19 6,-3-5 1,3-6-232,4-3 1,1-10-570,5-6 114,0-7 0,2-4 149,1-4 0,4-7-137,-1-3 1,6-6 615,3-3 0,-2 5 0,1-4 0</inkml:trace>
-  <inkml:trace contextRef="#ctx0" brushRef="#br0">1806 11369 8021,'-9'-10'-182,"0"1"0,2 4 1226,1 2-605,4-3 1,-2 10-49,4-1 0,4 5-163,2 4 1,3 7-26,0 6 0,0 6 54,1 3 1,-2 6-177,-2 4 1,2 2-476,-1 4 0,-2-1 199,-2-23 0,0 0 0,-1 25-446,1-1 0,-1-6 310,1-10 1,-1-3-60,5-6 0,-4-3 141,3-7 0,-3-5-315,3-7 0,-4-7 194,1-6 1,-2-4 136,-1-8 0,0-6 254,0-6 1,0-3-22,0-3 0,-4-6 203,-2-4 0,-2 1-189,-2 2 1,0-1 110,4 21 1,0 1 0,-5-24-43,5 22 1,0 0 0,0-20 587,3 1 1,2 6-245,1 7 0,7 7 270,2 8 0,6 9-177,-3 7 1,6 2-71,0 1 0,1 2-248,3 4 0,-3 0 39,0 6 1,0 3-234,-1 0 1,-3 0 386,-3 0 1,-3 1-503,-2 3 1,-2-1 99,-2 1 0,-3-1-97,0 1 1,-4 0 51,-6-1 0,-3 2 68,-3 2 1,-1-3-22,-2 3 1,-3-3 12,1-4 1,-4-1-135,3-5 1,-2-1 105,6-2 0,-2-1-160,8-5 0,0-1 50,6-3 1,2-1 18,4-4 1,4 1 108,2 2 1,4-3 14,2 3 0,4 2-31,5 1 1,0 2 10,4 1 1,0 0 112,3 0 0,-2 4-109,-1 2 1,1 3-43,-4 4 1,3 2 57,-4 7 1,-3-1 98,-6 4 0,-5-2-13,-4 2 1,-2 4 155,-1-4 1,-8 4-63,-5-4 1,-7 1-124,-1-1 0,-4 0-203,3-3 1,-3 0 98,4-4 0,-1-3-433,3-3 1,2-2 218,1-4 0,3 1-498,3-4 1,4 0 144,0-3 1,4-4-471,-1-2 1071,6-2 0,2-6 0,4 0 0</inkml:trace>
-  <inkml:trace contextRef="#ctx0" brushRef="#br0">2439 11815 8005,'10'0'0,"-1"0"0,-1 2 1123,-1 1 0,1-1-468,-2 4 1,2-1-1652,2 1 996,-1 3 0,0-4 0,1 4 0</inkml:trace>
-  <inkml:trace contextRef="#ctx0" brushRef="#br0">2691 11341 8449,'-9'0'0,"2"-3"-314,1-1 237,4-3 0,-5 5 149,4-4 0,4 4 6,5-1 0,2 2-2,2 1 0,3-3 20,2-1 0,3 1 7,1 3 0,3-3 70,3 0 1,2-3-85,1 3 1,4-4-66,2 0 0,5-1 77,4-1 1,-3 3-261,7-1 0,-6 4 248,3-3 0,-4 4-15,4-1 0,-5 2 5,1 1 1,-3 3-65,-2 0 0,2 4-93,0 0 1,-3 1 138,4 1 1,-6-3 25,2 1 0,0-4-22,3 3 0,1-4 29,3 1 1,-2-2-34,4-1 0,1 0 94,2 0 1,1-1-392,0-2 1,0 1 312,3-4 1,1 3-66,-25-1 0,0 1 0,25 0-11,-4-3 0,2 4-33,1-1 0,2 1 78,-6-1 1,3 2 156,-6-2 1,3 2-152,0 1 1,1 0 29,-1 0 0,-2 3-9,-1 0 1,2 0 19,4-3 1,2 0-58,2 0 1,-3 0-11,-7 0 0,4 0-114,-1 0 0,3 0 139,0 0 1,1 3-61,-6 0 0,1 0-137,2-3 1,1 3 126,-1 0 0,-2 0 3,-4-3 0,-2 1 2,4 3 0,0-2 23,0 4 1,-1-4 1,-5 1 0,0 2-11,0 1 0,4 0 8,-1 0 0,0-3 65,-2 3 1,0-1-62,2 1 1,2-1-7,1-5 1,0 0-7,-3 0 0,-1 0-2,5 0 0,1 0-91,2 0 0,0-1 95,-6-3 0,2 3-25,-3-2 1,4 2 13,-4 1 0,1 0-18,-4 0 0,1 1 9,2 2 1,-1-2-25,1 3 0,-2-3-54,0-1 0,0 1-9,2 2 0,0-2 51,3 2 0,-3-2-21,4-1 0,-1-3 200,4 0 1,-4-1-110,1 0 0,-1 0 188,4-2 1,0-1-126,3 4 1,-2-3 20,1 2 1,-4 1-59,-2 3 0,-3 0 44,4 0 1,-2 0-148,2 0 1,0-3 117,-3 0 0,3 0-171,0 3 0,-3 0 84,-1 0 0,2 0-102,-2 0 1,4 0 105,0 0 1,0 0 12,0 0 1,-2 0 3,-1 0 1,-2 3 0,4 0 1,-3 5-35,0-2 0,-2 2-27,0 1 0,-1 1 26,0-1 0,-1 0 19,-2 1 1,2-1 315,-5 0 0,4 0-265,-1 1 0,2-4 33,1 0 1,1-4-20,-1 1 0,3-2 12,1-1 0,2 0-22,-3 0 1,1-3 6,-4 0 0,4-3 94,3 3 1,-3 0-85,0 3 0,0 0-9,-1 0 1,1 0 12,-4 0 0,0 1-27,0 2 1,2-1 41,1 4 1,1-3-11,3 4 1,1-5 52,-1 1 0,2-2 48,4-1 1,2 0-123,-24 0 1,0 0 0,0 0 0,-1 0-85,1 0 1,0 0 0,2 0 0,-1 0 131,1 0 0,-1 0 1,3-2-1,-1 1-41,0-1 1,0 1 0,1-3 0,1 1-31,-1 2 0,1-1 0,-1 0 0,1 1-18,-1 1 0,1 0 0,3 0 0,-1 0-90,1 0 0,0 0 1,2 0-1,-1 0-725,-1 0 1,0 0 0,2-1 0,1-1 111,1 0 1,1 1 707,4-1 0,1 1 0,-3-1 0,1 1 0,3-1 0,1 1 0,1-1 0</inkml:trace>
-  <inkml:trace contextRef="#ctx0" brushRef="#br0">9255 6611 6314,'-5'1'-371,"2"2"371,2-2 0,-3 3 0,-2-4 0</inkml:trace>
-  <inkml:trace contextRef="#ctx0" brushRef="#br0">9208 6499 8194,'0'-6'-2,"0"0"1,-3 2 66,0-2 0,-1 4-145,1-1 332,2 2-136,-3 1 1,4 5 46,0 5 1,0 7-40,0 8 1,0 4 7,0 5 1,0 5-55,0 11 0,0-22 1,0 1-286,0 3 1,0 1 0,0 6-1,0 1 273,0 4 1,0 2-1,2 1 1,0 2-515,1 2 0,0 0 1,0 1-1,-1-1 487,1 0 1,1 0 0,-2 0 0,2 1-66,0-1 0,1 0 1,0-4-1,-1 0-239,1-2 1,0 0-1,-1-2 1,1 0 180,0-1 1,-1 0 0,1-2-1,0 1-166,-1-1 1,1 0 0,0-5 0,-1-1 219,1-2 1,0 1 0,-1-2 0,1 0 118,0-2 1,-1 1 0,0-3 0,0 1-120,3 21 0,1-5 13,-2-4 1,-1-7 693,2-5 1,-5-1-936,1-5 1,1-8 1239,-1-5-1469,0-5 0,-4-4 748,-2-7 0,-6-13 0,-6-5 0</inkml:trace>
-  <inkml:trace contextRef="#ctx0" brushRef="#br0">9218 6620 8312,'1'-18'68,"2"3"0,-2 0 189,2 3 1,3 2-149,4-3 0,4 0 29,8 0 1,3-2-62,6 2 1,3-3 65,6 0 1,3 2-556,3-2 0,1 6 356,-1 1 1,1 0 175,-1 6 0,5 0-208,2 3 1,-2 0-1,2 0 1,-1 3 74,-26-1 0,1-1 0,2 1 0,0 0 41,-1-2 1,0 0 0,1 0 0,0 0 0,1 0 1,-1 0-1,1 0 1,0 0-4,1 0 0,1 0 0,1 0 0,0 0 5,-2 0 1,0 0 0,0 0-1,0 0 68,-3 0 1,0 0-1,0 0 1,0 0-61,0-1 0,-1 2 1,1-1-1,-1 1 56,0 0 0,-1 1 1,22 3 0,-5 4 0,-4 0-253,2 1 0,-7 2 103,-3 1 1,-4 2 34,-5-2 0,-2 0 40,-7-1 0,-2 2-20,-5 1 0,-2 2 0,-4-5 1,0 1 292,0-4 1,0 0-303,0 1 0,-3-1 121,0 0 1,-3 2 55,3 1 0,-3-2 11,3 3 1,-4 1 115,4 2 1,-3 2-195,3 4 0,-3 0 4,3 6 1,-4 3-139,4 9 0,-4 4-170,1 5 1,2-22 0,1 1 119,0 1 1,-1 1 0,0 3 0,0 0 70,1 0 0,0 0 0,-1 2 0,0 1-90,-1 0 0,0-1 1,1 1-1,0 1-234,1-1 0,0-1 0,-1 0 0,0-2 288,0-1 1,1-2 0,0 3-1,-1-1 20,1-1 0,0 0 0,-1-3 1,1 1-167,1-1 1,1-1 0,-3 23 290,4 0 1,-3-2-103,0 2 0,0-8 177,3-1 1,-3-3-107,0-4 1,-4-2-108,1-1 1,0-4 328,0-5 0,3-1-723,-3-9 990,4-4-1052,-7-4 0,4-4-92,-4 0 1,0-1 58,-1-2 1,-2-1 528,0-2 0,-9-6 0,1 1 0</inkml:trace>
-  <inkml:trace contextRef="#ctx0" brushRef="#br0">9460 8752 8157,'-9'-4'0,"-1"2"-111,1-4 0,1 3 119,1-4 79,3 5 177,4-2-290,0 4 1,4 0 125,3 0 1,2 0 125,3 0 1,3 1-99,3 2 0,5-1 13,2 5 0,3-2-61,3 1 1,2 1 31,4-4 0,6 4-439,3-4 1,6 1 355,-23-2 0,1-1 0,-2-1 1,1 1-207,0 1 0,1-1 1,0 0-1,0-1 187,-1 0 0,1 0 1,0 0-1,0 0-58,0 0 1,-1 0 0,24 0 94,-1 0 1,-7 0-42,-5 0 0,-3 0-101,-2 0 0,-3 0 77,-4 0 1,-5 0-119,-1 0 0,-2 0 141,-2 0 1,-3 0 169,-3 0 0,-1-3-129,-2 0 0,-3-1 791,0 1-425,1 2-275,2-3 1,0 2-34,0-1-23,-3 2-546,2-3 0,-6 4 78,4 0 387,-4 0 0,7 0 0,-4 0 0</inkml:trace>
-  <inkml:trace contextRef="#ctx0" brushRef="#br0">912 4013 8450,'-4'-5'258,"-2"2"230,2 2 1,-3 3-186,4 4 1,0 8-1,3 11 1,0 11-161,0 8 1,0-14-1,0 2-512,0 4 1,0 2 0,-1 5 0,0 1 372,0 4 0,-1 1 1,0-14-1,-1 0 0,0 1-177,-1 3 1,0 0 0,0 1 0,-1 2-1,-1 0 1,1 0 188,1 1 0,0-1 0,0 1 0,0 0 1,-1 1-1,1 0-246,1-1 1,0-1 0,0 0 0,1 0 0,0 0 0,0-1 223,0 1 0,-1-1 1,2 1-1,0-1 0,0 0 1,1 1 26,-1-2 0,-1 1 0,1-1 0,1-1 0,0 0 0,-1 0-204,1-2 0,0 0 0,0 0 0,1 1 0,1 0 0,0 0 224,-1 2 1,2 0 0,-1 1 0,0 1-1,1 1 1,-1-1-16,0 1 0,0-1 0,0 1 0,1-1 1,-1 1-1,0 0 79,0-2 1,-1 1-1,0-1 1,0 1-1,0-1 1,0 1-44,-1 1 1,0-1-1,0 1 1,0 0-1,0 0 1,0 0 52,0-3 1,0 1 0,0-1-1,-1 1 1,1 1 0,0-1-15,-1-3 0,-1-1 0,2 0 0,-1 0 0,1 1 1,-1 0-32,1-2 0,-2 0 1,1 0-1,1 2 0,0-1 1,-1 1-13,1-2 1,0 1-1,0-1 1,0 16 0,0 0 60,0-4 0,0 0 1,0 1-1,0 1-48,0-1 1,0 1 0,2-3-1,0-1 35,2-1 1,-1 0-1,-1-4 1,1 0 2,0-2 1,0-1-1,0 0 1,1 0-60,2-1 0,1 0 0,-2-5 1,0-1-130,1-1 0,0-1 0,5 22 419,-2-1 1,1-4-650,3-2 1,-3-8 103,3-8 0,-3-2 737,-1-8 1,2 2-905,1-8 1,-2 0 859,3-6 0,-2 1-383,2-4 0,-2 0 306,5-3 1,-1 0-252,4 0 0,-1-1 188,1-2 1,4 1-246,2-4 0,1 0-99,2-4 1,1 4 16,2 0 0,2 0-247,5-3 0,-1-1-88,0 1 0,4 0-62,-1-1 0,4 0 105,0-2 1,-3 1 140,0-1 0,-3 1 99,-1 2 1,0 3 222,1 0 0,-4 3-165,0-4 0,-4 5 89,1-1 1,-5-1 29,-1 1 1,-6-3-52,0 3 0,-5-5-66,-4 2 0,-2-3 50,-2-3 1,-2-4-148,-4-6 1,0-2 242,0-3 1,-4-9-277,-2-1 0,-2-10 87,-2-3 0,6 23 1,-1-1-179,0-1 0,1-1 1,0-2-1,1 0 336,0-2 0,0 0 1,2-2-1,0-1-323,0 2 1,-1-1 0,1-1 0,1 0 299,0 0 0,0 0 0,0-3 0,0-1-48,0 1 0,0 0 0,0-1 0,0 0-100,0 2 0,0 0 0,0 0 1,0-1 35,0-2 0,0 0 0,0-3 1,-1 0 14,0 0 1,-1 0-1,-2-2 1,-1 0-382,-3 2 0,0 0 0,1-3 0,0-1 301,-1 0 1,0-1 0,3 15 0,0-1 0,1 1 3,-1-1 1,-1 1 0,1 0 0,0-1 0,-1 0 0,1 0 6,-2-13 1,1-1 0,0 0-1,0 0 38,1 0 1,0 0 0,2 1 0,0-1-261,0 3 1,0 1 0,2 2-1,0 1 374,-1 4 1,1 1 0,0 0 0,1 0-58,0 1 1,0-1 0,0 0-1,1 0-17,0 1 1,1-1-1,0 0 1,1 1-27,2 3 0,-1 0 0,0-2 0,-1-1-37,0 2 1,0-1 0,0-2 0,0-1-64,2 1 0,-1-1 0,0 0 0,-1 0 35,0 2 1,0 0 0,-2-1-1,0 1-111,0 0 1,1 0 0,-1-2 0,-1 1 54,0 1 0,0 0 1,0 1-1,-1 0 214,0 5 0,-1 0 0,0 1 1,-1 1-158,-2 3 1,0-1 0,-5-24 551,-2 7 1,1 5-470,-1 11 1,-2 4 627,2 2 0,-4 3-405,4 0 1,0 5 492,2 1 1,1 3-868,0 1 1,-3-4 507,3 1 0,-2-1-623,4 4 1,-1-1 191,-1-3 0,3 3-145,-1-2 1,4-1 123,-3 4 1,0-3 5,-3 6 1,-4 2 146,1 1 1,-4 2-113,4 1 1,-6 1 141,0 2 1,-2 2-72,-5 5 1,3 0 89,-2 2 0,-1-1-59,-3 1 1,0 2-42,0-2 0,0 0-132,0-2 1,-1-1 122,-2 0 1,2 1-152,-2-1 1,2-1 73,1-2 1,0-1 31,0-5 1,0 0-9,0 0 1,1 0-6,-1 0 0,3-4-40,0 1 1,4-3 9,-1 3 1,4 0-18,2 3 1,3 0-14,4 0 0,0 1-600,3 2 1,2 2 260,4 5 1,0 0-1470,0 2 1902,4 3 0,5 3 0,6 1 0</inkml:trace>
-  <inkml:trace contextRef="#ctx0" brushRef="#br0">5884 6639 8237,'-9'0'-413,"0"3"-197,0 0 0,2 4 612,1-1 1,4 8-13,-1 4 0,2 6 614,1 7 1,1 6-370,2 7 0,0-17 1,0 1-220,3 2 1,1 2 0,0 3 0,0 2 198,2 3 0,1 1 0,1 4 0,-1 1-453,1 1 1,0 2-1,-2-13 1,-1 1 0,1 0 301,-1 2 0,0 0 1,1 1-1,1 2 1,0 0-1,0 1-9,0 1 0,1 1 0,-1-1 0,0 0 1,-1-1-1,0 0-24,-1-2 1,1 1-1,-1-1 1,-1-1-1,0 0 1,-1 0 39,2-2 1,-1 1-1,0-1 1,-1-1-1,-1 1 1,0-2-142,1 15 0,0-2 0,1-5 1,0-1-103,-1-7 1,0-1 0,0-3-1,0-2-250,-1-2 0,0 0 0,3 22-190,-2-10 0,2-4-55,-1-8 0,-3-4 584,-1-2 0,-1-8-717,1-5 800,-7-3 0</inkml:trace>
-  <inkml:trace contextRef="#ctx0" brushRef="#br0">5978 6397 8224,'4'-6'0,"1"-1"323,4 4 1,5 0-19,1 3 0,3 1-94,0 2 1,8 5 52,2 5 1,6 0-353,0 0 1,3-3-219,0 2 0,3-1 148,1-2 1,4-4 144,2-2 1,-1-2 25,4-1 1,-24-1 0,1-2-158,0 1 0,1-2 0,1-1 0,-1-1 151,3 0 1,0-1-1,0-1 1,0 1-137,-1 0 0,2 1 0,0-1 0,0-1 161,-1 1 1,0 1 0,3 0-1,0 1 125,2 1 1,-1 2 0,-1-1 0,-1 2-7,-1 0 0,1 2 0,-2-1 1,1 0-10,0 0 1,1 0 0,0 0 0,0 0-64,2 0 1,-1 0 0,-3 0-1,1 0-5,0 0 1,1 0 0,-2 0-1,1 0-76,0 0 0,1 0 0,1 0 0,0 0 48,1 0 1,-1 0 0,-1-1 0,-1 1-94,-1-2 1,0 0-1,1 2 1,1-1 67,1 0 0,0-1 1,2 0-1,-1 0-93,-2 1 0,-1-1 0,0 0 1,0 1 17,-2 1 1,-1 0-1,0-1 1,0-1 68,2 0 1,0 1 0,-1-1 0,0 1 54,0 0 1,-1 2-1,0 0 1,0 2-289,21 3 1,0 2 466,0 2 1,1-1-126,-25-4 0,0-1 0,25 6-71,-4-1 1,-1-1 57,1-2 0,-1 0-176,1-3 1,1-2 81,1 2 1,-1-2-16,1-1 1,-1 0-3,-1 0 1,-4 0-101,0 0 1,1 0 33,2 0 0,1 0 59,0 0 0,-2-1-5,-1-2 1,0 2 3,-4-2 0,8 1 46,-1 2 0,-1 0-27,1 0 0,-3-4 5,6-2 1,0-2-35,0-1 1,-23 4 0,0 0 21,-1 1 0,1-1 0,24-4-89,-24 4 0,-1 0 0,26-4 51,-26 4 1,1 1 0,20-3-19,-3 1 1,-5 4 23,1-1 0,2 2 57,-2 1 1,0 0-48,-2 0 1,-4 0-1,0 0 0,-1 0 299,1 0 1,-2 0-296,-4 0 1,4 3-28,2 0 0,0 0 40,0-3 1,-4 3-166,1 1 0,1 0 565,-1-1 1,-4-1-418,-6 4 0,-1 0 287,-1 4 1,-2-1-184,-1 0 0,-3 4 267,-3-1 0,-2 5-230,-2-2 1,1 4 161,-4 2 1,4 0-70,-4 4 1,0 3 7,-3 3 0,0 6-92,0 4 1,0-1-374,0 10 0,0-1 275,0-21 0,0 0 0,0 0 1,0 1-62,0 0 1,0 1-1,0 0 1,0 1-130,0 1 0,0 1 0,0 0 0,0 0-147,0 1 1,0 1-1,0-1 1,0 0 230,0 3 1,0 0-1,0-2 1,0-1 34,0 1 1,0 1 0,0-2-1,0 0 122,0 1 0,0-1 1,0-1-1,0 0-78,0 1 0,0 0 0,0-1 0,0-1 49,0 0 0,0-2 0,0 1 1,0-2-44,0 0 1,0-2 0,1 26-103,0-26 0,1-1 1,-1 22 98,2 2 1,-2-2 56,-1-2 0,0 1-272,0-1 1,0-4 204,0-5 0,-1-1-148,-2-5 0,2 1 293,-2-1 1,-1-2-243,1 2 0,-4-5 416,4-1 0,-1 1-504,1 5 0,-1-6 451,-2 0 1,-2-2-352,5-1 0,-4 0 339,1-4 1,-2 2-324,-2 2 1,3-6 164,-2 3 1,2-2-115,-6 1 1,2-2 16,-2-1 0,2-3-61,-5 0 1,1-5 5,-4-1 0,0-4-83,-3 2 0,-2-4 104,-4-4 0,-4-1 157,-2-4 1,-2 0-104,-1-1 0,-2 1 29,-1 0 0,-1 3 9,-3-1 1,-1 5 56,1-1 1,-5 2 229,0 1 1,-1 0 38,4 0 0,-1 3-172,0 0 1,1 4-165,-1-4 0,-2 1-114,-1-1 1,23-3 0,0 1 52,1 0 0,-1 1 1,-1 0-1,0 1-97,-3 0 1,0 0 0,-2 1 0,0 1 20,-2-1 0,-1 1 1,-1 0-1,1-1-249,0 1 1,0 0 0,0-1 0,-1 1 344,0 0 0,-1-1 1,-2 1-1,1 0-4,0-1 1,0 1 0,0-1 0,1 1 17,4 0 1,0-1 0,-1 1 0,-1 0-32,-3-1 0,0 1 1,0 0-1,0-1 73,-2 1 0,1 0 0,1 0 0,1 0-32,1 1 1,0 1-1,1-2 1,-1 0-13,-1 1 1,-1 0 0,-1-2-1,1 0-17,0-1 0,1 0 0,-1-1 0,0 1-56,2 0 0,-1 0 0,0 1 0,-1-1 57,0-1 1,0-1 0,-1 1-1,0 0-6,1-2 0,0 0 0,0 1 0,-1 1 7,2-1 1,-1 1-1,0-1 1,0 1-2,-3-2 1,0 0-1,5 0 1,0 0 25,-2 0 0,0 0 1,3 0-1,-1 1-29,0 0 1,-1 1 0,1 0-1,0 0 120,0 1 1,-1 0 0,3 1-1,0 0 0,1-3 1,0 1 0,1 1 0,0 0-126,0-1 1,0-1 0,2 1 0,0 0 41,0 0 0,0-1 1,2 0-1,0-1 3,0 2 0,-1-1 1,3 0-1,1-1-51,-27 0 1,3 0 79,-3 0 0,9 0-90,0 0 0,5-4 158,2-2 0,3-2-216,0-2 0,5 1 53,1 0 1,3 1 92,3 1 1,6-1-260,-3 2 1,7 2 640,-1 1-1230,3 2 0,2 2 685,1 2 1,3-1-853,4 4 1,1-3 971,2 3 0,7 1 0,4 2 1</inkml:trace>
-  <inkml:trace contextRef="#ctx0" brushRef="#br1">5819 10884 8176,'-9'0'0,"1"1"-148,1 3 1,3 1 140,4 4 0,0 2 502,0 5 0,0 5-106,0 10 1,0 6-191,0 6 1,3 7-287,-1-24 0,0 1 0,-1 1 0,1 1 54,-2-1 0,0 0 0,0 24-84,0-8 1,1-7 100,2-6 0,-2-7-1032,2-6 764,2-7 0,-4-8-264,2-6 0,1-7 1,-1-5 547,1-3 0,0-9 0,1-2 0</inkml:trace>
-  <inkml:trace contextRef="#ctx0" brushRef="#br1">5801 10912 8176,'-10'0'180,"1"-3"-340,0 0-109,4-4 0,0 5 499,5-4 1,5 2-64,1-2 0,5 4-73,2-1 0,0 1-58,-1-1 0,2 2-42,1-2 0,3 2 44,-3 1 1,0 0-19,0 0 0,-3 0 54,0 0 1,2 0 100,-2 0 1,1 0-60,-4 0 0,-3 0-73,0 0 1,-1 1 224,2 2 0,-3 2-114,-4 4 0,0 2 86,0 1 0,0 3-92,0 3 0,0 5 73,0 2 0,0 2-120,0 1 1,0 5 7,0 4 1,0 0-35,0 4 0,0 0-74,0-1 0,0 0-56,0-6 0,0 1 88,0-4 1,0-1-470,0-5 0,0-6-27,0-3-624,0-5 640,0 3 1,-4-10-92,-3-4 0,-1-1 161,-1-5 1,0 3 219,-1-4 0,0 2 229,-3-1 1,2-1-122,-4 4 1,2-4 442,-2 4 1,2 0-229,-2 3 0,3 0 737,0 0-156,2 0 166,0 0-332,5 0-387,1 0 1,5 0 169,2 0 1,3 0-105,7 0 1,-2 0-247,5 0 1,-1 0 138,4 0 1,-1 0-614,1 0 0,-3 0 115,-1 0 0,0 0-80,0 0 1,2-3-648,-5 0 0,0-1 1072,-2 1 0,-1-2 0,0-5 0</inkml:trace>
-  <inkml:trace contextRef="#ctx0" brushRef="#br1">4758 10363 8332,'-9'-4'-1032,"-1"3"1295,5-7-16,1 6 1,4 2-121,0 7 0,1 8 249,2 4 0,2 10-78,5 2 0,-1 8-187,0 5 1,-3-19-1,1 1-233,-1 1 1,0-1-1,2 2 1,0 0 25,4 22 1,3-3-165,-2-6 0,2-4 135,-2-12 0,-1-6 24,-2-13 0,-2-2 85,-2-8 1,1-6-75,-4-8 1,4-6 56,-4-7 1,3 0 5,-3-7 0,0 3 9,-3-5 1,0 2 13,0 0 0,0 4 193,0 0 0,0 8 197,0 1 0,0 9-79,0 3-227,0 7 0,0 6 200,0 6 0,0 8-111,0 5 0,0 3 93,0 6 0,0 3-74,0 0 0,3 3-25,0-3 0,3 0-213,-2-3 0,3-4 108,-1-2 0,3-8 61,4-4 1,-3-5-64,3-5 0,0-5-256,-1-5 1,2-7 17,-2-8 0,-1-6-30,1-3 0,0-2-454,-2-2 0,1 2 279,-5 2 0,2-2-438,-2 2 0,-1 5 44,-2 1 692,-2 6 0,3-5 0,-4 3 0</inkml:trace>
-  <inkml:trace contextRef="#ctx0" brushRef="#br1">5289 10186 8332,'0'-6'-502,"0"0"1,-1 4 838,-3-2-22,3-1 570,-3 4-540,4 10 0,0 4 22,0 15 0,0 2-7,0 7 0,0 6-64,0 3 0,0 5-457,0-23 0,0 0 0,1 1 0,-1 1 138,2-1 0,-1 1 1,1-1-1,1 0-34,-1-3 0,2 0 0,4 17 164,-2-9-516,2-8 301,2-8 0,-4-12-29,0-10 1,-4-4 65,1-4 0,-2-3 4,-1-3 0,0-2 344,0-2 1,1 0-358,3-3 0,-2-2 78,4 2 1,-3 2-12,3 1 0,-1 4 29,2 2 1,1-1-53,-2 1 0,2 6 17,2 1 1,2 5-19,0 1 0,2 3 56,-2 3 1,0 7-21,3 5 0,-2 3 11,2 1 0,-5 2 204,0 1 0,-2 3-131,-5-3 0,3 3 270,-3 0 1,0 2-92,-7 1 1,-2-4 91,-6-2 1,-3-3-117,-3 0 0,-1-8-330,0-1 1,1-4-119,-1 0 1,2-2 138,1-4 1,0 0-817,3 0 0,4-1 409,3-2 1,4-2 477,-2-5 0,3-3 0,1-1 0</inkml:trace>
-  <inkml:trace contextRef="#ctx0" brushRef="#br1">5763 10586 8270,'-9'-9'-1013,"3"0"760,0 0 0,4-1 999,-1 1-66,1 0-322,2-1-20,0 5 0,5 2-148,1 6 0,2 6 160,1 7 0,2 6-109,1 2 1,2 3-192,1 1 0,2 3 103,-5 0 1,4 1-109,-4-1 1,4-2-62,-4 2 0,0-6-166,-2-3 1,-2-6-138,-2-4 131,2-2 126,-7-5 0,-1-3 55,-6-6 0,-2-6-284,-1 1 1,-4-4 82,1 1 1,-5-3 159,2-3 0,-2 3 47,2 3 0,1 2 121,5 0 1,0 2 263,-1 2 0,4-1 32,0 3 301,4 1-435,6 16 0,3-6-85,9 9 0,-4-2 3,4-2 0,-1 1-185,4-4 1,-1-4 14,1-2 1,-1-2-224,-3-1 0,3-4-594,-3-2 0,0-2 392,0-1 0,-3-4-1464,0 1 1859,-2-5 0,4 3 0,0-5 0</inkml:trace>
-  <inkml:trace contextRef="#ctx0" brushRef="#br1">5987 11005 8457,'-1'-6'0,"-2"0"0,2 3 30,-2-3 441,-3 4-128,1-3 1,-4 5-331,0 0 0,2 2 134,1 1 0,-3 6-84,-4 6 0,1 4 72,3 3 1,-1-3-84,1 3 0,0 1 133,0-1 0,3-2-331,3-4 1,2-3-284,1-3 135,0-5 0,4-2 68,3-6 1,5-8 148,3-7 0,0-5 53,0-5 1,-2 1-34,2 2 1,-3 0 137,0 3 0,-1 0-81,-2 3 1,-1 8 299,-2 2 1,-2 7 43,-4 2 0,-1 12 41,-2 10 0,-2 5-45,-4 4 0,0 5-175,-1 4 0,4 2-279,0-2 1,3-3 229,-3 1 0,3-5-94,0-5 0,2-5 65,1-1 1,1-7-433,2-6 1,0-4 136,3-5 0,0-7-45,3-2 0,-3-7 72,1 1 0,-2-7 114,1-3 1,2 1 303,-1-1 0,-2 6-364,1 0 499,-4 0-102,2 9 193,-4 1 1,-1 13-331,-2 8 1,1 9-333,-4 4 1,1 2 198,-2 1 0,-1 0 0,3 0 0</inkml:trace>
-  <inkml:trace contextRef="#ctx0" brushRef="#br1">10288 8780 8125,'-9'0'0,"0"-1"233,0-2 1,2 2 426,1-2 0,0 2-327,-3 1 0,2 4-94,1 2 1,0 3-294,-3 4 1,-1 1 78,1 5 1,0 3-326,-1-1 1,1 4 103,0-3 1,0 0-79,-1-4 1,4 0-66,0-3 0,1-4 339,-2-5 0,-1 0 0,3 4 0</inkml:trace>
-  <inkml:trace contextRef="#ctx0" brushRef="#br1">10233 8883 8125,'6'-6'-8,"0"3"0,0 2 850,4 1 1,-1 0-272,0 0 0,5 4-318,1 3 1,3 4-15,0 1 0,-2 5-182,-1-2 0,1 3-181,3 1 0,-5-4-438,-2 1 1,-1-4 121,-2 4 0,-1-8-425,-1 1 1,-3-2 864,-4 3 0,-9-1 0,-1 0 0</inkml:trace>
-  <inkml:trace contextRef="#ctx0" brushRef="#br1">10288 8938 8125,'-9'0'1044,"4"0"0,1 6-531,4 3 0,1 6-143,2 10 0,6 6-117,7 13 0,-7-19 0,-1 2-490,2 6 0,-1 0 0,0 1 0,1 0 343,-1 1 0,0 1 0,-1 1 1,0-1-345,0-2 0,-1 0 0,-1-1 1,0-1 151,0 0 1,0-2 0,3 20-1179,-2-4 0,0-12 1264,-4-6 0,3-7 0,-3 1 0,0-2 0</inkml:trace>
-  <inkml:trace contextRef="#ctx0" brushRef="#br1">9162 10996 8108,'-5'6'176,"2"1"1,2-1 42,1 3 0,0 6 186,0 3 1,3 6-235,0 7 1,4 3-99,-1 6 1,-1 1-500,2 5 1,-2-5 387,1 2 0,1-5-409,-4-3 0,0-3 288,-3-4 1,1-10-616,3-5 366,-3-7 408,3-10 0,-8-6 0,-2-4 0</inkml:trace>
-  <inkml:trace contextRef="#ctx0" brushRef="#br1">9171 10922 8173,'-3'-10'-616,"0"1"1801,-4 0-244,6 4-794,-3 0-79,4 5 0,1 1-63,2 3 0,-1-2 9,4 4 1,0 0-144,3 3 0,1-2 101,-1-1 1,0-3-123,1 3 1,-1-3 71,0 3 0,-2-4 78,-1 2 134,0-3 1,3 2-32,1 0 35,-1 0 1,-1 1 24,-2 2 0,3 2 120,-3 2 1,-1 3-163,1 3 1,-1 5-14,2 4 1,1 9-171,-2 4 1,-1 5 104,2 1 0,-4 1-336,3 2 1,-4-2 275,1-1 0,1-7-135,-1-6 0,0-6 48,-3-4 0,0-5-87,0-4 1,-1-5 209,-2-4 1,-2-2-2,-4-1 0,-1-1 94,1-2 0,0-3-87,-1-3 1,-2-1 187,0-3 0,-1 2-195,4-5 1,0 4 150,-1-3 0,2-1-113,2-3 1,-1 1-46,3-1 0,1 2-14,3 1 0,0-2-11,0 3 0,3-3-32,1 0 0,2 0 60,-3 3 1,3-3 15,-3 3 0,3-2-33,-2 1 1,-1-1 254,-3 1 1,0 3 48,0 1 0,0 1 435,0 2-617,0 4 1,0 2-32,0 6 1,0 6-244,0 7 0,-3 5 108,-1 4 0,1 6-126,3 3 1,-3 2 35,0 2 1,0-4-530,3 0 1,-1-4 36,-2 1 1,2-3-177,-2-3 1,2-4-305,1-5 1109,0-3 0,-4-3 0,-2-1 0</inkml:trace>
-  <inkml:trace contextRef="#ctx0" brushRef="#br1">8771 10028 8321,'-4'-6'0,"-3"-1"277,-1 5-2,3-2 0,1 12-163,4 5 1,1 3-6,2 3 1,2 4-102,5 2 0,-1 6 67,0 3 1,1-1 111,3 1 1,-2-4-258,5 1 1,-2-3 86,2-3 1,1-3-156,-1-7 1,-3-6 72,0-6 0,-2-3 122,2-3 0,-6-6-11,2-6 0,-3-6 14,1-1 0,-2-4-58,-2 1 0,-2 0 36,2 0 1,-2 5 42,-1 5 33,0 3-170,0-1 0,0 17 99,0 8 0,0 9 65,0 7 1,0 3-134,0 0 0,3 3-100,0-3 0,4 0 71,0-3 1,2-4-16,3-2 1,-1-8-17,1-5 1,-2-3 56,0-6 1,-2-2 315,-2-5 1,3-4-121,-3-11 0,-1-2-27,1-3 1,-3-1-181,3 0 1,-4 0-165,2 0 0,-3 0 62,-1 0 1,0 5 121,0 5 1,0 3-1196,0 6 618,4-1 598,-3 5 0,7-3 0,-3 3 0</inkml:trace>
-  <inkml:trace contextRef="#ctx0" brushRef="#br1">9506 10251 8257,'0'-9'-733,"0"-1"744,0-3 0,0 3 650,0-3 1,-3 0-284,0 1 0,-4-4-56,1 4 1,-3-1-78,0 4 1,-1 0 6,-3-1 1,2 2-292,-5 2 1,2 2 102,-2 4 0,0 5-112,4 4 0,-1 5 45,4 4 1,-1 5-21,1 2 0,3 2-4,0 1 1,4 0-90,-1-1 1,3 1-66,3 0 0,2-4 52,4-2 0,2-4-202,1-2 0,-1-4 81,5-5 1,-1-3 216,4-4 0,-4-4-28,1-3 1,-4-6 94,4-6 0,-6 0 108,0-6 0,-1 0-71,-3-3 1,-1 0 280,1 0 1,-3 4-122,0 3 1,-1 2 217,1 4 0,-2 4 172,2 5-340,-2 4-91,-1 10 1,0 4-19,0 9 0,0 2-342,0-1 1,0 4 122,0-1 0,3 1-803,0 2 1,4-4 410,0-2 0,-1-4 439,3-2 0,-2 2 0,7-4 0</inkml:trace>
-  <inkml:trace contextRef="#ctx0" brushRef="#br1">4711 11275 8455,'-9'0'-331,"0"5"1,3 0 110,3 4 1,2 0 459,1 1 1,1 3-72,2 3 1,3 1-131,3 2 0,3-2 23,1-1 0,2 2-122,-2-3 1,2-1 104,-2-2 0,2-3-9,-2-3 1,6-1 114,0-5 1,2-5-106,-3-1 0,4-9 120,0-4 1,2-5-117,-2 3 1,0-1 264,-3 3 0,-2 2-115,-1 1 0,1 4 130,-1 6 0,-2-2-49,2 5 1,-4 1-102,4 5 1,-2 2-70,2 5 0,0-1-139,-3 0 1,3 2 12,0 1 0,-2-3 135,2 1 1,-4-1-256,4-3 0,-1-1 114,4 2 1,-4-5-17,1 1 0,-2 1 108,2-1 0,1 0 135,-1-3 0,-2 0-101,2 0 1,-4 3 158,4 0 1,-1 1-78,4 0 0,-3-3-82,-1 2 0,1-2 10,2-1 1,1 0 30,-1 0 0,1 0-223,0 0 0,-2 0 27,-1 0 0,2-1-89,1-2 1,0-2-73,2-1 0,-4-2 115,-2 2 1,-2 1-674,2-2 0,0 4 31,0-3 738,3 4 0,-4-2 0,5 4 0</inkml:trace>
-  <inkml:trace contextRef="#ctx0" brushRef="#br1">8762 11508 8240,'-15'6'298,"3"1"-87,5-1 1,3 6-217,4 1 0,4 2 116,3-2 1,2 2-232,3-2 1,0-1 12,3-3 0,1-3 10,2 1 1,2-5 97,2 1 1,1-6 39,1-3 1,3-4 128,-2-2 0,5 0-158,1-3 0,-1 0 303,-5 0 1,2 1 39,-2 5 1,2 1 49,0 2 1,-3 2-214,-2 4 1,1 7-11,-1 2 0,2 6-195,-2-3 1,0 5 117,-4-2 0,4 0-64,0 0 1,4-4 76,-1 2 0,1-7-126,2-3 1,0-2 41,0-1 0,0-1-161,0-2 1,-1-2-47,-2-4 0,1-1-308,-5 1 1,3 1-680,-5 1 0,0 3 1160,-6 4 0,3 0 0,-1 0 0</inkml:trace>
-  <inkml:trace contextRef="#ctx0" brushRef="#br0">17979 4981 7796,'-9'4'30,"0"-3"-206,-1 3 1,4-3 991,0-1-451,4 0 464,-2 0-373,4 0 1334,0-5-1261,0 4 1,0-2 123,0 6-305,0 3 0,3 6-86,0 0 0,0 6 40,-3 1 1,0 4-52,0 8 1,0 5 6,0 7 0,0 3-337,0-19 0,0 1 0,0-1 0,0 0 250,0 3 0,0-1 1,0 1-1,1 0-6,0 0 1,1-1-1,4 21-23,7-10 1,-1-11-344,7-10 0,-2-9 210,8-7 0,-1-11-143,1-8 1,1-6 81,-5-9 1,4-7-499,-3-5 1,-3 1 303,-4-2 0,-3 5-48,0-2 0,-5 3 517,-1 1 0,-4 5-116,2 4 1,-4 5 441,-4 8 0,-1 2-337,-4 7 0,3 2 256,0 4 0,-1 5-166,-2 4 0,1 5 272,2 4 0,-2 5-345,5 2 0,0 3-22,3 3 1,0-2-96,0 2 1,4-2-221,2-1 1,3-3 89,0 0 0,4-5 70,3 2 0,2-3 10,0-4 0,1-1-8,-1-5 0,4-4-32,0-2 1,3-2-136,-4-1 0,5-8-261,-1-4 0,-2-9 4,-1-4 1,-3-6-212,0-3 0,-5-5-422,-1-2 0,-7-2 497,-3 2 1,-3 4 1,-3 3 1,-6 8 115,-7 1 0,-5 7-195,0 5 1,-5 5 56,1 8 0,2 4-87,2 2 0,2 3-517,3 0-104,3-4 1234,8-1 0,-3-4 0</inkml:trace>
-  <inkml:trace contextRef="#ctx0" brushRef="#br0">18882 5195 7774,'0'-5'2919,"0"1"-1384,-4 0-606,3 3-409,-3-3 1,4 8-100,0 2 0,1 3-24,2 4 0,2 1-199,5 5 1,2 0 0,1-1 0,3 5-184,0 2 0,1 2 61,2 1 0,-1-1-532,1-3 1,-1-1 276,-3-4 1,-1-2-991,-5-1 0,-3-7-379,0-6-83,-4-2 1027,-6-1 1,-6-4-186,-9-2 0,0-1 250,-3 1 1,-2-2 538,-4 5 0,3 0 80,1 3 1,-1 4-137,-3 2 0,1 0 928,2 0 1,6-3-269,7 3 192,6-4 1,3 1-104,6-6 0,7-6 251,9-7 1,5-2-620,7-4 1,2-3-175,4-6 0,1-1-824,-18 15 1,1 0 0,17-19 532,-18 18 1,0 2 0,13-12-2404,-5 3 2543,-8 4 0,-3 6 0,-3 1 0,-3 4 0,-2 3 0</inkml:trace>
-  <inkml:trace contextRef="#ctx0" brushRef="#br0">18966 5019 7683,'-9'-10'1539,"-1"4"-1057,-3 0 0,3 1-734,-3-2 0,3 0 190,1 4 0,-1-3 74,1 3 1,0 0 51,-1 3 0,1 1-111,0 2 1,0 6 125,-1 7 0,1 5 52,0 4 1,-1 6-169,1 3 0,-2 7-345,1 2 1,-1 7 403,7-24 0,2 1 1,-1 1-1,2 2 45,-1-1 0,0 1 0,2 1 0,-1 0 116,1-2 1,0 1-1,9 19-160,3-8 1,7-12-202,6-11 1,4-8-238,8-6 1,0-13-1087,0-6 1501,1-7 0,1-4 0,2-2 0,-19 13 0,0-2 0,-1 0 0,1-1 0</inkml:trace>
-  <inkml:trace contextRef="#ctx0" brushRef="#br0">19208 4963 7729,'5'0'2121,"1"4"-1846,-3 2 0,2 3-168,4 4 0,2 5 291,1 7 0,2 5-140,5 1 0,-1 8 346,-3-2 1,2 6-450,-5 1 0,4 0-103,-4 0 0,-4-3-80,-5-4 1,2-3-275,-2 1 1,-4-5-394,-6 1 0,-1-7 391,-1-2 0,-5-3-463,-1-4 0,-2-2 767,2-7 0,-6-2 0,3-4 0,-3 0 0</inkml:trace>
-  <inkml:trace contextRef="#ctx0" brushRef="#br0">19646 4842 8975,'0'6'1638,"0"0"0,0 0-1575,0 4 0,0 0 178,0 2 1,0 4-26,0 6 0,0 3 177,0 10 0,0 3-84,0 8 1,-1 5-179,0-25 1,-1 1 0,-1 1 0,0 0 211,-3 1 1,-1 1 0,-3 21 182,-3-1 1,2-7-245,-1-9 0,1-6-97,-1-7-350,6-9 0,1-8 209,5-10 1,0-5-1168,0-4 1,2-3 608,1-10 0,3 1-218,6-7 0,2 1 232,1-1 0,4 2 177,-1 4 0,1 4 202,3 2 1,1 7 529,-2 2 1,2 7-444,-1 3 0,-4 11 144,1 8 0,-1 7 553,-6 8 0,-4-1-345,-5 4 0,-3-1 342,-3 1 0,-3 0-196,-6-6 0,-6 1-23,-4-7 0,-2-4-481,2-6 1,-3-6-509,3-3 0,1-3-245,2-3 1,0-6 460,1-7 0,0-2-2801,3-4 3133,1 2 0,5-7 0,-1 4 0</inkml:trace>
-  <inkml:trace contextRef="#ctx0" brushRef="#br0">17523 6573 7791,'0'-14'0,"1"-3"194,2 5 0,-2 3 333,2 2 0,-1 5-436,1-1 1,3-1 8,3 1 0,1 1-256,3 5 0,5-1 169,7 4 1,3 1-153,3 2 0,5-3 121,5 0 1,7 1-119,2 2 0,-22-6 0,1 0 126,0 0 0,1 0 1,1 0-1,1-1-143,-1 2 1,0-1 0,1-1 0,0 1 205,1-1 1,-1-1 0,1 0-1,0 0 68,-1 2 1,1 0 0,-3-2-1,1 0-27,-2 1 1,1-1-1,-2 0 1,0-1-130,24 0 1,-3 0-35,-9 0 0,0-1 57,-9-2 0,1-2 33,-1-4 1,-5-1 2,2 1 0,-7 0 201,1 0 1,-6 0-167,-4 3 868,-2-2-997,-5 7 1,-1-3 280,-8 4 0,1 0-471,-6 0 0,1 0 61,-8 0 1,-3 3 135,-6 0 0,-6 3 32,-3-3 0,-3 1-8,0-1 1,-1-2 127,-3 2 1,2-1-304,-4-2 0,2 3 325,-2 0 1,-2 0-66,-4-3 1,1 0 24,-1 0 1,4 0-51,2 0 0,-1-3-17,-2 0 1,3 0-41,3 3 0,6 0-13,3 0 1,3 4-66,3 2 1,3-1 0,7 1 43,5 0 1,6 4 28,4-1 0,1-3 42,2 0 1,4-2 41,5 2 0,3 0 333,7 3 0,3 0-319,6-3 1,6 2-33,7-2 1,2-1-444,4 2 0,-2-5 393,1 1 0,3-2 5,1-1 0,-25 0 0,2 0 19,-1 0 0,1 0 0,-2 0 0,-1-1-9,0-1 1,-1 1 0,19-1-76,-2-5 0,-2 1 24,-7-3 0,-4 0 42,-12-1 0,-4 1-2,-5 0 0,-1-1 67,-5 1 1,-2 3-65,-7 0 0,-1 0-63,-8 0 1,-5-2 369,-5 2 1,-2 2-388,-1 1 0,-3 2 21,0 1 0,-4 0-3,1 0 1,-2 0-49,-2 0 1,1 0 109,0 0 1,0 3 65,-1 0 0,4 4-89,0-1 1,3-1 75,-3 2 0,1-1-53,-1 3 1,2-3-10,4 0 1,0-2 54,0 2 0,-2-3 77,2 3 0,5-4-45,8 1 0,6 1 128,0 0 1,6 3-145,0-1 0,7 2-3,5 2 0,9 0 41,7 2 0,7 2-17,5 1 1,4-1-273,6-5 0,-1 0 171,1 1 0,3-1-56,-1 0 0,-22-6 0,0-1 71,-1 0 1,1 0 0,0-2 0,1 1-8,0-1 0,0 0 0,1 0 0,1 0-17,-1 0 0,1 0 1,-3-1-1,0 1 18,23-4 0,-1 0 8,0-2 0,-2-2-16,-1 2 1,-3-3 4,-6 0 0,0 0-50,1-1 1,-8 2 48,-3 2 1,-2-2 14,0 1 0,-3 2 0,-7-1 1,-1 4 81,-5-1-88,-4-2 1,-2 1 269,-6-3 0,-3 0-266,-6 4 1,-3-4-84,-3 1 0,-9 0 99,-4 0 1,-5 1-1,-1-1 0,-1-1-145,-2 3 0,-3-2 147,-3 3 0,-1-1-478,1 1 0,-5 2 441,25-1 0,-1 1 1,-1 0-1,0 0-8,-1-1 0,-1 1 0,0 0 0,0 1 27,-1-2 1,0 0 0,1 1 0,-1 0-12,1 0 0,1-1 1,2 2-1,-1-1-25,-1 0 1,-1-1-1,-16 1-138,-1 1 0,11 0-68,5 0 0,6 1 260,3 2 0,5 0 0,4 7 0,5 1 0</inkml:trace>
-  <inkml:trace contextRef="#ctx0" brushRef="#br0">17774 6620 8396,'7'-9'178,"-1"-1"-74,-4 5 1,2 5 8,-4 6 0,-4 8-185,-2 4 1,-3 5 126,0 5 0,0 0 1,-1 0 0,0-3 15,-2 0 1,-3-1-134,-3 0 1,-5 2 126,-2-4 1,-3 0 175,-3-4 1,-6 0-323,-7-3 0,19-6 0,-1-1 194,-4-1 1,1-2 0,0 1 0,0 0-297,-4-3 0,1 0 1,0 1-1,-1-1 184,-1-1 0,0-1 0,1 2 0,-1 0 26,-2-1 0,1 0 1,1-1-1,1 1-7,1-2 0,-1 0 1,1-2-1,0 1-27,2-1 0,1 0 0,-3-1 0,0-2-16,-1 1 1,1-1 0,1 0 0,2 0-15,-1-3 0,1 0 1,0 2-1,1 0-70,1-2 1,1 0-1,0-1 1,0-1 152,0 0 1,0-1 0,-22-12-43,1 1 1,6 2 45,7-5 1,2 3-57,4-3 0,4 1-29,2 0 0,4-3 15,2 2 1,4-3 157,6-3 0,1 3-202,5 0 0,0 0 517,0 3 0,0-2-515,0-1 1,0 4 277,0-1 0,0 4 14,0-1 1,-1 3-117,-2 0 0,-2 1-55,-4 3 1,1 2 24,1 3 1,-1-1 92,2 2-212,2-3 1,-3 10 158,3-4-253,1 4 202,3-2-147,0 4-22,0-4 52,0 2 0,-1-2 25,-2 4 0,2-1 1,-2-2-42,2 2-103,1-3 0,3 3 56,0-2-316,0 2-284,-3-3 0,1 1 16,2 0 691,-2-1 0,4 0 0,-5-1 0</inkml:trace>
-  <inkml:trace contextRef="#ctx0" brushRef="#br0">16229 6117 8579,'0'-24'257,"0"6"426,0 5-1037,0 3 416,0 5 1,0 2-516,0 6 1,-4 2 272,-3 4 1,-2 0 156,-3-3 1,0 2 160,-3-2 1,-2 2 163,-4-2 0,1 2-163,-2-2 0,-1-1 81,2 2 0,-1-4-91,3 3 0,-3 0 10,-3 3 0,1-2-166,-1-1 0,-4 0 109,-5 3 0,-3 2-116,-4 1 1,0-1-158,-2 1 1,-2-2 84,5 0 1,-2-1 90,2 0 0,7 1-21,2-1 1,6 0 8,6 0 0,5-2 44,2-1-13,5 0 19,3 3-72,4-3 285,0-2 0,4-4-25,3 0 1,5-1-121,3-2 0,4-3-50,3-3 1,2 0-171,4-1 0,4-2 107,2 0 1,3-4-94,3 4 1,3-2-158,3 2 0,2-2 28,2-1 0,-4-3 141,1 3 1,-3 1 37,-7 2 0,-2 2 31,-11 0 309,-5 5-97,-10 1-191,-9 4 0,-4 4 116,-2 2 0,-1 3-69,4 0 0,0 0 44,3 0 0,0 4 191,0-1 0,0 2-243,0-2 0,0-1-76,0 1 0,0 1-10,0 0 0,0-1-277,0-2 1,-4-1 109,1 0 0,0 0-42,3 1 1,0-1 19,0 0 0,2 1 249,4-1 0,9 0 0,9 1 0</inkml:trace>
-  <inkml:trace contextRef="#ctx0" brushRef="#br0">15270 10233 7718,'5'0'498,"-1"-5"-9,-4 4 367,0-7 68,0 7 357,0-3 0,0 12-893,0 5 0,0 1-131,0 5 1,0 3 1,0 9 0,0 3-49,0 6 1,-1 7-237,0-21 1,-1 0-1,0 2 1,0-1 143,-1 1 1,0 0 0,-1 0 0,0-1 19,3 0 0,-1-1 0,-1 17 13,3-6 0,2-15-132,4-6 1,5-9-557,7-7 0,5-13 328,2-5 1,3-15-568,3-8 1,-3-3 439,-14 21 1,0-1-1,0 2 1,-1-1-279,8-21 1,-3 5 169,-6 8 1,-5 5 1328,-4 11-769,-2 5 0,-1 12 78,0 11 1,-3 6 258,0 12 1,-1 3-220,4 3 1,0-1 145,0-2 1,2-2-62,1-4 1,3-1 96,6-2 1,3-11-74,3-7 1,6-7-121,4-7 0,7-9-154,6-15 1,-21 13-1,0-2-184,-1-5 1,-1 0 0,1-1-1,-1-1-288,1-2 0,0-1 1,-3 2-1,0 0 234,-2 0 1,0 0 0,-4 3 0,-1 0-699,4-19 0,-7 3 409,-3 4 1,-6 6-24,-3 6 1,-6 7 71,0 12 0,-8 2 27,2 4 1,-3 5-32,2 4 1,1 5-741,-1 4 1153,5 5 0,-2-3 0,7 4 0,4 1 0,3 4 0</inkml:trace>
-  <inkml:trace contextRef="#ctx0" brushRef="#br0">16434 10335 7727,'4'-5'938,"-2"-2"-861,4 4 684,-4-1 1114,2 4-1194,-4 0-480,0 5 1,0 1-82,0 6 1,-4 4 75,-2 5 1,-3 3 169,-4 4 1,-1 4-121,-5 2 0,0 6-145,1 0 0,-1 0 112,1-2 0,0-3-68,3-4 1,2-4-395,7-9 0,-1-6 234,4-3 1,0-6-588,7 0 0,1-3 351,4-3 0,1-3-35,3-6 0,0-2 24,3-1 1,1-2 236,-1 5 0,-2-1-208,2 4 0,-1 0 161,4-1 0,-1 5 165,-3 2 1,2 6-69,-5 3 0,3 7 263,-6 2 1,1 7-137,-7 3 1,-1 2 81,-5 1 0,-6 0-56,-7-1 0,-2-3 391,-4-2 0,-2-2-154,-4-2 1,0-4-47,1-5 1,2-4-576,0-5 1,4-5-651,-1-4 0,7-8-551,3-5 0,2-3 686,4 0 1,2-2-74,4-1 0,2 1 87,4 2 707,5-2 0,11 3 0,2-3 0</inkml:trace>
-  <inkml:trace contextRef="#ctx0" brushRef="#br0">17616 10829 7724,'-4'-19'0,"3"0"0,-7-3 0,3-2 0</inkml:trace>
-  <inkml:trace contextRef="#ctx0" brushRef="#br0">17588 10670 7724,'3'-12'0,"0"-1"0,1 0 606,-4 1 0,3 0-192,0-3 1,4 3 51,-1 0 1,-1 2-83,2 0 0,1 4-160,1 0 1,3 4 28,-6-1 1,-2 7 133,-1 5 0,-2 6-65,-1 6 0,-1 3-82,-2 4 0,-5 7-181,-5 2 0,-3 7-198,0-1 1,-1 0 244,-2 0 1,-4 2 10,11-20 1,-1-1 0,-10 20 66,-2-1 1,4-5-24,-1-3 1,4-7 109,2-7-500,3-9 1,7-9 172,3-13 0,4-8-784,6-10 1,1-8 433,11-8 1,-2-5-33,-5 22 1,1 1 0,-1 0 0,1 0 245,1 0 1,0-1 0,0 1 0,0 1 31,-1-2 1,2 1 0,0 1 0,2 0 83,-1 3 1,2 1-1,-1 0 1,0 1 95,20-14 0,-6 10 295,3 9 1,-8 8-336,-4 4 1,-3 3 273,-4 3 0,-3 3-97,-5 6 0,-3 0 137,-4 3 0,-1-2-118,-2 2 1,-4-2 281,-5 2 1,-2 0-433,-5 0 1,-1 3-13,-1-3 0,-2 3 228,-2 0 0,-2 1-97,2 0 0,-2 3 250,-1 3 1,5 2-114,1 1 1,7 4-27,6 2 1,5 2-75,7 2 0,11-4-320,7 0 0,10-7 138,7 1 1,3-6-378,5-1 1,-2-8-647,-1-4 1,-6-6 495,0 0 1,-4-6-2021,-2-3 2547,-4-6 0,-7-3 0,-3-4 0,-2 1 0,-2-1 0</inkml:trace>
-  <inkml:trace contextRef="#ctx0" brushRef="#br0">18333 10726 7691,'5'-9'1300,"-1"-1"-853,-4 1 1,1 1-638,3 2 0,-3-3 174,2 3 0,1 1 670,-1-1-120,4 4-284,-2-2 1,0 6 26,-1 4 0,-3 1 133,-1 9 1,-1 0-92,-3 6 1,-2 2-124,-6 4 0,-3 4 132,-3 2 0,-1 2-133,1 1 1,-4 1-103,0-1 1,-3-3 194,4 0 1,0-5-59,5-1 0,3-8-239,4-8-222,3-6 0,6-4-342,7-8 1,5-4 340,4-9 1,5-1-321,4-1 0,5 1 230,1-2 0,0 3-63,-3 0 1,0 6-35,0 3 0,0 2 354,0 5 1,-5 8 87,-5 8 1,-1 5 238,-8 7 0,-2 3-51,-7 6 1,-12 2 277,-7-2 1,-8 2 321,-7-2 0,0-3-278,-6-6 1,-1-7-45,4-5 0,0-7-129,9-3 0,0-7-620,9-5 1,4-6-240,9-7 0,3-3-535,6-6 0,6 2-572,7-2 0,1 6 210,2 0 1396,3 4 0,-2-2 0,4 7 0,2 3 0,3 5 0</inkml:trace>
-  <inkml:trace contextRef="#ctx0" brushRef="#br0">19255 10829 7766,'-4'9'-39,"-3"0"0,-1 1 912,-1 3 1,4 1-359,2 5 1,2 1 74,1 1 1,0 4-366,0 6 0,0 2-22,0 5 0,-1 3 243,-3 2 0,2 6-15,-4 1 0,4-6 0,-1-7 1,2-9-317,1-9 1,5-9-378,4-7 1,2-4 15,4-5 1,1-8-234,2-11 0,1-3 25,0-3 0,-5-2 173,-1-4 0,-3 3-320,-1 3 0,0 7-258,-3 2 936,-2 6 241,-4 7 0,0 9-130,0 6 0,3 11-8,0 5 0,1 0 141,-1 3 1,3-4 17,3 1 1,4-4-127,3-2 0,-2-7 493,2-6 1,3-3-240,6-3 0,-1-7 83,1-9 0,-3-5-269,2-7 0,1-6-687,3-7 1,-4-1 157,-2-2 1,-7 1-471,-2-1 1,-7 0-66,-3-3 1,-3 7 392,-3-1 0,-3 7-945,-7 6 1,1 8 614,-7 11 1,6 7-626,-6 5 1345,3 8 0,0 9 0,1 5 0,-1 0 0</inkml:trace>
-  <inkml:trace contextRef="#ctx0" brushRef="#br0">19851 11285 7742,'6'-1'-147,"0"-2"0,-3 2 156,3-3 0,-2 2 160,2-1 0,-3 1 610,3-4 0,-3 3-298,3-3 1,-4 3 299,2-4 1,-2 1-261,1-3 0,-2 3 394,2-1-695,-6 1 1,-2-2-52,-5 2 0,0 2-196,-2 4 0,0 2 103,-3 4 1,2 2-76,-2 11 1,0-2 71,0 8 1,1 0-7,5 3 0,4-3 51,2 0 1,4-6 1,5 0 1,6-6-32,13-6 1,0-3 42,6-4 0,1-9-154,-1-3 1,-1-8 113,-5-1 0,-3-4-219,-7 3 0,-2 5-20,-7 4 870,-2 3 0,-8 7-330,-2 6 1,-6 7-229,0 12 0,0 2-91,6 4 1,2 1-176,4 2 1,2-7-1101,4 1 0,9-5 672,10-5 0,4-5-1110,5-7 1,0-5-410,6-8 1715,-1-5 0,-2-17 0,0-1 0</inkml:trace>
-  <inkml:trace contextRef="#ctx0" brushRef="#br0">20754 11238 7828,'4'-5'0,"-3"-3"0,2 2 0,-2 0 361,-1 0 157,0 0 200,0-3-17,0-1 291,0 1-585,4 0 1,0 3 157,3-1-22,1 5 1,-7 0-168,2 8 1,-2 3 74,-1 9 1,-1 0-215,-2 7 0,-5 4-232,-5 5 1,-2 3 86,2 3 1,-3 0-387,0 3 0,-4-4 354,-2 2 0,1-4 78,6-3 0,-1-7-91,7-8-9,2-9 1,7-11-401,0-8 0,5-13 64,4-9 0,5-5-45,4-5 0,5-2 43,-11 18 0,1 0 1,0 1-1,0 1 91,-1-2 1,0 0-1,3 0 1,0-1 123,-1 2 1,0-1 0,3-1 0,-1 0-52,0 2 1,0 1 0,0 0 0,2 0 249,13-14 1,-1 10 139,-5 11 1,-3 6-130,-3 4 0,-6 3 16,-3 6 1,-2 2-7,-5 4 1,0 0-40,-3 1 1,-1 2 114,-2 1 1,-5-1 257,-5-3 0,-3 2-409,0 1 0,-1 1-76,-2 3 0,0 2 79,1-3 1,-2 1 201,-2 2 0,4-1-137,-1 5 1,2-3-58,4 0 1,2 4-26,5 1 0,2 0-105,8 1 1,5-1 39,6 1 1,7 2 89,3-3 1,5-1-290,1-1 0,3-6 71,-3 0 0,4-5-985,-1 2 0,-2-4-118,-5-3 1,-1-2 1249,-7-4 0,-3-4 0,-6-1 0</inkml:trace>
-  <inkml:trace contextRef="#ctx0" brushRef="#br0">21359 11480 7771,'-9'0'1397,"-1"0"1,1 3 106,0 0-1856,0 1 0,3-5 272,3-3 1,2 2 183,1-4 1,-1 1 462,-2-1 290,2 2-660,-7 4 0,4 5-133,-3 4 0,-1 6 419,2 6 0,-1 4-127,0 6 0,3 1-161,4 2 1,1 1 33,2-8 0,4 1-248,5-9 0,4-3 50,5-10 0,3-3 50,4-6 0,0-10-68,0-5 1,-4-8-232,-3-2 1,-2 0-66,-3-3 1,-4 0 105,-6 3 1,-2 3 663,-4 10 0,-1 2-200,-2 7 1,-2 3 481,-4 6 1,-1 6-316,1 7 1,4 6-77,2 2 0,3 2-458,3-1 1,4 1-346,9-4 0,0-1-966,9-2 1,4-4 733,5-3 1,2-6-983,2-3 1,-1-3 1546,0-3 0,0-6 0,1-6 0</inkml:trace>
-  <inkml:trace contextRef="#ctx0" brushRef="#br0">22318 11378 7826,'-6'-13'0,"0"1"0,-5-1 343,5 0 0,2 3 513,1-3-321,-2 7 1,4 3-230,-2 6 0,2 3-39,1 7 1,0 5 421,0 7 1,0 3-241,0 3 0,0 3-53,0 7 0,0 0-150,0 3 1,-5 2-147,-1 1 1,-2-1 252,-1 4 0,-1-4-55,1-2 0,0-11 97,-1-8-172,1-9 1,1-7-450,2-9 0,1-10 217,5-8 1,5-13-391,1-10 1,3-4 228,4-5 1,-2 3-438,4-3 1,-6 24 0,1 1 435,1 0 1,0 1 0,2-4 0,1 0-13,-1 1 1,2 1-1,-1-2 1,2 0 30,2 3 1,1 0 0,0 2 0,1 1 12,3 1 0,1 2 1,-2 0-1,1 2-200,21-11 1,-7 8 372,-6 14 0,-6 1-128,-3 5 0,-8 1-61,-5 3 0,-4 4 286,-5 4 1,-5 2-61,-4-2 0,-4-1 74,-6 5 0,-4-4 241,-2 4 1,-3-1-319,-3 4 0,1-3 384,-4-1 1,4 2-156,-1 4 0,2 0 393,1 4 0,2 1-377,5 5 0,4 2 238,11 4 0,3 1-208,6 3 0,10 0-182,9 3 0,5-3-333,4-4 1,3-3 100,-14-16 1,1-1-1,16 11-982,0 0 1,-1-7 568,-5-5 0,-1-8-1155,-5 1 1,-6-6 1638,-7 0 0,1-5 0,-4-1 0,-2 0 0</inkml:trace>
-  <inkml:trace contextRef="#ctx0" brushRef="#br0">22886 11694 7823,'-14'10'2054,"-3"-4"-1130,5 0-539,-5-4-254,7 2 1008,0-4-719,2-4 0,7 2 115,-2-4-398,2 4 0,0-2-181,-2 4 1,-1 1-30,-3 2 1,-1 6 181,2 7 0,-2 4 177,-2 2 1,4 4-151,0-1 1,4 2 7,-1 1 1,6-1-55,3-3 1,8-3-11,4-9 0,5-3 12,5-9 1,3-6-164,0-7 0,0-5-304,-3-10 0,-3-3 200,0 0 1,-6-4 1,0 4 1,-6 1 136,-6 6 0,-3 2 267,-4 6 0,-4 3 244,-3 3 1,-1 6 377,-1 4 0,-1 6-414,1 6 0,4 3-10,2 7 1,3-2-381,3 2 1,3 1 59,7 2 0,1-1-404,5 1 0,0-3 260,3 2 1,2-3-566,4 1 1,3-4-305,0-2 0,1-7-496,-1-6 0,-1-3 347,4-3 0,-1-6 1053,1-7 0,-2-5 0,-4-3 0</inkml:trace>
-  <inkml:trace contextRef="#ctx0" brushRef="#br0">23510 11592 7941,'5'-9'0,"-1"-1"1114,-4 1-658,0 0 0,0 3-11,0-1 0,1 5 701,2-1-738,-2 2 1,7 5 29,-5 2 1,1 0-104,-1 0 0,-2 0 82,2 3 1,1 1-16,-1-1 0,4 4 38,-4 3 1,3 2-149,-3 0 0,1 5-17,-1 2 1,-2 3-209,2 3 0,-2-1 102,-1 4 1,0 0-182,0 3 1,0-5 76,0-4 0,3-5-647,1-7 0,3-7 124,-1-6 1,2-8-98,2-8 0,2-6 227,0-12 1,1-2-115,-4-5 1,0 2 31,1 2 1,-4 3-1,0 6 1,-4 3 525,1 7-153,-2 1 1,-2 14 525,-2 7 0,-1 7-133,-2 11 0,2 0 59,4 6 1,0 1-217,0-1 1,2-1-2,4-5 0,1 1 1,9-5 1,-1-3-55,4-6 1,1-5 192,1-4 0,3-13-142,4-8 0,0-10 64,0-13 1,-3-2-470,-13 18 0,1 0 0,7-22 133,-9 22 1,0 0 0,5-21-167,-4 2 0,-2 2-588,0 1 0,-5 7-268,-2 0 1,-3 8 473,-3 4 0,1 6-361,-4 0 1,2 9-100,-2 1 357,0 4 1,-3 6 562,-1 2 1,4-1 163,0 2 0,0 3 0,-4 4 0</inkml:trace>
-  <inkml:trace contextRef="#ctx0" brushRef="#br0">24227 11415 7847,'-9'0'0,"-1"0"0,1 4 1252,0 2 0,-1 3-538,1 0 0,4 0-313,2 1 0,1 4-91,-1 5 0,1 4-65,-1 4 1,2 2 92,1 2 0,-1 6-58,-2 3 0,1 8-243,-4-2 1,-1 0 208,-6-3 1,3-4 145,-2 2 0,-2-4-185,2-3 0,0-10 104,6-9-365,2-7 1,4-5-410,0-6 0,5-8-96,4-7 1,2-5 328,4-5 0,1 1-192,2 2 1,2 3 140,2 3 1,-3 4 319,3 3 1,1 3-120,-1 3 1,-1 3 246,-2 10 0,-5 5-105,-1 13 1,-4 4 228,-3 8 0,-2 3 184,-8 1 1,-6 2-478,-9-2 0,-4-3 450,-8-7 1,2-4-115,-2-9 0,-1-7-323,1-5 0,1-5-395,5-4 1,2-7-493,4-9 1,5-4 648,1-5 0,7 3 39,3 1 1,2 2-3090,1-3 3277,4 4 0,-1-1 0,7 3 0,3 0 0,4 1 0</inkml:trace>
-  <inkml:trace contextRef="#ctx0" brushRef="#br0">24702 11657 10433,'-4'5'-914,"-2"4"783,-3-4 0,1 4 486,2 0 0,0 2 337,3 1 1,2 3-322,-2 3 1,2 5 244,1 2 0,0 6-254,0 3 1,-1 3 160,-2 4 0,1-2-159,-4 4 1,0 0 79,-4 0 1,1-2-181,0-7 0,-4-3-20,1-6 0,-1-4-188,4-5 46,0-7 0,0-9-404,3-6 1,2-11-1,4-4 0,0-7-187,0-6 0,4-5 118,2-7 1,6-5-131,-6 25 1,0-1 0,2 1 0,1 1 254,-2-2 1,1 1 0,10-24 22,-9 24 0,1-1 0,0 2 0,1 0-26,0 0 1,0 0-1,15-20 36,-1 7 1,5 10 182,1 7 1,0 6-58,-3 9 0,-9 7 294,-3 8 0,-6 9-84,-4 7 0,-1 5 80,-5 1 1,-9 0 71,-3-3 0,-5 0 257,-1 0 1,-1-1 56,0-3 1,-2-1-181,-1-4 1,0-4 221,4 1 0,0-2-391,3 2 0,-1-2-24,7-1 1,-2-2-233,8 5 0,1-1 6,5 4 1,8 0-171,7 3 0,5-2-312,5 1 1,0-1-424,0-1 1,0-2 401,0-1 0,-1-3-653,-3-3 0,-2-2 537,-6-2 1,-3-3 628,-4-6 0,-3-2 0,-2-4 0</inkml:trace>
-  <inkml:trace contextRef="#ctx0" brushRef="#br0">25083 11648 7862,'-9'13'0,"0"-2"295,-1 1 0,5-2 326,2 0 1,2 3-203,1 3 1,1 2 426,2 4 0,1 2-114,3 4 1,0 4-266,-4 2 1,0 2-109,-3 1 1,0 1-170,0-1 1,-4 0 238,-2 0 1,-7 0-54,-2-3 0,-2-3 149,2-6 0,1-5-58,5-7-424,0-1 0,4-12-678,1 0 0,4-8 497,4-8 0,1-5-391,4-4 1,4-2 143,3-1 1,-2 0-43,2 0 1,-1-3 23,4 0-1,0 3 10,-1 3 1,1 5 415,0-2 0,-1 4-180,1 6 0,-1 0 285,1 9 0,-1 9-115,-3 6 1,-2 6 354,-7 3 1,-2 6-231,-4 4 1,-4 0 157,-2-3 1,-7 3 94,-2 0 0,-6-3 187,-1-3 0,-4-4-139,2 0 1,1-5-164,1-4 1,6-2-389,0-4 0,4-2 133,-4-4 1,8 0-174,-2 0 1,8-4 113,2-2 1,5-4-903,4-2 0,4 2 152,3-3 1,1 3-253,2 1 1,0-1 193,-1 1 1,0 1 846,-3 1 0,3 3 0,-4 4 0</inkml:trace>
-  <inkml:trace contextRef="#ctx0" brushRef="#br0">15642 9739 7673,'-10'-6'1638,"-3"0"0,3 3-2140,-2-4 1,-2 4 123,2-3 1,0 3 346,6-3 0,1 4-200,2-1-7,2 2 718,-3 1 1,4 4-265,0 2 1,0 7 427,0 6 0,0 1-317,0 4 0,-1 1 84,-2 3 0,-3 4 3,-3 2 1,0-1-131,0-2 0,-1-3-115,1-4 0,4-5-72,2-7 0,3-6-296,3-6 0,7-14 200,9-11 1,5-12-305,-9 13 1,1-2 0,0 0 0,2 0-147,2-5 1,0 0 0,0 0-1,-1-1 215,3 0 0,0-1 1,-1-1-1,1-1 47,1-1 0,1 1 0,-1 0 0,-1 1-15,0 1 1,0 1 0,-2 2 0,0 1 57,-3 3 1,0 3 0,14-14 232,-6 16 1,-6 10 418,-7 11 1,-3 10-364,-2 8 1,0 6 241,-4 7 0,0 0-160,-3 6 0,0-2-16,0 6 1,-4-4-12,-2-3 0,-4 1 110,-2-4 0,-2 0-77,-5-3 1,-3-1 74,1-2 0,-5-5-664,1-5 0,-2-4 261,-1-2 1,0-1-747,0-5 0,0-4 442,0-5 0,0-3 454,0-4 0,5-1-551,1-5 0,3 1-88,4-1 1,4 3 168,5 1 1,4 0 53,-1 0 0,3 3-296,3 5 657,2-1 0,9 3 0,0-4 0</inkml:trace>
-  <inkml:trace contextRef="#ctx0" brushRef="#br0">16294 9469 7626,'19'-14'90,"0"0"74,3 5 1,-2 1-165,1 1 0,-1-1 0,-1 3 0</inkml:trace>
-  <inkml:trace contextRef="#ctx0" brushRef="#br0">16313 9618 7670,'-14'0'0,"0"3"482,-5 0 0,5-1-383,1-5 1,7-6-413,3-7 0,7-2 31,5-4 0,8-5 115,5-4 1,3 3-70,0 3 0,1 5 18,-1-2 1,1 6 716,-4 4 1,-1 6-367,-2 3 0,-4 7 731,1 5 1,-2 9-351,2 7 1,-6 3 81,-4 3 1,-2 3-191,2 6 0,-4-1-375,1 5 1,-3-5 149,-3 1 0,-3-1 51,-7-2 1,-1-1 214,-5-2 1,-1-2-102,-1-4 0,-3-4-311,-4-2 1,1-8-219,2-4 1,-2-5-252,3-5 1,1-5 331,1-5 1,3-3-88,4-6 0,-1-2-129,7-1 0,-1-3 72,7 3 0,0 2 421,3 4 1,1 0-304,2 3 0,5 5 243,4 5 0,6 2-39,1 1 0,0 5-21,6 4 1,1 5-52,5 4 1,-1 1-197,4 0 1,-4 2-193,1 1 0,-2 4 156,-1-1 1,-4-4-494,-2-2 0,-3-5-15,0-4 736,-5-5 0,8-5 0,-2-5 0</inkml:trace>
-  <inkml:trace contextRef="#ctx0" brushRef="#br0">17672 9711 7657,'0'11'0,"0"1"0,-1-2 1079,-2 3 1,-2 1-455,-5 2 1,1 5-197,0 4 0,-4 2-170,1 1 1,1 4-175,4 2 0,0 0 151,4 4 0,0-7 52,3 3 0,0-4 76,0-2 1,0 0-65,0 0 0,-1-9 123,-2-3-219,2-5 1,-4-6-170,1-1 1,2-13-305,-4-6 1,4-9-382,-1-10 0,2-6 285,1-9 0,0-3-157,0 24 1,0 0 0,2-1 0,1-1 435,1 1 1,1-1-1,2-2 1,0-1-23,2 2 0,1 0 0,1-2 0,1 0-70,2 2 0,0 0 1,2-1-1,0 1 5,2-1 0,2 2 0,1 0 0,1 2-12,-1 2 0,1 2 0,1 5 0,0 2-112,14-5 1,-3 12 55,-9 10 0,-3 8 282,-7 8 1,-5 6 297,-7 6 0,-6 5 362,-3 8 1,-4 0-612,-2 2 1,0-1 390,-3-5 1,-1 0-104,-2 1 0,-4-3 309,0-4 1,0-4-503,0-9 1,2-4-305,-2-5 0,0-4-153,0-5 0,1-8-386,6-4 1,-3-6-329,3-4 0,1-2 695,2-3 0,1 2-277,2 0 1,0 1 272,0-1 0,3 2 10,3 5 1,2 3-4,1 3 288,8 2 0,3-4 0,7 0 0</inkml:trace>
-  <inkml:trace contextRef="#ctx0" brushRef="#br0">18240 9506 7624,'-19'3'920,"1"1"1,-1 3-632,0-1 0,2-2-885,1-1 0,3-1-254,4 1 898,3-2 1,6 4-48,7-5 0,5 0-170,4 0 1,1-3 178,2-1 0,-1 1 246,1 3 1,1 0 376,1 0 1,-4 4-347,2 3 0,-4-1 138,1 3 0,-3-1-113,-4 8 0,0-4 120,-3 4 0,-2 3-147,-4 2 1,-4 5-120,-2-1 1,-7-2-40,-2-2 1,-3-1-80,0-1 0,0-5-92,2-1 0,0-3 50,3-1 0,4-4-62,3-1 14,4-3-703,-2-1 548,12 0 0,-2 3 52,7 0 1,-2 5 126,1 1 1,-1 2 52,1 4 0,2-2 92,-2 2 0,0 2-52,-2 4 1,-4-1 47,0 2 0,-4 1-31,1-2 1,-7 1 265,-5-3 1,-5-4-95,-4 1 1,-5-6-94,-2-1 0,-5 0-487,-1-6 1,-4-4 206,1-6 0,2-5 150,1-3 0,3-3 8,3-1 0,7 0-591,9-3 1,6 1-19,9-4 560,9 5 0,17-7 0,6 3 0</inkml:trace>
-  <inkml:trace contextRef="#ctx0" brushRef="#br0">19581 9981 7740,'0'16'612,"0"-1"1,-8 1-496,-1 2 1,-3 1-106,-1 0 1,4 0-109,0 3 1,0 2 417,6 4 1,0 3-31,3 0 0,0 0 111,0-3 1,0 3-18,0 0 0,-1 3 230,-2-3 1,-2-3-22,-4-3 1,-4-4-210,1 0 0,-5-5-172,2-4 1,1-6-15,2-3 1,-1-3-342,4-3 1,-1-9-20,7-7 1,0-10-152,3-2 0,1-5 115,2-4 0,5-3-542,4-3 1,5-4 533,-2 0 0,-7 25 0,0 0 58,1 0 1,1 0-1,-2 0 1,0-1-9,3 0 1,0 0 0,0 0-1,1 1 7,9-22 0,-6 24 1,0 1 149,0 0 1,1 0 0,23-13 27,1 10 0,5 8 32,-2 11 0,2 2-306,2 4 1,-9 9 212,-4 6 0,-9 7 40,-6 6 0,-6 4-49,-6 2 0,-5-1 232,-9 1 0,-4 0-77,-11 0 0,-1-1 414,-5-2 0,-1-6-204,-2 0 0,2-9-37,-2-4 0,1-5-309,-1-4 1,3-3-324,0-3 1,1-7 270,5-5 0,0-3-75,4 0 0,1-1-248,5 0 0,-1 5-479,7 2 378,2 1 1,2 5 102,8 0 1,2 4 70,11-1 1,3 2-48,9 1 0,0-4 369,6 1 0,2-4 0,8 2 0</inkml:trace>
-  <inkml:trace contextRef="#ctx0" brushRef="#br0">20149 9823 7749,'-10'1'1638,"1"2"0,3-1-1116,0 4 0,0 2-119,0 4 1,2-1-274,4 5 1,-3 0 25,0 6 0,0-1 130,3 4 1,-1 4-61,-2 5 1,-2 5 152,-5 1 1,0 5-440,-3-2 0,2 3 32,-4 0 1,0-1 132,0-5 1,2-8-312,7-10-1233,2-6 1,5-9 761,2-10 0,6-8-1813,7-10 2490,5-3 0,-5-4 0,2 0 0</inkml:trace>
-  <inkml:trace contextRef="#ctx0" brushRef="#br0">20987 10270 7823,'-10'4'1549,"1"1"-1380,0 4 0,0 1-599,3-1 1,-1 1 584,4 3 0,0 1 672,3 5 0,0 4-36,0 2 1,-1 2-304,-2 5 0,1 1 65,-5 4 1,4 0-317,-3 0 1,0 1 205,-3-1 0,-2-3-89,-1 0 1,1-8-221,-1-1 1,5-10 188,1-5-283,4-5 0,-3-14-470,5-7 1,0-8 277,0-10 0,5-5-196,1-11 0,-1 24 1,1 0 25,0-1 1,1-1 0,0 0 0,1 0 101,-2 0 0,0 0 0,3-1 0,-1 1 97,-1-2 0,2 1 1,0 1-1,2 0 120,0 0 1,0 0 0,2 4 0,0 1-114,12-18 0,0 11 272,0 5 1,-2 13 77,-4 6 1,-5 10-139,-1 8 0,-7 4 394,-3 9 1,-2 1-185,-1 5 1,-4-2 102,-2 2 1,-3-1 260,0 1 1,-3-7-445,-1 1 1,0-4-83,0-2 0,2-5-139,-5-2 0,4-2-668,-4-4 1,5-3 379,-1-6 0,1-2-951,2-4 0,0-4 529,-1 1 1,5-5-422,2 2 0,2 0 437,1 0 1,0 3 154,0 0 1,5 1-49,5 2 582,-1 0 0,8 4 0,-2 1 0</inkml:trace>
-  <inkml:trace contextRef="#ctx0" brushRef="#br0">21285 10205 10059,'0'6'1124,"0"0"1,0 0-378,0 4 1,0 0-114,0 2 0,0 3-233,0 3 0,-1 5-126,-3 2 1,2 2-50,-4 1 0,1 4 126,-1 2 1,-1-2-66,3-1 1,-2-2 124,3-1 1,1-4-283,5-2 1,3-7-250,7-2 1,1-7-373,5-3 1,4-2 334,2-1 1,-2-1-788,2-2 0,0-3 473,3-7 1,0-1-564,0-5 1,-8 0-42,-1 1 1,-7-4 1073,1 0 0,-3-8 0,0 1 0</inkml:trace>
-  <inkml:trace contextRef="#ctx0" brushRef="#br0">21592 10158 7864,'0'23'1137,"-4"0"235,-2 1 0,-2 3-334,2-2 1,1 4-505,2 5 0,1 1-176,-4 9 1,2-1-467,-2 4 0,-1 5 356,1-24 1,0 0-1,-5 23-101,5-24 1,0-1-1,-5 23 39,2-3 0,3-4-302,0-5 0,4-12-351,-1-10 1,3-9-1173,3-6 1,6-14-1087,6-14 2725,7-17 0,-14 20 0,0-2 0,1-3 0,-1 0 0</inkml:trace>
-  <inkml:trace contextRef="#ctx0" brushRef="#br0">22625 10372 7776,'0'-6'90,"0"0"-68,0 0 332,-4-4-323,3 5 0,-4 2 1033,2 6 0,2 6-454,-2 7 0,-1 6 88,1 3 0,-4 2-231,4 5 1,-3 1-90,3 4 1,-4 1-327,0 3 0,-1-2 330,-1 4 0,0-1 35,-1-2 0,1-5-85,0-10 0,-1-6-216,1-7-15,0-6 1,2-3-524,1-6 1,4-6 123,-1-7 1,2-5-145,1-4 0,0-5 217,0-1 0,4-7-100,2 0 1,3-7-204,0 1 0,4-6 302,3 3 0,-7 19 0,0 0 20,-1 0 1,2 0 0,3 0 0,0-1 72,1 3 1,0 0 0,1 0 0,0 2 32,13-19 0,1 8 88,2 8 1,-6 13 161,0 5 1,-6 10-125,-3 5 0,-4 6 47,-6 4 1,-1 6 382,-5 2 1,-6 3-202,-3 1 0,-4 3 349,-6 0 0,-1 0-234,-1-3 1,-3-1 213,-4-2 1,2 1-324,-2-4 0,3-5-315,-3-4 0,1-7 396,6-3 1,-3-3-448,5-3 0,4-6-1063,9-7 1,1-3 586,5-2 0,6 0-804,3-4 0,8 3 658,8-2 0,3 4-654,3 1 1214,2 1 0,5 3 0,-1-3 1</inkml:trace>
-  <inkml:trace contextRef="#ctx0" brushRef="#br0">22979 10233 7745,'-9'-9'844,"0"3"1,0-2-470,3 2 0,-1-3-342,4 0 1,0 3 346,3 0 0,1 0 444,2 0 0,3-2-568,6 2 1,4 1-31,6-2 0,0 4-547,3-3 1,1 4 244,-4-1 0,1 2-130,-2 1 0,-2 4 114,0 2 0,-6 4-17,-7 2 0,-2 6 38,-4 3 1,-5 4 132,-4-3 0,-6 4 482,-6-1 1,-3-3-219,-4 0 0,-3 1 219,0-2 1,1-2-155,5-3 0,0-5 374,7 1-579,-3-1 0,15-2-142,-1 0 1,14-2 49,5-1 0,9 0-198,4 3 1,6-2-474,3-1 1,1 1 322,-1 5 0,1-1-458,-4 1 0,-4 3 285,-5 0 0,-8 3 128,-4 0 1,-6 5 288,-7 2 0,-8-1 422,-7 1 0,-9-4-43,-7 4 0,-6-5 138,0-2 1,-3-2 122,2-4 0,0-5-200,1-1 1,6-4-917,3-2 0,5-2 59,7-4 1,2-2-256,8-7 0,4-1-199,2-2 1,10-5-2052,5-2 2932,5 2 0,4-3 0,3 5 0,5-1 0</inkml:trace>
-  <inkml:trace contextRef="#ctx0" brushRef="#br0">23743 10549 7839,'-7'0'2406,"1"0"-2419,4 0 13,-6 0 0,7 4 55,-2 3 0,2-1 251,1 3 1,0-1 124,0 8 0,0 0 52,0 6 1,-3 2-122,0 4 1,-2 4 34,2 2 0,-2-1-83,-4 1 1,-4-4 176,1 1 0,-4-5-135,4-1 0,0-8-174,2-2 0,1-8-174,0-4 1,4-4-269,1-5 0,3-6-187,1-13 1,8-5 297,1-10 1,6-4-330,1-5 1,-7 23 0,0 1 352,0-1 0,0-1 0,1 0 0,0-1-95,1 2 0,0-1 0,-1 0 0,1-1 103,3-2 1,0 1 0,-1 2-1,0 2 40,2-1 0,1 2 0,13-11 17,-1 10 0,0 10 211,0 5 1,-4 7-36,-3 10 0,-2 4-101,-3 11 0,-6 2 207,-4 7 0,-4-2-36,1 2 1,-6-2 100,-3-1 0,-6 0 100,-4 0 0,-2-1 115,0-2 1,-1-3 139,1-7 0,-4 2-489,0-5 1,0-4-185,4-4 0,-1-4 124,1-4 0,2-2-802,0-6 0,6 0 377,1-3 0,1-1-737,4-2 0,1 0 121,3 3 1,4 1-125,3 5 1,5 0 1071,4-1 0,1 1 0,2 0 0</inkml:trace>
-  <inkml:trace contextRef="#ctx0" brushRef="#br0">24162 10419 7840,'4'-11'767,"-3"-1"-384,2 6 445,2-2-207,0-2 1,1 5 305,1 2 1,-4 9-440,3 4 1,-4 9-7,1 3 1,-2 4 6,-1 2 0,0 4-139,0 2 1,0 2-266,0 1 0,-3 4-106,0-1 1,-4 5-171,1-2 0,-3-5-215,0 0 0,1-8-593,1-3 1,0-3-280,4-5-482,0-9 1760,3-2 0,8-20 0,3-3 0</inkml:trace>
-  <inkml:trace contextRef="#ctx0" brushRef="#br0">24739 10568 7813,'-4'14'2965,"-2"3"-2160,-7-5 0,3 2-1124,-3-2 0,3 0 217,1 3 0,-1 2 314,1 4 0,0 0 141,0 4 0,-4 0 152,1 3 1,-1 0-254,4-1 0,0-3-34,-1-2 1,1 1 217,0-2 1,3-3 252,-1-6-791,5-5 1,-2-4 141,4-6 0,1-7-456,2-5 1,2-11 110,5-5 1,0-4-165,2-2 0,0-5-35,3-1 0,1 0 182,3 0 1,-1-1 135,1-2 1,0 3-21,3 3 1,-1 3 237,4 3 1,2 3-28,0 6 0,2 10-94,-7 9 0,0 6 45,-3 6 1,-6 6 36,-4 9 1,-4 3-30,-5 4 0,-4 0 2,-2 0 0,-6 0 604,-4 0 1,-1-1-260,-2-2 0,-3-2 260,1-1 1,-5-3 51,1-1 0,2-3-635,1-6 0,2-1-34,-2-1 0,6-3-117,1-4 1,1-4-239,5-3 1,2-2-565,7-3 0,0 0-595,0-3 0,8 2 216,5-2 1344,3-1 0,11-2 0,2-1 0</inkml:trace>
-  <inkml:trace contextRef="#ctx0" brushRef="#br0">25102 10456 7813,'-19'16'0,"1"-1"0,3-8 2000,3 0-1201,2-1 1305,4-5-1507,2 3 0,8-1-256,3 0 1,1 1-175,1-1 1,-1 3-122,-1 3 1,0 0 157,-4 1 0,0 1-9,-3 4 1,-1 1 56,-2 6 1,-5 1-26,-5 2 1,-3 2-71,0 1 0,0-3 41,0 0 0,0-5 18,3 2 1,2-2-135,5-2 0,2-6-160,8-3 1,2-6-28,6 0 0,4-2-328,5-1 0,3-1-654,4-2 1,0-5 501,0-4 1,0-5-862,0 1 1,-3 2 693,0-2 0,-6-2-756,0-4 1508,-5 0 0,-4 4 0,-1-1 0</inkml:trace>
-  <inkml:trace contextRef="#ctx0" brushRef="#br0">25214 10465 7813,'4'-5'1185,"-3"1"1,3 8-680,-4 2 1,0 11-6,0 5 0,-4 5-167,-2 4 1,-3 6-102,0 6 1,-3 7-477,6-24 0,-1 1 0,0-1 0,-1-1 343,1 2 0,1-1 0,-6 23-46,3 1 0,0-9-275,3-7 1,2-7-749,4-12 0,1-2 392,2-7 577,2-6 0,5-9 0,-1-6 0</inkml:trace>
-  <inkml:trace contextRef="#ctx0" brushRef="#br2">20084 10456 7466,'0'5'3276,"0"-1"-1274,0-4-3272,0 5 2240,0-4-153,0 3-784,-5-4 0,3 1 13,-4 2 1,0-2 173,-3 2 1,-2 1-503,-1-1 0,-4 3-59,-5-2 0,0 3 512,-4-1 1,-4-1-597,-5 1 0,-2 0-28,-2 0 0,-3-2 56,-2-4 0,-6-1 170,-1-2 1,1-3-185,2-7 0,1-5 494,-1-7 1,25 10-1,0-1-102,-2-1 0,1-1 1,3 0-1,0-1 89,-2-1 1,0 0 0,-13-19 31,19 17 0,1 0 0,-10-17 33,3-2 1,8 3 296,5 1 0,3 0 78,6-1 0,2-1-65,1-4 1,6 1-37,6-7 1,7 3-495,-10 21 0,1 0 0,2 1 0,1 0 119,1-1 0,0 0 1,2 3-1,1 1-13,0-1 0,1 0 0,1 4 1,0 1 7,0 1 1,0 1 0,1 2 0,0 0-201,2 0 0,0 1 0,24-3-38,-23 8 0,0 1 0,1 1 0,-1 1-21,2 2 0,0 1 0,2-1 0,0 1 18,1 0 0,0 2 0,-1 1 0,-1 1 38,-1 1 0,0 1 0,0 2 0,0 0 72,-2 2 0,1 1 0,-1 1 0,-1 1-7,2 2 1,-1 0 0,17 14 113,-2 3 0,-8 2 317,-8 1 1,-1 7-23,-3 2 0,-4 0 293,1 0 1,-8 1 17,-1 2 1,-6 5-228,-1-25 1,-1 1 0,0 23 62,-1 0 1,-4-7 131,-2-2 0,-2-4-581,-2-3 1,1-7 281,0-8 0,-1-5-280,1-5 0,1 0 0,2-3 0,2-2 0</inkml:trace>
-  <inkml:trace contextRef="#ctx0" brushRef="#br2">24003 11126 9642,'-35'0'-1418,"-2"0"0,1-1 2478,2-2 1,-1-3-260,-2-6 0,-3-7-198,0-6 0,-2-3-586,2-3 0,20 13 1,0-1 98,-1-2 0,-1-1 0,2-2 0,1-1 33,-2 0 0,1 0 0,1 0 0,0 0-24,0 0 0,1 0 0,1 0 0,1-1 170,0 0 0,1 0 0,2-1 0,2 0 136,1 2 1,1 0-1,-4-25 218,7 4 0,7-1-326,8 1 1,-3 19-1,1 1-221,2-1 1,1 1 0,1 1 0,1 1-63,13-20 0,2 2-57,0-2 1,-11 22 0,0 1-45,15-16 1,0 1-232,-3 8 1,4 4-94,2-1 1,5 8-138,1 2 0,5 4-119,-2 5 0,3 2 87,0 4 0,1 7 84,0 3 0,0 6 209,-22-7 1,0 1-1,23 9-40,-21-7 0,-1 1 1,21 12 61,-4 3 1,-4 4 175,-11 2 0,1 3 574,-7 4 0,-4 1 102,-6 5 1,-6 3-171,-4-23 0,-1-1 0,0 4 0,-1 0-215,1 3 1,-2-1 0,-1-1-1,-1 0 268,-1 2 1,-1 0 0,-1-2 0,-2 0-40,0 0 0,-2 0 0,0-1 0,0 0-111,0-2 0,-2 0 0,2-3 1,0 0-20,-15 22 1,1-8 89,-1-5 1,-3-6-1171,0 3 1,1-9 106,-4 0 1,2-4-359,1-5 1,-3-5 365,0-5 1,4-3 637,5-3 0,2-4 0,2-7 0,-1-3 0,0-6 0</inkml:trace>
-  <inkml:trace contextRef="#ctx0" brushRef="#br2">19246 11909 11180,'-13'-7'408,"1"1"-134,3 4-143,5-2 0,9 4-509,5 0 1,3 4 520,6 2 1,4 4 73,1 2 1,3-1-52,1 5 0,4-5-9,2 2 0,4 0-308,2 0 1,2-1 105,5-3 1,-1 0-33,-3-3 1,1-2 148,-3-4 1,-2 0-187,-5 0 1,-3 0-210,-6 0 0,-3 0 82,-7 0 0,2 0-319,-5 0 1,-2 0 59,-4 0 548,-4 0 0,6 0 0,-3 0 0</inkml:trace>
-  <inkml:trace contextRef="#ctx0" brushRef="#br2">23752 12532 8593,'-22'-6'-597,"1"0"1,2 4 296,3-1 1,8 2 2154,-1 1-492,6 0-1280,-1 0 63,16 0 1,-1 0 162,11 0 0,-1 0-32,0 0 0,3 1 21,4 2 1,4-1-205,2 4 1,0 0 105,0 4 0,1-1-430,5 0 1,0 1 74,3-1 0,-1 0-111,2 1 1,-3-1-58,-4 0 1,-3-3-304,-3 1 1,-7-5-451,-2 1 1076,-6-2 0,-2-4 0,-1 0 0,1 0 0</inkml:trace>
-  <inkml:trace contextRef="#ctx0" brushRef="#br2">17765 6508 8651,'-5'0'-679,"0"3"-607,2 0 1181,2 1 1,-4-3 56,5 2 344,-4-2-363,3 3 82,-3-4 1,3 0-40,-2 0-2,2 0-114,-3 0 125,4-4 0,0 2 229,0-5-106,0 5 0,-1-2 80,-2 4 191,2 0-164,-3 0 183,-1 0 42,4 0 35,-7 0-699,7 0 387,-3 0-189,4 4 0,4-2 89,2 5 0,4-1-29,2 3 1,-1 4 46,5-1 0,-4 1-11,4 0 0,-4-3 9,4 3 1,-2-3 6,2-1 1,0 1-73,-3-1 0,2-1-7,-2-2 0,0 2-45,0-5 1,-3 0-14,2-3 1,-1 0-27,-2 0 1,-3-1 19,0-2 1,1-2 35,2-5 0,-3 1 34,0 0 26,0-5 0,4 4-2,-1-3 0,-3 4 2,1 3 0,-1-1 6,3 4 0,-3-4 259,0 4-196,1 0 0,2 4-19,0 2-19,1 2 0,-1 8 40,0-1 1,1 1-55,-1-4 0,-3 0-60,0 1 0,0-1 101,4 0 0,2-3-137,1 1 0,-1-4 5,-3 3 0,2-4 0,1 1 0,-1-2-31,5-1 0,-4-4-151,4-2 0,-4-3-2,4-4 0,-2 2 161,2-5 1,-2 5-55,-1-2 1,-3 3 65,3 1 0,0-1 47,-1 1 1,-2 1 134,-4 2 55,0 2-58,3 4 56,1 0 1,-1 3-48,0 0 1,-2 4-95,-1-1 1,-3 2 81,3 2 0,-1-4-33,1 0 0,3-1-55,-3 2 1,2 1-39,2-2 1,-1-2-23,0-1 0,0 1 9,1 0 0,-1-1-62,0-3 0,2 0-131,1 0 1,0 0 110,3 0 0,-3 0-4,4 0 1,-4 0 14,4 0 0,-4-3-32,4-1 0,-4-3 84,4 1 0,-4 1-8,4-1 1,-4-1 65,4-2 1,-5 3 15,1 0 0,2-1 92,-2-2 0,4 1-109,-4 2 1,1-3 131,-4 3 0,1 2-146,3 1 0,-3-1 141,2 1 0,-1 0-34,-2 3 0,1 3 81,3 0 0,-3 4-80,3-1 0,-3 3 34,-1 0 1,2 0-130,1 0 1,-2 1 81,3-1 0,-2-3-220,2 0 1,-3-2 114,2 2 0,2-4-476,-2 1 0,2-2-181,-2-1 1,3 0 637,3 0 1,5-8 0,1-3 0</inkml:trace>
-  <inkml:trace contextRef="#ctx0" brushRef="#br2">15931 5428 7075,'-6'0'-1404,"-1"0"1,1 0 2274,-3 0-146,4 0-654,-4 0 3205,8-4-2228,-3 3 0,5-3-560,2 4 1,3 0-487,3 0 0,0 1 44,1 2 1,-1-1 178,0 4 0,0 0 75,1 0 0,0 2 72,3-2 0,-3-1-155,2 2 0,2-4-584,-2 3 0,2-3-292,-2 3 1,-1-4 617,5 1 1,-4 2 14,4-2 0,-5 0-290,2-3 0,-2 0-78,1 0 1,-1 0 35,1 0 0,-1 0 84,-2 0 0,-3 0-21,0 0 128,1 0 0,1 1 375,-2 2 0,1-1 85,-4 4 361,5 0 1,-4 4 29,2-1 0,2-3-242,-2 0 0,3 0-202,0 0 0,0-1-21,1-2 1,-1-2-214,0 2 1,1-2-67,-1-1 0,3 0-82,1 0 1,3-1-273,0-2 1,-2 1-45,2-4 0,-5 3 349,2-4 0,0 4 75,-1-3 1,4 4 3,-4-1 0,1 2 47,-4 1 0,0 0 126,1 0 1,-1 0-135,0 0 0,1 1-55,-1 2 1,0-2-131,1 2 0,0 1-10,2-1 0,-1 1-142,1-4 1,2-1 268,-2-3 0,3 2 175,-2-4 1,2 3 108,-2-3 1,2 1-7,-2-2 0,2-1 84,-2 2 1,0 1-28,0-1 0,-2 3-115,4-4 0,-3 5 43,0-1 1,2 2-246,-2 1 0,2 0-109,-2 0 1,-2 0 6,3 0 0,0 0-119,0 0 0,2 0-4,-2 0 0,2 1-35,-3 2 0,2-2 16,-2 2 1,0 2 162,3-2 0,-3 0 22,0-3 1,-2 3 120,0 0 0,2 0-320,0-3 0,2 3 103,-2 0 1,-1 0 88,1-3 1,3 1-248,0 2 1,0 0 228,0 3 0,1-4-627,2 1 792,5 2 0,1 0 0,4 5 0</inkml:trace>
-  <inkml:trace contextRef="#ctx0" brushRef="#br2">15065 11192 17034,'-9'0'-158,"-1"0"-161,1 0 1,0-1-660,-1-2 1,1 1 632,0-1 1,3-1-73,-1 1 0,1 0 430,-3 3 1,3-3-144,-1 0 1,1 0 61,-3 3 0,3-3-127,0 0 0,-1-4 14,-2 4 1,3-3 80,0 3 0,2-1 120,-2 1 0,4 1-110,-1-5-271,-2 5 305,4-2 1,-2 1 37,6 0 0,-1 0 561,4 3 0,0 1-246,4 2 0,-1-1-55,0 4 1,1 0-174,-1 4 1,3-1-19,1 0 0,-1-2 45,-3-1 1,4 0 87,-1 3 1,2 1-396,-2-1 0,-1-3-188,1 0 0,-2 1 246,0 2 0,2-3 175,0 0 0,1-1 76,-4 2 1,0-3 195,1-4 1,2 0-160,1 0 1,-1 0 212,-3 0 1,4 0-103,-1 0 0,4-4 199,-4-3 1,2 2 105,-2-1 0,-2 3-38,3-3 0,0 4 22,0-1 0,-1-2 43,-3 2 0,1 0-355,-1 3 0,0 3-128,1 0 1,-1 4-248,0-4 0,0 4-239,1-1 0,-1 3-174,0 0 0,2-1 4,1-2 0,2 2 294,1-5 0,3 3-280,-3-3 0,3 0 149,0-3 1,1 0 473,0 0 0,-1 0 82,1 0 1,-4 0 131,1 0 0,-2-3 210,2 0 0,1 0-139,-5 3 1,1-3 71,0 0 1,-3-1-169,3 4 0,-3 0-142,-1 0 1,1 5-385,-1 1 1,0-1-17,0 1 0,0 0-196,-3 4 0,2-1-28,-2 0 1,4 1 21,2-1 0,-2 0 4,3 1 0,-3-4 117,0 0 0,0-1 195,2 1 1,0 2 344,3-5 0,-3 0 90,0-3 1,1 0 214,0 0 0,2 0-70,-2 0 1,3 0 22,0 0 0,-2 0-208,2 0 1,-1 0 43,4 0 1,-1 0-75,-3 0 0,4 0-15,-1 0 0,0 0-140,1 0 1,0 0-39,0 0 0,-1 0-24,4 0 0,-2 0-51,-2 0 1,1 0 55,0 0 0,0 0-252,3 0 0,-5 3-323,1 0 1,-1 4-1470,1-1 1881,1 7 1,4 5 0,1 6-1</inkml:trace>
-  <inkml:trace contextRef="#ctx0" brushRef="#br2">22849 6369 9364,'-9'1'153,"-1"2"-445,-3-2-48,2 3 1139,2 0 1,2 1 794,4 5 1,0-4-299,3 0 1,0 1 45,0 6 1,0-2 126,0 5 1,0-1-285,0 4 1,0 0-161,0 3 0,0 5 240,0 4 1,-3 4-323,-1-1 1,0 7-713,1 2 1,1 6-172,-4 0 0,4-22 0,1 0-170,-2 0 1,0-1-1,0 1 1,0 1 86,1 0 1,-2 0 0,0 1-1,0 0 53,1-1 1,0-1-1,0 2 1,1-1 43,-5 22 1,6-24 0,-1 1-13,-4 22 0,5-22 1,0-1 81,-2 24 1,2-1-68,1-2 1,0 1-1,0 1 1,0 3-159,0-24 0,0 0 1,0 25 57,0-1 0,0-2 12,0 3 0,3-5 50,0 2 0,1-5-245,-1-2 0,-1-1-50,5 2 1,-4 1-10,3-1 0,-3-2 201,3 2 1,-3-1-24,4 4 0,-5-5 108,1-1 1,-1-3-136,1-1 1,-2-3 58,2 0 0,1-8-79,-1-1 0,1-5 310,-1-5 1,0-1-410,3-5 1,-3-4 11,3-2 0,-3-2-784,3-1 1,-3 0 78,4 0 0,-1 0-202,3 0 1,1-1 120,-1-2 1,3 1 90,1-4 1,2 3 49,-2-3 0,3-1 155,0-2 1,2 0 263,4-1 0,-2 1 383,1 0 0,2 3 43,-1-1 1,1 1 37,-2-3 0,0 0 87,4-1 1,-3 4-181,2 0 1,-1 3-32,5-4 1,-2 5-15,5-1 1,-2 2 252,-1 1 1,4 0-174,2 0 1,1 1 106,-1 2 1,3 3-30,-3 3 0,7 0-287,6 1 1,-4-1 288,4 0 1,-4-3 6,1 1 1,0-1 5,-4 3 1,1-4-7,-4-2 1,0 1 44,1 0 1,-3-1-109,2-3 1,-6 0-50,3 0 1,-4 0-48,-2 0 0,-1-4-165,-2-3 1,1-1 108,-5-1 0,1-2 116,-3-1 0,1 2-154,-1-3 1,1-1 415,-8-2 0,1 2-133,-4-2 0,-3-2 214,0-4 0,-3-4-11,4 1 0,-5-2 39,1-1 1,1-4-4,-1-2 0,1-3-36,-1-3 0,-2 0-235,2-3 0,-1-4 237,2-2 1,-3-2-503,2 1 1,-3-1 155,-2 23 1,1 0 0,-2-3 0,0 0 24,-1 0 0,-1-1 0,0-1 0,1 0-45,-1 2 1,0 0 0,1 1 0,-1-1 98,0 0 1,1 0 0,-1-1 0,1 0 45,-1-1 0,0 1 0,1 0 0,0 2 26,1 3 1,0 1 0,-1-1 0,1 0-50,-1-23 1,-2-1-10,3 4 1,-1 0 97,1 6 1,1 1-64,-4 3 1,2-1-155,-2 1 0,0 3-89,-3 0 0,3 4 120,-1-1 1,1-1-81,-3 1 0,-1 3-59,1 3 1,-3 1 379,-1-1 1,2 0-269,5 3 0,-3 0 199,3 3 0,-2 4-114,-1-1 1,0 2 43,3-2 0,-5 3-86,2 4 1,-4-1-114,1 1 1,-3 1-9,-3 2 1,-5-2 118,-2 5 1,-3 0-175,-3 3 1,-2 0 117,-4 0 1,-1 3-17,1 0 0,2 4 2,-2-4 0,6 0-43,-3-3 1,0 0-131,3 0 1,-4-4 220,1-3 0,-2 2-274,-1-1 0,-1 3 112,1-3 0,-1 4 88,-2-1 0,1-2 223,-1 2 0,2 0-218,0 3 0,0-3 403,-2 0 1,6 0-6,0 3 0,8 0-134,4 0 1,2 0-109,2 0 0,0 0 4,3 0 1,-2 0-387,5 0 0,-2 0-99,2 0-963,1 0 992,-2 0 475,8 4 0,-4-3 0,4 3 0</inkml:trace>
-  <inkml:trace contextRef="#ctx0" brushRef="#br2">17691 5577 9542,'-10'0'-428,"4"0"-536,0 0 875,0 0 451,1 0 0,5 0-79,6 0 1,5 0-87,2 0 1,6 1-101,0 2 0,6 3 43,-1 3 0,6 0 75,1 0 1,5 1-67,-2-1 1,6-1-313,4-1 0,4 0 200,2-4 0,-22 0 0,0 0-24,-2-1 1,1-1 0,1 1-1,-1-1-58,23-1 1,0 0 210,-4 0 0,4-3-78,0 0 1,-4 0 7,-2 3 1,-2 0 118,1 0 0,2 0-144,-5 0 0,-2 0 147,-4 0 0,0 3-99,3 0 0,3 3-27,1-2 1,-4-1-53,-3-3 0,-3 0 87,3 0 0,0 0-56,4 0 1,-1 0 40,0 0 0,3-3-184,1-1 0,2-2 26,-2 3 1,-4-3 73,-3 3 1,-3-3 49,3 2 0,-1-2-47,1 3 1,2-3 4,-5 3 0,0-4 36,-3 0 0,3 2-40,0-1 1,-3 0-10,-4-3 0,0-1-52,1 1 1,2 0 239,-2-1 0,1 1-294,-1 0 0,1-4 150,-1 1 1,4-4-166,-1 4 1,1-5 38,-7 2 0,0-3 13,-4 0 0,3-1 115,-3 0 1,2 0-113,-7-3 1,2 1 242,-3-4 1,1 4-14,-4-4 1,-3 0 143,1-3 1,-4-4-206,3-2 1,-4 1 13,1-1 0,-2 3-89,-1-3 1,-4 4 49,-2-2 1,-2 4-230,-2 0 0,0 3 71,-3 0 1,-1-3-256,-5-3 0,-3-3-40,-3 3 1,-2-3-265,-1 3 1,-5-5 421,-4 2 1,-2 2-155,18 16 1,-1 1 0,-18-10 221,-4 4 0,1 2-112,-4 3 0,0 4 205,1 6 0,-5 2-84,-2 4 1,1 0 71,24 0 1,0 0-1,-22 0-98,-3 0 1,1 0 58,-1 0 0,26 0 0,-1 0 34,0 0 0,0 0 1,-22 0-9,3 0 1,0 0 0,4 0 0,-4 0 12,-2 0 1,1 0-57,-1 0 0,1 0 48,1 0 1,4 0-131,-1 0 1,4 3 200,-3 0 1,2 4 13,-2-1 1,1 6-2,-4 0 1,9 1 7,-4-4 1,8 0 57,-1 1 1,3 0-93,-3 2 0,4-4 56,-1 1 0,2-2-20,1 2 0,-2 1 140,2-1 1,-1-3-171,7 0 1,1 1 308,2 2 0,-2 0-300,3 1 1,-3 0 229,5 2 1,-1-1-177,-2 1 1,1 2 13,-1-2 1,0 3 68,1-2 1,0 0-97,3 0 0,-3-2 23,3 5 1,1-4 34,2 4 1,-2-1 7,2 4 0,-1 2-5,4 1 0,0 4 18,0-1 1,0 1-42,3-1 1,-1 5 34,4-3 1,0 0-159,3-2 1,0 0 139,0 3 0,0 2-206,0-2 0,0 2 46,0-5 0,1 1-198,2-2 1,2 3 9,4-2 1,5-2-188,1-1 0,7-2-569,3 2 1,6 1 919,3 2 1,2 2-1,1-4 1</inkml:trace>
-  <inkml:trace contextRef="#ctx0" brushRef="#br2">23901 8985 8971,'-9'0'-1539,"3"1"2437,3 2 1,2-1 354,1 4 1,0 1-86,0 2 1,4 1-601,3 3 0,1 1-275,1 5 0,1 0-79,-1 3 0,3-1 345,1 4 1,0-4-101,0 4 1,-2-3-138,4 3 1,-3-5-593,0 2 0,-1 1 169,-2-1 1,0 4-15,1-2 0,-5 0 241,-2 1 1,1-1-71,-1 1 0,0 4 107,-3-5 1,0 1-118,0-6 1,0-1 23,0 1 1,-1-4-85,-2-3 1,1-6-185,-4-3 1,0-2-259,-4-1 0,1 0-64,0 0 0,-1-1 58,1-2 1,-3-3 153,-1-6 0,-2 0-80,2-3 0,1 0 185,3 0 1,-1-3 89,1 3 0,0 0 219,-1 0 1,2 3 339,2 0 1,1 2 260,2 4 354,1-2-859,-2 7 1,4 1 145,0 6 0,1 7 63,2 2 0,6 7-164,3 3 0,4 2 20,-4 0 1,5 0-64,-2-2 0,3-2-52,0-4 1,1-5-37,0-2 0,-1-2-60,1-4 1,-2-2-277,-1-4 1,1-4 184,-5-2 1,3-7-185,-2-2 1,-1-3 155,-2 0 1,-1-2-723,0-2 1,1 2-193,-1-5 0,3 4-635,1-1 1,0-1 1681,0-2 1,1-6 0,5-2-1</inkml:trace>
-  <inkml:trace contextRef="#ctx0" brushRef="#br1">22076 12300 8344,'-12'0'0,"-1"0"83,1 0 504,2 0-721,5 0 110,1 0 165,12 0 1,2 0-36,5 0 0,2 0-5,-5 0 1,6 0-85,0 0 1,1 0 136,3 0 1,-3-3-235,0-1 1,1 1 121,1 3 0,0-1-97,4-2 0,-4 2 84,0-2 1,2 2-2,-1 1 1,3 0 49,-4 0 0,1 0 6,-3 0 0,0 1 148,3 2 0,-3-1-97,-1 4 0,1 1 96,-3 2 1,-2-3-75,2 0 0,-2 1 74,2 2 0,-2 0-73,-2 0 1,0 2-9,3 1 0,1-2-36,2-1 1,-2 0-1,0-3 1,0 0-198,6 0 1,-2-4 115,5 1 1,-3-2-385,3-1 1,-2-1 171,5-2 0,-6-3-785,6-7 0,-1 2 964,4-5 0,-2-3 0,3-5 0</inkml:trace>
-  <inkml:trace contextRef="#ctx0" brushRef="#br1">24692 12560 8492,'-1'-8'-93,"-2"2"1,2 1-117,-2 2 310,-2-3 0,4 0-81,-2 0 1,2 3 331,1-3-267,0 4 67,0-3 215,0 5-285,4 0 1,1 4 22,4-1 0,1 4-102,-1-1 1,3 2 56,1 2 1,3 0-115,0 2 1,1-1 86,2 1 1,-1-2-143,-3-4 0,3 2 10,-3-2 0,2-1 128,-2 2 1,0-4-92,-3 3 83,-1-4 0,2 2 30,-4-4-50,-3 0 12,-2 0 55,-4 0 6,0-4 254,0 3-168,0-3-46,4 4 1,0 1-9,2 2-92,2-2 1,-2 6-17,3-4 1,0 1-3,1 0 0,-1-3-15,0 2 0,0-2-23,1-1 0,-1 0-10,0 0 0,1-1 56,-1-2-21,0-3 0,1-3 10,-1 0 0,-3 0 3,0-1 1,0 4 4,0 0 1,2 4 0,-6-2-79,4 4 1,-3 1-159,4 2 1,-4-1-158,3 4 1,-1 0 391,1 4 0,3-1 0,-4 0 0</inkml:trace>
+  <inkml:trace contextRef="#ctx0" brushRef="#br0" timeOffset="1">2030 4385 7827,'-6'0'763,"-1"0"0,5 1-466,-1 3 0,2 5-55,1 6 1,0 8-66,0 5 1,3 13-72,-1-15 1,-1 1 0,2 5 0,1 0-373,-3 5 1,1 1 0,1 4 0,0 2 343,-2 2 1,1 1 0,1 2 0,0 1-386,-1 0 0,-1-1 0,3 2 0,0 0 379,-2 0 1,2 0 0,1 1 0,1 0-99,0-2 1,1-1 0,-1-3 0,0-1-208,-2-6 1,1 0 0,2-2 0,0 0 298,0-1 1,1 0-1,0-2 1,1 0-207,-2-3 1,1 0-1,1-2 1,-1-1 179,-2-1 0,0-1 0,10 19 284,-4 2 0,1-5-221,-4-2 1,0-3 7,1-9 1,-4-1 646,0 1 1,-3 0-758,3 0 1,-4-4 549,1-2 0,2-3-481,-2 0 1,3 2 218,-3-3 1,4 2-255,-1-8 0,0 4 36,0-4 0,-1 1-53,1-4 1,2-1 0,-1-1 1,1-2 44,1-2 0,1-2 15,-1 2 0,0-2 6,1-1 1,3 0-40,2 0 0,2-4 95,-1-2 0,2 0-86,1 0 0,0 1-10,6-1 0,0-2-35,3 1 1,0 2-6,0-1 0,1 3-12,2-3 0,1 4-13,2-1 0,2 2-2,-2 1 1,4-4 35,2 1 0,-2-1-203,3 1 1,-2 2 183,1-2 1,3 2 49,3 1 0,-2 0 27,-1 0 0,2 0 12,4 0 1,0 0-20,4 0 1,-5 0-309,2 0 0,-1 0 250,0 0 1,3 0 16,-24 0 1,0 0 0,-1 0 0,1 0-96,24 0 0,-25 0 0,0 0 111,23 0 0,2-1-131,-26-1 0,0 1 0,23 0 8,-23-1 0,1 1 0,21 0-3,-1 1 1,1 3 1,1 0 1,-4 1-11,1-1 1,-4 1-119,1 2 1,1 3-119,2-3 0,-3-1 194,-3 1 1,-1-1 36,2 2 1,-2 0 136,4-4 1,-3 0-85,0-3 0,-3 3-50,-3 0 0,4 0 66,-1-3 0,-4-3 23,1 0 0,-4-1 134,-2 1 1,1 2-89,2-2 1,-1 2 65,4 1 0,-4 0-105,1 0 1,-2 0 149,-1 0 1,-3 0-161,0 0 0,-5 0 308,2 0 0,1-1-308,-1-2 1,-1 1 209,-2-5 0,0 1-183,-1-3 1,0-5 26,-3-1 1,2-1 153,-5-2 1,4 0-119,-4-7 1,4 2-54,-4-2 0,1-2 175,-4 2 0,0-2 245,1-1 1,-2 0-252,-2 0 1,1-3-56,-4 0 1,4-4-98,-4 1 0,0-5 88,-3-2 1,0 1-268,0 3 0,-4-4 255,-3 1 1,-2-8-137,-3 2 1,1-4-223,-1 0 0,6 25 0,1-1 254,-2-2 1,1 0-1,1-1 1,0 0-11,-1 1 0,-1 0 1,2 1-1,0 0-297,-4-19 1,3-1 305,-1 1 1,4-1 7,-3 1 1,4 3-71,-1 3 0,2-2 60,1 2 1,0-3-78,0 2 0,0 2 42,0 5 0,-1 1-2,-2 2 1,2 2-3,-2-2 1,-2 2 142,2 1 0,-4 1-164,1 2 0,-2-1 403,-2 4 0,1 2-250,0 4 0,-4-1 103,1 1 0,-4 3 69,4 0 1,-5 3-70,2 1 0,-1-1-139,-2 1 0,1 1-45,-5 1 0,3-1-3,0 2 0,-4 1-102,-1-1 1,0 3 140,-1-4 0,3 5-139,-3-1 1,-1-1 94,-5 1 0,2-1 48,-2 1 0,2 2-44,2-2 0,-5 0 14,1 0 1,-3 2 20,3-2 1,-1-1-23,1 1 0,-2-1 24,-4 1 0,4 1-20,2-5 1,1 2-87,-1-1 1,1-1 79,-5 4 0,5-3-156,-1 2 1,1-2 78,-1 3 1,0 0-154,-6 3 1,5-1-61,-5-2 1,2 2 136,-3-2 1,1 2-11,0 1 1,0 1-102,-1 2 1,1-2 266,0 2 1,0-2-86,-1-1 0,4 0 82,0 0 0,3 0-49,-3 0 0,4 0 119,-1 0 0,2 0-70,1 0 0,0-1 124,0-2 1,-1 1-199,-2-4 1,2 4 57,-2-2 0,2 2-210,1-1 1,-1 2 118,-2-2 1,2 2-162,-2 1 0,-1 1 104,1 2 1,-4-2 76,1 2 0,2 1 17,1 0 0,-1 2-14,1-3 1,0 3 117,3-3 1,-1 4-78,-2 0 0,5 0 317,-2-1 1,-1 2-247,-2-1 1,0-2-18,3 1 1,0-3-52,0 3 0,-3-1-119,0 2 1,-3 1 74,3-2 0,-4 2-133,0 2 0,-4 3 207,-1 3 1,-1 0-272,4 0 1,0 4 275,0-1 0,0 2-73,-1-3 1,4 4 62,0 0 0,3 0-24,-3-4 0,1 0-55,-1-3 1,1 0 5,6-3 1,0-3 13,2 1 0,-1-2 33,4-5 0,1 3-17,2-3 1,3 1-457,1-4 1,3 0 376,0 0 1,2 0-1774,0 0 1093,1 0 785,0 0 0,-1 4 0,1 1 0</inkml:trace>
+  <inkml:trace contextRef="#ctx0" brushRef="#br0" timeOffset="2">3175 3426 8150,'0'-9'-546,"-3"0"249,0-1 841,0 1 0,2 1-129,-2 2 1,0-2-165,-3 5 1,3 0-104,-3 3 1,-1 0-111,-6 0 1,2 8-93,-5 5 1,4 4 74,-4 5 1,4 3-47,-3 6 0,3 2 73,0 4 1,2-2-87,4-1 0,2 0-93,4 3 0,1 0-152,2 1 1,3-5 118,7-2 0,4-5-121,5-2 1,3-4-389,-3-1 1,4-6 672,-2-7 0,3-2 0,1-4 0</inkml:trace>
+  <inkml:trace contextRef="#ctx0" brushRef="#br0" timeOffset="3">3426 3557 8150,'-12'0'-93,"0"0"0,-1 0 104,4 0 0,0 4 148,-1 2 1,2 2-100,2 2 1,-2 3 15,5 3 0,-3 1 87,3 2 1,0 4-113,3 1 1,1 0-151,2 1 1,2-3 140,5 3 1,-1-8-318,0 2 1,2-8 58,1-1 0,1-2 50,3-5 1,-3-4 194,-3-5 0,-1-4-113,0-2 1,1-6 390,-1-3 1,-4-1-142,-2 3 0,-1-2 231,1-1 0,-2 0-129,3 3 1,-4 2-158,-4 1 1,2 0 16,-4 3 1,3 1-72,-3 3-12,0 4 1,-3-1-416,3 3-468,2 2 383,4-3 233,0 4 129,4 0 1,1 0 114,5 0 1,2-3-120,0 0 0,4-3 233,-4 3 0,2-4 29,-2 4 0,-1-3 24,1 3 1,-2-1-116,0 1 0,-1 2-9,0-2 0,-2 3-121,-1 3 1,-3 2 91,3 4 0,-4 1-86,1 3 1,-2 0 49,-1 3 0,3 1-12,0-1 1,1 2-7,-4 0 1,3 1 11,0-1 0,1 0-160,-1-2 1,-2-3 94,2-4 1,1-3-122,-1 1 156,5-5 1,-4-3 57,2-9 0,2 0-21,-2-5 1,0-2 128,0-5 1,0 3-82,3-3 1,-2 0 146,-1 4 1,-1-3-13,1 5 0,1 0-63,-4 0 1,4 3-121,-4 4 138,4 3-33,-2 2 1,3 9-106,-1 5 1,0 3-12,-4 6 1,4-1-258,-1 1 0,2 3 91,-2-1 0,1 0-348,-4-5 1,3 0 184,-2-3 1,3 1-758,-1-5 1096,-2 3 0,4-11 0,-2 3 0</inkml:trace>
+  <inkml:trace contextRef="#ctx0" brushRef="#br0" timeOffset="4">4134 3454 8164,'-14'0'0,"-3"0"327,5 0 0,-5 0-69,1 0 0,3 1-134,1 2 0,1 3 94,2 3 1,-1 5-418,-3 5 1,6 4 176,-2 5 0,6 1-175,-1 2 0,3-2-16,1 2 1,5-6-84,1-4 1,3-2-157,3-4 0,2 1 168,1-7 1,3-1-38,-2-8 1,4-2 320,2-1 0,0-6 0,0-10 0,2-4 0</inkml:trace>
+  <inkml:trace contextRef="#ctx0" brushRef="#br0" timeOffset="5">4246 3482 8164,'-10'-9'-1432,"4"3"1264,0 0 0,3 3 549,-3 0 0,3 2 308,-4 1-489,5 0 0,-2 1 81,4 2 1,-3 4-75,0 5 1,0 2 53,3 1 1,3 4-17,0-1 1,4 1-290,0 3 0,0-3-114,-1 0 0,3-1-130,1-3 1,-1 1 49,3-7 0,0 1-142,0-7 1,-2 0 131,3-3 0,-3-8 5,0-4 0,-1-6 213,0-4 0,-3-1-137,1-5 1,-4 3 241,3 0 0,-4 4 68,1 0 0,-2 5 106,-1 4 0,0 1-17,0 2-21,0 4 0,3 5-4,0 6 1,1 5-127,0 2 1,-3 4-90,2 2 0,2 0 102,1 2 1,-1-1-521,1-1 1,0-5 8,0-1 0,2 0-161,-2-1 0,3-3 578,0-6 0,0-2 0,1-1 0</inkml:trace>
+  <inkml:trace contextRef="#ctx0" brushRef="#br0" timeOffset="6">4516 3417 7918,'-5'0'458,"0"0"1,5 4-187,0 2 0,1 7-342,3 2 0,-2 1 104,4 3 0,0-3-359,3 6 1,-2-4 174,-1-2 0,0 0-143,3-3 0,-2-4 49,-1-3 239,0-4 1,2 2-45,-2-8 1,3-5 84,-3-6 1,-1-3 229,1-1 1,0 1-90,4-1 1,-4 2 174,0 1 1,-1 0-83,2 3 0,1 2-139,-2 5 0,2 1-19,2 5 1,-1 0-137,0 0 1,1 6-54,-1 3 0,0 1 97,1 6 1,2-2-421,0 2 1,1-2 167,-4-1 1,4-4-62,-1 0 0,0 0 118,-2-6 1,-1 0 29,0-3 0,0-1 232,-3-2 1,1-3 504,-4-3 1,3-1-346,-3-3 0,1 2-77,-4-5 0,0 4 1,0-3 0,0 3 8,0 0 0,0 1-262,0 2 1,-2 1 125,-1 2 0,1 1-311,-4 5 188,4 0 0,-2 1-49,4 3 0,-3 2 46,0 6 0,0 0 50,3 3 1,0 1-173,0 2 0,3-3 93,0-3 0,3 2-48,-3-2 0,4 0 90,0-2 0,1-2 160,1-2 1,0-1-44,1-1 0,0-3 89,3 2 0,-3-5-36,2-2 1,-1-3 248,-2 1 1,0 1 15,1-1 0,-2-1-85,-2-2 0,2 0-211,-1 0 0,1 0-27,1 3 0,-3-2-198,1 2 1,-1 0 130,3 0 0,-3 4-101,0-1 0,-2-1-87,2 1 1,-3 0 52,3 3 0,-3 0 246,3 0 0,-4 1-158,2 2 0,0-1 239,-1 4 0,3-3-115,-3 3 0,1-3-103,-1 4 1,-1-4-13,5 3-88,-5-4 1,5 3-305,-4-2 113,4-2-144,-2 4 0,5-5 134,-1 0 0,-3 0 352,0 0 0,1-5 0,2 0 0</inkml:trace>
+  <inkml:trace contextRef="#ctx0" brushRef="#br0" timeOffset="7">5344 3324 8088,'0'-5'442,"0"-3"1028,0 6-511,0-2-671,0 17 0,0-5-238,0 11 0,1 1 153,3 5 0,-2-1-557,4 1 1,-4 0 245,1 3 1,1 0-382,-1-1 0,3 0 39,-2-2 450,3-2 0,-6-4 0,3-1 0</inkml:trace>
+  <inkml:trace contextRef="#ctx0" brushRef="#br0" timeOffset="8">5195 3454 9025,'10'0'292,"3"0"-437,3 0 1,4 0-569,2 0 0,7 0 69,-1 0 1,6-1 643,0-2 0,7-2 0,1-4 0</inkml:trace>
+  <inkml:trace contextRef="#ctx0" brushRef="#br0" timeOffset="9">6033 3268 8016,'-6'0'184,"0"0"44,4 0 0,-2 1-179,4 2 0,0 7 128,0 5 1,4 8-110,2 5 1,3 5 2,4 7 1,1 3-402,5 3 1,0 0 201,-1-3 0,0-7-288,-3-8 0,2-8 123,-5-8 0,1-6 68,-4-6 0,0-10 286,1-8 1,-2-9-110,-2-7 1,1-3 351,-4 0 0,1-3-157,-4-1 0,3 1 419,0 3 1,0 5-160,-3 4 0,0 4 439,0 5-624,0 1 1,0 8 305,0 7-442,4 15 1,-3 7 69,2 9 1,1 4-405,-1 3 0,4 1 162,-4 1 0,1 0-272,-1 1 0,-1-6 75,4-4 0,-1-6-72,2-6 0,1-4 453,-2-6 1,2-4-43,2-8 0,-1-2 77,0-11 0,0 2-60,-3-8 1,2 0-14,-2-3 0,3 3-218,0 1 0,0 0-231,0-1 1,1 2-98,-1 5 1,-1 2 485,-1 0 0,5 1 0,-2-4 0</inkml:trace>
+  <inkml:trace contextRef="#ctx0" brushRef="#br0" timeOffset="10">6695 3371 8016,'-10'0'1414,"1"0"1,0 0-1222,-1 0 1,4 0-221,0 0 1,0 0 132,-4 0 1,1 3-344,0 0 1,-1 4 112,1-1 1,3-1 1,0 2 0,3 0 16,-4 5 1,5-1-134,-1 1 1,2-2 187,1 0 1,1 0 46,2 2 0,2-1 102,5 1 0,-1-5-126,0 0 1,2-1 236,1 3 0,-5-3-57,3 1 1,-3-4 67,2 3 1,-3-1-122,1 1 1,-5 3-224,1-3 0,-2-1-178,-1 1 0,0 0-446,0 4 1,-4-4 48,-2 0 0,-3 0 699,0 4 0,0 3 0,-1 1 0</inkml:trace>
+  <inkml:trace contextRef="#ctx0" brushRef="#br0" timeOffset="11">6890 3557 8051,'6'0'3212,"0"0"-2303,-3 0-463,5 0-446,-3 0 0,4 4 0,1 1 0</inkml:trace>
+  <inkml:trace contextRef="#ctx0" brushRef="#br0" timeOffset="12">6294 8836 8370,'-5'9'0,"-2"-1"86,4 1 0,0-2 142,3 6 0,4 1-94,2 2 0,3 1-140,4 2 0,1-1-128,5 1 1,-2-4 153,-1 1 0,1-2-61,-1 2 1,1-3 116,2-3 1,0-2-140,-1-2 1,1-2 81,0-4 0,-1 0-31,1 0 0,-1-4 111,1-2 0,1-2 14,1-2 0,-1 0 85,2-2 0,-2 0-80,-2-3 1,4 3-9,0 0 0,0-1-14,0 0 0,-1 4 129,4 3 0,-1 3-149,4-4 0,0 5-3,0-1 0,1 7-37,2 6 1,-1 0-175,4 5 1,-3 2-89,4 5 1,-5-2 216,1 5 1,-1-3-216,1 3 1,-6-5 39,3 2 0,-2 1 127,2-1 0,0-1 42,0-2 0,-1 0 98,-2-1 1,1 1-86,-5 0 0,4-1 22,-3 1 0,0-1-47,-4 1 0,1-3 41,0-1 0,0 1-2,3 2 1,-6 0-13,3-3 0,-3-1 81,-1-5 1,2-4-167,-5-2 0,0-2-157,-2-1 0,-1-4 205,0-2 1,1-3-5,-1-4 1,0 2 35,1-5 1,-1 0-63,0-6 0,1 2 253,-1-1 1,3 2-73,1 4 0,0-2 166,0 5 1,0-4-24,3 4 0,0 2-125,-3 4 1,3 4-78,0-1 1,1 2-15,2 1 0,-1 0-52,1 0 0,0 1 97,-1 2 0,4 2-186,0 5 1,-1-2 89,-2-2 0,1 2-57,1-1 1,-1 1 56,2 1 1,-2-4 1,-2-2 0,1 2 2,-1-2 1,4 0 0,0-3 1,1 0 1,-2 0 1,0 0 7,4 0 0,0 0 184,3 0 0,-4 0-111,1 0 0,1 0 15,5 0 1,-2 0-27,2 0 1,-1 1 10,1 2 0,-1-1-33,4 4 0,0-3-15,4 4 1,-1-4-117,0 3 0,0 0 148,1 3 1,-1-2-38,0-1 0,1-1 15,3 1 0,-2 1-76,5-4 1,-5 1 110,1-4 1,2 0 3,-2 0 1,3 0 72,-2 0 1,-1-1-104,-3-3 0,2 3-84,1-2 1,-1-2 88,5-1 1,-5 1 7,1-1 1,-4-1 0,-2-2 0,1 0 49,5-1 1,-4 1-86,5 0 0,-5-1-6,4 1 0,0-3 32,0-1 1,-5-2-1,2 2 0,-1-2 137,1 2 1,1 0-75,2 1 1,2 0-36,1-3 0,-1-1-8,-5-2 1,0-1-203,0 0 0,-3-2-261,-3-1 1,-6-1-487,0 1 0,0 3-235,3-3 0,-4 1 1111,-2 0 0,-1 1 0,2-2 0,2 3 0,-2 0 0,-3 0 0</inkml:trace>
+  <inkml:trace contextRef="#ctx0" brushRef="#br0" timeOffset="13">1276 11387 8009,'-5'-14'0,"0"0"184,-4 5 79,0 4 1,3 3 5,3 8 1,2 2-28,1 11 1,0-1 113,0 10 1,0 3-56,0 10 0,4 2-388,3 7 0,-5-23 0,1 1 201,0 1 1,0 1 0,0 1 0,0 1-106,2-1 0,0 0 0,-2 2 0,0 0-134,0 0 0,0-1 1,-2-2-1,1-2-446,4 19 0,-4-6 232,1-7 1,-1-4-1007,-2-8 387,0-4 548,0-13 0,0-9 190,0-9 0,0-4 16,0-5 1,0-2 597,0-4 0,-4-1-394,1-2 0,-8-2 0,1-4 0</inkml:trace>
+  <inkml:trace contextRef="#ctx0" brushRef="#br0" timeOffset="14">1173 11527 8030,'0'-21'125,"0"3"0,0 2 187,0 0 0,1-1 50,2 1 0,4 2-94,5-2 1,3 4-199,7-4 1,2 5 115,4-1 0,1 2-79,2 4 0,-2 2 96,2 4 0,1 5-233,-1 4 0,-4 6-30,-5 7 1,-4 3-43,-2 6 1,-3 3 84,-3 6 1,-5 2-392,-2 5 0,-4 0 584,-5-1 1,-5 6-130,3-24 1,-2 0 0,0-2 0,0-1 4,-1 2 0,0-1 0,-8 19 6,-3-5 1,3-6-232,4-3 1,1-10-570,5-6 114,0-7 0,2-4 149,1-4 0,4-7-137,-1-3 1,6-6 615,3-3 0,-2 5 0,1-4 0</inkml:trace>
+  <inkml:trace contextRef="#ctx0" brushRef="#br0" timeOffset="15">1806 11369 8021,'-9'-10'-182,"0"1"0,2 4 1226,1 2-605,4-3 1,-2 10-49,4-1 0,4 5-163,2 4 1,3 7-26,0 6 0,0 6 54,1 3 1,-2 6-177,-2 4 1,2 2-476,-1 4 0,-2-1 199,-2-23 0,0 0 0,-1 25-446,1-1 0,-1-6 310,1-10 1,-1-3-60,5-6 0,-4-3 141,3-7 0,-3-5-315,3-7 0,-4-7 194,1-6 1,-2-4 136,-1-8 0,0-6 254,0-6 1,0-3-22,0-3 0,-4-6 203,-2-4 0,-2 1-189,-2 2 1,0-1 110,4 21 1,0 1 0,-5-24-43,5 22 1,0 0 0,0-20 587,3 1 1,2 6-245,1 7 0,7 7 270,2 8 0,6 9-177,-3 7 1,6 2-71,0 1 0,1 2-248,3 4 0,-3 0 39,0 6 1,0 3-234,-1 0 1,-3 0 386,-3 0 1,-3 1-503,-2 3 1,-2-1 99,-2 1 0,-3-1-97,0 1 1,-4 0 51,-6-1 0,-3 2 68,-3 2 1,-1-3-22,-2 3 1,-3-3 12,1-4 1,-4-1-135,3-5 1,-2-1 105,6-2 0,-2-1-160,8-5 0,0-1 50,6-3 1,2-1 18,4-4 1,4 1 108,2 2 1,4-3 14,2 3 0,4 2-31,5 1 1,0 2 10,4 1 1,0 0 112,3 0 0,-2 4-109,-1 2 1,1 3-43,-4 4 1,3 2 57,-4 7 1,-3-1 98,-6 4 0,-5-2-13,-4 2 1,-2 4 155,-1-4 1,-8 4-63,-5-4 1,-7 1-124,-1-1 0,-4 0-203,3-3 1,-3 0 98,4-4 0,-1-3-433,3-3 1,2-2 218,1-4 0,3 1-498,3-4 1,4 0 144,0-3 1,4-4-471,-1-2 1071,6-2 0,2-6 0,4 0 0</inkml:trace>
+  <inkml:trace contextRef="#ctx0" brushRef="#br0" timeOffset="16">2439 11815 8005,'10'0'0,"-1"0"0,-1 2 1123,-1 1 0,1-1-468,-2 4 1,2-1-1652,2 1 996,-1 3 0,0-4 0,1 4 0</inkml:trace>
+  <inkml:trace contextRef="#ctx0" brushRef="#br0" timeOffset="17">2691 11341 8449,'-9'0'0,"2"-3"-314,1-1 237,4-3 0,-5 5 149,4-4 0,4 4 6,5-1 0,2 2-2,2 1 0,3-3 20,2-1 0,3 1 7,1 3 0,3-3 70,3 0 1,2-3-85,1 3 1,4-4-66,2 0 0,5-1 77,4-1 1,-3 3-261,7-1 0,-6 4 248,3-3 0,-4 4-15,4-1 0,-5 2 5,1 1 1,-3 3-65,-2 0 0,2 4-93,0 0 1,-3 1 138,4 1 1,-6-3 25,2 1 0,0-4-22,3 3 0,1-4 29,3 1 1,-2-2-34,4-1 0,1 0 94,2 0 1,1-1-392,0-2 1,0 1 312,3-4 1,1 3-66,-25-1 0,0 1 0,25 0-11,-4-3 0,2 4-33,1-1 0,2 1 78,-6-1 1,3 2 156,-6-2 1,3 2-152,0 1 1,1 0 29,-1 0 0,-2 3-9,-1 0 1,2 0 19,4-3 1,2 0-58,2 0 1,-3 0-11,-7 0 0,4 0-114,-1 0 0,3 0 139,0 0 1,1 3-61,-6 0 0,1 0-137,2-3 1,1 3 126,-1 0 0,-2 0 3,-4-3 0,-2 1 2,4 3 0,0-2 23,0 4 1,-1-4 1,-5 1 0,0 2-11,0 1 0,4 0 8,-1 0 0,0-3 65,-2 3 1,0-1-62,2 1 1,2-1-7,1-5 1,0 0-7,-3 0 0,-1 0-2,5 0 0,1 0-91,2 0 0,0-1 95,-6-3 0,2 3-25,-3-2 1,4 2 13,-4 1 0,1 0-18,-4 0 0,1 1 9,2 2 1,-1-2-25,1 3 0,-2-3-54,0-1 0,0 1-9,2 2 0,0-2 51,3 2 0,-3-2-21,4-1 0,-1-3 200,4 0 1,-4-1-110,1 0 0,-1 0 188,4-2 1,0-1-126,3 4 1,-2-3 20,1 2 1,-4 1-59,-2 3 0,-3 0 44,4 0 1,-2 0-148,2 0 1,0-3 117,-3 0 0,3 0-171,0 3 0,-3 0 84,-1 0 0,2 0-102,-2 0 1,4 0 105,0 0 1,0 0 12,0 0 1,-2 0 3,-1 0 1,-2 3 0,4 0 1,-3 5-35,0-2 0,-2 2-27,0 1 0,-1 1 26,0-1 0,-1 0 19,-2 1 1,2-1 315,-5 0 0,4 0-265,-1 1 0,2-4 33,1 0 1,1-4-20,-1 1 0,3-2 12,1-1 0,2 0-22,-3 0 1,1-3 6,-4 0 0,4-3 94,3 3 1,-3 0-85,0 3 0,0 0-9,-1 0 1,1 0 12,-4 0 0,0 1-27,0 2 1,2-1 41,1 4 1,1-3-11,3 4 1,1-5 52,-1 1 0,2-2 48,4-1 1,2 0-123,-24 0 1,0 0 0,0 0 0,-1 0-85,1 0 1,0 0 0,2 0 0,-1 0 131,1 0 0,-1 0 1,3-2-1,-1 1-41,0-1 1,0 1 0,1-3 0,1 1-31,-1 2 0,1-1 0,-1 0 0,1 1-18,-1 1 0,1 0 0,3 0 0,-1 0-90,1 0 0,0 0 1,2 0-1,-1 0-725,-1 0 1,0 0 0,2-1 0,1-1 111,1 0 1,1 1 707,4-1 0,1 1 0,-3-1 0,1 1 0,3-1 0,1 1 0,1-1 0</inkml:trace>
+  <inkml:trace contextRef="#ctx0" brushRef="#br0" timeOffset="18">9255 6611 6314,'-5'1'-371,"2"2"371,2-2 0,-3 3 0,-2-4 0</inkml:trace>
+  <inkml:trace contextRef="#ctx0" brushRef="#br0" timeOffset="19">9208 6499 8194,'0'-6'-2,"0"0"1,-3 2 66,0-2 0,-1 4-145,1-1 332,2 2-136,-3 1 1,4 5 46,0 5 1,0 7-40,0 8 1,0 4 7,0 5 1,0 5-55,0 11 0,0-22 1,0 1-286,0 3 1,0 1 0,0 6-1,0 1 273,0 4 1,0 2-1,2 1 1,0 2-515,1 2 0,0 0 1,0 1-1,-1-1 487,1 0 1,1 0 0,-2 0 0,2 1-66,0-1 0,1 0 1,0-4-1,-1 0-239,1-2 1,0 0-1,-1-2 1,1 0 180,0-1 1,-1 0 0,1-2-1,0 1-166,-1-1 1,1 0 0,0-5 0,-1-1 219,1-2 1,0 1 0,-1-2 0,1 0 118,0-2 1,-1 1 0,0-3 0,0 1-120,3 21 0,1-5 13,-2-4 1,-1-7 693,2-5 1,-5-1-936,1-5 1,1-8 1239,-1-5-1469,0-5 0,-4-4 748,-2-7 0,-6-13 0,-6-5 0</inkml:trace>
+  <inkml:trace contextRef="#ctx0" brushRef="#br0" timeOffset="20">9218 6620 8312,'1'-18'68,"2"3"0,-2 0 189,2 3 1,3 2-149,4-3 0,4 0 29,8 0 1,3-2-62,6 2 1,3-3 65,6 0 1,3 2-556,3-2 0,1 6 356,-1 1 1,1 0 175,-1 6 0,5 0-208,2 3 1,-2 0-1,2 0 1,-1 3 74,-26-1 0,1-1 0,2 1 0,0 0 41,-1-2 1,0 0 0,1 0 0,0 0 0,1 0 1,-1 0-1,1 0 1,0 0-4,1 0 0,1 0 0,1 0 0,0 0 5,-2 0 1,0 0 0,0 0-1,0 0 68,-3 0 1,0 0-1,0 0 1,0 0-61,0-1 0,-1 2 1,1-1-1,-1 1 56,0 0 0,-1 1 1,22 3 0,-5 4 0,-4 0-253,2 1 0,-7 2 103,-3 1 1,-4 2 34,-5-2 0,-2 0 40,-7-1 0,-2 2-20,-5 1 0,-2 2 0,-4-5 1,0 1 292,0-4 1,0 0-303,0 1 0,-3-1 121,0 0 1,-3 2 55,3 1 0,-3-2 11,3 3 1,-4 1 115,4 2 1,-3 2-195,3 4 0,-3 0 4,3 6 1,-4 3-139,4 9 0,-4 4-170,1 5 1,2-22 0,1 1 119,0 1 1,-1 1 0,0 3 0,0 0 70,1 0 0,0 0 0,-1 2 0,0 1-90,-1 0 0,0-1 1,1 1-1,0 1-234,1-1 0,0-1 0,-1 0 0,0-2 288,0-1 1,1-2 0,0 3-1,-1-1 20,1-1 0,0 0 0,-1-3 1,1 1-167,1-1 1,1-1 0,-3 23 290,4 0 1,-3-2-103,0 2 0,0-8 177,3-1 1,-3-3-107,0-4 1,-4-2-108,1-1 1,0-4 328,0-5 0,3-1-723,-3-9 990,4-4-1052,-7-4 0,4-4-92,-4 0 1,0-1 58,-1-2 1,-2-1 528,0-2 0,-9-6 0,1 1 0</inkml:trace>
+  <inkml:trace contextRef="#ctx0" brushRef="#br0" timeOffset="21">9460 8752 8157,'-9'-4'0,"-1"2"-111,1-4 0,1 3 119,1-4 79,3 5 177,4-2-290,0 4 1,4 0 125,3 0 1,2 0 125,3 0 1,3 1-99,3 2 0,5-1 13,2 5 0,3-2-61,3 1 1,2 1 31,4-4 0,6 4-439,3-4 1,6 1 355,-23-2 0,1-1 0,-2-1 1,1 1-207,0 1 0,1-1 1,0 0-1,0-1 187,-1 0 0,1 0 1,0 0-1,0 0-58,0 0 1,-1 0 0,24 0 94,-1 0 1,-7 0-42,-5 0 0,-3 0-101,-2 0 0,-3 0 77,-4 0 1,-5 0-119,-1 0 0,-2 0 141,-2 0 1,-3 0 169,-3 0 0,-1-3-129,-2 0 0,-3-1 791,0 1-425,1 2-275,2-3 1,0 2-34,0-1-23,-3 2-546,2-3 0,-6 4 78,4 0 387,-4 0 0,7 0 0,-4 0 0</inkml:trace>
+  <inkml:trace contextRef="#ctx0" brushRef="#br0" timeOffset="22">912 4013 8450,'-4'-5'258,"-2"2"230,2 2 1,-3 3-186,4 4 1,0 8-1,3 11 1,0 11-161,0 8 1,0-14-1,0 2-512,0 4 1,0 2 0,-1 5 0,0 1 372,0 4 0,-1 1 1,0-14-1,-1 0 0,0 1-177,-1 3 1,0 0 0,0 1 0,-1 2-1,-1 0 1,1 0 188,1 1 0,0-1 0,0 1 0,0 0 1,-1 1-1,1 0-246,1-1 1,0-1 0,0 0 0,1 0 0,0 0 0,0-1 223,0 1 0,-1-1 1,2 1-1,0-1 0,0 0 1,1 1 26,-1-2 0,-1 1 0,1-1 0,1-1 0,0 0 0,-1 0-204,1-2 0,0 0 0,0 0 0,1 1 0,1 0 0,0 0 224,-1 2 1,2 0 0,-1 1 0,0 1-1,1 1 1,-1-1-16,0 1 0,0-1 0,0 1 0,1-1 1,-1 1-1,0 0 79,0-2 1,-1 1-1,0-1 1,0 1-1,0-1 1,0 1-44,-1 1 1,0-1-1,0 1 1,0 0-1,0 0 1,0 0 52,0-3 1,0 1 0,0-1-1,-1 1 1,1 1 0,0-1-15,-1-3 0,-1-1 0,2 0 0,-1 0 0,1 1 1,-1 0-32,1-2 0,-2 0 1,1 0-1,1 2 0,0-1 1,-1 1-13,1-2 1,0 1-1,0-1 1,0 16 0,0 0 60,0-4 0,0 0 1,0 1-1,0 1-48,0-1 1,0 1 0,2-3-1,0-1 35,2-1 1,-1 0-1,-1-4 1,1 0 2,0-2 1,0-1-1,0 0 1,1 0-60,2-1 0,1 0 0,-2-5 1,0-1-130,1-1 0,0-1 0,5 22 419,-2-1 1,1-4-650,3-2 1,-3-8 103,3-8 0,-3-2 737,-1-8 1,2 2-905,1-8 1,-2 0 859,3-6 0,-2 1-383,2-4 0,-2 0 306,5-3 1,-1 0-252,4 0 0,-1-1 188,1-2 1,4 1-246,2-4 0,1 0-99,2-4 1,1 4 16,2 0 0,2 0-247,5-3 0,-1-1-88,0 1 0,4 0-62,-1-1 0,4 0 105,0-2 1,-3 1 140,0-1 0,-3 1 99,-1 2 1,0 3 222,1 0 0,-4 3-165,0-4 0,-4 5 89,1-1 1,-5-1 29,-1 1 1,-6-3-52,0 3 0,-5-5-66,-4 2 0,-2-3 50,-2-3 1,-2-4-148,-4-6 1,0-2 242,0-3 1,-4-9-277,-2-1 0,-2-10 87,-2-3 0,6 23 1,-1-1-179,0-1 0,1-1 1,0-2-1,1 0 336,0-2 0,0 0 1,2-2-1,0-1-323,0 2 1,-1-1 0,1-1 0,1 0 299,0 0 0,0 0 0,0-3 0,0-1-48,0 1 0,0 0 0,0-1 0,0 0-100,0 2 0,0 0 0,0 0 1,0-1 35,0-2 0,0 0 0,0-3 1,-1 0 14,0 0 1,-1 0-1,-2-2 1,-1 0-382,-3 2 0,0 0 0,1-3 0,0-1 301,-1 0 1,0-1 0,3 15 0,0-1 0,1 1 3,-1-1 1,-1 1 0,1 0 0,0-1 0,-1 0 0,1 0 6,-2-13 1,1-1 0,0 0-1,0 0 38,1 0 1,0 0 0,2 1 0,0-1-261,0 3 1,0 1 0,2 2-1,0 1 374,-1 4 1,1 1 0,0 0 0,1 0-58,0 1 1,0-1 0,0 0-1,1 0-17,0 1 1,1-1-1,0 0 1,1 1-27,2 3 0,-1 0 0,0-2 0,-1-1-37,0 2 1,0-1 0,0-2 0,0-1-64,2 1 0,-1-1 0,0 0 0,-1 0 35,0 2 1,0 0 0,-2-1-1,0 1-111,0 0 1,1 0 0,-1-2 0,-1 1 54,0 1 0,0 0 1,0 1-1,-1 0 214,0 5 0,-1 0 0,0 1 1,-1 1-158,-2 3 1,0-1 0,-5-24 551,-2 7 1,1 5-470,-1 11 1,-2 4 627,2 2 0,-4 3-405,4 0 1,0 5 492,2 1 1,1 3-868,0 1 1,-3-4 507,3 1 0,-2-1-623,4 4 1,-1-1 191,-1-3 0,3 3-145,-1-2 1,4-1 123,-3 4 1,0-3 5,-3 6 1,-4 2 146,1 1 1,-4 2-113,4 1 1,-6 1 141,0 2 1,-2 2-72,-5 5 1,3 0 89,-2 2 0,-1-1-59,-3 1 1,0 2-42,0-2 0,0 0-132,0-2 1,-1-1 122,-2 0 1,2 1-152,-2-1 1,2-1 73,1-2 1,0-1 31,0-5 1,0 0-9,0 0 1,1 0-6,-1 0 0,3-4-40,0 1 1,4-3 9,-1 3 1,4 0-18,2 3 1,3 0-14,4 0 0,0 1-600,3 2 1,2 2 260,4 5 1,0 0-1470,0 2 1902,4 3 0,5 3 0,6 1 0</inkml:trace>
+  <inkml:trace contextRef="#ctx0" brushRef="#br0" timeOffset="23">5884 6639 8237,'-9'0'-413,"0"3"-197,0 0 0,2 4 612,1-1 1,4 8-13,-1 4 0,2 6 614,1 7 1,1 6-370,2 7 0,0-17 1,0 1-220,3 2 1,1 2 0,0 3 0,0 2 198,2 3 0,1 1 0,1 4 0,-1 1-453,1 1 1,0 2-1,-2-13 1,-1 1 0,1 0 301,-1 2 0,0 0 1,1 1-1,1 2 1,0 0-1,0 1-9,0 1 0,1 1 0,-1-1 0,0 0 1,-1-1-1,0 0-24,-1-2 1,1 1-1,-1-1 1,-1-1-1,0 0 1,-1 0 39,2-2 1,-1 1-1,0-1 1,-1-1-1,-1 1 1,0-2-142,1 15 0,0-2 0,1-5 1,0-1-103,-1-7 1,0-1 0,0-3-1,0-2-250,-1-2 0,0 0 0,3 22-190,-2-10 0,2-4-55,-1-8 0,-3-4 584,-1-2 0,-1-8-717,1-5 800,-7-3 0</inkml:trace>
+  <inkml:trace contextRef="#ctx0" brushRef="#br0" timeOffset="24">5978 6397 8224,'4'-6'0,"1"-1"323,4 4 1,5 0-19,1 3 0,3 1-94,0 2 1,8 5 52,2 5 1,6 0-353,0 0 1,3-3-219,0 2 0,3-1 148,1-2 1,4-4 144,2-2 1,-1-2 25,4-1 1,-24-1 0,1-2-158,0 1 0,1-2 0,1-1 0,-1-1 151,3 0 1,0-1-1,0-1 1,0 1-137,-1 0 0,2 1 0,0-1 0,0-1 161,-1 1 1,0 1 0,3 0-1,0 1 125,2 1 1,-1 2 0,-1-1 0,-1 2-7,-1 0 0,1 2 0,-2-1 1,1 0-10,0 0 1,1 0 0,0 0 0,0 0-64,2 0 1,-1 0 0,-3 0-1,1 0-5,0 0 1,1 0 0,-2 0-1,1 0-76,0 0 0,1 0 0,1 0 0,0 0 48,1 0 1,-1 0 0,-1-1 0,-1 1-94,-1-2 1,0 0-1,1 2 1,1-1 67,1 0 0,0-1 1,2 0-1,-1 0-93,-2 1 0,-1-1 0,0 0 1,0 1 17,-2 1 1,-1 0-1,0-1 1,0-1 68,2 0 1,0 1 0,-1-1 0,0 1 54,0 0 1,-1 2-1,0 0 1,0 2-289,21 3 1,0 2 466,0 2 1,1-1-126,-25-4 0,0-1 0,25 6-71,-4-1 1,-1-1 57,1-2 0,-1 0-176,1-3 1,1-2 81,1 2 1,-1-2-16,1-1 1,-1 0-3,-1 0 1,-4 0-101,0 0 1,1 0 33,2 0 0,1 0 59,0 0 0,-2-1-5,-1-2 1,0 2 3,-4-2 0,8 1 46,-1 2 0,-1 0-27,1 0 0,-3-4 5,6-2 1,0-2-35,0-1 1,-23 4 0,0 0 21,-1 1 0,1-1 0,24-4-89,-24 4 0,-1 0 0,26-4 51,-26 4 1,1 1 0,20-3-19,-3 1 1,-5 4 23,1-1 0,2 2 57,-2 1 1,0 0-48,-2 0 1,-4 0-1,0 0 0,-1 0 299,1 0 1,-2 0-296,-4 0 1,4 3-28,2 0 0,0 0 40,0-3 1,-4 3-166,1 1 0,1 0 565,-1-1 1,-4-1-418,-6 4 0,-1 0 287,-1 4 1,-2-1-184,-1 0 0,-3 4 267,-3-1 0,-2 5-230,-2-2 1,1 4 161,-4 2 1,4 0-70,-4 4 1,0 3 7,-3 3 0,0 6-92,0 4 1,0-1-374,0 10 0,0-1 275,0-21 0,0 0 0,0 0 1,0 1-62,0 0 1,0 1-1,0 0 1,0 1-130,0 1 0,0 1 0,0 0 0,0 0-147,0 1 1,0 1-1,0-1 1,0 0 230,0 3 1,0 0-1,0-2 1,0-1 34,0 1 1,0 1 0,0-2-1,0 0 122,0 1 0,0-1 1,0-1-1,0 0-78,0 1 0,0 0 0,0-1 0,0-1 49,0 0 0,0-2 0,0 1 1,0-2-44,0 0 1,0-2 0,1 26-103,0-26 0,1-1 1,-1 22 98,2 2 1,-2-2 56,-1-2 0,0 1-272,0-1 1,0-4 204,0-5 0,-1-1-148,-2-5 0,2 1 293,-2-1 1,-1-2-243,1 2 0,-4-5 416,4-1 0,-1 1-504,1 5 0,-1-6 451,-2 0 1,-2-2-352,5-1 0,-4 0 339,1-4 1,-2 2-324,-2 2 1,3-6 164,-2 3 1,2-2-115,-6 1 1,2-2 16,-2-1 0,2-3-61,-5 0 1,1-5 5,-4-1 0,0-4-83,-3 2 0,-2-4 104,-4-4 0,-4-1 157,-2-4 1,-2 0-104,-1-1 0,-2 1 29,-1 0 0,-1 3 9,-3-1 1,-1 5 56,1-1 1,-5 2 229,0 1 1,-1 0 38,4 0 0,-1 3-172,0 0 1,1 4-165,-1-4 0,-2 1-114,-1-1 1,23-3 0,0 1 52,1 0 0,-1 1 1,-1 0-1,0 1-97,-3 0 1,0 0 0,-2 1 0,0 1 20,-2-1 0,-1 1 1,-1 0-1,1-1-249,0 1 1,0 0 0,0-1 0,-1 1 344,0 0 0,-1-1 1,-2 1-1,1 0-4,0-1 1,0 1 0,0-1 0,1 1 17,4 0 1,0-1 0,-1 1 0,-1 0-32,-3-1 0,0 1 1,0 0-1,0-1 73,-2 1 0,1 0 0,1 0 0,1 0-32,1 1 1,0 1-1,1-2 1,-1 0-13,-1 1 1,-1 0 0,-1-2-1,1 0-17,0-1 0,1 0 0,-1-1 0,0 1-56,2 0 0,-1 0 0,0 1 0,-1-1 57,0-1 1,0-1 0,-1 1-1,0 0-6,1-2 0,0 0 0,0 1 0,-1 1 7,2-1 1,-1 1-1,0-1 1,0 1-2,-3-2 1,0 0-1,5 0 1,0 0 25,-2 0 0,0 0 1,3 0-1,-1 1-29,0 0 1,-1 1 0,1 0-1,0 0 120,0 1 1,-1 0 0,3 1-1,0 0 0,1-3 1,0 1 0,1 1 0,0 0-126,0-1 1,0-1 0,2 1 0,0 0 41,0 0 0,0-1 1,2 0-1,0-1 3,0 2 0,-1-1 1,3 0-1,1-1-51,-27 0 1,3 0 79,-3 0 0,9 0-90,0 0 0,5-4 158,2-2 0,3-2-216,0-2 0,5 1 53,1 0 1,3 1 92,3 1 1,6-1-260,-3 2 1,7 2 640,-1 1-1230,3 2 0,2 2 685,1 2 1,3-1-853,4 4 1,1-3 971,2 3 0,7 1 0,4 2 1</inkml:trace>
+  <inkml:trace contextRef="#ctx0" brushRef="#br1" timeOffset="25">5819 10884 8176,'-9'0'0,"1"1"-148,1 3 1,3 1 140,4 4 0,0 2 502,0 5 0,0 5-106,0 10 1,0 6-191,0 6 1,3 7-287,-1-24 0,0 1 0,-1 1 0,1 1 54,-2-1 0,0 0 0,0 24-84,0-8 1,1-7 100,2-6 0,-2-7-1032,2-6 764,2-7 0,-4-8-264,2-6 0,1-7 1,-1-5 547,1-3 0,0-9 0,1-2 0</inkml:trace>
+  <inkml:trace contextRef="#ctx0" brushRef="#br1" timeOffset="26">5801 10912 8176,'-10'0'180,"1"-3"-340,0 0-109,4-4 0,0 5 499,5-4 1,5 2-64,1-2 0,5 4-73,2-1 0,0 1-58,-1-1 0,2 2-42,1-2 0,3 2 44,-3 1 1,0 0-19,0 0 0,-3 0 54,0 0 1,2 0 100,-2 0 1,1 0-60,-4 0 0,-3 0-73,0 0 1,-1 1 224,2 2 0,-3 2-114,-4 4 0,0 2 86,0 1 0,0 3-92,0 3 0,0 5 73,0 2 0,0 2-120,0 1 1,0 5 7,0 4 1,0 0-35,0 4 0,0 0-74,0-1 0,0 0-56,0-6 0,0 1 88,0-4 1,0-1-470,0-5 0,0-6-27,0-3-624,0-5 640,0 3 1,-4-10-92,-3-4 0,-1-1 161,-1-5 1,0 3 219,-1-4 0,0 2 229,-3-1 1,2-1-122,-4 4 1,2-4 442,-2 4 1,2 0-229,-2 3 0,3 0 737,0 0-156,2 0 166,0 0-332,5 0-387,1 0 1,5 0 169,2 0 1,3 0-105,7 0 1,-2 0-247,5 0 1,-1 0 138,4 0 1,-1 0-614,1 0 0,-3 0 115,-1 0 0,0 0-80,0 0 1,2-3-648,-5 0 0,0-1 1072,-2 1 0,-1-2 0,0-5 0</inkml:trace>
+  <inkml:trace contextRef="#ctx0" brushRef="#br1" timeOffset="27">4758 10363 8332,'-9'-4'-1032,"-1"3"1295,5-7-16,1 6 1,4 2-121,0 7 0,1 8 249,2 4 0,2 10-78,5 2 0,-1 8-187,0 5 1,-3-19-1,1 1-233,-1 1 1,0-1-1,2 2 1,0 0 25,4 22 1,3-3-165,-2-6 0,2-4 135,-2-12 0,-1-6 24,-2-13 0,-2-2 85,-2-8 1,1-6-75,-4-8 1,4-6 56,-4-7 1,3 0 5,-3-7 0,0 3 9,-3-5 1,0 2 13,0 0 0,0 4 193,0 0 0,0 8 197,0 1 0,0 9-79,0 3-227,0 7 0,0 6 200,0 6 0,0 8-111,0 5 0,0 3 93,0 6 0,0 3-74,0 0 0,3 3-25,0-3 0,3 0-213,-2-3 0,3-4 108,-1-2 0,3-8 61,4-4 1,-3-5-64,3-5 0,0-5-256,-1-5 1,2-7 17,-2-8 0,-1-6-30,1-3 0,0-2-454,-2-2 0,1 2 279,-5 2 0,2-2-438,-2 2 0,-1 5 44,-2 1 692,-2 6 0,3-5 0,-4 3 0</inkml:trace>
+  <inkml:trace contextRef="#ctx0" brushRef="#br1" timeOffset="28">5289 10186 8332,'0'-6'-502,"0"0"1,-1 4 838,-3-2-22,3-1 570,-3 4-540,4 10 0,0 4 22,0 15 0,0 2-7,0 7 0,0 6-64,0 3 0,0 5-457,0-23 0,0 0 0,1 1 0,-1 1 138,2-1 0,-1 1 1,1-1-1,1 0-34,-1-3 0,2 0 0,4 17 164,-2-9-516,2-8 301,2-8 0,-4-12-29,0-10 1,-4-4 65,1-4 0,-2-3 4,-1-3 0,0-2 344,0-2 1,1 0-358,3-3 0,-2-2 78,4 2 1,-3 2-12,3 1 0,-1 4 29,2 2 1,1-1-53,-2 1 0,2 6 17,2 1 1,2 5-19,0 1 0,2 3 56,-2 3 1,0 7-21,3 5 0,-2 3 11,2 1 0,-5 2 204,0 1 0,-2 3-131,-5-3 0,3 3 270,-3 0 1,0 2-92,-7 1 1,-2-4 91,-6-2 1,-3-3-117,-3 0 0,-1-8-330,0-1 1,1-4-119,-1 0 1,2-2 138,1-4 1,0 0-817,3 0 0,4-1 409,3-2 1,4-2 477,-2-5 0,3-3 0,1-1 0</inkml:trace>
+  <inkml:trace contextRef="#ctx0" brushRef="#br1" timeOffset="29">5763 10586 8270,'-9'-9'-1013,"3"0"760,0 0 0,4-1 999,-1 1-66,1 0-322,2-1-20,0 5 0,5 2-148,1 6 0,2 6 160,1 7 0,2 6-109,1 2 1,2 3-192,1 1 0,2 3 103,-5 0 1,4 1-109,-4-1 1,4-2-62,-4 2 0,0-6-166,-2-3 1,-2-6-138,-2-4 131,2-2 126,-7-5 0,-1-3 55,-6-6 0,-2-6-284,-1 1 1,-4-4 82,1 1 1,-5-3 159,2-3 0,-2 3 47,2 3 0,1 2 121,5 0 1,0 2 263,-1 2 0,4-1 32,0 3 301,4 1-435,6 16 0,3-6-85,9 9 0,-4-2 3,4-2 0,-1 1-185,4-4 1,-1-4 14,1-2 1,-1-2-224,-3-1 0,3-4-594,-3-2 0,0-2 392,0-1 0,-3-4-1464,0 1 1859,-2-5 0,4 3 0,0-5 0</inkml:trace>
+  <inkml:trace contextRef="#ctx0" brushRef="#br1" timeOffset="30">5987 11005 8457,'-1'-6'0,"-2"0"0,2 3 30,-2-3 441,-3 4-128,1-3 1,-4 5-331,0 0 0,2 2 134,1 1 0,-3 6-84,-4 6 0,1 4 72,3 3 1,-1-3-84,1 3 0,0 1 133,0-1 0,3-2-331,3-4 1,2-3-284,1-3 135,0-5 0,4-2 68,3-6 1,5-8 148,3-7 0,0-5 53,0-5 1,-2 1-34,2 2 1,-3 0 137,0 3 0,-1 0-81,-2 3 1,-1 8 299,-2 2 1,-2 7 43,-4 2 0,-1 12 41,-2 10 0,-2 5-45,-4 4 0,0 5-175,-1 4 0,4 2-279,0-2 1,3-3 229,-3 1 0,3-5-94,0-5 0,2-5 65,1-1 1,1-7-433,2-6 1,0-4 136,3-5 0,0-7-45,3-2 0,-3-7 72,1 1 0,-2-7 114,1-3 1,2 1 303,-1-1 0,-2 6-364,1 0 499,-4 0-102,2 9 193,-4 1 1,-1 13-331,-2 8 1,1 9-333,-4 4 1,1 2 198,-2 1 0,-1 0 0,3 0 0</inkml:trace>
+  <inkml:trace contextRef="#ctx0" brushRef="#br1" timeOffset="31">10288 8780 8125,'-9'0'0,"0"-1"233,0-2 1,2 2 426,1-2 0,0 2-327,-3 1 0,2 4-94,1 2 1,0 3-294,-3 4 1,-1 1 78,1 5 1,0 3-326,-1-1 1,1 4 103,0-3 1,0 0-79,-1-4 1,4 0-66,0-3 0,1-4 339,-2-5 0,-1 0 0,3 4 0</inkml:trace>
+  <inkml:trace contextRef="#ctx0" brushRef="#br1" timeOffset="32">10233 8883 8125,'6'-6'-8,"0"3"0,0 2 850,4 1 1,-1 0-272,0 0 0,5 4-318,1 3 1,3 4-15,0 1 0,-2 5-182,-1-2 0,1 3-181,3 1 0,-5-4-438,-2 1 1,-1-4 121,-2 4 0,-1-8-425,-1 1 1,-3-2 864,-4 3 0,-9-1 0,-1 0 0</inkml:trace>
+  <inkml:trace contextRef="#ctx0" brushRef="#br1" timeOffset="33">10288 8938 8125,'-9'0'1044,"4"0"0,1 6-531,4 3 0,1 6-143,2 10 0,6 6-117,7 13 0,-7-19 0,-1 2-490,2 6 0,-1 0 0,0 1 0,1 0 343,-1 1 0,0 1 0,-1 1 1,0-1-345,0-2 0,-1 0 0,-1-1 1,0-1 151,0 0 1,0-2 0,3 20-1179,-2-4 0,0-12 1264,-4-6 0,3-7 0,-3 1 0,0-2 0</inkml:trace>
+  <inkml:trace contextRef="#ctx0" brushRef="#br1" timeOffset="34">9162 10996 8108,'-5'6'176,"2"1"1,2-1 42,1 3 0,0 6 186,0 3 1,3 6-235,0 7 1,4 3-99,-1 6 1,-1 1-500,2 5 1,-2-5 387,1 2 0,1-5-409,-4-3 0,0-3 288,-3-4 1,1-10-616,3-5 366,-3-7 408,3-10 0,-8-6 0,-2-4 0</inkml:trace>
+  <inkml:trace contextRef="#ctx0" brushRef="#br1" timeOffset="35">9171 10922 8173,'-3'-10'-616,"0"1"1801,-4 0-244,6 4-794,-3 0-79,4 5 0,1 1-63,2 3 0,-1-2 9,4 4 1,0 0-144,3 3 0,1-2 101,-1-1 1,0-3-123,1 3 1,-1-3 71,0 3 0,-2-4 78,-1 2 134,0-3 1,3 2-32,1 0 35,-1 0 1,-1 1 24,-2 2 0,3 2 120,-3 2 1,-1 3-163,1 3 1,-1 5-14,2 4 1,1 9-171,-2 4 1,-1 5 104,2 1 0,-4 1-336,3 2 1,-4-2 275,1-1 0,1-7-135,-1-6 0,0-6 48,-3-4 0,0-5-87,0-4 1,-1-5 209,-2-4 1,-2-2-2,-4-1 0,-1-1 94,1-2 0,0-3-87,-1-3 1,-2-1 187,0-3 0,-1 2-195,4-5 1,0 4 150,-1-3 0,2-1-113,2-3 1,-1 1-46,3-1 0,1 2-14,3 1 0,0-2-11,0 3 0,3-3-32,1 0 0,2 0 60,-3 3 1,3-3 15,-3 3 0,3-2-33,-2 1 1,-1-1 254,-3 1 1,0 3 48,0 1 0,0 1 435,0 2-617,0 4 1,0 2-32,0 6 1,0 6-244,0 7 0,-3 5 108,-1 4 0,1 6-126,3 3 1,-3 2 35,0 2 1,0-4-530,3 0 1,-1-4 36,-2 1 1,2-3-177,-2-3 1,2-4-305,1-5 1109,0-3 0,-4-3 0,-2-1 0</inkml:trace>
+  <inkml:trace contextRef="#ctx0" brushRef="#br1" timeOffset="36">8771 10028 8321,'-4'-6'0,"-3"-1"277,-1 5-2,3-2 0,1 12-163,4 5 1,1 3-6,2 3 1,2 4-102,5 2 0,-1 6 67,0 3 1,1-1 111,3 1 1,-2-4-258,5 1 1,-2-3 86,2-3 1,1-3-156,-1-7 1,-3-6 72,0-6 0,-2-3 122,2-3 0,-6-6-11,2-6 0,-3-6 14,1-1 0,-2-4-58,-2 1 0,-2 0 36,2 0 1,-2 5 42,-1 5 33,0 3-170,0-1 0,0 17 99,0 8 0,0 9 65,0 7 1,0 3-134,0 0 0,3 3-100,0-3 0,4 0 71,0-3 1,2-4-16,3-2 1,-1-8-17,1-5 1,-2-3 56,0-6 1,-2-2 315,-2-5 1,3-4-121,-3-11 0,-1-2-27,1-3 1,-3-1-181,3 0 1,-4 0-165,2 0 0,-3 0 62,-1 0 1,0 5 121,0 5 1,0 3-1196,0 6 618,4-1 598,-3 5 0,7-3 0,-3 3 0</inkml:trace>
+  <inkml:trace contextRef="#ctx0" brushRef="#br1" timeOffset="37">9506 10251 8257,'0'-9'-733,"0"-1"744,0-3 0,0 3 650,0-3 1,-3 0-284,0 1 0,-4-4-56,1 4 1,-3-1-78,0 4 1,-1 0 6,-3-1 1,2 2-292,-5 2 1,2 2 102,-2 4 0,0 5-112,4 4 0,-1 5 45,4 4 1,-1 5-21,1 2 0,3 2-4,0 1 1,4 0-90,-1-1 1,3 1-66,3 0 0,2-4 52,4-2 0,2-4-202,1-2 0,-1-4 81,5-5 1,-1-3 216,4-4 0,-4-4-28,1-3 1,-4-6 94,4-6 0,-6 0 108,0-6 0,-1 0-71,-3-3 1,-1 0 280,1 0 1,-3 4-122,0 3 1,-1 2 217,1 4 0,-2 4 172,2 5-340,-2 4-91,-1 10 1,0 4-19,0 9 0,0 2-342,0-1 1,0 4 122,0-1 0,3 1-803,0 2 1,4-4 410,0-2 0,-1-4 439,3-2 0,-2 2 0,7-4 0</inkml:trace>
+  <inkml:trace contextRef="#ctx0" brushRef="#br1" timeOffset="38">4711 11275 8455,'-9'0'-331,"0"5"1,3 0 110,3 4 1,2 0 459,1 1 1,1 3-72,2 3 1,3 1-131,3 2 0,3-2 23,1-1 0,2 2-122,-2-3 1,2-1 104,-2-2 0,2-3-9,-2-3 1,6-1 114,0-5 1,2-5-106,-3-1 0,4-9 120,0-4 1,2-5-117,-2 3 1,0-1 264,-3 3 0,-2 2-115,-1 1 0,1 4 130,-1 6 0,-2-2-49,2 5 1,-4 1-102,4 5 1,-2 2-70,2 5 0,0-1-139,-3 0 1,3 2 12,0 1 0,-2-3 135,2 1 1,-4-1-256,4-3 0,-1-1 114,4 2 1,-4-5-17,1 1 0,-2 1 108,2-1 0,1 0 135,-1-3 0,-2 0-101,2 0 1,-4 3 158,4 0 1,-1 1-78,4 0 0,-3-3-82,-1 2 0,1-2 10,2-1 1,1 0 30,-1 0 0,1 0-223,0 0 0,-2 0 27,-1 0 0,2-1-89,1-2 1,0-2-73,2-1 0,-4-2 115,-2 2 1,-2 1-674,2-2 0,0 4 31,0-3 738,3 4 0,-4-2 0,5 4 0</inkml:trace>
+  <inkml:trace contextRef="#ctx0" brushRef="#br1" timeOffset="39">8762 11508 8240,'-15'6'298,"3"1"-87,5-1 1,3 6-217,4 1 0,4 2 116,3-2 1,2 2-232,3-2 1,0-1 12,3-3 0,1-3 10,2 1 1,2-5 97,2 1 1,1-6 39,1-3 1,3-4 128,-2-2 0,5 0-158,1-3 0,-1 0 303,-5 0 1,2 1 39,-2 5 1,2 1 49,0 2 1,-3 2-214,-2 4 1,1 7-11,-1 2 0,2 6-195,-2-3 1,0 5 117,-4-2 0,4 0-64,0 0 1,4-4 76,-1 2 0,1-7-126,2-3 1,0-2 41,0-1 0,0-1-161,0-2 1,-1-2-47,-2-4 0,1-1-308,-5 1 1,3 1-680,-5 1 0,0 3 1160,-6 4 0,3 0 0,-1 0 0</inkml:trace>
+  <inkml:trace contextRef="#ctx0" brushRef="#br0" timeOffset="40">17979 4981 7796,'-9'4'30,"0"-3"-206,-1 3 1,4-3 991,0-1-451,4 0 464,-2 0-373,4 0 1334,0-5-1261,0 4 1,0-2 123,0 6-305,0 3 0,3 6-86,0 0 0,0 6 40,-3 1 1,0 4-52,0 8 1,0 5 6,0 7 0,0 3-337,0-19 0,0 1 0,0-1 0,0 0 250,0 3 0,0-1 1,0 1-1,1 0-6,0 0 1,1-1-1,4 21-23,7-10 1,-1-11-344,7-10 0,-2-9 210,8-7 0,-1-11-143,1-8 1,1-6 81,-5-9 1,4-7-499,-3-5 1,-3 1 303,-4-2 0,-3 5-48,0-2 0,-5 3 517,-1 1 0,-4 5-116,2 4 1,-4 5 441,-4 8 0,-1 2-337,-4 7 0,3 2 256,0 4 0,-1 5-166,-2 4 0,1 5 272,2 4 0,-2 5-345,5 2 0,0 3-22,3 3 1,0-2-96,0 2 1,4-2-221,2-1 1,3-3 89,0 0 0,4-5 70,3 2 0,2-3 10,0-4 0,1-1-8,-1-5 0,4-4-32,0-2 1,3-2-136,-4-1 0,5-8-261,-1-4 0,-2-9 4,-1-4 1,-3-6-212,0-3 0,-5-5-422,-1-2 0,-7-2 497,-3 2 1,-3 4 1,-3 3 1,-6 8 115,-7 1 0,-5 7-195,0 5 1,-5 5 56,1 8 0,2 4-87,2 2 0,2 3-517,3 0-104,3-4 1234,8-1 0,-3-4 0</inkml:trace>
+  <inkml:trace contextRef="#ctx0" brushRef="#br0" timeOffset="41">18882 5195 7774,'0'-5'2919,"0"1"-1384,-4 0-606,3 3-409,-3-3 1,4 8-100,0 2 0,1 3-24,2 4 0,2 1-199,5 5 1,2 0 0,1-1 0,3 5-184,0 2 0,1 2 61,2 1 0,-1-1-532,1-3 1,-1-1 276,-3-4 1,-1-2-991,-5-1 0,-3-7-379,0-6-83,-4-2 1027,-6-1 1,-6-4-186,-9-2 0,0-1 250,-3 1 1,-2-2 538,-4 5 0,3 0 80,1 3 1,-1 4-137,-3 2 0,1 0 928,2 0 1,6-3-269,7 3 192,6-4 1,3 1-104,6-6 0,7-6 251,9-7 1,5-2-620,7-4 1,2-3-175,4-6 0,1-1-824,-18 15 1,1 0 0,17-19 532,-18 18 1,0 2 0,13-12-2404,-5 3 2543,-8 4 0,-3 6 0,-3 1 0,-3 4 0,-2 3 0</inkml:trace>
+  <inkml:trace contextRef="#ctx0" brushRef="#br0" timeOffset="42">18966 5019 7683,'-9'-10'1539,"-1"4"-1057,-3 0 0,3 1-734,-3-2 0,3 0 190,1 4 0,-1-3 74,1 3 1,0 0 51,-1 3 0,1 1-111,0 2 1,0 6 125,-1 7 0,1 5 52,0 4 1,-1 6-169,1 3 0,-2 7-345,1 2 1,-1 7 403,7-24 0,2 1 1,-1 1-1,2 2 45,-1-1 0,0 1 0,2 1 0,-1 0 116,1-2 1,0 1-1,9 19-160,3-8 1,7-12-202,6-11 1,4-8-238,8-6 1,0-13-1087,0-6 1501,1-7 0,1-4 0,2-2 0,-19 13 0,0-2 0,-1 0 0,1-1 0</inkml:trace>
+  <inkml:trace contextRef="#ctx0" brushRef="#br0" timeOffset="43">19208 4963 7729,'5'0'2121,"1"4"-1846,-3 2 0,2 3-168,4 4 0,2 5 291,1 7 0,2 5-140,5 1 0,-1 8 346,-3-2 1,2 6-450,-5 1 0,4 0-103,-4 0 0,-4-3-80,-5-4 1,2-3-275,-2 1 1,-4-5-394,-6 1 0,-1-7 391,-1-2 0,-5-3-463,-1-4 0,-2-2 767,2-7 0,-6-2 0,3-4 0,-3 0 0</inkml:trace>
+  <inkml:trace contextRef="#ctx0" brushRef="#br0" timeOffset="44">19646 4842 8975,'0'6'1638,"0"0"0,0 0-1575,0 4 0,0 0 178,0 2 1,0 4-26,0 6 0,0 3 177,0 10 0,0 3-84,0 8 1,-1 5-179,0-25 1,-1 1 0,-1 1 0,0 0 211,-3 1 1,-1 1 0,-3 21 182,-3-1 1,2-7-245,-1-9 0,1-6-97,-1-7-350,6-9 0,1-8 209,5-10 1,0-5-1168,0-4 1,2-3 608,1-10 0,3 1-218,6-7 0,2 1 232,1-1 0,4 2 177,-1 4 0,1 4 202,3 2 1,1 7 529,-2 2 1,2 7-444,-1 3 0,-4 11 144,1 8 0,-1 7 553,-6 8 0,-4-1-345,-5 4 0,-3-1 342,-3 1 0,-3 0-196,-6-6 0,-6 1-23,-4-7 0,-2-4-481,2-6 1,-3-6-509,3-3 0,1-3-245,2-3 1,0-6 460,1-7 0,0-2-2801,3-4 3133,1 2 0,5-7 0,-1 4 0</inkml:trace>
+  <inkml:trace contextRef="#ctx0" brushRef="#br0" timeOffset="45">17523 6573 7791,'0'-14'0,"1"-3"194,2 5 0,-2 3 333,2 2 0,-1 5-436,1-1 1,3-1 8,3 1 0,1 1-256,3 5 0,5-1 169,7 4 1,3 1-153,3 2 0,5-3 121,5 0 1,7 1-119,2 2 0,-22-6 0,1 0 126,0 0 0,1 0 1,1 0-1,1-1-143,-1 2 1,0-1 0,1-1 0,0 1 205,1-1 1,-1-1 0,1 0-1,0 0 68,-1 2 1,1 0 0,-3-2-1,1 0-27,-2 1 1,1-1-1,-2 0 1,0-1-130,24 0 1,-3 0-35,-9 0 0,0-1 57,-9-2 0,1-2 33,-1-4 1,-5-1 2,2 1 0,-7 0 201,1 0 1,-6 0-167,-4 3 868,-2-2-997,-5 7 1,-1-3 280,-8 4 0,1 0-471,-6 0 0,1 0 61,-8 0 1,-3 3 135,-6 0 0,-6 3 32,-3-3 0,-3 1-8,0-1 1,-1-2 127,-3 2 1,2-1-304,-4-2 0,2 3 325,-2 0 1,-2 0-66,-4-3 1,1 0 24,-1 0 1,4 0-51,2 0 0,-1-3-17,-2 0 1,3 0-41,3 3 0,6 0-13,3 0 1,3 4-66,3 2 1,3-1 0,7 1 43,5 0 1,6 4 28,4-1 0,1-3 42,2 0 1,4-2 41,5 2 0,3 0 333,7 3 0,3 0-319,6-3 1,6 2-33,7-2 1,2-1-444,4 2 0,-2-5 393,1 1 0,3-2 5,1-1 0,-25 0 0,2 0 19,-1 0 0,1 0 0,-2 0 0,-1-1-9,0-1 1,-1 1 0,19-1-76,-2-5 0,-2 1 24,-7-3 0,-4 0 42,-12-1 0,-4 1-2,-5 0 0,-1-1 67,-5 1 1,-2 3-65,-7 0 0,-1 0-63,-8 0 1,-5-2 369,-5 2 1,-2 2-388,-1 1 0,-3 2 21,0 1 0,-4 0-3,1 0 1,-2 0-49,-2 0 1,1 0 109,0 0 1,0 3 65,-1 0 0,4 4-89,0-1 1,3-1 75,-3 2 0,1-1-53,-1 3 1,2-3-10,4 0 1,0-2 54,0 2 0,-2-3 77,2 3 0,5-4-45,8 1 0,6 1 128,0 0 1,6 3-145,0-1 0,7 2-3,5 2 0,9 0 41,7 2 0,7 2-17,5 1 1,4-1-273,6-5 0,-1 0 171,1 1 0,3-1-56,-1 0 0,-22-6 0,0-1 71,-1 0 1,1 0 0,0-2 0,1 1-8,0-1 0,0 0 0,1 0 0,1 0-17,-1 0 0,1 0 1,-3-1-1,0 1 18,23-4 0,-1 0 8,0-2 0,-2-2-16,-1 2 1,-3-3 4,-6 0 0,0 0-50,1-1 1,-8 2 48,-3 2 1,-2-2 14,0 1 0,-3 2 0,-7-1 1,-1 4 81,-5-1-88,-4-2 1,-2 1 269,-6-3 0,-3 0-266,-6 4 1,-3-4-84,-3 1 0,-9 0 99,-4 0 1,-5 1-1,-1-1 0,-1-1-145,-2 3 0,-3-2 147,-3 3 0,-1-1-478,1 1 0,-5 2 441,25-1 0,-1 1 1,-1 0-1,0 0-8,-1-1 0,-1 1 0,0 0 0,0 1 27,-1-2 1,0 0 0,1 1 0,-1 0-12,1 0 0,1-1 1,2 2-1,-1-1-25,-1 0 1,-1-1-1,-16 1-138,-1 1 0,11 0-68,5 0 0,6 1 260,3 2 0,5 0 0,4 7 0,5 1 0</inkml:trace>
+  <inkml:trace contextRef="#ctx0" brushRef="#br0" timeOffset="46">17774 6620 8396,'7'-9'178,"-1"-1"-74,-4 5 1,2 5 8,-4 6 0,-4 8-185,-2 4 1,-3 5 126,0 5 0,0 0 1,-1 0 0,0-3 15,-2 0 1,-3-1-134,-3 0 1,-5 2 126,-2-4 1,-3 0 175,-3-4 1,-6 0-323,-7-3 0,19-6 0,-1-1 194,-4-1 1,1-2 0,0 1 0,0 0-297,-4-3 0,1 0 1,0 1-1,-1-1 184,-1-1 0,0-1 0,1 2 0,-1 0 26,-2-1 0,1 0 1,1-1-1,1 1-7,1-2 0,-1 0 1,1-2-1,0 1-27,2-1 0,1 0 0,-3-1 0,0-2-16,-1 1 1,1-1 0,1 0 0,2 0-15,-1-3 0,1 0 1,0 2-1,1 0-70,1-2 1,1 0-1,0-1 1,0-1 152,0 0 1,0-1 0,-22-12-43,1 1 1,6 2 45,7-5 1,2 3-57,4-3 0,4 1-29,2 0 0,4-3 15,2 2 1,4-3 157,6-3 0,1 3-202,5 0 0,0 0 517,0 3 0,0-2-515,0-1 1,0 4 277,0-1 0,0 4 14,0-1 1,-1 3-117,-2 0 0,-2 1-55,-4 3 1,1 2 24,1 3 1,-1-1 92,2 2-212,2-3 1,-3 10 158,3-4-253,1 4 202,3-2-147,0 4-22,0-4 52,0 2 0,-1-2 25,-2 4 0,2-1 1,-2-2-42,2 2-103,1-3 0,3 3 56,0-2-316,0 2-284,-3-3 0,1 1 16,2 0 691,-2-1 0,4 0 0,-5-1 0</inkml:trace>
+  <inkml:trace contextRef="#ctx0" brushRef="#br0" timeOffset="47">16229 6117 8579,'0'-24'257,"0"6"426,0 5-1037,0 3 416,0 5 1,0 2-516,0 6 1,-4 2 272,-3 4 1,-2 0 156,-3-3 1,0 2 160,-3-2 1,-2 2 163,-4-2 0,1 2-163,-2-2 0,-1-1 81,2 2 0,-1-4-91,3 3 0,-3 0 10,-3 3 0,1-2-166,-1-1 0,-4 0 109,-5 3 0,-3 2-116,-4 1 1,0-1-158,-2 1 1,-2-2 84,5 0 1,-2-1 90,2 0 0,7 1-21,2-1 1,6 0 8,6 0 0,5-2 44,2-1-13,5 0 19,3 3-72,4-3 285,0-2 0,4-4-25,3 0 1,5-1-121,3-2 0,4-3-50,3-3 1,2 0-171,4-1 0,4-2 107,2 0 1,3-4-94,3 4 1,3-2-158,3 2 0,2-2 28,2-1 0,-4-3 141,1 3 1,-3 1 37,-7 2 0,-2 2 31,-11 0 309,-5 5-97,-10 1-191,-9 4 0,-4 4 116,-2 2 0,-1 3-69,4 0 0,0 0 44,3 0 0,0 4 191,0-1 0,0 2-243,0-2 0,0-1-76,0 1 0,0 1-10,0 0 0,0-1-277,0-2 1,-4-1 109,1 0 0,0 0-42,3 1 1,0-1 19,0 0 0,2 1 249,4-1 0,9 0 0,9 1 0</inkml:trace>
+  <inkml:trace contextRef="#ctx0" brushRef="#br0" timeOffset="48">15270 10233 7718,'5'0'498,"-1"-5"-9,-4 4 367,0-7 68,0 7 357,0-3 0,0 12-893,0 5 0,0 1-131,0 5 1,0 3 1,0 9 0,0 3-49,0 6 1,-1 7-237,0-21 1,-1 0-1,0 2 1,0-1 143,-1 1 1,0 0 0,-1 0 0,0-1 19,3 0 0,-1-1 0,-1 17 13,3-6 0,2-15-132,4-6 1,5-9-557,7-7 0,5-13 328,2-5 1,3-15-568,3-8 1,-3-3 439,-14 21 1,0-1-1,0 2 1,-1-1-279,8-21 1,-3 5 169,-6 8 1,-5 5 1328,-4 11-769,-2 5 0,-1 12 78,0 11 1,-3 6 258,0 12 1,-1 3-220,4 3 1,0-1 145,0-2 1,2-2-62,1-4 1,3-1 96,6-2 1,3-11-74,3-7 1,6-7-121,4-7 0,7-9-154,6-15 1,-21 13-1,0-2-184,-1-5 1,-1 0 0,1-1-1,-1-1-288,1-2 0,0-1 1,-3 2-1,0 0 234,-2 0 1,0 0 0,-4 3 0,-1 0-699,4-19 0,-7 3 409,-3 4 1,-6 6-24,-3 6 1,-6 7 71,0 12 0,-8 2 27,2 4 1,-3 5-32,2 4 1,1 5-741,-1 4 1153,5 5 0,-2-3 0,7 4 0,4 1 0,3 4 0</inkml:trace>
+  <inkml:trace contextRef="#ctx0" brushRef="#br0" timeOffset="49">16434 10335 7727,'4'-5'938,"-2"-2"-861,4 4 684,-4-1 1114,2 4-1194,-4 0-480,0 5 1,0 1-82,0 6 1,-4 4 75,-2 5 1,-3 3 169,-4 4 1,-1 4-121,-5 2 0,0 6-145,1 0 0,-1 0 112,1-2 0,0-3-68,3-4 1,2-4-395,7-9 0,-1-6 234,4-3 1,0-6-588,7 0 0,1-3 351,4-3 0,1-3-35,3-6 0,0-2 24,3-1 1,1-2 236,-1 5 0,-2-1-208,2 4 0,-1 0 161,4-1 0,-1 5 165,-3 2 1,2 6-69,-5 3 0,3 7 263,-6 2 1,1 7-137,-7 3 1,-1 2 81,-5 1 0,-6 0-56,-7-1 0,-2-3 391,-4-2 0,-2-2-154,-4-2 1,0-4-47,1-5 1,2-4-576,0-5 1,4-5-651,-1-4 0,7-8-551,3-5 0,2-3 686,4 0 1,2-2-74,4-1 0,2 1 87,4 2 707,5-2 0,11 3 0,2-3 0</inkml:trace>
+  <inkml:trace contextRef="#ctx0" brushRef="#br0" timeOffset="50">17616 10829 7724,'-4'-19'0,"3"0"0,-7-3 0,3-2 0</inkml:trace>
+  <inkml:trace contextRef="#ctx0" brushRef="#br0" timeOffset="51">17588 10670 7724,'3'-12'0,"0"-1"0,1 0 606,-4 1 0,3 0-192,0-3 1,4 3 51,-1 0 1,-1 2-83,2 0 0,1 4-160,1 0 1,3 4 28,-6-1 1,-2 7 133,-1 5 0,-2 6-65,-1 6 0,-1 3-82,-2 4 0,-5 7-181,-5 2 0,-3 7-198,0-1 1,-1 0 244,-2 0 1,-4 2 10,11-20 1,-1-1 0,-10 20 66,-2-1 1,4-5-24,-1-3 1,4-7 109,2-7-500,3-9 1,7-9 172,3-13 0,4-8-784,6-10 1,1-8 433,11-8 1,-2-5-33,-5 22 1,1 1 0,-1 0 0,1 0 245,1 0 1,0-1 0,0 1 0,0 1 31,-1-2 1,2 1 0,0 1 0,2 0 83,-1 3 1,2 1-1,-1 0 1,0 1 95,20-14 0,-6 10 295,3 9 1,-8 8-336,-4 4 1,-3 3 273,-4 3 0,-3 3-97,-5 6 0,-3 0 137,-4 3 0,-1-2-118,-2 2 1,-4-2 281,-5 2 1,-2 0-433,-5 0 1,-1 3-13,-1-3 0,-2 3 228,-2 0 0,-2 1-97,2 0 0,-2 3 250,-1 3 1,5 2-114,1 1 1,7 4-27,6 2 1,5 2-75,7 2 0,11-4-320,7 0 0,10-7 138,7 1 1,3-6-378,5-1 1,-2-8-647,-1-4 1,-6-6 495,0 0 1,-4-6-2021,-2-3 2547,-4-6 0,-7-3 0,-3-4 0,-2 1 0,-2-1 0</inkml:trace>
+  <inkml:trace contextRef="#ctx0" brushRef="#br0" timeOffset="52">18333 10726 7691,'5'-9'1300,"-1"-1"-853,-4 1 1,1 1-638,3 2 0,-3-3 174,2 3 0,1 1 670,-1-1-120,4 4-284,-2-2 1,0 6 26,-1 4 0,-3 1 133,-1 9 1,-1 0-92,-3 6 1,-2 2-124,-6 4 0,-3 4 132,-3 2 0,-1 2-133,1 1 1,-4 1-103,0-1 1,-3-3 194,4 0 1,0-5-59,5-1 0,3-8-239,4-8-222,3-6 0,6-4-342,7-8 1,5-4 340,4-9 1,5-1-321,4-1 0,5 1 230,1-2 0,0 3-63,-3 0 1,0 6-35,0 3 0,0 2 354,0 5 1,-5 8 87,-5 8 1,-1 5 238,-8 7 0,-2 3-51,-7 6 1,-12 2 277,-7-2 1,-8 2 321,-7-2 0,0-3-278,-6-6 1,-1-7-45,4-5 0,0-7-129,9-3 0,0-7-620,9-5 1,4-6-240,9-7 0,3-3-535,6-6 0,6 2-572,7-2 0,1 6 210,2 0 1396,3 4 0,-2-2 0,4 7 0,2 3 0,3 5 0</inkml:trace>
+  <inkml:trace contextRef="#ctx0" brushRef="#br0" timeOffset="53">19255 10829 7766,'-4'9'-39,"-3"0"0,-1 1 912,-1 3 1,4 1-359,2 5 1,2 1 74,1 1 1,0 4-366,0 6 0,0 2-22,0 5 0,-1 3 243,-3 2 0,2 6-15,-4 1 0,4-6 0,-1-7 1,2-9-317,1-9 1,5-9-378,4-7 1,2-4 15,4-5 1,1-8-234,2-11 0,1-3 25,0-3 0,-5-2 173,-1-4 0,-3 3-320,-1 3 0,0 7-258,-3 2 936,-2 6 241,-4 7 0,0 9-130,0 6 0,3 11-8,0 5 0,1 0 141,-1 3 1,3-4 17,3 1 1,4-4-127,3-2 0,-2-7 493,2-6 1,3-3-240,6-3 0,-1-7 83,1-9 0,-3-5-269,2-7 0,1-6-687,3-7 1,-4-1 157,-2-2 1,-7 1-471,-2-1 1,-7 0-66,-3-3 1,-3 7 392,-3-1 0,-3 7-945,-7 6 1,1 8 614,-7 11 1,6 7-626,-6 5 1345,3 8 0,0 9 0,1 5 0,-1 0 0</inkml:trace>
+  <inkml:trace contextRef="#ctx0" brushRef="#br0" timeOffset="54">19851 11285 7742,'6'-1'-147,"0"-2"0,-3 2 156,3-3 0,-2 2 160,2-1 0,-3 1 610,3-4 0,-3 3-298,3-3 1,-4 3 299,2-4 1,-2 1-261,1-3 0,-2 3 394,2-1-695,-6 1 1,-2-2-52,-5 2 0,0 2-196,-2 4 0,0 2 103,-3 4 1,2 2-76,-2 11 1,0-2 71,0 8 1,1 0-7,5 3 0,4-3 51,2 0 1,4-6 1,5 0 1,6-6-32,13-6 1,0-3 42,6-4 0,1-9-154,-1-3 1,-1-8 113,-5-1 0,-3-4-219,-7 3 0,-2 5-20,-7 4 870,-2 3 0,-8 7-330,-2 6 1,-6 7-229,0 12 0,0 2-91,6 4 1,2 1-176,4 2 1,2-7-1101,4 1 0,9-5 672,10-5 0,4-5-1110,5-7 1,0-5-410,6-8 1715,-1-5 0,-2-17 0,0-1 0</inkml:trace>
+  <inkml:trace contextRef="#ctx0" brushRef="#br0" timeOffset="55">20754 11238 7828,'4'-5'0,"-3"-3"0,2 2 0,-2 0 361,-1 0 157,0 0 200,0-3-17,0-1 291,0 1-585,4 0 1,0 3 157,3-1-22,1 5 1,-7 0-168,2 8 1,-2 3 74,-1 9 1,-1 0-215,-2 7 0,-5 4-232,-5 5 1,-2 3 86,2 3 1,-3 0-387,0 3 0,-4-4 354,-2 2 0,1-4 78,6-3 0,-1-7-91,7-8-9,2-9 1,7-11-401,0-8 0,5-13 64,4-9 0,5-5-45,4-5 0,5-2 43,-11 18 0,1 0 1,0 1-1,0 1 91,-1-2 1,0 0-1,3 0 1,0-1 123,-1 2 1,0-1 0,3-1 0,-1 0-52,0 2 1,0 1 0,0 0 0,2 0 249,13-14 1,-1 10 139,-5 11 1,-3 6-130,-3 4 0,-6 3 16,-3 6 1,-2 2-7,-5 4 1,0 0-40,-3 1 1,-1 2 114,-2 1 1,-5-1 257,-5-3 0,-3 2-409,0 1 0,-1 1-76,-2 3 0,0 2 79,1-3 1,-2 1 201,-2 2 0,4-1-137,-1 5 1,2-3-58,4 0 1,2 4-26,5 1 0,2 0-105,8 1 1,5-1 39,6 1 1,7 2 89,3-3 1,5-1-290,1-1 0,3-6 71,-3 0 0,4-5-985,-1 2 0,-2-4-118,-5-3 1,-1-2 1249,-7-4 0,-3-4 0,-6-1 0</inkml:trace>
+  <inkml:trace contextRef="#ctx0" brushRef="#br0" timeOffset="56">21359 11480 7771,'-9'0'1397,"-1"0"1,1 3 106,0 0-1856,0 1 0,3-5 272,3-3 1,2 2 183,1-4 1,-1 1 462,-2-1 290,2 2-660,-7 4 0,4 5-133,-3 4 0,-1 6 419,2 6 0,-1 4-127,0 6 0,3 1-161,4 2 1,1 1 33,2-8 0,4 1-248,5-9 0,4-3 50,5-10 0,3-3 50,4-6 0,0-10-68,0-5 1,-4-8-232,-3-2 1,-2 0-66,-3-3 1,-4 0 105,-6 3 1,-2 3 663,-4 10 0,-1 2-200,-2 7 1,-2 3 481,-4 6 1,-1 6-316,1 7 1,4 6-77,2 2 0,3 2-458,3-1 1,4 1-346,9-4 0,0-1-966,9-2 1,4-4 733,5-3 1,2-6-983,2-3 1,-1-3 1546,0-3 0,0-6 0,1-6 0</inkml:trace>
+  <inkml:trace contextRef="#ctx0" brushRef="#br0" timeOffset="57">22318 11378 7826,'-6'-13'0,"0"1"0,-5-1 343,5 0 0,2 3 513,1-3-321,-2 7 1,4 3-230,-2 6 0,2 3-39,1 7 1,0 5 421,0 7 1,0 3-241,0 3 0,0 3-53,0 7 0,0 0-150,0 3 1,-5 2-147,-1 1 1,-2-1 252,-1 4 0,-1-4-55,1-2 0,0-11 97,-1-8-172,1-9 1,1-7-450,2-9 0,1-10 217,5-8 1,5-13-391,1-10 1,3-4 228,4-5 1,-2 3-438,4-3 1,-6 24 0,1 1 435,1 0 1,0 1 0,2-4 0,1 0-13,-1 1 1,2 1-1,-1-2 1,2 0 30,2 3 1,1 0 0,0 2 0,1 1 12,3 1 0,1 2 1,-2 0-1,1 2-200,21-11 1,-7 8 372,-6 14 0,-6 1-128,-3 5 0,-8 1-61,-5 3 0,-4 4 286,-5 4 1,-5 2-61,-4-2 0,-4-1 74,-6 5 0,-4-4 241,-2 4 1,-3-1-319,-3 4 0,1-3 384,-4-1 1,4 2-156,-1 4 0,2 0 393,1 4 0,2 1-377,5 5 0,4 2 238,11 4 0,3 1-208,6 3 0,10 0-182,9 3 0,5-3-333,4-4 1,3-3 100,-14-16 1,1-1-1,16 11-982,0 0 1,-1-7 568,-5-5 0,-1-8-1155,-5 1 1,-6-6 1638,-7 0 0,1-5 0,-4-1 0,-2 0 0</inkml:trace>
+  <inkml:trace contextRef="#ctx0" brushRef="#br0" timeOffset="58">22886 11694 7823,'-14'10'2054,"-3"-4"-1130,5 0-539,-5-4-254,7 2 1008,0-4-719,2-4 0,7 2 115,-2-4-398,2 4 0,0-2-181,-2 4 1,-1 1-30,-3 2 1,-1 6 181,2 7 0,-2 4 177,-2 2 1,4 4-151,0-1 1,4 2 7,-1 1 1,6-1-55,3-3 1,8-3-11,4-9 0,5-3 12,5-9 1,3-6-164,0-7 0,0-5-304,-3-10 0,-3-3 200,0 0 1,-6-4 1,0 4 1,-6 1 136,-6 6 0,-3 2 267,-4 6 0,-4 3 244,-3 3 1,-1 6 377,-1 4 0,-1 6-414,1 6 0,4 3-10,2 7 1,3-2-381,3 2 1,3 1 59,7 2 0,1-1-404,5 1 0,0-3 260,3 2 1,2-3-566,4 1 1,3-4-305,0-2 0,1-7-496,-1-6 0,-1-3 347,4-3 0,-1-6 1053,1-7 0,-2-5 0,-4-3 0</inkml:trace>
+  <inkml:trace contextRef="#ctx0" brushRef="#br0" timeOffset="59">23510 11592 7941,'5'-9'0,"-1"-1"1114,-4 1-658,0 0 0,0 3-11,0-1 0,1 5 701,2-1-738,-2 2 1,7 5 29,-5 2 1,1 0-104,-1 0 0,-2 0 82,2 3 1,1 1-16,-1-1 0,4 4 38,-4 3 1,3 2-149,-3 0 0,1 5-17,-1 2 1,-2 3-209,2 3 0,-2-1 102,-1 4 1,0 0-182,0 3 1,0-5 76,0-4 0,3-5-647,1-7 0,3-7 124,-1-6 1,2-8-98,2-8 0,2-6 227,0-12 1,1-2-115,-4-5 1,0 2 31,1 2 1,-4 3-1,0 6 1,-4 3 525,1 7-153,-2 1 1,-2 14 525,-2 7 0,-1 7-133,-2 11 0,2 0 59,4 6 1,0 1-217,0-1 1,2-1-2,4-5 0,1 1 1,9-5 1,-1-3-55,4-6 1,1-5 192,1-4 0,3-13-142,4-8 0,0-10 64,0-13 1,-3-2-470,-13 18 0,1 0 0,7-22 133,-9 22 1,0 0 0,5-21-167,-4 2 0,-2 2-588,0 1 0,-5 7-268,-2 0 1,-3 8 473,-3 4 0,1 6-361,-4 0 1,2 9-100,-2 1 357,0 4 1,-3 6 562,-1 2 1,4-1 163,0 2 0,0 3 0,-4 4 0</inkml:trace>
+  <inkml:trace contextRef="#ctx0" brushRef="#br0" timeOffset="60">24227 11415 7847,'-9'0'0,"-1"0"0,1 4 1252,0 2 0,-1 3-538,1 0 0,4 0-313,2 1 0,1 4-91,-1 5 0,1 4-65,-1 4 1,2 2 92,1 2 0,-1 6-58,-2 3 0,1 8-243,-4-2 1,-1 0 208,-6-3 1,3-4 145,-2 2 0,-2-4-185,2-3 0,0-10 104,6-9-365,2-7 1,4-5-410,0-6 0,5-8-96,4-7 1,2-5 328,4-5 0,1 1-192,2 2 1,2 3 140,2 3 1,-3 4 319,3 3 1,1 3-120,-1 3 1,-1 3 246,-2 10 0,-5 5-105,-1 13 1,-4 4 228,-3 8 0,-2 3 184,-8 1 1,-6 2-478,-9-2 0,-4-3 450,-8-7 1,2-4-115,-2-9 0,-1-7-323,1-5 0,1-5-395,5-4 1,2-7-493,4-9 1,5-4 648,1-5 0,7 3 39,3 1 1,2 2-3090,1-3 3277,4 4 0,-1-1 0,7 3 0,3 0 0,4 1 0</inkml:trace>
+  <inkml:trace contextRef="#ctx0" brushRef="#br0" timeOffset="61">24702 11657 10433,'-4'5'-914,"-2"4"783,-3-4 0,1 4 486,2 0 0,0 2 337,3 1 1,2 3-322,-2 3 1,2 5 244,1 2 0,0 6-254,0 3 1,-1 3 160,-2 4 0,1-2-159,-4 4 1,0 0 79,-4 0 1,1-2-181,0-7 0,-4-3-20,1-6 0,-1-4-188,4-5 46,0-7 0,0-9-404,3-6 1,2-11-1,4-4 0,0-7-187,0-6 0,4-5 118,2-7 1,6-5-131,-6 25 1,0-1 0,2 1 0,1 1 254,-2-2 1,1 1 0,10-24 22,-9 24 0,1-1 0,0 2 0,1 0-26,0 0 1,0 0-1,15-20 36,-1 7 1,5 10 182,1 7 1,0 6-58,-3 9 0,-9 7 294,-3 8 0,-6 9-84,-4 7 0,-1 5 80,-5 1 1,-9 0 71,-3-3 0,-5 0 257,-1 0 1,-1-1 56,0-3 1,-2-1-181,-1-4 1,0-4 221,4 1 0,0-2-391,3 2 0,-1-2-24,7-1 1,-2-2-233,8 5 0,1-1 6,5 4 1,8 0-171,7 3 0,5-2-312,5 1 1,0-1-424,0-1 1,0-2 401,0-1 0,-1-3-653,-3-3 0,-2-2 537,-6-2 1,-3-3 628,-4-6 0,-3-2 0,-2-4 0</inkml:trace>
+  <inkml:trace contextRef="#ctx0" brushRef="#br0" timeOffset="62">25083 11648 7862,'-9'13'0,"0"-2"295,-1 1 0,5-2 326,2 0 1,2 3-203,1 3 1,1 2 426,2 4 0,1 2-114,3 4 1,0 4-266,-4 2 1,0 2-109,-3 1 1,0 1-170,0-1 1,-4 0 238,-2 0 1,-7 0-54,-2-3 0,-2-3 149,2-6 0,1-5-58,5-7-424,0-1 0,4-12-678,1 0 0,4-8 497,4-8 0,1-5-391,4-4 1,4-2 143,3-1 1,-2 0-43,2 0 1,-1-3 23,4 0-1,0 3 10,-1 3 1,1 5 415,0-2 0,-1 4-180,1 6 0,-1 0 285,1 9 0,-1 9-115,-3 6 1,-2 6 354,-7 3 1,-2 6-231,-4 4 1,-4 0 157,-2-3 1,-7 3 94,-2 0 0,-6-3 187,-1-3 0,-4-4-139,2 0 1,1-5-164,1-4 1,6-2-389,0-4 0,4-2 133,-4-4 1,8 0-174,-2 0 1,8-4 113,2-2 1,5-4-903,4-2 0,4 2 152,3-3 1,1 3-253,2 1 1,0-1 193,-1 1 1,0 1 846,-3 1 0,3 3 0,-4 4 0</inkml:trace>
+  <inkml:trace contextRef="#ctx0" brushRef="#br0" timeOffset="63">15642 9739 7673,'-10'-6'1638,"-3"0"0,3 3-2140,-2-4 1,-2 4 123,2-3 1,0 3 346,6-3 0,1 4-200,2-1-7,2 2 718,-3 1 1,4 4-265,0 2 1,0 7 427,0 6 0,0 1-317,0 4 0,-1 1 84,-2 3 0,-3 4 3,-3 2 1,0-1-131,0-2 0,-1-3-115,1-4 0,4-5-72,2-7 0,3-6-296,3-6 0,7-14 200,9-11 1,5-12-305,-9 13 1,1-2 0,0 0 0,2 0-147,2-5 1,0 0 0,0 0-1,-1-1 215,3 0 0,0-1 1,-1-1-1,1-1 47,1-1 0,1 1 0,-1 0 0,-1 1-15,0 1 1,0 1 0,-2 2 0,0 1 57,-3 3 1,0 3 0,14-14 232,-6 16 1,-6 10 418,-7 11 1,-3 10-364,-2 8 1,0 6 241,-4 7 0,0 0-160,-3 6 0,0-2-16,0 6 1,-4-4-12,-2-3 0,-4 1 110,-2-4 0,-2 0-77,-5-3 1,-3-1 74,1-2 0,-5-5-664,1-5 0,-2-4 261,-1-2 1,0-1-747,0-5 0,0-4 442,0-5 0,0-3 454,0-4 0,5-1-551,1-5 0,3 1-88,4-1 1,4 3 168,5 1 1,4 0 53,-1 0 0,3 3-296,3 5 657,2-1 0,9 3 0,0-4 0</inkml:trace>
+  <inkml:trace contextRef="#ctx0" brushRef="#br0" timeOffset="64">16294 9469 7626,'19'-14'90,"0"0"74,3 5 1,-2 1-165,1 1 0,-1-1 0,-1 3 0</inkml:trace>
+  <inkml:trace contextRef="#ctx0" brushRef="#br0" timeOffset="65">16313 9618 7670,'-14'0'0,"0"3"482,-5 0 0,5-1-383,1-5 1,7-6-413,3-7 0,7-2 31,5-4 0,8-5 115,5-4 1,3 3-70,0 3 0,1 5 18,-1-2 1,1 6 716,-4 4 1,-1 6-367,-2 3 0,-4 7 731,1 5 1,-2 9-351,2 7 1,-6 3 81,-4 3 1,-2 3-191,2 6 0,-4-1-375,1 5 1,-3-5 149,-3 1 0,-3-1 51,-7-2 1,-1-1 214,-5-2 1,-1-2-102,-1-4 0,-3-4-311,-4-2 1,1-8-219,2-4 1,-2-5-252,3-5 1,1-5 331,1-5 1,3-3-88,4-6 0,-1-2-129,7-1 0,-1-3 72,7 3 0,0 2 421,3 4 1,1 0-304,2 3 0,5 5 243,4 5 0,6 2-39,1 1 0,0 5-21,6 4 1,1 5-52,5 4 1,-1 1-197,4 0 1,-4 2-193,1 1 0,-2 4 156,-1-1 1,-4-4-494,-2-2 0,-3-5-15,0-4 736,-5-5 0,8-5 0,-2-5 0</inkml:trace>
+  <inkml:trace contextRef="#ctx0" brushRef="#br0" timeOffset="66">17672 9711 7657,'0'11'0,"0"1"0,-1-2 1079,-2 3 1,-2 1-455,-5 2 1,1 5-197,0 4 0,-4 2-170,1 1 1,1 4-175,4 2 0,0 0 151,4 4 0,0-7 52,3 3 0,0-4 76,0-2 1,0 0-65,0 0 0,-1-9 123,-2-3-219,2-5 1,-4-6-170,1-1 1,2-13-305,-4-6 1,4-9-382,-1-10 0,2-6 285,1-9 0,0-3-157,0 24 1,0 0 0,2-1 0,1-1 435,1 1 1,1-1-1,2-2 1,0-1-23,2 2 0,1 0 0,1-2 0,1 0-70,2 2 0,0 0 1,2-1-1,0 1 5,2-1 0,2 2 0,1 0 0,1 2-12,-1 2 0,1 2 0,1 5 0,0 2-112,14-5 1,-3 12 55,-9 10 0,-3 8 282,-7 8 1,-5 6 297,-7 6 0,-6 5 362,-3 8 1,-4 0-612,-2 2 1,0-1 390,-3-5 1,-1 0-104,-2 1 0,-4-3 309,0-4 1,0-4-503,0-9 1,2-4-305,-2-5 0,0-4-153,0-5 0,1-8-386,6-4 1,-3-6-329,3-4 0,1-2 695,2-3 0,1 2-277,2 0 1,0 1 272,0-1 0,3 2 10,3 5 1,2 3-4,1 3 288,8 2 0,3-4 0,7 0 0</inkml:trace>
+  <inkml:trace contextRef="#ctx0" brushRef="#br0" timeOffset="67">18240 9506 7624,'-19'3'920,"1"1"1,-1 3-632,0-1 0,2-2-885,1-1 0,3-1-254,4 1 898,3-2 1,6 4-48,7-5 0,5 0-170,4 0 1,1-3 178,2-1 0,-1 1 246,1 3 1,1 0 376,1 0 1,-4 4-347,2 3 0,-4-1 138,1 3 0,-3-1-113,-4 8 0,0-4 120,-3 4 0,-2 3-147,-4 2 1,-4 5-120,-2-1 1,-7-2-40,-2-2 1,-3-1-80,0-1 0,0-5-92,2-1 0,0-3 50,3-1 0,4-4-62,3-1 14,4-3-703,-2-1 548,12 0 0,-2 3 52,7 0 1,-2 5 126,1 1 1,-1 2 52,1 4 0,2-2 92,-2 2 0,0 2-52,-2 4 1,-4-1 47,0 2 0,-4 1-31,1-2 1,-7 1 265,-5-3 1,-5-4-95,-4 1 1,-5-6-94,-2-1 0,-5 0-487,-1-6 1,-4-4 206,1-6 0,2-5 150,1-3 0,3-3 8,3-1 0,7 0-591,9-3 1,6 1-19,9-4 560,9 5 0,17-7 0,6 3 0</inkml:trace>
+  <inkml:trace contextRef="#ctx0" brushRef="#br0" timeOffset="68">19581 9981 7740,'0'16'612,"0"-1"1,-8 1-496,-1 2 1,-3 1-106,-1 0 1,4 0-109,0 3 1,0 2 417,6 4 1,0 3-31,3 0 0,0 0 111,0-3 1,0 3-18,0 0 0,-1 3 230,-2-3 1,-2-3-22,-4-3 1,-4-4-210,1 0 0,-5-5-172,2-4 1,1-6-15,2-3 1,-1-3-342,4-3 1,-1-9-20,7-7 1,0-10-152,3-2 0,1-5 115,2-4 0,5-3-542,4-3 1,5-4 533,-2 0 0,-7 25 0,0 0 58,1 0 1,1 0-1,-2 0 1,0-1-9,3 0 1,0 0 0,0 0-1,1 1 7,9-22 0,-6 24 1,0 1 149,0 0 1,1 0 0,23-13 27,1 10 0,5 8 32,-2 11 0,2 2-306,2 4 1,-9 9 212,-4 6 0,-9 7 40,-6 6 0,-6 4-49,-6 2 0,-5-1 232,-9 1 0,-4 0-77,-11 0 0,-1-1 414,-5-2 0,-1-6-204,-2 0 0,2-9-37,-2-4 0,1-5-309,-1-4 1,3-3-324,0-3 1,1-7 270,5-5 0,0-3-75,4 0 0,1-1-248,5 0 0,-1 5-479,7 2 378,2 1 1,2 5 102,8 0 1,2 4 70,11-1 1,3 2-48,9 1 0,0-4 369,6 1 0,2-4 0,8 2 0</inkml:trace>
+  <inkml:trace contextRef="#ctx0" brushRef="#br0" timeOffset="69">20149 9823 7749,'-10'1'1638,"1"2"0,3-1-1116,0 4 0,0 2-119,0 4 1,2-1-274,4 5 1,-3 0 25,0 6 0,0-1 130,3 4 1,-1 4-61,-2 5 1,-2 5 152,-5 1 1,0 5-440,-3-2 0,2 3 32,-4 0 1,0-1 132,0-5 1,2-8-312,7-10-1233,2-6 1,5-9 761,2-10 0,6-8-1813,7-10 2490,5-3 0,-5-4 0,2 0 0</inkml:trace>
+  <inkml:trace contextRef="#ctx0" brushRef="#br0" timeOffset="70">20987 10270 7823,'-10'4'1549,"1"1"-1380,0 4 0,0 1-599,3-1 1,-1 1 584,4 3 0,0 1 672,3 5 0,0 4-36,0 2 1,-1 2-304,-2 5 0,1 1 65,-5 4 1,4 0-317,-3 0 1,0 1 205,-3-1 0,-2-3-89,-1 0 1,1-8-221,-1-1 1,5-10 188,1-5-283,4-5 0,-3-14-470,5-7 1,0-8 277,0-10 0,5-5-196,1-11 0,-1 24 1,1 0 25,0-1 1,1-1 0,0 0 0,1 0 101,-2 0 0,0 0 0,3-1 0,-1 1 97,-1-2 0,2 1 1,0 1-1,2 0 120,0 0 1,0 0 0,2 4 0,0 1-114,12-18 0,0 11 272,0 5 1,-2 13 77,-4 6 1,-5 10-139,-1 8 0,-7 4 394,-3 9 1,-2 1-185,-1 5 1,-4-2 102,-2 2 1,-3-1 260,0 1 1,-3-7-445,-1 1 1,0-4-83,0-2 0,2-5-139,-5-2 0,4-2-668,-4-4 1,5-3 379,-1-6 0,1-2-951,2-4 0,0-4 529,-1 1 1,5-5-422,2 2 0,2 0 437,1 0 1,0 3 154,0 0 1,5 1-49,5 2 582,-1 0 0,8 4 0,-2 1 0</inkml:trace>
+  <inkml:trace contextRef="#ctx0" brushRef="#br0" timeOffset="71">21285 10205 10059,'0'6'1124,"0"0"1,0 0-378,0 4 1,0 0-114,0 2 0,0 3-233,0 3 0,-1 5-126,-3 2 1,2 2-50,-4 1 0,1 4 126,-1 2 1,-1-2-66,3-1 1,-2-2 124,3-1 1,1-4-283,5-2 1,3-7-250,7-2 1,1-7-373,5-3 1,4-2 334,2-1 1,-2-1-788,2-2 0,0-3 473,3-7 1,0-1-564,0-5 1,-8 0-42,-1 1 1,-7-4 1073,1 0 0,-3-8 0,0 1 0</inkml:trace>
+  <inkml:trace contextRef="#ctx0" brushRef="#br0" timeOffset="72">21592 10158 7864,'0'23'1137,"-4"0"235,-2 1 0,-2 3-334,2-2 1,1 4-505,2 5 0,1 1-176,-4 9 1,2-1-467,-2 4 0,-1 5 356,1-24 1,0 0-1,-5 23-101,5-24 1,0-1-1,-5 23 39,2-3 0,3-4-302,0-5 0,4-12-351,-1-10 1,3-9-1173,3-6 1,6-14-1087,6-14 2725,7-17 0,-14 20 0,0-2 0,1-3 0,-1 0 0</inkml:trace>
+  <inkml:trace contextRef="#ctx0" brushRef="#br0" timeOffset="73">22625 10372 7776,'0'-6'90,"0"0"-68,0 0 332,-4-4-323,3 5 0,-4 2 1033,2 6 0,2 6-454,-2 7 0,-1 6 88,1 3 0,-4 2-231,4 5 1,-3 1-90,3 4 1,-4 1-327,0 3 0,-1-2 330,-1 4 0,0-1 35,-1-2 0,1-5-85,0-10 0,-1-6-216,1-7-15,0-6 1,2-3-524,1-6 1,4-6 123,-1-7 1,2-5-145,1-4 0,0-5 217,0-1 0,4-7-100,2 0 1,3-7-204,0 1 0,4-6 302,3 3 0,-7 19 0,0 0 20,-1 0 1,2 0 0,3 0 0,0-1 72,1 3 1,0 0 0,1 0 0,0 2 32,13-19 0,1 8 88,2 8 1,-6 13 161,0 5 1,-6 10-125,-3 5 0,-4 6 47,-6 4 1,-1 6 382,-5 2 1,-6 3-202,-3 1 0,-4 3 349,-6 0 0,-1 0-234,-1-3 1,-3-1 213,-4-2 1,2 1-324,-2-4 0,3-5-315,-3-4 0,1-7 396,6-3 1,-3-3-448,5-3 0,4-6-1063,9-7 1,1-3 586,5-2 0,6 0-804,3-4 0,8 3 658,8-2 0,3 4-654,3 1 1214,2 1 0,5 3 0,-1-3 1</inkml:trace>
+  <inkml:trace contextRef="#ctx0" brushRef="#br0" timeOffset="74">22979 10233 7745,'-9'-9'844,"0"3"1,0-2-470,3 2 0,-1-3-342,4 0 1,0 3 346,3 0 0,1 0 444,2 0 0,3-2-568,6 2 1,4 1-31,6-2 0,0 4-547,3-3 1,1 4 244,-4-1 0,1 2-130,-2 1 0,-2 4 114,0 2 0,-6 4-17,-7 2 0,-2 6 38,-4 3 1,-5 4 132,-4-3 0,-6 4 482,-6-1 1,-3-3-219,-4 0 0,-3 1 219,0-2 1,1-2-155,5-3 0,0-5 374,7 1-579,-3-1 0,15-2-142,-1 0 1,14-2 49,5-1 0,9 0-198,4 3 1,6-2-474,3-1 1,1 1 322,-1 5 0,1-1-458,-4 1 0,-4 3 285,-5 0 0,-8 3 128,-4 0 1,-6 5 288,-7 2 0,-8-1 422,-7 1 0,-9-4-43,-7 4 0,-6-5 138,0-2 1,-3-2 122,2-4 0,0-5-200,1-1 1,6-4-917,3-2 0,5-2 59,7-4 1,2-2-256,8-7 0,4-1-199,2-2 1,10-5-2052,5-2 2932,5 2 0,4-3 0,3 5 0,5-1 0</inkml:trace>
+  <inkml:trace contextRef="#ctx0" brushRef="#br0" timeOffset="75">23743 10549 7839,'-7'0'2406,"1"0"-2419,4 0 13,-6 0 0,7 4 55,-2 3 0,2-1 251,1 3 1,0-1 124,0 8 0,0 0 52,0 6 1,-3 2-122,0 4 1,-2 4 34,2 2 0,-2-1-83,-4 1 1,-4-4 176,1 1 0,-4-5-135,4-1 0,0-8-174,2-2 0,1-8-174,0-4 1,4-4-269,1-5 0,3-6-187,1-13 1,8-5 297,1-10 1,6-4-330,1-5 1,-7 23 0,0 1 352,0-1 0,0-1 0,1 0 0,0-1-95,1 2 0,0-1 0,-1 0 0,1-1 103,3-2 1,0 1 0,-1 2-1,0 2 40,2-1 0,1 2 0,13-11 17,-1 10 0,0 10 211,0 5 1,-4 7-36,-3 10 0,-2 4-101,-3 11 0,-6 2 207,-4 7 0,-4-2-36,1 2 1,-6-2 100,-3-1 0,-6 0 100,-4 0 0,-2-1 115,0-2 1,-1-3 139,1-7 0,-4 2-489,0-5 1,0-4-185,4-4 0,-1-4 124,1-4 0,2-2-802,0-6 0,6 0 377,1-3 0,1-1-737,4-2 0,1 0 121,3 3 1,4 1-125,3 5 1,5 0 1071,4-1 0,1 1 0,2 0 0</inkml:trace>
+  <inkml:trace contextRef="#ctx0" brushRef="#br0" timeOffset="76">24162 10419 7840,'4'-11'767,"-3"-1"-384,2 6 445,2-2-207,0-2 1,1 5 305,1 2 1,-4 9-440,3 4 1,-4 9-7,1 3 1,-2 4 6,-1 2 0,0 4-139,0 2 1,0 2-266,0 1 0,-3 4-106,0-1 1,-4 5-171,1-2 0,-3-5-215,0 0 0,1-8-593,1-3 1,0-3-280,4-5-482,0-9 1760,3-2 0,8-20 0,3-3 0</inkml:trace>
+  <inkml:trace contextRef="#ctx0" brushRef="#br0" timeOffset="77">24739 10568 7813,'-4'14'2965,"-2"3"-2160,-7-5 0,3 2-1124,-3-2 0,3 0 217,1 3 0,-1 2 314,1 4 0,0 0 141,0 4 0,-4 0 152,1 3 1,-1 0-254,4-1 0,0-3-34,-1-2 1,1 1 217,0-2 1,3-3 252,-1-6-791,5-5 1,-2-4 141,4-6 0,1-7-456,2-5 1,2-11 110,5-5 1,0-4-165,2-2 0,0-5-35,3-1 0,1 0 182,3 0 1,-1-1 135,1-2 1,0 3-21,3 3 1,-1 3 237,4 3 1,2 3-28,0 6 0,2 10-94,-7 9 0,0 6 45,-3 6 1,-6 6 36,-4 9 1,-4 3-30,-5 4 0,-4 0 2,-2 0 0,-6 0 604,-4 0 1,-1-1-260,-2-2 0,-3-2 260,1-1 1,-5-3 51,1-1 0,2-3-635,1-6 0,2-1-34,-2-1 0,6-3-117,1-4 1,1-4-239,5-3 1,2-2-565,7-3 0,0 0-595,0-3 0,8 2 216,5-2 1344,3-1 0,11-2 0,2-1 0</inkml:trace>
+  <inkml:trace contextRef="#ctx0" brushRef="#br0" timeOffset="78">25102 10456 7813,'-19'16'0,"1"-1"0,3-8 2000,3 0-1201,2-1 1305,4-5-1507,2 3 0,8-1-256,3 0 1,1 1-175,1-1 1,-1 3-122,-1 3 1,0 0 157,-4 1 0,0 1-9,-3 4 1,-1 1 56,-2 6 1,-5 1-26,-5 2 1,-3 2-71,0 1 0,0-3 41,0 0 0,0-5 18,3 2 1,2-2-135,5-2 0,2-6-160,8-3 1,2-6-28,6 0 0,4-2-328,5-1 0,3-1-654,4-2 1,0-5 501,0-4 1,0-5-862,0 1 1,-3 2 693,0-2 0,-6-2-756,0-4 1508,-5 0 0,-4 4 0,-1-1 0</inkml:trace>
+  <inkml:trace contextRef="#ctx0" brushRef="#br0" timeOffset="79">25214 10465 7813,'4'-5'1185,"-3"1"1,3 8-680,-4 2 1,0 11-6,0 5 0,-4 5-167,-2 4 1,-3 6-102,0 6 1,-3 7-477,6-24 0,-1 1 0,0-1 0,-1-1 343,1 2 0,1-1 0,-6 23-46,3 1 0,0-9-275,3-7 1,2-7-749,4-12 0,1-2 392,2-7 577,2-6 0,5-9 0,-1-6 0</inkml:trace>
+  <inkml:trace contextRef="#ctx0" brushRef="#br2" timeOffset="80">20084 10456 7466,'0'5'3276,"0"-1"-1274,0-4-3272,0 5 2240,0-4-153,0 3-784,-5-4 0,3 1 13,-4 2 1,0-2 173,-3 2 1,-2 1-503,-1-1 0,-4 3-59,-5-2 0,0 3 512,-4-1 1,-4-1-597,-5 1 0,-2 0-28,-2 0 0,-3-2 56,-2-4 0,-6-1 170,-1-2 1,1-3-185,2-7 0,1-5 494,-1-7 1,25 10-1,0-1-102,-2-1 0,1-1 1,3 0-1,0-1 89,-2-1 1,0 0 0,-13-19 31,19 17 0,1 0 0,-10-17 33,3-2 1,8 3 296,5 1 0,3 0 78,6-1 0,2-1-65,1-4 1,6 1-37,6-7 1,7 3-495,-10 21 0,1 0 0,2 1 0,1 0 119,1-1 0,0 0 1,2 3-1,1 1-13,0-1 0,1 0 0,1 4 1,0 1 7,0 1 1,0 1 0,1 2 0,0 0-201,2 0 0,0 1 0,24-3-38,-23 8 0,0 1 0,1 1 0,-1 1-21,2 2 0,0 1 0,2-1 0,0 1 18,1 0 0,0 2 0,-1 1 0,-1 1 38,-1 1 0,0 1 0,0 2 0,0 0 72,-2 2 0,1 1 0,-1 1 0,-1 1-7,2 2 1,-1 0 0,17 14 113,-2 3 0,-8 2 317,-8 1 1,-1 7-23,-3 2 0,-4 0 293,1 0 1,-8 1 17,-1 2 1,-6 5-228,-1-25 1,-1 1 0,0 23 62,-1 0 1,-4-7 131,-2-2 0,-2-4-581,-2-3 1,1-7 281,0-8 0,-1-5-280,1-5 0,1 0 0,2-3 0,2-2 0</inkml:trace>
+  <inkml:trace contextRef="#ctx0" brushRef="#br2" timeOffset="81">24003 11126 9642,'-35'0'-1418,"-2"0"0,1-1 2478,2-2 1,-1-3-260,-2-6 0,-3-7-198,0-6 0,-2-3-586,2-3 0,20 13 1,0-1 98,-1-2 0,-1-1 0,2-2 0,1-1 33,-2 0 0,1 0 0,1 0 0,0 0-24,0 0 0,1 0 0,1 0 0,1-1 170,0 0 0,1 0 0,2-1 0,2 0 136,1 2 1,1 0-1,-4-25 218,7 4 0,7-1-326,8 1 1,-3 19-1,1 1-221,2-1 1,1 1 0,1 1 0,1 1-63,13-20 0,2 2-57,0-2 1,-11 22 0,0 1-45,15-16 1,0 1-232,-3 8 1,4 4-94,2-1 1,5 8-138,1 2 0,5 4-119,-2 5 0,3 2 87,0 4 0,1 7 84,0 3 0,0 6 209,-22-7 1,0 1-1,23 9-40,-21-7 0,-1 1 1,21 12 61,-4 3 1,-4 4 175,-11 2 0,1 3 574,-7 4 0,-4 1 102,-6 5 1,-6 3-171,-4-23 0,-1-1 0,0 4 0,-1 0-215,1 3 1,-2-1 0,-1-1-1,-1 0 268,-1 2 1,-1 0 0,-1-2 0,-2 0-40,0 0 0,-2 0 0,0-1 0,0 0-111,0-2 0,-2 0 0,2-3 1,0 0-20,-15 22 1,1-8 89,-1-5 1,-3-6-1171,0 3 1,1-9 106,-4 0 1,2-4-359,1-5 1,-3-5 365,0-5 1,4-3 637,5-3 0,2-4 0,2-7 0,-1-3 0,0-6 0</inkml:trace>
+  <inkml:trace contextRef="#ctx0" brushRef="#br2" timeOffset="82">19246 11909 11180,'-13'-7'408,"1"1"-134,3 4-143,5-2 0,9 4-509,5 0 1,3 4 520,6 2 1,4 4 73,1 2 1,3-1-52,1 5 0,4-5-9,2 2 0,4 0-308,2 0 1,2-1 105,5-3 1,-1 0-33,-3-3 1,1-2 148,-3-4 1,-2 0-187,-5 0 1,-3 0-210,-6 0 0,-3 0 82,-7 0 0,2 0-319,-5 0 1,-2 0 59,-4 0 548,-4 0 0,6 0 0,-3 0 0</inkml:trace>
+  <inkml:trace contextRef="#ctx0" brushRef="#br2" timeOffset="83">23752 12532 8593,'-22'-6'-597,"1"0"1,2 4 296,3-1 1,8 2 2154,-1 1-492,6 0-1280,-1 0 63,16 0 1,-1 0 162,11 0 0,-1 0-32,0 0 0,3 1 21,4 2 1,4-1-205,2 4 1,0 0 105,0 4 0,1-1-430,5 0 1,0 1 74,3-1 0,-1 0-111,2 1 1,-3-1-58,-4 0 1,-3-3-304,-3 1 1,-7-5-451,-2 1 1076,-6-2 0,-2-4 0,-1 0 0,1 0 0</inkml:trace>
+  <inkml:trace contextRef="#ctx0" brushRef="#br2" timeOffset="84">17765 6508 8651,'-5'0'-679,"0"3"-607,2 0 1181,2 1 1,-4-3 56,5 2 344,-4-2-363,3 3 82,-3-4 1,3 0-40,-2 0-2,2 0-114,-3 0 125,4-4 0,0 2 229,0-5-106,0 5 0,-1-2 80,-2 4 191,2 0-164,-3 0 183,-1 0 42,4 0 35,-7 0-699,7 0 387,-3 0-189,4 4 0,4-2 89,2 5 0,4-1-29,2 3 1,-1 4 46,5-1 0,-4 1-11,4 0 0,-4-3 9,4 3 1,-2-3 6,2-1 1,0 1-73,-3-1 0,2-1-7,-2-2 0,0 2-45,0-5 1,-3 0-14,2-3 1,-1 0-27,-2 0 1,-3-1 19,0-2 1,1-2 35,2-5 0,-3 1 34,0 0 26,0-5 0,4 4-2,-1-3 0,-3 4 2,1 3 0,-1-1 6,3 4 0,-3-4 259,0 4-196,1 0 0,2 4-19,0 2-19,1 2 0,-1 8 40,0-1 1,1 1-55,-1-4 0,-3 0-60,0 1 0,0-1 101,4 0 0,2-3-137,1 1 0,-1-4 5,-3 3 0,2-4 0,1 1 0,-1-2-31,5-1 0,-4-4-151,4-2 0,-4-3-2,4-4 0,-2 2 161,2-5 1,-2 5-55,-1-2 1,-3 3 65,3 1 0,0-1 47,-1 1 1,-2 1 134,-4 2 55,0 2-58,3 4 56,1 0 1,-1 3-48,0 0 1,-2 4-95,-1-1 1,-3 2 81,3 2 0,-1-4-33,1 0 0,3-1-55,-3 2 1,2 1-39,2-2 1,-1-2-23,0-1 0,0 1 9,1 0 0,-1-1-62,0-3 0,2 0-131,1 0 1,0 0 110,3 0 0,-3 0-4,4 0 1,-4 0 14,4 0 0,-4-3-32,4-1 0,-4-3 84,4 1 0,-4 1-8,4-1 1,-4-1 65,4-2 1,-5 3 15,1 0 0,2-1 92,-2-2 0,4 1-109,-4 2 1,1-3 131,-4 3 0,1 2-146,3 1 0,-3-1 141,2 1 0,-1 0-34,-2 3 0,1 3 81,3 0 0,-3 4-80,3-1 0,-3 3 34,-1 0 1,2 0-130,1 0 1,-2 1 81,3-1 0,-2-3-220,2 0 1,-3-2 114,2 2 0,2-4-476,-2 1 0,2-2-181,-2-1 1,3 0 637,3 0 1,5-8 0,1-3 0</inkml:trace>
+  <inkml:trace contextRef="#ctx0" brushRef="#br2" timeOffset="85">15931 5428 7075,'-6'0'-1404,"-1"0"1,1 0 2274,-3 0-146,4 0-654,-4 0 3205,8-4-2228,-3 3 0,5-3-560,2 4 1,3 0-487,3 0 0,0 1 44,1 2 1,-1-1 178,0 4 0,0 0 75,1 0 0,0 2 72,3-2 0,-3-1-155,2 2 0,2-4-584,-2 3 0,2-3-292,-2 3 1,-1-4 617,5 1 1,-4 2 14,4-2 0,-5 0-290,2-3 0,-2 0-78,1 0 1,-1 0 35,1 0 0,-1 0 84,-2 0 0,-3 0-21,0 0 128,1 0 0,1 1 375,-2 2 0,1-1 85,-4 4 361,5 0 1,-4 4 29,2-1 0,2-3-242,-2 0 0,3 0-202,0 0 0,0-1-21,1-2 1,-1-2-214,0 2 1,1-2-67,-1-1 0,3 0-82,1 0 1,3-1-273,0-2 1,-2 1-45,2-4 0,-5 3 349,2-4 0,0 4 75,-1-3 1,4 4 3,-4-1 0,1 2 47,-4 1 0,0 0 126,1 0 1,-1 0-135,0 0 0,1 1-55,-1 2 1,0-2-131,1 2 0,0 1-10,2-1 0,-1 1-142,1-4 1,2-1 268,-2-3 0,3 2 175,-2-4 1,2 3 108,-2-3 1,2 1-7,-2-2 0,2-1 84,-2 2 1,0 1-28,0-1 0,-2 3-115,4-4 0,-3 5 43,0-1 1,2 2-246,-2 1 0,2 0-109,-2 0 1,-2 0 6,3 0 0,0 0-119,0 0 0,2 0-4,-2 0 0,2 1-35,-3 2 0,2-2 16,-2 2 1,0 2 162,3-2 0,-3 0 22,0-3 1,-2 3 120,0 0 0,2 0-320,0-3 0,2 3 103,-2 0 1,-1 0 88,1-3 1,3 1-248,0 2 1,0 0 228,0 3 0,1-4-627,2 1 792,5 2 0,1 0 0,4 5 0</inkml:trace>
+  <inkml:trace contextRef="#ctx0" brushRef="#br2" timeOffset="86">15065 11192 17034,'-9'0'-158,"-1"0"-161,1 0 1,0-1-660,-1-2 1,1 1 632,0-1 1,3-1-73,-1 1 0,1 0 430,-3 3 1,3-3-144,-1 0 1,1 0 61,-3 3 0,3-3-127,0 0 0,-1-4 14,-2 4 1,3-3 80,0 3 0,2-1 120,-2 1 0,4 1-110,-1-5-271,-2 5 305,4-2 1,-2 1 37,6 0 0,-1 0 561,4 3 0,0 1-246,4 2 0,-1-1-55,0 4 1,1 0-174,-1 4 1,3-1-19,1 0 0,-1-2 45,-3-1 1,4 0 87,-1 3 1,2 1-396,-2-1 0,-1-3-188,1 0 0,-2 1 246,0 2 0,2-3 175,0 0 0,1-1 76,-4 2 1,0-3 195,1-4 1,2 0-160,1 0 1,-1 0 212,-3 0 1,4 0-103,-1 0 0,4-4 199,-4-3 1,2 2 105,-2-1 0,-2 3-38,3-3 0,0 4 22,0-1 0,-1-2 43,-3 2 0,1 0-355,-1 3 0,0 3-128,1 0 1,-1 4-248,0-4 0,0 4-239,1-1 0,-1 3-174,0 0 0,2-1 4,1-2 0,2 2 294,1-5 0,3 3-280,-3-3 0,3 0 149,0-3 1,1 0 473,0 0 0,-1 0 82,1 0 1,-4 0 131,1 0 0,-2-3 210,2 0 0,1 0-139,-5 3 1,1-3 71,0 0 1,-3-1-169,3 4 0,-3 0-142,-1 0 1,1 5-385,-1 1 1,0-1-17,0 1 0,0 0-196,-3 4 0,2-1-28,-2 0 1,4 1 21,2-1 0,-2 0 4,3 1 0,-3-4 117,0 0 0,0-1 195,2 1 1,0 2 344,3-5 0,-3 0 90,0-3 1,1 0 214,0 0 0,2 0-70,-2 0 1,3 0 22,0 0 0,-2 0-208,2 0 1,-1 0 43,4 0 1,-1 0-75,-3 0 0,4 0-15,-1 0 0,0 0-140,1 0 1,0 0-39,0 0 0,-1 0-24,4 0 0,-2 0-51,-2 0 1,1 0 55,0 0 0,0 0-252,3 0 0,-5 3-323,1 0 1,-1 4-1470,1-1 1881,1 7 1,4 5 0,1 6-1</inkml:trace>
+  <inkml:trace contextRef="#ctx0" brushRef="#br2" timeOffset="87">22849 6369 9364,'-9'1'153,"-1"2"-445,-3-2-48,2 3 1139,2 0 1,2 1 794,4 5 1,0-4-299,3 0 1,0 1 45,0 6 1,0-2 126,0 5 1,0-1-285,0 4 1,0 0-161,0 3 0,0 5 240,0 4 1,-3 4-323,-1-1 1,0 7-713,1 2 1,1 6-172,-4 0 0,4-22 0,1 0-170,-2 0 1,0-1-1,0 1 1,0 1 86,1 0 1,-2 0 0,0 1-1,0 0 53,1-1 1,0-1-1,0 2 1,1-1 43,-5 22 1,6-24 0,-1 1-13,-4 22 0,5-22 1,0-1 81,-2 24 1,2-1-68,1-2 1,0 1-1,0 1 1,0 3-159,0-24 0,0 0 1,0 25 57,0-1 0,0-2 12,0 3 0,3-5 50,0 2 0,1-5-245,-1-2 0,-1-1-50,5 2 1,-4 1-10,3-1 0,-3-2 201,3 2 1,-3-1-24,4 4 0,-5-5 108,1-1 1,-1-3-136,1-1 1,-2-3 58,2 0 0,1-8-79,-1-1 0,1-5 310,-1-5 1,0-1-410,3-5 1,-3-4 11,3-2 0,-3-2-784,3-1 1,-3 0 78,4 0 0,-1 0-202,3 0 1,1-1 120,-1-2 1,3 1 90,1-4 1,2 3 49,-2-3 0,3-1 155,0-2 1,2 0 263,4-1 0,-2 1 383,1 0 0,2 3 43,-1-1 1,1 1 37,-2-3 0,0 0 87,4-1 1,-3 4-181,2 0 1,-1 3-32,5-4 1,-2 5-15,5-1 1,-2 2 252,-1 1 1,4 0-174,2 0 1,1 1 106,-1 2 1,3 3-30,-3 3 0,7 0-287,6 1 1,-4-1 288,4 0 1,-4-3 6,1 1 1,0-1 5,-4 3 1,1-4-7,-4-2 1,0 1 44,1 0 1,-3-1-109,2-3 1,-6 0-50,3 0 1,-4 0-48,-2 0 0,-1-4-165,-2-3 1,1-1 108,-5-1 0,1-2 116,-3-1 0,1 2-154,-1-3 1,1-1 415,-8-2 0,1 2-133,-4-2 0,-3-2 214,0-4 0,-3-4-11,4 1 0,-5-2 39,1-1 1,1-4-4,-1-2 0,1-3-36,-1-3 0,-2 0-235,2-3 0,-1-4 237,2-2 1,-3-2-503,2 1 1,-3-1 155,-2 23 1,1 0 0,-2-3 0,0 0 24,-1 0 0,-1-1 0,0-1 0,1 0-45,-1 2 1,0 0 0,1 1 0,-1-1 98,0 0 1,1 0 0,-1-1 0,1 0 45,-1-1 0,0 1 0,1 0 0,0 2 26,1 3 1,0 1 0,-1-1 0,1 0-50,-1-23 1,-2-1-10,3 4 1,-1 0 97,1 6 1,1 1-64,-4 3 1,2-1-155,-2 1 0,0 3-89,-3 0 0,3 4 120,-1-1 1,1-1-81,-3 1 0,-1 3-59,1 3 1,-3 1 379,-1-1 1,2 0-269,5 3 0,-3 0 199,3 3 0,-2 4-114,-1-1 1,0 2 43,3-2 0,-5 3-86,2 4 1,-4-1-114,1 1 1,-3 1-9,-3 2 1,-5-2 118,-2 5 1,-3 0-175,-3 3 1,-2 0 117,-4 0 1,-1 3-17,1 0 0,2 4 2,-2-4 0,6 0-43,-3-3 1,0 0-131,3 0 1,-4-4 220,1-3 0,-2 2-274,-1-1 0,-1 3 112,1-3 0,-1 4 88,-2-1 0,1-2 223,-1 2 0,2 0-218,0 3 0,0-3 403,-2 0 1,6 0-6,0 3 0,8 0-134,4 0 1,2 0-109,2 0 0,0 0 4,3 0 1,-2 0-387,5 0 0,-2 0-99,2 0-963,1 0 992,-2 0 475,8 4 0,-4-3 0,4 3 0</inkml:trace>
+  <inkml:trace contextRef="#ctx0" brushRef="#br2" timeOffset="88">17691 5577 9542,'-10'0'-428,"4"0"-536,0 0 875,0 0 451,1 0 0,5 0-79,6 0 1,5 0-87,2 0 1,6 1-101,0 2 0,6 3 43,-1 3 0,6 0 75,1 0 1,5 1-67,-2-1 1,6-1-313,4-1 0,4 0 200,2-4 0,-22 0 0,0 0-24,-2-1 1,1-1 0,1 1-1,-1-1-58,23-1 1,0 0 210,-4 0 0,4-3-78,0 0 1,-4 0 7,-2 3 1,-2 0 118,1 0 0,2 0-144,-5 0 0,-2 0 147,-4 0 0,0 3-99,3 0 0,3 3-27,1-2 1,-4-1-53,-3-3 0,-3 0 87,3 0 0,0 0-56,4 0 1,-1 0 40,0 0 0,3-3-184,1-1 0,2-2 26,-2 3 1,-4-3 73,-3 3 1,-3-3 49,3 2 0,-1-2-47,1 3 1,2-3 4,-5 3 0,0-4 36,-3 0 0,3 2-40,0-1 1,-3 0-10,-4-3 0,0-1-52,1 1 1,2 0 239,-2-1 0,1 1-294,-1 0 0,1-4 150,-1 1 1,4-4-166,-1 4 1,1-5 38,-7 2 0,0-3 13,-4 0 0,3-1 115,-3 0 1,2 0-113,-7-3 1,2 1 242,-3-4 1,1 4-14,-4-4 1,-3 0 143,1-3 1,-4-4-206,3-2 1,-4 1 13,1-1 0,-2 3-89,-1-3 1,-4 4 49,-2-2 1,-2 4-230,-2 0 0,0 3 71,-3 0 1,-1-3-256,-5-3 0,-3-3-40,-3 3 1,-2-3-265,-1 3 1,-5-5 421,-4 2 1,-2 2-155,18 16 1,-1 1 0,-18-10 221,-4 4 0,1 2-112,-4 3 0,0 4 205,1 6 0,-5 2-84,-2 4 1,1 0 71,24 0 1,0 0-1,-22 0-98,-3 0 1,1 0 58,-1 0 0,26 0 0,-1 0 34,0 0 0,0 0 1,-22 0-9,3 0 1,0 0 0,4 0 0,-4 0 12,-2 0 1,1 0-57,-1 0 0,1 0 48,1 0 1,4 0-131,-1 0 1,4 3 200,-3 0 1,2 4 13,-2-1 1,1 6-2,-4 0 1,9 1 7,-4-4 1,8 0 57,-1 1 1,3 0-93,-3 2 0,4-4 56,-1 1 0,2-2-20,1 2 0,-2 1 140,2-1 1,-1-3-171,7 0 1,1 1 308,2 2 0,-2 0-300,3 1 1,-3 0 229,5 2 1,-1-1-177,-2 1 1,1 2 13,-1-2 1,0 3 68,1-2 1,0 0-97,3 0 0,-3-2 23,3 5 1,1-4 34,2 4 1,-2-1 7,2 4 0,-1 2-5,4 1 0,0 4 18,0-1 1,0 1-42,3-1 1,-1 5 34,4-3 1,0 0-159,3-2 1,0 0 139,0 3 0,0 2-206,0-2 0,0 2 46,0-5 0,1 1-198,2-2 1,2 3 9,4-2 1,5-2-188,1-1 0,7-2-569,3 2 1,6 1 919,3 2 1,2 2-1,1-4 1</inkml:trace>
+  <inkml:trace contextRef="#ctx0" brushRef="#br2" timeOffset="89">23901 8985 8971,'-9'0'-1539,"3"1"2437,3 2 1,2-1 354,1 4 1,0 1-86,0 2 1,4 1-601,3 3 0,1 1-275,1 5 0,1 0-79,-1 3 0,3-1 345,1 4 1,0-4-101,0 4 1,-2-3-138,4 3 1,-3-5-593,0 2 0,-1 1 169,-2-1 1,0 4-15,1-2 0,-5 0 241,-2 1 1,1-1-71,-1 1 0,0 4 107,-3-5 1,0 1-118,0-6 1,0-1 23,0 1 1,-1-4-85,-2-3 1,1-6-185,-4-3 1,0-2-259,-4-1 0,1 0-64,0 0 0,-1-1 58,1-2 1,-3-3 153,-1-6 0,-2 0-80,2-3 0,1 0 185,3 0 1,-1-3 89,1 3 0,0 0 219,-1 0 1,2 3 339,2 0 1,1 2 260,2 4 354,1-2-859,-2 7 1,4 1 145,0 6 0,1 7 63,2 2 0,6 7-164,3 3 0,4 2 20,-4 0 1,5 0-64,-2-2 0,3-2-52,0-4 1,1-5-37,0-2 0,-1-2-60,1-4 1,-2-2-277,-1-4 1,1-4 184,-5-2 1,3-7-185,-2-2 1,-1-3 155,-2 0 1,-1-2-723,0-2 1,1 2-193,-1-5 0,3 4-635,1-1 1,0-1 1681,0-2 1,1-6 0,5-2-1</inkml:trace>
+  <inkml:trace contextRef="#ctx0" brushRef="#br1" timeOffset="90">22076 12300 8344,'-12'0'0,"-1"0"83,1 0 504,2 0-721,5 0 110,1 0 165,12 0 1,2 0-36,5 0 0,2 0-5,-5 0 1,6 0-85,0 0 1,1 0 136,3 0 1,-3-3-235,0-1 1,1 1 121,1 3 0,0-1-97,4-2 0,-4 2 84,0-2 1,2 2-2,-1 1 1,3 0 49,-4 0 0,1 0 6,-3 0 0,0 1 148,3 2 0,-3-1-97,-1 4 0,1 1 96,-3 2 1,-2-3-75,2 0 0,-2 1 74,2 2 0,-2 0-73,-2 0 1,0 2-9,3 1 0,1-2-36,2-1 1,-2 0-1,0-3 1,0 0-198,6 0 1,-2-4 115,5 1 1,-3-2-385,3-1 1,-2-1 171,5-2 0,-6-3-785,6-7 0,-1 2 964,4-5 0,-2-3 0,3-5 0</inkml:trace>
+  <inkml:trace contextRef="#ctx0" brushRef="#br1" timeOffset="91">24692 12560 8492,'-1'-8'-93,"-2"2"1,2 1-117,-2 2 310,-2-3 0,4 0-81,-2 0 1,2 3 331,1-3-267,0 4 67,0-3 215,0 5-285,4 0 1,1 4 22,4-1 0,1 4-102,-1-1 1,3 2 56,1 2 1,3 0-115,0 2 1,1-1 86,2 1 1,-1-2-143,-3-4 0,3 2 10,-3-2 0,2-1 128,-2 2 1,0-4-92,-3 3 83,-1-4 0,2 2 30,-4-4-50,-3 0 12,-2 0 55,-4 0 6,0-4 254,0 3-168,0-3-46,4 4 1,0 1-9,2 2-92,2-2 1,-2 6-17,3-4 1,0 1-3,1 0 0,-1-3-15,0 2 0,0-2-23,1-1 0,-1 0-10,0 0 0,1-1 56,-1-2-21,0-3 0,1-3 10,-1 0 0,-3 0 3,0-1 1,0 4 4,0 0 1,2 4 0,-6-2-79,4 4 1,-3 1-159,4 2 1,-4-1-158,3 4 1,-1 0 391,1 4 0,3-1 0,-4 0 0</inkml:trace>
 </inkml:ink>
 </file>
 
@@ -1078,6 +1080,7 @@
           <inkml:channelProperty channel="F" name="resolution" value="0" units="1/dev"/>
         </inkml:channelProperties>
       </inkml:inkSource>
+      <inkml:timestamp xml:id="ts0" timeString="2024-10-15T13:44:13.968"/>
     </inkml:context>
     <inkml:brush xml:id="br0">
       <inkml:brushProperty name="width" value="0.09071" units="cm"/>
@@ -1086,17 +1089,17 @@
     </inkml:brush>
   </inkml:definitions>
   <inkml:trace contextRef="#ctx0" brushRef="#br0">3566 3520 8312,'-4'18'0,"0"2"0,-2 2 0,-2 1-372,5 5 1,0 4 555,3 2 1,-4 9-28,-2 0 1,1 5-384,-2-5 1,2 2 230,-1-2 1,2-2 261,4-7 1,0-6-67,0-7 0,0-5 119,0-4 0,4 1-41,2-4 1,6 1-105,0-6 1,1 0-170,0-1 0,1-2 132,5 2 0,1-2 78,1-1 0,2 0-142,2 0 1,2-1-673,-2-2 0,-3 2-23,0-2 0,-2 2 621,-2 1 0,5 0 0,1 0 0</inkml:trace>
-  <inkml:trace contextRef="#ctx0" brushRef="#br0">4013 3836 8418,'-5'4'1171,"-3"-2"-818,1 4 1,3 2-474,1 4 0,-1 0-81,1 3 0,0 4 220,3 2 1,1 5-57,2-1 1,-1-2 59,4-1 0,3-3-451,4 0 1,2-5 230,-2-1 0,2-7 117,-2-3 1,2-3 124,-2-3 1,2-3 456,-2-7 0,-1-2-119,-3-7 1,-2 1 152,-1-3 0,-4 2-125,1-3 1,-2 4-91,-1 0 1,-4 1-357,-2 1 0,-3 2 187,0 1 0,-3 3-844,-1 3 1,-2 2 416,2 2 0,0 2-798,0 4 0,6 0 1,-2 0 1072,2 0 0,-3 0 0,1 0 0</inkml:trace>
-  <inkml:trace contextRef="#ctx0" brushRef="#br0">4451 3780 8425,'-10'-4'-199,"1"3"448,0-2 1,-1-1 78,1 1-355,0 0 1,-1 4 114,1 2 0,1 6-291,2 7 0,-2 2 73,5 4 1,-3-1 63,3 3 0,0 2 5,3 5 1,0-6-119,0 0 0,4-4-8,2-3 1,2-4-266,2-5 0,-1-4 309,0-5 1,3-5 3,-3-4 0,2-6 377,-4-6 1,1 0-132,1-4 0,-3 3 421,1-3 0,-5 5-189,1-2 0,1 3-8,-1 4 1,0 1 146,-3 5-460,4 0 0,-3 5-143,2 4 1,-1 6 104,-2 9 0,0 6-108,0 10 1,0 0 74,0 6 0,0 0-228,0 6 0,0-2 199,0 6 0,0-4 61,0 4 0,0 0 87,0-4 1,0-1 153,0 2 1,0-6 11,0-1 1,0-3-124,0-7 0,-5 0 248,-1-2 0,-2-3-70,-1-7 0,-4-1-28,1-5 0,-2-3-135,2 1 1,1-5-251,-5 1 1,5-6-472,-2-4 1,0-2 464,0-3 0,-1-3-742,5-3 0,-3-2 373,6-2 1,2-2 500,1-3 0,2-6 0,1 0 0</inkml:trace>
-  <inkml:trace contextRef="#ctx0" brushRef="#br0">4730 3827 11757,'0'13'-300,"0"-1"225,0 3 1,3 5-32,0 5 0,1 5-192,-1 1 1,-1 0-232,5-3 1,-5-4 11,1 1 0,1-4-877,-1 1 1394,4-7 0,-2-1 0,5-5 0</inkml:trace>
-  <inkml:trace contextRef="#ctx0" brushRef="#br0">4683 3566 8224,'-3'-6'486,"0"0"854,-4 4-1190,6-3 1,-2 5-660,6 0 1,5 1-554,5 3 1,0 2 1061,-1 6 0,-1 3 0,2 3 0</inkml:trace>
-  <inkml:trace contextRef="#ctx0" brushRef="#br0">5112 3808 8140,'-6'-9'-274,"3"0"1,-1 2 890,1 1 0,-3 0-131,3-3 0,-4 0-175,0 3 1,0 1-42,1 2 1,-2 2-250,1-2 1,-1 6-48,-1 3 0,0 6-181,-1 4 1,2 5-369,2 0 1,-1 5 329,3-1 0,1-1-458,3 1 1,0-5 308,0 2 1,3-2 393,1-2 0,7 1 0,-1 0 0</inkml:trace>
-  <inkml:trace contextRef="#ctx0" brushRef="#br0">5307 3827 8140,'5'-14'0,"-1"4"152,-4-2 0,0 0 348,0 0 0,-1 1-72,-2-1 1,-2 2-189,-4 0 1,2 2-47,-3 2 1,3-1 45,-5 4 1,1 0-191,2 7 0,1 2 157,2 6 1,-3 3-339,3 3 1,2 1-31,1 0 0,-1 2-34,1 1 0,-1 3-328,4-3 0,0-2 272,0-4 0,4 0-147,-1-3 1,4-1 69,-1-3 0,2-3-21,2-3 1,2-3 71,1-3 0,2-6 365,-3-3 0,4-5 173,-4 2 1,2-3 231,-2 0 1,-1 3-179,1 3 0,-5 1 87,-1 2 0,1 1 74,2 2-266,-4 1 1,2 6-245,-3 3 1,-1 1 62,-3 4 0,3 3-549,0 1 1,0 2 45,-3-2 0,1-1-150,2-2 1,-1 1-35,4-2 1,-3 2 657,4-8 0,-5 0 0,10 1 0,-2 1 0</inkml:trace>
-  <inkml:trace contextRef="#ctx0" brushRef="#br0">5568 3445 8140,'-1'-11'132,"-2"1"0,2-1-132,-2 5 760,2 2 1,1 5-224,0 8 1,0 5-233,0 8 1,3 6-213,0 6 1,0 7 122,-3 2 0,0 3-534,0 0 1,0 1 360,0-1 1,3 0-593,0-3 0,4-6 308,0-6 1,1-7-449,1-5 0,1-6 100,3-6 1,0-3-58,3-4 0,5-1 646,-3-2 0,7-3 0,-1-3 0</inkml:trace>
-  <inkml:trace contextRef="#ctx0" brushRef="#br0">5950 3920 8140,'0'9'1610,"-1"-1"-503,-3-1-1071,3 1 0,-3-3-31,4 4-5,0 1 0,0-1 0,0 0 0</inkml:trace>
-  <inkml:trace contextRef="#ctx0" brushRef="#br0">8510 5465 8253,'-14'0'252,"-1"2"157,3 1 0,4-2-5,-1 2 131,6-2-570,-1-1 116,12 0 0,-1 0-27,9 0 0,-1 0 17,4 0 0,1-3-130,1 0 0,0-2 123,4 2 0,0 2-175,3-2 1,0 2 62,0 1 0,0 0 118,0 0 0,4 3 75,2 0 0,2 5-73,1-2 0,4 1-60,-1-1 1,4 2 103,0-5 0,-3 3 6,0-3 0,0 0-31,-1-3 1,7 0-20,-4 0 1,4 0-106,-7 0 1,4 0 88,-4 0 0,3 1-152,-2 2 0,-1 2 92,-3 5 0,4 0-41,-1 2 1,3 3 46,-2 4 0,0-4-24,0 1 0,-2-5-1,4 1 1,0-2 18,0-4 0,3-2 98,-3-4 1,3 0-84,0 0 1,3-4 90,-3-2 0,2-3-328,-8 0 1,5 0 237,-2-1 0,2 1-61,-2 0 0,-1 0-15,-5-1 1,3 4 86,1 0 0,2 4-10,-3-1 1,1 2 232,-4 1 0,3 1-145,1 2 1,2-1 123,-3 4 0,2-3-104,-2 3 1,-1-3-17,5 4 0,1-5-21,2 1 1,2-2-28,-6-1 0,3-3 29,0 0 1,4-8-33,-1 2 0,-22 5 1,0 0-35,0 0 0,-1 1 0,2 1 1,0-2 14,1 0 0,1-1 0,-3 2 0,0 0-11,1-1 0,0 2 1,-2 0-1,1 0 10,1-1 0,0 0 1,2 2-1,-1 0-55,1 0 1,-1-1 0,0 1 0,0 1 38,24 0 1,-3 0-95,-3 0 1,4 0-336,2 0 0,-3 0 174,0 0 0,-3 0-687,0 0 0,1 0 416,1 0 0,0 0-932,4 0 1440,-25-2 0,1 0 0,-1 2 0,0 0 0,3-2 0,-1 0 0,2-1 0,0 1 0,1-1 0,0 0 0</inkml:trace>
-  <inkml:trace contextRef="#ctx0" brushRef="#br0">2384 6927 8296,'-10'-4'0,"1"3"-846,0-2 699,-1 2 541,5 1 1,2 1-142,6 2 1,2-1-179,5 4 0,3 0-24,3 0 1,1 1-27,2-4 1,4 0-77,1-3 1,3 0 67,1 0 1,1-4-18,2-2 1,2-3 83,5-4 0,-4 2 101,0-5 1,0 4-98,3-4 1,-4 6 7,-2 1 0,-5 0 219,-1 6 0,-1 0-48,1 3 0,1 0-42,-5 0 1,2 3-44,-1 0 0,-2 5-154,5-2 0,-1 1 53,1-1 0,1 2-139,-4-5 1,3 1 37,0-1 1,-1-2 99,1 2 0,0-2-189,3-1 0,1-3 41,2 0 0,-2-3-45,2 3 1,-2-5 130,-1 2 0,4 1 9,2-1 1,-2 3 34,-1-4 0,2 5 152,1-1 1,0-1-37,3 1 1,-4 1-129,4 5 0,-5-1 214,2 4 1,0 0-88,3 4 1,-4-4 52,-2 0 1,2 0-7,-2 4 0,1-4-41,-1 0 0,-2-3 35,2 3 0,1-3 12,-1 0 0,0-1-11,-3 1 1,0-2-2,0 2 1,1-2-265,2-1 1,-1 0 80,4 0 1,-4 1-714,1 2 1,-2-1 384,-1 4 1,4 1-1347,2 2 1,3 1 1577,4 3 0,1 1 0,5 5 0</inkml:trace>
-  <inkml:trace contextRef="#ctx0" brushRef="#br0">8547 7309 8362,'-9'0'-109,"0"0"-143,-1 0 1,6-1 83,4-2 0,5-2 225,8-5 1,5 1 153,7 0 1,0-2-201,3-1 0,-1 1 90,7-5 1,-3 2-78,3-2 1,1-1-123,6 1 1,0-1 116,3 2 0,-3 1 80,-4 5 1,1 4-78,-1 2 1,-4 2 6,-2 1 1,-3 4 222,-3 2 0,2 2-72,-3 2 1,3 2 41,1 1 0,0 2-81,0-2 1,0 2-147,0-3 1,3 1 56,0-4 1,3-1-9,-3-1 1,1-2 6,-1-2 0,2-2-162,5 2 1,0-2-183,2-1 0,0-3 297,3 0 1,1-3-49,2 3 1,-4-5 35,-1 2 1,1-1-2,2 1 0,1-2 11,2 5 1,-5-1 0,-1 1 0,-3 2 72,-1-2 1,2 2 10,-1 1 0,1 0 81,-5 0 0,5 0-74,2 0 0,5-1-42,-2-2 0,0-1 10,-3-3 0,1-4-2,5 2 1,2-3 26,1 3 1,-1 0-8,-2-1 0,4 1-31,-25 5 1,1-1-1,23-4-275,0-1 0,-3 4 219,0 0 1,4 3 48,-25 0 0,0 0 0,22-1 30,-1-2 1,-4 4-8,0-1 1,3 2-16,-3 1 0,2 0 12,-2 0 1,0 3 14,-3 0 0,-1 4-179,5 0 0,-8 1 148,1 1 0,2 1-534,1-1 1,1 1 213,0 3 1,-3-3-732,2 2 1,2 0 1005,-2 0 0,0 0 0,-2 1 0,-1-1 0,0 0 0,0 0 0</inkml:trace>
+  <inkml:trace contextRef="#ctx0" brushRef="#br0" timeOffset="1">4013 3836 8418,'-5'4'1171,"-3"-2"-818,1 4 1,3 2-474,1 4 0,-1 0-81,1 3 0,0 4 220,3 2 1,1 5-57,2-1 1,-1-2 59,4-1 0,3-3-451,4 0 1,2-5 230,-2-1 0,2-7 117,-2-3 1,2-3 124,-2-3 1,2-3 456,-2-7 0,-1-2-119,-3-7 1,-2 1 152,-1-3 0,-4 2-125,1-3 1,-2 4-91,-1 0 1,-4 1-357,-2 1 0,-3 2 187,0 1 0,-3 3-844,-1 3 1,-2 2 416,2 2 0,0 2-798,0 4 0,6 0 1,-2 0 1072,2 0 0,-3 0 0,1 0 0</inkml:trace>
+  <inkml:trace contextRef="#ctx0" brushRef="#br0" timeOffset="2">4451 3780 8425,'-10'-4'-199,"1"3"448,0-2 1,-1-1 78,1 1-355,0 0 1,-1 4 114,1 2 0,1 6-291,2 7 0,-2 2 73,5 4 1,-3-1 63,3 3 0,0 2 5,3 5 1,0-6-119,0 0 0,4-4-8,2-3 1,2-4-266,2-5 0,-1-4 309,0-5 1,3-5 3,-3-4 0,2-6 377,-4-6 1,1 0-132,1-4 0,-3 3 421,1-3 0,-5 5-189,1-2 0,1 3-8,-1 4 1,0 1 146,-3 5-460,4 0 0,-3 5-143,2 4 1,-1 6 104,-2 9 0,0 6-108,0 10 1,0 0 74,0 6 0,0 0-228,0 6 0,0-2 199,0 6 0,0-4 61,0 4 0,0 0 87,0-4 1,0-1 153,0 2 1,0-6 11,0-1 1,0-3-124,0-7 0,-5 0 248,-1-2 0,-2-3-70,-1-7 0,-4-1-28,1-5 0,-2-3-135,2 1 1,1-5-251,-5 1 1,5-6-472,-2-4 1,0-2 464,0-3 0,-1-3-742,5-3 0,-3-2 373,6-2 1,2-2 500,1-3 0,2-6 0,1 0 0</inkml:trace>
+  <inkml:trace contextRef="#ctx0" brushRef="#br0" timeOffset="3">4730 3827 11757,'0'13'-300,"0"-1"225,0 3 1,3 5-32,0 5 0,1 5-192,-1 1 1,-1 0-232,5-3 1,-5-4 11,1 1 0,1-4-877,-1 1 1394,4-7 0,-2-1 0,5-5 0</inkml:trace>
+  <inkml:trace contextRef="#ctx0" brushRef="#br0" timeOffset="4">4683 3566 8224,'-3'-6'486,"0"0"854,-4 4-1190,6-3 1,-2 5-660,6 0 1,5 1-554,5 3 1,0 2 1061,-1 6 0,-1 3 0,2 3 0</inkml:trace>
+  <inkml:trace contextRef="#ctx0" brushRef="#br0" timeOffset="5">5112 3808 8140,'-6'-9'-274,"3"0"1,-1 2 890,1 1 0,-3 0-131,3-3 0,-4 0-175,0 3 1,0 1-42,1 2 1,-2 2-250,1-2 1,-1 6-48,-1 3 0,0 6-181,-1 4 1,2 5-369,2 0 1,-1 5 329,3-1 0,1-1-458,3 1 1,0-5 308,0 2 1,3-2 393,1-2 0,7 1 0,-1 0 0</inkml:trace>
+  <inkml:trace contextRef="#ctx0" brushRef="#br0" timeOffset="6">5307 3827 8140,'5'-14'0,"-1"4"152,-4-2 0,0 0 348,0 0 0,-1 1-72,-2-1 1,-2 2-189,-4 0 1,2 2-47,-3 2 1,3-1 45,-5 4 1,1 0-191,2 7 0,1 2 157,2 6 1,-3 3-339,3 3 1,2 1-31,1 0 0,-1 2-34,1 1 0,-1 3-328,4-3 0,0-2 272,0-4 0,4 0-147,-1-3 1,4-1 69,-1-3 0,2-3-21,2-3 1,2-3 71,1-3 0,2-6 365,-3-3 0,4-5 173,-4 2 1,2-3 231,-2 0 1,-1 3-179,1 3 0,-5 1 87,-1 2 0,1 1 74,2 2-266,-4 1 1,2 6-245,-3 3 1,-1 1 62,-3 4 0,3 3-549,0 1 1,0 2 45,-3-2 0,1-1-150,2-2 1,-1 1-35,4-2 1,-3 2 657,4-8 0,-5 0 0,10 1 0,-2 1 0</inkml:trace>
+  <inkml:trace contextRef="#ctx0" brushRef="#br0" timeOffset="7">5568 3445 8140,'-1'-11'132,"-2"1"0,2-1-132,-2 5 760,2 2 1,1 5-224,0 8 1,0 5-233,0 8 1,3 6-213,0 6 1,0 7 122,-3 2 0,0 3-534,0 0 1,0 1 360,0-1 1,3 0-593,0-3 0,4-6 308,0-6 1,1-7-449,1-5 0,1-6 100,3-6 1,0-3-58,3-4 0,5-1 646,-3-2 0,7-3 0,-1-3 0</inkml:trace>
+  <inkml:trace contextRef="#ctx0" brushRef="#br0" timeOffset="8">5950 3920 8140,'0'9'1610,"-1"-1"-503,-3-1-1071,3 1 0,-3-3-31,4 4-5,0 1 0,0-1 0,0 0 0</inkml:trace>
+  <inkml:trace contextRef="#ctx0" brushRef="#br0" timeOffset="9">8510 5465 8253,'-14'0'252,"-1"2"157,3 1 0,4-2-5,-1 2 131,6-2-570,-1-1 116,12 0 0,-1 0-27,9 0 0,-1 0 17,4 0 0,1-3-130,1 0 0,0-2 123,4 2 0,0 2-175,3-2 1,0 2 62,0 1 0,0 0 118,0 0 0,4 3 75,2 0 0,2 5-73,1-2 0,4 1-60,-1-1 1,4 2 103,0-5 0,-3 3 6,0-3 0,0 0-31,-1-3 1,7 0-20,-4 0 1,4 0-106,-7 0 1,4 0 88,-4 0 0,3 1-152,-2 2 0,-1 2 92,-3 5 0,4 0-41,-1 2 1,3 3 46,-2 4 0,0-4-24,0 1 0,-2-5-1,4 1 1,0-2 18,0-4 0,3-2 98,-3-4 1,3 0-84,0 0 1,3-4 90,-3-2 0,2-3-328,-8 0 1,5 0 237,-2-1 0,2 1-61,-2 0 0,-1 0-15,-5-1 1,3 4 86,1 0 0,2 4-10,-3-1 1,1 2 232,-4 1 0,3 1-145,1 2 1,2-1 123,-3 4 0,2-3-104,-2 3 1,-1-3-17,5 4 0,1-5-21,2 1 1,2-2-28,-6-1 0,3-3 29,0 0 1,4-8-33,-1 2 0,-22 5 1,0 0-35,0 0 0,-1 1 0,2 1 1,0-2 14,1 0 0,1-1 0,-3 2 0,0 0-11,1-1 0,0 2 1,-2 0-1,1 0 10,1-1 0,0 0 1,2 2-1,-1 0-55,1 0 1,-1-1 0,0 1 0,0 1 38,24 0 1,-3 0-95,-3 0 1,4 0-336,2 0 0,-3 0 174,0 0 0,-3 0-687,0 0 0,1 0 416,1 0 0,0 0-932,4 0 1440,-25-2 0,1 0 0,-1 2 0,0 0 0,3-2 0,-1 0 0,2-1 0,0 1 0,1-1 0,0 0 0</inkml:trace>
+  <inkml:trace contextRef="#ctx0" brushRef="#br0" timeOffset="10">2384 6927 8296,'-10'-4'0,"1"3"-846,0-2 699,-1 2 541,5 1 1,2 1-142,6 2 1,2-1-179,5 4 0,3 0-24,3 0 1,1 1-27,2-4 1,4 0-77,1-3 1,3 0 67,1 0 1,1-4-18,2-2 1,2-3 83,5-4 0,-4 2 101,0-5 1,0 4-98,3-4 1,-4 6 7,-2 1 0,-5 0 219,-1 6 0,-1 0-48,1 3 0,1 0-42,-5 0 1,2 3-44,-1 0 0,-2 5-154,5-2 0,-1 1 53,1-1 0,1 2-139,-4-5 1,3 1 37,0-1 1,-1-2 99,1 2 0,0-2-189,3-1 0,1-3 41,2 0 0,-2-3-45,2 3 1,-2-5 130,-1 2 0,4 1 9,2-1 1,-2 3 34,-1-4 0,2 5 152,1-1 1,0-1-37,3 1 1,-4 1-129,4 5 0,-5-1 214,2 4 1,0 0-88,3 4 1,-4-4 52,-2 0 1,2 0-7,-2 4 0,1-4-41,-1 0 0,-2-3 35,2 3 0,1-3 12,-1 0 0,0-1-11,-3 1 1,0-2-2,0 2 1,1-2-265,2-1 1,-1 0 80,4 0 1,-4 1-714,1 2 1,-2-1 384,-1 4 1,4 1-1347,2 2 1,3 1 1577,4 3 0,1 1 0,5 5 0</inkml:trace>
+  <inkml:trace contextRef="#ctx0" brushRef="#br0" timeOffset="11">8547 7309 8362,'-9'0'-109,"0"0"-143,-1 0 1,6-1 83,4-2 0,5-2 225,8-5 1,5 1 153,7 0 1,0-2-201,3-1 0,-1 1 90,7-5 1,-3 2-78,3-2 1,1-1-123,6 1 1,0-1 116,3 2 0,-3 1 80,-4 5 1,1 4-78,-1 2 1,-4 2 6,-2 1 1,-3 4 222,-3 2 0,2 2-72,-3 2 1,3 2 41,1 1 0,0 2-81,0-2 1,0 2-147,0-3 1,3 1 56,0-4 1,3-1-9,-3-1 1,1-2 6,-1-2 0,2-2-162,5 2 1,0-2-183,2-1 0,0-3 297,3 0 1,1-3-49,2 3 1,-4-5 35,-1 2 1,1-1-2,2 1 0,1-2 11,2 5 1,-5-1 0,-1 1 0,-3 2 72,-1-2 1,2 2 10,-1 1 0,1 0 81,-5 0 0,5 0-74,2 0 0,5-1-42,-2-2 0,0-1 10,-3-3 0,1-4-2,5 2 1,2-3 26,1 3 1,-1 0-8,-2-1 0,4 1-31,-25 5 1,1-1-1,23-4-275,0-1 0,-3 4 219,0 0 1,4 3 48,-25 0 0,0 0 0,22-1 30,-1-2 1,-4 4-8,0-1 1,3 2-16,-3 1 0,2 0 12,-2 0 1,0 3 14,-3 0 0,-1 4-179,5 0 0,-8 1 148,1 1 0,2 1-534,1-1 1,1 1 213,0 3 1,-3-3-732,2 2 1,2 0 1005,-2 0 0,0 0 0,-2 1 0,-1-1 0,0 0 0,0 0 0</inkml:trace>
 </inkml:ink>
 </file>
 
@@ -1116,6 +1119,7 @@
           <inkml:channelProperty channel="F" name="resolution" value="0" units="1/dev"/>
         </inkml:channelProperties>
       </inkml:inkSource>
+      <inkml:timestamp xml:id="ts0" timeString="2024-10-15T13:44:13.980"/>
     </inkml:context>
     <inkml:brush xml:id="br0">
       <inkml:brushProperty name="width" value="0.09071" units="cm"/>
@@ -1129,20 +1133,20 @@
     </inkml:brush>
   </inkml:definitions>
   <inkml:trace contextRef="#ctx0" brushRef="#br0">11024 7877 7948,'-6'-9'235,"0"-1"-208,-1 5-91,2 1 1,1 6 86,4 4 0,0 7 200,0 12 1,0 5-164,0 10 1,0 4-400,0 9 1,0-22-1,0 0 355,0 6 1,0 1-1,-1 1 1,-1 0-14,0 3 0,1 0 0,-1 1 0,1-1-86,1-1 1,0-1 0,0-2-1,0-2 48,0-6 1,0-1 0,1 21-106,2-13 1,2-7-73,4-11 36,-3-7 1,1-16 185,-4-2 1,3-8 132,-3-4 0,0-6 61,-3-7 0,0-6-100,0-7 0,1-6-31,1 24 0,-1 0 0,0-2 0,0 1-36,0-1 1,1 0-1,-2-2 1,0-1 59,-2-1 1,1-1-1,0-1 1,-1 0-49,0-2 0,-2 0 1,1 1-1,0 1-2,-2 1 1,1 1 0,1-1-1,1 2-5,0-1 1,0 1 0,1-19 2,1 9 1,0 16-8,0 9 17,5 9 0,0 9 156,4 10 0,0 8-86,1 11 0,3 7 15,3 9 0,-8-22 0,0 2-350,0 2 1,0 0 0,1 2 0,-1 1 223,0 1 1,0 2 0,1-1 0,0 0-35,2 3 1,0 1-1,-2-5 1,-1 1-110,1 0 0,0 0 0,-1-5 1,0-1-92,7 19 0,0-10 518,-3-9 1,-1-13-260,1-9 1,-5-4-118,-1-6 0,1-2 175,2-6 0,-3-6-17,0-4 1,-4-8-25,2-1 1,-3-8-61,-1-4 1,0-4 160,0-3 0,0 0-208,0-3 1,0 26-1,0 0 62,0-22 0,0 4 90,0 8 1,1 12-124,2 9 146,2 9 0,4 5-7,1 8 1,0 9 190,2 10 0,0 6-164,3 3 1,0 6-22,0 4 1,3 2-179,-3 4 1,-6-25 0,-1 1 16,0 0 0,-1 0 0,10 24-221,-5-7 0,5-2 88,-2-7 1,2-4-616,-2-8 0,2-6 173,-5-10 1,4-1-40,-4-5 1,4-1-7,-4-3 658,1-1 0,-4-8 0,0-2 0</inkml:trace>
-  <inkml:trace contextRef="#ctx0" brushRef="#br0">11806 8249 7948,'-6'11'-64,"0"1"0,4-1 64,-1 1 0,2 6 263,1 0 1,1 4-98,2 0 0,3 1-111,6 5 1,-1 0-136,1 0 0,-1-3-241,2 0 0,-3-6 37,3 0 1,0-5 120,-1-8 1,1-2 0,-4-4 1,1-5 60,-1-5 0,-1-4 213,-2-8 1,2-3 14,-5-6 1,0 1 149,-3-4 0,3 5 29,0 1 1,0 1 226,-3 6 1,0-1 154,0 3-53,0 5-600,4 0 0,-2 14 125,4 7 0,-3 6-261,0 9 0,1 2-108,-1 4 0,3 3-117,-3 0 1,3-1-62,-2-6 1,3 2-261,-1-4 0,2-1 89,2-6 1,2-1 557,0-5 0,5-4 0,-3-1 0</inkml:trace>
-  <inkml:trace contextRef="#ctx0" brushRef="#br0">12234 7793 8436,'-4'-9'1099,"2"0"-1047,-4-1-523,4 5 1,-1 6 670,6 8 1,1 6-76,2 7 1,6 7 278,-3 8 0,2 4-481,-1 6 1,-6-21-1,1 2 137,0-1 0,-1 1 0,1 4 0,0 0-139,-1 0 1,1 1 0,1-1 0,0 0-175,1 1 1,-1-1 0,0-3 0,0-2-72,3 19 0,1-5-82,-1-10 0,4-6-358,-1-13 1,0-4 763,-2-8 0,-1 0 0,0 0 0</inkml:trace>
-  <inkml:trace contextRef="#ctx0" brushRef="#br0">12635 8026 9936,'0'9'570,"0"3"-394,0 3 1,3 5 27,0 8 0,4 4-210,-1 2 0,2 2 72,-2 1 0,2 1-282,-2-1 0,3-1 156,0-2 1,-1-3-686,-2-6 1,3-2 77,-3-5 1,-1-3 666,1-3 0,-4-1 0,3-2 0</inkml:trace>
-  <inkml:trace contextRef="#ctx0" brushRef="#br0">12514 8203 7948,'-13'-5'509,"1"2"1,3 2 189,2 1-878,5 0 99,-2-5 1,8 4-28,3-2 1,2 2 13,3 1 0,3-3-93,3 0 1,2 0 22,2 3 0,-2-3-235,5 0 0,0 0 398,3 3 0,0 0 0,0 0 0</inkml:trace>
-  <inkml:trace contextRef="#ctx0" brushRef="#br0">13482 8082 8050,'-4'-14'0,"-1"4"110,-5-2 1,2-2 201,2 2 1,-2-1 424,2 4 0,-4 0-503,-2-1 0,0 5-3,-3 2 1,-1 2-513,-2 1 1,-5 7 194,-2 3 0,2 8-128,2 1 1,0 6 132,-1 0 0,6 6-38,-3 3 1,7-2-160,-1-1 1,6 1-88,1-1 0,5 0-215,1-3 0,4-1 218,5-2 0,6-4 94,3-5 1,3-3 267,7-3 0,-2-5 0,5-2 0,-1-7 0,1-6 0,2-3 0,4-6 0</inkml:trace>
-  <inkml:trace contextRef="#ctx0" brushRef="#br0">13622 8203 8050,'4'-14'0,"-3"0"-8,2-5 1,-2 1 193,-1-1 0,0 3 262,0-3 1,0 5 303,0-4-315,-4 5 0,-1 1-119,-5 6 0,-2 2-53,0 4 0,-1 2-263,4 4 1,-5 2 97,-1 11 0,0-2-70,0 8 1,4 1-68,-2 5 1,3-2-309,0 2 1,5-6-55,2-3 0,2-4-262,1-2 0,1-3 184,2-3 1,6-5 108,3-2 0,5-6 408,-2-3 1,3-6-88,0 0 0,-2-8 152,-1 1 0,0-1-97,0 1 1,3 1 686,-3-1 0,-1 4-142,-2 3 0,-1 2 710,-2 0-1249,0 5 0,0 2 123,-3 6 1,-2 3-742,-4 7 0,0-2 354,0 5 0,0-1-232,0 4 1,0-1-145,0 1 0,0 0 626,0-1 0,4 1 0,1 0 0</inkml:trace>
-  <inkml:trace contextRef="#ctx0" brushRef="#br0">14125 7942 8104,'-1'-8'2380,"-3"2"-1828,3-3-78,-3 4-296,0 0 0,2 1 74,-4 4 0,0 1-681,-4 2 0,1 5 148,0 5 1,-1 3-22,1 0 1,0 0 13,-1 0 0,2 1 90,2-1 1,1-2 34,2 2 0,2-5 12,-2 2 0,6 0 117,3 0 1,2-1-2,1-3 0,1 1 169,-1-1 0,3 0-55,1 1 0,-1-1 225,-2 0 0,-1 1-13,0-1 1,0 0-105,-3 0 1,1 1-88,-4-1 0,0-3 146,-3 1-440,0-1 1,0 3-145,0 0 0,-4 1-182,-2-1 0,-2 0 5,-2 1 0,1 0-784,0 2 1299,-5-5 0,4 9 0,-4-6 0</inkml:trace>
-  <inkml:trace contextRef="#ctx0" brushRef="#br0">14292 7868 7981,'0'-15'202,"0"3"1,0 5 237,0 0 152,0 5 1,1-1-443,2 6 1,-2 3 88,2 7 1,0 4-268,0 5 1,-2 7 57,2-1 0,-2 6 202,-1 0 0,0 3-231,0 0 1,3 0-354,0 0 0,3 1 125,-3-1 0,5-2-361,-2-4 1,-1-2 70,1-10 1,-3-1-95,3-8 611,-3 1 0,5-10 0,-3 3 0</inkml:trace>
-  <inkml:trace contextRef="#ctx0" brushRef="#br0">14190 8073 8013,'-10'0'1640,"5"0"-620,1 0-467,12 0 0,3-4-318,7 1 0,5 0-153,2 3 1,-1-3-200,1 0 1,-1 0 143,4 3 1,-2-1-878,2-2 0,-5 2 478,5-2 0,-5 2 372,1 1 0,-3-5 0,2 0 0</inkml:trace>
-  <inkml:trace contextRef="#ctx0" brushRef="#br0">14841 8221 8106,'0'10'2234,"0"-1"-1566,0 0 0,0-2-639,0-1 1,2-3 69,1 3 1,2-4-100,4 1 0,0 2 0,1 1 0</inkml:trace>
-  <inkml:trace contextRef="#ctx0" brushRef="#br1">5149 12058 12666,'-15'-16'-1225,"3"1"1,3 3 835,2 0 1,4 1 900,6 2 0,4 1 82,5 2 1,1-3-705,5 3 1,-1 1-23,4-1 0,3 1 116,1-2 0,0 3-24,3 4 0,-1 0 167,7 0 0,-1 0-9,1 0 0,2 1-133,-2 2 1,6-2-200,0 2 0,0 2-22,-2-2 0,-1 0 182,0-3 1,0 0 84,1 0 1,-5 0 127,-2 0 0,-2 0 45,-1 0 0,-3 0-162,-1 0 0,-3 0 269,1 0 1,-3 0-104,0 0 0,0 4 40,-1 2 0,1 2-193,0 2 1,-1 2-20,1 1 1,0 2-37,3-2 1,-2 2-221,2-3 1,0 1 44,0-4 1,4 0 122,-1 1 0,3-5-169,3-2 0,-1-2 116,4-1 1,4-5 82,6-4 0,-2-2-160,1-4 1,0-1 277,0-2 0,3-1 28,-3 0 0,-1 2 173,-2 1 0,-2 2 30,0 1 1,-4 3-130,0-2 1,-5 5 165,-1 4 1,-1-1-15,-6 1 1,1 0-272,-3 3 1,-1 4 79,1 2 0,-4-1-227,1 2 0,0-1 303,6 3 1,-1-1-406,4-1 1,-4 1 107,4-2 1,0-2 81,3-1 1,0 2-126,0-2 1,0 0 61,0-3 0,2 0 69,-2 0 0,2 0 50,-5 0 0,-2 0 14,2 0 1,0 0-40,3 0 1,-3-3 16,0 0 0,-4-1-137,4 4 1,-3 0 107,3 0 1,-5-3-470,2 0 0,-2 0 182,-2 3 0,4 4-799,0 2 1,0 3 13,-4 0 1016,5 5 1,1 4-1,4 6 1</inkml:trace>
-  <inkml:trace contextRef="#ctx0" brushRef="#br1">4078 13007 13066,'-4'-5'-3277,"3"-3"3324,-3 3 1,9-1 663,4 3 0,6 2-569,7 1 1,1 0-157,5 0 1,1 0 192,2 0 1,2-3-33,5 0 0,-1-4 96,0 1 0,1-3 69,3 0 1,-3 0-126,2-1 1,-1 2-160,-2 2 0,3-1-11,1 4 1,-4 0 54,-3 3 0,-3 1-88,3 2 0,-1 2-10,1 4 0,-1 0-183,-1 1 1,1-4 15,4 0 0,2 0-6,-2 4 1,3-4 18,-6 0 1,2-3 69,1 3 1,4-4 43,-1 2 0,0 0 13,-2-1 0,2 0 48,0-3 0,5 0 52,-2 0 0,-1 0-65,-2 0 1,2 0 9,2 0 1,0 0 54,0 0 0,1 1-47,-1 2 1,-1-1-57,4 4 1,-7 0 43,4 0 1,-1 1-53,0-4 1,4 3 43,3-3 1,-4 1-411,1-4 1,-1-2 304,-2-1 1,3-2 63,-20 1 1,-1-1 0,23-4 37,-23 4 0,1 0 1,21-4-28,-1 0 0,0-1 82,3 1 1,-2 3-74,1 0 1,-1 4 235,-2-2 1,1 0-113,-1 1 0,0 0 22,-3 3 0,0 1-80,-3 2 1,3 1 8,3 3 0,-3 1-37,-3-2 1,-2 1-95,-1-1 0,2 3 72,1-3 0,-2-1 47,3 1 0,-3-3-50,-1 4 0,1-5 36,3 1 1,-3-2 3,2-1 0,0 0 27,0 0 1,0-1 4,7-2 0,-3-2-211,6-5 0,-2 1 284,-2 0 1,2 2 46,2 1 1,-3 1-106,3-1 0,-3 1 280,0 2 1,-2 2-75,-1-3 1,-3 6-45,-3 2 0,-1 3-94,0-1 0,3-1-11,1 1 1,0 0-114,-1 0 0,0-2 100,3-4 0,1 1-92,2 2 1,1-2 71,-1 2 0,1-2-244,-1-1 1,3 0 52,-2 0 1,1 3-693,-4 0 1,-2 5-204,2-2 0,2 3 1003,4 4 0,-24-8 0,-1 1 0,24 10 0,0-2 0,-24-8 0,1-1 0,1 0 0,0-1 0</inkml:trace>
-  <inkml:trace contextRef="#ctx0" brushRef="#br0">11061 13045 8223,'0'5'525,"0"-1"1,1-4-415,2 0 1,3 0-40,3 0 1,1-4 28,3-3 1,4-5-36,5-3 1,5-3 6,1-1 0,1-2-11,5-1 1,-3 0 35,3 4 0,-3 3-10,3 3 1,-5 2 95,-1 4 0,-1 3-93,-5 6 0,1 2 165,-2 5 0,-1 2-149,2 0 1,-2 4-8,2-4 0,-1 4-16,4-4 0,-4 1-104,4-4 1,0 0 1,3 1 0,0-5 122,0-2 1,0 1-214,0-1 0,-1 0 67,-3-3 1,4 0-57,0 0 0,0 0 99,3 0 0,-2 0-51,-1 0 1,3 1 39,0 2 1,0-2-3,-3 3 1,0-3 11,0-1 0,1 0-4,2 0 1,-2 0 54,2 0 1,-1-1-51,1-3 0,3 2 171,7-4 1,-6 3-115,2-3 1,-2 1 240,2-2 0,-1-1-115,1 2 0,-5-2 62,5-2 0,-2 1-69,3 0 1,3-1-25,2 1 0,0-3-342,0-1 0,1 1 365,2 3 1,5-1-115,-25 6 0,1-1 0,23-4 65,0-1 0,-2 4 10,-2 0 1,3 1-115,-3-1 1,3-2-141,-6 5 0,4-3-40,3 3 1,0-4 149,-23 4 0,-1-1 0,26-3-665,-3 1 0,1-1 474,-22 5 0,0 1 0,0-2 0,1-1-463,2 3 0,0-1 1,0 1-1,-1-1-858,-1 2 1,1 0 1518,2 0 0,1 0 0,1 0 0,-1 0 0,2 0 0,0 0 0,-2 0 0,0 0 0,-2 0 0,1 0 0</inkml:trace>
-  <inkml:trace contextRef="#ctx0" brushRef="#br1">9739 15037 13629,'-9'-13'-1660,"1"-2"1398,1-4 1,3 2-140,4 1 0,8 6 1004,5 4 1,3 4-544,3-1 1,3 2 216,0 1 0,3 0-132,0 0 0,2 0-31,1 0 0,4 1 181,2 2 0,-1-2-116,2 2 0,-1-1-110,3 1 0,4-2-461,3 2 0,-2-2 359,2-1 1,-2-1 80,1-2 1,6-1-23,-2-2 1,1-3 71,-1 3 0,-1 1 40,1-1 0,2 3 39,-3-3 1,2 3 154,-8 0 1,0 2-80,-2 1 1,2 1-183,0 2 1,0 3-145,-6 3 0,2 3-79,-2 1 1,-2 3-169,-1 0 0,-2 1 85,-1 2 0,4-3-178,2-1 0,-1-3 130,2 0 0,2-2-34,3 0 1,2-5 247,-2-2 0,-2-2 91,3-1 1,1-1 117,1-2 1,1-2 64,2-5 0,-5-2-3,2-1 0,0 1 53,-3 3 1,1-1 192,0 1 0,-2 0-70,4-1 0,-3 4-136,0 0 1,-1 3-172,2-3 1,-4 4 5,0-1 0,-1-2-213,-4 2 0,0 0 101,-1 3 1,-1 0-226,4 0 0,-4 0 101,1 0 1,-2 0 247,-1 0 1,-1 0-165,-3 0 0,2 1 86,-4 2 0,4-1-109,-1 5 0,2-5 242,1 1 1,-1 1-166,1-1 0,3 0 14,0-3 0,4 0-58,-4 0 0,3 0 56,-3 0 0,1-3 32,-1 0 1,1-3 146,2 3 1,1-4 35,-4 4 1,7-3 51,-4 3 0,3 0-170,-6 3 0,4 0 317,-1 0 1,1 1-141,0 2 1,0-1-26,-4 4 1,4 1-121,-1 2 1,1 0-387,-1 0 1,3 2-298,-3 1 0,2 0-225,1 3 0,7 1-900,-1 2 1688,-17-9 0,0 1 0,21 12 0,-19-11 0,0-1 0,0 1 0,0 1 0,0 1 0,0 0 0,0 1 0</inkml:trace>
+  <inkml:trace contextRef="#ctx0" brushRef="#br0" timeOffset="1">11806 8249 7948,'-6'11'-64,"0"1"0,4-1 64,-1 1 0,2 6 263,1 0 1,1 4-98,2 0 0,3 1-111,6 5 1,-1 0-136,1 0 0,-1-3-241,2 0 0,-3-6 37,3 0 1,0-5 120,-1-8 1,1-2 0,-4-4 1,1-5 60,-1-5 0,-1-4 213,-2-8 1,2-3 14,-5-6 1,0 1 149,-3-4 0,3 5 29,0 1 1,0 1 226,-3 6 1,0-1 154,0 3-53,0 5-600,4 0 0,-2 14 125,4 7 0,-3 6-261,0 9 0,1 2-108,-1 4 0,3 3-117,-3 0 1,3-1-62,-2-6 1,3 2-261,-1-4 0,2-1 89,2-6 1,2-1 557,0-5 0,5-4 0,-3-1 0</inkml:trace>
+  <inkml:trace contextRef="#ctx0" brushRef="#br0" timeOffset="2">12234 7793 8436,'-4'-9'1099,"2"0"-1047,-4-1-523,4 5 1,-1 6 670,6 8 1,1 6-76,2 7 1,6 7 278,-3 8 0,2 4-481,-1 6 1,-6-21-1,1 2 137,0-1 0,-1 1 0,1 4 0,0 0-139,-1 0 1,1 1 0,1-1 0,0 0-175,1 1 1,-1-1 0,0-3 0,0-2-72,3 19 0,1-5-82,-1-10 0,4-6-358,-1-13 1,0-4 763,-2-8 0,-1 0 0,0 0 0</inkml:trace>
+  <inkml:trace contextRef="#ctx0" brushRef="#br0" timeOffset="3">12635 8026 9936,'0'9'570,"0"3"-394,0 3 1,3 5 27,0 8 0,4 4-210,-1 2 0,2 2 72,-2 1 0,2 1-282,-2-1 0,3-1 156,0-2 1,-1-3-686,-2-6 1,3-2 77,-3-5 1,-1-3 666,1-3 0,-4-1 0,3-2 0</inkml:trace>
+  <inkml:trace contextRef="#ctx0" brushRef="#br0" timeOffset="4">12514 8203 7948,'-13'-5'509,"1"2"1,3 2 189,2 1-878,5 0 99,-2-5 1,8 4-28,3-2 1,2 2 13,3 1 0,3-3-93,3 0 1,2 0 22,2 3 0,-2-3-235,5 0 0,0 0 398,3 3 0,0 0 0,0 0 0</inkml:trace>
+  <inkml:trace contextRef="#ctx0" brushRef="#br0" timeOffset="5">13482 8082 8050,'-4'-14'0,"-1"4"110,-5-2 1,2-2 201,2 2 1,-2-1 424,2 4 0,-4 0-503,-2-1 0,0 5-3,-3 2 1,-1 2-513,-2 1 1,-5 7 194,-2 3 0,2 8-128,2 1 1,0 6 132,-1 0 0,6 6-38,-3 3 1,7-2-160,-1-1 1,6 1-88,1-1 0,5 0-215,1-3 0,4-1 218,5-2 0,6-4 94,3-5 1,3-3 267,7-3 0,-2-5 0,5-2 0,-1-7 0,1-6 0,2-3 0,4-6 0</inkml:trace>
+  <inkml:trace contextRef="#ctx0" brushRef="#br0" timeOffset="6">13622 8203 8050,'4'-14'0,"-3"0"-8,2-5 1,-2 1 193,-1-1 0,0 3 262,0-3 1,0 5 303,0-4-315,-4 5 0,-1 1-119,-5 6 0,-2 2-53,0 4 0,-1 2-263,4 4 1,-5 2 97,-1 11 0,0-2-70,0 8 1,4 1-68,-2 5 1,3-2-309,0 2 1,5-6-55,2-3 0,2-4-262,1-2 0,1-3 184,2-3 1,6-5 108,3-2 0,5-6 408,-2-3 1,3-6-88,0 0 0,-2-8 152,-1 1 0,0-1-97,0 1 1,3 1 686,-3-1 0,-1 4-142,-2 3 0,-1 2 710,-2 0-1249,0 5 0,0 2 123,-3 6 1,-2 3-742,-4 7 0,0-2 354,0 5 0,0-1-232,0 4 1,0-1-145,0 1 0,0 0 626,0-1 0,4 1 0,1 0 0</inkml:trace>
+  <inkml:trace contextRef="#ctx0" brushRef="#br0" timeOffset="7">14125 7942 8104,'-1'-8'2380,"-3"2"-1828,3-3-78,-3 4-296,0 0 0,2 1 74,-4 4 0,0 1-681,-4 2 0,1 5 148,0 5 1,-1 3-22,1 0 1,0 0 13,-1 0 0,2 1 90,2-1 1,1-2 34,2 2 0,2-5 12,-2 2 0,6 0 117,3 0 1,2-1-2,1-3 0,1 1 169,-1-1 0,3 0-55,1 1 0,-1-1 225,-2 0 0,-1 1-13,0-1 1,0 0-105,-3 0 1,1 1-88,-4-1 0,0-3 146,-3 1-440,0-1 1,0 3-145,0 0 0,-4 1-182,-2-1 0,-2 0 5,-2 1 0,1 0-784,0 2 1299,-5-5 0,4 9 0,-4-6 0</inkml:trace>
+  <inkml:trace contextRef="#ctx0" brushRef="#br0" timeOffset="8">14292 7868 7981,'0'-15'202,"0"3"1,0 5 237,0 0 152,0 5 1,1-1-443,2 6 1,-2 3 88,2 7 1,0 4-268,0 5 1,-2 7 57,2-1 0,-2 6 202,-1 0 0,0 3-231,0 0 1,3 0-354,0 0 0,3 1 125,-3-1 0,5-2-361,-2-4 1,-1-2 70,1-10 1,-3-1-95,3-8 611,-3 1 0,5-10 0,-3 3 0</inkml:trace>
+  <inkml:trace contextRef="#ctx0" brushRef="#br0" timeOffset="9">14190 8073 8013,'-10'0'1640,"5"0"-620,1 0-467,12 0 0,3-4-318,7 1 0,5 0-153,2 3 1,-1-3-200,1 0 1,-1 0 143,4 3 1,-2-1-878,2-2 0,-5 2 478,5-2 0,-5 2 372,1 1 0,-3-5 0,2 0 0</inkml:trace>
+  <inkml:trace contextRef="#ctx0" brushRef="#br0" timeOffset="10">14841 8221 8106,'0'10'2234,"0"-1"-1566,0 0 0,0-2-639,0-1 1,2-3 69,1 3 1,2-4-100,4 1 0,0 2 0,1 1 0</inkml:trace>
+  <inkml:trace contextRef="#ctx0" brushRef="#br1" timeOffset="11">5149 12058 12666,'-15'-16'-1225,"3"1"1,3 3 835,2 0 1,4 1 900,6 2 0,4 1 82,5 2 1,1-3-705,5 3 1,-1 1-23,4-1 0,3 1 116,1-2 0,0 3-24,3 4 0,-1 0 167,7 0 0,-1 0-9,1 0 0,2 1-133,-2 2 1,6-2-200,0 2 0,0 2-22,-2-2 0,-1 0 182,0-3 1,0 0 84,1 0 1,-5 0 127,-2 0 0,-2 0 45,-1 0 0,-3 0-162,-1 0 0,-3 0 269,1 0 1,-3 0-104,0 0 0,0 4 40,-1 2 0,1 2-193,0 2 1,-1 2-20,1 1 1,0 2-37,3-2 1,-2 2-221,2-3 1,0 1 44,0-4 1,4 0 122,-1 1 0,3-5-169,3-2 0,-1-2 116,4-1 1,4-5 82,6-4 0,-2-2-160,1-4 1,0-1 277,0-2 0,3-1 28,-3 0 0,-1 2 173,-2 1 0,-2 2 30,0 1 1,-4 3-130,0-2 1,-5 5 165,-1 4 1,-1-1-15,-6 1 1,1 0-272,-3 3 1,-1 4 79,1 2 0,-4-1-227,1 2 0,0-1 303,6 3 1,-1-1-406,4-1 1,-4 1 107,4-2 1,0-2 81,3-1 1,0 2-126,0-2 1,0 0 61,0-3 0,2 0 69,-2 0 0,2 0 50,-5 0 0,-2 0 14,2 0 1,0 0-40,3 0 1,-3-3 16,0 0 0,-4-1-137,4 4 1,-3 0 107,3 0 1,-5-3-470,2 0 0,-2 0 182,-2 3 0,4 4-799,0 2 1,0 3 13,-4 0 1016,5 5 1,1 4-1,4 6 1</inkml:trace>
+  <inkml:trace contextRef="#ctx0" brushRef="#br1" timeOffset="12">4078 13007 13066,'-4'-5'-3277,"3"-3"3324,-3 3 1,9-1 663,4 3 0,6 2-569,7 1 1,1 0-157,5 0 1,1 0 192,2 0 1,2-3-33,5 0 0,-1-4 96,0 1 0,1-3 69,3 0 1,-3 0-126,2-1 1,-1 2-160,-2 2 0,3-1-11,1 4 1,-4 0 54,-3 3 0,-3 1-88,3 2 0,-1 2-10,1 4 0,-1 0-183,-1 1 1,1-4 15,4 0 0,2 0-6,-2 4 1,3-4 18,-6 0 1,2-3 69,1 3 1,4-4 43,-1 2 0,0 0 13,-2-1 0,2 0 48,0-3 0,5 0 52,-2 0 0,-1 0-65,-2 0 1,2 0 9,2 0 1,0 0 54,0 0 0,1 1-47,-1 2 1,-1-1-57,4 4 1,-7 0 43,4 0 1,-1 1-53,0-4 1,4 3 43,3-3 1,-4 1-411,1-4 1,-1-2 304,-2-1 1,3-2 63,-20 1 1,-1-1 0,23-4 37,-23 4 0,1 0 1,21-4-28,-1 0 0,0-1 82,3 1 1,-2 3-74,1 0 1,-1 4 235,-2-2 1,1 0-113,-1 1 0,0 0 22,-3 3 0,0 1-80,-3 2 1,3 1 8,3 3 0,-3 1-37,-3-2 1,-2 1-95,-1-1 0,2 3 72,1-3 0,-2-1 47,3 1 0,-3-3-50,-1 4 0,1-5 36,3 1 1,-3-2 3,2-1 0,0 0 27,0 0 1,0-1 4,7-2 0,-3-2-211,6-5 0,-2 1 284,-2 0 1,2 2 46,2 1 1,-3 1-106,3-1 0,-3 1 280,0 2 1,-2 2-75,-1-3 1,-3 6-45,-3 2 0,-1 3-94,0-1 0,3-1-11,1 1 1,0 0-114,-1 0 0,0-2 100,3-4 0,1 1-92,2 2 1,1-2 71,-1 2 0,1-2-244,-1-1 1,3 0 52,-2 0 1,1 3-693,-4 0 1,-2 5-204,2-2 0,2 3 1003,4 4 0,-24-8 0,-1 1 0,24 10 0,0-2 0,-24-8 0,1-1 0,1 0 0,0-1 0</inkml:trace>
+  <inkml:trace contextRef="#ctx0" brushRef="#br0" timeOffset="13">11061 13045 8223,'0'5'525,"0"-1"1,1-4-415,2 0 1,3 0-40,3 0 1,1-4 28,3-3 1,4-5-36,5-3 1,5-3 6,1-1 0,1-2-11,5-1 1,-3 0 35,3 4 0,-3 3-10,3 3 1,-5 2 95,-1 4 0,-1 3-93,-5 6 0,1 2 165,-2 5 0,-1 2-149,2 0 1,-2 4-8,2-4 0,-1 4-16,4-4 0,-4 1-104,4-4 1,0 0 1,3 1 0,0-5 122,0-2 1,0 1-214,0-1 0,-1 0 67,-3-3 1,4 0-57,0 0 0,0 0 99,3 0 0,-2 0-51,-1 0 1,3 1 39,0 2 1,0-2-3,-3 3 1,0-3 11,0-1 0,1 0-4,2 0 1,-2 0 54,2 0 1,-1-1-51,1-3 0,3 2 171,7-4 1,-6 3-115,2-3 1,-2 1 240,2-2 0,-1-1-115,1 2 0,-5-2 62,5-2 0,-2 1-69,3 0 1,3-1-25,2 1 0,0-3-342,0-1 0,1 1 365,2 3 1,5-1-115,-25 6 0,1-1 0,23-4 65,0-1 0,-2 4 10,-2 0 1,3 1-115,-3-1 1,3-2-141,-6 5 0,4-3-40,3 3 1,0-4 149,-23 4 0,-1-1 0,26-3-665,-3 1 0,1-1 474,-22 5 0,0 1 0,0-2 0,1-1-463,2 3 0,0-1 1,0 1-1,-1-1-858,-1 2 1,1 0 1518,2 0 0,1 0 0,1 0 0,-1 0 0,2 0 0,0 0 0,-2 0 0,0 0 0,-2 0 0,1 0 0</inkml:trace>
+  <inkml:trace contextRef="#ctx0" brushRef="#br1" timeOffset="14">9739 15037 13629,'-9'-13'-1660,"1"-2"1398,1-4 1,3 2-140,4 1 0,8 6 1004,5 4 1,3 4-544,3-1 1,3 2 216,0 1 0,3 0-132,0 0 0,2 0-31,1 0 0,4 1 181,2 2 0,-1-2-116,2 2 0,-1-1-110,3 1 0,4-2-461,3 2 0,-2-2 359,2-1 1,-2-1 80,1-2 1,6-1-23,-2-2 1,1-3 71,-1 3 0,-1 1 40,1-1 0,2 3 39,-3-3 1,2 3 154,-8 0 1,0 2-80,-2 1 1,2 1-183,0 2 1,0 3-145,-6 3 0,2 3-79,-2 1 1,-2 3-169,-1 0 0,-2 1 85,-1 2 0,4-3-178,2-1 0,-1-3 130,2 0 0,2-2-34,3 0 1,2-5 247,-2-2 0,-2-2 91,3-1 1,1-1 117,1-2 1,1-2 64,2-5 0,-5-2-3,2-1 0,0 1 53,-3 3 1,1-1 192,0 1 0,-2 0-70,4-1 0,-3 4-136,0 0 1,-1 3-172,2-3 1,-4 4 5,0-1 0,-1-2-213,-4 2 0,0 0 101,-1 3 1,-1 0-226,4 0 0,-4 0 101,1 0 1,-2 0 247,-1 0 1,-1 0-165,-3 0 0,2 1 86,-4 2 0,4-1-109,-1 5 0,2-5 242,1 1 1,-1 1-166,1-1 0,3 0 14,0-3 0,4 0-58,-4 0 0,3 0 56,-3 0 0,1-3 32,-1 0 1,1-3 146,2 3 1,1-4 35,-4 4 1,7-3 51,-4 3 0,3 0-170,-6 3 0,4 0 317,-1 0 1,1 1-141,0 2 1,0-1-26,-4 4 1,4 1-121,-1 2 1,1 0-387,-1 0 1,3 2-298,-3 1 0,2 0-225,1 3 0,7 1-900,-1 2 1688,-17-9 0,0 1 0,21 12 0,-19-11 0,0-1 0,0 1 0,0 1 0,0 1 0,0 0 0,0 1 0</inkml:trace>
 </inkml:ink>
 </file>
 
@@ -1162,6 +1166,7 @@
           <inkml:channelProperty channel="F" name="resolution" value="0" units="1/dev"/>
         </inkml:channelProperties>
       </inkml:inkSource>
+      <inkml:timestamp xml:id="ts0" timeString="2024-10-15T13:44:13.995"/>
     </inkml:context>
     <inkml:brush xml:id="br0">
       <inkml:brushProperty name="width" value="0.09071" units="cm"/>
@@ -1189,6 +1194,7 @@
           <inkml:channelProperty channel="F" name="resolution" value="0" units="1/dev"/>
         </inkml:channelProperties>
       </inkml:inkSource>
+      <inkml:timestamp xml:id="ts0" timeString="2024-10-15T13:44:13.996"/>
     </inkml:context>
     <inkml:brush xml:id="br0">
       <inkml:brushProperty name="width" value="0.09071" units="cm"/>
@@ -1212,125 +1218,125 @@
     </inkml:brush>
   </inkml:definitions>
   <inkml:trace contextRef="#ctx0" brushRef="#br0">15605 3864 8199,'-13'0'503,"-3"0"1,3 4-67,0 2 1,3 4-530,0 2 1,2 4 116,2 5 1,1 0-37,2 4 0,2 0 40,-2 3 0,2-2-54,1-1 0,4-3-231,2-6 1,2-3 145,1-4 1,5-3-48,1-3 0,3-3-43,1-3 1,-4-3 281,1-3 0,1-4-61,2-3 0,1-3 173,-8-2 1,0 1-16,-2-2 1,-2 0-94,-2 0 1,-2 0 107,-4 3 1,-1 1-81,-2-1 0,-5 2-122,-4 1 0,-5 3 108,1 3 0,-4 5-342,-2 2 1,0 2 85,4 1 0,0 0-507,3 0 0,1 4 23,5 2 640,4 3 0,-4 4 0,4 2 0</inkml:trace>
-  <inkml:trace contextRef="#ctx0" brushRef="#br0">16108 4097 9746,'0'6'-92,"0"0"1,-1 0-489,-2 4 0,-3 2 94,-3 1 0,0 2 118,0-3 368,-1 1 0,-3 0 0,-2 2 0</inkml:trace>
-  <inkml:trace contextRef="#ctx0" brushRef="#br0">16434 3855 8126,'0'-15'805,"0"2"-95,0 3-334,-4 1-117,2 4 1,-5 2-107,4 6 1,-3 6-15,3 7 1,-3 2-108,3 4 1,-4 5 51,4 4 0,-3 0-106,3-3 1,0 0-381,3 0 0,0-4 254,0-3 1,4-2-311,2-3 1,6-4 195,0-6 0,3-2 129,-2-4 0,0-5 110,0-4 1,-3-5 111,2-4 0,-2-1-20,-4 1 0,-2-4 196,-4 0 1,0-1 83,0 2 1,-4 1-107,-2-2 1,-2-1-277,-2 2 0,-2 2 101,-1 4 0,-2 3-212,2 0 1,-2 1 77,3 2 1,-1 4-1522,4 2 287,4 2 1300,0 1 0,5 8 0,0 2 0</inkml:trace>
-  <inkml:trace contextRef="#ctx0" brushRef="#br0">16750 4013 8058,'0'5'276,"1"0"-3,2-2 0,-2-1 320,2 5 0,-1-4-298,-2 3 1,0-3-96,0 3 0,0-3-997,0 4 630,0-1 0,-2 2-156,-1-2 0,-2 2 163,-4-5 0,0 0-1055,-1-3 1215,1 0 0,-4-4 0,-2-2 0</inkml:trace>
-  <inkml:trace contextRef="#ctx0" brushRef="#br0">17197 3762 7942,'0'-10'688,"0"1"0,-3 0-370,0-1 1310,0 1-451,-1 4-827,-1 1 1,-4 9-243,3 4 0,-1 5 20,4 4 0,-1 1-113,0 0 0,3 2-103,-2 1 0,3 0-342,3-4 1,3 1 8,3 0 1,0-5 195,1-2 1,0-2-178,2-4 0,2-2 113,1-4 0,3-4 614,-3-2 0,0-7 66,0-2 0,-4-6 296,-2-1 0,-1-2-378,-5 2 1,0-1 60,-3 1 0,0 4-398,0-1 1,-5 2 172,-4 4 0,-1 1-1337,-6 2 1,2 4 159,-2 0 1032,-1 0 0,2-4 0,-4 1 0</inkml:trace>
-  <inkml:trace contextRef="#ctx0" brushRef="#br0">15223 3529 8035,'-5'0'1186,"-2"1"-828,4 2 0,-5 2-360,2 4 0,-3 9 82,-3 4 0,-3 9-158,-4 6 1,-3 8-289,9-21 1,1 1 0,-1 2 0,-1-1 322,0-1 0,0 0 0,0-1 0,1 0 143,-12 20 0,0-5 79,7-8 1,1-5-5,8-11 1,1-1 42,1-5-95,3 0 1,5-3-27,2-3 1,3-1 31,3 1 0,4-1 622,3 4 1,3-3-488,2 3 1,3 1-87,4 2 1,0 0-29,0 1 1,-1-1-220,-2 0 1,0 2-16,-3 1 1,3-1-192,-3 5 1,-1-2 90,-2 2 0,-3 2-100,-1-3 0,0 3-778,0 0 0,2 0 1062,-5-3 0,9 3 0,-2-4 0</inkml:trace>
-  <inkml:trace contextRef="#ctx0" brushRef="#br0">17514 3315 8268,'-10'0'135,"5"4"91,2 2 1,3 2 139,3 2 1,7 3-112,5 3 1,6 5-353,0 4 0,5 2 79,-1 1 0,2-3 9,1 0 1,-1-2 7,-2 2 1,-4-5 20,-5-5 1,1-4 209,-5-2 337,0 0-94,-6-3 1,-2 0-145,-4 0 1,-4-3 4,-3 3 0,-1 2-127,-1 4 1,-5 0-67,-1 7 1,-4-1-17,-3 6 0,3 2-183,-3 5 1,-2 2-313,-1 5 1,3-1-178,0 0 0,5-4-899,2-2 1,3-2 1445,0-1 0,3-1 0,3 0 0,2-3 0,3-5 0,1-4 0</inkml:trace>
-  <inkml:trace contextRef="#ctx0" brushRef="#br0">19422 3594 8572,'-32'-9'-20,"6"2"-1535,-1 1 1555,5 4 0,-5-6 0,3 3 0</inkml:trace>
-  <inkml:trace contextRef="#ctx0" brushRef="#br1">19162 3492 9982,'-10'-4'-166,"1"1"1,0-4 379,-1 6 1,1-3 48,0 4 1,-1 5 329,-3 4 0,-1 6-36,-5 7 0,-4 0-177,-2 3 0,2 2-239,-2-2 0,3-1 206,-3 1 1,5-5-122,-2 2 1,3-6 99,4-4 1,2-2-259,7 0 1,2-4-303,4 0-32,0-4 0,5 2 41,4-4 1,2 3 25,4 0 1,2 4 313,5-4 1,0 4-100,3-1 1,5 2 23,-2 2 1,2-1-210,-2 0 0,-3 1 8,0-1 0,-2 3-10,2 1 1,-2-1 30,-4-2 1,-5-1-261,-1 0 1,-1-3-106,-3 1-1622,3-5 968,-11 6 1277,3-7 1,-8 7 0,-1-3 0</inkml:trace>
-  <inkml:trace contextRef="#ctx0" brushRef="#br0">19441 3641 8532,'-9'0'-1024,"-1"0"767,1 0 1,0 4 551,0 2 0,-1 6 67,1 4 0,0 3 137,-1 6 0,4 0-303,0 6 0,4-2-66,-1-1 0,3-3-360,3 0 0,6-9 128,7 0 0,-2-6 53,2-4 0,-1-2 77,4-4 0,-2-1-135,-1-2 1,-3-6 65,-3-6 1,-1-3 11,0-1 0,-4 1-48,-1-1 1,-3-1 10,-1-1 1,-1 1-429,-3-2 1,-1 6 213,-4 0 0,-1 5-227,-3-2 507,3 7 0,-8 2 0,4 4 0</inkml:trace>
-  <inkml:trace contextRef="#ctx0" brushRef="#br0">19711 3873 8512,'1'-5'1836,"2"2"-1519,-2 2-49,8 1 0,-8 1 21,2 2 1,-2 2-143,-1 5 0,0 0-245,0 2 0,-4 0-132,-3 3 1,2-3-492,-1 0 0,0 2-520,-4-2 1241,5-4 0,-3 0 0,3-2 0</inkml:trace>
-  <inkml:trace contextRef="#ctx0" brushRef="#br0">20205 3613 8406,'-16'0'464,"1"0"1,3 0-39,0 0 0,0 2-491,0 4 0,1 1 90,-5 9 1,4-1 95,-4 4 1,5 3 161,-2-1 1,7 2 0,3-1 0,2-3-194,1 3 0,1-5 171,2-2 0,5-7-1056,5 2 1,3-7 355,0 0 0,1-2 215,2-1 1,0-5 174,-1-4 1,-3-2 180,-3-4 0,-1 2-104,-2-2 0,-1 0 190,-2 0 0,-2-2-9,-4 5 0,0-4-54,0 4 0,-4-5-525,-2 2 1,-3 1 187,-4 2 1,2 5-1290,-4 0 1471,3 1 0,-5 1 0,2 1 0</inkml:trace>
-  <inkml:trace contextRef="#ctx0" brushRef="#br0">20447 3817 11562,'0'10'793,"0"0"-874,0 3 0,0-2-7,0 4 0,0 1-90,0 3 1,0-1-803,0 1 0,0-2 227,0-1 753,-5 1 0,4-2 0,-3 4 0</inkml:trace>
-  <inkml:trace contextRef="#ctx0" brushRef="#br1">20828 3650 9588,'-9'-4'-139,"0"3"65,-1-3 1,2 5 643,2 2 1,1 2-130,2 4 1,2 5-211,-2 1 1,2 0-182,1 0 0,0 1-173,0 2 1,1 1-308,2 0 1,2-4 234,4 1 1,1-8-63,3 1 1,-3-6 93,3 0 1,-3-2 42,-1-1 0,1-1 111,-1-2 1,-4-2 347,-2-4 1,-2-2-139,-1-1 0,0 1 226,0-5 1,-1 2-433,-2-2 1,-2-1 161,-4 1 0,-1 2-1024,1-2 1,0 5 466,-1-2 0,0 2 394,-2-2 1,1 3 0,-2-3 0</inkml:trace>
-  <inkml:trace contextRef="#ctx0" brushRef="#br0">21015 3464 8314,'-5'-6'1295,"-1"3"-1000,2-2-684,0 4 0,5 1 483,2 6 0,3 3 367,7 0 1,-3 4-73,2 3 1,2-2-150,-2 2 0,5-5-194,-2 2 1,0 0 54,0 0 1,0 0-38,0-1 1,0-1 76,-3 1 1,-2-5 129,-1 0 0,-1-1 73,-5 3-170,0 0 0,-4 1-26,-2-1 1,-3 4-11,-6-1 1,-3 4-581,-3 0 0,-2 2 257,-2 0 1,3 2-452,-3 2 1,-1 1 635,1 5 0,-4 4 0,3 1 0</inkml:trace>
-  <inkml:trace contextRef="#ctx0" brushRef="#br1">22272 3501 8946,'-10'0'249,"-2"1"54,-1 2 0,-2-1-182,2 4 1,-3 2 117,0 4 1,-1 2-108,-2 5 0,-4 0-35,-1-1 0,-3 5-279,-1 2 1,4-2 183,2-2 0,4-2-164,2-3 0,1 0 88,5-4 0,3-2 89,7-4 0,0-3-211,0 3 0,1-3 86,2 4 1,2-4 186,5 3 1,2-3-49,1 3 1,3-1 21,0 2 1,2 1-184,4-2 1,-2 2-179,1 2 0,2-1-62,-1 0 1,0 1-45,-4-1 407,1 0 0,4 5 1,0 0-1</inkml:trace>
-  <inkml:trace contextRef="#ctx0" brushRef="#br1">22439 3678 11924,'-9'0'0,"0"0"-293,-1 0 0,1 4 532,0 2 1,2 7 658,1 2 0,0 3-355,-3 0 0,3 4-608,3 0 0,2 0 11,1 0 1,1-2-198,2 2 1,3-4-32,3-2 0,4-4-2,3-6 1,0 2-128,0-5 0,2-4 74,-3-6 0,0-2 407,0-3 1,-4-3 162,2-3 1,-4-1 237,-3 0 1,2 1-169,-5-1 0,-1 2-11,-5 1 1,-2-1-143,-5 5 1,0 0-42,-3 2 1,2 2-747,-4 2 0,2 2 121,-2 4 1,3 0-1015,0 0 1469,2 4 0,0 5 0,1 6 0</inkml:trace>
-  <inkml:trace contextRef="#ctx0" brushRef="#br1">22756 3864 10612,'0'9'1074,"1"-2"-911,2-1 0,-2-3 397,2 3 0,-2-3 16,-1 3 0,0 1-944,0 2 0,0 0-242,0 0 0,-1 2 669,-2 1 1,-2-1 0,-5 2 0</inkml:trace>
-  <inkml:trace contextRef="#ctx0" brushRef="#br1">23259 3631 12037,'-11'0'68,"-1"0"1,1 0 117,-1 0 0,2 4 261,0 3 1,-2 2 135,0 3 1,-1 1-40,4 5 1,-1-1-253,1 5 1,1-2 10,2 2 0,2-3-333,4-1 0,4-2-171,2-4 1,3-2-254,4-1 1,1-4 122,5-5 0,-1-1 90,1-2 0,3-2-71,-1-5 0,1-3 163,-3-3 0,-4 2 191,1-2 1,-5 1 69,2-4 1,-4 1 320,-3-1 1,-2 4-31,-4-1 1,-5 2-359,-4-2 1,-3 3-530,-6 3 1,1 1-520,-5 0 0,3 2 849,0 1 1,1 4 0,-1-2 0</inkml:trace>
-  <inkml:trace contextRef="#ctx0" brushRef="#br1">23566 3827 11117,'0'5'1981,"-1"2"-519,-2-4-250,2 5-742,-4-3 0,5 4-425,0 0 1,-1-1 58,-2 1 0,1-2-34,-4 6 0,0-3-158,-3-1 1,-1 2-1621,1 1 1726,0-2 0,-5 4 1,0-5-1</inkml:trace>
-  <inkml:trace contextRef="#ctx0" brushRef="#br1">23994 3622 12960,'-9'-5'-2877,"3"1"3141,-1 4 0,4 1 462,-3 2 0,4 5-73,-1 4 0,-1 5-231,1-1 1,0 1 89,3 2 0,0-4-494,0 1 1,0-2 78,0 2 0,5 0 28,4-3 1,1-2-142,6-5 1,-1-2-278,4-4 0,0 0 244,-1 0 1,1-1 188,-1-2 0,1-3 91,0-6 0,-4-2 284,1-1 0,-8-3-119,1 3 0,-6 0 80,1 0 1,-4-1-692,-4-3 0,-5 4-90,-6-1 1,-3 5-477,-1-1 1,1 1 285,-1 2 0,4 3 357,-1 0 1,1 4 0,-4-3 0</inkml:trace>
-  <inkml:trace contextRef="#ctx0" brushRef="#br1">24264 3426 8688,'0'-5'1100,"0"1"0,4 4-533,2 0 0,3 7-59,0 3 1,4 5 106,3 1 1,-2 1-97,2 2 1,3 0-411,2-1 0,1 1 192,-3-1 0,2 4-113,1 0 0,0-1-4,-4-6 0,-3 0-121,-3-3 1,-1-2 198,-2 3-341,-4-3 1,-2-1-64,-6 1 0,-2-1 113,-4 0 0,-6 1-106,-3-1 1,-2 4 130,-5 3 1,-3 1-677,-3 2 0,-3 3 42,3 0 0,3-1-215,3-2 0,8-4-18,-2 1 0,8-2 873,1 2 1,1-3 0,4-3-1</inkml:trace>
-  <inkml:trace contextRef="#ctx0" brushRef="#br0">16145 7663 8110,'0'5'90,"4"0"-162,2-2 0,11-2 252,5 2 1,5-2 21,4-1 1,6-4 29,6-2 0,3-3-462,0-4 0,3-1 294,-2-5 1,0 4 169,-7-1 0,-7 5-1,-9-2 1,-10 7 364,-5 3-281,-6 2 1,-4 1 38,-8 0 0,-1 4-233,-6 2 0,-3 3-170,-2 0 0,-2 0 133,1 1 0,1-1-139,-3 0 1,0 1-268,-1-1 1,2-1 154,5-2 1,2 3-89,1-3 0,3 2 25,0 1 1,6-2 88,3-1 1,4-1-107,5 1 0,4 1-127,9-3 1,3-1-17,3-3 1,2 0 68,1 0 0,4-1 55,2-2 0,-2-3 38,-1-3 1,2 0-260,-2-1 485,0 1 0,-3-4 0,-1-2 0</inkml:trace>
-  <inkml:trace contextRef="#ctx0" brushRef="#br0">13817 7048 8153,'-9'0'730,"0"0"0,-1 0-482,1 0 0,2 4-48,-2 3 0,1 5-128,-4 4 0,-4 2 93,-2 4 0,-2 6-143,-5 6 1,1 2-344,0 1 1,-2 0 354,4-3 0,3-2-158,4-4 1,8-7-40,0-3 145,5-5 112,2 0 1,4-7 13,3 0 1,2-2 45,3 2 0,4 0 191,6 3 0,-2 1 253,5-1 1,0-1-370,3-2 1,0 4-212,0-1 0,-1-1 112,-2 2 1,-3 2-195,-3-3 0,0 3-204,-1-3 1,-6 0-292,-3 1 1,-6-1-490,0 0 0,-2 1 34,-1-1 1014,0 0 0,-4 0 0,-1 1 0</inkml:trace>
-  <inkml:trace contextRef="#ctx0" brushRef="#br0">14106 7011 8130,'-5'1'425,"2"2"1,2-1 172,1 4 1,0 2-196,0 4 0,0 4-136,0 5 0,0 4-317,0 6 0,1 6 100,2 7 1,-2-3-769,2 0 0,-2-3 51,-1-1 0,3-4 667,0-2 0,4-6 0,-1-2 0</inkml:trace>
-  <inkml:trace contextRef="#ctx0" brushRef="#br0">14423 7430 8065,'5'-4'566,"0"3"-328,-2-2 0,-2 3-68,2 3 1,-2 2-39,-1 4 1,0 4-589,0-1 0,-4 8-36,-2-2 1,-6 4 491,0 0 0,-5 2 0,3 4 0</inkml:trace>
-  <inkml:trace contextRef="#ctx0" brushRef="#br0">14767 7123 8070,'-9'-4'-212,"2"3"212,1-2 995,0-3-178,-3 5-601,-1-3 0,2 5 14,2 2 0,-1 4-14,4 5 1,-4 2-76,4 5 0,0 4-138,3 2 1,0-2-399,0 2 0,0-4 277,0 1 0,1-3-388,2 0 0,3-5 202,3-1 1,0-4 132,0-3 1,1-3 96,-1-6 1,0-3 126,1-6 0,-2-3-50,-2-3 1,1-2 296,-3-2 0,2 3 30,-3-3 0,0 2-107,-3 2 1,0 1-526,0-2 1,-4 6 143,-2-6 1,-3 7-188,0 0 1,3 2-112,0 4 1,-1 2 455,-2 4 0,0 0 0,-1 0 0</inkml:trace>
-  <inkml:trace contextRef="#ctx0" brushRef="#br0">14925 7272 8042,'4'9'461,"2"5"1,0-4-126,0 2 0,-4-1 27,1-2 0,-2 4-319,-1 3 0,-7-2-353,-2 2 0,-4-4 13,1 4 1,-3-2-275,-3 2 1,2 0-719,1-3 1288,3-1 0,-5-2 0,2-1 0</inkml:trace>
-  <inkml:trace contextRef="#ctx0" brushRef="#br0">15242 7151 8036,'5'0'1430,"-1"0"-867,-4 0 0,0 4-606,0 2 1,0 3 4,0 4 0,0 2-95,0 7 0,-3-1 56,0 4 1,0-2-144,3 2 1,0 0-87,0-6 1,1 1 88,2-4 1,1-6 262,2 0 1,3-7-93,-3 0 0,2-6 252,1-4 0,1-5 222,-1-4 0,-3-2 290,0-4 1,-3 1-270,0-3 1,-2 3 191,-1-1 0,0 3-798,0 0 1,-4 0 182,-3 1 1,0 0-447,1 3 1,-2 2 344,1 7 0,2-2-2208,-1 1 2283,0 3 0,-4 0 0,1 4 0</inkml:trace>
-  <inkml:trace contextRef="#ctx0" brushRef="#br0">15409 6965 8012,'0'-7'457,"0"1"1,1 4 670,3-1 1,-2 2-506,4 1 0,0 0-213,3 0 0,1 5-320,-1 4 0,4 3 152,3 6 0,-2 1-320,2 9 0,-1-2-53,4 5 1,-1-2 7,-3-1 1,3 0 21,-3 0 0,0-5-216,0-1 1,-3-3 442,0-4 0,-2-1-58,0-5 252,-5 0 0,-1-2-78,-4-1 0,-4-1 244,-2 1 1,-7 2-312,-2-1 0,0 4-304,0 1 0,-1 5-821,-2-2 1,-1 4 548,0 3 1,4-1-2589,-1 3 2989,5 1 0,-7 3 0,4 0 0</inkml:trace>
-  <inkml:trace contextRef="#ctx0" brushRef="#br0">13882 8389 7974,'-13'5'0,"3"4"345,-3-3 1,0 2-72,0 1 0,0 5-189,1 1 1,0 7 101,-3 3 0,0 2-158,0 1 0,-3 0-117,3 0 1,-3-4 113,-1 1 0,5-4-42,1 1 1,3-6 91,1 0 1,4-8-64,1 1 0,3-1 35,1 1 0,5-3 82,1 0 1,3-1 7,4 2 0,1 1 10,5-2 1,0-1-145,3 1 0,-1 1 108,4 2 1,-1 0-202,4 1 1,-1-1 53,-2 0 0,-1 4-203,-2-1 1,-3 4 65,3-4 0,-7 0-547,-2-2 0,-2-1 18,2 0 701,-3 1 0,3-1 0,-3 0 0</inkml:trace>
-  <inkml:trace contextRef="#ctx0" brushRef="#br0">14087 8613 8186,'0'-10'-259,"0"1"259,0 0 0,0 2 102,0 1 0,4 4-15,3-1 0,1 2 136,1 1 0,3 1-310,-3 2 0,4 3 84,-6 7 0,2 1-59,-6 5 0,3 4 99,-3 1 0,0 3-65,-3 1 0,0-3 39,0 0 1,4-4 176,-1 0 1,0 1-53,-3-3 1,1-3-43,2-6 0,2-2-83,4-2 1,1-2 2,-1-4 1,1-1-28,3-2 1,-2-2 76,5-4 1,-2-1-284,2 1 0,0 0 57,-3-1 1,2 4-397,-2 0 1,-1 4 32,-3-1 525,1-2 0,3 4 0,2-4 0</inkml:trace>
-  <inkml:trace contextRef="#ctx0" brushRef="#br0">14581 8780 8140,'0'5'304,"0"-1"-198,0 1-102,0 0 0,-3 5-349,0 3 0,-1-2 345,4 4 0,-4 1 0,-1 3 0</inkml:trace>
-  <inkml:trace contextRef="#ctx0" brushRef="#br0">14776 8529 8156,'-8'1'-783,"2"2"962,-2 2 1,3 4-100,-1 1 1,2 0 17,4 2 0,0 2-232,0 1 1,1 3 114,2-2 1,2-2 68,5 2 1,-1-5-6,0 1 1,1-2-502,-1-4 0,3-2 362,1-4 1,-1-1 369,-3-2 0,-2-3-72,-1-7 1,-3-1 244,3-5 0,-4 0-75,1 1 0,-2-1-91,-1 1 0,-1-1-193,-2 0 0,1 2 154,-4 1 1,0 3-821,-4 3 0,1 2 179,0 2 0,0-1-1218,-1 4 1615,1 0 0,0 7 0,-1 1 0</inkml:trace>
-  <inkml:trace contextRef="#ctx0" brushRef="#br0">15065 8650 8075,'5'1'-38,"-2"2"1,2 1-165,2 2 344,-3 3 1,3-4 194,-4 4 0,1 3-545,-1 1 0,-2 2 74,2-2 1,-3 3-370,-3 0 0,-1 1 51,-2 2 452,-2-4 0,-2 2 0,-4-2 0</inkml:trace>
-  <inkml:trace contextRef="#ctx0" brushRef="#br0">15363 8436 8061,'0'-6'1543,"0"2"-1385,0 4-320,0 13 1,0-2 181,0 11 0,-1 2-49,-2 0 1,2 0-172,-2 1 1,2 0 93,1 3 0,1-4-257,2-3 0,1-2 116,2-3 0,2-7 188,-1-6 1,1-2 45,1-1 1,0-5 196,1-5 0,-2-4 27,-2-8 0,1 0 359,-3-3 0,-1-1 36,-3 4 0,0-3-172,0 4 0,0-1-483,0 3 0,-4 4 124,-3-1 1,-1 5-995,-1-2 0,-1 3 267,1 1 0,0 4 652,0 1 0,-1-1 0,1 0 0</inkml:trace>
-  <inkml:trace contextRef="#ctx0" brushRef="#br0">15475 8147 8053,'0'-6'2364,"0"0"-1854,0 4 0,1-3-160,2 5 0,2 5-459,4 1 0,2 3-7,1 3 0,-1 3 16,5 4 1,-4-1 48,4 1 0,-2 3-165,2-1 0,1 1 168,-1-3 0,1-2 24,-2-1 0,2 0 327,-5-3 1,0-1-146,-2-3 0,-4-2 175,0-1 1,-4-3 63,1 3 1,-3-3 189,-3 3 0,-2 1-294,-4 2 0,-1 3-230,1 1 1,-1 3-350,-3 0 1,2 6 209,-5 2 1,5 0-1250,-1 1 1,1-1 644,2 1 0,0 1 680,-1-5 0,-3 1 0,-2-3 0</inkml:trace>
-  <inkml:trace contextRef="#ctx0" brushRef="#br0">16722 8985 8334,'0'-9'73,"0"-1"1,0 4 195,0 0 0,9 0 1,3-4 1,10 1 0,6 0 0,8-1-81,7 1 0,4 0-223,3 0 0,-3-1-23,3 1 0,-7 3 100,-2 0 1,-8 3-119,-5 0 1,-6 1 179,-6-1-26,-3 2 0,-9-3 289,-4 4 1,-4 0-92,-5 0 0,-4 0-198,-3 0 1,-2 3 100,0 0 1,-2 3 38,-2-2 1,0 0-108,-3-1 0,1-1-334,2 4 0,3-3-25,-3 3 1,5-3-32,2 4 0,4-4-926,-2 3 856,7 0 1,3 2-605,6-1 951,10-3 0,7 0 0,8 1 0</inkml:trace>
-  <inkml:trace contextRef="#ctx0" brushRef="#br0">19897 10856 8541,'-9'-4'-1755,"0"3"1829,-1-3 16,1 0-79,0 3 20,-1-3 0,1 4 99,0 0 0,3 0-91,-1 0 0,1 0 246,-3 0 1,0 0 133,-1 0 98,1 0-319,0 0 0,2 3 160,1 0-84,4 4 0,2-2-99,6 5 1,7-4 56,2 0 0,7 0-52,3 4 1,6-4-172,3 0 0,3-3 5,4 3 0,1-4-335,5 2 0,-4-3 320,0-1 0,-4 0 19,-2 0 1,-5 0 176,-7 0-151,-6 4 1,-10-2 174,-6 4 0,-4-4-114,-5 1 1,-3 1-71,-9-1 0,0 5 14,-7-2 0,0 2 3,-7 1 0,-1 1-12,-4-1 1,-1-1-181,-2-1 1,1 0 97,-1-4 0,2 0-11,0-3 0,2-1 30,2-2 0,4-2-7,8-5 0,5-2 166,7 0 1,5-1-92,2 4 1,9 1-39,4 1 1,8 0 32,1 4 0,10-3 4,2 3 1,4-3 23,2 2 0,5 1-106,1 3 1,7 0-93,3 0 0,-26 0 0,0 0 97,1 0 0,0 0 0,0 0 0,-1 0-219,26 0 1,-1 1-207,-3 2 0,-5 0-742,-1 3 1200,-8-4 0,1 8 0,-3-4 0,-3-2 0,-4-1 0</inkml:trace>
-  <inkml:trace contextRef="#ctx0" brushRef="#br1">20409 11015 9939,'17'8'58,"1"-1"0,2-1 95,3 2 1,2 0-48,3 1 1,1-3-225,2 1 1,-1-2 71,4 1 0,-4-2-158,1-4 0,-2 0 98,-1 0 1,-5 0-2,-5 0-125,-3 0 242,-10 0 0,-2 0 234,-6 0 1,-3 0-111,-7 0 0,-1 0-52,-5 0 0,-4 0-10,-1 0 1,-3 0-3,-1 0 0,-3 0-183,0 0 1,-4-3 155,4 0 0,-3-4-152,3 1 1,-3 0 106,3 0 0,1 1 123,5-1 0,3-2-1,3 1 1,2 2 489,5-1-423,4 4 0,9-5 120,2 4 1,6-1-195,7 4 0,5 0 41,4 0 1,5 0-151,1 0 1,6-3 80,-2 0 0,3 0-136,-4 3 1,1 0-56,-1 0 1,2 3-145,-5 0 1,-1 1-16,-6 0 0,-1-3 183,-4 2 0,-5-2-1,-1-1 19,-7 4 0,-3-3 367,-6 2 0,-2-2-241,-5-1 1,-4 0-182,-5 0 1,0 0 101,-6 0 1,0 0-137,-3 0 0,-3 0 87,0 0 1,-4-3-153,1 0 1,-2-1 336,2 1 1,0 2-277,6-3 0,-1 3 40,8 1 0,3-3 353,6 0 321,5 0 0,4 3-235,6 0 0,7 0-132,5 0 1,6 1-134,1 2 1,7-2 101,-2 2 1,7-2-314,-3-1 0,0 0 157,-3 0 1,3 0-312,0 0 1,-1 0 95,-5 0 1,-3 0-105,-3 0 1,0 0-369,-1 0 1,-3 0 680,-3 0 0,-2 5 0,0 0 0</inkml:trace>
-  <inkml:trace contextRef="#ctx0" brushRef="#br1">19925 1713 12093,'0'5'46,"0"4"1,0-4-21,0 4 0,0 5-42,0 1 1,4 5 83,3 5 1,1 4 16,1 8 1,0 4-182,1 3 0,2 5-19,-6-22 1,1-1 0,0 1 0,1 1 39,-2 0 1,1 0-1,-1-2 1,0-1 93,3 25 0,1-3-307,-1-4 1,-1 1 152,-2-7 1,0-3 66,-3-9 0,-2 1 105,2-5 0,-2 4-20,-1-3 1,0-3 108,0-4 0,0 0 15,0 0 185,0 3 0,0-8-183,0 2 87,0-1-177,0-2-22,-4-4 0,2 2 113,-5-3 0,4-1-41,-3-3 1,0 0-31,-3 0 1,2-1-58,1-2 1,0 0-59,-3-3 1,-1-3 62,1-3 1,-3-5-190,-1 1 0,1-1 60,2-2 1,-2 1 17,0-1 1,-1 4 112,4-1 0,3 2 125,-1-2 0,2 3 61,-1 3 1,2 4-103,4 0-143,-4 4 0,4-2 151,0 4 1,1 4-163,5 2 1,1 3 150,6 4 0,-2 1 111,5 5 0,-4 0-89,4 3 1,-1-1 7,4 4 1,-4-5 121,1 2 0,-1 1-156,4-1 1,-4-2 11,1-4 0,-5-1 43,2-5 0,-3 0 348,-1-7-257,1 0 0,-2-4 245,-2-2 0,1-6-302,-3-7 1,2-2-147,-3-4 0,1-2-78,-1-4 1,2-4 175,5-2 1,-4-1-1029,0 1 1,-1-2 469,1 5 0,3-3-2495,-3 3 2923,2 4 1,6 0-1,0 4 1</inkml:trace>
-  <inkml:trace contextRef="#ctx0" brushRef="#br1">20400 9935 9787,'-6'-1'-1400,"0"-2"511,-1 2 1572,2-8 0,2 8 53,6-2 1,6 2-173,3 1 0,6 1-199,0 2 1,5-1-187,5 4 0,0-2-87,0 2 0,1-4-97,2 1 0,1-2-13,2-1 0,1 0 113,-4 0 0,-3 0-478,-3 0 1,-9 0 152,0 0 63,-5 0 143,-5 0 0,-6 0 76,-7 0 0,-5 0-69,-4 0 0,-2 1 16,-4 2 0,-2-2-28,-4 2 0,0 1 11,0 0 1,2 2 129,1-3 1,-1 3-87,4-3 1,0 0 234,4-3 1,3 3-17,3 0-202,6 1 1,3-4-143,6 0 0,4-5-138,8-1 1,2-2-634,8-1 1,3-2 95,3-1 769,4 2 1,-2-8-1,4 3 1</inkml:trace>
-  <inkml:trace contextRef="#ctx0" brushRef="#br0">19413 8240 8300,'0'-14'0,"0"1"0,-3 3 145,0 1 0,0-1 773,3 1-466,-4 4 0,2 1-112,-5 4 1,4 2-307,-3 4 0,-1 1 88,-6 9 1,-1 3-6,-5 6 0,1 2-78,-1 1 1,0 0-206,1 0 1,-1 0 2,1 0 0,0-1 95,2-3 1,0-2 7,4-6 0,2-1 104,4-6-62,4 3 48,-2-11 0,8 4 59,2-2 0,2-2 22,2 2 0,2 1 139,1 0 0,4 2-117,2-3 1,-1 4 118,4-1 0,1 3-201,-1 0 1,-1-3 77,-2 0 0,2 1-244,-3 2 0,2 0 142,-8 0 0,1-2-166,-4-1 0,0-1-357,1 1 1,-5-1-400,-2-1 1,-2-2 894,-1 4 0,-4 0 0,-1 3 0</inkml:trace>
-  <inkml:trace contextRef="#ctx0" brushRef="#br0">19599 8268 8314,'-8'-6'-137,"2"0"0,1 4 522,2-2-67,2-1 1,-7 3 663,5-4-623,0 4-164,-1-2 1,2 5-94,-4 2 1,3 3 83,-4 7 1,4 1-251,-3 5 1,3-1 72,-3 1 1,4 3-30,-1-1 0,2 4-101,1-3 1,4 3-148,2-4 1,3 1 62,4-3 0,1-5-79,5-1 1,-1-4 155,1-3 0,0-3 48,-1-6 1,-2-6 223,-1-7 0,-3-1-66,0-2 1,-5-3 41,-1 1 1,-3-5-6,0 1 1,-6 2-6,-4 2 1,-4 1-144,-1 1 1,-5 4-159,1-1 0,-1 6-567,-2 1 1,2 3 83,1 6 674,-1 0 0,6 0 0,-2 0 0</inkml:trace>
-  <inkml:trace contextRef="#ctx0" brushRef="#br0">19972 8557 8565,'0'5'1063,"0"3"-835,0-2 0,-4 3-226,-3 0 1,2 1 106,-1 3 0,-1 1-1276,-6 5 1167,3-1 0,-8 1 0,4 0 0</inkml:trace>
-  <inkml:trace contextRef="#ctx0" brushRef="#br0">20363 8194 8396,'-9'0'893,"3"1"-528,3 2 0,2 3 184,1 6 0,1 3-63,2 3 0,-1 5-22,5 2 1,-4 4-298,3 5 1,-4-3 98,1 6 1,-2 2-650,-1 1 1,0-3 332,0-3 1,0-4-1157,0 1 0,0-7 1206,0-5 0,4-1 0,1-3 0</inkml:trace>
-  <inkml:trace contextRef="#ctx0" brushRef="#br0">20670 8575 7670,'-5'0'557,"0"4"-266,2 3 1,-1-1-205,-3 3 0,-1-2-166,2 6 0,-6 0-187,0 0 0,0 2 266,2-2 0,1 3 0,0-1 0</inkml:trace>
-  <inkml:trace contextRef="#ctx0" brushRef="#br0">20968 8361 8274,'-4'-14'770,"3"0"-462,-3 5 0,3 4 64,-2 2 0,1 3-86,-5 3 0,2 3-38,-1 6 1,-2 3-56,1 3 1,2 2 0,-1 2 0,4-3-447,-1 3 1,3-5 226,3-2 1,-1 1-345,4 2 1,2-3 191,4-3 0,-1-5-91,5-4 1,-2-2 60,2-1 0,0-1 117,-3-2 0,2-4 33,-2-5 0,-2 1 206,-5-5 1,2-1 2,-5-4 1,0 1-99,-3-2 0,-1 3-502,-2 0 0,-3 0 216,-3 1 0,-3-1-414,-1 1 0,0 2 5,0 1 642,3 3 0,-3-1 0,3 3 0</inkml:trace>
-  <inkml:trace contextRef="#ctx0" brushRef="#br0">21145 8128 8139,'-4'-9'2151,"3"4"-1471,-3 1 1,8 6-221,2 4 0,2 1-114,2 9 1,2-1-11,0 4 0,5 0-30,-2-1 0,2 5-329,-1 2 0,4-1 135,-1 0 1,5 3-344,-3 1 0,2 1 181,-1-7 0,-4 0-51,1-4 1,-1-3-87,-6-3 76,-4-2 0,-3 0 77,-5-1 1,-3-3 211,-3 1 0,-1-1-222,-9 3 1,1 1 85,-4 3 1,-2 1-748,-1 5 0,-4 0 332,1-1 0,-1 4-540,1 0 0,0 3 913,3 0 0,-4-2 0,2 0 0</inkml:trace>
-  <inkml:trace contextRef="#ctx0" brushRef="#br0">17421 9879 8840,'-7'3'885,"1"0"-697,4 4 1,-3-2 26,2 5 0,1 3-60,-4 3 1,-1 1-34,-2 2 1,0 4 68,-1 2 1,-2 1-33,0 2 0,-2 0 20,2 0 0,1 2 12,-1-2 0,2 4-159,0-7 0,2 0 122,2-7 1,2-2-189,4 0 0,0-5 56,0 1 0,1-4-62,2-2 0,2-3 137,4 3 1,2-3-30,1 3 0,-1-3-19,5 4 0,-1-4 20,4 3 1,-1 0-152,-3 4 1,3-1 94,-3 0 1,0 0-463,0 1 0,0-1-19,0 0 1,-1-2-206,-5-1 1,-3-1-658,1 1-163,-1 2 1493,-1-6 0,-1 2 0,-4-4 0</inkml:trace>
-  <inkml:trace contextRef="#ctx0" brushRef="#br0">17486 10112 8213,'0'-7'136,"0"1"1,0 3-180,0-3 1,1 0-21,2-4 0,1 4 655,2 0 0,3 1-185,-3-1 0,2 1-364,1 5 0,-2 0 54,-1 0 1,-1 6-160,1 3 1,1 4 110,-4 6 0,1 1 69,-4 1 1,0 1-142,0 6 1,0-5-239,0 5 1,-4-7 230,1 1 0,0-1 46,3 1 0,0-6-40,0 3 1,0-10 30,0 0 1,1-2-23,2-1 0,3-2-27,3-4 0,0-1-6,1-2 0,3-2-154,2-5 1,-1 1 53,-2 0 1,2-1-554,-2 1 1,2 0-8,-2-1 708,-2 1 0,4 0 0,-5-1 0</inkml:trace>
-  <inkml:trace contextRef="#ctx0" brushRef="#br0">17858 10251 8148,'0'6'89,"0"1"1,0-4 233,0 3 1,0-3-79,0 3 0,0 0-96,0 4 1,0-1-189,0 0 0,-1 0-72,-2-3 0,2 2-400,-2-2 0,2 0 101,1 0 410,0-4 0,-4 6 0,-1-3 0</inkml:trace>
-  <inkml:trace contextRef="#ctx0" brushRef="#br0">18063 10009 8372,'-5'4'-171,"-3"-3"1,3 5 505,-1-3 1,1-1 4,2 4 1,2 0 79,-2 3 0,2 5-249,1 1 1,0 3 15,0 1 1,0-1-252,0 1 1,1-1 95,2 1 1,2 0-428,4-1 1,4-3 136,-1-3 1,2-2-46,-2-4 0,2-2 46,1-4 0,0-1-73,-3-2 1,-3-7 260,1-5 1,-2-3-124,-5 0 1,3-4 550,-3 0 1,-1 4-215,-5 2 1,1 1 88,-4-4 0,-1 1-88,-6 3 0,2 1-62,-5 5 0,4 1-71,-3 2 1,0-2-320,0 5 0,1-3-336,5 3 0,-1 1 62,1 5 580,4 2 0,-3 4 0,2 1 0</inkml:trace>
-  <inkml:trace contextRef="#ctx0" brushRef="#br0">18324 10140 8109,'0'9'0,"0"0"583,0 0-293,0 1 0,0 0 17,0 3 0,0-3-131,0 2 1,0-1-318,0-2 0,-1 1-187,-2 3 0,2-3-362,-3 2 1,0-1 689,1-2 0,-4-4 0,2-1 0</inkml:trace>
-  <inkml:trace contextRef="#ctx0" brushRef="#br0">18463 10046 8297,'6'10'52,"-1"-1"-44,-2 0 0,-1 2-31,4 1 0,-1 2 93,2 1 1,1 3-262,-2-3 1,2 2 45,2-2 0,-1-2-112,0-7 0,1 1 144,-1-4 1,-1-1 28,-2-5 0,2-2 305,-5-4 0,1-4-97,-1 1 1,-2-5 132,2 2 1,-3 0-62,-3 0 1,-2 0 454,-5 0 1,1 0-235,0 3 1,0 2-138,-1-3 1,1 6-249,0 1 1,-4 4-277,1-1 0,-1 0-633,4 0 592,0 2 285,-1-3 0,5 8 0,1 1 0</inkml:trace>
-  <inkml:trace contextRef="#ctx0" brushRef="#br0">18622 9916 8076,'0'9'367,"0"-2"-257,0-1 1,0 0 314,0 3 0,4 1-136,2-1 1,2 3-311,2 1 0,3 0 59,3 0 0,-2-3-158,2 2 1,-1 0 46,4 0 0,-1-1 137,1 1 1,-5-2 28,-1 0 0,0-1-49,0 0 0,-4 1 145,-3-1 1,-4 0 371,1 0 0,-2 1-5,-1-1 0,-1 1-130,-2 3 0,-2-2 92,-4 5 0,0 0-357,-1 6 1,-2-1 72,-1 4 1,-2-1-628,2 4 0,-3 3 297,0 0 1,0 0-2482,0-3 2433,3-4 1,-1 3 0,0-3 0</inkml:trace>
-  <inkml:trace contextRef="#ctx0" brushRef="#br0">21052 10586 8056,'-6'-1'-411,"-1"-2"697,5 2 0,-5-2 93,4 6 0,-1 2-296,1 5 1,1 0 96,-5 3 0,1 1-199,-3 5 1,0 3 101,-1 3 1,0 1-168,-2-1 1,1 2 40,-1-2 1,1-1 1,2-2 1,4-1 40,2-9-37,2 5 0,1-7 132,0 3 0,1-4-66,2-3 1,5 2 160,5-1 1,0 0-137,0-1 0,-2 2 5,4-1 1,0 1-45,0 1 1,2 0-139,-5 1 1,4-2 103,-4-2 0,2 1-136,-2-3 0,-1 2-309,1-3 1,-2 3 202,0-3 1,-1 0-504,0-3 1,-3 3 763,1 0 0,-5 1 0,2-4 0</inkml:trace>
-  <inkml:trace contextRef="#ctx0" brushRef="#br0">21145 10782 8530,'0'-6'27,"0"0"0,0-1 203,0-2 1,4 3-117,2 0 0,-1 3 128,2-4 1,-1 2-161,3-1-133,0 2 1,1 4-126,-1 0 0,-3 4 188,1 2 0,-5 7-101,1 2 1,-2 3 66,-1 0 1,0 1-252,0 0 1,-1-1 200,-2 1 1,2-2 23,-3-1 1,2-2 313,-1-1-271,2-3 172,-3 4-149,8-9 0,2-1 13,7-4 0,-2-1-412,5-2 1,-1-2 131,4-5 0,-4 1 249,1 0 0,-1-1 0,4 1 0</inkml:trace>
-  <inkml:trace contextRef="#ctx0" brushRef="#br0">21517 10884 8323,'0'7'-136,"0"-1"1,0-3 302,0 3 209,0 0 1,0 4-271,0-1 0,0 0-192,0 1 1,0-1 251,0 0-166,-4 0 0,3 1 0,-3-1 0</inkml:trace>
-  <inkml:trace contextRef="#ctx0" brushRef="#br0">21666 10605 8307,'0'-9'-446,"0"-1"0,0 4 981,0 0-156,0 4 1,1-2-157,2 4 1,0 0 213,3 0-513,0 0 1,3 0 152,1 0 0,-2 1-141,-2 2 1,2 0 59,-1 6 0,-3-1-45,-1 4 1,-1 3 64,1 0 1,-2 3-213,2 0 1,-2 1 149,-1-1 1,-3 1-9,0 0 1,-3-2 278,3-1 1,-4 0-138,4-3 0,-1-1 410,1-2-247,2 3-158,-3-3 1,5 0 20,2-7 1,2-2-194,5-1 0,-1-3-57,0 0 0,4-5-181,-1 2 1,1-2-535,0-1 0,-3-1 101,3 1 750,-3 0 0,3-1 0,2 1 0</inkml:trace>
-  <inkml:trace contextRef="#ctx0" brushRef="#br0">22104 10782 8428,'-5'0'0,"-2"4"0,3 2 0,1-1 452,3 2 0,0-1-89,0 3 0,0 2-11,0 1 0,-3-2-97,0 3 0,0-3-1008,3-1 1,0 1 3,0-1 1,0-3 748,0 0 0,4-4 0,1 3 0</inkml:trace>
-  <inkml:trace contextRef="#ctx0" brushRef="#br0">22318 10521 8355,'-4'-8'158,"-2"2"0,1 2 334,-2 4 1,4 0-111,-3 0 1,4 1 2,-1 2 1,-1 3-224,1 6 0,-4 3 111,4 4 1,-3 2-370,3 1 1,0 0 120,3-4 0,1-2-482,2-1 1,1-3 124,2 0 0,6-3-69,-3-2 0,2-3 138,-1-4 0,2 0-54,1 0 0,-1-7 247,-3-3 0,0-5-105,-3-1 0,1-1 266,-4-2 0,0 0-110,-3 1 1,0-2-150,0-2 1,-1 3 117,-2-3 0,-3 1-847,-6 0 897,1 1 0,-6-7 0,2 3 0</inkml:trace>
-  <inkml:trace contextRef="#ctx0" brushRef="#br0">22365 10270 8297,'3'9'969,"0"0"0,4 2-492,-1 1 1,4 0-133,2 3 1,-1 1-107,5 2 0,-3 4-28,6 0 1,-3-1-138,2-2 0,1 0-168,-4-1 1,-1-2 145,-2-1 1,-5 0-93,0 0 0,-5 0 7,1-3 1,-6 2 107,-4 1 1,-1 3 0,-1-3 1,-4 4 30,1 3 1,-6 1-47,0 5 1,-1 0 15,-3 0 1,6 0-348,0 0 1,5-3 131,-1 0 0,2-5-2138,4 2 2276,2-6 0,0 1 0,-1-2 0</inkml:trace>
-  <inkml:trace contextRef="#ctx0" brushRef="#br1">17989 12504 9693,'-11'5'-106,"-1"1"1,1-1 164,-1 1 0,2 1 169,0 6 1,1 1-188,0 5 0,-1 1 189,1 1 0,1-1-87,2 2 0,-2-1-37,5-2 0,0 1-279,3-8 1,1 1 172,2-4 0,3 3-134,3 1 0,0-2-74,0-5 0,5 3 208,1-3 0,2 5-122,-2 2 0,2-1 75,-5-3 1,4 1-251,-4-1 1,4 0 84,-4 1 0,1-1-67,-4 0 0,2-3-58,-1 1 337,1-1 0,-6 3 0,5 0 0</inkml:trace>
-  <inkml:trace contextRef="#ctx0" brushRef="#br0">18119 12626 8536,'0'-15'226,"0"3"73,0 1 0,1 2-218,2 0 0,-1 3-45,4 3 1,1-1 10,2 1 1,-1 1 4,-2 5 1,2 2 40,-5 5 0,3 3-143,-3 3 0,0 4-165,-3 2 1,0 4 109,0-1 0,-3-1 22,0 0 0,0-3 115,3 1 1,0-3-67,0 0 1,0-4 47,0-3 0,1-3-48,2-3 0,0 2-77,6-5 1,-1 0-26,4-3 0,1-4-164,0-2 0,3-4-4,0-2 0,-3 1 304,0-1 0,-3 2 0,-1 0 0</inkml:trace>
-  <inkml:trace contextRef="#ctx0" brushRef="#br1">18463 12812 8636,'0'5'-6,"0"3"27,0-3 0,0 5 40,0-1-695,-4 0 1,3 1 632,-2-1 1,-2 4 0,0 2 0</inkml:trace>
-  <inkml:trace contextRef="#ctx0" brushRef="#br0">18622 12486 8326,'-4'-5'0,"3"-4"0,-3 3 0,3 1 178,1-1 1,1 3-90,3-3 0,1 2 445,4-2 1,0 3-186,1-3 0,-1 4-403,0-1-96,1 2 0,-1 1 99,0 0 0,-3 3-11,1 0 1,-5 4 127,1-1 1,-2 4-322,-1 2 1,0-1 31,0 5 0,0-1-49,0 4 1,-1-1 58,-2-3 1,2 2 43,-2-5 1,1 4 56,2-4 0,0 1-15,0-4 0,0 0 130,0 0 0,5-3-112,1-3 0,2-1 203,1 1 1,2-2-103,1 2 1,-1-2 170,1-1 1,-2 0 4,0 0 0,-1 1 39,0 2 1,-3-1-92,1 4 1,-5-2 21,1 2 1,-2 0-211,-1 3 1,-4 1 132,-2-1 1,-3 1-556,0 3 0,0 0 494,-1 3 0,-3 1 0,-2-2 0</inkml:trace>
-  <inkml:trace contextRef="#ctx0" brushRef="#br0">19003 12784 8419,'-8'6'681,"2"0"1,-1-3-177,4 4 1,-4-4-522,4 3 0,-1-3 114,1 3-574,2 0 0,-6 4-47,4-1 0,0-3 523,3 0 0,-5-4 0,0 3 0</inkml:trace>
-  <inkml:trace contextRef="#ctx0" brushRef="#br0">19208 12551 8554,'-13'0'1034,"2"3"-650,-1 0 1,5 4-332,1 0 1,4 1 61,-2 1 1,0 2 163,1 1 1,0-2-452,3 3 0,1 0 139,2 0 1,2-1-340,5-3 0,-1 0 216,0-3 1,2 1-227,1-4 1,-2 0 109,3-3 0,0-1 11,0-2 1,-1-2 254,-3-4 1,-2-1-141,-1 1 0,-4-3 480,1-1 1,-2 0-184,-1 0 0,-3 2 70,0-5 0,-7 5-93,0-1 1,-2 1-351,-1 2 1,3 0 15,-2-1 1,0 2-213,0 2 418,1-2 0,-2 7 0,4-4 0</inkml:trace>
-  <inkml:trace contextRef="#ctx0" brushRef="#br0">19367 12374 9190,'-5'0'900,"5"0"0,5 1-610,4 2 0,3-1-100,1 5 1,3-1 72,0 3 1,1 0-315,2 1 1,0-2 158,-1-2 0,0 6-302,-3-3 0,2 2-28,-5-1 0,1-4-87,-4 0 1,0 0 180,1 3 1,-5 1-45,-2-1 0,-2-3 51,-1 1 0,0-1 44,0 3 1,-4 0 18,-2 1 0,-3 2-19,0 0 0,-1 5 91,-3-1 1,3 1-65,-2 2 0,-2 0 71,2 3 1,-4-2-119,4 2 1,-1 0-396,4 0 492,4 0 0,-3 0 0,2 2 0</inkml:trace>
-  <inkml:trace contextRef="#ctx0" brushRef="#br1">23165 7067 11274,'-6'0'-295,"0"0"1,4-1 332,-1-2 260,-2 2 1,3-6 1389,-5 3-1348,5 1 0,-3 3 334,2 0-695,2 0 0,-6 1 226,4 2 0,-5 3 252,2 3 1,-2 4 154,-1 3 0,-2 3-235,-1 2 1,1 0-378,-1 4 0,2 0 427,0 3 0,4-4-149,0 1 0,4-4 73,-1 1 1,2-3-255,1 0 0,4-5-291,2-1 0,2-4-323,2-3 0,2 3-67,1-3 0,3-1-77,0 1 1,-2-4-313,2 1 0,-2 1 106,2 0 0,1-1-307,-1-3 0,-2 0 923,2 0 0,-1 4 0,4 1 1</inkml:trace>
-  <inkml:trace contextRef="#ctx0" brushRef="#br0">23417 7188 8507,'-10'-4'-265,"4"3"-397,0-2 745,0-2 1,0 3 354,-1-1 0,4 5-126,-3 2 0,3 6-144,-3-1 0,4 7-23,-1-1 0,2 0 34,1 0 0,0 1-176,0 2 1,1 1-38,2 0 1,5-4-178,4 1 1,4-5 135,-4 1 1,5-5-124,-2-4 0,0-2 112,0-1 0,0 0 53,0 0 0,-1-4 148,-5-3 1,-3-5-137,1-3 0,-5-3 24,1-1 0,-2 1-166,-1-1 1,-4 0-238,-3 1 1,-1 2-362,-1 1 761,0 3 0,-1-1 0,1 4 0</inkml:trace>
-  <inkml:trace contextRef="#ctx0" brushRef="#br0">23705 7393 8525,'-4'5'335,"3"3"713,-2-2-875,2 3 1,1 0-432,0 0-131,0 1 0,0-1 198,0 0 1,-3 1-431,0-1 621,0 0 0,-1 5 0,-2 0 0</inkml:trace>
-  <inkml:trace contextRef="#ctx0" brushRef="#br0">23882 7207 9544,'0'-6'493,"0"-2"0,0 8-481,0 0 1,0 7-120,0 6 0,0 3 106,0 0 0,0 1-207,0 2 1,0-1-200,0-3 1,4 2 155,3-5 0,1 4 96,1-4 1,1-3 91,-1-2 1,3-5 19,1 1 1,-1-3 46,-3-3 0,1-4 185,-1-5 0,-3-1-136,0-3 0,-3-1 195,0 1 0,-2-2-96,-1 0 0,-4-1-79,-3 1 0,-1 0-139,-1 2 0,-1 0 92,1 3 1,0 2-373,0 5 0,-1 1-125,1 2 0,3 2-539,-1-3 1010,5 3 0,-6 6 0,3 0 0</inkml:trace>
-  <inkml:trace contextRef="#ctx0" brushRef="#br0">24199 7337 8566,'1'9'-374,"2"1"0,-2-4 150,2 0 0,1 0 1145,-1 4 1,1-1-284,-4 0 0,3-3-644,0 1 1,0-1-328,-3 3 1,0 0-307,0 1 0,-1-2 639,-2-2 0,2 7 0,-3-3 0</inkml:trace>
-  <inkml:trace contextRef="#ctx0" brushRef="#br0">24515 7123 8902,'-6'-5'721,"0"2"1,4 3-547,-1 3 1,2 3 83,1 6 1,0 0-52,0 3 1,1 4-172,2 2 1,-1 4-29,4-3 0,-3 4-356,4-1 1,0-1-66,5 0 0,-1-4 226,1-1 1,1-1-898,0-2 1,0-3 1082,0 0 0,-3-3 0,4-1 0</inkml:trace>
-  <inkml:trace contextRef="#ctx0" brushRef="#br0">24720 6965 8501,'-4'-6'2548,"3"2"-2498,-3 4 0,8 4 239,2 3 1,4 2 65,2 3 1,-1 1-82,5 5 1,-1-1 2,4 5 0,3 0-325,0 0 1,-1 3 108,-2-3 0,2-1-266,-3-2 0,3 0 27,-6-1 1,-1 0 50,-2-3 0,-4-1 93,-2-5 0,-4 3 20,1 1 1,-3 0 147,-3 0 1,-2-2-49,-5 5 1,-3 3 118,-3 6 0,-2 2-70,-4 1 1,-3 4-27,-6 2 1,1 2-231,-4 2 1,1 1-487,-1-2 1,6 1 54,6-6 0,10-5-785,2-2 1337,7-4 0,-1 2 0,4-5 0,0 1 0</inkml:trace>
-  <inkml:trace contextRef="#ctx0" brushRef="#br0">23398 11527 8408,'-6'-8'-128,"0"1"445,4-1 0,-3 4 25,1-2 0,2 2 83,-4 4 1,3 1-280,-3 2 0,-3 6-169,-4 7 1,0 1-320,0 2 1,-1 4 212,-5 1 1,-3 6-143,1 1 0,0 0 137,5-3 1,-1 0-17,1 0 1,3-3 116,0 0 0,4-8 5,3 2 0,-1-6-33,4-1 75,0 2 1,4-3 167,2 1 0,2-1-80,4-2 0,1 0 189,3 0 1,-2 1-93,5-1 0,-1 0-107,4 1 1,0 2-146,-1 1 0,1-1-225,-1-3 1,1 0-2,0-3 0,-2 2 131,-1-2 1,0 1 147,-3 0 0,3 1 0,-1-3 0</inkml:trace>
-  <inkml:trace contextRef="#ctx0" brushRef="#br0">23473 11666 8427,'-7'-8'232,"1"2"0,4 1 204,-1 2-291,2 2 1,1-4 126,0 1 0,1 3-2,2-2 0,2 2-167,5 1 0,-1 0 71,0 0 1,1 0-280,-1 0 1,0 0 28,1 0 0,-1 3-12,0 0 0,-1 5 45,-1-2 1,-2 3-82,-2 4 0,-2-2-253,2 5 0,-5 0 158,-1 6 0,-4-1 118,0 3 1,-4 0 8,-1 1 1,-1 1 355,4-4 1,1-1-79,1-2 0,0-2-21,4-1 0,0-6-32,3-3 0,1-5 7,2 1 1,3-2-127,7-1 0,0 0 85,3 0 1,1-4-296,-1-3 1,1-1 75,2-1 1,-3 0-580,-1-1 0,0 4 133,0 0 0,-2 3 566,-3-4 0,3 5 0,2-2 0</inkml:trace>
-  <inkml:trace contextRef="#ctx0" brushRef="#br0">23910 11937 8965,'-9'0'1526,"3"3"-1071,0 0-629,3 4 0,-4-5 121,4 4 0,-1 0-135,1 4 0,-1-4-313,-2 0 1,0 0-387,3 4 1,1-2 886,-4-2 0,0 2 0,-4-2 0</inkml:trace>
-  <inkml:trace contextRef="#ctx0" brushRef="#br0">24162 11480 8375,'9'0'315,"-1"1"77,-2 2 1,3-1-315,-3 5 1,-2-1-79,-1 3 0,-3 5 12,-3 1 1,1 0-11,-4 0 0,-1 1 139,-6 2 0,3-2-123,-3-1 1,0 0 168,1 0 0,2-1-103,4-5-80,0 0 0,1-2-73,2-1-143,1-4 0,7 2 157,1-4 0,2 0-33,1 0 1,2-3-73,1 0 1,2 0 67,1 3 0,3 0 4,-3 0 1,-1 1 86,-2 2 1,2 1 8,-2 2 1,-1 2 47,-4-1 1,0 1 178,-4 1 0,0 4-15,-3-1 1,-1 4-144,-2-4 0,-3 2 78,-7-2 1,3-1-37,-3 5 1,2-5-430,-1 2 0,1-3-131,-1-1 1,5 0-161,0-3 1,2 2 232,-1-2 368,2-2 0,0 5 0,-1-4 0</inkml:trace>
-  <inkml:trace contextRef="#ctx0" brushRef="#br0">24488 11974 8380,'-10'3'1362,"1"0"1,3 1-1136,-1-1 0,5-1 37,-1 4 1,-1 1-391,1 2 0,-1-3 163,1 0 0,2 1-1228,-2 2 1,2 0 1190,1 1 0,-4-1 0,-2 0 0</inkml:trace>
-  <inkml:trace contextRef="#ctx0" brushRef="#br0">24674 11648 8380,'-5'-1'-509,"1"-2"721,-1 2 1,4-4 1,-2 1 1,2 2 1,1-4 0,0 3-105,0-3 1,0 3 110,0-3 1,4 0-102,2 0 0,3-2 52,0 2 0,0 2-118,1 0 0,-1 3 17,0 1 1,1 0-162,-1 0 1,-1 5 30,-2 1 1,0 3 113,-3 3 1,-2 3-187,2 4 1,-2 0 87,-1 3 0,-1-2 38,-2 1 1,2 2 82,-2-1 0,1-1 16,-2-6 1,3 2-41,-2-5 1,3 0 16,3-2 0,-1-5-20,5-2 1,-1-2 14,3-1 0,4-1-213,-1-2 1,5-2 125,-2-5 0,2 0-507,-2-2 1,3 1-50,-3-1 0,0 2-258,0 0 1,-3 1 833,0 0 0,-2-5 0,0 0 0</inkml:trace>
-  <inkml:trace contextRef="#ctx0" brushRef="#br0">24981 11452 8380,'-9'-4'861,"-1"3"-673,5-3 52,1 4 1,4 4-45,0 2 0,4 3 85,2 0 0,3 4-240,0 3 0,1-2-12,3 2 0,-2-4-24,5 4 1,-4-2 78,4 2 0,-5 0-306,1-3 0,0 0-32,0 0 1,-1-6 91,1 2 1,-5-3-67,-1 1 200,-4 1 1,3-6 273,-5 4 0,0-3-96,0 4 1,-1-1 72,-3 3 0,-1 5-80,-4 1 0,3 3 137,0 0 0,-1 5-201,-2 2 0,-1 3 72,-3 3 0,3-1-518,-2 4 0,1-3 216,2 3 1,0-3-1917,-1 3 1891,1-4 0,4 2 0,1-4 0</inkml:trace>
-  <inkml:trace contextRef="#ctx0" brushRef="#br0">2272 7113 8547,'-9'-4'0,"-1"-2"120,1-2 1,8 3 286,4 2 1,13 2-274,5 1 1,9 0-50,4 0 0,5 0-214,4 0 0,6 3-64,-20-2 0,1 1 0,1 1 0,2 1 133,1-1 1,0 0 0,-1-1 0,-1 0 60,0 0 0,-2-1 0,-2 0 1,-1-1-15,1 1 1,0-2 0,21 0 27,-3-2 1,-9-2 277,-9-4 0,-8-3-126,-8 3 0,-5-2 189,-4 5 0,-3-2 92,-3 2 1,-4-2-86,-5 2 1,-2-3 127,-5 0 1,-3 0-288,1-1 1,-8 1-392,1 0 0,-9 0-65,3-1 1,-3-2-16,6-1 0,0 1 245,3 3 1,2-1 321,4 1 0,5 3 71,8 0-284,3 4 1,6-3-179,7 5 0,6 5 135,6 1 0,1 5 59,8 2 0,-2 3-78,5 0 1,2 4-186,1 2 0,4 4 131,2-1 1,-2 2-40,3 1 0,-7-2 244,-3-1 0,-6 1-155,-4-4 0,-8-1 255,-4-6 0,-7 0-136,-2-3 1,-8-1 125,-8 5 0,-2-1-409,-4 4 1,-6 7-254,-6 2 0,15-9 0,0 1-1243,-3 1 1,0 2 1638,1 1 0,-1 1 0,-4 4 0,0 1 0,1 1 0,0-1 0,-1 2 0,0 0 0</inkml:trace>
-  <inkml:trace contextRef="#ctx0" brushRef="#br0">10335 6648 8163,'-9'4'133,"-1"2"0,1 7 121,0 2 0,-2 4 320,-1 3 1,2 6-181,-3 6 0,-1 3-123,-2 3 0,2 0-514,-2 3 0,1-3 304,-4 4 1,2-8-299,1 1 0,3-7 140,3-2 1,1-4-155,0-5 0,3-8-683,3-2 61,2-6 0,1 0 298,0-6 575,0-6 0,4-10 0,2-4 0</inkml:trace>
-  <inkml:trace contextRef="#ctx0" brushRef="#br0">10167 6927 8163,'4'-17'149,"-1"1"1,3 0 330,-3 3 1,5 2-98,2 5 1,0 1 61,5 5 1,1 3-26,3 3 0,0 4-122,3 9 1,-2 2-99,1 1 1,0 4 57,1-1 1,-3 2 36,3 1 1,-2-6-54,-2-3 1,1-2 15,0-8 0,-1 1 124,1-7 0,-2-4-98,-1-5 1,-2-7 105,-1-6 1,-3-5-89,3-7 0,-4-1-188,-3-2 1,2-2 115,-1 2 1,0-1-564,-1 0 0,2 3-298,-1 4 1,1 0-641,1 1 0,2 0 612,1 2 659,-2 2 0,8 0 0,-4-1 0</inkml:trace>
-  <inkml:trace contextRef="#ctx0" brushRef="#br0">2616 8613 8517,'-14'-7'13,"1"1"69,3 0-131,5 1 0,3-2 100,8 3 0,4 1 249,9 3 1,4 1-173,2 2 1,3-2-123,3 3 1,0 0 82,6-1 1,-1 0-16,8-3 1,-1 3-161,4 0 1,0 0 210,3-3 0,-8 0 4,-1 0 0,-8-3 90,-9 0 503,-5-4-428,-10 2 0,-9-4 63,-6 3 1,-6-2-274,-4 2 0,-1 0-302,-2 0 1,-3 0 184,1-3 0,-5-1 13,1 1 1,-2 0-104,-1-1 0,0-2 93,0 0 0,1-2-78,3 2 0,2 1 63,6-1 0,3 5 591,3 1-329,5-1 0,3 2-150,8 2 0,3 3 73,9 3 1,0 2-2,7 5 0,3 0-90,3 2 1,3 0 55,-3 3 1,3 1-181,-3 2 0,0 1 140,-3 0 1,-4-2 167,-2-1 0,-4 1-22,-2-1 1,-7-3 126,-6 0 1,-3-2-212,-3 2 1,-6-2-54,-7 5 0,-4 3-903,-2 6 0,-8 4 474,-1 5 0,-3 1 76,17-13 1,-1 0 0,-2 1 0,0 1-1,1 2 1,0 0 0</inkml:trace>
-  <inkml:trace contextRef="#ctx0" brushRef="#br2">17458 8752 8362,'-23'0'-99,"2"0"-48,-3 0 0,-2 1 457,-5 2 1,-2 4 503,-5 5 1,-1 3-1033,-4 7 1,-4 3 349,18-10 1,-1 1-1,0 0 1,0 1-474,-5 2 0,-1-1 1,-2 1-1,-1 0 355,-2-1 0,-2 1 1,-1 0-1,-2-1-18,14-5 0,-2 0 0,1-2 0,-16 4 0,0-2-340,-2-1 1,-1-2-1,2-3 1,0-4 386,3-1 0,1-4 0,-2-3 0,2-3-9,2-3 1,1-3 0,3-1 0,2-2-211,3-2 0,2-2 0,1 0 1,2-2 92,1-1 0,2-1 1,1-1-1,1 0 33,1-2 0,2 0 1,6 3-1,3-1-184,-3-20 1,11-1 433,11 4 0,11-1-292,-3 21 1,3 0-1,1 1 1,2 1 11,4-4 1,2 1 0,2 0-1,2 1 81,3-3 1,2-1-1,2 0 1,2 0-34,3-2 1,2 2 0,-13 8 0,0 1 0,1 1-34,0 0 0,1 2 0,1 0 0,1 2 0,0 0 0,0 1 70,1 0 0,0 0 0,1 2 0,1 1 0,1 1 0,0 1-21,-1 1 0,0 0 0,1 3 0,-2 1 0,1 2 0,-2 2-131,15 3 1,-2 5-1,-2 3 1,-2 4-11,-2 2 0,-2 2 0,-3 3 0,-1 1 136,-5 1 0,-2 1 0,-3 0 0,-4 1 38,-6-1 1,-3 2 0,-2-2-1,-1 1 106,-3 0 1,-1 0 0,-1-1 0,-3 0 507,-3 23 0,-9-1-306,-6-5 1,-8-2-8,8-20 0,-1 0 0,-1-1 0,0 1-191,-3 2 1,-1-1 0,2-3 0,-1-1-542,-1 0 1,-1-1 0,-19 12 209,-2-2 0,0-5 204,0-8 0,-2 1 0,5-7 0,1-4 0,1-2 0</inkml:trace>
-  <inkml:trace contextRef="#ctx0" brushRef="#br2">23473 8156 8617,'-6'0'255,"-2"0"-22,2 0 1,-3 1 26,-4 2 0,-5 3 58,-7 3 1,-7 1-69,-5 3 0,-6 1-405,19-5 1,-2 1-1,-1 0 1,-1-1 217,-3 3 1,-1-2 0,2-1-1,0-1-107,1 1 0,0 0 1,-1-2-1,0-1 14,0 0 0,1 0 0,-1-2 0,0-2-51,0 0 1,1-1 0,0 0 0,1-3-84,-2 0 1,1-2 0,0-2 0,0-2 72,-1-4 1,1-1 0,-2-2 0,1-2-7,-3-1 0,1-1 1,3 0-1,1-1-131,1-1 0,1-1 0,1 1 0,1-1 154,1 1 0,0-1 0,1-1 0,1 1 1,1 0 0,0 0 1,-9-15 166,7 3 1,11 4 63,8 2 1,2 4 31,1 2 0,8 3-173,4 0 0,12-3 66,4 0 0,10-3 25,3 0 0,-19 11 1,1 1-113,2-1 0,0 0 1,3-1-1,0 1 34,2-2 0,2 1 1,3 0-1,1 1-12,1-2 1,1 1 0,0 2-1,0 2-108,-1 1 1,1 2-1,2 1 1,2 3 76,-1 2 0,1 1 1,1 1-1,-1 1-3,-1 1 1,-1 2 0,-2 3 0,-2 2-69,-1 4 1,-1 2 0,-3 1 0,0 1-52,-1 2 0,-1 2 1,-3 0-1,-2 0 96,-1 0 1,-2 1 0,-2-1-1,-2-1 11,8 18 0,-6 2 66,-7 0 1,-6 5 143,-3-2 0,-7-1 179,-5-2 0,-6-1-211,-6 2 1,-3-3-28,-4 2 0,-4-2-87,-2-4 1,-6 1 52,0-4 1,-2-2-984,4-7 0,3-6 894,7-10 0,4-1 0,3-8 0,1-3 0,1-4 0</inkml:trace>
-  <inkml:trace contextRef="#ctx0" brushRef="#br2">24497 7942 8393,'9'0'-142,"-3"0"70,1 0 1,0 0-116,5 0 1,3 0 72,3 0 0,2-1 634,2-2 1,-3 2-192,3-2 0,-2-1-4,-2 1 0,-2-4-130,-1 4 0,-4-1-164,-2 1 171,0 2 0,-8-4-14,3 2 0,-4 2-125,-4-2 0,-2 2 106,-6 1 1,-3 0-259,-3 0 0,-5 4 52,-2 2 0,-2-1 57,-1 1 1,0 1 118,0 2 1,0-3 144,1 0 1,2-1-140,0 2 0,5 0-3,2-4 1,3 1 246,6-1-225,4-2 1,3 3 25,8-4 1,4-3-25,9 0 1,0-4 89,3 1 1,2-1-172,4 0 0,0 0-6,0 4 1,-1-3-9,-3 3 0,2-4-24,-4 4 0,0-1-160,-4 1 1,-3 2 196,-3-2-28,-1 2 1,-6 2-18,-2 2 1,-7-1-130,-6 4 0,-3 1 3,-6 2 0,-3 0 49,-3 0 0,1-2 47,-1-1 1,-2 0-6,-1 3 1,-1-3 107,8-3 0,-1 1-15,3-1 1,5 0 91,1-3-169,7 0 1,4-3-137,8 0 0,2-4 162,7 0 0,4 2-251,2-1 1,5 1-440,-1-1 1,3-2-604,3 5 1,-2-1 1246,2 1 0,2 2 0,0-3 0</inkml:trace>
-  <inkml:trace contextRef="#ctx0" brushRef="#br2">15251 8985 8002,'-1'-5'-274,"-2"2"230,2 2 453,-3-3-291,4 2 0,4-2 47,2 4 1,6 0-66,0 0 0,5 0 1,-2 0 1,4 0-40,2 0 0,-1-1 30,2-2 1,1 2-46,-2-2 1,-2 2 59,-4 1 0,-3 0 183,0 0-141,-6 0-50,-1 0 1,-11 4-55,-3 2 0,-4 3-4,-6 0 0,-3-2 20,1 3 0,-5-3 20,1 5 1,2-5-145,1 0 0,3-2 127,0 1 1,2 1-91,1-4 208,3 0-76,7-3 1,6 0 0,7 0 0,6-4 123,6-2 1,3-2-94,6-1 0,0-1-39,0 1 0,0 0-327,0-1 1,0 1 135,0 0 0,0-1-573,0 1 1,-4 3 123,-3 0 1,-4 4-719,-2-2 1260,-3 3 0,-3 1 0,-5 0 0</inkml:trace>
-  <inkml:trace contextRef="#ctx0" brushRef="#br2">15614 810 7985,'-14'4'1548,"0"-2"-1021,5 4 1,4 4-1005,2 2 0,2 6 171,1 0 0,5 9 759,4 7 1,1 5-135,2 4 1,1 6-549,-6-20 0,-1 1 0,0-1 0,0 0 221,-1 2 1,0 0 0,-1-2-1,0 0-46,-1 0 0,0 1 1,-1-2-1,0 1-45,-2-1 0,0-1 0,0 20 95,0-7 1,-1-11 325,-2-10-254,2 0 0,-3-14 142,4-2 1,0-3-92,0-6 0,0-1 370,0-2 1,0-5-454,0-5 1,0-4 96,0-5 0,4-3-153,2 0 1,-1 0 61,2 3 0,-1 3-46,3 1 0,0 4-3,1 1 1,2 5 20,1 5 0,0 3-45,-1 3 0,0 3 2,3 3 1,-3 8 13,0 7 1,1 2-7,-4 5 1,1 0 127,-7 3 1,3-4-112,-2 1 0,-2-4 259,-5 1 0,-6-3-75,-3 0 0,-4-2 24,4-1 0,-5-6-356,2-3 0,1-5-326,2 1 1,-1-2-127,0-1 1,2-4-518,5-3 0,-2-5 1121,5-4 0,0-5 0,3-3 0</inkml:trace>
-  <inkml:trace contextRef="#ctx0" brushRef="#br2">16164 931 7879,'-6'4'1383,"-1"-2"-1193,4 4 0,0 1 38,3 2 0,0 4 145,0 3 1,4 6-94,2 3 1,3 4-305,0 5 0,0 1 79,1 8 1,-4-2-446,0 2 1,0-3 72,4 4 0,-4-6-251,0-1 1,-3-5 252,3-7 0,-3-6-145,4-7 1,-4-5-195,3-4 1,-4-3 653,1-3 0,2-7 0,0-4 0,5-5 0</inkml:trace>
-  <inkml:trace contextRef="#ctx0" brushRef="#br2">16434 866 7879,'0'5'835,"0"3"-585,0-1 0,0 2 253,0 3 0,4 8 17,2 8 0,3 8-111,4 8 0,-2 5-681,-3-23 1,0 1 0,-2 2 0,-1 0 350,1 0 1,0 1-1,1-2 1,0-1-527,5 22 0,1-3 200,-4-6 1,-3-6-138,0-12 0,0-1-373,0-9-716,-2 1-113,-4-8 1586,0-1 0,-4-12 0,-1-3 0</inkml:trace>
-  <inkml:trace contextRef="#ctx0" brushRef="#br2">17253 791 7848,'0'-9'33,"3"0"-16,0-1 0,0 4 577,-3 0 1,0 0-159,0-3 0,0 2-49,0 1 1,-1 4-119,-2-1 1,1 2-213,-4 1 1,3 0-36,-3 0 0,-1 5-142,-2 4 0,0 3 94,-1 6 1,-2 1 122,0 9 1,2-1-105,4 7 0,1 4 21,-1 6 1,2 1-414,4 2 0,0 4 403,0 1 1,0-23-1,0-1 28,0 0 0,0 0 1,0-1-1,1 0 33,2 19 1,-1-3-52,4-3 1,-4-3 5,1-2 1,-1-4 20,1-7 1,-2-1-133,2-4 1,-1-1 127,-2 1 0,-5-4-366,-1-3 281,-2-2 0,-5-1-206,1-3 0,-3-2-378,2-4 1,-3-5-225,0-5 1,-5-4 855,0-8 0,-5-2 0,2-4 0</inkml:trace>
-  <inkml:trace contextRef="#ctx0" brushRef="#br2">16890 1043 8687,'9'-8'902,"1"1"0,1 2-439,4 2 1,5 2 211,8-2 1,4 3-360,2 3 1,2 1-279,2 2 1,2 2-925,0-5 1,1 3 685,-4-3 1,0 1-1250,0-1 1,-3-1 219,-3 5 1229,-2-5 0,-6 6 0,0-3 0</inkml:trace>
-  <inkml:trace contextRef="#ctx0" brushRef="#br2">10233 7728 7924,'-9'1'137,"2"2"1,2 3 154,1 3 0,3 4-71,7 3 0,4 6-22,9 6 1,1 4-95,1 6 0,0 2-462,4 0 1,-3 1 231,2-4 0,-2-3-511,3 0 1,-4-11 390,0-1 0,-4-10-391,-2-3 1,0-3 635,0-6 0,-5 0 0,-2-9 0,-3-1 0</inkml:trace>
-  <inkml:trace contextRef="#ctx0" brushRef="#br2">10698 7765 7924,'-12'11'401,"-1"1"0,0 0 80,0 7 0,2 6 363,-4 9 0,-4 10-579,9-19 1,-2 0 0,-2 3 0,-1 0-411,1 3 0,0 0 1,-2 2-1,-1 0 192,2 4 1,-1 1-1,0-2 1,-1 0-2,3-1 1,0-2 0,1-2 0,1-2-410,-3 21 0,2-10 236,7-2 127,-2-7 0,4 3 0,-2-6 0,1-2 0</inkml:trace>
-  <inkml:trace contextRef="#ctx0" brushRef="#br2">2477 9767 8425,'-19'0'0,"0"-1"725,1-2-62,3 2-39,6-3-619,5 4 1,6 0 101,4 0 1,1 0 112,9 0 1,3 1 20,2 2 1,9 2-15,1 4 1,2 1 32,5-1 1,-2 3-522,7 1 0,-3-1 134,0-2 1,1-1 29,0 0 0,5-3 106,-2 1 0,-4-5 20,-6 1 0,-8-2 185,-1-1-187,0 0 0,-11-1 80,-1-2 1,-8 2-42,-8-2 1,-2 2 112,-5 1 0,0 0-217,-3 0 0,-2-2-25,-7-1 1,2 2-208,-5-2 1,0-2 186,-3-1 0,-1-2-19,-2-2 0,6 1 27,0 0 0,5-4 245,1 1 1,4-5-99,3 2 0,6 0 250,3 0 1,3 3-10,3 0 0,6 2-20,7 0 0,5 5-174,4 2 0,2 2 25,1 1 1,4 1-127,2 2 0,-5 5 114,-1 5 1,-3 2 69,0-2 1,-6 3-110,-3 0 1,-9 1 272,-1 2 1,-3 1-129,-3 1 1,-6 0-259,-3 4 1,-2 0-389,-8 3 0,2 0 259,-4 0 0,0 4 149,-1 2 0,3 2 0,-4 1 0</inkml:trace>
-  <inkml:trace contextRef="#ctx0" brushRef="#br2">20903 9646 8506,'4'9'-687,"-3"-2"-859,2-1 1541,-2 0 155,-1 3 426,0 1-387,0-5 0,-3 0 111,0-2 1,-1-2-41,1 2 0,1-2 84,-5-1 1,1-1-102,-3-2 1,3 2-4,0-2 1,-4-1 37,-2 1 1,-2 0-30,2 3 0,-4 0-271,-5 0 1,1 0 165,-2 0 1,-3 3-197,-2 0 1,-1 3 35,-3-3 0,1 3 59,-1-3 0,-3 1-41,-3-4 0,3 0-162,0 0 1,4-6 10,-1-3 1,5-5 92,1-8 1,4-2-156,0-4 1,5-4 110,4-2 0,3-6-333,2-4 0,3 0 301,4 0 0,0 0 41,0 3 0,5-2 78,5 3 1,0 2 171,6 4 0,-1 4 76,4-1 0,3-1-56,3 1 1,2 1 93,1 5 1,4 0-28,2 7 0,2-2-255,2 8 1,-4 2 67,0 4 0,-1 5 0,1 1 1,1 2-17,-4 7 1,4 3-192,-4 6 0,3 2 89,-3 2 1,3 5 63,-3 4 0,-1 4-73,-5-1 1,-2 5 81,-5 2 0,-3 5 80,-3-2 1,-7 3 53,-5-3 0,-8 1 172,-8 2 1,-5-1-168,-4 1 1,10-24-1,-1 0 5,-1-2 1,0 1 0,-1 0 0,0-1 59,-20 17 0,19-19 0,-1 0 17,-17 12 1,-2-8-385,8-8 0,4-4 168,2-5 0,1-2-2,-1-4 1,2-8-659,5-5 1,-1-1-1465,0-5 2105,1 3 0,2-10 0,1 4 0,-1 0 0</inkml:trace>
-  <inkml:trace contextRef="#ctx0" brushRef="#br2">23156 8147 8421,'0'9'55,"0"1"0,0-4 202,0 0 0,-1-1 181,-2 1 1,2 3-97,-2-3 0,-2-1 157,-2 1 0,-1 0-159,-1 4 0,-5-1 96,-1 0 0,-4 1-174,-2-1 1,-3 0-215,-4 1 1,-5-2 73,-5-2 1,-3 2-516,-5-1 1,-4-2 307,0 1 1,24-5 0,-1 0 43,-22 2 0,22-4 0,1-1-308,-24-4 1,1-7 159,2-2 1,2-11-32,22 11 1,2-1 0,0-3 0,2-1 29,1-1 1,2-2-1,0-1 1,1 0 33,2-1 1,1 0 0,1-3 0,1 0 50,3 2 1,2-1 0,0-2 0,1 0-107,4-20 1,6 1 89,3 11 1,9 3 86,6 0 0,4 1 295,3-2 0,-1 3 58,4 4 0,2 0 48,4 1 1,2 0-170,5 2 0,-22 14 1,0 1-137,24-2 1,-22 7-1,0 1 125,26 4 1,-24 1-1,0 1-90,0 0 1,1 2 0,-2 0 0,0 3-115,-2 3 1,0 2 0,0-1 0,0 2 78,1 0 1,-1 2 0,0 1-1,0 2-96,-4-2 1,-1 2 0,1 1 0,-1 1-33,14 17 1,-4 2-19,-3 4 0,-6 1 185,-6 2 0,-7 1 94,-6-1 0,-7 0-5,-5-3 1,-5 2-127,-4-5 1,-4 0-24,0-2 1,-4-5 73,2-2 1,-6-2-613,-1-1 1,0-9 310,3-3 0,0-5-868,0-1 0,-3-5 295,0-2 1,3-4 758,3-5 0,2 0 0,-3-5 0,0 1 0,4-4 0,1-2 0</inkml:trace>
-  <inkml:trace contextRef="#ctx0" brushRef="#br2">10214 9534 8205,'-12'-1'686,"-1"-2"1,4 2-159,3-2 1,4 7-359,-2 5 1,12 9 33,4 7 1,5 6-96,1 3 0,4 5-354,0 2 0,1 0 312,-2-1 0,0-1-529,4 1 1,-8-6 355,2-3 0,-2-6-776,1-3 1,2-7 329,2-2 0,-4-7-704,1-3 1256,-1-2 0,-3-5 0,4-1 0</inkml:trace>
-  <inkml:trace contextRef="#ctx0" brushRef="#br2">10670 9618 8205,'-6'-1'0,"0"-2"0,3 2 845,-3-2 1,0 8-238,0 7 1,-2 5-104,2 11 0,-3 3-58,0 9 1,-4 8-325,5-21 1,0 2-1,-1 0 1,1 2-358,-2 1 1,1 1-1,-2-1 1,0-1 267,0 2 1,0-1-1,0-4 1,1-1-672,0 1 0,1 0 0,0-2 0,0 0 637,-6 20 0,4-21 0,0-1 0,-8 18 0</inkml:trace>
-  <inkml:trace contextRef="#ctx0" brushRef="#br3">2439 11303 11050,'8'0'519,"7"5"-452,19 1 0,9-1-210,6 1 0,3 1-389,-23-1 1,1 1 0,-1-2 0,0 0 478,1 1 0,-1 1 0,-2-2 1,0 1 63,1 0 1,0 0-1,19 2 187,-3 1 1,-8-6 39,-11 0 0,-4-2 414,-5-1-262,-7 0 1,-6-3-45,-6 0 1,-3-4-68,-6 0 0,-2-1 244,-1-1 1,-6-1-701,2-3 1,-5 2 308,-1-5 1,1 1-241,-1-4 0,4 4 103,0-1 1,1 5 45,1-2 449,5 3-302,0 1 0,10 3-159,4 3 0,9 7 88,6 6 0,4 3-70,3 6 0,0-1 57,3 1 0,-1 3-20,-2 0 1,-6-1 155,3-2 1,-7-1-148,1 1 0,-4-3 438,-3-1 0,-3-2-128,-6 2 1,-6-3-505,-7 4 1,-2 3-135,-4 2 1,-1 4-194,-2-3 1,-2 5 240,3 1-64,1 0 1,-4 4 0,3-4 0</inkml:trace>
-  <inkml:trace contextRef="#ctx0" brushRef="#br3">17970 13175 11588,'-9'-9'-287,"-1"2"21,1 1 0,1 0 469,2-3-211,1 3 266,5-2 1,8 4 87,1-2 0,6-1-88,1 3 0,7-2-79,5 3 1,2-3 62,7 3 1,-1-1 25,8 1 0,0-2-226,6-1 1,-24 2-1,0 0 69,4 1 1,-1 0-1,2-2 1,-1 0-248,3-1 1,0 0 0,0 1 0,1-1 171,-1-2 0,-1 0 0,0 2 1,0 0-73,-2-2 1,-1 0 0,19-2 24,-5 1 0,-9 0 1,-9 6 1,-6 0-188,-7 3 165,-1 0-190,-6 0-500,-1 0 1,-8 4 0,-1 1 0</inkml:trace>
-  <inkml:trace contextRef="#ctx0" brushRef="#br3">23370 7654 11158,'-23'0'-983,"-1"0"1,1 0 1631,1 0 1,4 3-38,2 0 1,3 3 341,3-3-175,5 0-14,1 1-386,4-3 0,5 3-408,4-4 1,6 0 251,7 0 0,1 0-4,5 0 0,5 0-212,5 0 1,3 1-226,6 3 1,-4-2 30,1 4 1,2 0 84,4 3 1,-23-4 0,0 0-44,-1-1 1,0 1-1,22 4 339,-2 1 0,-6-1-80,-3 0 1,-5 0-84,-7-3 1,-10 1-24,-5-4 11,-7 0 0,0 0 300,-6 0 1,-2 0-62,-5-3 0,-3 0-66,-3 0 1,-1 0-13,-2 0 1,-4 0-321,-1 0 0,-3-3-280,-1 0 1,-3-1 190,0 1 1,-3 1-91,3-4 1,-2 1 4,2-2 1,3 0 157,1 4 0,4-3 156,7 3 0,3-3-307,4 2 145,3-3 0,4 6 197,8-2 1,2-1-264,7 1 0,5 0-221,5 3 0,7-3 485,5-1 0,4-3 0,6 2 0</inkml:trace>
-  <inkml:trace contextRef="#ctx0" brushRef="#br3">19301 13212 13476,'24'0'-374,"3"0"108,-2 0 1,-2-1 301,-2-2 1,-1 0 154,-1-6 0,-2 1 404,-1-4-24,-3 2-109,-8 0 1,-5 4-269,-6 0 0,-6 4-383,-4-1 0,-4 2 221,-2 1 1,-4 3 25,1 0 1,-2 3-78,-1-3 1,0 1-32,0-1 1,4-2 73,-1 3 1,4-3-190,-1-1 0,4 0 264,2 0 1,6 0 99,4 0 1,5 0-306,1 0 1,9 0 69,10 0 0,1-4 90,8 1 0,-1-3-75,7 3 1,-3-4-190,3 1 1,-4 0-369,1 0 0,-2 3 269,-1-3 0,-4 4-1169,-2-1 1486,-2 2 1,-2 1-1,1 0 1</inkml:trace>
-  <inkml:trace contextRef="#ctx0" brushRef="#br3">10382 11052 9458,'-10'5'419,"2"1"191,2 1 0,3 0-51,6 8 0,7 5-465,9 5 0,0 6 147,6 3 1,0 2-685,3 1 1,0 1 420,0-1 0,-4-1-530,-3-2 1,-1-3 101,-1-6 1,-1-2-485,1-4 876,-5-9 0,4 2 0,-4-7 0</inkml:trace>
-  <inkml:trace contextRef="#ctx0" brushRef="#br2">10782 11117 8496,'-13'9'570,"2"5"-399,-1 1 0,2 8 690,4 5 0,-2 6-250,2 10 1,-7 4-686,6-19 0,-1 1 0,-1 1 0,-1 0 284,0 3 0,-2 1 0,1 0 0,-1 0-42,-2 2 0,0 0 1,2-3-1,0-2-433,1-2 0,0-1 1,3-3-1,1-1 303,-6 19 0,7-4-38,3-6 0,1 0 0,5-6 0,4-2 0</inkml:trace>
-  <inkml:trace contextRef="#ctx0" brushRef="#br3">2412 12728 12031,'18'9'521,"1"1"0,4-1-628,1 0 0,6-4 46,1-2 0,1-2 544,-1-1 1,3 0-118,3 0 0,-3-1-40,0-2 1,-3 1-168,3-4 0,-3 0-164,3-3 0,-8 3 11,-1 3 1,-5-1 244,-5 1 1,-4 0 264,-5 3-471,-4 0 0,-3-3 252,-8 0 0,-2 0-222,-4 3 1,-5-3-323,-5-1 1,-2-2 46,-1 3 1,0-4-69,1 1 0,-1-3 278,0 0 1,1 2-127,2-2 0,0 1 315,7-4 0,-2 5-148,7 0 0,5 1 511,5-3-220,2 4 0,10 1-245,7 4 1,6 0 68,6 0 0,-1 5-209,1 4 0,0 3 137,0 4 1,-1 5 29,-2-3 0,-2 4 273,-5 0 0,-4-3-135,-5 3 1,-4 2 122,-5 1 0,-5 2-82,-4 1 0,-6 0-428,-6-1 0,0 4-335,-4 1 0,0 6-591,-3-1 0,0 0 1051,0 1 0,3-4 0,-1 7 0,0 1 0,1 1 0</inkml:trace>
-  <inkml:trace contextRef="#ctx0" brushRef="#br2">10437 12560 8475,'-8'-6'501,"2"0"-323,-2 4 0,6-5 130,-5 4 1,5 0-280,-1 7 0,2 5 29,1 6 0,-1 7 27,-2 3 0,2 5 86,-2 1 0,-1 7-123,1-1 1,-1 7-351,0-1 1,3 2 207,-2-2 0,2-2-92,1-7 1,1-6 32,2-7-553,3-1 1,3-10 194,0-3 1,1-10-13,-1-7 1,0-7 522,0-8 0,-2-2 0,-1-1 0,-4-4 0,1-2 0,-2-6 0,-1 0 0,-4 0-164,-2 3 1,-3-1 125,0 1 0,0 1 523,0 2 1,2 3-192,1 6 1,4 6 1106,-1 7-915,2 1 0,2 10-9,2 5 1,2 4-45,5 4 1,-1 7-134,0 6 1,5 3-100,1 3 1,3 3 89,0 6 1,4-2-427,0 3 0,4-3 51,-2-1 1,1-4-70,3-2 1,-3-7 270,3-5 0,-4-6 35,-6-7 1,0-1 55,-2-5 1,-3-6-127,-4-3 0,0-1 357,-3-6 1,-1-3-105,-2-6 1,-2 1 290,2-1 0,-2-3-374,-1-3 1,-1-1-246,-2 1 0,1-1 77,-4-2 1,1 2-251,-2 4 1,0 3-151,4 0 0,0 6 182,3 0 1,0 4-2987,0 6 3119,0 0 0,0 0 0,0-1 0</inkml:trace>
-  <inkml:trace contextRef="#ctx0" brushRef="#br3">20326 11387 10660,'6'0'529,"0"0"1,4 4-149,6 3 1,2 2 51,4 3 1,6 3-157,6 3 1,4 1-505,2 0 0,3-1 292,-18-8 0,0-1 0,23 6-216,1 1 1,0-5 124,1 2 0,1-3 60,-23-5 0,0-1 0,-1 0 0,-1-1-182,0 0 1,1 0-1,18 2 35,2 1 0,-2 2-217,5-1 1,-3 1 231,3 1 0,-5-3-2,-2 1 0,1 0-140,2 5 1,-4-1 286,-1 1 0,0-2-73,0 0 0,3 3 135,-1 3 1,-2-2 90,-4 2 1,0-5-86,-3 1 1,0 3-38,0 0 1,-4-1 57,1-2 1,1-1-102,-1-2 1,1 0 175,-1 1 0,-3-1-82,0 0 0,-1 1 166,-6-1 1,0-3-245,-5 0 87,1 0 1,-6 3-408,1-3-150,-6-2 228,2-4-1012,-6 0 1,-9 0-372,-5 0 1578,-3 0 0,6-8 0,0-3 0</inkml:trace>
-  <inkml:trace contextRef="#ctx0" brushRef="#br3">22216 11611 8554,'-15'0'-461,"2"0"963,3 0 328,1 0 1,4 1-279,2 2 0,3 2-156,3 4 0,3 5-207,7 1 1,1 3 54,5 0 0,0 2-204,3 2 1,-1-3 119,4 3 1,-1 2-89,4 1 1,-1-2 31,-2-2 1,1-1-293,-4-1 0,-2-4-200,-4 1 360,1-5 1,-10 2 147,-1-3 1,-5-1-41,-4 0 1,-7-1 85,-5 1 1,-4-2-94,-2 6 1,-6-2 1,-4 1 0,-1-1-97,1 1 1,1 3 122,-5 0 1,1 2-352,-3-2 1,1 0 82,2-3 0,3-5-661,6 3 0,3-7-181,7 0 1005,5-2 1,10-9 0,5-3 0</inkml:trace>
-  <inkml:trace contextRef="#ctx0" brushRef="#br3">2281 14069 10834,'-17'8'695,"1"-2"0,0-2 110,3-4-654,5 4 1,6-3 116,8 3 0,8-2-190,11 1 1,3-1 0,3 4 1,5-3 29,5 3 1,7-3-308,2 4 1,-22-6 0,1 1 84,0 1 1,1 0 0,0 0 0,-1-1-52,-1 1 0,0 0 0,-1 1 1,1 0 15,-2-3 1,0 1 0,26 1 153,-8-3 1,-6 0 354,-13 0 1,-7 0 65,-5 0-221,-7 0 1,-4 0-84,-8 0 0,-1-1 211,-9-2 1,-3 2-259,-2-2 1,-6 0-318,-1 0 0,-1-2 52,-5-4 0,1-1-36,-2-3 1,2 0 111,2-3 1,3-1 85,0 1 1,2-4 609,4 2 0,8-2-352,8 8 0,5-3 354,4 6 1,8-1-154,7 6 0,9 3-93,7 8 1,3 0-359,4 8 1,-3 2-56,2 5 1,-2-2 311,-4 5 0,1 0-112,-4 3 1,-5-1 136,-7-2 1,-9 2-181,-7-3 0,-6 1 604,-3 3 1,-11-5-258,-5 5 0,-3-1-610,-3 4 0,-1-1-1455,-2 4 0,3-3 558,0 3 1077,0 0 0,6 0 0,-4 1 0,2 0 0,8 1 0,6 1 0</inkml:trace>
-  <inkml:trace contextRef="#ctx0" brushRef="#br2">10335 13827 8558,'-9'-24'0,"-1"2"0,2 3 415,2 4 210,2 2 0,5 7-410,2 3 1,3 2 158,7 1 1,-3 5-19,2 5 1,3 3-30,0 6 0,3 4-27,1 1 1,-1 3-342,1 1 0,2 1 147,1 2 0,1-1-800,-1 4 1,-3-4 399,3 1 1,-2-3-720,-2-3 0,-2-2 161,-1-5 0,1-4 852,3-5 0,-1-8 0,1-6 0</inkml:trace>
-  <inkml:trace contextRef="#ctx0" brushRef="#br3">10838 13650 10526,'-4'18'1205,"-3"1"1,-2 5-519,-3 4 1,1 9-509,-1 9 1,6-17-1,1 1-695,-2 4 1,1 1-1,-1 3 1,0 1 713,-2 3 0,-1 0 0,-1 3 0,-1 0-83,0 2 1,0-1-1,-2 0 1,1-2-29,-1-3 1,0-1-1,2-2 1,0-2-210,1-1 0,0-1 0,3-2 0,1-1 110,0-3 0,1 0 0,0 17-1600,3-14 1,3-3 1611,3-3 0,-6-2 0,2-5 0</inkml:trace>
-  <inkml:trace contextRef="#ctx0" brushRef="#br3">2523 15652 13289,'-9'0'506,"4"-1"-625,2-3 0,7 3 1058,5-2 1,9-1-640,7 1 1,5 0-16,1 3 1,4 0-302,-1 0 1,2-1 73,1-2 0,0 2 76,-3-2 1,2-1 156,-2 0 1,-2-3 69,-1 1 0,-5-1-369,-1 1 0,-8-6 398,2 3 0,-11-3 278,-1 3 0,-5 3 178,-2 0 1,-2-1-584,-5-2 0,-1 3-487,-11 0 1,2 1-185,-8-2 1,0-1 41,-3 2 1,0 1 2,0-1 1,1 2 60,3-2 1,-2 3-488,4-3 0,1 4 211,6-1 0,4 2 370,5 1 384,4 0-4,10 4 1,4 1-220,10 4 1,1 1 68,2-1 1,2 1-40,1 3 1,0-3-132,0 2 0,0 0 41,0 0 0,-1-1 129,-2 1 0,0-2-177,-3 0 1,-4-2 289,-6-2 0,-3 2 244,-2-1 0,-4 5 481,-6 4 0,-4 2-193,-5 4 0,-7 3 37,-5 6 0,-4 3-1123,-3 6 1,14-17 0,0 1 527,-1 2 1,-1 1-1,2-2 1,0 1-110,0 1 0,0-1 0,2-1 0,1 0 0,-1 1 0,0 0 0,0 1 0,1 0 0,-1 1 0,0-1 0</inkml:trace>
-  <inkml:trace contextRef="#ctx0" brushRef="#br2">10288 15279 8399,'-13'0'-222,"3"3"-195,-3 0 0,3 9 950,1 0 0,3 6-224,3 3 0,2 8 229,1 9 0,-3 1-173,0 7 0,-3-1-379,3 5 0,-1-4 185,1-2 0,2-3-319,-3-4 0,3-8-194,1-4 1,1-8-219,3-5 0,-2-6-270,4-3 1,-1-3 380,1-3 0,2-6 38,-1-7 1,0-2 410,-1-4 0,2-6 0,-2-5 0</inkml:trace>
-  <inkml:trace contextRef="#ctx0" brushRef="#br2">10214 15419 8399,'0'-10'-478,"0"1"0,0 3 1138,0 0 1,1 4-181,2-1 0,3 7-6,7 5 0,1 7-164,5 8 1,3 3-34,-1 10 1,5-1-310,-1 4 1,2 1 333,1 0 1,3-2-166,0-5 1,-1-4 85,-5-8 1,-2-6 89,-5-9 0,1-3-68,-1-4 0,-6-8 212,-3-5 0,-3-4-95,0-5 1,2-3-125,-5-6 1,3 1-163,-3-4 1,1 0-220,-1-4 1,-2-1-714,3 2 1,0-1 515,-1 7 1,0 0-502,-3 3 1,4 1 840,2 2 0,-2-1 0,2 6 0,1 6 0,3 5 0</inkml:trace>
+  <inkml:trace contextRef="#ctx0" brushRef="#br0" timeOffset="1">16108 4097 9746,'0'6'-92,"0"0"1,-1 0-489,-2 4 0,-3 2 94,-3 1 0,0 2 118,0-3 368,-1 1 0,-3 0 0,-2 2 0</inkml:trace>
+  <inkml:trace contextRef="#ctx0" brushRef="#br0" timeOffset="2">16434 3855 8126,'0'-15'805,"0"2"-95,0 3-334,-4 1-117,2 4 1,-5 2-107,4 6 1,-3 6-15,3 7 1,-3 2-108,3 4 1,-4 5 51,4 4 0,-3 0-106,3-3 1,0 0-381,3 0 0,0-4 254,0-3 1,4-2-311,2-3 1,6-4 195,0-6 0,3-2 129,-2-4 0,0-5 110,0-4 1,-3-5 111,2-4 0,-2-1-20,-4 1 0,-2-4 196,-4 0 1,0-1 83,0 2 1,-4 1-107,-2-2 1,-2-1-277,-2 2 0,-2 2 101,-1 4 0,-2 3-212,2 0 1,-2 1 77,3 2 1,-1 4-1522,4 2 287,4 2 1300,0 1 0,5 8 0,0 2 0</inkml:trace>
+  <inkml:trace contextRef="#ctx0" brushRef="#br0" timeOffset="3">16750 4013 8058,'0'5'276,"1"0"-3,2-2 0,-2-1 320,2 5 0,-1-4-298,-2 3 1,0-3-96,0 3 0,0-3-997,0 4 630,0-1 0,-2 2-156,-1-2 0,-2 2 163,-4-5 0,0 0-1055,-1-3 1215,1 0 0,-4-4 0,-2-2 0</inkml:trace>
+  <inkml:trace contextRef="#ctx0" brushRef="#br0" timeOffset="4">17197 3762 7942,'0'-10'688,"0"1"0,-3 0-370,0-1 1310,0 1-451,-1 4-827,-1 1 1,-4 9-243,3 4 0,-1 5 20,4 4 0,-1 1-113,0 0 0,3 2-103,-2 1 0,3 0-342,3-4 1,3 1 8,3 0 1,0-5 195,1-2 1,0-2-178,2-4 0,2-2 113,1-4 0,3-4 614,-3-2 0,0-7 66,0-2 0,-4-6 296,-2-1 0,-1-2-378,-5 2 1,0-1 60,-3 1 0,0 4-398,0-1 1,-5 2 172,-4 4 0,-1 1-1337,-6 2 1,2 4 159,-2 0 1032,-1 0 0,2-4 0,-4 1 0</inkml:trace>
+  <inkml:trace contextRef="#ctx0" brushRef="#br0" timeOffset="5">15223 3529 8035,'-5'0'1186,"-2"1"-828,4 2 0,-5 2-360,2 4 0,-3 9 82,-3 4 0,-3 9-158,-4 6 1,-3 8-289,9-21 1,1 1 0,-1 2 0,-1-1 322,0-1 0,0 0 0,0-1 0,1 0 143,-12 20 0,0-5 79,7-8 1,1-5-5,8-11 1,1-1 42,1-5-95,3 0 1,5-3-27,2-3 1,3-1 31,3 1 0,4-1 622,3 4 1,3-3-488,2 3 1,3 1-87,4 2 1,0 0-29,0 1 1,-1-1-220,-2 0 1,0 2-16,-3 1 1,3-1-192,-3 5 1,-1-2 90,-2 2 0,-3 2-100,-1-3 0,0 3-778,0 0 0,2 0 1062,-5-3 0,9 3 0,-2-4 0</inkml:trace>
+  <inkml:trace contextRef="#ctx0" brushRef="#br0" timeOffset="6">17514 3315 8268,'-10'0'135,"5"4"91,2 2 1,3 2 139,3 2 1,7 3-112,5 3 1,6 5-353,0 4 0,5 2 79,-1 1 0,2-3 9,1 0 1,-1-2 7,-2 2 1,-4-5 20,-5-5 1,1-4 209,-5-2 337,0 0-94,-6-3 1,-2 0-145,-4 0 1,-4-3 4,-3 3 0,-1 2-127,-1 4 1,-5 0-67,-1 7 1,-4-1-17,-3 6 0,3 2-183,-3 5 1,-2 2-313,-1 5 1,3-1-178,0 0 0,5-4-899,2-2 1,3-2 1445,0-1 0,3-1 0,3 0 0,2-3 0,3-5 0,1-4 0</inkml:trace>
+  <inkml:trace contextRef="#ctx0" brushRef="#br0" timeOffset="7">19422 3594 8572,'-32'-9'-20,"6"2"-1535,-1 1 1555,5 4 0,-5-6 0,3 3 0</inkml:trace>
+  <inkml:trace contextRef="#ctx0" brushRef="#br1" timeOffset="8">19162 3492 9982,'-10'-4'-166,"1"1"1,0-4 379,-1 6 1,1-3 48,0 4 1,-1 5 329,-3 4 0,-1 6-36,-5 7 0,-4 0-177,-2 3 0,2 2-239,-2-2 0,3-1 206,-3 1 1,5-5-122,-2 2 1,3-6 99,4-4 1,2-2-259,7 0 1,2-4-303,4 0-32,0-4 0,5 2 41,4-4 1,2 3 25,4 0 1,2 4 313,5-4 1,0 4-100,3-1 1,5 2 23,-2 2 1,2-1-210,-2 0 0,-3 1 8,0-1 0,-2 3-10,2 1 1,-2-1 30,-4-2 1,-5-1-261,-1 0 1,-1-3-106,-3 1-1622,3-5 968,-11 6 1277,3-7 1,-8 7 0,-1-3 0</inkml:trace>
+  <inkml:trace contextRef="#ctx0" brushRef="#br0" timeOffset="9">19441 3641 8532,'-9'0'-1024,"-1"0"767,1 0 1,0 4 551,0 2 0,-1 6 67,1 4 0,0 3 137,-1 6 0,4 0-303,0 6 0,4-2-66,-1-1 0,3-3-360,3 0 0,6-9 128,7 0 0,-2-6 53,2-4 0,-1-2 77,4-4 0,-2-1-135,-1-2 1,-3-6 65,-3-6 1,-1-3 11,0-1 0,-4 1-48,-1-1 1,-3-1 10,-1-1 1,-1 1-429,-3-2 1,-1 6 213,-4 0 0,-1 5-227,-3-2 507,3 7 0,-8 2 0,4 4 0</inkml:trace>
+  <inkml:trace contextRef="#ctx0" brushRef="#br0" timeOffset="10">19711 3873 8512,'1'-5'1836,"2"2"-1519,-2 2-49,8 1 0,-8 1 21,2 2 1,-2 2-143,-1 5 0,0 0-245,0 2 0,-4 0-132,-3 3 1,2-3-492,-1 0 0,0 2-520,-4-2 1241,5-4 0,-3 0 0,3-2 0</inkml:trace>
+  <inkml:trace contextRef="#ctx0" brushRef="#br0" timeOffset="11">20205 3613 8406,'-16'0'464,"1"0"1,3 0-39,0 0 0,0 2-491,0 4 0,1 1 90,-5 9 1,4-1 95,-4 4 1,5 3 161,-2-1 1,7 2 0,3-1 0,2-3-194,1 3 0,1-5 171,2-2 0,5-7-1056,5 2 1,3-7 355,0 0 0,1-2 215,2-1 1,0-5 174,-1-4 1,-3-2 180,-3-4 0,-1 2-104,-2-2 0,-1 0 190,-2 0 0,-2-2-9,-4 5 0,0-4-54,0 4 0,-4-5-525,-2 2 1,-3 1 187,-4 2 1,2 5-1290,-4 0 1471,3 1 0,-5 1 0,2 1 0</inkml:trace>
+  <inkml:trace contextRef="#ctx0" brushRef="#br0" timeOffset="12">20447 3817 11562,'0'10'793,"0"0"-874,0 3 0,0-2-7,0 4 0,0 1-90,0 3 1,0-1-803,0 1 0,0-2 227,0-1 753,-5 1 0,4-2 0,-3 4 0</inkml:trace>
+  <inkml:trace contextRef="#ctx0" brushRef="#br1" timeOffset="13">20828 3650 9588,'-9'-4'-139,"0"3"65,-1-3 1,2 5 643,2 2 1,1 2-130,2 4 1,2 5-211,-2 1 1,2 0-182,1 0 0,0 1-173,0 2 1,1 1-308,2 0 1,2-4 234,4 1 1,1-8-63,3 1 1,-3-6 93,3 0 1,-3-2 42,-1-1 0,1-1 111,-1-2 1,-4-2 347,-2-4 1,-2-2-139,-1-1 0,0 1 226,0-5 1,-1 2-433,-2-2 1,-2-1 161,-4 1 0,-1 2-1024,1-2 1,0 5 466,-1-2 0,0 2 394,-2-2 1,1 3 0,-2-3 0</inkml:trace>
+  <inkml:trace contextRef="#ctx0" brushRef="#br0" timeOffset="14">21015 3464 8314,'-5'-6'1295,"-1"3"-1000,2-2-684,0 4 0,5 1 483,2 6 0,3 3 367,7 0 1,-3 4-73,2 3 1,2-2-150,-2 2 0,5-5-194,-2 2 1,0 0 54,0 0 1,0 0-38,0-1 1,0-1 76,-3 1 1,-2-5 129,-1 0 0,-1-1 73,-5 3-170,0 0 0,-4 1-26,-2-1 1,-3 4-11,-6-1 1,-3 4-581,-3 0 0,-2 2 257,-2 0 1,3 2-452,-3 2 1,-1 1 635,1 5 0,-4 4 0,3 1 0</inkml:trace>
+  <inkml:trace contextRef="#ctx0" brushRef="#br1" timeOffset="15">22272 3501 8946,'-10'0'249,"-2"1"54,-1 2 0,-2-1-182,2 4 1,-3 2 117,0 4 1,-1 2-108,-2 5 0,-4 0-35,-1-1 0,-3 5-279,-1 2 1,4-2 183,2-2 0,4-2-164,2-3 0,1 0 88,5-4 0,3-2 89,7-4 0,0-3-211,0 3 0,1-3 86,2 4 1,2-4 186,5 3 1,2-3-49,1 3 1,3-1 21,0 2 1,2 1-184,4-2 1,-2 2-179,1 2 0,2-1-62,-1 0 1,0 1-45,-4-1 407,1 0 0,4 5 1,0 0-1</inkml:trace>
+  <inkml:trace contextRef="#ctx0" brushRef="#br1" timeOffset="16">22439 3678 11924,'-9'0'0,"0"0"-293,-1 0 0,1 4 532,0 2 1,2 7 658,1 2 0,0 3-355,-3 0 0,3 4-608,3 0 0,2 0 11,1 0 1,1-2-198,2 2 1,3-4-32,3-2 0,4-4-2,3-6 1,0 2-128,0-5 0,2-4 74,-3-6 0,0-2 407,0-3 1,-4-3 162,2-3 1,-4-1 237,-3 0 1,2 1-169,-5-1 0,-1 2-11,-5 1 1,-2-1-143,-5 5 1,0 0-42,-3 2 1,2 2-747,-4 2 0,2 2 121,-2 4 1,3 0-1015,0 0 1469,2 4 0,0 5 0,1 6 0</inkml:trace>
+  <inkml:trace contextRef="#ctx0" brushRef="#br1" timeOffset="17">22756 3864 10612,'0'9'1074,"1"-2"-911,2-1 0,-2-3 397,2 3 0,-2-3 16,-1 3 0,0 1-944,0 2 0,0 0-242,0 0 0,-1 2 669,-2 1 1,-2-1 0,-5 2 0</inkml:trace>
+  <inkml:trace contextRef="#ctx0" brushRef="#br1" timeOffset="18">23259 3631 12037,'-11'0'68,"-1"0"1,1 0 117,-1 0 0,2 4 261,0 3 1,-2 2 135,0 3 1,-1 1-40,4 5 1,-1-1-253,1 5 1,1-2 10,2 2 0,2-3-333,4-1 0,4-2-171,2-4 1,3-2-254,4-1 1,1-4 122,5-5 0,-1-1 90,1-2 0,3-2-71,-1-5 0,1-3 163,-3-3 0,-4 2 191,1-2 1,-5 1 69,2-4 1,-4 1 320,-3-1 1,-2 4-31,-4-1 1,-5 2-359,-4-2 1,-3 3-530,-6 3 1,1 1-520,-5 0 0,3 2 849,0 1 1,1 4 0,-1-2 0</inkml:trace>
+  <inkml:trace contextRef="#ctx0" brushRef="#br1" timeOffset="19">23566 3827 11117,'0'5'1981,"-1"2"-519,-2-4-250,2 5-742,-4-3 0,5 4-425,0 0 1,-1-1 58,-2 1 0,1-2-34,-4 6 0,0-3-158,-3-1 1,-1 2-1621,1 1 1726,0-2 0,-5 4 1,0-5-1</inkml:trace>
+  <inkml:trace contextRef="#ctx0" brushRef="#br1" timeOffset="20">23994 3622 12960,'-9'-5'-2877,"3"1"3141,-1 4 0,4 1 462,-3 2 0,4 5-73,-1 4 0,-1 5-231,1-1 1,0 1 89,3 2 0,0-4-494,0 1 1,0-2 78,0 2 0,5 0 28,4-3 1,1-2-142,6-5 1,-1-2-278,4-4 0,0 0 244,-1 0 1,1-1 188,-1-2 0,1-3 91,0-6 0,-4-2 284,1-1 0,-8-3-119,1 3 0,-6 0 80,1 0 1,-4-1-692,-4-3 0,-5 4-90,-6-1 1,-3 5-477,-1-1 1,1 1 285,-1 2 0,4 3 357,-1 0 1,1 4 0,-4-3 0</inkml:trace>
+  <inkml:trace contextRef="#ctx0" brushRef="#br1" timeOffset="21">24264 3426 8688,'0'-5'1100,"0"1"0,4 4-533,2 0 0,3 7-59,0 3 1,4 5 106,3 1 1,-2 1-97,2 2 1,3 0-411,2-1 0,1 1 192,-3-1 0,2 4-113,1 0 0,0-1-4,-4-6 0,-3 0-121,-3-3 1,-1-2 198,-2 3-341,-4-3 1,-2-1-64,-6 1 0,-2-1 113,-4 0 0,-6 1-106,-3-1 1,-2 4 130,-5 3 1,-3 1-677,-3 2 0,-3 3 42,3 0 0,3-1-215,3-2 0,8-4-18,-2 1 0,8-2 873,1 2 1,1-3 0,4-3-1</inkml:trace>
+  <inkml:trace contextRef="#ctx0" brushRef="#br0" timeOffset="22">16145 7663 8110,'0'5'90,"4"0"-162,2-2 0,11-2 252,5 2 1,5-2 21,4-1 1,6-4 29,6-2 0,3-3-462,0-4 0,3-1 294,-2-5 1,0 4 169,-7-1 0,-7 5-1,-9-2 1,-10 7 364,-5 3-281,-6 2 1,-4 1 38,-8 0 0,-1 4-233,-6 2 0,-3 3-170,-2 0 0,-2 0 133,1 1 0,1-1-139,-3 0 1,0 1-268,-1-1 1,2-1 154,5-2 1,2 3-89,1-3 0,3 2 25,0 1 1,6-2 88,3-1 1,4-1-107,5 1 0,4 1-127,9-3 1,3-1-17,3-3 1,2 0 68,1 0 0,4-1 55,2-2 0,-2-3 38,-1-3 1,2 0-260,-2-1 485,0 1 0,-3-4 0,-1-2 0</inkml:trace>
+  <inkml:trace contextRef="#ctx0" brushRef="#br0" timeOffset="23">13817 7048 8153,'-9'0'730,"0"0"0,-1 0-482,1 0 0,2 4-48,-2 3 0,1 5-128,-4 4 0,-4 2 93,-2 4 0,-2 6-143,-5 6 1,1 2-344,0 1 1,-2 0 354,4-3 0,3-2-158,4-4 1,8-7-40,0-3 145,5-5 112,2 0 1,4-7 13,3 0 1,2-2 45,3 2 0,4 0 191,6 3 0,-2 1 253,5-1 1,0-1-370,3-2 1,0 4-212,0-1 0,-1-1 112,-2 2 1,-3 2-195,-3-3 0,0 3-204,-1-3 1,-6 0-292,-3 1 1,-6-1-490,0 0 0,-2 1 34,-1-1 1014,0 0 0,-4 0 0,-1 1 0</inkml:trace>
+  <inkml:trace contextRef="#ctx0" brushRef="#br0" timeOffset="24">14106 7011 8130,'-5'1'425,"2"2"1,2-1 172,1 4 1,0 2-196,0 4 0,0 4-136,0 5 0,0 4-317,0 6 0,1 6 100,2 7 1,-2-3-769,2 0 0,-2-3 51,-1-1 0,3-4 667,0-2 0,4-6 0,-1-2 0</inkml:trace>
+  <inkml:trace contextRef="#ctx0" brushRef="#br0" timeOffset="25">14423 7430 8065,'5'-4'566,"0"3"-328,-2-2 0,-2 3-68,2 3 1,-2 2-39,-1 4 1,0 4-589,0-1 0,-4 8-36,-2-2 1,-6 4 491,0 0 0,-5 2 0,3 4 0</inkml:trace>
+  <inkml:trace contextRef="#ctx0" brushRef="#br0" timeOffset="26">14767 7123 8070,'-9'-4'-212,"2"3"212,1-2 995,0-3-178,-3 5-601,-1-3 0,2 5 14,2 2 0,-1 4-14,4 5 1,-4 2-76,4 5 0,0 4-138,3 2 1,0-2-399,0 2 0,0-4 277,0 1 0,1-3-388,2 0 0,3-5 202,3-1 1,0-4 132,0-3 1,1-3 96,-1-6 1,0-3 126,1-6 0,-2-3-50,-2-3 1,1-2 296,-3-2 0,2 3 30,-3-3 0,0 2-107,-3 2 1,0 1-526,0-2 1,-4 6 143,-2-6 1,-3 7-188,0 0 1,3 2-112,0 4 1,-1 2 455,-2 4 0,0 0 0,-1 0 0</inkml:trace>
+  <inkml:trace contextRef="#ctx0" brushRef="#br0" timeOffset="27">14925 7272 8042,'4'9'461,"2"5"1,0-4-126,0 2 0,-4-1 27,1-2 0,-2 4-319,-1 3 0,-7-2-353,-2 2 0,-4-4 13,1 4 1,-3-2-275,-3 2 1,2 0-719,1-3 1288,3-1 0,-5-2 0,2-1 0</inkml:trace>
+  <inkml:trace contextRef="#ctx0" brushRef="#br0" timeOffset="28">15242 7151 8036,'5'0'1430,"-1"0"-867,-4 0 0,0 4-606,0 2 1,0 3 4,0 4 0,0 2-95,0 7 0,-3-1 56,0 4 1,0-2-144,3 2 1,0 0-87,0-6 1,1 1 88,2-4 1,1-6 262,2 0 1,3-7-93,-3 0 0,2-6 252,1-4 0,1-5 222,-1-4 0,-3-2 290,0-4 1,-3 1-270,0-3 1,-2 3 191,-1-1 0,0 3-798,0 0 1,-4 0 182,-3 1 1,0 0-447,1 3 1,-2 2 344,1 7 0,2-2-2208,-1 1 2283,0 3 0,-4 0 0,1 4 0</inkml:trace>
+  <inkml:trace contextRef="#ctx0" brushRef="#br0" timeOffset="29">15409 6965 8012,'0'-7'457,"0"1"1,1 4 670,3-1 1,-2 2-506,4 1 0,0 0-213,3 0 0,1 5-320,-1 4 0,4 3 152,3 6 0,-2 1-320,2 9 0,-1-2-53,4 5 1,-1-2 7,-3-1 1,3 0 21,-3 0 0,0-5-216,0-1 1,-3-3 442,0-4 0,-2-1-58,0-5 252,-5 0 0,-1-2-78,-4-1 0,-4-1 244,-2 1 1,-7 2-312,-2-1 0,0 4-304,0 1 0,-1 5-821,-2-2 1,-1 4 548,0 3 1,4-1-2589,-1 3 2989,5 1 0,-7 3 0,4 0 0</inkml:trace>
+  <inkml:trace contextRef="#ctx0" brushRef="#br0" timeOffset="30">13882 8389 7974,'-13'5'0,"3"4"345,-3-3 1,0 2-72,0 1 0,0 5-189,1 1 1,0 7 101,-3 3 0,0 2-158,0 1 0,-3 0-117,3 0 1,-3-4 113,-1 1 0,5-4-42,1 1 1,3-6 91,1 0 1,4-8-64,1 1 0,3-1 35,1 1 0,5-3 82,1 0 1,3-1 7,4 2 0,1 1 10,5-2 1,0-1-145,3 1 0,-1 1 108,4 2 1,-1 0-202,4 1 1,-1-1 53,-2 0 0,-1 4-203,-2-1 1,-3 4 65,3-4 0,-7 0-547,-2-2 0,-2-1 18,2 0 701,-3 1 0,3-1 0,-3 0 0</inkml:trace>
+  <inkml:trace contextRef="#ctx0" brushRef="#br0" timeOffset="31">14087 8613 8186,'0'-10'-259,"0"1"259,0 0 0,0 2 102,0 1 0,4 4-15,3-1 0,1 2 136,1 1 0,3 1-310,-3 2 0,4 3 84,-6 7 0,2 1-59,-6 5 0,3 4 99,-3 1 0,0 3-65,-3 1 0,0-3 39,0 0 1,4-4 176,-1 0 1,0 1-53,-3-3 1,1-3-43,2-6 0,2-2-83,4-2 1,1-2 2,-1-4 1,1-1-28,3-2 1,-2-2 76,5-4 1,-2-1-284,2 1 0,0 0 57,-3-1 1,2 4-397,-2 0 1,-1 4 32,-3-1 525,1-2 0,3 4 0,2-4 0</inkml:trace>
+  <inkml:trace contextRef="#ctx0" brushRef="#br0" timeOffset="32">14581 8780 8140,'0'5'304,"0"-1"-198,0 1-102,0 0 0,-3 5-349,0 3 0,-1-2 345,4 4 0,-4 1 0,-1 3 0</inkml:trace>
+  <inkml:trace contextRef="#ctx0" brushRef="#br0" timeOffset="33">14776 8529 8156,'-8'1'-783,"2"2"962,-2 2 1,3 4-100,-1 1 1,2 0 17,4 2 0,0 2-232,0 1 1,1 3 114,2-2 1,2-2 68,5 2 1,-1-5-6,0 1 1,1-2-502,-1-4 0,3-2 362,1-4 1,-1-1 369,-3-2 0,-2-3-72,-1-7 1,-3-1 244,3-5 0,-4 0-75,1 1 0,-2-1-91,-1 1 0,-1-1-193,-2 0 0,1 2 154,-4 1 1,0 3-821,-4 3 0,1 2 179,0 2 0,0-1-1218,-1 4 1615,1 0 0,0 7 0,-1 1 0</inkml:trace>
+  <inkml:trace contextRef="#ctx0" brushRef="#br0" timeOffset="34">15065 8650 8075,'5'1'-38,"-2"2"1,2 1-165,2 2 344,-3 3 1,3-4 194,-4 4 0,1 3-545,-1 1 0,-2 2 74,2-2 1,-3 3-370,-3 0 0,-1 1 51,-2 2 452,-2-4 0,-2 2 0,-4-2 0</inkml:trace>
+  <inkml:trace contextRef="#ctx0" brushRef="#br0" timeOffset="35">15363 8436 8061,'0'-6'1543,"0"2"-1385,0 4-320,0 13 1,0-2 181,0 11 0,-1 2-49,-2 0 1,2 0-172,-2 1 1,2 0 93,1 3 0,1-4-257,2-3 0,1-2 116,2-3 0,2-7 188,-1-6 1,1-2 45,1-1 1,0-5 196,1-5 0,-2-4 27,-2-8 0,1 0 359,-3-3 0,-1-1 36,-3 4 0,0-3-172,0 4 0,0-1-483,0 3 0,-4 4 124,-3-1 1,-1 5-995,-1-2 0,-1 3 267,1 1 0,0 4 652,0 1 0,-1-1 0,1 0 0</inkml:trace>
+  <inkml:trace contextRef="#ctx0" brushRef="#br0" timeOffset="36">15475 8147 8053,'0'-6'2364,"0"0"-1854,0 4 0,1-3-160,2 5 0,2 5-459,4 1 0,2 3-7,1 3 0,-1 3 16,5 4 1,-4-1 48,4 1 0,-2 3-165,2-1 0,1 1 168,-1-3 0,1-2 24,-2-1 0,2 0 327,-5-3 1,0-1-146,-2-3 0,-4-2 175,0-1 1,-4-3 63,1 3 1,-3-3 189,-3 3 0,-2 1-294,-4 2 0,-1 3-230,1 1 1,-1 3-350,-3 0 1,2 6 209,-5 2 1,5 0-1250,-1 1 1,1-1 644,2 1 0,0 1 680,-1-5 0,-3 1 0,-2-3 0</inkml:trace>
+  <inkml:trace contextRef="#ctx0" brushRef="#br0" timeOffset="37">16722 8985 8334,'0'-9'73,"0"-1"1,0 4 195,0 0 0,9 0 1,3-4 1,10 1 0,6 0 0,8-1-81,7 1 0,4 0-223,3 0 0,-3-1-23,3 1 0,-7 3 100,-2 0 1,-8 3-119,-5 0 1,-6 1 179,-6-1-26,-3 2 0,-9-3 289,-4 4 1,-4 0-92,-5 0 0,-4 0-198,-3 0 1,-2 3 100,0 0 1,-2 3 38,-2-2 1,0 0-108,-3-1 0,1-1-334,2 4 0,3-3-25,-3 3 1,5-3-32,2 4 0,4-4-926,-2 3 856,7 0 1,3 2-605,6-1 951,10-3 0,7 0 0,8 1 0</inkml:trace>
+  <inkml:trace contextRef="#ctx0" brushRef="#br0" timeOffset="38">19897 10856 8541,'-9'-4'-1755,"0"3"1829,-1-3 16,1 0-79,0 3 20,-1-3 0,1 4 99,0 0 0,3 0-91,-1 0 0,1 0 246,-3 0 1,0 0 133,-1 0 98,1 0-319,0 0 0,2 3 160,1 0-84,4 4 0,2-2-99,6 5 1,7-4 56,2 0 0,7 0-52,3 4 1,6-4-172,3 0 0,3-3 5,4 3 0,1-4-335,5 2 0,-4-3 320,0-1 0,-4 0 19,-2 0 1,-5 0 176,-7 0-151,-6 4 1,-10-2 174,-6 4 0,-4-4-114,-5 1 1,-3 1-71,-9-1 0,0 5 14,-7-2 0,0 2 3,-7 1 0,-1 1-12,-4-1 1,-1-1-181,-2-1 1,1 0 97,-1-4 0,2 0-11,0-3 0,2-1 30,2-2 0,4-2-7,8-5 0,5-2 166,7 0 1,5-1-92,2 4 1,9 1-39,4 1 1,8 0 32,1 4 0,10-3 4,2 3 1,4-3 23,2 2 0,5 1-106,1 3 1,7 0-93,3 0 0,-26 0 0,0 0 97,1 0 0,0 0 0,0 0 0,-1 0-219,26 0 1,-1 1-207,-3 2 0,-5 0-742,-1 3 1200,-8-4 0,1 8 0,-3-4 0,-3-2 0,-4-1 0</inkml:trace>
+  <inkml:trace contextRef="#ctx0" brushRef="#br1" timeOffset="39">20409 11015 9939,'17'8'58,"1"-1"0,2-1 95,3 2 1,2 0-48,3 1 1,1-3-225,2 1 1,-1-2 71,4 1 0,-4-2-158,1-4 0,-2 0 98,-1 0 1,-5 0-2,-5 0-125,-3 0 242,-10 0 0,-2 0 234,-6 0 1,-3 0-111,-7 0 0,-1 0-52,-5 0 0,-4 0-10,-1 0 1,-3 0-3,-1 0 0,-3 0-183,0 0 1,-4-3 155,4 0 0,-3-4-152,3 1 1,-3 0 106,3 0 0,1 1 123,5-1 0,3-2-1,3 1 1,2 2 489,5-1-423,4 4 0,9-5 120,2 4 1,6-1-195,7 4 0,5 0 41,4 0 1,5 0-151,1 0 1,6-3 80,-2 0 0,3 0-136,-4 3 1,1 0-56,-1 0 1,2 3-145,-5 0 1,-1 1-16,-6 0 0,-1-3 183,-4 2 0,-5-2-1,-1-1 19,-7 4 0,-3-3 367,-6 2 0,-2-2-241,-5-1 1,-4 0-182,-5 0 1,0 0 101,-6 0 1,0 0-137,-3 0 0,-3 0 87,0 0 1,-4-3-153,1 0 1,-2-1 336,2 1 1,0 2-277,6-3 0,-1 3 40,8 1 0,3-3 353,6 0 321,5 0 0,4 3-235,6 0 0,7 0-132,5 0 1,6 1-134,1 2 1,7-2 101,-2 2 1,7-2-314,-3-1 0,0 0 157,-3 0 1,3 0-312,0 0 1,-1 0 95,-5 0 1,-3 0-105,-3 0 1,0 0-369,-1 0 1,-3 0 680,-3 0 0,-2 5 0,0 0 0</inkml:trace>
+  <inkml:trace contextRef="#ctx0" brushRef="#br1" timeOffset="40">19925 1713 12093,'0'5'46,"0"4"1,0-4-21,0 4 0,0 5-42,0 1 1,4 5 83,3 5 1,1 4 16,1 8 1,0 4-182,1 3 0,2 5-19,-6-22 1,1-1 0,0 1 0,1 1 39,-2 0 1,1 0-1,-1-2 1,0-1 93,3 25 0,1-3-307,-1-4 1,-1 1 152,-2-7 1,0-3 66,-3-9 0,-2 1 105,2-5 0,-2 4-20,-1-3 1,0-3 108,0-4 0,0 0 15,0 0 185,0 3 0,0-8-183,0 2 87,0-1-177,0-2-22,-4-4 0,2 2 113,-5-3 0,4-1-41,-3-3 1,0 0-31,-3 0 1,2-1-58,1-2 1,0 0-59,-3-3 1,-1-3 62,1-3 1,-3-5-190,-1 1 0,1-1 60,2-2 1,-2 1 17,0-1 1,-1 4 112,4-1 0,3 2 125,-1-2 0,2 3 61,-1 3 1,2 4-103,4 0-143,-4 4 0,4-2 151,0 4 1,1 4-163,5 2 1,1 3 150,6 4 0,-2 1 111,5 5 0,-4 0-89,4 3 1,-1-1 7,4 4 1,-4-5 121,1 2 0,-1 1-156,4-1 1,-4-2 11,1-4 0,-5-1 43,2-5 0,-3 0 348,-1-7-257,1 0 0,-2-4 245,-2-2 0,1-6-302,-3-7 1,2-2-147,-3-4 0,1-2-78,-1-4 1,2-4 175,5-2 1,-4-1-1029,0 1 1,-1-2 469,1 5 0,3-3-2495,-3 3 2923,2 4 1,6 0-1,0 4 1</inkml:trace>
+  <inkml:trace contextRef="#ctx0" brushRef="#br1" timeOffset="41">20400 9935 9787,'-6'-1'-1400,"0"-2"511,-1 2 1572,2-8 0,2 8 53,6-2 1,6 2-173,3 1 0,6 1-199,0 2 1,5-1-187,5 4 0,0-2-87,0 2 0,1-4-97,2 1 0,1-2-13,2-1 0,1 0 113,-4 0 0,-3 0-478,-3 0 1,-9 0 152,0 0 63,-5 0 143,-5 0 0,-6 0 76,-7 0 0,-5 0-69,-4 0 0,-2 1 16,-4 2 0,-2-2-28,-4 2 0,0 1 11,0 0 1,2 2 129,1-3 1,-1 3-87,4-3 1,0 0 234,4-3 1,3 3-17,3 0-202,6 1 1,3-4-143,6 0 0,4-5-138,8-1 1,2-2-634,8-1 1,3-2 95,3-1 769,4 2 1,-2-8-1,4 3 1</inkml:trace>
+  <inkml:trace contextRef="#ctx0" brushRef="#br0" timeOffset="42">19413 8240 8300,'0'-14'0,"0"1"0,-3 3 145,0 1 0,0-1 773,3 1-466,-4 4 0,2 1-112,-5 4 1,4 2-307,-3 4 0,-1 1 88,-6 9 1,-1 3-6,-5 6 0,1 2-78,-1 1 1,0 0-206,1 0 1,-1 0 2,1 0 0,0-1 95,2-3 1,0-2 7,4-6 0,2-1 104,4-6-62,4 3 48,-2-11 0,8 4 59,2-2 0,2-2 22,2 2 0,2 1 139,1 0 0,4 2-117,2-3 1,-1 4 118,4-1 0,1 3-201,-1 0 1,-1-3 77,-2 0 0,2 1-244,-3 2 0,2 0 142,-8 0 0,1-2-166,-4-1 0,0-1-357,1 1 1,-5-1-400,-2-1 1,-2-2 894,-1 4 0,-4 0 0,-1 3 0</inkml:trace>
+  <inkml:trace contextRef="#ctx0" brushRef="#br0" timeOffset="43">19599 8268 8314,'-8'-6'-137,"2"0"0,1 4 522,2-2-67,2-1 1,-7 3 663,5-4-623,0 4-164,-1-2 1,2 5-94,-4 2 1,3 3 83,-4 7 1,4 1-251,-3 5 1,3-1 72,-3 1 1,4 3-30,-1-1 0,2 4-101,1-3 1,4 3-148,2-4 1,3 1 62,4-3 0,1-5-79,5-1 1,-1-4 155,1-3 0,0-3 48,-1-6 1,-2-6 223,-1-7 0,-3-1-66,0-2 1,-5-3 41,-1 1 1,-3-5-6,0 1 1,-6 2-6,-4 2 1,-4 1-144,-1 1 1,-5 4-159,1-1 0,-1 6-567,-2 1 1,2 3 83,1 6 674,-1 0 0,6 0 0,-2 0 0</inkml:trace>
+  <inkml:trace contextRef="#ctx0" brushRef="#br0" timeOffset="44">19972 8557 8565,'0'5'1063,"0"3"-835,0-2 0,-4 3-226,-3 0 1,2 1 106,-1 3 0,-1 1-1276,-6 5 1167,3-1 0,-8 1 0,4 0 0</inkml:trace>
+  <inkml:trace contextRef="#ctx0" brushRef="#br0" timeOffset="45">20363 8194 8396,'-9'0'893,"3"1"-528,3 2 0,2 3 184,1 6 0,1 3-63,2 3 0,-1 5-22,5 2 1,-4 4-298,3 5 1,-4-3 98,1 6 1,-2 2-650,-1 1 1,0-3 332,0-3 1,0-4-1157,0 1 0,0-7 1206,0-5 0,4-1 0,1-3 0</inkml:trace>
+  <inkml:trace contextRef="#ctx0" brushRef="#br0" timeOffset="46">20670 8575 7670,'-5'0'557,"0"4"-266,2 3 1,-1-1-205,-3 3 0,-1-2-166,2 6 0,-6 0-187,0 0 0,0 2 266,2-2 0,1 3 0,0-1 0</inkml:trace>
+  <inkml:trace contextRef="#ctx0" brushRef="#br0" timeOffset="47">20968 8361 8274,'-4'-14'770,"3"0"-462,-3 5 0,3 4 64,-2 2 0,1 3-86,-5 3 0,2 3-38,-1 6 1,-2 3-56,1 3 1,2 2 0,-1 2 0,4-3-447,-1 3 1,3-5 226,3-2 1,-1 1-345,4 2 1,2-3 191,4-3 0,-1-5-91,5-4 1,-2-2 60,2-1 0,0-1 117,-3-2 0,2-4 33,-2-5 0,-2 1 206,-5-5 1,2-1 2,-5-4 1,0 1-99,-3-2 0,-1 3-502,-2 0 0,-3 0 216,-3 1 0,-3-1-414,-1 1 0,0 2 5,0 1 642,3 3 0,-3-1 0,3 3 0</inkml:trace>
+  <inkml:trace contextRef="#ctx0" brushRef="#br0" timeOffset="48">21145 8128 8139,'-4'-9'2151,"3"4"-1471,-3 1 1,8 6-221,2 4 0,2 1-114,2 9 1,2-1-11,0 4 0,5 0-30,-2-1 0,2 5-329,-1 2 0,4-1 135,-1 0 1,5 3-344,-3 1 0,2 1 181,-1-7 0,-4 0-51,1-4 1,-1-3-87,-6-3 76,-4-2 0,-3 0 77,-5-1 1,-3-3 211,-3 1 0,-1-1-222,-9 3 1,1 1 85,-4 3 1,-2 1-748,-1 5 0,-4 0 332,1-1 0,-1 4-540,1 0 0,0 3 913,3 0 0,-4-2 0,2 0 0</inkml:trace>
+  <inkml:trace contextRef="#ctx0" brushRef="#br0" timeOffset="49">17421 9879 8840,'-7'3'885,"1"0"-697,4 4 1,-3-2 26,2 5 0,1 3-60,-4 3 1,-1 1-34,-2 2 1,0 4 68,-1 2 1,-2 1-33,0 2 0,-2 0 20,2 0 0,1 2 12,-1-2 0,2 4-159,0-7 0,2 0 122,2-7 1,2-2-189,4 0 0,0-5 56,0 1 0,1-4-62,2-2 0,2-3 137,4 3 1,2-3-30,1 3 0,-1-3-19,5 4 0,-1-4 20,4 3 1,-1 0-152,-3 4 1,3-1 94,-3 0 1,0 0-463,0 1 0,0-1-19,0 0 1,-1-2-206,-5-1 1,-3-1-658,1 1-163,-1 2 1493,-1-6 0,-1 2 0,-4-4 0</inkml:trace>
+  <inkml:trace contextRef="#ctx0" brushRef="#br0" timeOffset="50">17486 10112 8213,'0'-7'136,"0"1"1,0 3-180,0-3 1,1 0-21,2-4 0,1 4 655,2 0 0,3 1-185,-3-1 0,2 1-364,1 5 0,-2 0 54,-1 0 1,-1 6-160,1 3 1,1 4 110,-4 6 0,1 1 69,-4 1 1,0 1-142,0 6 1,0-5-239,0 5 1,-4-7 230,1 1 0,0-1 46,3 1 0,0-6-40,0 3 1,0-10 30,0 0 1,1-2-23,2-1 0,3-2-27,3-4 0,0-1-6,1-2 0,3-2-154,2-5 1,-1 1 53,-2 0 1,2-1-554,-2 1 1,2 0-8,-2-1 708,-2 1 0,4 0 0,-5-1 0</inkml:trace>
+  <inkml:trace contextRef="#ctx0" brushRef="#br0" timeOffset="51">17858 10251 8148,'0'6'89,"0"1"1,0-4 233,0 3 1,0-3-79,0 3 0,0 0-96,0 4 1,0-1-189,0 0 0,-1 0-72,-2-3 0,2 2-400,-2-2 0,2 0 101,1 0 410,0-4 0,-4 6 0,-1-3 0</inkml:trace>
+  <inkml:trace contextRef="#ctx0" brushRef="#br0" timeOffset="52">18063 10009 8372,'-5'4'-171,"-3"-3"1,3 5 505,-1-3 1,1-1 4,2 4 1,2 0 79,-2 3 0,2 5-249,1 1 1,0 3 15,0 1 1,0-1-252,0 1 1,1-1 95,2 1 1,2 0-428,4-1 1,4-3 136,-1-3 1,2-2-46,-2-4 0,2-2 46,1-4 0,0-1-73,-3-2 1,-3-7 260,1-5 1,-2-3-124,-5 0 1,3-4 550,-3 0 1,-1 4-215,-5 2 1,1 1 88,-4-4 0,-1 1-88,-6 3 0,2 1-62,-5 5 0,4 1-71,-3 2 1,0-2-320,0 5 0,1-3-336,5 3 0,-1 1 62,1 5 580,4 2 0,-3 4 0,2 1 0</inkml:trace>
+  <inkml:trace contextRef="#ctx0" brushRef="#br0" timeOffset="53">18324 10140 8109,'0'9'0,"0"0"583,0 0-293,0 1 0,0 0 17,0 3 0,0-3-131,0 2 1,0-1-318,0-2 0,-1 1-187,-2 3 0,2-3-362,-3 2 1,0-1 689,1-2 0,-4-4 0,2-1 0</inkml:trace>
+  <inkml:trace contextRef="#ctx0" brushRef="#br0" timeOffset="54">18463 10046 8297,'6'10'52,"-1"-1"-44,-2 0 0,-1 2-31,4 1 0,-1 2 93,2 1 1,1 3-262,-2-3 1,2 2 45,2-2 0,-1-2-112,0-7 0,1 1 144,-1-4 1,-1-1 28,-2-5 0,2-2 305,-5-4 0,1-4-97,-1 1 1,-2-5 132,2 2 1,-3 0-62,-3 0 1,-2 0 454,-5 0 1,1 0-235,0 3 1,0 2-138,-1-3 1,1 6-249,0 1 1,-4 4-277,1-1 0,-1 0-633,4 0 592,0 2 285,-1-3 0,5 8 0,1 1 0</inkml:trace>
+  <inkml:trace contextRef="#ctx0" brushRef="#br0" timeOffset="55">18622 9916 8076,'0'9'367,"0"-2"-257,0-1 1,0 0 314,0 3 0,4 1-136,2-1 1,2 3-311,2 1 0,3 0 59,3 0 0,-2-3-158,2 2 1,-1 0 46,4 0 0,-1-1 137,1 1 1,-5-2 28,-1 0 0,0-1-49,0 0 0,-4 1 145,-3-1 1,-4 0 371,1 0 0,-2 1-5,-1-1 0,-1 1-130,-2 3 0,-2-2 92,-4 5 0,0 0-357,-1 6 1,-2-1 72,-1 4 1,-2-1-628,2 4 0,-3 3 297,0 0 1,0 0-2482,0-3 2433,3-4 1,-1 3 0,0-3 0</inkml:trace>
+  <inkml:trace contextRef="#ctx0" brushRef="#br0" timeOffset="56">21052 10586 8056,'-6'-1'-411,"-1"-2"697,5 2 0,-5-2 93,4 6 0,-1 2-296,1 5 1,1 0 96,-5 3 0,1 1-199,-3 5 1,0 3 101,-1 3 1,0 1-168,-2-1 1,1 2 40,-1-2 1,1-1 1,2-2 1,4-1 40,2-9-37,2 5 0,1-7 132,0 3 0,1-4-66,2-3 1,5 2 160,5-1 1,0 0-137,0-1 0,-2 2 5,4-1 1,0 1-45,0 1 1,2 0-139,-5 1 1,4-2 103,-4-2 0,2 1-136,-2-3 0,-1 2-309,1-3 1,-2 3 202,0-3 1,-1 0-504,0-3 1,-3 3 763,1 0 0,-5 1 0,2-4 0</inkml:trace>
+  <inkml:trace contextRef="#ctx0" brushRef="#br0" timeOffset="57">21145 10782 8530,'0'-6'27,"0"0"0,0-1 203,0-2 1,4 3-117,2 0 0,-1 3 128,2-4 1,-1 2-161,3-1-133,0 2 1,1 4-126,-1 0 0,-3 4 188,1 2 0,-5 7-101,1 2 1,-2 3 66,-1 0 1,0 1-252,0 0 1,-1-1 200,-2 1 1,2-2 23,-3-1 1,2-2 313,-1-1-271,2-3 172,-3 4-149,8-9 0,2-1 13,7-4 0,-2-1-412,5-2 1,-1-2 131,4-5 0,-4 1 249,1 0 0,-1-1 0,4 1 0</inkml:trace>
+  <inkml:trace contextRef="#ctx0" brushRef="#br0" timeOffset="58">21517 10884 8323,'0'7'-136,"0"-1"1,0-3 302,0 3 209,0 0 1,0 4-271,0-1 0,0 0-192,0 1 1,0-1 251,0 0-166,-4 0 0,3 1 0,-3-1 0</inkml:trace>
+  <inkml:trace contextRef="#ctx0" brushRef="#br0" timeOffset="59">21666 10605 8307,'0'-9'-446,"0"-1"0,0 4 981,0 0-156,0 4 1,1-2-157,2 4 1,0 0 213,3 0-513,0 0 1,3 0 152,1 0 0,-2 1-141,-2 2 1,2 0 59,-1 6 0,-3-1-45,-1 4 1,-1 3 64,1 0 1,-2 3-213,2 0 1,-2 1 149,-1-1 1,-3 1-9,0 0 1,-3-2 278,3-1 1,-4 0-138,4-3 0,-1-1 410,1-2-247,2 3-158,-3-3 1,5 0 20,2-7 1,2-2-194,5-1 0,-1-3-57,0 0 0,4-5-181,-1 2 1,1-2-535,0-1 0,-3-1 101,3 1 750,-3 0 0,3-1 0,2 1 0</inkml:trace>
+  <inkml:trace contextRef="#ctx0" brushRef="#br0" timeOffset="60">22104 10782 8428,'-5'0'0,"-2"4"0,3 2 0,1-1 452,3 2 0,0-1-89,0 3 0,0 2-11,0 1 0,-3-2-97,0 3 0,0-3-1008,3-1 1,0 1 3,0-1 1,0-3 748,0 0 0,4-4 0,1 3 0</inkml:trace>
+  <inkml:trace contextRef="#ctx0" brushRef="#br0" timeOffset="61">22318 10521 8355,'-4'-8'158,"-2"2"0,1 2 334,-2 4 1,4 0-111,-3 0 1,4 1 2,-1 2 1,-1 3-224,1 6 0,-4 3 111,4 4 1,-3 2-370,3 1 1,0 0 120,3-4 0,1-2-482,2-1 1,1-3 124,2 0 0,6-3-69,-3-2 0,2-3 138,-1-4 0,2 0-54,1 0 0,-1-7 247,-3-3 0,0-5-105,-3-1 0,1-1 266,-4-2 0,0 0-110,-3 1 1,0-2-150,0-2 1,-1 3 117,-2-3 0,-3 1-847,-6 0 897,1 1 0,-6-7 0,2 3 0</inkml:trace>
+  <inkml:trace contextRef="#ctx0" brushRef="#br0" timeOffset="62">22365 10270 8297,'3'9'969,"0"0"0,4 2-492,-1 1 1,4 0-133,2 3 1,-1 1-107,5 2 0,-3 4-28,6 0 1,-3-1-138,2-2 0,1 0-168,-4-1 1,-1-2 145,-2-1 1,-5 0-93,0 0 0,-5 0 7,1-3 1,-6 2 107,-4 1 1,-1 3 0,-1-3 1,-4 4 30,1 3 1,-6 1-47,0 5 1,-1 0 15,-3 0 1,6 0-348,0 0 1,5-3 131,-1 0 0,2-5-2138,4 2 2276,2-6 0,0 1 0,-1-2 0</inkml:trace>
+  <inkml:trace contextRef="#ctx0" brushRef="#br1" timeOffset="63">17989 12504 9693,'-11'5'-106,"-1"1"1,1-1 164,-1 1 0,2 1 169,0 6 1,1 1-188,0 5 0,-1 1 189,1 1 0,1-1-87,2 2 0,-2-1-37,5-2 0,0 1-279,3-8 1,1 1 172,2-4 0,3 3-134,3 1 0,0-2-74,0-5 0,5 3 208,1-3 0,2 5-122,-2 2 0,2-1 75,-5-3 1,4 1-251,-4-1 1,4 0 84,-4 1 0,1-1-67,-4 0 0,2-3-58,-1 1 337,1-1 0,-6 3 0,5 0 0</inkml:trace>
+  <inkml:trace contextRef="#ctx0" brushRef="#br0" timeOffset="64">18119 12626 8536,'0'-15'226,"0"3"73,0 1 0,1 2-218,2 0 0,-1 3-45,4 3 1,1-1 10,2 1 1,-1 1 4,-2 5 1,2 2 40,-5 5 0,3 3-143,-3 3 0,0 4-165,-3 2 1,0 4 109,0-1 0,-3-1 22,0 0 0,0-3 115,3 1 1,0-3-67,0 0 1,0-4 47,0-3 0,1-3-48,2-3 0,0 2-77,6-5 1,-1 0-26,4-3 0,1-4-164,0-2 0,3-4-4,0-2 0,-3 1 304,0-1 0,-3 2 0,-1 0 0</inkml:trace>
+  <inkml:trace contextRef="#ctx0" brushRef="#br1" timeOffset="65">18463 12812 8636,'0'5'-6,"0"3"27,0-3 0,0 5 40,0-1-695,-4 0 1,3 1 632,-2-1 1,-2 4 0,0 2 0</inkml:trace>
+  <inkml:trace contextRef="#ctx0" brushRef="#br0" timeOffset="66">18622 12486 8326,'-4'-5'0,"3"-4"0,-3 3 0,3 1 178,1-1 1,1 3-90,3-3 0,1 2 445,4-2 1,0 3-186,1-3 0,-1 4-403,0-1-96,1 2 0,-1 1 99,0 0 0,-3 3-11,1 0 1,-5 4 127,1-1 1,-2 4-322,-1 2 1,0-1 31,0 5 0,0-1-49,0 4 1,-1-1 58,-2-3 1,2 2 43,-2-5 1,1 4 56,2-4 0,0 1-15,0-4 0,0 0 130,0 0 0,5-3-112,1-3 0,2-1 203,1 1 1,2-2-103,1 2 1,-1-2 170,1-1 1,-2 0 4,0 0 0,-1 1 39,0 2 1,-3-1-92,1 4 1,-5-2 21,1 2 1,-2 0-211,-1 3 1,-4 1 132,-2-1 1,-3 1-556,0 3 0,0 0 494,-1 3 0,-3 1 0,-2-2 0</inkml:trace>
+  <inkml:trace contextRef="#ctx0" brushRef="#br0" timeOffset="67">19003 12784 8419,'-8'6'681,"2"0"1,-1-3-177,4 4 1,-4-4-522,4 3 0,-1-3 114,1 3-574,2 0 0,-6 4-47,4-1 0,0-3 523,3 0 0,-5-4 0,0 3 0</inkml:trace>
+  <inkml:trace contextRef="#ctx0" brushRef="#br0" timeOffset="68">19208 12551 8554,'-13'0'1034,"2"3"-650,-1 0 1,5 4-332,1 0 1,4 1 61,-2 1 1,0 2 163,1 1 1,0-2-452,3 3 0,1 0 139,2 0 1,2-1-340,5-3 0,-1 0 216,0-3 1,2 1-227,1-4 1,-2 0 109,3-3 0,0-1 11,0-2 1,-1-2 254,-3-4 1,-2-1-141,-1 1 0,-4-3 480,1-1 1,-2 0-184,-1 0 0,-3 2 70,0-5 0,-7 5-93,0-1 1,-2 1-351,-1 2 1,3 0 15,-2-1 1,0 2-213,0 2 418,1-2 0,-2 7 0,4-4 0</inkml:trace>
+  <inkml:trace contextRef="#ctx0" brushRef="#br0" timeOffset="69">19367 12374 9190,'-5'0'900,"5"0"0,5 1-610,4 2 0,3-1-100,1 5 1,3-1 72,0 3 1,1 0-315,2 1 1,0-2 158,-1-2 0,0 6-302,-3-3 0,2 2-28,-5-1 0,1-4-87,-4 0 1,0 0 180,1 3 1,-5 1-45,-2-1 0,-2-3 51,-1 1 0,0-1 44,0 3 1,-4 0 18,-2 1 0,-3 2-19,0 0 0,-1 5 91,-3-1 1,3 1-65,-2 2 0,-2 0 71,2 3 1,-4-2-119,4 2 1,-1 0-396,4 0 492,4 0 0,-3 0 0,2 2 0</inkml:trace>
+  <inkml:trace contextRef="#ctx0" brushRef="#br1" timeOffset="70">23165 7067 11274,'-6'0'-295,"0"0"1,4-1 332,-1-2 260,-2 2 1,3-6 1389,-5 3-1348,5 1 0,-3 3 334,2 0-695,2 0 0,-6 1 226,4 2 0,-5 3 252,2 3 1,-2 4 154,-1 3 0,-2 3-235,-1 2 1,1 0-378,-1 4 0,2 0 427,0 3 0,4-4-149,0 1 0,4-4 73,-1 1 1,2-3-255,1 0 0,4-5-291,2-1 0,2-4-323,2-3 0,2 3-67,1-3 0,3-1-77,0 1 1,-2-4-313,2 1 0,-2 1 106,2 0 0,1-1-307,-1-3 0,-2 0 923,2 0 0,-1 4 0,4 1 1</inkml:trace>
+  <inkml:trace contextRef="#ctx0" brushRef="#br0" timeOffset="71">23417 7188 8507,'-10'-4'-265,"4"3"-397,0-2 745,0-2 1,0 3 354,-1-1 0,4 5-126,-3 2 0,3 6-144,-3-1 0,4 7-23,-1-1 0,2 0 34,1 0 0,0 1-176,0 2 1,1 1-38,2 0 1,5-4-178,4 1 1,4-5 135,-4 1 1,5-5-124,-2-4 0,0-2 112,0-1 0,0 0 53,0 0 0,-1-4 148,-5-3 1,-3-5-137,1-3 0,-5-3 24,1-1 0,-2 1-166,-1-1 1,-4 0-238,-3 1 1,-1 2-362,-1 1 761,0 3 0,-1-1 0,1 4 0</inkml:trace>
+  <inkml:trace contextRef="#ctx0" brushRef="#br0" timeOffset="72">23705 7393 8525,'-4'5'335,"3"3"713,-2-2-875,2 3 1,1 0-432,0 0-131,0 1 0,0-1 198,0 0 1,-3 1-431,0-1 621,0 0 0,-1 5 0,-2 0 0</inkml:trace>
+  <inkml:trace contextRef="#ctx0" brushRef="#br0" timeOffset="73">23882 7207 9544,'0'-6'493,"0"-2"0,0 8-481,0 0 1,0 7-120,0 6 0,0 3 106,0 0 0,0 1-207,0 2 1,0-1-200,0-3 1,4 2 155,3-5 0,1 4 96,1-4 1,1-3 91,-1-2 1,3-5 19,1 1 1,-1-3 46,-3-3 0,1-4 185,-1-5 0,-3-1-136,0-3 0,-3-1 195,0 1 0,-2-2-96,-1 0 0,-4-1-79,-3 1 0,-1 0-139,-1 2 0,-1 0 92,1 3 1,0 2-373,0 5 0,-1 1-125,1 2 0,3 2-539,-1-3 1010,5 3 0,-6 6 0,3 0 0</inkml:trace>
+  <inkml:trace contextRef="#ctx0" brushRef="#br0" timeOffset="74">24199 7337 8566,'1'9'-374,"2"1"0,-2-4 150,2 0 0,1 0 1145,-1 4 1,1-1-284,-4 0 0,3-3-644,0 1 1,0-1-328,-3 3 1,0 0-307,0 1 0,-1-2 639,-2-2 0,2 7 0,-3-3 0</inkml:trace>
+  <inkml:trace contextRef="#ctx0" brushRef="#br0" timeOffset="75">24515 7123 8902,'-6'-5'721,"0"2"1,4 3-547,-1 3 1,2 3 83,1 6 1,0 0-52,0 3 1,1 4-172,2 2 1,-1 4-29,4-3 0,-3 4-356,4-1 1,0-1-66,5 0 0,-1-4 226,1-1 1,1-1-898,0-2 1,0-3 1082,0 0 0,-3-3 0,4-1 0</inkml:trace>
+  <inkml:trace contextRef="#ctx0" brushRef="#br0" timeOffset="76">24720 6965 8501,'-4'-6'2548,"3"2"-2498,-3 4 0,8 4 239,2 3 1,4 2 65,2 3 1,-1 1-82,5 5 1,-1-1 2,4 5 0,3 0-325,0 0 1,-1 3 108,-2-3 0,2-1-266,-3-2 0,3 0 27,-6-1 1,-1 0 50,-2-3 0,-4-1 93,-2-5 0,-4 3 20,1 1 1,-3 0 147,-3 0 1,-2-2-49,-5 5 1,-3 3 118,-3 6 0,-2 2-70,-4 1 1,-3 4-27,-6 2 1,1 2-231,-4 2 1,1 1-487,-1-2 1,6 1 54,6-6 0,10-5-785,2-2 1337,7-4 0,-1 2 0,4-5 0,0 1 0</inkml:trace>
+  <inkml:trace contextRef="#ctx0" brushRef="#br0" timeOffset="77">23398 11527 8408,'-6'-8'-128,"0"1"445,4-1 0,-3 4 25,1-2 0,2 2 83,-4 4 1,3 1-280,-3 2 0,-3 6-169,-4 7 1,0 1-320,0 2 1,-1 4 212,-5 1 1,-3 6-143,1 1 0,0 0 137,5-3 1,-1 0-17,1 0 1,3-3 116,0 0 0,4-8 5,3 2 0,-1-6-33,4-1 75,0 2 1,4-3 167,2 1 0,2-1-80,4-2 0,1 0 189,3 0 1,-2 1-93,5-1 0,-1 0-107,4 1 1,0 2-146,-1 1 0,1-1-225,-1-3 1,1 0-2,0-3 0,-2 2 131,-1-2 1,0 1 147,-3 0 0,3 1 0,-1-3 0</inkml:trace>
+  <inkml:trace contextRef="#ctx0" brushRef="#br0" timeOffset="78">23473 11666 8427,'-7'-8'232,"1"2"0,4 1 204,-1 2-291,2 2 1,1-4 126,0 1 0,1 3-2,2-2 0,2 2-167,5 1 0,-1 0 71,0 0 1,1 0-280,-1 0 1,0 0 28,1 0 0,-1 3-12,0 0 0,-1 5 45,-1-2 1,-2 3-82,-2 4 0,-2-2-253,2 5 0,-5 0 158,-1 6 0,-4-1 118,0 3 1,-4 0 8,-1 1 1,-1 1 355,4-4 1,1-1-79,1-2 0,0-2-21,4-1 0,0-6-32,3-3 0,1-5 7,2 1 1,3-2-127,7-1 0,0 0 85,3 0 1,1-4-296,-1-3 1,1-1 75,2-1 1,-3 0-580,-1-1 0,0 4 133,0 0 0,-2 3 566,-3-4 0,3 5 0,2-2 0</inkml:trace>
+  <inkml:trace contextRef="#ctx0" brushRef="#br0" timeOffset="79">23910 11937 8965,'-9'0'1526,"3"3"-1071,0 0-629,3 4 0,-4-5 121,4 4 0,-1 0-135,1 4 0,-1-4-313,-2 0 1,0 0-387,3 4 1,1-2 886,-4-2 0,0 2 0,-4-2 0</inkml:trace>
+  <inkml:trace contextRef="#ctx0" brushRef="#br0" timeOffset="80">24162 11480 8375,'9'0'315,"-1"1"77,-2 2 1,3-1-315,-3 5 1,-2-1-79,-1 3 0,-3 5 12,-3 1 1,1 0-11,-4 0 0,-1 1 139,-6 2 0,3-2-123,-3-1 1,0 0 168,1 0 0,2-1-103,4-5-80,0 0 0,1-2-73,2-1-143,1-4 0,7 2 157,1-4 0,2 0-33,1 0 1,2-3-73,1 0 1,2 0 67,1 3 0,3 0 4,-3 0 1,-1 1 86,-2 2 1,2 1 8,-2 2 1,-1 2 47,-4-1 1,0 1 178,-4 1 0,0 4-15,-3-1 1,-1 4-144,-2-4 0,-3 2 78,-7-2 1,3-1-37,-3 5 1,2-5-430,-1 2 0,1-3-131,-1-1 1,5 0-161,0-3 1,2 2 232,-1-2 368,2-2 0,0 5 0,-1-4 0</inkml:trace>
+  <inkml:trace contextRef="#ctx0" brushRef="#br0" timeOffset="81">24488 11974 8380,'-10'3'1362,"1"0"1,3 1-1136,-1-1 0,5-1 37,-1 4 1,-1 1-391,1 2 0,-1-3 163,1 0 0,2 1-1228,-2 2 1,2 0 1190,1 1 0,-4-1 0,-2 0 0</inkml:trace>
+  <inkml:trace contextRef="#ctx0" brushRef="#br0" timeOffset="82">24674 11648 8380,'-5'-1'-509,"1"-2"721,-1 2 1,4-4 1,-2 1 1,2 2 1,1-4 0,0 3-105,0-3 1,0 3 110,0-3 1,4 0-102,2 0 0,3-2 52,0 2 0,0 2-118,1 0 0,-1 3 17,0 1 1,1 0-162,-1 0 1,-1 5 30,-2 1 1,0 3 113,-3 3 1,-2 3-187,2 4 1,-2 0 87,-1 3 0,-1-2 38,-2 1 1,2 2 82,-2-1 0,1-1 16,-2-6 1,3 2-41,-2-5 1,3 0 16,3-2 0,-1-5-20,5-2 1,-1-2 14,3-1 0,4-1-213,-1-2 1,5-2 125,-2-5 0,2 0-507,-2-2 1,3 1-50,-3-1 0,0 2-258,0 0 1,-3 1 833,0 0 0,-2-5 0,0 0 0</inkml:trace>
+  <inkml:trace contextRef="#ctx0" brushRef="#br0" timeOffset="83">24981 11452 8380,'-9'-4'861,"-1"3"-673,5-3 52,1 4 1,4 4-45,0 2 0,4 3 85,2 0 0,3 4-240,0 3 0,1-2-12,3 2 0,-2-4-24,5 4 1,-4-2 78,4 2 0,-5 0-306,1-3 0,0 0-32,0 0 1,-1-6 91,1 2 1,-5-3-67,-1 1 200,-4 1 1,3-6 273,-5 4 0,0-3-96,0 4 1,-1-1 72,-3 3 0,-1 5-80,-4 1 0,3 3 137,0 0 0,-1 5-201,-2 2 0,-1 3 72,-3 3 0,3-1-518,-2 4 0,1-3 216,2 3 1,0-3-1917,-1 3 1891,1-4 0,4 2 0,1-4 0</inkml:trace>
+  <inkml:trace contextRef="#ctx0" brushRef="#br0" timeOffset="84">2272 7113 8547,'-9'-4'0,"-1"-2"120,1-2 1,8 3 286,4 2 1,13 2-274,5 1 1,9 0-50,4 0 0,5 0-214,4 0 0,6 3-64,-20-2 0,1 1 0,1 1 0,2 1 133,1-1 1,0 0 0,-1-1 0,-1 0 60,0 0 0,-2-1 0,-2 0 1,-1-1-15,1 1 1,0-2 0,21 0 27,-3-2 1,-9-2 277,-9-4 0,-8-3-126,-8 3 0,-5-2 189,-4 5 0,-3-2 92,-3 2 1,-4-2-86,-5 2 1,-2-3 127,-5 0 1,-3 0-288,1-1 1,-8 1-392,1 0 0,-9 0-65,3-1 1,-3-2-16,6-1 0,0 1 245,3 3 1,2-1 321,4 1 0,5 3 71,8 0-284,3 4 1,6-3-179,7 5 0,6 5 135,6 1 0,1 5 59,8 2 0,-2 3-78,5 0 1,2 4-186,1 2 0,4 4 131,2-1 1,-2 2-40,3 1 0,-7-2 244,-3-1 0,-6 1-155,-4-4 0,-8-1 255,-4-6 0,-7 0-136,-2-3 1,-8-1 125,-8 5 0,-2-1-409,-4 4 1,-6 7-254,-6 2 0,15-9 0,0 1-1243,-3 1 1,0 2 1638,1 1 0,-1 1 0,-4 4 0,0 1 0,1 1 0,0-1 0,-1 2 0,0 0 0</inkml:trace>
+  <inkml:trace contextRef="#ctx0" brushRef="#br0" timeOffset="85">10335 6648 8163,'-9'4'133,"-1"2"0,1 7 121,0 2 0,-2 4 320,-1 3 1,2 6-181,-3 6 0,-1 3-123,-2 3 0,2 0-514,-2 3 0,1-3 304,-4 4 1,2-8-299,1 1 0,3-7 140,3-2 1,1-4-155,0-5 0,3-8-683,3-2 61,2-6 0,1 0 298,0-6 575,0-6 0,4-10 0,2-4 0</inkml:trace>
+  <inkml:trace contextRef="#ctx0" brushRef="#br0" timeOffset="86">10167 6927 8163,'4'-17'149,"-1"1"1,3 0 330,-3 3 1,5 2-98,2 5 1,0 1 61,5 5 1,1 3-26,3 3 0,0 4-122,3 9 1,-2 2-99,1 1 1,0 4 57,1-1 1,-3 2 36,3 1 1,-2-6-54,-2-3 1,1-2 15,0-8 0,-1 1 124,1-7 0,-2-4-98,-1-5 1,-2-7 105,-1-6 1,-3-5-89,3-7 0,-4-1-188,-3-2 1,2-2 115,-1 2 1,0-1-564,-1 0 0,2 3-298,-1 4 1,1 0-641,1 1 0,2 0 612,1 2 659,-2 2 0,8 0 0,-4-1 0</inkml:trace>
+  <inkml:trace contextRef="#ctx0" brushRef="#br0" timeOffset="87">2616 8613 8517,'-14'-7'13,"1"1"69,3 0-131,5 1 0,3-2 100,8 3 0,4 1 249,9 3 1,4 1-173,2 2 1,3-2-123,3 3 1,0 0 82,6-1 1,-1 0-16,8-3 1,-1 3-161,4 0 1,0 0 210,3-3 0,-8 0 4,-1 0 0,-8-3 90,-9 0 503,-5-4-428,-10 2 0,-9-4 63,-6 3 1,-6-2-274,-4 2 0,-1 0-302,-2 0 1,-3 0 184,1-3 0,-5-1 13,1 1 1,-2 0-104,-1-1 0,0-2 93,0 0 0,1-2-78,3 2 0,2 1 63,6-1 0,3 5 591,3 1-329,5-1 0,3 2-150,8 2 0,3 3 73,9 3 1,0 2-2,7 5 0,3 0-90,3 2 1,3 0 55,-3 3 1,3 1-181,-3 2 0,0 1 140,-3 0 1,-4-2 167,-2-1 0,-4 1-22,-2-1 1,-7-3 126,-6 0 1,-3-2-212,-3 2 1,-6-2-54,-7 5 0,-4 3-903,-2 6 0,-8 4 474,-1 5 0,-3 1 76,17-13 1,-1 0 0,-2 1 0,0 1-1,1 2 1,0 0 0</inkml:trace>
+  <inkml:trace contextRef="#ctx0" brushRef="#br2" timeOffset="88">17458 8752 8362,'-23'0'-99,"2"0"-48,-3 0 0,-2 1 457,-5 2 1,-2 4 503,-5 5 1,-1 3-1033,-4 7 1,-4 3 349,18-10 1,-1 1-1,0 0 1,0 1-474,-5 2 0,-1-1 1,-2 1-1,-1 0 355,-2-1 0,-2 1 1,-1 0-1,-2-1-18,14-5 0,-2 0 0,1-2 0,-16 4 0,0-2-340,-2-1 1,-1-2-1,2-3 1,0-4 386,3-1 0,1-4 0,-2-3 0,2-3-9,2-3 1,1-3 0,3-1 0,2-2-211,3-2 0,2-2 0,1 0 1,2-2 92,1-1 0,2-1 1,1-1-1,1 0 33,1-2 0,2 0 1,6 3-1,3-1-184,-3-20 1,11-1 433,11 4 0,11-1-292,-3 21 1,3 0-1,1 1 1,2 1 11,4-4 1,2 1 0,2 0-1,2 1 81,3-3 1,2-1-1,2 0 1,2 0-34,3-2 1,2 2 0,-13 8 0,0 1 0,1 1-34,0 0 0,1 2 0,1 0 0,1 2 0,0 0 0,0 1 70,1 0 0,0 0 0,1 2 0,1 1 0,1 1 0,0 1-21,-1 1 0,0 0 0,1 3 0,-2 1 0,1 2 0,-2 2-131,15 3 1,-2 5-1,-2 3 1,-2 4-11,-2 2 0,-2 2 0,-3 3 0,-1 1 136,-5 1 0,-2 1 0,-3 0 0,-4 1 38,-6-1 1,-3 2 0,-2-2-1,-1 1 106,-3 0 1,-1 0 0,-1-1 0,-3 0 507,-3 23 0,-9-1-306,-6-5 1,-8-2-8,8-20 0,-1 0 0,-1-1 0,0 1-191,-3 2 1,-1-1 0,2-3 0,-1-1-542,-1 0 1,-1-1 0,-19 12 209,-2-2 0,0-5 204,0-8 0,-2 1 0,5-7 0,1-4 0,1-2 0</inkml:trace>
+  <inkml:trace contextRef="#ctx0" brushRef="#br2" timeOffset="89">23473 8156 8617,'-6'0'255,"-2"0"-22,2 0 1,-3 1 26,-4 2 0,-5 3 58,-7 3 1,-7 1-69,-5 3 0,-6 1-405,19-5 1,-2 1-1,-1 0 1,-1-1 217,-3 3 1,-1-2 0,2-1-1,0-1-107,1 1 0,0 0 1,-1-2-1,0-1 14,0 0 0,1 0 0,-1-2 0,0-2-51,0 0 1,1-1 0,0 0 0,1-3-84,-2 0 1,1-2 0,0-2 0,0-2 72,-1-4 1,1-1 0,-2-2 0,1-2-7,-3-1 0,1-1 1,3 0-1,1-1-131,1-1 0,1-1 0,1 1 0,1-1 154,1 1 0,0-1 0,1-1 0,1 1 1,1 0 0,0 0 1,-9-15 166,7 3 1,11 4 63,8 2 1,2 4 31,1 2 0,8 3-173,4 0 0,12-3 66,4 0 0,10-3 25,3 0 0,-19 11 1,1 1-113,2-1 0,0 0 1,3-1-1,0 1 34,2-2 0,2 1 1,3 0-1,1 1-12,1-2 1,1 1 0,0 2-1,0 2-108,-1 1 1,1 2-1,2 1 1,2 3 76,-1 2 0,1 1 1,1 1-1,-1 1-3,-1 1 1,-1 2 0,-2 3 0,-2 2-69,-1 4 1,-1 2 0,-3 1 0,0 1-52,-1 2 0,-1 2 1,-3 0-1,-2 0 96,-1 0 1,-2 1 0,-2-1-1,-2-1 11,8 18 0,-6 2 66,-7 0 1,-6 5 143,-3-2 0,-7-1 179,-5-2 0,-6-1-211,-6 2 1,-3-3-28,-4 2 0,-4-2-87,-2-4 1,-6 1 52,0-4 1,-2-2-984,4-7 0,3-6 894,7-10 0,4-1 0,3-8 0,1-3 0,1-4 0</inkml:trace>
+  <inkml:trace contextRef="#ctx0" brushRef="#br2" timeOffset="90">24497 7942 8393,'9'0'-142,"-3"0"70,1 0 1,0 0-116,5 0 1,3 0 72,3 0 0,2-1 634,2-2 1,-3 2-192,3-2 0,-2-1-4,-2 1 0,-2-4-130,-1 4 0,-4-1-164,-2 1 171,0 2 0,-8-4-14,3 2 0,-4 2-125,-4-2 0,-2 2 106,-6 1 1,-3 0-259,-3 0 0,-5 4 52,-2 2 0,-2-1 57,-1 1 1,0 1 118,0 2 1,0-3 144,1 0 1,2-1-140,0 2 0,5 0-3,2-4 1,3 1 246,6-1-225,4-2 1,3 3 25,8-4 1,4-3-25,9 0 1,0-4 89,3 1 1,2-1-172,4 0 0,0 0-6,0 4 1,-1-3-9,-3 3 0,2-4-24,-4 4 0,0-1-160,-4 1 1,-3 2 196,-3-2-28,-1 2 1,-6 2-18,-2 2 1,-7-1-130,-6 4 0,-3 1 3,-6 2 0,-3 0 49,-3 0 0,1-2 47,-1-1 1,-2 0-6,-1 3 1,-1-3 107,8-3 0,-1 1-15,3-1 1,5 0 91,1-3-169,7 0 1,4-3-137,8 0 0,2-4 162,7 0 0,4 2-251,2-1 1,5 1-440,-1-1 1,3-2-604,3 5 1,-2-1 1246,2 1 0,2 2 0,0-3 0</inkml:trace>
+  <inkml:trace contextRef="#ctx0" brushRef="#br2" timeOffset="91">15251 8985 8002,'-1'-5'-274,"-2"2"230,2 2 453,-3-3-291,4 2 0,4-2 47,2 4 1,6 0-66,0 0 0,5 0 1,-2 0 1,4 0-40,2 0 0,-1-1 30,2-2 1,1 2-46,-2-2 1,-2 2 59,-4 1 0,-3 0 183,0 0-141,-6 0-50,-1 0 1,-11 4-55,-3 2 0,-4 3-4,-6 0 0,-3-2 20,1 3 0,-5-3 20,1 5 1,2-5-145,1 0 0,3-2 127,0 1 1,2 1-91,1-4 208,3 0-76,7-3 1,6 0 0,7 0 0,6-4 123,6-2 1,3-2-94,6-1 0,0-1-39,0 1 0,0 0-327,0-1 1,0 1 135,0 0 0,0-1-573,0 1 1,-4 3 123,-3 0 1,-4 4-719,-2-2 1260,-3 3 0,-3 1 0,-5 0 0</inkml:trace>
+  <inkml:trace contextRef="#ctx0" brushRef="#br2" timeOffset="92">15614 810 7985,'-14'4'1548,"0"-2"-1021,5 4 1,4 4-1005,2 2 0,2 6 171,1 0 0,5 9 759,4 7 1,1 5-135,2 4 1,1 6-549,-6-20 0,-1 1 0,0-1 0,0 0 221,-1 2 1,0 0 0,-1-2-1,0 0-46,-1 0 0,0 1 1,-1-2-1,0 1-45,-2-1 0,0-1 0,0 20 95,0-7 1,-1-11 325,-2-10-254,2 0 0,-3-14 142,4-2 1,0-3-92,0-6 0,0-1 370,0-2 1,0-5-454,0-5 1,0-4 96,0-5 0,4-3-153,2 0 1,-1 0 61,2 3 0,-1 3-46,3 1 0,0 4-3,1 1 1,2 5 20,1 5 0,0 3-45,-1 3 0,0 3 2,3 3 1,-3 8 13,0 7 1,1 2-7,-4 5 1,1 0 127,-7 3 1,3-4-112,-2 1 0,-2-4 259,-5 1 0,-6-3-75,-3 0 0,-4-2 24,4-1 0,-5-6-356,2-3 0,1-5-326,2 1 1,-1-2-127,0-1 1,2-4-518,5-3 0,-2-5 1121,5-4 0,0-5 0,3-3 0</inkml:trace>
+  <inkml:trace contextRef="#ctx0" brushRef="#br2" timeOffset="93">16164 931 7879,'-6'4'1383,"-1"-2"-1193,4 4 0,0 1 38,3 2 0,0 4 145,0 3 1,4 6-94,2 3 1,3 4-305,0 5 0,0 1 79,1 8 1,-4-2-446,0 2 1,0-3 72,4 4 0,-4-6-251,0-1 1,-3-5 252,3-7 0,-3-6-145,4-7 1,-4-5-195,3-4 1,-4-3 653,1-3 0,2-7 0,0-4 0,5-5 0</inkml:trace>
+  <inkml:trace contextRef="#ctx0" brushRef="#br2" timeOffset="94">16434 866 7879,'0'5'835,"0"3"-585,0-1 0,0 2 253,0 3 0,4 8 17,2 8 0,3 8-111,4 8 0,-2 5-681,-3-23 1,0 1 0,-2 2 0,-1 0 350,1 0 1,0 1-1,1-2 1,0-1-527,5 22 0,1-3 200,-4-6 1,-3-6-138,0-12 0,0-1-373,0-9-716,-2 1-113,-4-8 1586,0-1 0,-4-12 0,-1-3 0</inkml:trace>
+  <inkml:trace contextRef="#ctx0" brushRef="#br2" timeOffset="95">17253 791 7848,'0'-9'33,"3"0"-16,0-1 0,0 4 577,-3 0 1,0 0-159,0-3 0,0 2-49,0 1 1,-1 4-119,-2-1 1,1 2-213,-4 1 1,3 0-36,-3 0 0,-1 5-142,-2 4 0,0 3 94,-1 6 1,-2 1 122,0 9 1,2-1-105,4 7 0,1 4 21,-1 6 1,2 1-414,4 2 0,0 4 403,0 1 1,0-23-1,0-1 28,0 0 0,0 0 1,0-1-1,1 0 33,2 19 1,-1-3-52,4-3 1,-4-3 5,1-2 1,-1-4 20,1-7 1,-2-1-133,2-4 1,-1-1 127,-2 1 0,-5-4-366,-1-3 281,-2-2 0,-5-1-206,1-3 0,-3-2-378,2-4 1,-3-5-225,0-5 1,-5-4 855,0-8 0,-5-2 0,2-4 0</inkml:trace>
+  <inkml:trace contextRef="#ctx0" brushRef="#br2" timeOffset="96">16890 1043 8687,'9'-8'902,"1"1"0,1 2-439,4 2 1,5 2 211,8-2 1,4 3-360,2 3 1,2 1-279,2 2 1,2 2-925,0-5 1,1 3 685,-4-3 1,0 1-1250,0-1 1,-3-1 219,-3 5 1229,-2-5 0,-6 6 0,0-3 0</inkml:trace>
+  <inkml:trace contextRef="#ctx0" brushRef="#br2" timeOffset="97">10233 7728 7924,'-9'1'137,"2"2"1,2 3 154,1 3 0,3 4-71,7 3 0,4 6-22,9 6 1,1 4-95,1 6 0,0 2-462,4 0 1,-3 1 231,2-4 0,-2-3-511,3 0 1,-4-11 390,0-1 0,-4-10-391,-2-3 1,0-3 635,0-6 0,-5 0 0,-2-9 0,-3-1 0</inkml:trace>
+  <inkml:trace contextRef="#ctx0" brushRef="#br2" timeOffset="98">10698 7765 7924,'-12'11'401,"-1"1"0,0 0 80,0 7 0,2 6 363,-4 9 0,-4 10-579,9-19 1,-2 0 0,-2 3 0,-1 0-411,1 3 0,0 0 1,-2 2-1,-1 0 192,2 4 1,-1 1-1,0-2 1,-1 0-2,3-1 1,0-2 0,1-2 0,1-2-410,-3 21 0,2-10 236,7-2 127,-2-7 0,4 3 0,-2-6 0,1-2 0</inkml:trace>
+  <inkml:trace contextRef="#ctx0" brushRef="#br2" timeOffset="99">2477 9767 8425,'-19'0'0,"0"-1"725,1-2-62,3 2-39,6-3-619,5 4 1,6 0 101,4 0 1,1 0 112,9 0 1,3 1 20,2 2 1,9 2-15,1 4 1,2 1 32,5-1 1,-2 3-522,7 1 0,-3-1 134,0-2 1,1-1 29,0 0 0,5-3 106,-2 1 0,-4-5 20,-6 1 0,-8-2 185,-1-1-187,0 0 0,-11-1 80,-1-2 1,-8 2-42,-8-2 1,-2 2 112,-5 1 0,0 0-217,-3 0 0,-2-2-25,-7-1 1,2 2-208,-5-2 1,0-2 186,-3-1 0,-1-2-19,-2-2 0,6 1 27,0 0 0,5-4 245,1 1 1,4-5-99,3 2 0,6 0 250,3 0 1,3 3-10,3 0 0,6 2-20,7 0 0,5 5-174,4 2 0,2 2 25,1 1 1,4 1-127,2 2 0,-5 5 114,-1 5 1,-3 2 69,0-2 1,-6 3-110,-3 0 1,-9 1 272,-1 2 1,-3 1-129,-3 1 1,-6 0-259,-3 4 1,-2 0-389,-8 3 0,2 0 259,-4 0 0,0 4 149,-1 2 0,3 2 0,-4 1 0</inkml:trace>
+  <inkml:trace contextRef="#ctx0" brushRef="#br2" timeOffset="100">20903 9646 8506,'4'9'-687,"-3"-2"-859,2-1 1541,-2 0 155,-1 3 426,0 1-387,0-5 0,-3 0 111,0-2 1,-1-2-41,1 2 0,1-2 84,-5-1 1,1-1-102,-3-2 1,3 2-4,0-2 1,-4-1 37,-2 1 1,-2 0-30,2 3 0,-4 0-271,-5 0 1,1 0 165,-2 0 1,-3 3-197,-2 0 1,-1 3 35,-3-3 0,1 3 59,-1-3 0,-3 1-41,-3-4 0,3 0-162,0 0 1,4-6 10,-1-3 1,5-5 92,1-8 1,4-2-156,0-4 1,5-4 110,4-2 0,3-6-333,2-4 0,3 0 301,4 0 0,0 0 41,0 3 0,5-2 78,5 3 1,0 2 171,6 4 0,-1 4 76,4-1 0,3-1-56,3 1 1,2 1 93,1 5 1,4 0-28,2 7 0,2-2-255,2 8 1,-4 2 67,0 4 0,-1 5 0,1 1 1,1 2-17,-4 7 1,4 3-192,-4 6 0,3 2 89,-3 2 1,3 5 63,-3 4 0,-1 4-73,-5-1 1,-2 5 81,-5 2 0,-3 5 80,-3-2 1,-7 3 53,-5-3 0,-8 1 172,-8 2 1,-5-1-168,-4 1 1,10-24-1,-1 0 5,-1-2 1,0 1 0,-1 0 0,0-1 59,-20 17 0,19-19 0,-1 0 17,-17 12 1,-2-8-385,8-8 0,4-4 168,2-5 0,1-2-2,-1-4 1,2-8-659,5-5 1,-1-1-1465,0-5 2105,1 3 0,2-10 0,1 4 0,-1 0 0</inkml:trace>
+  <inkml:trace contextRef="#ctx0" brushRef="#br2" timeOffset="101">23156 8147 8421,'0'9'55,"0"1"0,0-4 202,0 0 0,-1-1 181,-2 1 1,2 3-97,-2-3 0,-2-1 157,-2 1 0,-1 0-159,-1 4 0,-5-1 96,-1 0 0,-4 1-174,-2-1 1,-3 0-215,-4 1 1,-5-2 73,-5-2 1,-3 2-516,-5-1 1,-4-2 307,0 1 1,24-5 0,-1 0 43,-22 2 0,22-4 0,1-1-308,-24-4 1,1-7 159,2-2 1,2-11-32,22 11 1,2-1 0,0-3 0,2-1 29,1-1 1,2-2-1,0-1 1,1 0 33,2-1 1,1 0 0,1-3 0,1 0 50,3 2 1,2-1 0,0-2 0,1 0-107,4-20 1,6 1 89,3 11 1,9 3 86,6 0 0,4 1 295,3-2 0,-1 3 58,4 4 0,2 0 48,4 1 1,2 0-170,5 2 0,-22 14 1,0 1-137,24-2 1,-22 7-1,0 1 125,26 4 1,-24 1-1,0 1-90,0 0 1,1 2 0,-2 0 0,0 3-115,-2 3 1,0 2 0,0-1 0,0 2 78,1 0 1,-1 2 0,0 1-1,0 2-96,-4-2 1,-1 2 0,1 1 0,-1 1-33,14 17 1,-4 2-19,-3 4 0,-6 1 185,-6 2 0,-7 1 94,-6-1 0,-7 0-5,-5-3 1,-5 2-127,-4-5 1,-4 0-24,0-2 1,-4-5 73,2-2 1,-6-2-613,-1-1 1,0-9 310,3-3 0,0-5-868,0-1 0,-3-5 295,0-2 1,3-4 758,3-5 0,2 0 0,-3-5 0,0 1 0,4-4 0,1-2 0</inkml:trace>
+  <inkml:trace contextRef="#ctx0" brushRef="#br2" timeOffset="102">10214 9534 8205,'-12'-1'686,"-1"-2"1,4 2-159,3-2 1,4 7-359,-2 5 1,12 9 33,4 7 1,5 6-96,1 3 0,4 5-354,0 2 0,1 0 312,-2-1 0,0-1-529,4 1 1,-8-6 355,2-3 0,-2-6-776,1-3 1,2-7 329,2-2 0,-4-7-704,1-3 1256,-1-2 0,-3-5 0,4-1 0</inkml:trace>
+  <inkml:trace contextRef="#ctx0" brushRef="#br2" timeOffset="103">10670 9618 8205,'-6'-1'0,"0"-2"0,3 2 845,-3-2 1,0 8-238,0 7 1,-2 5-104,2 11 0,-3 3-58,0 9 1,-4 8-325,5-21 1,0 2-1,-1 0 1,1 2-358,-2 1 1,1 1-1,-2-1 1,0-1 267,0 2 1,0-1-1,0-4 1,1-1-672,0 1 0,1 0 0,0-2 0,0 0 637,-6 20 0,4-21 0,0-1 0,-8 18 0</inkml:trace>
+  <inkml:trace contextRef="#ctx0" brushRef="#br3" timeOffset="104">2439 11303 11050,'8'0'519,"7"5"-452,19 1 0,9-1-210,6 1 0,3 1-389,-23-1 1,1 1 0,-1-2 0,0 0 478,1 1 0,-1 1 0,-2-2 1,0 1 63,1 0 1,0 0-1,19 2 187,-3 1 1,-8-6 39,-11 0 0,-4-2 414,-5-1-262,-7 0 1,-6-3-45,-6 0 1,-3-4-68,-6 0 0,-2-1 244,-1-1 1,-6-1-701,2-3 1,-5 2 308,-1-5 1,1 1-241,-1-4 0,4 4 103,0-1 1,1 5 45,1-2 449,5 3-302,0 1 0,10 3-159,4 3 0,9 7 88,6 6 0,4 3-70,3 6 0,0-1 57,3 1 0,-1 3-20,-2 0 1,-6-1 155,3-2 1,-7-1-148,1 1 0,-4-3 438,-3-1 0,-3-2-128,-6 2 1,-6-3-505,-7 4 1,-2 3-135,-4 2 1,-1 4-194,-2-3 1,-2 5 240,3 1-64,1 0 1,-4 4 0,3-4 0</inkml:trace>
+  <inkml:trace contextRef="#ctx0" brushRef="#br3" timeOffset="105">17970 13175 11588,'-9'-9'-287,"-1"2"21,1 1 0,1 0 469,2-3-211,1 3 266,5-2 1,8 4 87,1-2 0,6-1-88,1 3 0,7-2-79,5 3 1,2-3 62,7 3 1,-1-1 25,8 1 0,0-2-226,6-1 1,-24 2-1,0 0 69,4 1 1,-1 0-1,2-2 1,-1 0-248,3-1 1,0 0 0,0 1 0,1-1 171,-1-2 0,-1 0 0,0 2 1,0 0-73,-2-2 1,-1 0 0,19-2 24,-5 1 0,-9 0 1,-9 6 1,-6 0-188,-7 3 165,-1 0-190,-6 0-500,-1 0 1,-8 4 0,-1 1 0</inkml:trace>
+  <inkml:trace contextRef="#ctx0" brushRef="#br3" timeOffset="106">23370 7654 11158,'-23'0'-983,"-1"0"1,1 0 1631,1 0 1,4 3-38,2 0 1,3 3 341,3-3-175,5 0-14,1 1-386,4-3 0,5 3-408,4-4 1,6 0 251,7 0 0,1 0-4,5 0 0,5 0-212,5 0 1,3 1-226,6 3 1,-4-2 30,1 4 1,2 0 84,4 3 1,-23-4 0,0 0-44,-1-1 1,0 1-1,22 4 339,-2 1 0,-6-1-80,-3 0 1,-5 0-84,-7-3 1,-10 1-24,-5-4 11,-7 0 0,0 0 300,-6 0 1,-2 0-62,-5-3 0,-3 0-66,-3 0 1,-1 0-13,-2 0 1,-4 0-321,-1 0 0,-3-3-280,-1 0 1,-3-1 190,0 1 1,-3 1-91,3-4 1,-2 1 4,2-2 1,3 0 157,1 4 0,4-3 156,7 3 0,3-3-307,4 2 145,3-3 0,4 6 197,8-2 1,2-1-264,7 1 0,5 0-221,5 3 0,7-3 485,5-1 0,4-3 0,6 2 0</inkml:trace>
+  <inkml:trace contextRef="#ctx0" brushRef="#br3" timeOffset="107">19301 13212 13476,'24'0'-374,"3"0"108,-2 0 1,-2-1 301,-2-2 1,-1 0 154,-1-6 0,-2 1 404,-1-4-24,-3 2-109,-8 0 1,-5 4-269,-6 0 0,-6 4-383,-4-1 0,-4 2 221,-2 1 1,-4 3 25,1 0 1,-2 3-78,-1-3 1,0 1-32,0-1 1,4-2 73,-1 3 1,4-3-190,-1-1 0,4 0 264,2 0 1,6 0 99,4 0 1,5 0-306,1 0 1,9 0 69,10 0 0,1-4 90,8 1 0,-1-3-75,7 3 1,-3-4-190,3 1 1,-4 0-369,1 0 0,-2 3 269,-1-3 0,-4 4-1169,-2-1 1486,-2 2 1,-2 1-1,1 0 1</inkml:trace>
+  <inkml:trace contextRef="#ctx0" brushRef="#br3" timeOffset="108">10382 11052 9458,'-10'5'419,"2"1"191,2 1 0,3 0-51,6 8 0,7 5-465,9 5 0,0 6 147,6 3 1,0 2-685,3 1 1,0 1 420,0-1 0,-4-1-530,-3-2 1,-1-3 101,-1-6 1,-1-2-485,1-4 876,-5-9 0,4 2 0,-4-7 0</inkml:trace>
+  <inkml:trace contextRef="#ctx0" brushRef="#br2" timeOffset="109">10782 11117 8496,'-13'9'570,"2"5"-399,-1 1 0,2 8 690,4 5 0,-2 6-250,2 10 1,-7 4-686,6-19 0,-1 1 0,-1 1 0,-1 0 284,0 3 0,-2 1 0,1 0 0,-1 0-42,-2 2 0,0 0 1,2-3-1,0-2-433,1-2 0,0-1 1,3-3-1,1-1 303,-6 19 0,7-4-38,3-6 0,1 0 0,5-6 0,4-2 0</inkml:trace>
+  <inkml:trace contextRef="#ctx0" brushRef="#br3" timeOffset="110">2412 12728 12031,'18'9'521,"1"1"0,4-1-628,1 0 0,6-4 46,1-2 0,1-2 544,-1-1 1,3 0-118,3 0 0,-3-1-40,0-2 1,-3 1-168,3-4 0,-3 0-164,3-3 0,-8 3 11,-1 3 1,-5-1 244,-5 1 1,-4 0 264,-5 3-471,-4 0 0,-3-3 252,-8 0 0,-2 0-222,-4 3 1,-5-3-323,-5-1 1,-2-2 46,-1 3 1,0-4-69,1 1 0,-1-3 278,0 0 1,1 2-127,2-2 0,0 1 315,7-4 0,-2 5-148,7 0 0,5 1 511,5-3-220,2 4 0,10 1-245,7 4 1,6 0 68,6 0 0,-1 5-209,1 4 0,0 3 137,0 4 1,-1 5 29,-2-3 0,-2 4 273,-5 0 0,-4-3-135,-5 3 1,-4 2 122,-5 1 0,-5 2-82,-4 1 0,-6 0-428,-6-1 0,0 4-335,-4 1 0,0 6-591,-3-1 0,0 0 1051,0 1 0,3-4 0,-1 7 0,0 1 0,1 1 0</inkml:trace>
+  <inkml:trace contextRef="#ctx0" brushRef="#br2" timeOffset="111">10437 12560 8475,'-8'-6'501,"2"0"-323,-2 4 0,6-5 130,-5 4 1,5 0-280,-1 7 0,2 5 29,1 6 0,-1 7 27,-2 3 0,2 5 86,-2 1 0,-1 7-123,1-1 1,-1 7-351,0-1 1,3 2 207,-2-2 0,2-2-92,1-7 1,1-6 32,2-7-553,3-1 1,3-10 194,0-3 1,1-10-13,-1-7 1,0-7 522,0-8 0,-2-2 0,-1-1 0,-4-4 0,1-2 0,-2-6 0,-1 0 0,-4 0-164,-2 3 1,-3-1 125,0 1 0,0 1 523,0 2 1,2 3-192,1 6 1,4 6 1106,-1 7-915,2 1 0,2 10-9,2 5 1,2 4-45,5 4 1,-1 7-134,0 6 1,5 3-100,1 3 1,3 3 89,0 6 1,4-2-427,0 3 0,4-3 51,-2-1 1,1-4-70,3-2 1,-3-7 270,3-5 0,-4-6 35,-6-7 1,0-1 55,-2-5 1,-3-6-127,-4-3 0,0-1 357,-3-6 1,-1-3-105,-2-6 1,-2 1 290,2-1 0,-2-3-374,-1-3 1,-1-1-246,-2 1 0,1-1 77,-4-2 1,1 2-251,-2 4 1,0 3-151,4 0 0,0 6 182,3 0 1,0 4-2987,0 6 3119,0 0 0,0 0 0,0-1 0</inkml:trace>
+  <inkml:trace contextRef="#ctx0" brushRef="#br3" timeOffset="112">20326 11387 10660,'6'0'529,"0"0"1,4 4-149,6 3 1,2 2 51,4 3 1,6 3-157,6 3 1,4 1-505,2 0 0,3-1 292,-18-8 0,0-1 0,23 6-216,1 1 1,0-5 124,1 2 0,1-3 60,-23-5 0,0-1 0,-1 0 0,-1-1-182,0 0 1,1 0-1,18 2 35,2 1 0,-2 2-217,5-1 1,-3 1 231,3 1 0,-5-3-2,-2 1 0,1 0-140,2 5 1,-4-1 286,-1 1 0,0-2-73,0 0 0,3 3 135,-1 3 1,-2-2 90,-4 2 1,0-5-86,-3 1 1,0 3-38,0 0 1,-4-1 57,1-2 1,1-1-102,-1-2 1,1 0 175,-1 1 0,-3-1-82,0 0 0,-1 1 166,-6-1 1,0-3-245,-5 0 87,1 0 1,-6 3-408,1-3-150,-6-2 228,2-4-1012,-6 0 1,-9 0-372,-5 0 1578,-3 0 0,6-8 0,0-3 0</inkml:trace>
+  <inkml:trace contextRef="#ctx0" brushRef="#br3" timeOffset="113">22216 11611 8554,'-15'0'-461,"2"0"963,3 0 328,1 0 1,4 1-279,2 2 0,3 2-156,3 4 0,3 5-207,7 1 1,1 3 54,5 0 0,0 2-204,3 2 1,-1-3 119,4 3 1,-1 2-89,4 1 1,-1-2 31,-2-2 1,1-1-293,-4-1 0,-2-4-200,-4 1 360,1-5 1,-10 2 147,-1-3 1,-5-1-41,-4 0 1,-7-1 85,-5 1 1,-4-2-94,-2 6 1,-6-2 1,-4 1 0,-1-1-97,1 1 1,1 3 122,-5 0 1,1 2-352,-3-2 1,1 0 82,2-3 0,3-5-661,6 3 0,3-7-181,7 0 1005,5-2 1,10-9 0,5-3 0</inkml:trace>
+  <inkml:trace contextRef="#ctx0" brushRef="#br3" timeOffset="114">2281 14069 10834,'-17'8'695,"1"-2"0,0-2 110,3-4-654,5 4 1,6-3 116,8 3 0,8-2-190,11 1 1,3-1 0,3 4 1,5-3 29,5 3 1,7-3-308,2 4 1,-22-6 0,1 1 84,0 1 1,1 0 0,0 0 0,-1-1-52,-1 1 0,0 0 0,-1 1 1,1 0 15,-2-3 1,0 1 0,26 1 153,-8-3 1,-6 0 354,-13 0 1,-7 0 65,-5 0-221,-7 0 1,-4 0-84,-8 0 0,-1-1 211,-9-2 1,-3 2-259,-2-2 1,-6 0-318,-1 0 0,-1-2 52,-5-4 0,1-1-36,-2-3 1,2 0 111,2-3 1,3-1 85,0 1 1,2-4 609,4 2 0,8-2-352,8 8 0,5-3 354,4 6 1,8-1-154,7 6 0,9 3-93,7 8 1,3 0-359,4 8 1,-3 2-56,2 5 1,-2-2 311,-4 5 0,1 0-112,-4 3 1,-5-1 136,-7-2 1,-9 2-181,-7-3 0,-6 1 604,-3 3 1,-11-5-258,-5 5 0,-3-1-610,-3 4 0,-1-1-1455,-2 4 0,3-3 558,0 3 1077,0 0 0,6 0 0,-4 1 0,2 0 0,8 1 0,6 1 0</inkml:trace>
+  <inkml:trace contextRef="#ctx0" brushRef="#br2" timeOffset="115">10335 13827 8558,'-9'-24'0,"-1"2"0,2 3 415,2 4 210,2 2 0,5 7-410,2 3 1,3 2 158,7 1 1,-3 5-19,2 5 1,3 3-30,0 6 0,3 4-27,1 1 1,-1 3-342,1 1 0,2 1 147,1 2 0,1-1-800,-1 4 1,-3-4 399,3 1 1,-2-3-720,-2-3 0,-2-2 161,-1-5 0,1-4 852,3-5 0,-1-8 0,1-6 0</inkml:trace>
+  <inkml:trace contextRef="#ctx0" brushRef="#br3" timeOffset="116">10838 13650 10526,'-4'18'1205,"-3"1"1,-2 5-519,-3 4 1,1 9-509,-1 9 1,6-17-1,1 1-695,-2 4 1,1 1-1,-1 3 1,0 1 713,-2 3 0,-1 0 0,-1 3 0,-1 0-83,0 2 1,0-1-1,-2 0 1,1-2-29,-1-3 1,0-1-1,2-2 1,0-2-210,1-1 0,0-1 0,3-2 0,1-1 110,0-3 0,1 0 0,0 17-1600,3-14 1,3-3 1611,3-3 0,-6-2 0,2-5 0</inkml:trace>
+  <inkml:trace contextRef="#ctx0" brushRef="#br3" timeOffset="117">2523 15652 13289,'-9'0'506,"4"-1"-625,2-3 0,7 3 1058,5-2 1,9-1-640,7 1 1,5 0-16,1 3 1,4 0-302,-1 0 1,2-1 73,1-2 0,0 2 76,-3-2 1,2-1 156,-2 0 1,-2-3 69,-1 1 0,-5-1-369,-1 1 0,-8-6 398,2 3 0,-11-3 278,-1 3 0,-5 3 178,-2 0 1,-2-1-584,-5-2 0,-1 3-487,-11 0 1,2 1-185,-8-2 1,0-1 41,-3 2 1,0 1 2,0-1 1,1 2 60,3-2 1,-2 3-488,4-3 0,1 4 211,6-1 0,4 2 370,5 1 384,4 0-4,10 4 1,4 1-220,10 4 1,1 1 68,2-1 1,2 1-40,1 3 1,0-3-132,0 2 0,0 0 41,0 0 0,-1-1 129,-2 1 0,0-2-177,-3 0 1,-4-2 289,-6-2 0,-3 2 244,-2-1 0,-4 5 481,-6 4 0,-4 2-193,-5 4 0,-7 3 37,-5 6 0,-4 3-1123,-3 6 1,14-17 0,0 1 527,-1 2 1,-1 1-1,2-2 1,0 1-110,0 1 0,0-1 0,2-1 0,1 0 0,-1 1 0,0 0 0,0 1 0,1 0 0,-1 1 0,0-1 0</inkml:trace>
+  <inkml:trace contextRef="#ctx0" brushRef="#br2" timeOffset="118">10288 15279 8399,'-13'0'-222,"3"3"-195,-3 0 0,3 9 950,1 0 0,3 6-224,3 3 0,2 8 229,1 9 0,-3 1-173,0 7 0,-3-1-379,3 5 0,-1-4 185,1-2 0,2-3-319,-3-4 0,3-8-194,1-4 1,1-8-219,3-5 0,-2-6-270,4-3 1,-1-3 380,1-3 0,2-6 38,-1-7 1,0-2 410,-1-4 0,2-6 0,-2-5 0</inkml:trace>
+  <inkml:trace contextRef="#ctx0" brushRef="#br2" timeOffset="119">10214 15419 8399,'0'-10'-478,"0"1"0,0 3 1138,0 0 1,1 4-181,2-1 0,3 7-6,7 5 0,1 7-164,5 8 1,3 3-34,-1 10 1,5-1-310,-1 4 1,2 1 333,1 0 1,3-2-166,0-5 1,-1-4 85,-5-8 1,-2-6 89,-5-9 0,1-3-68,-1-4 0,-6-8 212,-3-5 0,-3-4-95,0-5 1,2-3-125,-5-6 1,3 1-163,-3-4 1,1 0-220,-1-4 1,-2-1-714,3 2 1,0-1 515,-1 7 1,0 0-502,-3 3 1,4 1 840,2 2 0,-2-1 0,2 6 0,1 6 0,3 5 0</inkml:trace>
 </inkml:ink>
 </file>
 
@@ -1799,7 +1805,7 @@
           <a:p>
             <a:fld id="{31B89D39-AF6D-2F4E-8456-1FBCE0A4B084}" type="datetimeFigureOut">
               <a:rPr lang="en-US" smtClean="0"/>
-              <a:t>10/2/24</a:t>
+              <a:t>10/15/24</a:t>
             </a:fld>
             <a:endParaRPr lang="en-US"/>
           </a:p>
@@ -2696,507 +2702,6 @@
     <p:extLst>
       <p:ext uri="{BB962C8B-B14F-4D97-AF65-F5344CB8AC3E}">
         <p14:creationId xmlns:p14="http://schemas.microsoft.com/office/powerpoint/2010/main" val="2461624324"/>
-      </p:ext>
-    </p:extLst>
-  </p:cSld>
-  <p:clrMapOvr>
-    <a:masterClrMapping/>
-  </p:clrMapOvr>
-</p:notes>
-</file>
-
-<file path=ppt/notesSlides/notesSlide15.xml><?xml version="1.0" encoding="utf-8"?>
-<p:notes xmlns:a="http://schemas.openxmlformats.org/drawingml/2006/main" xmlns:r="http://schemas.openxmlformats.org/officeDocument/2006/relationships" xmlns:p="http://schemas.openxmlformats.org/presentationml/2006/main">
-  <p:cSld>
-    <p:spTree>
-      <p:nvGrpSpPr>
-        <p:cNvPr id="1" name=""/>
-        <p:cNvGrpSpPr/>
-        <p:nvPr/>
-      </p:nvGrpSpPr>
-      <p:grpSpPr>
-        <a:xfrm>
-          <a:off x="0" y="0"/>
-          <a:ext cx="0" cy="0"/>
-          <a:chOff x="0" y="0"/>
-          <a:chExt cx="0" cy="0"/>
-        </a:xfrm>
-      </p:grpSpPr>
-      <p:sp>
-        <p:nvSpPr>
-          <p:cNvPr id="53250" name="Rectangle 7"/>
-          <p:cNvSpPr>
-            <a:spLocks noGrp="1" noChangeArrowheads="1"/>
-          </p:cNvSpPr>
-          <p:nvPr>
-            <p:ph type="sldNum" sz="quarter" idx="5"/>
-          </p:nvPr>
-        </p:nvSpPr>
-        <p:spPr>
-          <a:noFill/>
-        </p:spPr>
-        <p:txBody>
-          <a:bodyPr/>
-          <a:lstStyle/>
-          <a:p>
-            <a:fld id="{9E1A99DE-1F3D-A14B-A151-1A84AB534E79}" type="slidenum">
-              <a:rPr lang="en-US"/>
-              <a:pPr/>
-              <a:t>45</a:t>
-            </a:fld>
-            <a:endParaRPr lang="en-US"/>
-          </a:p>
-        </p:txBody>
-      </p:sp>
-      <p:sp>
-        <p:nvSpPr>
-          <p:cNvPr id="53251" name="Rectangle 2"/>
-          <p:cNvSpPr>
-            <a:spLocks noGrp="1" noRot="1" noChangeAspect="1" noChangeArrowheads="1" noTextEdit="1"/>
-          </p:cNvSpPr>
-          <p:nvPr>
-            <p:ph type="sldImg"/>
-          </p:nvPr>
-        </p:nvSpPr>
-        <p:spPr>
-          <a:ln/>
-        </p:spPr>
-      </p:sp>
-      <p:sp>
-        <p:nvSpPr>
-          <p:cNvPr id="53252" name="Rectangle 3"/>
-          <p:cNvSpPr>
-            <a:spLocks noGrp="1" noChangeArrowheads="1"/>
-          </p:cNvSpPr>
-          <p:nvPr>
-            <p:ph type="body" idx="1"/>
-          </p:nvPr>
-        </p:nvSpPr>
-        <p:spPr>
-          <a:noFill/>
-          <a:ln/>
-        </p:spPr>
-        <p:txBody>
-          <a:bodyPr/>
-          <a:lstStyle/>
-          <a:p>
-            <a:endParaRPr lang="en-US" dirty="0"/>
-          </a:p>
-        </p:txBody>
-      </p:sp>
-    </p:spTree>
-    <p:extLst>
-      <p:ext uri="{BB962C8B-B14F-4D97-AF65-F5344CB8AC3E}">
-        <p14:creationId xmlns:p14="http://schemas.microsoft.com/office/powerpoint/2010/main" val="1365766192"/>
-      </p:ext>
-    </p:extLst>
-  </p:cSld>
-  <p:clrMapOvr>
-    <a:masterClrMapping/>
-  </p:clrMapOvr>
-</p:notes>
-</file>
-
-<file path=ppt/notesSlides/notesSlide16.xml><?xml version="1.0" encoding="utf-8"?>
-<p:notes xmlns:a="http://schemas.openxmlformats.org/drawingml/2006/main" xmlns:r="http://schemas.openxmlformats.org/officeDocument/2006/relationships" xmlns:p="http://schemas.openxmlformats.org/presentationml/2006/main">
-  <p:cSld>
-    <p:spTree>
-      <p:nvGrpSpPr>
-        <p:cNvPr id="1" name="">
-          <a:extLst>
-            <a:ext uri="{FF2B5EF4-FFF2-40B4-BE49-F238E27FC236}">
-              <a16:creationId xmlns:a16="http://schemas.microsoft.com/office/drawing/2014/main" id="{C11E0B1E-2EAC-FBD2-ECB3-60EE3C806745}"/>
-            </a:ext>
-          </a:extLst>
-        </p:cNvPr>
-        <p:cNvGrpSpPr/>
-        <p:nvPr/>
-      </p:nvGrpSpPr>
-      <p:grpSpPr>
-        <a:xfrm>
-          <a:off x="0" y="0"/>
-          <a:ext cx="0" cy="0"/>
-          <a:chOff x="0" y="0"/>
-          <a:chExt cx="0" cy="0"/>
-        </a:xfrm>
-      </p:grpSpPr>
-      <p:sp>
-        <p:nvSpPr>
-          <p:cNvPr id="53250" name="Rectangle 7">
-            <a:extLst>
-              <a:ext uri="{FF2B5EF4-FFF2-40B4-BE49-F238E27FC236}">
-                <a16:creationId xmlns:a16="http://schemas.microsoft.com/office/drawing/2014/main" id="{4D837E67-77E0-15A2-0AC5-BA2BEB394E7A}"/>
-              </a:ext>
-            </a:extLst>
-          </p:cNvPr>
-          <p:cNvSpPr>
-            <a:spLocks noGrp="1" noChangeArrowheads="1"/>
-          </p:cNvSpPr>
-          <p:nvPr>
-            <p:ph type="sldNum" sz="quarter" idx="5"/>
-          </p:nvPr>
-        </p:nvSpPr>
-        <p:spPr>
-          <a:noFill/>
-        </p:spPr>
-        <p:txBody>
-          <a:bodyPr/>
-          <a:lstStyle/>
-          <a:p>
-            <a:fld id="{9E1A99DE-1F3D-A14B-A151-1A84AB534E79}" type="slidenum">
-              <a:rPr lang="en-US"/>
-              <a:pPr/>
-              <a:t>46</a:t>
-            </a:fld>
-            <a:endParaRPr lang="en-US"/>
-          </a:p>
-        </p:txBody>
-      </p:sp>
-      <p:sp>
-        <p:nvSpPr>
-          <p:cNvPr id="53251" name="Rectangle 2">
-            <a:extLst>
-              <a:ext uri="{FF2B5EF4-FFF2-40B4-BE49-F238E27FC236}">
-                <a16:creationId xmlns:a16="http://schemas.microsoft.com/office/drawing/2014/main" id="{96CD718A-6836-4DD5-08F1-9F2B9FA44902}"/>
-              </a:ext>
-            </a:extLst>
-          </p:cNvPr>
-          <p:cNvSpPr>
-            <a:spLocks noGrp="1" noRot="1" noChangeAspect="1" noChangeArrowheads="1" noTextEdit="1"/>
-          </p:cNvSpPr>
-          <p:nvPr>
-            <p:ph type="sldImg"/>
-          </p:nvPr>
-        </p:nvSpPr>
-        <p:spPr>
-          <a:ln/>
-        </p:spPr>
-      </p:sp>
-      <p:sp>
-        <p:nvSpPr>
-          <p:cNvPr id="53252" name="Rectangle 3">
-            <a:extLst>
-              <a:ext uri="{FF2B5EF4-FFF2-40B4-BE49-F238E27FC236}">
-                <a16:creationId xmlns:a16="http://schemas.microsoft.com/office/drawing/2014/main" id="{E0218AC4-5E22-3832-EBF1-692CAC7ADC53}"/>
-              </a:ext>
-            </a:extLst>
-          </p:cNvPr>
-          <p:cNvSpPr>
-            <a:spLocks noGrp="1" noChangeArrowheads="1"/>
-          </p:cNvSpPr>
-          <p:nvPr>
-            <p:ph type="body" idx="1"/>
-          </p:nvPr>
-        </p:nvSpPr>
-        <p:spPr>
-          <a:noFill/>
-          <a:ln/>
-        </p:spPr>
-        <p:txBody>
-          <a:bodyPr/>
-          <a:lstStyle/>
-          <a:p>
-            <a:endParaRPr lang="en-US" dirty="0"/>
-          </a:p>
-        </p:txBody>
-      </p:sp>
-    </p:spTree>
-    <p:extLst>
-      <p:ext uri="{BB962C8B-B14F-4D97-AF65-F5344CB8AC3E}">
-        <p14:creationId xmlns:p14="http://schemas.microsoft.com/office/powerpoint/2010/main" val="922489384"/>
-      </p:ext>
-    </p:extLst>
-  </p:cSld>
-  <p:clrMapOvr>
-    <a:masterClrMapping/>
-  </p:clrMapOvr>
-</p:notes>
-</file>
-
-<file path=ppt/notesSlides/notesSlide17.xml><?xml version="1.0" encoding="utf-8"?>
-<p:notes xmlns:a="http://schemas.openxmlformats.org/drawingml/2006/main" xmlns:r="http://schemas.openxmlformats.org/officeDocument/2006/relationships" xmlns:p="http://schemas.openxmlformats.org/presentationml/2006/main">
-  <p:cSld>
-    <p:spTree>
-      <p:nvGrpSpPr>
-        <p:cNvPr id="1" name="">
-          <a:extLst>
-            <a:ext uri="{FF2B5EF4-FFF2-40B4-BE49-F238E27FC236}">
-              <a16:creationId xmlns:a16="http://schemas.microsoft.com/office/drawing/2014/main" id="{009F7C3E-AEF0-10C0-E15A-2ED9DACDBA54}"/>
-            </a:ext>
-          </a:extLst>
-        </p:cNvPr>
-        <p:cNvGrpSpPr/>
-        <p:nvPr/>
-      </p:nvGrpSpPr>
-      <p:grpSpPr>
-        <a:xfrm>
-          <a:off x="0" y="0"/>
-          <a:ext cx="0" cy="0"/>
-          <a:chOff x="0" y="0"/>
-          <a:chExt cx="0" cy="0"/>
-        </a:xfrm>
-      </p:grpSpPr>
-      <p:sp>
-        <p:nvSpPr>
-          <p:cNvPr id="53250" name="Rectangle 7">
-            <a:extLst>
-              <a:ext uri="{FF2B5EF4-FFF2-40B4-BE49-F238E27FC236}">
-                <a16:creationId xmlns:a16="http://schemas.microsoft.com/office/drawing/2014/main" id="{5893DB06-8E2F-F58A-C571-187F87021300}"/>
-              </a:ext>
-            </a:extLst>
-          </p:cNvPr>
-          <p:cNvSpPr>
-            <a:spLocks noGrp="1" noChangeArrowheads="1"/>
-          </p:cNvSpPr>
-          <p:nvPr>
-            <p:ph type="sldNum" sz="quarter" idx="5"/>
-          </p:nvPr>
-        </p:nvSpPr>
-        <p:spPr>
-          <a:noFill/>
-        </p:spPr>
-        <p:txBody>
-          <a:bodyPr/>
-          <a:lstStyle/>
-          <a:p>
-            <a:fld id="{9E1A99DE-1F3D-A14B-A151-1A84AB534E79}" type="slidenum">
-              <a:rPr lang="en-US"/>
-              <a:pPr/>
-              <a:t>47</a:t>
-            </a:fld>
-            <a:endParaRPr lang="en-US"/>
-          </a:p>
-        </p:txBody>
-      </p:sp>
-      <p:sp>
-        <p:nvSpPr>
-          <p:cNvPr id="53251" name="Rectangle 2">
-            <a:extLst>
-              <a:ext uri="{FF2B5EF4-FFF2-40B4-BE49-F238E27FC236}">
-                <a16:creationId xmlns:a16="http://schemas.microsoft.com/office/drawing/2014/main" id="{581412A1-233E-0A50-CD48-6C38F2EAED86}"/>
-              </a:ext>
-            </a:extLst>
-          </p:cNvPr>
-          <p:cNvSpPr>
-            <a:spLocks noGrp="1" noRot="1" noChangeAspect="1" noChangeArrowheads="1" noTextEdit="1"/>
-          </p:cNvSpPr>
-          <p:nvPr>
-            <p:ph type="sldImg"/>
-          </p:nvPr>
-        </p:nvSpPr>
-        <p:spPr>
-          <a:ln/>
-        </p:spPr>
-      </p:sp>
-      <p:sp>
-        <p:nvSpPr>
-          <p:cNvPr id="53252" name="Rectangle 3">
-            <a:extLst>
-              <a:ext uri="{FF2B5EF4-FFF2-40B4-BE49-F238E27FC236}">
-                <a16:creationId xmlns:a16="http://schemas.microsoft.com/office/drawing/2014/main" id="{ECEA2A4D-E26C-DE75-3DF0-7A1C5A245882}"/>
-              </a:ext>
-            </a:extLst>
-          </p:cNvPr>
-          <p:cNvSpPr>
-            <a:spLocks noGrp="1" noChangeArrowheads="1"/>
-          </p:cNvSpPr>
-          <p:nvPr>
-            <p:ph type="body" idx="1"/>
-          </p:nvPr>
-        </p:nvSpPr>
-        <p:spPr>
-          <a:noFill/>
-          <a:ln/>
-        </p:spPr>
-        <p:txBody>
-          <a:bodyPr/>
-          <a:lstStyle/>
-          <a:p>
-            <a:endParaRPr lang="en-US" dirty="0"/>
-          </a:p>
-        </p:txBody>
-      </p:sp>
-    </p:spTree>
-    <p:extLst>
-      <p:ext uri="{BB962C8B-B14F-4D97-AF65-F5344CB8AC3E}">
-        <p14:creationId xmlns:p14="http://schemas.microsoft.com/office/powerpoint/2010/main" val="1351025137"/>
-      </p:ext>
-    </p:extLst>
-  </p:cSld>
-  <p:clrMapOvr>
-    <a:masterClrMapping/>
-  </p:clrMapOvr>
-</p:notes>
-</file>
-
-<file path=ppt/notesSlides/notesSlide18.xml><?xml version="1.0" encoding="utf-8"?>
-<p:notes xmlns:a="http://schemas.openxmlformats.org/drawingml/2006/main" xmlns:r="http://schemas.openxmlformats.org/officeDocument/2006/relationships" xmlns:p="http://schemas.openxmlformats.org/presentationml/2006/main">
-  <p:cSld>
-    <p:spTree>
-      <p:nvGrpSpPr>
-        <p:cNvPr id="1" name=""/>
-        <p:cNvGrpSpPr/>
-        <p:nvPr/>
-      </p:nvGrpSpPr>
-      <p:grpSpPr>
-        <a:xfrm>
-          <a:off x="0" y="0"/>
-          <a:ext cx="0" cy="0"/>
-          <a:chOff x="0" y="0"/>
-          <a:chExt cx="0" cy="0"/>
-        </a:xfrm>
-      </p:grpSpPr>
-      <p:sp>
-        <p:nvSpPr>
-          <p:cNvPr id="2" name="Slide Image Placeholder 1"/>
-          <p:cNvSpPr>
-            <a:spLocks noGrp="1" noRot="1" noChangeAspect="1"/>
-          </p:cNvSpPr>
-          <p:nvPr>
-            <p:ph type="sldImg"/>
-          </p:nvPr>
-        </p:nvSpPr>
-        <p:spPr/>
-      </p:sp>
-      <p:sp>
-        <p:nvSpPr>
-          <p:cNvPr id="3" name="Notes Placeholder 2"/>
-          <p:cNvSpPr>
-            <a:spLocks noGrp="1"/>
-          </p:cNvSpPr>
-          <p:nvPr>
-            <p:ph type="body" idx="1"/>
-          </p:nvPr>
-        </p:nvSpPr>
-        <p:spPr/>
-        <p:txBody>
-          <a:bodyPr>
-            <a:normAutofit/>
-          </a:bodyPr>
-          <a:lstStyle/>
-          <a:p>
-            <a:endParaRPr lang="en-US" dirty="0"/>
-          </a:p>
-        </p:txBody>
-      </p:sp>
-      <p:sp>
-        <p:nvSpPr>
-          <p:cNvPr id="4" name="Slide Number Placeholder 3"/>
-          <p:cNvSpPr>
-            <a:spLocks noGrp="1"/>
-          </p:cNvSpPr>
-          <p:nvPr>
-            <p:ph type="sldNum" sz="quarter" idx="10"/>
-          </p:nvPr>
-        </p:nvSpPr>
-        <p:spPr/>
-        <p:txBody>
-          <a:bodyPr/>
-          <a:lstStyle/>
-          <a:p>
-            <a:fld id="{4A778F28-420F-4BA3-94BA-70586D1ECC9A}" type="slidenum">
-              <a:rPr lang="en-US" smtClean="0"/>
-              <a:pPr/>
-              <a:t>48</a:t>
-            </a:fld>
-            <a:endParaRPr lang="en-US"/>
-          </a:p>
-        </p:txBody>
-      </p:sp>
-    </p:spTree>
-    <p:extLst>
-      <p:ext uri="{BB962C8B-B14F-4D97-AF65-F5344CB8AC3E}">
-        <p14:creationId xmlns:p14="http://schemas.microsoft.com/office/powerpoint/2010/main" val="3258974410"/>
-      </p:ext>
-    </p:extLst>
-  </p:cSld>
-  <p:clrMapOvr>
-    <a:masterClrMapping/>
-  </p:clrMapOvr>
-</p:notes>
-</file>
-
-<file path=ppt/notesSlides/notesSlide19.xml><?xml version="1.0" encoding="utf-8"?>
-<p:notes xmlns:a="http://schemas.openxmlformats.org/drawingml/2006/main" xmlns:r="http://schemas.openxmlformats.org/officeDocument/2006/relationships" xmlns:p="http://schemas.openxmlformats.org/presentationml/2006/main">
-  <p:cSld>
-    <p:spTree>
-      <p:nvGrpSpPr>
-        <p:cNvPr id="1" name=""/>
-        <p:cNvGrpSpPr/>
-        <p:nvPr/>
-      </p:nvGrpSpPr>
-      <p:grpSpPr>
-        <a:xfrm>
-          <a:off x="0" y="0"/>
-          <a:ext cx="0" cy="0"/>
-          <a:chOff x="0" y="0"/>
-          <a:chExt cx="0" cy="0"/>
-        </a:xfrm>
-      </p:grpSpPr>
-      <p:sp>
-        <p:nvSpPr>
-          <p:cNvPr id="2" name="Slide Image Placeholder 1"/>
-          <p:cNvSpPr>
-            <a:spLocks noGrp="1" noRot="1" noChangeAspect="1"/>
-          </p:cNvSpPr>
-          <p:nvPr>
-            <p:ph type="sldImg"/>
-          </p:nvPr>
-        </p:nvSpPr>
-        <p:spPr/>
-      </p:sp>
-      <p:sp>
-        <p:nvSpPr>
-          <p:cNvPr id="3" name="Notes Placeholder 2"/>
-          <p:cNvSpPr>
-            <a:spLocks noGrp="1"/>
-          </p:cNvSpPr>
-          <p:nvPr>
-            <p:ph type="body" idx="1"/>
-          </p:nvPr>
-        </p:nvSpPr>
-        <p:spPr/>
-        <p:txBody>
-          <a:bodyPr/>
-          <a:lstStyle/>
-          <a:p>
-            <a:endParaRPr lang="en-US" dirty="0"/>
-          </a:p>
-        </p:txBody>
-      </p:sp>
-      <p:sp>
-        <p:nvSpPr>
-          <p:cNvPr id="4" name="Slide Number Placeholder 3"/>
-          <p:cNvSpPr>
-            <a:spLocks noGrp="1"/>
-          </p:cNvSpPr>
-          <p:nvPr>
-            <p:ph type="sldNum" sz="quarter" idx="10"/>
-          </p:nvPr>
-        </p:nvSpPr>
-        <p:spPr/>
-        <p:txBody>
-          <a:bodyPr/>
-          <a:lstStyle/>
-          <a:p>
-            <a:pPr>
-              <a:defRPr/>
-            </a:pPr>
-            <a:fld id="{B069701C-02A1-CE43-ADB4-E98A80C283F2}" type="slidenum">
-              <a:rPr lang="en-US" smtClean="0"/>
-              <a:pPr>
-                <a:defRPr/>
-              </a:pPr>
-              <a:t>49</a:t>
-            </a:fld>
-            <a:endParaRPr lang="en-US"/>
-          </a:p>
-        </p:txBody>
-      </p:sp>
-    </p:spTree>
-    <p:extLst>
-      <p:ext uri="{BB962C8B-B14F-4D97-AF65-F5344CB8AC3E}">
-        <p14:creationId xmlns:p14="http://schemas.microsoft.com/office/powerpoint/2010/main" val="1642594303"/>
       </p:ext>
     </p:extLst>
   </p:cSld>
@@ -10862,8 +10367,8 @@
           </p:pic>
         </mc:Fallback>
       </mc:AlternateContent>
-      <mc:AlternateContent xmlns:mc="http://schemas.openxmlformats.org/markup-compatibility/2006">
-        <mc:Choice xmlns:p14="http://schemas.microsoft.com/office/powerpoint/2010/main" Requires="p14">
+      <mc:AlternateContent xmlns:mc="http://schemas.openxmlformats.org/markup-compatibility/2006" xmlns:p14="http://schemas.microsoft.com/office/powerpoint/2010/main">
+        <mc:Choice Requires="p14">
           <p:contentPart p14:bwMode="auto" r:id="rId5">
             <p14:nvContentPartPr>
               <p14:cNvPr id="9" name="Ink 8">
@@ -10882,7 +10387,7 @@
             </p14:xfrm>
           </p:contentPart>
         </mc:Choice>
-        <mc:Fallback>
+        <mc:Fallback xmlns="">
           <p:pic>
             <p:nvPicPr>
               <p:cNvPr id="9" name="Ink 8">
@@ -14214,8 +13719,8 @@
           </p:pic>
         </mc:Fallback>
       </mc:AlternateContent>
-      <mc:AlternateContent xmlns:mc="http://schemas.openxmlformats.org/markup-compatibility/2006">
-        <mc:Choice xmlns:p14="http://schemas.microsoft.com/office/powerpoint/2010/main" Requires="p14">
+      <mc:AlternateContent xmlns:mc="http://schemas.openxmlformats.org/markup-compatibility/2006" xmlns:p14="http://schemas.microsoft.com/office/powerpoint/2010/main">
+        <mc:Choice Requires="p14">
           <p:contentPart p14:bwMode="auto" r:id="rId6">
             <p14:nvContentPartPr>
               <p14:cNvPr id="10" name="Ink 9">
@@ -14234,7 +13739,7 @@
             </p14:xfrm>
           </p:contentPart>
         </mc:Choice>
-        <mc:Fallback>
+        <mc:Fallback xmlns="">
           <p:pic>
             <p:nvPicPr>
               <p:cNvPr id="10" name="Ink 9">
@@ -17434,8 +16939,8 @@
           </p:pic>
         </mc:Fallback>
       </mc:AlternateContent>
-      <mc:AlternateContent xmlns:mc="http://schemas.openxmlformats.org/markup-compatibility/2006">
-        <mc:Choice xmlns:p14="http://schemas.microsoft.com/office/powerpoint/2010/main" Requires="p14">
+      <mc:AlternateContent xmlns:mc="http://schemas.openxmlformats.org/markup-compatibility/2006" xmlns:p14="http://schemas.microsoft.com/office/powerpoint/2010/main">
+        <mc:Choice Requires="p14">
           <p:contentPart p14:bwMode="auto" r:id="rId4">
             <p14:nvContentPartPr>
               <p14:cNvPr id="3" name="Ink 2">
@@ -17454,7 +16959,7 @@
             </p14:xfrm>
           </p:contentPart>
         </mc:Choice>
-        <mc:Fallback>
+        <mc:Fallback xmlns="">
           <p:pic>
             <p:nvPicPr>
               <p:cNvPr id="3" name="Ink 2">
@@ -17931,8 +17436,8 @@
           </a:p>
         </p:txBody>
       </p:sp>
-      <mc:AlternateContent xmlns:mc="http://schemas.openxmlformats.org/markup-compatibility/2006">
-        <mc:Choice xmlns:p14="http://schemas.microsoft.com/office/powerpoint/2010/main" Requires="p14">
+      <mc:AlternateContent xmlns:mc="http://schemas.openxmlformats.org/markup-compatibility/2006" xmlns:p14="http://schemas.microsoft.com/office/powerpoint/2010/main">
+        <mc:Choice Requires="p14">
           <p:contentPart p14:bwMode="auto" r:id="rId4">
             <p14:nvContentPartPr>
               <p14:cNvPr id="3" name="Ink 2">
@@ -17951,7 +17456,7 @@
             </p14:xfrm>
           </p:contentPart>
         </mc:Choice>
-        <mc:Fallback>
+        <mc:Fallback xmlns="">
           <p:pic>
             <p:nvPicPr>
               <p:cNvPr id="3" name="Ink 2">
@@ -18640,8 +18145,8 @@
           </a:p>
         </p:txBody>
       </p:sp>
-      <mc:AlternateContent xmlns:mc="http://schemas.openxmlformats.org/markup-compatibility/2006">
-        <mc:Choice xmlns:p14="http://schemas.microsoft.com/office/powerpoint/2010/main" Requires="p14">
+      <mc:AlternateContent xmlns:mc="http://schemas.openxmlformats.org/markup-compatibility/2006" xmlns:p14="http://schemas.microsoft.com/office/powerpoint/2010/main">
+        <mc:Choice Requires="p14">
           <p:contentPart p14:bwMode="auto" r:id="rId2">
             <p14:nvContentPartPr>
               <p14:cNvPr id="4" name="Ink 3">
@@ -18660,7 +18165,7 @@
             </p14:xfrm>
           </p:contentPart>
         </mc:Choice>
-        <mc:Fallback>
+        <mc:Fallback xmlns="">
           <p:pic>
             <p:nvPicPr>
               <p:cNvPr id="4" name="Ink 3">
@@ -20286,8 +19791,8 @@
           </a:p>
         </p:txBody>
       </p:sp>
-      <mc:AlternateContent xmlns:mc="http://schemas.openxmlformats.org/markup-compatibility/2006">
-        <mc:Choice xmlns:p14="http://schemas.microsoft.com/office/powerpoint/2010/main" Requires="p14">
+      <mc:AlternateContent xmlns:mc="http://schemas.openxmlformats.org/markup-compatibility/2006" xmlns:p14="http://schemas.microsoft.com/office/powerpoint/2010/main">
+        <mc:Choice Requires="p14">
           <p:contentPart p14:bwMode="auto" r:id="rId4">
             <p14:nvContentPartPr>
               <p14:cNvPr id="7" name="Ink 6">
@@ -20306,7 +19811,7 @@
             </p14:xfrm>
           </p:contentPart>
         </mc:Choice>
-        <mc:Fallback>
+        <mc:Fallback xmlns="">
           <p:pic>
             <p:nvPicPr>
               <p:cNvPr id="7" name="Ink 6">
@@ -20590,8 +20095,8 @@
           </a:ln>
         </p:spPr>
       </p:pic>
-      <mc:AlternateContent xmlns:mc="http://schemas.openxmlformats.org/markup-compatibility/2006">
-        <mc:Choice xmlns:p14="http://schemas.microsoft.com/office/powerpoint/2010/main" Requires="p14">
+      <mc:AlternateContent xmlns:mc="http://schemas.openxmlformats.org/markup-compatibility/2006" xmlns:p14="http://schemas.microsoft.com/office/powerpoint/2010/main">
+        <mc:Choice Requires="p14">
           <p:contentPart p14:bwMode="auto" r:id="rId3">
             <p14:nvContentPartPr>
               <p14:cNvPr id="3" name="Ink 2">
@@ -20610,7 +20115,7 @@
             </p14:xfrm>
           </p:contentPart>
         </mc:Choice>
-        <mc:Fallback>
+        <mc:Fallback xmlns="">
           <p:pic>
             <p:nvPicPr>
               <p:cNvPr id="3" name="Ink 2">
@@ -23136,8 +22641,8 @@
           </a:p>
         </p:txBody>
       </p:sp>
-      <mc:AlternateContent xmlns:mc="http://schemas.openxmlformats.org/markup-compatibility/2006">
-        <mc:Choice xmlns:p14="http://schemas.microsoft.com/office/powerpoint/2010/main" Requires="p14">
+      <mc:AlternateContent xmlns:mc="http://schemas.openxmlformats.org/markup-compatibility/2006" xmlns:p14="http://schemas.microsoft.com/office/powerpoint/2010/main">
+        <mc:Choice Requires="p14">
           <p:contentPart p14:bwMode="auto" r:id="rId3">
             <p14:nvContentPartPr>
               <p14:cNvPr id="4" name="Ink 3">
@@ -23156,7 +22661,7 @@
             </p14:xfrm>
           </p:contentPart>
         </mc:Choice>
-        <mc:Fallback>
+        <mc:Fallback xmlns="">
           <p:pic>
             <p:nvPicPr>
               <p:cNvPr id="4" name="Ink 3">
@@ -23473,8 +22978,8 @@
           </a:p>
         </p:txBody>
       </p:sp>
-      <mc:AlternateContent xmlns:mc="http://schemas.openxmlformats.org/markup-compatibility/2006">
-        <mc:Choice xmlns:p14="http://schemas.microsoft.com/office/powerpoint/2010/main" Requires="p14">
+      <mc:AlternateContent xmlns:mc="http://schemas.openxmlformats.org/markup-compatibility/2006" xmlns:p14="http://schemas.microsoft.com/office/powerpoint/2010/main">
+        <mc:Choice Requires="p14">
           <p:contentPart p14:bwMode="auto" r:id="rId3">
             <p14:nvContentPartPr>
               <p14:cNvPr id="4" name="Ink 3">
@@ -23493,7 +22998,7 @@
             </p14:xfrm>
           </p:contentPart>
         </mc:Choice>
-        <mc:Fallback>
+        <mc:Fallback xmlns="">
           <p:pic>
             <p:nvPicPr>
               <p:cNvPr id="4" name="Ink 3">
@@ -24120,8 +23625,8 @@
           </a:p>
         </p:txBody>
       </p:sp>
-      <mc:AlternateContent xmlns:mc="http://schemas.openxmlformats.org/markup-compatibility/2006">
-        <mc:Choice xmlns:p14="http://schemas.microsoft.com/office/powerpoint/2010/main" Requires="p14">
+      <mc:AlternateContent xmlns:mc="http://schemas.openxmlformats.org/markup-compatibility/2006" xmlns:p14="http://schemas.microsoft.com/office/powerpoint/2010/main">
+        <mc:Choice Requires="p14">
           <p:contentPart p14:bwMode="auto" r:id="rId2">
             <p14:nvContentPartPr>
               <p14:cNvPr id="5" name="Ink 4">
@@ -24140,7 +23645,7 @@
             </p14:xfrm>
           </p:contentPart>
         </mc:Choice>
-        <mc:Fallback>
+        <mc:Fallback xmlns="">
           <p:pic>
             <p:nvPicPr>
               <p:cNvPr id="5" name="Ink 4">
@@ -28037,8 +27542,8 @@
           </a:p>
         </p:txBody>
       </p:sp>
-      <mc:AlternateContent xmlns:mc="http://schemas.openxmlformats.org/markup-compatibility/2006">
-        <mc:Choice xmlns:p14="http://schemas.microsoft.com/office/powerpoint/2010/main" Requires="p14">
+      <mc:AlternateContent xmlns:mc="http://schemas.openxmlformats.org/markup-compatibility/2006" xmlns:p14="http://schemas.microsoft.com/office/powerpoint/2010/main">
+        <mc:Choice Requires="p14">
           <p:contentPart p14:bwMode="auto" r:id="rId2">
             <p14:nvContentPartPr>
               <p14:cNvPr id="6" name="Ink 5">
@@ -28057,7 +27562,7 @@
             </p14:xfrm>
           </p:contentPart>
         </mc:Choice>
-        <mc:Fallback>
+        <mc:Fallback xmlns="">
           <p:pic>
             <p:nvPicPr>
               <p:cNvPr id="6" name="Ink 5">
@@ -32295,3390 +31800,6 @@
     <p:extLst>
       <p:ext uri="{BB962C8B-B14F-4D97-AF65-F5344CB8AC3E}">
         <p14:creationId xmlns:p14="http://schemas.microsoft.com/office/powerpoint/2010/main" val="410022631"/>
-      </p:ext>
-    </p:extLst>
-  </p:cSld>
-  <p:clrMapOvr>
-    <a:masterClrMapping/>
-  </p:clrMapOvr>
-</p:sld>
-</file>
-
-<file path=ppt/slides/slide45.xml><?xml version="1.0" encoding="utf-8"?>
-<p:sld xmlns:a="http://schemas.openxmlformats.org/drawingml/2006/main" xmlns:r="http://schemas.openxmlformats.org/officeDocument/2006/relationships" xmlns:p="http://schemas.openxmlformats.org/presentationml/2006/main" showMasterPhAnim="0" show="0">
-  <p:cSld>
-    <p:spTree>
-      <p:nvGrpSpPr>
-        <p:cNvPr id="1" name=""/>
-        <p:cNvGrpSpPr/>
-        <p:nvPr/>
-      </p:nvGrpSpPr>
-      <p:grpSpPr>
-        <a:xfrm>
-          <a:off x="0" y="0"/>
-          <a:ext cx="0" cy="0"/>
-          <a:chOff x="0" y="0"/>
-          <a:chExt cx="0" cy="0"/>
-        </a:xfrm>
-      </p:grpSpPr>
-      <p:sp>
-        <p:nvSpPr>
-          <p:cNvPr id="52229" name="AutoShape 2"/>
-          <p:cNvSpPr>
-            <a:spLocks noGrp="1" noChangeAspect="1" noChangeArrowheads="1"/>
-          </p:cNvSpPr>
-          <p:nvPr>
-            <p:ph type="title"/>
-          </p:nvPr>
-        </p:nvSpPr>
-        <p:spPr/>
-        <p:txBody>
-          <a:bodyPr/>
-          <a:lstStyle/>
-          <a:p>
-            <a:pPr eaLnBrk="1" hangingPunct="1"/>
-            <a:r>
-              <a:rPr lang="en-US" dirty="0"/>
-              <a:t>Causal consistency</a:t>
-            </a:r>
-          </a:p>
-        </p:txBody>
-      </p:sp>
-      <p:pic>
-        <p:nvPicPr>
-          <p:cNvPr id="52231" name="Picture 4"/>
-          <p:cNvPicPr>
-            <a:picLocks noChangeAspect="1" noChangeArrowheads="1"/>
-          </p:cNvPicPr>
-          <p:nvPr/>
-        </p:nvPicPr>
-        <p:blipFill>
-          <a:blip r:embed="rId3"/>
-          <a:srcRect l="19455" t="48489" r="48531" b="43655"/>
-          <a:stretch>
-            <a:fillRect/>
-          </a:stretch>
-        </p:blipFill>
-        <p:spPr bwMode="auto">
-          <a:xfrm>
-            <a:off x="838200" y="1447799"/>
-            <a:ext cx="5705475" cy="1911927"/>
-          </a:xfrm>
-          <a:prstGeom prst="rect">
-            <a:avLst/>
-          </a:prstGeom>
-          <a:noFill/>
-          <a:ln w="9525">
-            <a:noFill/>
-            <a:miter lim="800000"/>
-            <a:headEnd/>
-            <a:tailEnd/>
-          </a:ln>
-        </p:spPr>
-      </p:pic>
-      <p:pic>
-        <p:nvPicPr>
-          <p:cNvPr id="52232" name="Picture 5"/>
-          <p:cNvPicPr>
-            <a:picLocks noChangeAspect="1" noChangeArrowheads="1"/>
-          </p:cNvPicPr>
-          <p:nvPr/>
-        </p:nvPicPr>
-        <p:blipFill>
-          <a:blip r:embed="rId3"/>
-          <a:srcRect l="51950" t="48489" r="11545" b="43655"/>
-          <a:stretch>
-            <a:fillRect/>
-          </a:stretch>
-        </p:blipFill>
-        <p:spPr bwMode="auto">
-          <a:xfrm>
-            <a:off x="504825" y="3276600"/>
-            <a:ext cx="6505575" cy="1828800"/>
-          </a:xfrm>
-          <a:prstGeom prst="rect">
-            <a:avLst/>
-          </a:prstGeom>
-          <a:noFill/>
-          <a:ln w="9525">
-            <a:noFill/>
-            <a:miter lim="800000"/>
-            <a:headEnd/>
-            <a:tailEnd/>
-          </a:ln>
-        </p:spPr>
-      </p:pic>
-      <p:sp>
-        <p:nvSpPr>
-          <p:cNvPr id="2" name="Footer Placeholder 1">
-            <a:extLst>
-              <a:ext uri="{FF2B5EF4-FFF2-40B4-BE49-F238E27FC236}">
-                <a16:creationId xmlns:a16="http://schemas.microsoft.com/office/drawing/2014/main" id="{AB236254-ACF8-E44D-A963-82666CDB8772}"/>
-              </a:ext>
-            </a:extLst>
-          </p:cNvPr>
-          <p:cNvSpPr>
-            <a:spLocks noGrp="1"/>
-          </p:cNvSpPr>
-          <p:nvPr>
-            <p:ph type="ftr" sz="quarter" idx="11"/>
-          </p:nvPr>
-        </p:nvSpPr>
-        <p:spPr/>
-        <p:txBody>
-          <a:bodyPr/>
-          <a:lstStyle/>
-          <a:p>
-            <a:r>
-              <a:rPr lang="en-US"/>
-              <a:t>UVA CS4740 Fall '24</a:t>
-            </a:r>
-            <a:endParaRPr lang="en-US" dirty="0"/>
-          </a:p>
-        </p:txBody>
-      </p:sp>
-      <p:sp>
-        <p:nvSpPr>
-          <p:cNvPr id="3" name="Slide Number Placeholder 2">
-            <a:extLst>
-              <a:ext uri="{FF2B5EF4-FFF2-40B4-BE49-F238E27FC236}">
-                <a16:creationId xmlns:a16="http://schemas.microsoft.com/office/drawing/2014/main" id="{435B3EFA-AAA3-7848-B97B-D25172478765}"/>
-              </a:ext>
-            </a:extLst>
-          </p:cNvPr>
-          <p:cNvSpPr>
-            <a:spLocks noGrp="1"/>
-          </p:cNvSpPr>
-          <p:nvPr>
-            <p:ph type="sldNum" sz="quarter" idx="12"/>
-          </p:nvPr>
-        </p:nvSpPr>
-        <p:spPr/>
-        <p:txBody>
-          <a:bodyPr/>
-          <a:lstStyle/>
-          <a:p>
-            <a:fld id="{3FEAB63E-74B1-D643-A3C6-246018F1E4D4}" type="slidenum">
-              <a:rPr lang="en-US" smtClean="0"/>
-              <a:pPr/>
-              <a:t>45</a:t>
-            </a:fld>
-            <a:endParaRPr lang="en-US"/>
-          </a:p>
-        </p:txBody>
-      </p:sp>
-      <p:sp>
-        <p:nvSpPr>
-          <p:cNvPr id="4" name="Date Placeholder 3">
-            <a:extLst>
-              <a:ext uri="{FF2B5EF4-FFF2-40B4-BE49-F238E27FC236}">
-                <a16:creationId xmlns:a16="http://schemas.microsoft.com/office/drawing/2014/main" id="{76C37927-C15F-284E-A51C-E4E355B47E3E}"/>
-              </a:ext>
-            </a:extLst>
-          </p:cNvPr>
-          <p:cNvSpPr>
-            <a:spLocks noGrp="1"/>
-          </p:cNvSpPr>
-          <p:nvPr>
-            <p:ph type="dt" sz="half" idx="10"/>
-          </p:nvPr>
-        </p:nvSpPr>
-        <p:spPr/>
-        <p:txBody>
-          <a:bodyPr/>
-          <a:lstStyle/>
-          <a:p>
-            <a:r>
-              <a:rPr lang="en-US"/>
-              <a:t>Y. Cheng</a:t>
-            </a:r>
-            <a:endParaRPr lang="en-US" dirty="0"/>
-          </a:p>
-        </p:txBody>
-      </p:sp>
-    </p:spTree>
-    <p:extLst>
-      <p:ext uri="{BB962C8B-B14F-4D97-AF65-F5344CB8AC3E}">
-        <p14:creationId xmlns:p14="http://schemas.microsoft.com/office/powerpoint/2010/main" val="786269569"/>
-      </p:ext>
-    </p:extLst>
-  </p:cSld>
-  <p:clrMapOvr>
-    <a:masterClrMapping/>
-  </p:clrMapOvr>
-</p:sld>
-</file>
-
-<file path=ppt/slides/slide46.xml><?xml version="1.0" encoding="utf-8"?>
-<p:sld xmlns:a="http://schemas.openxmlformats.org/drawingml/2006/main" xmlns:r="http://schemas.openxmlformats.org/officeDocument/2006/relationships" xmlns:p="http://schemas.openxmlformats.org/presentationml/2006/main" showMasterPhAnim="0" show="0">
-  <p:cSld>
-    <p:spTree>
-      <p:nvGrpSpPr>
-        <p:cNvPr id="1" name="">
-          <a:extLst>
-            <a:ext uri="{FF2B5EF4-FFF2-40B4-BE49-F238E27FC236}">
-              <a16:creationId xmlns:a16="http://schemas.microsoft.com/office/drawing/2014/main" id="{C4261146-898C-6DA6-3D0F-CB9FA24448B0}"/>
-            </a:ext>
-          </a:extLst>
-        </p:cNvPr>
-        <p:cNvGrpSpPr/>
-        <p:nvPr/>
-      </p:nvGrpSpPr>
-      <p:grpSpPr>
-        <a:xfrm>
-          <a:off x="0" y="0"/>
-          <a:ext cx="0" cy="0"/>
-          <a:chOff x="0" y="0"/>
-          <a:chExt cx="0" cy="0"/>
-        </a:xfrm>
-      </p:grpSpPr>
-      <p:sp>
-        <p:nvSpPr>
-          <p:cNvPr id="52229" name="AutoShape 2">
-            <a:extLst>
-              <a:ext uri="{FF2B5EF4-FFF2-40B4-BE49-F238E27FC236}">
-                <a16:creationId xmlns:a16="http://schemas.microsoft.com/office/drawing/2014/main" id="{72E1AB93-7ED5-C571-F7A3-97957A22FE55}"/>
-              </a:ext>
-            </a:extLst>
-          </p:cNvPr>
-          <p:cNvSpPr>
-            <a:spLocks noGrp="1" noChangeAspect="1" noChangeArrowheads="1"/>
-          </p:cNvSpPr>
-          <p:nvPr>
-            <p:ph type="title"/>
-          </p:nvPr>
-        </p:nvSpPr>
-        <p:spPr/>
-        <p:txBody>
-          <a:bodyPr/>
-          <a:lstStyle/>
-          <a:p>
-            <a:pPr eaLnBrk="1" hangingPunct="1"/>
-            <a:r>
-              <a:rPr lang="en-US" dirty="0"/>
-              <a:t>Causal consistency</a:t>
-            </a:r>
-          </a:p>
-        </p:txBody>
-      </p:sp>
-      <p:pic>
-        <p:nvPicPr>
-          <p:cNvPr id="52231" name="Picture 4">
-            <a:extLst>
-              <a:ext uri="{FF2B5EF4-FFF2-40B4-BE49-F238E27FC236}">
-                <a16:creationId xmlns:a16="http://schemas.microsoft.com/office/drawing/2014/main" id="{A2343A68-396A-18C2-1748-90E92F54AFFF}"/>
-              </a:ext>
-            </a:extLst>
-          </p:cNvPr>
-          <p:cNvPicPr>
-            <a:picLocks noChangeAspect="1" noChangeArrowheads="1"/>
-          </p:cNvPicPr>
-          <p:nvPr/>
-        </p:nvPicPr>
-        <p:blipFill>
-          <a:blip r:embed="rId3"/>
-          <a:srcRect l="19455" t="48489" r="48531" b="43655"/>
-          <a:stretch>
-            <a:fillRect/>
-          </a:stretch>
-        </p:blipFill>
-        <p:spPr bwMode="auto">
-          <a:xfrm>
-            <a:off x="838200" y="1447799"/>
-            <a:ext cx="5705475" cy="1911927"/>
-          </a:xfrm>
-          <a:prstGeom prst="rect">
-            <a:avLst/>
-          </a:prstGeom>
-          <a:noFill/>
-          <a:ln w="9525">
-            <a:noFill/>
-            <a:miter lim="800000"/>
-            <a:headEnd/>
-            <a:tailEnd/>
-          </a:ln>
-        </p:spPr>
-      </p:pic>
-      <p:pic>
-        <p:nvPicPr>
-          <p:cNvPr id="52232" name="Picture 5">
-            <a:extLst>
-              <a:ext uri="{FF2B5EF4-FFF2-40B4-BE49-F238E27FC236}">
-                <a16:creationId xmlns:a16="http://schemas.microsoft.com/office/drawing/2014/main" id="{069BD98E-4901-93D1-456F-5D373722D6C6}"/>
-              </a:ext>
-            </a:extLst>
-          </p:cNvPr>
-          <p:cNvPicPr>
-            <a:picLocks noChangeAspect="1" noChangeArrowheads="1"/>
-          </p:cNvPicPr>
-          <p:nvPr/>
-        </p:nvPicPr>
-        <p:blipFill>
-          <a:blip r:embed="rId3"/>
-          <a:srcRect l="51950" t="48489" r="11545" b="43655"/>
-          <a:stretch>
-            <a:fillRect/>
-          </a:stretch>
-        </p:blipFill>
-        <p:spPr bwMode="auto">
-          <a:xfrm>
-            <a:off x="504825" y="3276600"/>
-            <a:ext cx="6505575" cy="1828800"/>
-          </a:xfrm>
-          <a:prstGeom prst="rect">
-            <a:avLst/>
-          </a:prstGeom>
-          <a:noFill/>
-          <a:ln w="9525">
-            <a:noFill/>
-            <a:miter lim="800000"/>
-            <a:headEnd/>
-            <a:tailEnd/>
-          </a:ln>
-        </p:spPr>
-      </p:pic>
-      <p:sp>
-        <p:nvSpPr>
-          <p:cNvPr id="13" name="Rounded Rectangle 146">
-            <a:extLst>
-              <a:ext uri="{FF2B5EF4-FFF2-40B4-BE49-F238E27FC236}">
-                <a16:creationId xmlns:a16="http://schemas.microsoft.com/office/drawing/2014/main" id="{2EFE75C4-3DDC-CF04-627B-75808BE0143F}"/>
-              </a:ext>
-            </a:extLst>
-          </p:cNvPr>
-          <p:cNvSpPr>
-            <a:spLocks noChangeArrowheads="1"/>
-          </p:cNvSpPr>
-          <p:nvPr/>
-        </p:nvSpPr>
-        <p:spPr bwMode="auto">
-          <a:xfrm>
-            <a:off x="6934200" y="1676400"/>
-            <a:ext cx="2209800" cy="1066800"/>
-          </a:xfrm>
-          <a:prstGeom prst="roundRect">
-            <a:avLst>
-              <a:gd name="adj" fmla="val 16667"/>
-            </a:avLst>
-          </a:prstGeom>
-          <a:noFill/>
-          <a:ln w="57150" algn="ctr">
-            <a:noFill/>
-            <a:round/>
-            <a:headEnd/>
-            <a:tailEnd/>
-          </a:ln>
-        </p:spPr>
-        <p:txBody>
-          <a:bodyPr lIns="0" rIns="0" anchor="ctr"/>
-          <a:lstStyle/>
-          <a:p>
-            <a:pPr algn="ctr">
-              <a:spcBef>
-                <a:spcPct val="20000"/>
-              </a:spcBef>
-            </a:pPr>
-            <a:r>
-              <a:rPr lang="en-US" sz="11500" dirty="0">
-                <a:solidFill>
-                  <a:srgbClr val="FF0000"/>
-                </a:solidFill>
-                <a:latin typeface="Comic Sans MS" pitchFamily="66" charset="0"/>
-              </a:rPr>
-              <a:t>x</a:t>
-            </a:r>
-            <a:endParaRPr lang="en-US" sz="8000" b="1" dirty="0">
-              <a:solidFill>
-                <a:srgbClr val="FF0000"/>
-              </a:solidFill>
-              <a:latin typeface="Comic Sans MS" pitchFamily="66" charset="0"/>
-            </a:endParaRPr>
-          </a:p>
-        </p:txBody>
-      </p:sp>
-      <p:sp>
-        <p:nvSpPr>
-          <p:cNvPr id="8" name="Rectangle 3">
-            <a:extLst>
-              <a:ext uri="{FF2B5EF4-FFF2-40B4-BE49-F238E27FC236}">
-                <a16:creationId xmlns:a16="http://schemas.microsoft.com/office/drawing/2014/main" id="{C344DFF7-3751-BB50-FD3C-987A08914F74}"/>
-              </a:ext>
-            </a:extLst>
-          </p:cNvPr>
-          <p:cNvSpPr txBox="1">
-            <a:spLocks noChangeArrowheads="1"/>
-          </p:cNvSpPr>
-          <p:nvPr/>
-        </p:nvSpPr>
-        <p:spPr>
-          <a:xfrm>
-            <a:off x="594198" y="5334000"/>
-            <a:ext cx="8077200" cy="1131408"/>
-          </a:xfrm>
-          <a:prstGeom prst="rect">
-            <a:avLst/>
-          </a:prstGeom>
-        </p:spPr>
-        <p:txBody>
-          <a:bodyPr vert="horz" lIns="91440" tIns="45720" rIns="91440" bIns="45720" rtlCol="0">
-            <a:noAutofit/>
-          </a:bodyPr>
-          <a:lstStyle/>
-          <a:p>
-            <a:pPr marR="0" lvl="0" algn="l" defTabSz="914400" rtl="0" eaLnBrk="1" fontAlgn="auto" latinLnBrk="0" hangingPunct="1">
-              <a:lnSpc>
-                <a:spcPct val="100000"/>
-              </a:lnSpc>
-              <a:spcBef>
-                <a:spcPts val="2200"/>
-              </a:spcBef>
-              <a:spcAft>
-                <a:spcPts val="0"/>
-              </a:spcAft>
-              <a:buClr>
-                <a:schemeClr val="bg2"/>
-              </a:buClr>
-              <a:buSzPct val="90000"/>
-              <a:tabLst/>
-              <a:defRPr/>
-            </a:pPr>
-            <a:r>
-              <a:rPr kumimoji="0" lang="en-US" sz="2400" u="none" strike="noStrike" kern="1200" cap="none" spc="0" normalizeH="0" baseline="0" noProof="0" dirty="0">
-                <a:ln>
-                  <a:noFill/>
-                </a:ln>
-                <a:solidFill>
-                  <a:schemeClr val="tx1"/>
-                </a:solidFill>
-                <a:effectLst/>
-                <a:uLnTx/>
-                <a:uFillTx/>
-                <a:latin typeface="Helvetica Neue Light" panose="02000403000000020004" pitchFamily="2" charset="0"/>
-                <a:ea typeface="Helvetica Neue Light" panose="02000403000000020004" pitchFamily="2" charset="0"/>
-                <a:cs typeface="Helvetica Neue" panose="02000503000000020004" pitchFamily="2" charset="0"/>
-              </a:rPr>
-              <a:t>A:</a:t>
-            </a:r>
-            <a:r>
-              <a:rPr kumimoji="0" lang="en-US" sz="2400" u="none" strike="noStrike" kern="1200" cap="none" spc="0" normalizeH="0" noProof="0" dirty="0">
-                <a:ln>
-                  <a:noFill/>
-                </a:ln>
-                <a:solidFill>
-                  <a:schemeClr val="tx1"/>
-                </a:solidFill>
-                <a:effectLst/>
-                <a:uLnTx/>
-                <a:uFillTx/>
-                <a:latin typeface="Helvetica Neue Light" panose="02000403000000020004" pitchFamily="2" charset="0"/>
-                <a:ea typeface="Helvetica Neue Light" panose="02000403000000020004" pitchFamily="2" charset="0"/>
-                <a:cs typeface="Helvetica Neue" panose="02000503000000020004" pitchFamily="2" charset="0"/>
-              </a:rPr>
-              <a:t>  Violation:  </a:t>
-            </a:r>
-            <a:r>
-              <a:rPr lang="en-US" sz="2400" dirty="0">
-                <a:latin typeface="Helvetica Neue Light" panose="02000403000000020004" pitchFamily="2" charset="0"/>
-                <a:ea typeface="Helvetica Neue Light" panose="02000403000000020004" pitchFamily="2" charset="0"/>
-                <a:cs typeface="Helvetica Neue" panose="02000503000000020004" pitchFamily="2" charset="0"/>
-              </a:rPr>
-              <a:t>W(x)b is potentially dep on W(x)a</a:t>
-            </a:r>
-          </a:p>
-        </p:txBody>
-      </p:sp>
-      <p:sp>
-        <p:nvSpPr>
-          <p:cNvPr id="2" name="Footer Placeholder 1">
-            <a:extLst>
-              <a:ext uri="{FF2B5EF4-FFF2-40B4-BE49-F238E27FC236}">
-                <a16:creationId xmlns:a16="http://schemas.microsoft.com/office/drawing/2014/main" id="{81F521A8-39A3-E2CF-747B-C870FF6C2849}"/>
-              </a:ext>
-            </a:extLst>
-          </p:cNvPr>
-          <p:cNvSpPr>
-            <a:spLocks noGrp="1"/>
-          </p:cNvSpPr>
-          <p:nvPr>
-            <p:ph type="ftr" sz="quarter" idx="11"/>
-          </p:nvPr>
-        </p:nvSpPr>
-        <p:spPr/>
-        <p:txBody>
-          <a:bodyPr/>
-          <a:lstStyle/>
-          <a:p>
-            <a:r>
-              <a:rPr lang="en-US"/>
-              <a:t>UVA CS4740 Fall '24</a:t>
-            </a:r>
-            <a:endParaRPr lang="en-US" dirty="0"/>
-          </a:p>
-        </p:txBody>
-      </p:sp>
-      <p:sp>
-        <p:nvSpPr>
-          <p:cNvPr id="3" name="Slide Number Placeholder 2">
-            <a:extLst>
-              <a:ext uri="{FF2B5EF4-FFF2-40B4-BE49-F238E27FC236}">
-                <a16:creationId xmlns:a16="http://schemas.microsoft.com/office/drawing/2014/main" id="{669B2081-108C-84FB-0AC9-B91099CE533C}"/>
-              </a:ext>
-            </a:extLst>
-          </p:cNvPr>
-          <p:cNvSpPr>
-            <a:spLocks noGrp="1"/>
-          </p:cNvSpPr>
-          <p:nvPr>
-            <p:ph type="sldNum" sz="quarter" idx="12"/>
-          </p:nvPr>
-        </p:nvSpPr>
-        <p:spPr/>
-        <p:txBody>
-          <a:bodyPr/>
-          <a:lstStyle/>
-          <a:p>
-            <a:fld id="{3FEAB63E-74B1-D643-A3C6-246018F1E4D4}" type="slidenum">
-              <a:rPr lang="en-US" smtClean="0"/>
-              <a:pPr/>
-              <a:t>46</a:t>
-            </a:fld>
-            <a:endParaRPr lang="en-US"/>
-          </a:p>
-        </p:txBody>
-      </p:sp>
-      <p:sp>
-        <p:nvSpPr>
-          <p:cNvPr id="4" name="Date Placeholder 3">
-            <a:extLst>
-              <a:ext uri="{FF2B5EF4-FFF2-40B4-BE49-F238E27FC236}">
-                <a16:creationId xmlns:a16="http://schemas.microsoft.com/office/drawing/2014/main" id="{53CD5BEB-6260-1042-0EFB-FE0D2AA3E911}"/>
-              </a:ext>
-            </a:extLst>
-          </p:cNvPr>
-          <p:cNvSpPr>
-            <a:spLocks noGrp="1"/>
-          </p:cNvSpPr>
-          <p:nvPr>
-            <p:ph type="dt" sz="half" idx="10"/>
-          </p:nvPr>
-        </p:nvSpPr>
-        <p:spPr/>
-        <p:txBody>
-          <a:bodyPr/>
-          <a:lstStyle/>
-          <a:p>
-            <a:r>
-              <a:rPr lang="en-US"/>
-              <a:t>Y. Cheng</a:t>
-            </a:r>
-            <a:endParaRPr lang="en-US" dirty="0"/>
-          </a:p>
-        </p:txBody>
-      </p:sp>
-    </p:spTree>
-    <p:extLst>
-      <p:ext uri="{BB962C8B-B14F-4D97-AF65-F5344CB8AC3E}">
-        <p14:creationId xmlns:p14="http://schemas.microsoft.com/office/powerpoint/2010/main" val="1634033949"/>
-      </p:ext>
-    </p:extLst>
-  </p:cSld>
-  <p:clrMapOvr>
-    <a:masterClrMapping/>
-  </p:clrMapOvr>
-</p:sld>
-</file>
-
-<file path=ppt/slides/slide47.xml><?xml version="1.0" encoding="utf-8"?>
-<p:sld xmlns:a="http://schemas.openxmlformats.org/drawingml/2006/main" xmlns:r="http://schemas.openxmlformats.org/officeDocument/2006/relationships" xmlns:p="http://schemas.openxmlformats.org/presentationml/2006/main" showMasterPhAnim="0" show="0">
-  <p:cSld>
-    <p:spTree>
-      <p:nvGrpSpPr>
-        <p:cNvPr id="1" name="">
-          <a:extLst>
-            <a:ext uri="{FF2B5EF4-FFF2-40B4-BE49-F238E27FC236}">
-              <a16:creationId xmlns:a16="http://schemas.microsoft.com/office/drawing/2014/main" id="{8B7B17CA-1454-66E1-1EB3-CE779F50E5B6}"/>
-            </a:ext>
-          </a:extLst>
-        </p:cNvPr>
-        <p:cNvGrpSpPr/>
-        <p:nvPr/>
-      </p:nvGrpSpPr>
-      <p:grpSpPr>
-        <a:xfrm>
-          <a:off x="0" y="0"/>
-          <a:ext cx="0" cy="0"/>
-          <a:chOff x="0" y="0"/>
-          <a:chExt cx="0" cy="0"/>
-        </a:xfrm>
-      </p:grpSpPr>
-      <p:sp>
-        <p:nvSpPr>
-          <p:cNvPr id="52229" name="AutoShape 2">
-            <a:extLst>
-              <a:ext uri="{FF2B5EF4-FFF2-40B4-BE49-F238E27FC236}">
-                <a16:creationId xmlns:a16="http://schemas.microsoft.com/office/drawing/2014/main" id="{6D9179FB-C095-9412-6F37-F42D8B109BA7}"/>
-              </a:ext>
-            </a:extLst>
-          </p:cNvPr>
-          <p:cNvSpPr>
-            <a:spLocks noGrp="1" noChangeAspect="1" noChangeArrowheads="1"/>
-          </p:cNvSpPr>
-          <p:nvPr>
-            <p:ph type="title"/>
-          </p:nvPr>
-        </p:nvSpPr>
-        <p:spPr/>
-        <p:txBody>
-          <a:bodyPr/>
-          <a:lstStyle/>
-          <a:p>
-            <a:pPr eaLnBrk="1" hangingPunct="1"/>
-            <a:r>
-              <a:rPr lang="en-US" dirty="0"/>
-              <a:t>Causal consistency</a:t>
-            </a:r>
-          </a:p>
-        </p:txBody>
-      </p:sp>
-      <p:pic>
-        <p:nvPicPr>
-          <p:cNvPr id="52231" name="Picture 4">
-            <a:extLst>
-              <a:ext uri="{FF2B5EF4-FFF2-40B4-BE49-F238E27FC236}">
-                <a16:creationId xmlns:a16="http://schemas.microsoft.com/office/drawing/2014/main" id="{AEC25C0A-7E59-24FD-7233-B0C783812C7F}"/>
-              </a:ext>
-            </a:extLst>
-          </p:cNvPr>
-          <p:cNvPicPr>
-            <a:picLocks noChangeAspect="1" noChangeArrowheads="1"/>
-          </p:cNvPicPr>
-          <p:nvPr/>
-        </p:nvPicPr>
-        <p:blipFill>
-          <a:blip r:embed="rId3"/>
-          <a:srcRect l="19455" t="48489" r="48531" b="43655"/>
-          <a:stretch>
-            <a:fillRect/>
-          </a:stretch>
-        </p:blipFill>
-        <p:spPr bwMode="auto">
-          <a:xfrm>
-            <a:off x="838200" y="1447799"/>
-            <a:ext cx="5705475" cy="1911927"/>
-          </a:xfrm>
-          <a:prstGeom prst="rect">
-            <a:avLst/>
-          </a:prstGeom>
-          <a:noFill/>
-          <a:ln w="9525">
-            <a:noFill/>
-            <a:miter lim="800000"/>
-            <a:headEnd/>
-            <a:tailEnd/>
-          </a:ln>
-        </p:spPr>
-      </p:pic>
-      <p:pic>
-        <p:nvPicPr>
-          <p:cNvPr id="52232" name="Picture 5">
-            <a:extLst>
-              <a:ext uri="{FF2B5EF4-FFF2-40B4-BE49-F238E27FC236}">
-                <a16:creationId xmlns:a16="http://schemas.microsoft.com/office/drawing/2014/main" id="{5D0C3C86-9A7B-3818-45BF-B667F92F79B6}"/>
-              </a:ext>
-            </a:extLst>
-          </p:cNvPr>
-          <p:cNvPicPr>
-            <a:picLocks noChangeAspect="1" noChangeArrowheads="1"/>
-          </p:cNvPicPr>
-          <p:nvPr/>
-        </p:nvPicPr>
-        <p:blipFill>
-          <a:blip r:embed="rId3"/>
-          <a:srcRect l="51950" t="48489" r="11545" b="43655"/>
-          <a:stretch>
-            <a:fillRect/>
-          </a:stretch>
-        </p:blipFill>
-        <p:spPr bwMode="auto">
-          <a:xfrm>
-            <a:off x="504825" y="3276600"/>
-            <a:ext cx="6505575" cy="1828800"/>
-          </a:xfrm>
-          <a:prstGeom prst="rect">
-            <a:avLst/>
-          </a:prstGeom>
-          <a:noFill/>
-          <a:ln w="9525">
-            <a:noFill/>
-            <a:miter lim="800000"/>
-            <a:headEnd/>
-            <a:tailEnd/>
-          </a:ln>
-        </p:spPr>
-      </p:pic>
-      <p:sp>
-        <p:nvSpPr>
-          <p:cNvPr id="12" name="Rounded Rectangle 146">
-            <a:extLst>
-              <a:ext uri="{FF2B5EF4-FFF2-40B4-BE49-F238E27FC236}">
-                <a16:creationId xmlns:a16="http://schemas.microsoft.com/office/drawing/2014/main" id="{4B830406-EC44-9D88-008E-B3E8873B24AB}"/>
-              </a:ext>
-            </a:extLst>
-          </p:cNvPr>
-          <p:cNvSpPr>
-            <a:spLocks noChangeArrowheads="1"/>
-          </p:cNvSpPr>
-          <p:nvPr/>
-        </p:nvSpPr>
-        <p:spPr bwMode="auto">
-          <a:xfrm>
-            <a:off x="6934200" y="3810000"/>
-            <a:ext cx="2209800" cy="1066800"/>
-          </a:xfrm>
-          <a:prstGeom prst="roundRect">
-            <a:avLst>
-              <a:gd name="adj" fmla="val 16667"/>
-            </a:avLst>
-          </a:prstGeom>
-          <a:noFill/>
-          <a:ln w="57150" algn="ctr">
-            <a:noFill/>
-            <a:round/>
-            <a:headEnd/>
-            <a:tailEnd/>
-          </a:ln>
-        </p:spPr>
-        <p:txBody>
-          <a:bodyPr lIns="0" rIns="0" anchor="ctr"/>
-          <a:lstStyle/>
-          <a:p>
-            <a:pPr algn="ctr">
-              <a:spcBef>
-                <a:spcPct val="20000"/>
-              </a:spcBef>
-            </a:pPr>
-            <a:r>
-              <a:rPr lang="en-US" sz="16600" dirty="0">
-                <a:solidFill>
-                  <a:srgbClr val="008000"/>
-                </a:solidFill>
-                <a:latin typeface="Comic Sans MS" pitchFamily="66" charset="0"/>
-                <a:sym typeface="Wingdings"/>
-              </a:rPr>
-              <a:t></a:t>
-            </a:r>
-            <a:endParaRPr lang="en-US" sz="8000" b="1" dirty="0">
-              <a:solidFill>
-                <a:srgbClr val="008000"/>
-              </a:solidFill>
-              <a:latin typeface="Comic Sans MS" pitchFamily="66" charset="0"/>
-            </a:endParaRPr>
-          </a:p>
-        </p:txBody>
-      </p:sp>
-      <p:sp>
-        <p:nvSpPr>
-          <p:cNvPr id="13" name="Rounded Rectangle 146">
-            <a:extLst>
-              <a:ext uri="{FF2B5EF4-FFF2-40B4-BE49-F238E27FC236}">
-                <a16:creationId xmlns:a16="http://schemas.microsoft.com/office/drawing/2014/main" id="{7ECB5C0D-0F35-9A2C-A019-4D499D731F85}"/>
-              </a:ext>
-            </a:extLst>
-          </p:cNvPr>
-          <p:cNvSpPr>
-            <a:spLocks noChangeArrowheads="1"/>
-          </p:cNvSpPr>
-          <p:nvPr/>
-        </p:nvSpPr>
-        <p:spPr bwMode="auto">
-          <a:xfrm>
-            <a:off x="6934200" y="1676400"/>
-            <a:ext cx="2209800" cy="1066800"/>
-          </a:xfrm>
-          <a:prstGeom prst="roundRect">
-            <a:avLst>
-              <a:gd name="adj" fmla="val 16667"/>
-            </a:avLst>
-          </a:prstGeom>
-          <a:noFill/>
-          <a:ln w="57150" algn="ctr">
-            <a:noFill/>
-            <a:round/>
-            <a:headEnd/>
-            <a:tailEnd/>
-          </a:ln>
-        </p:spPr>
-        <p:txBody>
-          <a:bodyPr lIns="0" rIns="0" anchor="ctr"/>
-          <a:lstStyle/>
-          <a:p>
-            <a:pPr algn="ctr">
-              <a:spcBef>
-                <a:spcPct val="20000"/>
-              </a:spcBef>
-            </a:pPr>
-            <a:r>
-              <a:rPr lang="en-US" sz="11500" dirty="0">
-                <a:solidFill>
-                  <a:srgbClr val="FF0000"/>
-                </a:solidFill>
-                <a:latin typeface="Comic Sans MS" pitchFamily="66" charset="0"/>
-              </a:rPr>
-              <a:t>x</a:t>
-            </a:r>
-            <a:endParaRPr lang="en-US" sz="8000" b="1" dirty="0">
-              <a:solidFill>
-                <a:srgbClr val="FF0000"/>
-              </a:solidFill>
-              <a:latin typeface="Comic Sans MS" pitchFamily="66" charset="0"/>
-            </a:endParaRPr>
-          </a:p>
-        </p:txBody>
-      </p:sp>
-      <p:sp>
-        <p:nvSpPr>
-          <p:cNvPr id="8" name="Rectangle 3">
-            <a:extLst>
-              <a:ext uri="{FF2B5EF4-FFF2-40B4-BE49-F238E27FC236}">
-                <a16:creationId xmlns:a16="http://schemas.microsoft.com/office/drawing/2014/main" id="{E8136B2D-92FF-7AC8-7548-1ED64D967E9F}"/>
-              </a:ext>
-            </a:extLst>
-          </p:cNvPr>
-          <p:cNvSpPr txBox="1">
-            <a:spLocks noChangeArrowheads="1"/>
-          </p:cNvSpPr>
-          <p:nvPr/>
-        </p:nvSpPr>
-        <p:spPr>
-          <a:xfrm>
-            <a:off x="594198" y="5334000"/>
-            <a:ext cx="8077200" cy="1131408"/>
-          </a:xfrm>
-          <a:prstGeom prst="rect">
-            <a:avLst/>
-          </a:prstGeom>
-        </p:spPr>
-        <p:txBody>
-          <a:bodyPr vert="horz" lIns="91440" tIns="45720" rIns="91440" bIns="45720" rtlCol="0">
-            <a:noAutofit/>
-          </a:bodyPr>
-          <a:lstStyle/>
-          <a:p>
-            <a:pPr marR="0" lvl="0" algn="l" defTabSz="914400" rtl="0" eaLnBrk="1" fontAlgn="auto" latinLnBrk="0" hangingPunct="1">
-              <a:lnSpc>
-                <a:spcPct val="100000"/>
-              </a:lnSpc>
-              <a:spcBef>
-                <a:spcPts val="2200"/>
-              </a:spcBef>
-              <a:spcAft>
-                <a:spcPts val="0"/>
-              </a:spcAft>
-              <a:buClr>
-                <a:schemeClr val="bg2"/>
-              </a:buClr>
-              <a:buSzPct val="90000"/>
-              <a:tabLst/>
-              <a:defRPr/>
-            </a:pPr>
-            <a:r>
-              <a:rPr kumimoji="0" lang="en-US" sz="2400" u="none" strike="noStrike" kern="1200" cap="none" spc="0" normalizeH="0" baseline="0" noProof="0" dirty="0">
-                <a:ln>
-                  <a:noFill/>
-                </a:ln>
-                <a:solidFill>
-                  <a:schemeClr val="tx1"/>
-                </a:solidFill>
-                <a:effectLst/>
-                <a:uLnTx/>
-                <a:uFillTx/>
-                <a:latin typeface="Helvetica Neue Light" panose="02000403000000020004" pitchFamily="2" charset="0"/>
-                <a:ea typeface="Helvetica Neue Light" panose="02000403000000020004" pitchFamily="2" charset="0"/>
-                <a:cs typeface="Helvetica Neue" panose="02000503000000020004" pitchFamily="2" charset="0"/>
-              </a:rPr>
-              <a:t>A:</a:t>
-            </a:r>
-            <a:r>
-              <a:rPr kumimoji="0" lang="en-US" sz="2400" u="none" strike="noStrike" kern="1200" cap="none" spc="0" normalizeH="0" noProof="0" dirty="0">
-                <a:ln>
-                  <a:noFill/>
-                </a:ln>
-                <a:solidFill>
-                  <a:schemeClr val="tx1"/>
-                </a:solidFill>
-                <a:effectLst/>
-                <a:uLnTx/>
-                <a:uFillTx/>
-                <a:latin typeface="Helvetica Neue Light" panose="02000403000000020004" pitchFamily="2" charset="0"/>
-                <a:ea typeface="Helvetica Neue Light" panose="02000403000000020004" pitchFamily="2" charset="0"/>
-                <a:cs typeface="Helvetica Neue" panose="02000503000000020004" pitchFamily="2" charset="0"/>
-              </a:rPr>
-              <a:t>  Violation:  </a:t>
-            </a:r>
-            <a:r>
-              <a:rPr lang="en-US" sz="2400" dirty="0" err="1">
-                <a:latin typeface="Helvetica Neue Light" panose="02000403000000020004" pitchFamily="2" charset="0"/>
-                <a:ea typeface="Helvetica Neue Light" panose="02000403000000020004" pitchFamily="2" charset="0"/>
-                <a:cs typeface="Helvetica Neue" panose="02000503000000020004" pitchFamily="2" charset="0"/>
-              </a:rPr>
-              <a:t>W(x)b</a:t>
-            </a:r>
-            <a:r>
-              <a:rPr lang="en-US" sz="2400" dirty="0">
-                <a:latin typeface="Helvetica Neue Light" panose="02000403000000020004" pitchFamily="2" charset="0"/>
-                <a:ea typeface="Helvetica Neue Light" panose="02000403000000020004" pitchFamily="2" charset="0"/>
-                <a:cs typeface="Helvetica Neue" panose="02000503000000020004" pitchFamily="2" charset="0"/>
-              </a:rPr>
-              <a:t> is potentially </a:t>
-            </a:r>
-            <a:r>
-              <a:rPr lang="en-US" sz="2400" dirty="0" err="1">
-                <a:latin typeface="Helvetica Neue Light" panose="02000403000000020004" pitchFamily="2" charset="0"/>
-                <a:ea typeface="Helvetica Neue Light" panose="02000403000000020004" pitchFamily="2" charset="0"/>
-                <a:cs typeface="Helvetica Neue" panose="02000503000000020004" pitchFamily="2" charset="0"/>
-              </a:rPr>
-              <a:t>dep</a:t>
-            </a:r>
-            <a:r>
-              <a:rPr lang="en-US" sz="2400" dirty="0">
-                <a:latin typeface="Helvetica Neue Light" panose="02000403000000020004" pitchFamily="2" charset="0"/>
-                <a:ea typeface="Helvetica Neue Light" panose="02000403000000020004" pitchFamily="2" charset="0"/>
-                <a:cs typeface="Helvetica Neue" panose="02000503000000020004" pitchFamily="2" charset="0"/>
-              </a:rPr>
-              <a:t> on </a:t>
-            </a:r>
-            <a:r>
-              <a:rPr lang="en-US" sz="2400" dirty="0" err="1">
-                <a:latin typeface="Helvetica Neue Light" panose="02000403000000020004" pitchFamily="2" charset="0"/>
-                <a:ea typeface="Helvetica Neue Light" panose="02000403000000020004" pitchFamily="2" charset="0"/>
-                <a:cs typeface="Helvetica Neue" panose="02000503000000020004" pitchFamily="2" charset="0"/>
-              </a:rPr>
-              <a:t>W(x)a</a:t>
-            </a:r>
-            <a:endParaRPr lang="en-US" sz="2400" dirty="0">
-              <a:latin typeface="Helvetica Neue Light" panose="02000403000000020004" pitchFamily="2" charset="0"/>
-              <a:ea typeface="Helvetica Neue Light" panose="02000403000000020004" pitchFamily="2" charset="0"/>
-              <a:cs typeface="Helvetica Neue" panose="02000503000000020004" pitchFamily="2" charset="0"/>
-            </a:endParaRPr>
-          </a:p>
-          <a:p>
-            <a:pPr marR="0" lvl="0" algn="l" defTabSz="914400" rtl="0" eaLnBrk="1" fontAlgn="auto" latinLnBrk="0" hangingPunct="1">
-              <a:lnSpc>
-                <a:spcPct val="100000"/>
-              </a:lnSpc>
-              <a:spcBef>
-                <a:spcPts val="2200"/>
-              </a:spcBef>
-              <a:spcAft>
-                <a:spcPts val="0"/>
-              </a:spcAft>
-              <a:buClr>
-                <a:schemeClr val="bg2"/>
-              </a:buClr>
-              <a:buSzPct val="90000"/>
-              <a:tabLst/>
-              <a:defRPr/>
-            </a:pPr>
-            <a:r>
-              <a:rPr kumimoji="0" lang="en-US" sz="2400" u="none" strike="noStrike" kern="1200" cap="none" spc="0" normalizeH="0" baseline="0" noProof="0" dirty="0">
-                <a:ln>
-                  <a:noFill/>
-                </a:ln>
-                <a:solidFill>
-                  <a:schemeClr val="tx1"/>
-                </a:solidFill>
-                <a:effectLst/>
-                <a:uLnTx/>
-                <a:uFillTx/>
-                <a:latin typeface="Helvetica Neue Light" panose="02000403000000020004" pitchFamily="2" charset="0"/>
-                <a:ea typeface="Helvetica Neue Light" panose="02000403000000020004" pitchFamily="2" charset="0"/>
-                <a:cs typeface="Helvetica Neue" panose="02000503000000020004" pitchFamily="2" charset="0"/>
-              </a:rPr>
-              <a:t>B:</a:t>
-            </a:r>
-            <a:r>
-              <a:rPr kumimoji="0" lang="en-US" sz="2400" u="none" strike="noStrike" kern="1200" cap="none" spc="0" normalizeH="0" noProof="0" dirty="0">
-                <a:ln>
-                  <a:noFill/>
-                </a:ln>
-                <a:solidFill>
-                  <a:schemeClr val="tx1"/>
-                </a:solidFill>
-                <a:effectLst/>
-                <a:uLnTx/>
-                <a:uFillTx/>
-                <a:latin typeface="Helvetica Neue Light" panose="02000403000000020004" pitchFamily="2" charset="0"/>
-                <a:ea typeface="Helvetica Neue Light" panose="02000403000000020004" pitchFamily="2" charset="0"/>
-                <a:cs typeface="Helvetica Neue" panose="02000503000000020004" pitchFamily="2" charset="0"/>
-              </a:rPr>
-              <a:t>  Correct.  P2 doesn’t read value of a before W</a:t>
-            </a:r>
-            <a:endParaRPr kumimoji="0" lang="en-US" sz="2400" u="none" strike="noStrike" kern="1200" cap="none" spc="0" normalizeH="0" baseline="0" noProof="0" dirty="0">
-              <a:ln>
-                <a:noFill/>
-              </a:ln>
-              <a:solidFill>
-                <a:schemeClr val="tx1"/>
-              </a:solidFill>
-              <a:effectLst/>
-              <a:uLnTx/>
-              <a:uFillTx/>
-              <a:latin typeface="Helvetica Neue Light" panose="02000403000000020004" pitchFamily="2" charset="0"/>
-              <a:ea typeface="Helvetica Neue Light" panose="02000403000000020004" pitchFamily="2" charset="0"/>
-              <a:cs typeface="Helvetica Neue" panose="02000503000000020004" pitchFamily="2" charset="0"/>
-            </a:endParaRPr>
-          </a:p>
-        </p:txBody>
-      </p:sp>
-      <p:sp>
-        <p:nvSpPr>
-          <p:cNvPr id="2" name="Footer Placeholder 1">
-            <a:extLst>
-              <a:ext uri="{FF2B5EF4-FFF2-40B4-BE49-F238E27FC236}">
-                <a16:creationId xmlns:a16="http://schemas.microsoft.com/office/drawing/2014/main" id="{FC26F96A-91D0-9CC5-30D6-1926A6156481}"/>
-              </a:ext>
-            </a:extLst>
-          </p:cNvPr>
-          <p:cNvSpPr>
-            <a:spLocks noGrp="1"/>
-          </p:cNvSpPr>
-          <p:nvPr>
-            <p:ph type="ftr" sz="quarter" idx="11"/>
-          </p:nvPr>
-        </p:nvSpPr>
-        <p:spPr/>
-        <p:txBody>
-          <a:bodyPr/>
-          <a:lstStyle/>
-          <a:p>
-            <a:r>
-              <a:rPr lang="en-US"/>
-              <a:t>UVA CS4740 Fall '24</a:t>
-            </a:r>
-            <a:endParaRPr lang="en-US" dirty="0"/>
-          </a:p>
-        </p:txBody>
-      </p:sp>
-      <p:sp>
-        <p:nvSpPr>
-          <p:cNvPr id="3" name="Slide Number Placeholder 2">
-            <a:extLst>
-              <a:ext uri="{FF2B5EF4-FFF2-40B4-BE49-F238E27FC236}">
-                <a16:creationId xmlns:a16="http://schemas.microsoft.com/office/drawing/2014/main" id="{DBEF51DF-EE27-7229-2BD3-C9C701CBDC7E}"/>
-              </a:ext>
-            </a:extLst>
-          </p:cNvPr>
-          <p:cNvSpPr>
-            <a:spLocks noGrp="1"/>
-          </p:cNvSpPr>
-          <p:nvPr>
-            <p:ph type="sldNum" sz="quarter" idx="12"/>
-          </p:nvPr>
-        </p:nvSpPr>
-        <p:spPr/>
-        <p:txBody>
-          <a:bodyPr/>
-          <a:lstStyle/>
-          <a:p>
-            <a:fld id="{3FEAB63E-74B1-D643-A3C6-246018F1E4D4}" type="slidenum">
-              <a:rPr lang="en-US" smtClean="0"/>
-              <a:pPr/>
-              <a:t>47</a:t>
-            </a:fld>
-            <a:endParaRPr lang="en-US"/>
-          </a:p>
-        </p:txBody>
-      </p:sp>
-      <p:sp>
-        <p:nvSpPr>
-          <p:cNvPr id="4" name="Date Placeholder 3">
-            <a:extLst>
-              <a:ext uri="{FF2B5EF4-FFF2-40B4-BE49-F238E27FC236}">
-                <a16:creationId xmlns:a16="http://schemas.microsoft.com/office/drawing/2014/main" id="{699DE6DE-4A1B-77F4-C55D-D7723ADEA972}"/>
-              </a:ext>
-            </a:extLst>
-          </p:cNvPr>
-          <p:cNvSpPr>
-            <a:spLocks noGrp="1"/>
-          </p:cNvSpPr>
-          <p:nvPr>
-            <p:ph type="dt" sz="half" idx="10"/>
-          </p:nvPr>
-        </p:nvSpPr>
-        <p:spPr/>
-        <p:txBody>
-          <a:bodyPr/>
-          <a:lstStyle/>
-          <a:p>
-            <a:r>
-              <a:rPr lang="en-US"/>
-              <a:t>Y. Cheng</a:t>
-            </a:r>
-            <a:endParaRPr lang="en-US" dirty="0"/>
-          </a:p>
-        </p:txBody>
-      </p:sp>
-    </p:spTree>
-    <p:extLst>
-      <p:ext uri="{BB962C8B-B14F-4D97-AF65-F5344CB8AC3E}">
-        <p14:creationId xmlns:p14="http://schemas.microsoft.com/office/powerpoint/2010/main" val="333005944"/>
-      </p:ext>
-    </p:extLst>
-  </p:cSld>
-  <p:clrMapOvr>
-    <a:masterClrMapping/>
-  </p:clrMapOvr>
-</p:sld>
-</file>
-
-<file path=ppt/slides/slide48.xml><?xml version="1.0" encoding="utf-8"?>
-<p:sld xmlns:a="http://schemas.openxmlformats.org/drawingml/2006/main" xmlns:r="http://schemas.openxmlformats.org/officeDocument/2006/relationships" xmlns:p="http://schemas.openxmlformats.org/presentationml/2006/main" show="0">
-  <p:cSld>
-    <p:spTree>
-      <p:nvGrpSpPr>
-        <p:cNvPr id="1" name=""/>
-        <p:cNvGrpSpPr/>
-        <p:nvPr/>
-      </p:nvGrpSpPr>
-      <p:grpSpPr>
-        <a:xfrm>
-          <a:off x="0" y="0"/>
-          <a:ext cx="0" cy="0"/>
-          <a:chOff x="0" y="0"/>
-          <a:chExt cx="0" cy="0"/>
-        </a:xfrm>
-      </p:grpSpPr>
-      <p:sp>
-        <p:nvSpPr>
-          <p:cNvPr id="38917" name="Rectangle 2"/>
-          <p:cNvSpPr>
-            <a:spLocks noGrp="1" noChangeArrowheads="1"/>
-          </p:cNvSpPr>
-          <p:nvPr>
-            <p:ph type="title"/>
-          </p:nvPr>
-        </p:nvSpPr>
-        <p:spPr/>
-        <p:txBody>
-          <a:bodyPr/>
-          <a:lstStyle/>
-          <a:p>
-            <a:pPr eaLnBrk="1" hangingPunct="1"/>
-            <a:r>
-              <a:rPr lang="en-US" sz="4000" dirty="0"/>
-              <a:t>Quiz 2: Valid Sequential Consistency?</a:t>
-            </a:r>
-          </a:p>
-        </p:txBody>
-      </p:sp>
-      <p:pic>
-        <p:nvPicPr>
-          <p:cNvPr id="38919" name="Picture 4"/>
-          <p:cNvPicPr>
-            <a:picLocks noChangeAspect="1" noChangeArrowheads="1"/>
-          </p:cNvPicPr>
-          <p:nvPr/>
-        </p:nvPicPr>
-        <p:blipFill>
-          <a:blip r:embed="rId3"/>
-          <a:srcRect l="20738" t="47885" r="19241" b="42447"/>
-          <a:stretch>
-            <a:fillRect/>
-          </a:stretch>
-        </p:blipFill>
-        <p:spPr bwMode="auto">
-          <a:xfrm>
-            <a:off x="0" y="1303739"/>
-            <a:ext cx="9144000" cy="2667000"/>
-          </a:xfrm>
-          <a:prstGeom prst="rect">
-            <a:avLst/>
-          </a:prstGeom>
-          <a:noFill/>
-          <a:ln w="9525">
-            <a:noFill/>
-            <a:miter lim="800000"/>
-            <a:headEnd/>
-            <a:tailEnd/>
-          </a:ln>
-        </p:spPr>
-      </p:pic>
-      <p:sp>
-        <p:nvSpPr>
-          <p:cNvPr id="9" name="Rounded Rectangle 146"/>
-          <p:cNvSpPr>
-            <a:spLocks noChangeArrowheads="1"/>
-          </p:cNvSpPr>
-          <p:nvPr/>
-        </p:nvSpPr>
-        <p:spPr bwMode="auto">
-          <a:xfrm>
-            <a:off x="1426032" y="3166698"/>
-            <a:ext cx="1981200" cy="804041"/>
-          </a:xfrm>
-          <a:prstGeom prst="roundRect">
-            <a:avLst>
-              <a:gd name="adj" fmla="val 16667"/>
-            </a:avLst>
-          </a:prstGeom>
-          <a:noFill/>
-          <a:ln w="57150" algn="ctr">
-            <a:noFill/>
-            <a:round/>
-            <a:headEnd/>
-            <a:tailEnd/>
-          </a:ln>
-        </p:spPr>
-        <p:txBody>
-          <a:bodyPr lIns="0" rIns="0" anchor="ctr"/>
-          <a:lstStyle/>
-          <a:p>
-            <a:pPr algn="ctr">
-              <a:spcBef>
-                <a:spcPct val="20000"/>
-              </a:spcBef>
-            </a:pPr>
-            <a:r>
-              <a:rPr lang="en-US" sz="9000" dirty="0">
-                <a:solidFill>
-                  <a:srgbClr val="008000"/>
-                </a:solidFill>
-                <a:latin typeface="Comic Sans MS" pitchFamily="66" charset="0"/>
-                <a:sym typeface="Wingdings"/>
-              </a:rPr>
-              <a:t></a:t>
-            </a:r>
-            <a:endParaRPr lang="en-US" sz="9000" b="1" dirty="0">
-              <a:solidFill>
-                <a:srgbClr val="008000"/>
-              </a:solidFill>
-              <a:latin typeface="Comic Sans MS" pitchFamily="66" charset="0"/>
-            </a:endParaRPr>
-          </a:p>
-        </p:txBody>
-      </p:sp>
-      <p:sp>
-        <p:nvSpPr>
-          <p:cNvPr id="10" name="Rounded Rectangle 146"/>
-          <p:cNvSpPr>
-            <a:spLocks noChangeArrowheads="1"/>
-          </p:cNvSpPr>
-          <p:nvPr/>
-        </p:nvSpPr>
-        <p:spPr bwMode="auto">
-          <a:xfrm>
-            <a:off x="6090305" y="2861898"/>
-            <a:ext cx="2296886" cy="1108841"/>
-          </a:xfrm>
-          <a:prstGeom prst="roundRect">
-            <a:avLst>
-              <a:gd name="adj" fmla="val 16667"/>
-            </a:avLst>
-          </a:prstGeom>
-          <a:noFill/>
-          <a:ln w="57150" algn="ctr">
-            <a:noFill/>
-            <a:round/>
-            <a:headEnd/>
-            <a:tailEnd/>
-          </a:ln>
-        </p:spPr>
-        <p:txBody>
-          <a:bodyPr lIns="0" rIns="0" anchor="ctr"/>
-          <a:lstStyle/>
-          <a:p>
-            <a:pPr algn="ctr">
-              <a:spcBef>
-                <a:spcPct val="20000"/>
-              </a:spcBef>
-            </a:pPr>
-            <a:r>
-              <a:rPr lang="en-US" sz="9000" dirty="0" err="1">
-                <a:solidFill>
-                  <a:srgbClr val="FF0000"/>
-                </a:solidFill>
-                <a:latin typeface="Comic Sans MS" pitchFamily="66" charset="0"/>
-              </a:rPr>
-              <a:t>x</a:t>
-            </a:r>
-            <a:endParaRPr lang="en-US" sz="9000" b="1" dirty="0">
-              <a:solidFill>
-                <a:srgbClr val="FF0000"/>
-              </a:solidFill>
-              <a:latin typeface="Comic Sans MS" pitchFamily="66" charset="0"/>
-            </a:endParaRPr>
-          </a:p>
-        </p:txBody>
-      </p:sp>
-      <p:sp>
-        <p:nvSpPr>
-          <p:cNvPr id="6" name="Rectangle 3"/>
-          <p:cNvSpPr txBox="1">
-            <a:spLocks noChangeArrowheads="1"/>
-          </p:cNvSpPr>
-          <p:nvPr/>
-        </p:nvSpPr>
-        <p:spPr>
-          <a:xfrm>
-            <a:off x="628650" y="3970739"/>
-            <a:ext cx="8018961" cy="2802610"/>
-          </a:xfrm>
-          <a:prstGeom prst="rect">
-            <a:avLst/>
-          </a:prstGeom>
-        </p:spPr>
-        <p:txBody>
-          <a:bodyPr vert="horz" lIns="91440" tIns="45720" rIns="91440" bIns="45720" rtlCol="0">
-            <a:noAutofit/>
-          </a:bodyPr>
-          <a:lstStyle/>
-          <a:p>
-            <a:pPr marL="457200" marR="0" lvl="0" indent="-457200" algn="l" defTabSz="914400" rtl="0" eaLnBrk="1" fontAlgn="auto" latinLnBrk="0" hangingPunct="1">
-              <a:lnSpc>
-                <a:spcPct val="100000"/>
-              </a:lnSpc>
-              <a:spcBef>
-                <a:spcPts val="2200"/>
-              </a:spcBef>
-              <a:spcAft>
-                <a:spcPts val="0"/>
-              </a:spcAft>
-              <a:buClr>
-                <a:schemeClr val="tx1"/>
-              </a:buClr>
-              <a:buSzPct val="90000"/>
-              <a:buFont typeface="Arial" charset="0"/>
-              <a:buChar char="•"/>
-              <a:tabLst/>
-              <a:defRPr/>
-            </a:pPr>
-            <a:r>
-              <a:rPr lang="en-US" sz="2600" dirty="0">
-                <a:latin typeface="Helvetica Neue Light" panose="02000403000000020004" pitchFamily="2" charset="0"/>
-                <a:ea typeface="Helvetica Neue Light" panose="02000403000000020004" pitchFamily="2" charset="0"/>
-                <a:cs typeface="Calibri"/>
-              </a:rPr>
-              <a:t>Why?  Because P3 and P4 </a:t>
-            </a:r>
-            <a:r>
-              <a:rPr kumimoji="0" lang="en-US" sz="2600" u="none" strike="noStrike" kern="1200" cap="none" spc="0" normalizeH="0" noProof="0" dirty="0">
-                <a:ln>
-                  <a:noFill/>
-                </a:ln>
-                <a:solidFill>
-                  <a:schemeClr val="tx1"/>
-                </a:solidFill>
-                <a:effectLst/>
-                <a:uLnTx/>
-                <a:uFillTx/>
-                <a:latin typeface="Helvetica Neue Light" panose="02000403000000020004" pitchFamily="2" charset="0"/>
-                <a:ea typeface="Helvetica Neue Light" panose="02000403000000020004" pitchFamily="2" charset="0"/>
-                <a:cs typeface="Calibri"/>
-              </a:rPr>
-              <a:t>don’t agree on order of ops. Doesn’t matter when events took place on diff machine, as long as </a:t>
-            </a:r>
-            <a:r>
-              <a:rPr kumimoji="0" lang="en-US" sz="2600" u="none" strike="noStrike" kern="1200" cap="none" spc="0" normalizeH="0" noProof="0" dirty="0" err="1">
-                <a:ln>
-                  <a:noFill/>
-                </a:ln>
-                <a:solidFill>
-                  <a:schemeClr val="tx1"/>
-                </a:solidFill>
-                <a:effectLst/>
-                <a:uLnTx/>
-                <a:uFillTx/>
-                <a:latin typeface="Helvetica Neue Light" panose="02000403000000020004" pitchFamily="2" charset="0"/>
-                <a:ea typeface="Helvetica Neue Light" panose="02000403000000020004" pitchFamily="2" charset="0"/>
-                <a:cs typeface="Calibri"/>
-              </a:rPr>
-              <a:t>proc’s</a:t>
-            </a:r>
-            <a:r>
-              <a:rPr kumimoji="0" lang="en-US" sz="2600" u="none" strike="noStrike" kern="1200" cap="none" spc="0" normalizeH="0" noProof="0" dirty="0">
-                <a:ln>
-                  <a:noFill/>
-                </a:ln>
-                <a:solidFill>
-                  <a:schemeClr val="tx1"/>
-                </a:solidFill>
-                <a:effectLst/>
-                <a:uLnTx/>
-                <a:uFillTx/>
-                <a:latin typeface="Helvetica Neue Light" panose="02000403000000020004" pitchFamily="2" charset="0"/>
-                <a:ea typeface="Helvetica Neue Light" panose="02000403000000020004" pitchFamily="2" charset="0"/>
-                <a:cs typeface="Calibri"/>
-              </a:rPr>
-              <a:t> AGREE on order.  </a:t>
-            </a:r>
-          </a:p>
-          <a:p>
-            <a:pPr marL="457200" marR="0" lvl="0" indent="-457200" algn="l" defTabSz="914400" rtl="0" eaLnBrk="1" fontAlgn="auto" latinLnBrk="0" hangingPunct="1">
-              <a:lnSpc>
-                <a:spcPct val="100000"/>
-              </a:lnSpc>
-              <a:spcBef>
-                <a:spcPts val="2200"/>
-              </a:spcBef>
-              <a:spcAft>
-                <a:spcPts val="0"/>
-              </a:spcAft>
-              <a:buClr>
-                <a:schemeClr val="tx1"/>
-              </a:buClr>
-              <a:buSzPct val="90000"/>
-              <a:buFont typeface="Arial" charset="0"/>
-              <a:buChar char="•"/>
-              <a:tabLst/>
-              <a:defRPr/>
-            </a:pPr>
-            <a:r>
-              <a:rPr kumimoji="0" lang="en-US" sz="2600" u="none" strike="noStrike" kern="1200" cap="none" spc="0" normalizeH="0" noProof="0" dirty="0">
-                <a:ln>
-                  <a:noFill/>
-                </a:ln>
-                <a:solidFill>
-                  <a:schemeClr val="tx1"/>
-                </a:solidFill>
-                <a:effectLst/>
-                <a:uLnTx/>
-                <a:uFillTx/>
-                <a:latin typeface="Helvetica Neue Light" panose="02000403000000020004" pitchFamily="2" charset="0"/>
-                <a:ea typeface="Helvetica Neue Light" panose="02000403000000020004" pitchFamily="2" charset="0"/>
-                <a:cs typeface="Calibri"/>
-              </a:rPr>
-              <a:t>What if P1 did both W(x)a and W(x)b? </a:t>
-            </a:r>
-          </a:p>
-          <a:p>
-            <a:pPr marL="914400" lvl="1" indent="-457200" algn="l" fontAlgn="auto">
-              <a:spcBef>
-                <a:spcPts val="800"/>
-              </a:spcBef>
-              <a:spcAft>
-                <a:spcPts val="0"/>
-              </a:spcAft>
-              <a:buClr>
-                <a:schemeClr val="tx1"/>
-              </a:buClr>
-              <a:buSzPct val="90000"/>
-              <a:buFont typeface=".HelveticaNeueDeskInterface-Regular" charset="-120"/>
-              <a:buChar char="-"/>
-              <a:defRPr/>
-            </a:pPr>
-            <a:r>
-              <a:rPr kumimoji="0" lang="en-US" sz="2400" u="none" strike="noStrike" kern="1200" cap="none" spc="0" normalizeH="0" noProof="0" dirty="0">
-                <a:ln>
-                  <a:noFill/>
-                </a:ln>
-                <a:solidFill>
-                  <a:schemeClr val="tx1"/>
-                </a:solidFill>
-                <a:effectLst/>
-                <a:uLnTx/>
-                <a:uFillTx/>
-                <a:latin typeface="Helvetica Neue Light" panose="02000403000000020004" pitchFamily="2" charset="0"/>
-                <a:ea typeface="Helvetica Neue Light" panose="02000403000000020004" pitchFamily="2" charset="0"/>
-                <a:cs typeface="Calibri"/>
-              </a:rPr>
-              <a:t>Neither valid, as (a) doesn’t preserve local ordering</a:t>
-            </a:r>
-            <a:endParaRPr kumimoji="0" lang="en-US" sz="2400" u="none" strike="noStrike" kern="1200" cap="none" spc="0" normalizeH="0" baseline="0" noProof="0" dirty="0">
-              <a:ln>
-                <a:noFill/>
-              </a:ln>
-              <a:solidFill>
-                <a:schemeClr val="tx1"/>
-              </a:solidFill>
-              <a:effectLst/>
-              <a:uLnTx/>
-              <a:uFillTx/>
-              <a:latin typeface="Helvetica Neue Light" panose="02000403000000020004" pitchFamily="2" charset="0"/>
-              <a:ea typeface="Helvetica Neue Light" panose="02000403000000020004" pitchFamily="2" charset="0"/>
-              <a:cs typeface="Calibri"/>
-            </a:endParaRPr>
-          </a:p>
-        </p:txBody>
-      </p:sp>
-      <p:sp>
-        <p:nvSpPr>
-          <p:cNvPr id="2" name="Footer Placeholder 1">
-            <a:extLst>
-              <a:ext uri="{FF2B5EF4-FFF2-40B4-BE49-F238E27FC236}">
-                <a16:creationId xmlns:a16="http://schemas.microsoft.com/office/drawing/2014/main" id="{5E5B246B-43E7-AF44-BD23-B1654897612B}"/>
-              </a:ext>
-            </a:extLst>
-          </p:cNvPr>
-          <p:cNvSpPr>
-            <a:spLocks noGrp="1"/>
-          </p:cNvSpPr>
-          <p:nvPr>
-            <p:ph type="ftr" sz="quarter" idx="11"/>
-          </p:nvPr>
-        </p:nvSpPr>
-        <p:spPr/>
-        <p:txBody>
-          <a:bodyPr/>
-          <a:lstStyle/>
-          <a:p>
-            <a:r>
-              <a:rPr lang="en-US"/>
-              <a:t>UVA CS4740 Fall '24</a:t>
-            </a:r>
-            <a:endParaRPr lang="en-US" dirty="0"/>
-          </a:p>
-        </p:txBody>
-      </p:sp>
-      <p:sp>
-        <p:nvSpPr>
-          <p:cNvPr id="3" name="Slide Number Placeholder 2">
-            <a:extLst>
-              <a:ext uri="{FF2B5EF4-FFF2-40B4-BE49-F238E27FC236}">
-                <a16:creationId xmlns:a16="http://schemas.microsoft.com/office/drawing/2014/main" id="{7D63F8E4-C841-AF4F-B538-BC9C38CAC24C}"/>
-              </a:ext>
-            </a:extLst>
-          </p:cNvPr>
-          <p:cNvSpPr>
-            <a:spLocks noGrp="1"/>
-          </p:cNvSpPr>
-          <p:nvPr>
-            <p:ph type="sldNum" sz="quarter" idx="12"/>
-          </p:nvPr>
-        </p:nvSpPr>
-        <p:spPr/>
-        <p:txBody>
-          <a:bodyPr/>
-          <a:lstStyle/>
-          <a:p>
-            <a:fld id="{3FEAB63E-74B1-D643-A3C6-246018F1E4D4}" type="slidenum">
-              <a:rPr lang="en-US" smtClean="0"/>
-              <a:pPr/>
-              <a:t>48</a:t>
-            </a:fld>
-            <a:endParaRPr lang="en-US"/>
-          </a:p>
-        </p:txBody>
-      </p:sp>
-      <p:sp>
-        <p:nvSpPr>
-          <p:cNvPr id="4" name="Date Placeholder 3">
-            <a:extLst>
-              <a:ext uri="{FF2B5EF4-FFF2-40B4-BE49-F238E27FC236}">
-                <a16:creationId xmlns:a16="http://schemas.microsoft.com/office/drawing/2014/main" id="{B24EF3C0-2B99-AF43-8A38-04917BD3042A}"/>
-              </a:ext>
-            </a:extLst>
-          </p:cNvPr>
-          <p:cNvSpPr>
-            <a:spLocks noGrp="1"/>
-          </p:cNvSpPr>
-          <p:nvPr>
-            <p:ph type="dt" sz="half" idx="10"/>
-          </p:nvPr>
-        </p:nvSpPr>
-        <p:spPr/>
-        <p:txBody>
-          <a:bodyPr/>
-          <a:lstStyle/>
-          <a:p>
-            <a:r>
-              <a:rPr lang="en-US"/>
-              <a:t>Y. Cheng</a:t>
-            </a:r>
-            <a:endParaRPr lang="en-US" dirty="0"/>
-          </a:p>
-        </p:txBody>
-      </p:sp>
-    </p:spTree>
-    <p:extLst>
-      <p:ext uri="{BB962C8B-B14F-4D97-AF65-F5344CB8AC3E}">
-        <p14:creationId xmlns:p14="http://schemas.microsoft.com/office/powerpoint/2010/main" val="4057003748"/>
-      </p:ext>
-    </p:extLst>
-  </p:cSld>
-  <p:clrMapOvr>
-    <a:masterClrMapping/>
-  </p:clrMapOvr>
-  <p:timing>
-    <p:tnLst>
-      <p:par>
-        <p:cTn id="1" dur="indefinite" restart="never" nodeType="tmRoot">
-          <p:childTnLst>
-            <p:seq concurrent="1" nextAc="seek">
-              <p:cTn id="2" dur="indefinite" nodeType="mainSeq">
-                <p:childTnLst>
-                  <p:par>
-                    <p:cTn id="3" fill="hold">
-                      <p:stCondLst>
-                        <p:cond delay="indefinite"/>
-                      </p:stCondLst>
-                      <p:childTnLst>
-                        <p:par>
-                          <p:cTn id="4" fill="hold">
-                            <p:stCondLst>
-                              <p:cond delay="0"/>
-                            </p:stCondLst>
-                            <p:childTnLst>
-                              <p:par>
-                                <p:cTn id="5" presetID="55" presetClass="entr" presetSubtype="0" fill="hold" grpId="0" nodeType="clickEffect">
-                                  <p:stCondLst>
-                                    <p:cond delay="0"/>
-                                  </p:stCondLst>
-                                  <p:childTnLst>
-                                    <p:set>
-                                      <p:cBhvr>
-                                        <p:cTn id="6" dur="1" fill="hold">
-                                          <p:stCondLst>
-                                            <p:cond delay="0"/>
-                                          </p:stCondLst>
-                                        </p:cTn>
-                                        <p:tgtEl>
-                                          <p:spTgt spid="10"/>
-                                        </p:tgtEl>
-                                        <p:attrNameLst>
-                                          <p:attrName>style.visibility</p:attrName>
-                                        </p:attrNameLst>
-                                      </p:cBhvr>
-                                      <p:to>
-                                        <p:strVal val="visible"/>
-                                      </p:to>
-                                    </p:set>
-                                    <p:anim calcmode="lin" valueType="num">
-                                      <p:cBhvr>
-                                        <p:cTn id="7" dur="1000" fill="hold"/>
-                                        <p:tgtEl>
-                                          <p:spTgt spid="10"/>
-                                        </p:tgtEl>
-                                        <p:attrNameLst>
-                                          <p:attrName>ppt_w</p:attrName>
-                                        </p:attrNameLst>
-                                      </p:cBhvr>
-                                      <p:tavLst>
-                                        <p:tav tm="0">
-                                          <p:val>
-                                            <p:strVal val="#ppt_w*0.70"/>
-                                          </p:val>
-                                        </p:tav>
-                                        <p:tav tm="100000">
-                                          <p:val>
-                                            <p:strVal val="#ppt_w"/>
-                                          </p:val>
-                                        </p:tav>
-                                      </p:tavLst>
-                                    </p:anim>
-                                    <p:anim calcmode="lin" valueType="num">
-                                      <p:cBhvr>
-                                        <p:cTn id="8" dur="1000" fill="hold"/>
-                                        <p:tgtEl>
-                                          <p:spTgt spid="10"/>
-                                        </p:tgtEl>
-                                        <p:attrNameLst>
-                                          <p:attrName>ppt_h</p:attrName>
-                                        </p:attrNameLst>
-                                      </p:cBhvr>
-                                      <p:tavLst>
-                                        <p:tav tm="0">
-                                          <p:val>
-                                            <p:strVal val="#ppt_h"/>
-                                          </p:val>
-                                        </p:tav>
-                                        <p:tav tm="100000">
-                                          <p:val>
-                                            <p:strVal val="#ppt_h"/>
-                                          </p:val>
-                                        </p:tav>
-                                      </p:tavLst>
-                                    </p:anim>
-                                    <p:animEffect transition="in" filter="fade">
-                                      <p:cBhvr>
-                                        <p:cTn id="9" dur="1000"/>
-                                        <p:tgtEl>
-                                          <p:spTgt spid="10"/>
-                                        </p:tgtEl>
-                                      </p:cBhvr>
-                                    </p:animEffect>
-                                  </p:childTnLst>
-                                </p:cTn>
-                              </p:par>
-                              <p:par>
-                                <p:cTn id="10" presetID="55" presetClass="entr" presetSubtype="0" fill="hold" grpId="0" nodeType="withEffect">
-                                  <p:stCondLst>
-                                    <p:cond delay="0"/>
-                                  </p:stCondLst>
-                                  <p:childTnLst>
-                                    <p:set>
-                                      <p:cBhvr>
-                                        <p:cTn id="11" dur="1" fill="hold">
-                                          <p:stCondLst>
-                                            <p:cond delay="0"/>
-                                          </p:stCondLst>
-                                        </p:cTn>
-                                        <p:tgtEl>
-                                          <p:spTgt spid="9"/>
-                                        </p:tgtEl>
-                                        <p:attrNameLst>
-                                          <p:attrName>style.visibility</p:attrName>
-                                        </p:attrNameLst>
-                                      </p:cBhvr>
-                                      <p:to>
-                                        <p:strVal val="visible"/>
-                                      </p:to>
-                                    </p:set>
-                                    <p:anim calcmode="lin" valueType="num">
-                                      <p:cBhvr>
-                                        <p:cTn id="12" dur="1000" fill="hold"/>
-                                        <p:tgtEl>
-                                          <p:spTgt spid="9"/>
-                                        </p:tgtEl>
-                                        <p:attrNameLst>
-                                          <p:attrName>ppt_w</p:attrName>
-                                        </p:attrNameLst>
-                                      </p:cBhvr>
-                                      <p:tavLst>
-                                        <p:tav tm="0">
-                                          <p:val>
-                                            <p:strVal val="#ppt_w*0.70"/>
-                                          </p:val>
-                                        </p:tav>
-                                        <p:tav tm="100000">
-                                          <p:val>
-                                            <p:strVal val="#ppt_w"/>
-                                          </p:val>
-                                        </p:tav>
-                                      </p:tavLst>
-                                    </p:anim>
-                                    <p:anim calcmode="lin" valueType="num">
-                                      <p:cBhvr>
-                                        <p:cTn id="13" dur="1000" fill="hold"/>
-                                        <p:tgtEl>
-                                          <p:spTgt spid="9"/>
-                                        </p:tgtEl>
-                                        <p:attrNameLst>
-                                          <p:attrName>ppt_h</p:attrName>
-                                        </p:attrNameLst>
-                                      </p:cBhvr>
-                                      <p:tavLst>
-                                        <p:tav tm="0">
-                                          <p:val>
-                                            <p:strVal val="#ppt_h"/>
-                                          </p:val>
-                                        </p:tav>
-                                        <p:tav tm="100000">
-                                          <p:val>
-                                            <p:strVal val="#ppt_h"/>
-                                          </p:val>
-                                        </p:tav>
-                                      </p:tavLst>
-                                    </p:anim>
-                                    <p:animEffect transition="in" filter="fade">
-                                      <p:cBhvr>
-                                        <p:cTn id="14" dur="1000"/>
-                                        <p:tgtEl>
-                                          <p:spTgt spid="9"/>
-                                        </p:tgtEl>
-                                      </p:cBhvr>
-                                    </p:animEffect>
-                                  </p:childTnLst>
-                                </p:cTn>
-                              </p:par>
-                              <p:par>
-                                <p:cTn id="15" presetID="1" presetClass="entr" presetSubtype="0" fill="hold" grpId="0" nodeType="withEffect">
-                                  <p:stCondLst>
-                                    <p:cond delay="0"/>
-                                  </p:stCondLst>
-                                  <p:childTnLst>
-                                    <p:set>
-                                      <p:cBhvr>
-                                        <p:cTn id="16" dur="1" fill="hold">
-                                          <p:stCondLst>
-                                            <p:cond delay="0"/>
-                                          </p:stCondLst>
-                                        </p:cTn>
-                                        <p:tgtEl>
-                                          <p:spTgt spid="6">
-                                            <p:txEl>
-                                              <p:pRg st="0" end="0"/>
-                                            </p:txEl>
-                                          </p:spTgt>
-                                        </p:tgtEl>
-                                        <p:attrNameLst>
-                                          <p:attrName>style.visibility</p:attrName>
-                                        </p:attrNameLst>
-                                      </p:cBhvr>
-                                      <p:to>
-                                        <p:strVal val="visible"/>
-                                      </p:to>
-                                    </p:set>
-                                  </p:childTnLst>
-                                </p:cTn>
-                              </p:par>
-                            </p:childTnLst>
-                          </p:cTn>
-                        </p:par>
-                      </p:childTnLst>
-                    </p:cTn>
-                  </p:par>
-                  <p:par>
-                    <p:cTn id="17" fill="hold">
-                      <p:stCondLst>
-                        <p:cond delay="indefinite"/>
-                      </p:stCondLst>
-                      <p:childTnLst>
-                        <p:par>
-                          <p:cTn id="18" fill="hold">
-                            <p:stCondLst>
-                              <p:cond delay="0"/>
-                            </p:stCondLst>
-                            <p:childTnLst>
-                              <p:par>
-                                <p:cTn id="19" presetID="1" presetClass="entr" presetSubtype="0" fill="hold" grpId="0" nodeType="clickEffect">
-                                  <p:stCondLst>
-                                    <p:cond delay="0"/>
-                                  </p:stCondLst>
-                                  <p:childTnLst>
-                                    <p:set>
-                                      <p:cBhvr>
-                                        <p:cTn id="20" dur="1" fill="hold">
-                                          <p:stCondLst>
-                                            <p:cond delay="0"/>
-                                          </p:stCondLst>
-                                        </p:cTn>
-                                        <p:tgtEl>
-                                          <p:spTgt spid="6">
-                                            <p:txEl>
-                                              <p:pRg st="1" end="1"/>
-                                            </p:txEl>
-                                          </p:spTgt>
-                                        </p:tgtEl>
-                                        <p:attrNameLst>
-                                          <p:attrName>style.visibility</p:attrName>
-                                        </p:attrNameLst>
-                                      </p:cBhvr>
-                                      <p:to>
-                                        <p:strVal val="visible"/>
-                                      </p:to>
-                                    </p:set>
-                                  </p:childTnLst>
-                                </p:cTn>
-                              </p:par>
-                            </p:childTnLst>
-                          </p:cTn>
-                        </p:par>
-                      </p:childTnLst>
-                    </p:cTn>
-                  </p:par>
-                  <p:par>
-                    <p:cTn id="21" fill="hold">
-                      <p:stCondLst>
-                        <p:cond delay="indefinite"/>
-                      </p:stCondLst>
-                      <p:childTnLst>
-                        <p:par>
-                          <p:cTn id="22" fill="hold">
-                            <p:stCondLst>
-                              <p:cond delay="0"/>
-                            </p:stCondLst>
-                            <p:childTnLst>
-                              <p:par>
-                                <p:cTn id="23" presetID="1" presetClass="entr" presetSubtype="0" fill="hold" grpId="0" nodeType="clickEffect">
-                                  <p:stCondLst>
-                                    <p:cond delay="0"/>
-                                  </p:stCondLst>
-                                  <p:childTnLst>
-                                    <p:set>
-                                      <p:cBhvr>
-                                        <p:cTn id="24" dur="1" fill="hold">
-                                          <p:stCondLst>
-                                            <p:cond delay="0"/>
-                                          </p:stCondLst>
-                                        </p:cTn>
-                                        <p:tgtEl>
-                                          <p:spTgt spid="6">
-                                            <p:txEl>
-                                              <p:pRg st="2" end="2"/>
-                                            </p:txEl>
-                                          </p:spTgt>
-                                        </p:tgtEl>
-                                        <p:attrNameLst>
-                                          <p:attrName>style.visibility</p:attrName>
-                                        </p:attrNameLst>
-                                      </p:cBhvr>
-                                      <p:to>
-                                        <p:strVal val="visible"/>
-                                      </p:to>
-                                    </p:set>
-                                  </p:childTnLst>
-                                </p:cTn>
-                              </p:par>
-                            </p:childTnLst>
-                          </p:cTn>
-                        </p:par>
-                      </p:childTnLst>
-                    </p:cTn>
-                  </p:par>
-                </p:childTnLst>
-              </p:cTn>
-              <p:prevCondLst>
-                <p:cond evt="onPrev" delay="0">
-                  <p:tgtEl>
-                    <p:sldTgt/>
-                  </p:tgtEl>
-                </p:cond>
-              </p:prevCondLst>
-              <p:nextCondLst>
-                <p:cond evt="onNext" delay="0">
-                  <p:tgtEl>
-                    <p:sldTgt/>
-                  </p:tgtEl>
-                </p:cond>
-              </p:nextCondLst>
-            </p:seq>
-          </p:childTnLst>
-        </p:cTn>
-      </p:par>
-    </p:tnLst>
-    <p:bldLst>
-      <p:bldP spid="9" grpId="0"/>
-      <p:bldP spid="10" grpId="0"/>
-      <p:bldP spid="6" grpId="0" uiExpand="1" build="allAtOnce"/>
-    </p:bldLst>
-  </p:timing>
-</p:sld>
-</file>
-
-<file path=ppt/slides/slide49.xml><?xml version="1.0" encoding="utf-8"?>
-<p:sld xmlns:a="http://schemas.openxmlformats.org/drawingml/2006/main" xmlns:r="http://schemas.openxmlformats.org/officeDocument/2006/relationships" xmlns:p="http://schemas.openxmlformats.org/presentationml/2006/main" show="0">
-  <p:cSld>
-    <p:spTree>
-      <p:nvGrpSpPr>
-        <p:cNvPr id="1" name=""/>
-        <p:cNvGrpSpPr/>
-        <p:nvPr/>
-      </p:nvGrpSpPr>
-      <p:grpSpPr>
-        <a:xfrm>
-          <a:off x="0" y="0"/>
-          <a:ext cx="0" cy="0"/>
-          <a:chOff x="0" y="0"/>
-          <a:chExt cx="0" cy="0"/>
-        </a:xfrm>
-      </p:grpSpPr>
-      <p:pic>
-        <p:nvPicPr>
-          <p:cNvPr id="23" name="Picture 22"/>
-          <p:cNvPicPr>
-            <a:picLocks/>
-          </p:cNvPicPr>
-          <p:nvPr/>
-        </p:nvPicPr>
-        <p:blipFill rotWithShape="1">
-          <a:blip r:embed="rId3"/>
-          <a:srcRect l="1921" t="-3492" r="1992" b="274"/>
-          <a:stretch/>
-        </p:blipFill>
-        <p:spPr>
-          <a:xfrm>
-            <a:off x="4661880" y="1851561"/>
-            <a:ext cx="441865" cy="479397"/>
-          </a:xfrm>
-          <a:prstGeom prst="rect">
-            <a:avLst/>
-          </a:prstGeom>
-        </p:spPr>
-      </p:pic>
-      <p:sp>
-        <p:nvSpPr>
-          <p:cNvPr id="3" name="Slide Number Placeholder 2"/>
-          <p:cNvSpPr>
-            <a:spLocks noGrp="1"/>
-          </p:cNvSpPr>
-          <p:nvPr>
-            <p:ph type="sldNum" sz="quarter" idx="12"/>
-          </p:nvPr>
-        </p:nvSpPr>
-        <p:spPr/>
-        <p:txBody>
-          <a:bodyPr/>
-          <a:lstStyle/>
-          <a:p>
-            <a:pPr>
-              <a:defRPr/>
-            </a:pPr>
-            <a:fld id="{729111C5-E04E-4942-8174-12BB645D56A6}" type="slidenum">
-              <a:rPr lang="en-US" smtClean="0"/>
-              <a:pPr>
-                <a:defRPr/>
-              </a:pPr>
-              <a:t>49</a:t>
-            </a:fld>
-            <a:endParaRPr lang="en-US" dirty="0"/>
-          </a:p>
-        </p:txBody>
-      </p:sp>
-      <p:sp>
-        <p:nvSpPr>
-          <p:cNvPr id="4" name="Title 3"/>
-          <p:cNvSpPr>
-            <a:spLocks noGrp="1"/>
-          </p:cNvSpPr>
-          <p:nvPr>
-            <p:ph type="title"/>
-          </p:nvPr>
-        </p:nvSpPr>
-        <p:spPr>
-          <a:xfrm>
-            <a:off x="350196" y="16215"/>
-            <a:ext cx="8793804" cy="1066800"/>
-          </a:xfrm>
-        </p:spPr>
-        <p:txBody>
-          <a:bodyPr/>
-          <a:lstStyle/>
-          <a:p>
-            <a:r>
-              <a:rPr lang="en-US" dirty="0"/>
-              <a:t>Intuition:  Real-time ordering</a:t>
-            </a:r>
-          </a:p>
-        </p:txBody>
-      </p:sp>
-      <p:grpSp>
-        <p:nvGrpSpPr>
-          <p:cNvPr id="12" name="Group 11"/>
-          <p:cNvGrpSpPr/>
-          <p:nvPr/>
-        </p:nvGrpSpPr>
-        <p:grpSpPr>
-          <a:xfrm>
-            <a:off x="933450" y="2572157"/>
-            <a:ext cx="7048500" cy="457200"/>
-            <a:chOff x="895350" y="2303632"/>
-            <a:chExt cx="7048500" cy="457200"/>
-          </a:xfrm>
-        </p:grpSpPr>
-        <p:cxnSp>
-          <p:nvCxnSpPr>
-            <p:cNvPr id="6" name="Straight Arrow Connector 5"/>
-            <p:cNvCxnSpPr/>
-            <p:nvPr/>
-          </p:nvCxnSpPr>
-          <p:spPr>
-            <a:xfrm flipV="1">
-              <a:off x="1504950" y="2503657"/>
-              <a:ext cx="6438900" cy="57150"/>
-            </a:xfrm>
-            <a:prstGeom prst="straightConnector1">
-              <a:avLst/>
-            </a:prstGeom>
-            <a:ln>
-              <a:prstDash val="solid"/>
-              <a:headEnd type="none" w="lg" len="lg"/>
-              <a:tailEnd type="triangle" w="lg" len="lg"/>
-            </a:ln>
-            <a:effectLst/>
-          </p:spPr>
-          <p:style>
-            <a:lnRef idx="3">
-              <a:schemeClr val="dk1"/>
-            </a:lnRef>
-            <a:fillRef idx="0">
-              <a:schemeClr val="dk1"/>
-            </a:fillRef>
-            <a:effectRef idx="2">
-              <a:schemeClr val="dk1"/>
-            </a:effectRef>
-            <a:fontRef idx="minor">
-              <a:schemeClr val="tx1"/>
-            </a:fontRef>
-          </p:style>
-        </p:cxnSp>
-        <p:sp>
-          <p:nvSpPr>
-            <p:cNvPr id="11" name="Rounded Rectangle 10"/>
-            <p:cNvSpPr/>
-            <p:nvPr/>
-          </p:nvSpPr>
-          <p:spPr>
-            <a:xfrm>
-              <a:off x="895350" y="2303632"/>
-              <a:ext cx="457200" cy="457200"/>
-            </a:xfrm>
-            <a:prstGeom prst="roundRect">
-              <a:avLst>
-                <a:gd name="adj" fmla="val 11074"/>
-              </a:avLst>
-            </a:prstGeom>
-            <a:solidFill>
-              <a:srgbClr val="E3EAF9"/>
-            </a:solidFill>
-            <a:ln>
-              <a:solidFill>
-                <a:srgbClr val="4974CB"/>
-              </a:solidFill>
-            </a:ln>
-          </p:spPr>
-          <p:style>
-            <a:lnRef idx="2">
-              <a:schemeClr val="dk1"/>
-            </a:lnRef>
-            <a:fillRef idx="1">
-              <a:schemeClr val="lt1"/>
-            </a:fillRef>
-            <a:effectRef idx="0">
-              <a:schemeClr val="dk1"/>
-            </a:effectRef>
-            <a:fontRef idx="minor">
-              <a:schemeClr val="dk1"/>
-            </a:fontRef>
-          </p:style>
-          <p:txBody>
-            <a:bodyPr rtlCol="0" anchor="ctr"/>
-            <a:lstStyle/>
-            <a:p>
-              <a:pPr algn="ctr"/>
-              <a:endParaRPr lang="en-US" sz="1000"/>
-            </a:p>
-          </p:txBody>
-        </p:sp>
-      </p:grpSp>
-      <p:grpSp>
-        <p:nvGrpSpPr>
-          <p:cNvPr id="13" name="Group 12"/>
-          <p:cNvGrpSpPr/>
-          <p:nvPr/>
-        </p:nvGrpSpPr>
-        <p:grpSpPr>
-          <a:xfrm>
-            <a:off x="933450" y="3210331"/>
-            <a:ext cx="7048500" cy="457200"/>
-            <a:chOff x="895350" y="2303632"/>
-            <a:chExt cx="7048500" cy="457200"/>
-          </a:xfrm>
-        </p:grpSpPr>
-        <p:cxnSp>
-          <p:nvCxnSpPr>
-            <p:cNvPr id="14" name="Straight Arrow Connector 13"/>
-            <p:cNvCxnSpPr/>
-            <p:nvPr/>
-          </p:nvCxnSpPr>
-          <p:spPr>
-            <a:xfrm flipV="1">
-              <a:off x="1504950" y="2503657"/>
-              <a:ext cx="6438900" cy="57150"/>
-            </a:xfrm>
-            <a:prstGeom prst="straightConnector1">
-              <a:avLst/>
-            </a:prstGeom>
-            <a:ln>
-              <a:prstDash val="solid"/>
-              <a:headEnd type="none" w="lg" len="lg"/>
-              <a:tailEnd type="triangle" w="lg" len="lg"/>
-            </a:ln>
-            <a:effectLst/>
-          </p:spPr>
-          <p:style>
-            <a:lnRef idx="3">
-              <a:schemeClr val="dk1"/>
-            </a:lnRef>
-            <a:fillRef idx="0">
-              <a:schemeClr val="dk1"/>
-            </a:fillRef>
-            <a:effectRef idx="2">
-              <a:schemeClr val="dk1"/>
-            </a:effectRef>
-            <a:fontRef idx="minor">
-              <a:schemeClr val="tx1"/>
-            </a:fontRef>
-          </p:style>
-        </p:cxnSp>
-        <p:sp>
-          <p:nvSpPr>
-            <p:cNvPr id="15" name="Rounded Rectangle 14"/>
-            <p:cNvSpPr/>
-            <p:nvPr/>
-          </p:nvSpPr>
-          <p:spPr>
-            <a:xfrm>
-              <a:off x="895350" y="2303632"/>
-              <a:ext cx="457200" cy="457200"/>
-            </a:xfrm>
-            <a:prstGeom prst="roundRect">
-              <a:avLst>
-                <a:gd name="adj" fmla="val 11074"/>
-              </a:avLst>
-            </a:prstGeom>
-            <a:solidFill>
-              <a:srgbClr val="E3EAF9"/>
-            </a:solidFill>
-            <a:ln>
-              <a:solidFill>
-                <a:srgbClr val="4974CB"/>
-              </a:solidFill>
-            </a:ln>
-          </p:spPr>
-          <p:style>
-            <a:lnRef idx="2">
-              <a:schemeClr val="dk1"/>
-            </a:lnRef>
-            <a:fillRef idx="1">
-              <a:schemeClr val="lt1"/>
-            </a:fillRef>
-            <a:effectRef idx="0">
-              <a:schemeClr val="dk1"/>
-            </a:effectRef>
-            <a:fontRef idx="minor">
-              <a:schemeClr val="dk1"/>
-            </a:fontRef>
-          </p:style>
-          <p:txBody>
-            <a:bodyPr rtlCol="0" anchor="ctr"/>
-            <a:lstStyle/>
-            <a:p>
-              <a:pPr algn="ctr"/>
-              <a:endParaRPr lang="en-US" sz="1000"/>
-            </a:p>
-          </p:txBody>
-        </p:sp>
-      </p:grpSp>
-      <p:grpSp>
-        <p:nvGrpSpPr>
-          <p:cNvPr id="16" name="Group 15"/>
-          <p:cNvGrpSpPr/>
-          <p:nvPr/>
-        </p:nvGrpSpPr>
-        <p:grpSpPr>
-          <a:xfrm>
-            <a:off x="933450" y="3848506"/>
-            <a:ext cx="7048500" cy="457200"/>
-            <a:chOff x="895350" y="2303632"/>
-            <a:chExt cx="7048500" cy="457200"/>
-          </a:xfrm>
-        </p:grpSpPr>
-        <p:cxnSp>
-          <p:nvCxnSpPr>
-            <p:cNvPr id="17" name="Straight Arrow Connector 16"/>
-            <p:cNvCxnSpPr/>
-            <p:nvPr/>
-          </p:nvCxnSpPr>
-          <p:spPr>
-            <a:xfrm flipV="1">
-              <a:off x="1504950" y="2503657"/>
-              <a:ext cx="6438900" cy="57150"/>
-            </a:xfrm>
-            <a:prstGeom prst="straightConnector1">
-              <a:avLst/>
-            </a:prstGeom>
-            <a:ln>
-              <a:prstDash val="solid"/>
-              <a:headEnd type="none" w="lg" len="lg"/>
-              <a:tailEnd type="triangle" w="lg" len="lg"/>
-            </a:ln>
-            <a:effectLst/>
-          </p:spPr>
-          <p:style>
-            <a:lnRef idx="3">
-              <a:schemeClr val="dk1"/>
-            </a:lnRef>
-            <a:fillRef idx="0">
-              <a:schemeClr val="dk1"/>
-            </a:fillRef>
-            <a:effectRef idx="2">
-              <a:schemeClr val="dk1"/>
-            </a:effectRef>
-            <a:fontRef idx="minor">
-              <a:schemeClr val="tx1"/>
-            </a:fontRef>
-          </p:style>
-        </p:cxnSp>
-        <p:sp>
-          <p:nvSpPr>
-            <p:cNvPr id="18" name="Rounded Rectangle 17"/>
-            <p:cNvSpPr/>
-            <p:nvPr/>
-          </p:nvSpPr>
-          <p:spPr>
-            <a:xfrm>
-              <a:off x="895350" y="2303632"/>
-              <a:ext cx="457200" cy="457200"/>
-            </a:xfrm>
-            <a:prstGeom prst="roundRect">
-              <a:avLst>
-                <a:gd name="adj" fmla="val 11074"/>
-              </a:avLst>
-            </a:prstGeom>
-            <a:solidFill>
-              <a:srgbClr val="E3EAF9"/>
-            </a:solidFill>
-            <a:ln>
-              <a:solidFill>
-                <a:srgbClr val="4974CB"/>
-              </a:solidFill>
-            </a:ln>
-          </p:spPr>
-          <p:style>
-            <a:lnRef idx="2">
-              <a:schemeClr val="dk1"/>
-            </a:lnRef>
-            <a:fillRef idx="1">
-              <a:schemeClr val="lt1"/>
-            </a:fillRef>
-            <a:effectRef idx="0">
-              <a:schemeClr val="dk1"/>
-            </a:effectRef>
-            <a:fontRef idx="minor">
-              <a:schemeClr val="dk1"/>
-            </a:fontRef>
-          </p:style>
-          <p:txBody>
-            <a:bodyPr rtlCol="0" anchor="ctr"/>
-            <a:lstStyle/>
-            <a:p>
-              <a:pPr algn="ctr"/>
-              <a:endParaRPr lang="en-US" sz="1000"/>
-            </a:p>
-          </p:txBody>
-        </p:sp>
-      </p:grpSp>
-      <p:pic>
-        <p:nvPicPr>
-          <p:cNvPr id="20" name="Picture 559" descr="j0431564"/>
-          <p:cNvPicPr>
-            <a:picLocks noChangeAspect="1" noChangeArrowheads="1"/>
-          </p:cNvPicPr>
-          <p:nvPr/>
-        </p:nvPicPr>
-        <p:blipFill>
-          <a:blip r:embed="rId4">
-            <a:extLst>
-              <a:ext uri="{28A0092B-C50C-407E-A947-70E740481C1C}">
-                <a14:useLocalDpi xmlns:a14="http://schemas.microsoft.com/office/drawing/2010/main" val="0"/>
-              </a:ext>
-            </a:extLst>
-          </a:blip>
-          <a:srcRect/>
-          <a:stretch>
-            <a:fillRect/>
-          </a:stretch>
-        </p:blipFill>
-        <p:spPr bwMode="auto">
-          <a:xfrm>
-            <a:off x="1478439" y="1440176"/>
-            <a:ext cx="592703" cy="535606"/>
-          </a:xfrm>
-          <a:prstGeom prst="rect">
-            <a:avLst/>
-          </a:prstGeom>
-          <a:noFill/>
-          <a:ln>
-            <a:noFill/>
-          </a:ln>
-          <a:extLst>
-            <a:ext uri="{909E8E84-426E-40DD-AFC4-6F175D3DCCD1}">
-              <a14:hiddenFill xmlns:a14="http://schemas.microsoft.com/office/drawing/2010/main">
-                <a:solidFill>
-                  <a:srgbClr val="FFFFFF"/>
-                </a:solidFill>
-              </a14:hiddenFill>
-            </a:ext>
-            <a:ext uri="{91240B29-F687-4F45-9708-019B960494DF}">
-              <a14:hiddenLine xmlns:a14="http://schemas.microsoft.com/office/drawing/2010/main" w="9525">
-                <a:solidFill>
-                  <a:srgbClr val="000000"/>
-                </a:solidFill>
-                <a:miter lim="800000"/>
-                <a:headEnd/>
-                <a:tailEnd/>
-              </a14:hiddenLine>
-            </a:ext>
-          </a:extLst>
-        </p:spPr>
-      </p:pic>
-      <p:cxnSp>
-        <p:nvCxnSpPr>
-          <p:cNvPr id="21" name="Straight Connector 20"/>
-          <p:cNvCxnSpPr/>
-          <p:nvPr/>
-        </p:nvCxnSpPr>
-        <p:spPr>
-          <a:xfrm>
-            <a:off x="2297095" y="1848932"/>
-            <a:ext cx="296352" cy="895724"/>
-          </a:xfrm>
-          <a:prstGeom prst="line">
-            <a:avLst/>
-          </a:prstGeom>
-          <a:ln w="57150" cap="rnd">
-            <a:solidFill>
-              <a:srgbClr val="C00000"/>
-            </a:solidFill>
-            <a:tailEnd type="triangle" w="med" len="lg"/>
-          </a:ln>
-          <a:effectLst/>
-        </p:spPr>
-        <p:style>
-          <a:lnRef idx="2">
-            <a:schemeClr val="dk1"/>
-          </a:lnRef>
-          <a:fillRef idx="0">
-            <a:schemeClr val="dk1"/>
-          </a:fillRef>
-          <a:effectRef idx="1">
-            <a:schemeClr val="dk1"/>
-          </a:effectRef>
-          <a:fontRef idx="minor">
-            <a:schemeClr val="tx1"/>
-          </a:fontRef>
-        </p:style>
-      </p:cxnSp>
-      <p:sp>
-        <p:nvSpPr>
-          <p:cNvPr id="22" name="TextBox 21"/>
-          <p:cNvSpPr txBox="1"/>
-          <p:nvPr/>
-        </p:nvSpPr>
-        <p:spPr>
-          <a:xfrm flipH="1">
-            <a:off x="2297095" y="1791047"/>
-            <a:ext cx="1608863" cy="400110"/>
-          </a:xfrm>
-          <a:prstGeom prst="rect">
-            <a:avLst/>
-          </a:prstGeom>
-          <a:noFill/>
-        </p:spPr>
-        <p:txBody>
-          <a:bodyPr wrap="square" rtlCol="0">
-            <a:spAutoFit/>
-          </a:bodyPr>
-          <a:lstStyle/>
-          <a:p>
-            <a:r>
-              <a:rPr lang="en-US" dirty="0">
-                <a:latin typeface="Arial" charset="0"/>
-                <a:ea typeface="Arial" charset="0"/>
-                <a:cs typeface="Arial" charset="0"/>
-              </a:rPr>
-              <a:t>write(A,1)</a:t>
-            </a:r>
-          </a:p>
-        </p:txBody>
-      </p:sp>
-      <p:cxnSp>
-        <p:nvCxnSpPr>
-          <p:cNvPr id="26" name="Straight Connector 25"/>
-          <p:cNvCxnSpPr/>
-          <p:nvPr/>
-        </p:nvCxnSpPr>
-        <p:spPr>
-          <a:xfrm flipH="1">
-            <a:off x="3745139" y="1848932"/>
-            <a:ext cx="296352" cy="895724"/>
-          </a:xfrm>
-          <a:prstGeom prst="line">
-            <a:avLst/>
-          </a:prstGeom>
-          <a:ln w="57150" cap="rnd">
-            <a:solidFill>
-              <a:srgbClr val="C00000"/>
-            </a:solidFill>
-            <a:headEnd type="triangle" w="med" len="lg"/>
-            <a:tailEnd type="none" w="med" len="lg"/>
-          </a:ln>
-          <a:effectLst/>
-          <a:scene3d>
-            <a:camera prst="orthographicFront">
-              <a:rot lat="0" lon="300000" rev="0"/>
-            </a:camera>
-            <a:lightRig rig="threePt" dir="t"/>
-          </a:scene3d>
-        </p:spPr>
-        <p:style>
-          <a:lnRef idx="2">
-            <a:schemeClr val="dk1"/>
-          </a:lnRef>
-          <a:fillRef idx="0">
-            <a:schemeClr val="dk1"/>
-          </a:fillRef>
-          <a:effectRef idx="1">
-            <a:schemeClr val="dk1"/>
-          </a:effectRef>
-          <a:fontRef idx="minor">
-            <a:schemeClr val="tx1"/>
-          </a:fontRef>
-        </p:style>
-      </p:cxnSp>
-      <p:cxnSp>
-        <p:nvCxnSpPr>
-          <p:cNvPr id="28" name="Straight Arrow Connector 27"/>
-          <p:cNvCxnSpPr/>
-          <p:nvPr/>
-        </p:nvCxnSpPr>
-        <p:spPr>
-          <a:xfrm flipV="1">
-            <a:off x="2060047" y="1695450"/>
-            <a:ext cx="3254903" cy="0"/>
-          </a:xfrm>
-          <a:prstGeom prst="straightConnector1">
-            <a:avLst/>
-          </a:prstGeom>
-          <a:ln>
-            <a:prstDash val="solid"/>
-            <a:headEnd type="none" w="lg" len="lg"/>
-            <a:tailEnd type="triangle" w="lg" len="lg"/>
-          </a:ln>
-          <a:effectLst/>
-        </p:spPr>
-        <p:style>
-          <a:lnRef idx="3">
-            <a:schemeClr val="dk1"/>
-          </a:lnRef>
-          <a:fillRef idx="0">
-            <a:schemeClr val="dk1"/>
-          </a:fillRef>
-          <a:effectRef idx="2">
-            <a:schemeClr val="dk1"/>
-          </a:effectRef>
-          <a:fontRef idx="minor">
-            <a:schemeClr val="tx1"/>
-          </a:fontRef>
-        </p:style>
-      </p:cxnSp>
-      <p:pic>
-        <p:nvPicPr>
-          <p:cNvPr id="32" name="Picture 559" descr="j0431564"/>
-          <p:cNvPicPr>
-            <a:picLocks noChangeAspect="1" noChangeArrowheads="1"/>
-          </p:cNvPicPr>
-          <p:nvPr/>
-        </p:nvPicPr>
-        <p:blipFill>
-          <a:blip r:embed="rId4">
-            <a:extLst>
-              <a:ext uri="{28A0092B-C50C-407E-A947-70E740481C1C}">
-                <a14:useLocalDpi xmlns:a14="http://schemas.microsoft.com/office/drawing/2010/main" val="0"/>
-              </a:ext>
-            </a:extLst>
-          </a:blip>
-          <a:srcRect/>
-          <a:stretch>
-            <a:fillRect/>
-          </a:stretch>
-        </p:blipFill>
-        <p:spPr bwMode="auto">
-          <a:xfrm>
-            <a:off x="4508162" y="4504142"/>
-            <a:ext cx="592703" cy="535606"/>
-          </a:xfrm>
-          <a:prstGeom prst="rect">
-            <a:avLst/>
-          </a:prstGeom>
-          <a:noFill/>
-          <a:ln>
-            <a:noFill/>
-          </a:ln>
-          <a:extLst>
-            <a:ext uri="{909E8E84-426E-40DD-AFC4-6F175D3DCCD1}">
-              <a14:hiddenFill xmlns:a14="http://schemas.microsoft.com/office/drawing/2010/main">
-                <a:solidFill>
-                  <a:srgbClr val="FFFFFF"/>
-                </a:solidFill>
-              </a14:hiddenFill>
-            </a:ext>
-            <a:ext uri="{91240B29-F687-4F45-9708-019B960494DF}">
-              <a14:hiddenLine xmlns:a14="http://schemas.microsoft.com/office/drawing/2010/main" w="9525">
-                <a:solidFill>
-                  <a:srgbClr val="000000"/>
-                </a:solidFill>
-                <a:miter lim="800000"/>
-                <a:headEnd/>
-                <a:tailEnd/>
-              </a14:hiddenLine>
-            </a:ext>
-          </a:extLst>
-        </p:spPr>
-      </p:pic>
-      <p:cxnSp>
-        <p:nvCxnSpPr>
-          <p:cNvPr id="41" name="Straight Arrow Connector 40"/>
-          <p:cNvCxnSpPr/>
-          <p:nvPr/>
-        </p:nvCxnSpPr>
-        <p:spPr>
-          <a:xfrm>
-            <a:off x="5100865" y="4785810"/>
-            <a:ext cx="2458451" cy="0"/>
-          </a:xfrm>
-          <a:prstGeom prst="straightConnector1">
-            <a:avLst/>
-          </a:prstGeom>
-          <a:ln>
-            <a:prstDash val="solid"/>
-            <a:headEnd type="none" w="lg" len="lg"/>
-            <a:tailEnd type="triangle" w="lg" len="lg"/>
-          </a:ln>
-          <a:effectLst/>
-        </p:spPr>
-        <p:style>
-          <a:lnRef idx="3">
-            <a:schemeClr val="dk1"/>
-          </a:lnRef>
-          <a:fillRef idx="0">
-            <a:schemeClr val="dk1"/>
-          </a:fillRef>
-          <a:effectRef idx="2">
-            <a:schemeClr val="dk1"/>
-          </a:effectRef>
-          <a:fontRef idx="minor">
-            <a:schemeClr val="tx1"/>
-          </a:fontRef>
-        </p:style>
-      </p:cxnSp>
-      <p:sp>
-        <p:nvSpPr>
-          <p:cNvPr id="44" name="TextBox 43"/>
-          <p:cNvSpPr txBox="1"/>
-          <p:nvPr/>
-        </p:nvSpPr>
-        <p:spPr>
-          <a:xfrm flipH="1">
-            <a:off x="3753558" y="2322835"/>
-            <a:ext cx="1377401" cy="400110"/>
-          </a:xfrm>
-          <a:prstGeom prst="rect">
-            <a:avLst/>
-          </a:prstGeom>
-          <a:noFill/>
-        </p:spPr>
-        <p:txBody>
-          <a:bodyPr wrap="square" rtlCol="0">
-            <a:spAutoFit/>
-          </a:bodyPr>
-          <a:lstStyle/>
-          <a:p>
-            <a:r>
-              <a:rPr lang="en-US" dirty="0">
-                <a:latin typeface="Arial" charset="0"/>
-                <a:ea typeface="Arial" charset="0"/>
-                <a:cs typeface="Arial" charset="0"/>
-              </a:rPr>
-              <a:t>success</a:t>
-            </a:r>
-          </a:p>
-        </p:txBody>
-      </p:sp>
-      <p:cxnSp>
-        <p:nvCxnSpPr>
-          <p:cNvPr id="27" name="Straight Connector 26"/>
-          <p:cNvCxnSpPr/>
-          <p:nvPr/>
-        </p:nvCxnSpPr>
-        <p:spPr>
-          <a:xfrm>
-            <a:off x="4442258" y="1848932"/>
-            <a:ext cx="872692" cy="2833170"/>
-          </a:xfrm>
-          <a:prstGeom prst="line">
-            <a:avLst/>
-          </a:prstGeom>
-          <a:ln w="57150" cap="rnd">
-            <a:solidFill>
-              <a:srgbClr val="00B050"/>
-            </a:solidFill>
-            <a:tailEnd type="triangle" w="med" len="lg"/>
-          </a:ln>
-          <a:effectLst/>
-        </p:spPr>
-        <p:style>
-          <a:lnRef idx="2">
-            <a:schemeClr val="dk1"/>
-          </a:lnRef>
-          <a:fillRef idx="0">
-            <a:schemeClr val="dk1"/>
-          </a:fillRef>
-          <a:effectRef idx="1">
-            <a:schemeClr val="dk1"/>
-          </a:effectRef>
-          <a:fontRef idx="minor">
-            <a:schemeClr val="tx1"/>
-          </a:fontRef>
-        </p:style>
-      </p:cxnSp>
-      <p:cxnSp>
-        <p:nvCxnSpPr>
-          <p:cNvPr id="5" name="Straight Connector 4"/>
-          <p:cNvCxnSpPr/>
-          <p:nvPr/>
-        </p:nvCxnSpPr>
-        <p:spPr>
-          <a:xfrm>
-            <a:off x="3634214" y="2572157"/>
-            <a:ext cx="0" cy="1733549"/>
-          </a:xfrm>
-          <a:prstGeom prst="line">
-            <a:avLst/>
-          </a:prstGeom>
-          <a:ln>
-            <a:solidFill>
-              <a:schemeClr val="tx2">
-                <a:lumMod val="60000"/>
-                <a:lumOff val="40000"/>
-              </a:schemeClr>
-            </a:solidFill>
-            <a:prstDash val="sysDot"/>
-            <a:headEnd type="none"/>
-            <a:tailEnd type="none"/>
-          </a:ln>
-          <a:effectLst/>
-        </p:spPr>
-        <p:style>
-          <a:lnRef idx="3">
-            <a:schemeClr val="dk1"/>
-          </a:lnRef>
-          <a:fillRef idx="0">
-            <a:schemeClr val="dk1"/>
-          </a:fillRef>
-          <a:effectRef idx="2">
-            <a:schemeClr val="dk1"/>
-          </a:effectRef>
-          <a:fontRef idx="minor">
-            <a:schemeClr val="tx1"/>
-          </a:fontRef>
-        </p:style>
-      </p:cxnSp>
-      <p:sp>
-        <p:nvSpPr>
-          <p:cNvPr id="30" name="TextBox 29"/>
-          <p:cNvSpPr txBox="1"/>
-          <p:nvPr/>
-        </p:nvSpPr>
-        <p:spPr>
-          <a:xfrm flipH="1">
-            <a:off x="2849671" y="4269488"/>
-            <a:ext cx="1592586" cy="400110"/>
-          </a:xfrm>
-          <a:prstGeom prst="rect">
-            <a:avLst/>
-          </a:prstGeom>
-          <a:noFill/>
-        </p:spPr>
-        <p:txBody>
-          <a:bodyPr wrap="square" rtlCol="0">
-            <a:spAutoFit/>
-          </a:bodyPr>
-          <a:lstStyle/>
-          <a:p>
-            <a:r>
-              <a:rPr lang="en-US" dirty="0">
-                <a:latin typeface="Arial" charset="0"/>
-                <a:ea typeface="Arial" charset="0"/>
-                <a:cs typeface="Arial" charset="0"/>
-              </a:rPr>
-              <a:t>committed</a:t>
-            </a:r>
-          </a:p>
-        </p:txBody>
-      </p:sp>
-      <p:cxnSp>
-        <p:nvCxnSpPr>
-          <p:cNvPr id="31" name="Straight Connector 30"/>
-          <p:cNvCxnSpPr/>
-          <p:nvPr/>
-        </p:nvCxnSpPr>
-        <p:spPr>
-          <a:xfrm>
-            <a:off x="2709413" y="2917669"/>
-            <a:ext cx="396046" cy="521262"/>
-          </a:xfrm>
-          <a:prstGeom prst="line">
-            <a:avLst/>
-          </a:prstGeom>
-          <a:ln w="38100" cap="rnd">
-            <a:solidFill>
-              <a:srgbClr val="00B0F0"/>
-            </a:solidFill>
-            <a:tailEnd type="triangle" w="med" len="lg"/>
-          </a:ln>
-          <a:effectLst/>
-        </p:spPr>
-        <p:style>
-          <a:lnRef idx="2">
-            <a:schemeClr val="dk1"/>
-          </a:lnRef>
-          <a:fillRef idx="0">
-            <a:schemeClr val="dk1"/>
-          </a:fillRef>
-          <a:effectRef idx="1">
-            <a:schemeClr val="dk1"/>
-          </a:effectRef>
-          <a:fontRef idx="minor">
-            <a:schemeClr val="tx1"/>
-          </a:fontRef>
-        </p:style>
-      </p:cxnSp>
-      <p:cxnSp>
-        <p:nvCxnSpPr>
-          <p:cNvPr id="33" name="Straight Connector 32"/>
-          <p:cNvCxnSpPr/>
-          <p:nvPr/>
-        </p:nvCxnSpPr>
-        <p:spPr>
-          <a:xfrm>
-            <a:off x="2694302" y="2906171"/>
-            <a:ext cx="390834" cy="1128513"/>
-          </a:xfrm>
-          <a:prstGeom prst="line">
-            <a:avLst/>
-          </a:prstGeom>
-          <a:ln w="38100" cap="rnd">
-            <a:solidFill>
-              <a:srgbClr val="00B0F0"/>
-            </a:solidFill>
-            <a:tailEnd type="triangle" w="med" len="lg"/>
-          </a:ln>
-          <a:effectLst/>
-        </p:spPr>
-        <p:style>
-          <a:lnRef idx="2">
-            <a:schemeClr val="dk1"/>
-          </a:lnRef>
-          <a:fillRef idx="0">
-            <a:schemeClr val="dk1"/>
-          </a:fillRef>
-          <a:effectRef idx="1">
-            <a:schemeClr val="dk1"/>
-          </a:effectRef>
-          <a:fontRef idx="minor">
-            <a:schemeClr val="tx1"/>
-          </a:fontRef>
-        </p:style>
-      </p:cxnSp>
-      <p:cxnSp>
-        <p:nvCxnSpPr>
-          <p:cNvPr id="37" name="Straight Connector 36"/>
-          <p:cNvCxnSpPr/>
-          <p:nvPr/>
-        </p:nvCxnSpPr>
-        <p:spPr>
-          <a:xfrm flipH="1">
-            <a:off x="3156893" y="2876800"/>
-            <a:ext cx="396046" cy="521262"/>
-          </a:xfrm>
-          <a:prstGeom prst="line">
-            <a:avLst/>
-          </a:prstGeom>
-          <a:ln w="38100" cap="rnd">
-            <a:solidFill>
-              <a:srgbClr val="00B0F0"/>
-            </a:solidFill>
-            <a:headEnd type="triangle" w="med" len="lg"/>
-            <a:tailEnd type="none" w="med" len="lg"/>
-          </a:ln>
-          <a:effectLst/>
-        </p:spPr>
-        <p:style>
-          <a:lnRef idx="2">
-            <a:schemeClr val="dk1"/>
-          </a:lnRef>
-          <a:fillRef idx="0">
-            <a:schemeClr val="dk1"/>
-          </a:fillRef>
-          <a:effectRef idx="1">
-            <a:schemeClr val="dk1"/>
-          </a:effectRef>
-          <a:fontRef idx="minor">
-            <a:schemeClr val="tx1"/>
-          </a:fontRef>
-        </p:style>
-      </p:cxnSp>
-      <p:cxnSp>
-        <p:nvCxnSpPr>
-          <p:cNvPr id="39" name="Straight Connector 38"/>
-          <p:cNvCxnSpPr/>
-          <p:nvPr/>
-        </p:nvCxnSpPr>
-        <p:spPr>
-          <a:xfrm flipH="1">
-            <a:off x="3170810" y="2865302"/>
-            <a:ext cx="390834" cy="1128513"/>
-          </a:xfrm>
-          <a:prstGeom prst="line">
-            <a:avLst/>
-          </a:prstGeom>
-          <a:ln w="38100" cap="rnd">
-            <a:solidFill>
-              <a:srgbClr val="00B0F0"/>
-            </a:solidFill>
-            <a:headEnd type="triangle" w="med" len="lg"/>
-            <a:tailEnd type="none" w="med" len="lg"/>
-          </a:ln>
-          <a:effectLst/>
-        </p:spPr>
-        <p:style>
-          <a:lnRef idx="2">
-            <a:schemeClr val="dk1"/>
-          </a:lnRef>
-          <a:fillRef idx="0">
-            <a:schemeClr val="dk1"/>
-          </a:fillRef>
-          <a:effectRef idx="1">
-            <a:schemeClr val="dk1"/>
-          </a:effectRef>
-          <a:fontRef idx="minor">
-            <a:schemeClr val="tx1"/>
-          </a:fontRef>
-        </p:style>
-      </p:cxnSp>
-      <p:cxnSp>
-        <p:nvCxnSpPr>
-          <p:cNvPr id="49" name="Straight Connector 48"/>
-          <p:cNvCxnSpPr/>
-          <p:nvPr/>
-        </p:nvCxnSpPr>
-        <p:spPr>
-          <a:xfrm>
-            <a:off x="6494585" y="2865302"/>
-            <a:ext cx="432438" cy="1844172"/>
-          </a:xfrm>
-          <a:prstGeom prst="line">
-            <a:avLst/>
-          </a:prstGeom>
-          <a:ln w="57150" cap="rnd">
-            <a:solidFill>
-              <a:srgbClr val="C00000"/>
-            </a:solidFill>
-            <a:tailEnd type="triangle" w="med" len="lg"/>
-          </a:ln>
-          <a:effectLst/>
-        </p:spPr>
-        <p:style>
-          <a:lnRef idx="2">
-            <a:schemeClr val="dk1"/>
-          </a:lnRef>
-          <a:fillRef idx="0">
-            <a:schemeClr val="dk1"/>
-          </a:fillRef>
-          <a:effectRef idx="1">
-            <a:schemeClr val="dk1"/>
-          </a:effectRef>
-          <a:fontRef idx="minor">
-            <a:schemeClr val="tx1"/>
-          </a:fontRef>
-        </p:style>
-      </p:cxnSp>
-      <p:cxnSp>
-        <p:nvCxnSpPr>
-          <p:cNvPr id="50" name="Straight Connector 49"/>
-          <p:cNvCxnSpPr/>
-          <p:nvPr/>
-        </p:nvCxnSpPr>
-        <p:spPr>
-          <a:xfrm flipH="1">
-            <a:off x="5573227" y="2829332"/>
-            <a:ext cx="452435" cy="1836600"/>
-          </a:xfrm>
-          <a:prstGeom prst="line">
-            <a:avLst/>
-          </a:prstGeom>
-          <a:ln w="57150" cap="rnd">
-            <a:solidFill>
-              <a:srgbClr val="C00000"/>
-            </a:solidFill>
-            <a:headEnd type="triangle" w="med" len="lg"/>
-            <a:tailEnd type="none" w="med" len="lg"/>
-          </a:ln>
-          <a:effectLst/>
-          <a:scene3d>
-            <a:camera prst="orthographicFront">
-              <a:rot lat="0" lon="300000" rev="0"/>
-            </a:camera>
-            <a:lightRig rig="threePt" dir="t"/>
-          </a:scene3d>
-        </p:spPr>
-        <p:style>
-          <a:lnRef idx="2">
-            <a:schemeClr val="dk1"/>
-          </a:lnRef>
-          <a:fillRef idx="0">
-            <a:schemeClr val="dk1"/>
-          </a:fillRef>
-          <a:effectRef idx="1">
-            <a:schemeClr val="dk1"/>
-          </a:effectRef>
-          <a:fontRef idx="minor">
-            <a:schemeClr val="tx1"/>
-          </a:fontRef>
-        </p:style>
-      </p:cxnSp>
-      <p:sp>
-        <p:nvSpPr>
-          <p:cNvPr id="51" name="TextBox 50"/>
-          <p:cNvSpPr txBox="1"/>
-          <p:nvPr/>
-        </p:nvSpPr>
-        <p:spPr>
-          <a:xfrm flipH="1">
-            <a:off x="6778847" y="3671822"/>
-            <a:ext cx="395905" cy="400110"/>
-          </a:xfrm>
-          <a:prstGeom prst="rect">
-            <a:avLst/>
-          </a:prstGeom>
-          <a:noFill/>
-        </p:spPr>
-        <p:txBody>
-          <a:bodyPr wrap="square" rtlCol="0">
-            <a:spAutoFit/>
-          </a:bodyPr>
-          <a:lstStyle/>
-          <a:p>
-            <a:r>
-              <a:rPr lang="en-US" dirty="0">
-                <a:latin typeface="Arial" charset="0"/>
-                <a:ea typeface="Arial" charset="0"/>
-                <a:cs typeface="Arial" charset="0"/>
-              </a:rPr>
-              <a:t>1</a:t>
-            </a:r>
-          </a:p>
-        </p:txBody>
-      </p:sp>
-      <p:sp>
-        <p:nvSpPr>
-          <p:cNvPr id="52" name="TextBox 51"/>
-          <p:cNvSpPr txBox="1"/>
-          <p:nvPr/>
-        </p:nvSpPr>
-        <p:spPr>
-          <a:xfrm flipH="1">
-            <a:off x="5599230" y="4281992"/>
-            <a:ext cx="1182739" cy="400110"/>
-          </a:xfrm>
-          <a:prstGeom prst="rect">
-            <a:avLst/>
-          </a:prstGeom>
-          <a:noFill/>
-        </p:spPr>
-        <p:txBody>
-          <a:bodyPr wrap="square" rtlCol="0">
-            <a:spAutoFit/>
-          </a:bodyPr>
-          <a:lstStyle/>
-          <a:p>
-            <a:r>
-              <a:rPr lang="en-US" dirty="0">
-                <a:latin typeface="Arial" charset="0"/>
-                <a:ea typeface="Arial" charset="0"/>
-                <a:cs typeface="Arial" charset="0"/>
-              </a:rPr>
-              <a:t>read(A)</a:t>
-            </a:r>
-          </a:p>
-        </p:txBody>
-      </p:sp>
-      <p:sp>
-        <p:nvSpPr>
-          <p:cNvPr id="34" name="Rectangle 3">
-            <a:extLst>
-              <a:ext uri="{FF2B5EF4-FFF2-40B4-BE49-F238E27FC236}">
-                <a16:creationId xmlns:a16="http://schemas.microsoft.com/office/drawing/2014/main" id="{11322EA6-78DB-3A42-8884-89A72DB1D6AB}"/>
-              </a:ext>
-            </a:extLst>
-          </p:cNvPr>
-          <p:cNvSpPr txBox="1">
-            <a:spLocks noChangeArrowheads="1"/>
-          </p:cNvSpPr>
-          <p:nvPr/>
-        </p:nvSpPr>
-        <p:spPr bwMode="auto">
-          <a:xfrm>
-            <a:off x="628650" y="4874791"/>
-            <a:ext cx="7886700" cy="1748122"/>
-          </a:xfrm>
-          <a:prstGeom prst="rect">
-            <a:avLst/>
-          </a:prstGeom>
-          <a:noFill/>
-          <a:ln w="9525">
-            <a:noFill/>
-            <a:miter lim="800000"/>
-            <a:headEnd/>
-            <a:tailEnd/>
-          </a:ln>
-        </p:spPr>
-        <p:txBody>
-          <a:bodyPr vert="horz" wrap="square" lIns="36000" tIns="36000" rIns="36000" bIns="36000" numCol="1" anchor="t" anchorCtr="0" compatLnSpc="1">
-            <a:prstTxWarp prst="textNoShape">
-              <a:avLst/>
-            </a:prstTxWarp>
-            <a:noAutofit/>
-          </a:bodyPr>
-          <a:lstStyle>
-            <a:lvl1pPr marL="342900" indent="-342900" algn="l" defTabSz="457200" rtl="0" eaLnBrk="0" fontAlgn="base" hangingPunct="0">
-              <a:lnSpc>
-                <a:spcPct val="100000"/>
-              </a:lnSpc>
-              <a:spcBef>
-                <a:spcPts val="3000"/>
-              </a:spcBef>
-              <a:spcAft>
-                <a:spcPts val="800"/>
-              </a:spcAft>
-              <a:buFont typeface="Arial" pitchFamily="-1" charset="0"/>
-              <a:buChar char="•"/>
-              <a:defRPr sz="3000" kern="1200" spc="-50" baseline="0">
-                <a:solidFill>
-                  <a:schemeClr val="tx1"/>
-                </a:solidFill>
-                <a:latin typeface="+mn-lt"/>
-                <a:ea typeface="ＭＳ Ｐゴシック" pitchFamily="-1" charset="-128"/>
-                <a:cs typeface="ＭＳ Ｐゴシック" pitchFamily="-1" charset="-128"/>
-              </a:defRPr>
-            </a:lvl1pPr>
-            <a:lvl2pPr marL="742950" marR="0" indent="-285750" algn="l" defTabSz="457200" rtl="0" eaLnBrk="0" fontAlgn="base" latinLnBrk="0" hangingPunct="0">
-              <a:lnSpc>
-                <a:spcPct val="95000"/>
-              </a:lnSpc>
-              <a:spcBef>
-                <a:spcPts val="800"/>
-              </a:spcBef>
-              <a:spcAft>
-                <a:spcPts val="800"/>
-              </a:spcAft>
-              <a:buClrTx/>
-              <a:buSzTx/>
-              <a:buFont typeface="Arial" pitchFamily="-1" charset="0"/>
-              <a:buChar char="–"/>
-              <a:tabLst/>
-              <a:defRPr sz="2800" kern="1200" spc="-50" baseline="0">
-                <a:solidFill>
-                  <a:schemeClr val="tx1"/>
-                </a:solidFill>
-                <a:latin typeface="+mn-lt"/>
-                <a:ea typeface="ＭＳ Ｐゴシック" pitchFamily="-1" charset="-128"/>
-                <a:cs typeface="+mn-cs"/>
-              </a:defRPr>
-            </a:lvl2pPr>
-            <a:lvl3pPr marL="1143000" indent="-228600" algn="l" defTabSz="457200" rtl="0" eaLnBrk="0" fontAlgn="base" hangingPunct="0">
-              <a:lnSpc>
-                <a:spcPct val="90000"/>
-              </a:lnSpc>
-              <a:spcBef>
-                <a:spcPts val="800"/>
-              </a:spcBef>
-              <a:spcAft>
-                <a:spcPct val="0"/>
-              </a:spcAft>
-              <a:buFont typeface="Arial" pitchFamily="-1" charset="0"/>
-              <a:buChar char="•"/>
-              <a:defRPr sz="2400" kern="1200" spc="-50">
-                <a:solidFill>
-                  <a:schemeClr val="tx1"/>
-                </a:solidFill>
-                <a:latin typeface="+mn-lt"/>
-                <a:ea typeface="ＭＳ Ｐゴシック" pitchFamily="-1" charset="-128"/>
-                <a:cs typeface="+mn-cs"/>
-              </a:defRPr>
-            </a:lvl3pPr>
-            <a:lvl4pPr marL="1600200" indent="-228600" algn="l" defTabSz="457200" rtl="0" eaLnBrk="0" fontAlgn="base" hangingPunct="0">
-              <a:lnSpc>
-                <a:spcPct val="90000"/>
-              </a:lnSpc>
-              <a:spcBef>
-                <a:spcPts val="800"/>
-              </a:spcBef>
-              <a:spcAft>
-                <a:spcPct val="0"/>
-              </a:spcAft>
-              <a:buFont typeface="Arial" pitchFamily="-1" charset="0"/>
-              <a:buChar char="–"/>
-              <a:defRPr sz="2200" kern="1200" spc="-50">
-                <a:solidFill>
-                  <a:schemeClr val="tx1"/>
-                </a:solidFill>
-                <a:latin typeface="+mn-lt"/>
-                <a:ea typeface="ＭＳ Ｐゴシック" pitchFamily="-1" charset="-128"/>
-                <a:cs typeface="+mn-cs"/>
-              </a:defRPr>
-            </a:lvl4pPr>
-            <a:lvl5pPr marL="2057400" indent="-228600" algn="l" defTabSz="457200" rtl="0" eaLnBrk="0" fontAlgn="base" hangingPunct="0">
-              <a:lnSpc>
-                <a:spcPct val="90000"/>
-              </a:lnSpc>
-              <a:spcBef>
-                <a:spcPts val="800"/>
-              </a:spcBef>
-              <a:spcAft>
-                <a:spcPct val="0"/>
-              </a:spcAft>
-              <a:buFont typeface="Arial" pitchFamily="-1" charset="0"/>
-              <a:buChar char="»"/>
-              <a:defRPr sz="2200" kern="1200" spc="-50">
-                <a:solidFill>
-                  <a:schemeClr val="tx1"/>
-                </a:solidFill>
-                <a:latin typeface="+mn-lt"/>
-                <a:ea typeface="ＭＳ Ｐゴシック" pitchFamily="-1" charset="-128"/>
-                <a:cs typeface="+mn-cs"/>
-              </a:defRPr>
-            </a:lvl5pPr>
-            <a:lvl6pPr marL="2514600" indent="-228600" algn="l" defTabSz="457200" rtl="0" eaLnBrk="1" latinLnBrk="0" hangingPunct="1">
-              <a:spcBef>
-                <a:spcPct val="20000"/>
-              </a:spcBef>
-              <a:buFont typeface="Arial"/>
-              <a:buChar char="•"/>
-              <a:defRPr sz="2000" kern="1200">
-                <a:solidFill>
-                  <a:schemeClr val="tx1"/>
-                </a:solidFill>
-                <a:latin typeface="+mn-lt"/>
-                <a:ea typeface="+mn-ea"/>
-                <a:cs typeface="+mn-cs"/>
-              </a:defRPr>
-            </a:lvl6pPr>
-            <a:lvl7pPr marL="2971800" indent="-228600" algn="l" defTabSz="457200" rtl="0" eaLnBrk="1" latinLnBrk="0" hangingPunct="1">
-              <a:spcBef>
-                <a:spcPct val="20000"/>
-              </a:spcBef>
-              <a:buFont typeface="Arial"/>
-              <a:buChar char="•"/>
-              <a:defRPr sz="2000" kern="1200">
-                <a:solidFill>
-                  <a:schemeClr val="tx1"/>
-                </a:solidFill>
-                <a:latin typeface="+mn-lt"/>
-                <a:ea typeface="+mn-ea"/>
-                <a:cs typeface="+mn-cs"/>
-              </a:defRPr>
-            </a:lvl7pPr>
-            <a:lvl8pPr marL="3429000" indent="-228600" algn="l" defTabSz="457200" rtl="0" eaLnBrk="1" latinLnBrk="0" hangingPunct="1">
-              <a:spcBef>
-                <a:spcPct val="20000"/>
-              </a:spcBef>
-              <a:buFont typeface="Arial"/>
-              <a:buChar char="•"/>
-              <a:defRPr sz="2000" kern="1200">
-                <a:solidFill>
-                  <a:schemeClr val="tx1"/>
-                </a:solidFill>
-                <a:latin typeface="+mn-lt"/>
-                <a:ea typeface="+mn-ea"/>
-                <a:cs typeface="+mn-cs"/>
-              </a:defRPr>
-            </a:lvl8pPr>
-            <a:lvl9pPr marL="3886200" indent="-228600" algn="l" defTabSz="457200" rtl="0" eaLnBrk="1" latinLnBrk="0" hangingPunct="1">
-              <a:spcBef>
-                <a:spcPct val="20000"/>
-              </a:spcBef>
-              <a:buFont typeface="Arial"/>
-              <a:buChar char="•"/>
-              <a:defRPr sz="2000" kern="1200">
-                <a:solidFill>
-                  <a:schemeClr val="tx1"/>
-                </a:solidFill>
-                <a:latin typeface="+mn-lt"/>
-                <a:ea typeface="+mn-ea"/>
-                <a:cs typeface="+mn-cs"/>
-              </a:defRPr>
-            </a:lvl9pPr>
-          </a:lstStyle>
-          <a:p>
-            <a:pPr>
-              <a:spcBef>
-                <a:spcPts val="800"/>
-              </a:spcBef>
-              <a:spcAft>
-                <a:spcPts val="600"/>
-              </a:spcAft>
-            </a:pPr>
-            <a:r>
-              <a:rPr lang="en-US" sz="2400" dirty="0">
-                <a:latin typeface="Helvetica Neue Light" panose="02000403000000020004" pitchFamily="2" charset="0"/>
-                <a:ea typeface="Helvetica Neue Light" panose="02000403000000020004" pitchFamily="2" charset="0"/>
-              </a:rPr>
-              <a:t>Once write completes, all later reads (by wall-clock start time) should return value of that write or value of later write.</a:t>
-            </a:r>
-          </a:p>
-          <a:p>
-            <a:pPr>
-              <a:spcBef>
-                <a:spcPts val="800"/>
-              </a:spcBef>
-              <a:spcAft>
-                <a:spcPts val="600"/>
-              </a:spcAft>
-            </a:pPr>
-            <a:r>
-              <a:rPr lang="en-US" sz="2400" dirty="0">
-                <a:latin typeface="Helvetica Neue Light" panose="02000403000000020004" pitchFamily="2" charset="0"/>
-                <a:ea typeface="Helvetica Neue Light" panose="02000403000000020004" pitchFamily="2" charset="0"/>
-              </a:rPr>
-              <a:t>Once read returns particular value, all later reads should return that value or value of later write.</a:t>
-            </a:r>
-          </a:p>
-        </p:txBody>
-      </p:sp>
-      <p:sp>
-        <p:nvSpPr>
-          <p:cNvPr id="2" name="Footer Placeholder 1">
-            <a:extLst>
-              <a:ext uri="{FF2B5EF4-FFF2-40B4-BE49-F238E27FC236}">
-                <a16:creationId xmlns:a16="http://schemas.microsoft.com/office/drawing/2014/main" id="{E5D5F9FA-D37C-B941-A7C0-D78105FC68F7}"/>
-              </a:ext>
-            </a:extLst>
-          </p:cNvPr>
-          <p:cNvSpPr>
-            <a:spLocks noGrp="1"/>
-          </p:cNvSpPr>
-          <p:nvPr>
-            <p:ph type="ftr" sz="quarter" idx="11"/>
-          </p:nvPr>
-        </p:nvSpPr>
-        <p:spPr/>
-        <p:txBody>
-          <a:bodyPr/>
-          <a:lstStyle/>
-          <a:p>
-            <a:r>
-              <a:rPr lang="en-US"/>
-              <a:t>UVA CS4740 Fall '24</a:t>
-            </a:r>
-            <a:endParaRPr lang="en-US" dirty="0"/>
-          </a:p>
-        </p:txBody>
-      </p:sp>
-      <p:sp>
-        <p:nvSpPr>
-          <p:cNvPr id="7" name="Date Placeholder 6">
-            <a:extLst>
-              <a:ext uri="{FF2B5EF4-FFF2-40B4-BE49-F238E27FC236}">
-                <a16:creationId xmlns:a16="http://schemas.microsoft.com/office/drawing/2014/main" id="{E69A6938-811A-DA41-AB68-7686D7645767}"/>
-              </a:ext>
-            </a:extLst>
-          </p:cNvPr>
-          <p:cNvSpPr>
-            <a:spLocks noGrp="1"/>
-          </p:cNvSpPr>
-          <p:nvPr>
-            <p:ph type="dt" sz="half" idx="10"/>
-          </p:nvPr>
-        </p:nvSpPr>
-        <p:spPr/>
-        <p:txBody>
-          <a:bodyPr/>
-          <a:lstStyle/>
-          <a:p>
-            <a:r>
-              <a:rPr lang="en-US"/>
-              <a:t>Y. Cheng</a:t>
-            </a:r>
-            <a:endParaRPr lang="en-US" dirty="0"/>
-          </a:p>
-        </p:txBody>
-      </p:sp>
-    </p:spTree>
-    <p:extLst>
-      <p:ext uri="{BB962C8B-B14F-4D97-AF65-F5344CB8AC3E}">
-        <p14:creationId xmlns:p14="http://schemas.microsoft.com/office/powerpoint/2010/main" val="1928252345"/>
       </p:ext>
     </p:extLst>
   </p:cSld>
